--- a/git및github첫걸음11-명령어모음.pptx
+++ b/git및github첫걸음11-명령어모음.pptx
@@ -5,7 +5,7 @@
     <p:sldMasterId id="2147483660" r:id="rId1"/>
   </p:sldMasterIdLst>
   <p:notesMasterIdLst>
-    <p:notesMasterId r:id="rId25"/>
+    <p:notesMasterId r:id="rId26"/>
   </p:notesMasterIdLst>
   <p:sldIdLst>
     <p:sldId id="404" r:id="rId2"/>
@@ -14,23 +14,24 @@
     <p:sldId id="478" r:id="rId5"/>
     <p:sldId id="479" r:id="rId6"/>
     <p:sldId id="480" r:id="rId7"/>
-    <p:sldId id="481" r:id="rId8"/>
-    <p:sldId id="482" r:id="rId9"/>
-    <p:sldId id="483" r:id="rId10"/>
-    <p:sldId id="485" r:id="rId11"/>
-    <p:sldId id="486" r:id="rId12"/>
-    <p:sldId id="477" r:id="rId13"/>
-    <p:sldId id="484" r:id="rId14"/>
-    <p:sldId id="472" r:id="rId15"/>
-    <p:sldId id="467" r:id="rId16"/>
-    <p:sldId id="474" r:id="rId17"/>
-    <p:sldId id="468" r:id="rId18"/>
-    <p:sldId id="469" r:id="rId19"/>
-    <p:sldId id="470" r:id="rId20"/>
-    <p:sldId id="471" r:id="rId21"/>
-    <p:sldId id="466" r:id="rId22"/>
-    <p:sldId id="475" r:id="rId23"/>
-    <p:sldId id="476" r:id="rId24"/>
+    <p:sldId id="488" r:id="rId8"/>
+    <p:sldId id="481" r:id="rId9"/>
+    <p:sldId id="482" r:id="rId10"/>
+    <p:sldId id="483" r:id="rId11"/>
+    <p:sldId id="485" r:id="rId12"/>
+    <p:sldId id="486" r:id="rId13"/>
+    <p:sldId id="477" r:id="rId14"/>
+    <p:sldId id="484" r:id="rId15"/>
+    <p:sldId id="472" r:id="rId16"/>
+    <p:sldId id="467" r:id="rId17"/>
+    <p:sldId id="474" r:id="rId18"/>
+    <p:sldId id="468" r:id="rId19"/>
+    <p:sldId id="469" r:id="rId20"/>
+    <p:sldId id="470" r:id="rId21"/>
+    <p:sldId id="471" r:id="rId22"/>
+    <p:sldId id="466" r:id="rId23"/>
+    <p:sldId id="475" r:id="rId24"/>
+    <p:sldId id="476" r:id="rId25"/>
   </p:sldIdLst>
   <p:sldSz cx="9144000" cy="6858000" type="screen4x3"/>
   <p:notesSz cx="6858000" cy="9144000"/>
@@ -655,7 +656,7 @@
     </p:spTree>
     <p:extLst>
       <p:ext uri="{BB962C8B-B14F-4D97-AF65-F5344CB8AC3E}">
-        <p14:creationId xmlns:p14="http://schemas.microsoft.com/office/powerpoint/2010/main" val="2850246114"/>
+        <p14:creationId xmlns:p14="http://schemas.microsoft.com/office/powerpoint/2010/main" val="849508684"/>
       </p:ext>
     </p:extLst>
   </p:cSld>
@@ -739,7 +740,7 @@
     </p:spTree>
     <p:extLst>
       <p:ext uri="{BB962C8B-B14F-4D97-AF65-F5344CB8AC3E}">
-        <p14:creationId xmlns:p14="http://schemas.microsoft.com/office/powerpoint/2010/main" val="237887688"/>
+        <p14:creationId xmlns:p14="http://schemas.microsoft.com/office/powerpoint/2010/main" val="2850246114"/>
       </p:ext>
     </p:extLst>
   </p:cSld>
@@ -823,7 +824,7 @@
     </p:spTree>
     <p:extLst>
       <p:ext uri="{BB962C8B-B14F-4D97-AF65-F5344CB8AC3E}">
-        <p14:creationId xmlns:p14="http://schemas.microsoft.com/office/powerpoint/2010/main" val="3682766006"/>
+        <p14:creationId xmlns:p14="http://schemas.microsoft.com/office/powerpoint/2010/main" val="237887688"/>
       </p:ext>
     </p:extLst>
   </p:cSld>
@@ -907,7 +908,7 @@
     </p:spTree>
     <p:extLst>
       <p:ext uri="{BB962C8B-B14F-4D97-AF65-F5344CB8AC3E}">
-        <p14:creationId xmlns:p14="http://schemas.microsoft.com/office/powerpoint/2010/main" val="4262342391"/>
+        <p14:creationId xmlns:p14="http://schemas.microsoft.com/office/powerpoint/2010/main" val="3682766006"/>
       </p:ext>
     </p:extLst>
   </p:cSld>
@@ -991,7 +992,7 @@
     </p:spTree>
     <p:extLst>
       <p:ext uri="{BB962C8B-B14F-4D97-AF65-F5344CB8AC3E}">
-        <p14:creationId xmlns:p14="http://schemas.microsoft.com/office/powerpoint/2010/main" val="2227767980"/>
+        <p14:creationId xmlns:p14="http://schemas.microsoft.com/office/powerpoint/2010/main" val="4262342391"/>
       </p:ext>
     </p:extLst>
   </p:cSld>
@@ -1075,7 +1076,7 @@
     </p:spTree>
     <p:extLst>
       <p:ext uri="{BB962C8B-B14F-4D97-AF65-F5344CB8AC3E}">
-        <p14:creationId xmlns:p14="http://schemas.microsoft.com/office/powerpoint/2010/main" val="3648108459"/>
+        <p14:creationId xmlns:p14="http://schemas.microsoft.com/office/powerpoint/2010/main" val="2227767980"/>
       </p:ext>
     </p:extLst>
   </p:cSld>
@@ -1159,7 +1160,7 @@
     </p:spTree>
     <p:extLst>
       <p:ext uri="{BB962C8B-B14F-4D97-AF65-F5344CB8AC3E}">
-        <p14:creationId xmlns:p14="http://schemas.microsoft.com/office/powerpoint/2010/main" val="1506570229"/>
+        <p14:creationId xmlns:p14="http://schemas.microsoft.com/office/powerpoint/2010/main" val="3648108459"/>
       </p:ext>
     </p:extLst>
   </p:cSld>
@@ -1243,7 +1244,7 @@
     </p:spTree>
     <p:extLst>
       <p:ext uri="{BB962C8B-B14F-4D97-AF65-F5344CB8AC3E}">
-        <p14:creationId xmlns:p14="http://schemas.microsoft.com/office/powerpoint/2010/main" val="677538539"/>
+        <p14:creationId xmlns:p14="http://schemas.microsoft.com/office/powerpoint/2010/main" val="1506570229"/>
       </p:ext>
     </p:extLst>
   </p:cSld>
@@ -1327,7 +1328,7 @@
     </p:spTree>
     <p:extLst>
       <p:ext uri="{BB962C8B-B14F-4D97-AF65-F5344CB8AC3E}">
-        <p14:creationId xmlns:p14="http://schemas.microsoft.com/office/powerpoint/2010/main" val="4149077798"/>
+        <p14:creationId xmlns:p14="http://schemas.microsoft.com/office/powerpoint/2010/main" val="677538539"/>
       </p:ext>
     </p:extLst>
   </p:cSld>
@@ -1411,7 +1412,7 @@
     </p:spTree>
     <p:extLst>
       <p:ext uri="{BB962C8B-B14F-4D97-AF65-F5344CB8AC3E}">
-        <p14:creationId xmlns:p14="http://schemas.microsoft.com/office/powerpoint/2010/main" val="3732054475"/>
+        <p14:creationId xmlns:p14="http://schemas.microsoft.com/office/powerpoint/2010/main" val="4149077798"/>
       </p:ext>
     </p:extLst>
   </p:cSld>
@@ -1579,7 +1580,7 @@
     </p:spTree>
     <p:extLst>
       <p:ext uri="{BB962C8B-B14F-4D97-AF65-F5344CB8AC3E}">
-        <p14:creationId xmlns:p14="http://schemas.microsoft.com/office/powerpoint/2010/main" val="1380875406"/>
+        <p14:creationId xmlns:p14="http://schemas.microsoft.com/office/powerpoint/2010/main" val="3732054475"/>
       </p:ext>
     </p:extLst>
   </p:cSld>
@@ -1663,7 +1664,7 @@
     </p:spTree>
     <p:extLst>
       <p:ext uri="{BB962C8B-B14F-4D97-AF65-F5344CB8AC3E}">
-        <p14:creationId xmlns:p14="http://schemas.microsoft.com/office/powerpoint/2010/main" val="318880274"/>
+        <p14:creationId xmlns:p14="http://schemas.microsoft.com/office/powerpoint/2010/main" val="1380875406"/>
       </p:ext>
     </p:extLst>
   </p:cSld>
@@ -1739,6 +1740,90 @@
             <a:fld id="{625D4AC4-540A-4436-887D-BF6A8FCF1275}" type="slidenum">
               <a:rPr lang="ko-KR" altLang="en-US" smtClean="0"/>
               <a:t>23</a:t>
+            </a:fld>
+            <a:endParaRPr lang="ko-KR" altLang="en-US"/>
+          </a:p>
+        </p:txBody>
+      </p:sp>
+    </p:spTree>
+    <p:extLst>
+      <p:ext uri="{BB962C8B-B14F-4D97-AF65-F5344CB8AC3E}">
+        <p14:creationId xmlns:p14="http://schemas.microsoft.com/office/powerpoint/2010/main" val="318880274"/>
+      </p:ext>
+    </p:extLst>
+  </p:cSld>
+  <p:clrMapOvr>
+    <a:masterClrMapping/>
+  </p:clrMapOvr>
+</p:notes>
+</file>
+
+<file path=ppt/notesSlides/notesSlide23.xml><?xml version="1.0" encoding="utf-8"?>
+<p:notes xmlns:a="http://schemas.openxmlformats.org/drawingml/2006/main" xmlns:r="http://schemas.openxmlformats.org/officeDocument/2006/relationships" xmlns:p="http://schemas.openxmlformats.org/presentationml/2006/main">
+  <p:cSld>
+    <p:spTree>
+      <p:nvGrpSpPr>
+        <p:cNvPr id="1" name=""/>
+        <p:cNvGrpSpPr/>
+        <p:nvPr/>
+      </p:nvGrpSpPr>
+      <p:grpSpPr>
+        <a:xfrm>
+          <a:off x="0" y="0"/>
+          <a:ext cx="0" cy="0"/>
+          <a:chOff x="0" y="0"/>
+          <a:chExt cx="0" cy="0"/>
+        </a:xfrm>
+      </p:grpSpPr>
+      <p:sp>
+        <p:nvSpPr>
+          <p:cNvPr id="2" name="슬라이드 이미지 개체 틀 1"/>
+          <p:cNvSpPr>
+            <a:spLocks noGrp="1" noRot="1" noChangeAspect="1"/>
+          </p:cNvSpPr>
+          <p:nvPr>
+            <p:ph type="sldImg"/>
+          </p:nvPr>
+        </p:nvSpPr>
+        <p:spPr/>
+      </p:sp>
+      <p:sp>
+        <p:nvSpPr>
+          <p:cNvPr id="3" name="슬라이드 노트 개체 틀 2"/>
+          <p:cNvSpPr>
+            <a:spLocks noGrp="1"/>
+          </p:cNvSpPr>
+          <p:nvPr>
+            <p:ph type="body" idx="1"/>
+          </p:nvPr>
+        </p:nvSpPr>
+        <p:spPr/>
+        <p:txBody>
+          <a:bodyPr/>
+          <a:lstStyle/>
+          <a:p>
+            <a:endParaRPr lang="ko-KR" altLang="en-US" dirty="0"/>
+          </a:p>
+        </p:txBody>
+      </p:sp>
+      <p:sp>
+        <p:nvSpPr>
+          <p:cNvPr id="4" name="슬라이드 번호 개체 틀 3"/>
+          <p:cNvSpPr>
+            <a:spLocks noGrp="1"/>
+          </p:cNvSpPr>
+          <p:nvPr>
+            <p:ph type="sldNum" sz="quarter" idx="10"/>
+          </p:nvPr>
+        </p:nvSpPr>
+        <p:spPr/>
+        <p:txBody>
+          <a:bodyPr/>
+          <a:lstStyle/>
+          <a:p>
+            <a:fld id="{625D4AC4-540A-4436-887D-BF6A8FCF1275}" type="slidenum">
+              <a:rPr lang="ko-KR" altLang="en-US" smtClean="0"/>
+              <a:t>24</a:t>
             </a:fld>
             <a:endParaRPr lang="ko-KR" altLang="en-US"/>
           </a:p>
@@ -2083,7 +2168,7 @@
     </p:spTree>
     <p:extLst>
       <p:ext uri="{BB962C8B-B14F-4D97-AF65-F5344CB8AC3E}">
-        <p14:creationId xmlns:p14="http://schemas.microsoft.com/office/powerpoint/2010/main" val="2040791099"/>
+        <p14:creationId xmlns:p14="http://schemas.microsoft.com/office/powerpoint/2010/main" val="104912251"/>
       </p:ext>
     </p:extLst>
   </p:cSld>
@@ -2167,7 +2252,7 @@
     </p:spTree>
     <p:extLst>
       <p:ext uri="{BB962C8B-B14F-4D97-AF65-F5344CB8AC3E}">
-        <p14:creationId xmlns:p14="http://schemas.microsoft.com/office/powerpoint/2010/main" val="3135667865"/>
+        <p14:creationId xmlns:p14="http://schemas.microsoft.com/office/powerpoint/2010/main" val="2040791099"/>
       </p:ext>
     </p:extLst>
   </p:cSld>
@@ -2251,7 +2336,7 @@
     </p:spTree>
     <p:extLst>
       <p:ext uri="{BB962C8B-B14F-4D97-AF65-F5344CB8AC3E}">
-        <p14:creationId xmlns:p14="http://schemas.microsoft.com/office/powerpoint/2010/main" val="859153561"/>
+        <p14:creationId xmlns:p14="http://schemas.microsoft.com/office/powerpoint/2010/main" val="3135667865"/>
       </p:ext>
     </p:extLst>
   </p:cSld>
@@ -2335,7 +2420,7 @@
     </p:spTree>
     <p:extLst>
       <p:ext uri="{BB962C8B-B14F-4D97-AF65-F5344CB8AC3E}">
-        <p14:creationId xmlns:p14="http://schemas.microsoft.com/office/powerpoint/2010/main" val="849508684"/>
+        <p14:creationId xmlns:p14="http://schemas.microsoft.com/office/powerpoint/2010/main" val="859153561"/>
       </p:ext>
     </p:extLst>
   </p:cSld>
@@ -3672,9 +3757,12 @@
           <a:p>
             <a:r>
               <a:rPr lang="en-US" altLang="ko-KR" dirty="0"/>
-              <a:t>Version control Best practice (1/2)</a:t>
-            </a:r>
-            <a:endParaRPr lang="ko-KR" altLang="en-US" dirty="0"/>
+              <a:t>UNDO </a:t>
+            </a:r>
+            <a:r>
+              <a:rPr lang="ko-KR" altLang="en-US" dirty="0"/>
+              <a:t>관련</a:t>
+            </a:r>
           </a:p>
         </p:txBody>
       </p:sp>
@@ -3852,7 +3940,7 @@
             </a:pPr>
             <a:r>
               <a:rPr lang="en-US" altLang="ko-KR" dirty="0"/>
-              <a:t>COMMIT RELATED CHANGES </a:t>
+              <a:t>$ git reset --hard HEAD</a:t>
             </a:r>
           </a:p>
           <a:p>
@@ -3863,7 +3951,7 @@
             </a:pPr>
             <a:r>
               <a:rPr lang="en-US" altLang="ko-KR" dirty="0"/>
-              <a:t>fixing two different bugs should produce two separate commits. Small commits make it easier for other developers to understand the changes and roll them back if something went wrong. </a:t>
+              <a:t>Discard all local changes in your working directory</a:t>
             </a:r>
           </a:p>
           <a:p>
@@ -3874,7 +3962,7 @@
             </a:pPr>
             <a:r>
               <a:rPr lang="en-US" altLang="ko-KR" dirty="0"/>
-              <a:t>COMMIT OFTEN </a:t>
+              <a:t>$ git checkout HEAD &lt;file&gt;</a:t>
             </a:r>
           </a:p>
           <a:p>
@@ -3885,7 +3973,18 @@
             </a:pPr>
             <a:r>
               <a:rPr lang="en-US" altLang="ko-KR" dirty="0"/>
-              <a:t>Committing often keeps your commits small and, again, helps you commit only related changes. Moreover, it allows you to share your code more frequently with others. </a:t>
+              <a:t>Discard local changes in a specific file</a:t>
+            </a:r>
+          </a:p>
+          <a:p>
+            <a:pPr>
+              <a:lnSpc>
+                <a:spcPct val="130000"/>
+              </a:lnSpc>
+            </a:pPr>
+            <a:r>
+              <a:rPr lang="en-US" altLang="ko-KR" dirty="0"/>
+              <a:t>$ git revert &lt;commit&gt;</a:t>
             </a:r>
           </a:p>
           <a:p>
@@ -3896,7 +3995,7 @@
             </a:pPr>
             <a:r>
               <a:rPr lang="en-US" altLang="ko-KR" dirty="0"/>
-              <a:t>That way it‘s easier for everyone to integrate changes regularly and avoid having merge conflicts. </a:t>
+              <a:t>Revert a commit (by producing a new commit with contrary changes) </a:t>
             </a:r>
           </a:p>
           <a:p>
@@ -3907,7 +4006,7 @@
             </a:pPr>
             <a:r>
               <a:rPr lang="en-US" altLang="ko-KR" dirty="0"/>
-              <a:t>DO NOT COMMIT HALF-DONE WORK </a:t>
+              <a:t>$ git reset --hard &lt;commit&gt;</a:t>
             </a:r>
           </a:p>
           <a:p>
@@ -3918,7 +4017,18 @@
             </a:pPr>
             <a:r>
               <a:rPr lang="en-US" altLang="ko-KR" dirty="0"/>
-              <a:t>split the feature‘s implementation into logical chunks and remember to commit early and often. </a:t>
+              <a:t>Reset your HEAD pointer to a previous commit …and discard all changes since then</a:t>
+            </a:r>
+          </a:p>
+          <a:p>
+            <a:pPr>
+              <a:lnSpc>
+                <a:spcPct val="130000"/>
+              </a:lnSpc>
+            </a:pPr>
+            <a:r>
+              <a:rPr lang="en-US" altLang="ko-KR" dirty="0"/>
+              <a:t>$ git reset &lt;commit&gt;</a:t>
             </a:r>
           </a:p>
           <a:p>
@@ -3929,7 +4039,15 @@
             </a:pPr>
             <a:r>
               <a:rPr lang="en-US" altLang="ko-KR" dirty="0"/>
-              <a:t>But don‘t commit just to have something in the repository before leaving the office at the end of the day </a:t>
+              <a:t>…and preserve all changes as </a:t>
+            </a:r>
+            <a:r>
+              <a:rPr lang="en-US" altLang="ko-KR" dirty="0" err="1"/>
+              <a:t>unstaged</a:t>
+            </a:r>
+            <a:r>
+              <a:rPr lang="en-US" altLang="ko-KR" dirty="0"/>
+              <a:t> changes</a:t>
             </a:r>
           </a:p>
           <a:p>
@@ -3940,7 +4058,7 @@
             </a:pPr>
             <a:r>
               <a:rPr lang="en-US" altLang="ko-KR" dirty="0"/>
-              <a:t>TEST CODE BEFORE YOU COMMIT </a:t>
+              <a:t>$ git reset --keep &lt;commit&gt;</a:t>
             </a:r>
           </a:p>
           <a:p>
@@ -3951,11 +4069,19 @@
             </a:pPr>
             <a:r>
               <a:rPr lang="en-US" altLang="ko-KR" dirty="0"/>
-              <a:t>Test it thoroughly to make sure it really is completed and has no side effects</a:t>
-            </a:r>
-          </a:p>
-          <a:p>
-            <a:pPr lvl="1">
+              <a:t>…and preserve uncommitted local changes </a:t>
+            </a:r>
+          </a:p>
+          <a:p>
+            <a:pPr>
+              <a:lnSpc>
+                <a:spcPct val="130000"/>
+              </a:lnSpc>
+            </a:pPr>
+            <a:endParaRPr lang="en-US" altLang="ko-KR" dirty="0"/>
+          </a:p>
+          <a:p>
+            <a:pPr>
               <a:lnSpc>
                 <a:spcPct val="130000"/>
               </a:lnSpc>
@@ -3983,7 +4109,7 @@
     </p:spTree>
     <p:extLst>
       <p:ext uri="{BB962C8B-B14F-4D97-AF65-F5344CB8AC3E}">
-        <p14:creationId xmlns:p14="http://schemas.microsoft.com/office/powerpoint/2010/main" val="311353168"/>
+        <p14:creationId xmlns:p14="http://schemas.microsoft.com/office/powerpoint/2010/main" val="3414700557"/>
       </p:ext>
     </p:extLst>
   </p:cSld>
@@ -4035,7 +4161,7 @@
           <a:p>
             <a:r>
               <a:rPr lang="en-US" altLang="ko-KR" dirty="0"/>
-              <a:t>Version control Best practice (2/2)</a:t>
+              <a:t>Version control Best practice (1/2)</a:t>
             </a:r>
             <a:endParaRPr lang="ko-KR" altLang="en-US" dirty="0"/>
           </a:p>
@@ -4215,7 +4341,7 @@
             </a:pPr>
             <a:r>
               <a:rPr lang="en-US" altLang="ko-KR" dirty="0"/>
-              <a:t>WRITE GOOD COMMIT MESSAGES </a:t>
+              <a:t>COMMIT RELATED CHANGES </a:t>
             </a:r>
           </a:p>
           <a:p>
@@ -4226,7 +4352,7 @@
             </a:pPr>
             <a:r>
               <a:rPr lang="en-US" altLang="ko-KR" dirty="0"/>
-              <a:t>Begin your message with a short summary of our changes (up to 50 characters as a guideline). Separate it from the following body by including a blank line. The body of your message should provide detailed answers to the following questions: </a:t>
+              <a:t>fixing two different bugs should produce two separate commits. Small commits make it easier for other developers to understand the changes and roll them back if something went wrong. </a:t>
             </a:r>
           </a:p>
           <a:p>
@@ -4237,7 +4363,7 @@
             </a:pPr>
             <a:r>
               <a:rPr lang="en-US" altLang="ko-KR" dirty="0"/>
-              <a:t>USE BRANCHES </a:t>
+              <a:t>COMMIT OFTEN </a:t>
             </a:r>
           </a:p>
           <a:p>
@@ -4248,8 +4374,82 @@
             </a:pPr>
             <a:r>
               <a:rPr lang="en-US" altLang="ko-KR" dirty="0"/>
-              <a:t>Branches are the perfect tool to help you avoid mixing up different lines of development. You should use branches extensively in your development workflows: for new features, bug fixes, ideas…</a:t>
-            </a:r>
+              <a:t>Committing often keeps your commits small and, again, helps you commit only related changes. Moreover, it allows you to share your code more frequently with others. </a:t>
+            </a:r>
+          </a:p>
+          <a:p>
+            <a:pPr lvl="1">
+              <a:lnSpc>
+                <a:spcPct val="130000"/>
+              </a:lnSpc>
+            </a:pPr>
+            <a:r>
+              <a:rPr lang="en-US" altLang="ko-KR" dirty="0"/>
+              <a:t>That way it‘s easier for everyone to integrate changes regularly and avoid having merge conflicts. </a:t>
+            </a:r>
+          </a:p>
+          <a:p>
+            <a:pPr>
+              <a:lnSpc>
+                <a:spcPct val="130000"/>
+              </a:lnSpc>
+            </a:pPr>
+            <a:r>
+              <a:rPr lang="en-US" altLang="ko-KR" dirty="0"/>
+              <a:t>DO NOT COMMIT HALF-DONE WORK </a:t>
+            </a:r>
+          </a:p>
+          <a:p>
+            <a:pPr lvl="1">
+              <a:lnSpc>
+                <a:spcPct val="130000"/>
+              </a:lnSpc>
+            </a:pPr>
+            <a:r>
+              <a:rPr lang="en-US" altLang="ko-KR" dirty="0"/>
+              <a:t>split the feature‘s implementation into logical chunks and remember to commit early and often. </a:t>
+            </a:r>
+          </a:p>
+          <a:p>
+            <a:pPr lvl="1">
+              <a:lnSpc>
+                <a:spcPct val="130000"/>
+              </a:lnSpc>
+            </a:pPr>
+            <a:r>
+              <a:rPr lang="en-US" altLang="ko-KR" dirty="0"/>
+              <a:t>But don‘t commit just to have something in the repository before leaving the office at the end of the day </a:t>
+            </a:r>
+          </a:p>
+          <a:p>
+            <a:pPr>
+              <a:lnSpc>
+                <a:spcPct val="130000"/>
+              </a:lnSpc>
+            </a:pPr>
+            <a:r>
+              <a:rPr lang="en-US" altLang="ko-KR" dirty="0"/>
+              <a:t>TEST CODE BEFORE YOU COMMIT </a:t>
+            </a:r>
+          </a:p>
+          <a:p>
+            <a:pPr lvl="1">
+              <a:lnSpc>
+                <a:spcPct val="130000"/>
+              </a:lnSpc>
+            </a:pPr>
+            <a:r>
+              <a:rPr lang="en-US" altLang="ko-KR" dirty="0"/>
+              <a:t>Test it thoroughly to make sure it really is completed and has no side effects</a:t>
+            </a:r>
+          </a:p>
+          <a:p>
+            <a:pPr lvl="1">
+              <a:lnSpc>
+                <a:spcPct val="130000"/>
+              </a:lnSpc>
+            </a:pPr>
+            <a:endParaRPr lang="en-US" altLang="ko-KR" dirty="0"/>
           </a:p>
           <a:p>
             <a:pPr>
@@ -4272,7 +4472,7 @@
     </p:spTree>
     <p:extLst>
       <p:ext uri="{BB962C8B-B14F-4D97-AF65-F5344CB8AC3E}">
-        <p14:creationId xmlns:p14="http://schemas.microsoft.com/office/powerpoint/2010/main" val="627934812"/>
+        <p14:creationId xmlns:p14="http://schemas.microsoft.com/office/powerpoint/2010/main" val="311353168"/>
       </p:ext>
     </p:extLst>
   </p:cSld>
@@ -4301,6 +4501,37 @@
       </p:grpSpPr>
       <p:sp>
         <p:nvSpPr>
+          <p:cNvPr id="4" name="제목 3">
+            <a:extLst>
+              <a:ext uri="{FF2B5EF4-FFF2-40B4-BE49-F238E27FC236}">
+                <a16:creationId xmlns:a16="http://schemas.microsoft.com/office/drawing/2014/main" id="{F0CEB32B-CB43-4410-BA08-A97E4BC47FCB}"/>
+              </a:ext>
+            </a:extLst>
+          </p:cNvPr>
+          <p:cNvSpPr>
+            <a:spLocks noGrp="1"/>
+          </p:cNvSpPr>
+          <p:nvPr>
+            <p:ph type="title"/>
+          </p:nvPr>
+        </p:nvSpPr>
+        <p:spPr/>
+        <p:txBody>
+          <a:bodyPr>
+            <a:normAutofit/>
+          </a:bodyPr>
+          <a:lstStyle/>
+          <a:p>
+            <a:r>
+              <a:rPr lang="en-US" altLang="ko-KR" dirty="0"/>
+              <a:t>Version control Best practice (2/2)</a:t>
+            </a:r>
+            <a:endParaRPr lang="ko-KR" altLang="en-US" dirty="0"/>
+          </a:p>
+        </p:txBody>
+      </p:sp>
+      <p:sp>
+        <p:nvSpPr>
           <p:cNvPr id="7" name="내용 개체 틀 2">
             <a:extLst>
               <a:ext uri="{FF2B5EF4-FFF2-40B4-BE49-F238E27FC236}">
@@ -4315,7 +4546,7 @@
         </p:nvSpPr>
         <p:spPr>
           <a:xfrm>
-            <a:off x="341787" y="924601"/>
+            <a:off x="341787" y="989917"/>
             <a:ext cx="8642350" cy="5115155"/>
           </a:xfrm>
           <a:prstGeom prst="rect">
@@ -4473,8 +4704,56 @@
             </a:pPr>
             <a:r>
               <a:rPr lang="en-US" altLang="ko-KR" dirty="0"/>
-              <a:t>UNIX command</a:t>
-            </a:r>
+              <a:t>WRITE GOOD COMMIT MESSAGES </a:t>
+            </a:r>
+          </a:p>
+          <a:p>
+            <a:pPr lvl="1">
+              <a:lnSpc>
+                <a:spcPct val="130000"/>
+              </a:lnSpc>
+            </a:pPr>
+            <a:r>
+              <a:rPr lang="en-US" altLang="ko-KR" dirty="0"/>
+              <a:t>Begin your message with a short summary of our changes (up to 50 characters as a guideline). Separate it from the following body by including a blank line. The body of your message should provide detailed answers to the following questions: </a:t>
+            </a:r>
+          </a:p>
+          <a:p>
+            <a:pPr>
+              <a:lnSpc>
+                <a:spcPct val="130000"/>
+              </a:lnSpc>
+            </a:pPr>
+            <a:r>
+              <a:rPr lang="en-US" altLang="ko-KR" dirty="0"/>
+              <a:t>USE BRANCHES </a:t>
+            </a:r>
+          </a:p>
+          <a:p>
+            <a:pPr lvl="1">
+              <a:lnSpc>
+                <a:spcPct val="130000"/>
+              </a:lnSpc>
+            </a:pPr>
+            <a:r>
+              <a:rPr lang="en-US" altLang="ko-KR" dirty="0"/>
+              <a:t>Branches are the perfect tool to help you avoid mixing up different lines of development. You should use branches extensively in your development workflows: for new features, bug fixes, ideas…</a:t>
+            </a:r>
+          </a:p>
+          <a:p>
+            <a:pPr>
+              <a:lnSpc>
+                <a:spcPct val="130000"/>
+              </a:lnSpc>
+            </a:pPr>
+            <a:endParaRPr lang="en-US" altLang="ko-KR" dirty="0"/>
+          </a:p>
+          <a:p>
+            <a:pPr marL="539750" lvl="1" indent="-184150">
+              <a:lnSpc>
+                <a:spcPct val="130000"/>
+              </a:lnSpc>
+            </a:pPr>
             <a:endParaRPr lang="en-US" altLang="ko-KR" b="0" dirty="0"/>
           </a:p>
         </p:txBody>
@@ -4482,7 +4761,7 @@
     </p:spTree>
     <p:extLst>
       <p:ext uri="{BB962C8B-B14F-4D97-AF65-F5344CB8AC3E}">
-        <p14:creationId xmlns:p14="http://schemas.microsoft.com/office/powerpoint/2010/main" val="620309193"/>
+        <p14:creationId xmlns:p14="http://schemas.microsoft.com/office/powerpoint/2010/main" val="627934812"/>
       </p:ext>
     </p:extLst>
   </p:cSld>
@@ -4511,38 +4790,6 @@
       </p:grpSpPr>
       <p:sp>
         <p:nvSpPr>
-          <p:cNvPr id="4" name="제목 3">
-            <a:extLst>
-              <a:ext uri="{FF2B5EF4-FFF2-40B4-BE49-F238E27FC236}">
-                <a16:creationId xmlns:a16="http://schemas.microsoft.com/office/drawing/2014/main" id="{F0CEB32B-CB43-4410-BA08-A97E4BC47FCB}"/>
-              </a:ext>
-            </a:extLst>
-          </p:cNvPr>
-          <p:cNvSpPr>
-            <a:spLocks noGrp="1"/>
-          </p:cNvSpPr>
-          <p:nvPr>
-            <p:ph type="title"/>
-          </p:nvPr>
-        </p:nvSpPr>
-        <p:spPr/>
-        <p:txBody>
-          <a:bodyPr/>
-          <a:lstStyle/>
-          <a:p>
-            <a:r>
-              <a:rPr lang="en-US" altLang="ko-KR" dirty="0"/>
-              <a:t>DIRECTORIES </a:t>
-            </a:r>
-            <a:r>
-              <a:rPr lang="ko-KR" altLang="en-US" dirty="0"/>
-              <a:t>관련</a:t>
-            </a:r>
-          </a:p>
-        </p:txBody>
-      </p:sp>
-      <p:sp>
-        <p:nvSpPr>
           <p:cNvPr id="7" name="내용 개체 틀 2">
             <a:extLst>
               <a:ext uri="{FF2B5EF4-FFF2-40B4-BE49-F238E27FC236}">
@@ -4715,153 +4962,16 @@
             </a:pPr>
             <a:r>
               <a:rPr lang="en-US" altLang="ko-KR" dirty="0"/>
-              <a:t>$ </a:t>
-            </a:r>
-            <a:r>
-              <a:rPr lang="en-US" altLang="ko-KR" dirty="0" err="1"/>
-              <a:t>pwd</a:t>
-            </a:r>
-            <a:r>
-              <a:rPr lang="en-US" altLang="ko-KR" dirty="0"/>
-              <a:t> </a:t>
-            </a:r>
-          </a:p>
-          <a:p>
-            <a:pPr marL="539750" lvl="1" indent="-184150">
-              <a:lnSpc>
-                <a:spcPct val="130000"/>
-              </a:lnSpc>
-            </a:pPr>
-            <a:r>
-              <a:rPr lang="en-US" altLang="ko-KR" b="0" dirty="0"/>
-              <a:t>Display path of current working directory </a:t>
-            </a:r>
-            <a:endParaRPr lang="en-US" altLang="ko-KR" dirty="0"/>
-          </a:p>
-          <a:p>
-            <a:pPr>
-              <a:lnSpc>
-                <a:spcPct val="130000"/>
-              </a:lnSpc>
-            </a:pPr>
-            <a:r>
-              <a:rPr lang="en-US" altLang="ko-KR" dirty="0"/>
-              <a:t>$ cd &lt;directory&gt; </a:t>
-            </a:r>
-          </a:p>
-          <a:p>
-            <a:pPr marL="539750" lvl="1" indent="-184150">
-              <a:lnSpc>
-                <a:spcPct val="130000"/>
-              </a:lnSpc>
-            </a:pPr>
-            <a:r>
-              <a:rPr lang="en-US" altLang="ko-KR" b="0" dirty="0"/>
-              <a:t>Change directory to &lt;directory&gt; </a:t>
-            </a:r>
-          </a:p>
-          <a:p>
-            <a:pPr>
-              <a:lnSpc>
-                <a:spcPct val="130000"/>
-              </a:lnSpc>
-            </a:pPr>
-            <a:r>
-              <a:rPr lang="en-US" altLang="ko-KR" dirty="0"/>
-              <a:t>$ cd .. </a:t>
-            </a:r>
-          </a:p>
-          <a:p>
-            <a:pPr marL="539750" lvl="1" indent="-184150">
-              <a:lnSpc>
-                <a:spcPct val="130000"/>
-              </a:lnSpc>
-            </a:pPr>
-            <a:r>
-              <a:rPr lang="en-US" altLang="ko-KR" b="0" dirty="0"/>
-              <a:t>Navigate to parent directory </a:t>
-            </a:r>
-          </a:p>
-          <a:p>
-            <a:pPr>
-              <a:lnSpc>
-                <a:spcPct val="130000"/>
-              </a:lnSpc>
-            </a:pPr>
-            <a:r>
-              <a:rPr lang="en-US" altLang="ko-KR" dirty="0"/>
-              <a:t>$ ls </a:t>
-            </a:r>
-          </a:p>
-          <a:p>
-            <a:pPr marL="539750" lvl="1" indent="-184150">
-              <a:lnSpc>
-                <a:spcPct val="130000"/>
-              </a:lnSpc>
-            </a:pPr>
-            <a:r>
-              <a:rPr lang="en-US" altLang="ko-KR" b="0" dirty="0"/>
-              <a:t>List directory contents </a:t>
-            </a:r>
-          </a:p>
-          <a:p>
-            <a:pPr>
-              <a:lnSpc>
-                <a:spcPct val="130000"/>
-              </a:lnSpc>
-            </a:pPr>
-            <a:r>
-              <a:rPr lang="en-US" altLang="ko-KR" dirty="0"/>
-              <a:t>$ ls -la </a:t>
-            </a:r>
-          </a:p>
-          <a:p>
-            <a:pPr marL="539750" lvl="1" indent="-184150">
-              <a:lnSpc>
-                <a:spcPct val="130000"/>
-              </a:lnSpc>
-            </a:pPr>
-            <a:r>
-              <a:rPr lang="en-US" altLang="ko-KR" b="0" dirty="0"/>
-              <a:t>List detailed directory contents, including hidden files </a:t>
-            </a:r>
-          </a:p>
-          <a:p>
-            <a:pPr>
-              <a:lnSpc>
-                <a:spcPct val="130000"/>
-              </a:lnSpc>
-            </a:pPr>
-            <a:r>
-              <a:rPr lang="en-US" altLang="ko-KR" dirty="0"/>
-              <a:t>$ </a:t>
-            </a:r>
-            <a:r>
-              <a:rPr lang="en-US" altLang="ko-KR" dirty="0" err="1"/>
-              <a:t>mkdir</a:t>
-            </a:r>
-            <a:r>
-              <a:rPr lang="en-US" altLang="ko-KR" dirty="0"/>
-              <a:t> &lt;directory&gt; </a:t>
-            </a:r>
-          </a:p>
-          <a:p>
-            <a:pPr marL="539750" lvl="1" indent="-184150">
-              <a:lnSpc>
-                <a:spcPct val="130000"/>
-              </a:lnSpc>
-            </a:pPr>
-            <a:r>
-              <a:rPr lang="en-US" altLang="ko-KR" b="0" dirty="0"/>
-              <a:t>Create new directory named &lt;directory&gt;</a:t>
-            </a:r>
+              <a:t>UNIX command</a:t>
+            </a:r>
+            <a:endParaRPr lang="en-US" altLang="ko-KR" b="0" dirty="0"/>
           </a:p>
         </p:txBody>
       </p:sp>
     </p:spTree>
     <p:extLst>
       <p:ext uri="{BB962C8B-B14F-4D97-AF65-F5344CB8AC3E}">
-        <p14:creationId xmlns:p14="http://schemas.microsoft.com/office/powerpoint/2010/main" val="1692796067"/>
+        <p14:creationId xmlns:p14="http://schemas.microsoft.com/office/powerpoint/2010/main" val="620309193"/>
       </p:ext>
     </p:extLst>
   </p:cSld>
@@ -4911,7 +5021,7 @@
           <a:p>
             <a:r>
               <a:rPr lang="en-US" altLang="ko-KR" dirty="0"/>
-              <a:t>OUTPUT </a:t>
+              <a:t>DIRECTORIES </a:t>
             </a:r>
             <a:r>
               <a:rPr lang="ko-KR" altLang="en-US" dirty="0"/>
@@ -4936,7 +5046,7 @@
         </p:nvSpPr>
         <p:spPr>
           <a:xfrm>
-            <a:off x="341787" y="935485"/>
+            <a:off x="341787" y="924601"/>
             <a:ext cx="8642350" cy="5115155"/>
           </a:xfrm>
           <a:prstGeom prst="rect">
@@ -5094,19 +5204,28 @@
             </a:pPr>
             <a:r>
               <a:rPr lang="en-US" altLang="ko-KR" dirty="0"/>
-              <a:t>$ cat &lt;file&gt; </a:t>
-            </a:r>
-          </a:p>
-          <a:p>
-            <a:pPr lvl="1">
-              <a:lnSpc>
-                <a:spcPct val="130000"/>
-              </a:lnSpc>
-            </a:pPr>
-            <a:r>
-              <a:rPr lang="en-US" altLang="ko-KR" dirty="0"/>
-              <a:t>Output the contents of &lt;file&gt; </a:t>
-            </a:r>
+              <a:t>$ </a:t>
+            </a:r>
+            <a:r>
+              <a:rPr lang="en-US" altLang="ko-KR" dirty="0" err="1"/>
+              <a:t>pwd</a:t>
+            </a:r>
+            <a:r>
+              <a:rPr lang="en-US" altLang="ko-KR" dirty="0"/>
+              <a:t> </a:t>
+            </a:r>
+          </a:p>
+          <a:p>
+            <a:pPr marL="539750" lvl="1" indent="-184150">
+              <a:lnSpc>
+                <a:spcPct val="130000"/>
+              </a:lnSpc>
+            </a:pPr>
+            <a:r>
+              <a:rPr lang="en-US" altLang="ko-KR" b="0" dirty="0"/>
+              <a:t>Display path of current working directory </a:t>
+            </a:r>
+            <a:endParaRPr lang="en-US" altLang="ko-KR" dirty="0"/>
           </a:p>
           <a:p>
             <a:pPr>
@@ -5116,18 +5235,18 @@
             </a:pPr>
             <a:r>
               <a:rPr lang="en-US" altLang="ko-KR" dirty="0"/>
-              <a:t>$ less &lt;file&gt; </a:t>
-            </a:r>
-          </a:p>
-          <a:p>
-            <a:pPr lvl="1">
-              <a:lnSpc>
-                <a:spcPct val="130000"/>
-              </a:lnSpc>
-            </a:pPr>
-            <a:r>
-              <a:rPr lang="en-US" altLang="ko-KR" dirty="0"/>
-              <a:t>Output the contents of &lt;file&gt; using the less command (which supports pagination etc.) </a:t>
+              <a:t>$ cd &lt;directory&gt; </a:t>
+            </a:r>
+          </a:p>
+          <a:p>
+            <a:pPr marL="539750" lvl="1" indent="-184150">
+              <a:lnSpc>
+                <a:spcPct val="130000"/>
+              </a:lnSpc>
+            </a:pPr>
+            <a:r>
+              <a:rPr lang="en-US" altLang="ko-KR" b="0" dirty="0"/>
+              <a:t>Change directory to &lt;directory&gt; </a:t>
             </a:r>
           </a:p>
           <a:p>
@@ -5138,18 +5257,18 @@
             </a:pPr>
             <a:r>
               <a:rPr lang="en-US" altLang="ko-KR" dirty="0"/>
-              <a:t>$ head &lt;file&gt; </a:t>
-            </a:r>
-          </a:p>
-          <a:p>
-            <a:pPr lvl="1">
-              <a:lnSpc>
-                <a:spcPct val="130000"/>
-              </a:lnSpc>
-            </a:pPr>
-            <a:r>
-              <a:rPr lang="en-US" altLang="ko-KR" dirty="0"/>
-              <a:t>Output the first 10 lines of &lt;file&gt; </a:t>
+              <a:t>$ cd .. </a:t>
+            </a:r>
+          </a:p>
+          <a:p>
+            <a:pPr marL="539750" lvl="1" indent="-184150">
+              <a:lnSpc>
+                <a:spcPct val="130000"/>
+              </a:lnSpc>
+            </a:pPr>
+            <a:r>
+              <a:rPr lang="en-US" altLang="ko-KR" b="0" dirty="0"/>
+              <a:t>Navigate to parent directory </a:t>
             </a:r>
           </a:p>
           <a:p>
@@ -5160,127 +5279,78 @@
             </a:pPr>
             <a:r>
               <a:rPr lang="en-US" altLang="ko-KR" dirty="0"/>
-              <a:t>$ &lt;</a:t>
+              <a:t>$ ls </a:t>
+            </a:r>
+          </a:p>
+          <a:p>
+            <a:pPr marL="539750" lvl="1" indent="-184150">
+              <a:lnSpc>
+                <a:spcPct val="130000"/>
+              </a:lnSpc>
+            </a:pPr>
+            <a:r>
+              <a:rPr lang="en-US" altLang="ko-KR" b="0" dirty="0"/>
+              <a:t>List directory contents </a:t>
+            </a:r>
+          </a:p>
+          <a:p>
+            <a:pPr>
+              <a:lnSpc>
+                <a:spcPct val="130000"/>
+              </a:lnSpc>
+            </a:pPr>
+            <a:r>
+              <a:rPr lang="en-US" altLang="ko-KR" dirty="0"/>
+              <a:t>$ ls -la </a:t>
+            </a:r>
+          </a:p>
+          <a:p>
+            <a:pPr marL="539750" lvl="1" indent="-184150">
+              <a:lnSpc>
+                <a:spcPct val="130000"/>
+              </a:lnSpc>
+            </a:pPr>
+            <a:r>
+              <a:rPr lang="en-US" altLang="ko-KR" b="0" dirty="0"/>
+              <a:t>List detailed directory contents, including hidden files </a:t>
+            </a:r>
+          </a:p>
+          <a:p>
+            <a:pPr>
+              <a:lnSpc>
+                <a:spcPct val="130000"/>
+              </a:lnSpc>
+            </a:pPr>
+            <a:r>
+              <a:rPr lang="en-US" altLang="ko-KR" dirty="0"/>
+              <a:t>$ </a:t>
             </a:r>
             <a:r>
               <a:rPr lang="en-US" altLang="ko-KR" dirty="0" err="1"/>
-              <a:t>cmd</a:t>
-            </a:r>
-            <a:r>
-              <a:rPr lang="en-US" altLang="ko-KR" dirty="0"/>
-              <a:t>&gt; &gt; &lt;file&gt; </a:t>
-            </a:r>
-          </a:p>
-          <a:p>
-            <a:pPr lvl="1">
-              <a:lnSpc>
-                <a:spcPct val="130000"/>
-              </a:lnSpc>
-            </a:pPr>
-            <a:r>
-              <a:rPr lang="en-US" altLang="ko-KR" dirty="0"/>
-              <a:t>Direct the output of &lt;</a:t>
-            </a:r>
-            <a:r>
-              <a:rPr lang="en-US" altLang="ko-KR" dirty="0" err="1"/>
-              <a:t>cmd</a:t>
-            </a:r>
-            <a:r>
-              <a:rPr lang="en-US" altLang="ko-KR" dirty="0"/>
-              <a:t>&gt; into &lt;file&gt; </a:t>
-            </a:r>
-          </a:p>
-          <a:p>
-            <a:pPr>
-              <a:lnSpc>
-                <a:spcPct val="130000"/>
-              </a:lnSpc>
-            </a:pPr>
-            <a:r>
-              <a:rPr lang="en-US" altLang="ko-KR" dirty="0"/>
-              <a:t>$ &lt;</a:t>
-            </a:r>
-            <a:r>
-              <a:rPr lang="en-US" altLang="ko-KR" dirty="0" err="1"/>
-              <a:t>cmd</a:t>
-            </a:r>
-            <a:r>
-              <a:rPr lang="en-US" altLang="ko-KR" dirty="0"/>
-              <a:t>&gt; &gt;&gt; &lt;file&gt; </a:t>
-            </a:r>
-          </a:p>
-          <a:p>
-            <a:pPr lvl="1">
-              <a:lnSpc>
-                <a:spcPct val="130000"/>
-              </a:lnSpc>
-            </a:pPr>
-            <a:r>
-              <a:rPr lang="en-US" altLang="ko-KR" dirty="0"/>
-              <a:t>Append the output of &lt;</a:t>
-            </a:r>
-            <a:r>
-              <a:rPr lang="en-US" altLang="ko-KR" dirty="0" err="1"/>
-              <a:t>cmd</a:t>
-            </a:r>
-            <a:r>
-              <a:rPr lang="en-US" altLang="ko-KR" dirty="0"/>
-              <a:t>&gt; to &lt;file&gt; </a:t>
-            </a:r>
-          </a:p>
-          <a:p>
-            <a:pPr>
-              <a:lnSpc>
-                <a:spcPct val="130000"/>
-              </a:lnSpc>
-            </a:pPr>
-            <a:r>
-              <a:rPr lang="en-US" altLang="ko-KR" dirty="0"/>
-              <a:t>$ &lt;cmd1&gt; | &lt;cmd2&gt; </a:t>
-            </a:r>
-          </a:p>
-          <a:p>
-            <a:pPr lvl="1">
-              <a:lnSpc>
-                <a:spcPct val="130000"/>
-              </a:lnSpc>
-            </a:pPr>
-            <a:r>
-              <a:rPr lang="en-US" altLang="ko-KR" dirty="0"/>
-              <a:t>Direct the output of &lt;cmd1&gt; to &lt;cmd2&gt; </a:t>
-            </a:r>
-          </a:p>
-          <a:p>
-            <a:pPr>
-              <a:lnSpc>
-                <a:spcPct val="130000"/>
-              </a:lnSpc>
-            </a:pPr>
-            <a:r>
-              <a:rPr lang="en-US" altLang="ko-KR" dirty="0"/>
-              <a:t>$ clear </a:t>
-            </a:r>
-          </a:p>
-          <a:p>
-            <a:pPr lvl="1">
-              <a:lnSpc>
-                <a:spcPct val="130000"/>
-              </a:lnSpc>
-            </a:pPr>
-            <a:r>
-              <a:rPr lang="en-US" altLang="ko-KR" dirty="0"/>
-              <a:t>Clear the command line window</a:t>
-            </a:r>
-            <a:endParaRPr lang="en-US" altLang="ko-KR" dirty="0">
-              <a:latin typeface="+mn-ea"/>
-            </a:endParaRPr>
+              <a:t>mkdir</a:t>
+            </a:r>
+            <a:r>
+              <a:rPr lang="en-US" altLang="ko-KR" dirty="0"/>
+              <a:t> &lt;directory&gt; </a:t>
+            </a:r>
+          </a:p>
+          <a:p>
+            <a:pPr marL="539750" lvl="1" indent="-184150">
+              <a:lnSpc>
+                <a:spcPct val="130000"/>
+              </a:lnSpc>
+            </a:pPr>
+            <a:r>
+              <a:rPr lang="en-US" altLang="ko-KR" b="0" dirty="0"/>
+              <a:t>Create new directory named &lt;directory&gt;</a:t>
+            </a:r>
           </a:p>
         </p:txBody>
       </p:sp>
     </p:spTree>
     <p:extLst>
       <p:ext uri="{BB962C8B-B14F-4D97-AF65-F5344CB8AC3E}">
-        <p14:creationId xmlns:p14="http://schemas.microsoft.com/office/powerpoint/2010/main" val="3734573985"/>
+        <p14:creationId xmlns:p14="http://schemas.microsoft.com/office/powerpoint/2010/main" val="1692796067"/>
       </p:ext>
     </p:extLst>
   </p:cSld>
@@ -5330,7 +5400,7 @@
           <a:p>
             <a:r>
               <a:rPr lang="en-US" altLang="ko-KR" dirty="0"/>
-              <a:t>Files </a:t>
+              <a:t>OUTPUT </a:t>
             </a:r>
             <a:r>
               <a:rPr lang="ko-KR" altLang="en-US" dirty="0"/>
@@ -5355,7 +5425,7 @@
         </p:nvSpPr>
         <p:spPr>
           <a:xfrm>
-            <a:off x="341787" y="913714"/>
+            <a:off x="341787" y="935485"/>
             <a:ext cx="8642350" cy="5115155"/>
           </a:xfrm>
           <a:prstGeom prst="rect">
@@ -5513,7 +5583,7 @@
             </a:pPr>
             <a:r>
               <a:rPr lang="en-US" altLang="ko-KR" dirty="0"/>
-              <a:t>$ rm &lt;file&gt; </a:t>
+              <a:t>$ cat &lt;file&gt; </a:t>
             </a:r>
           </a:p>
           <a:p>
@@ -5524,7 +5594,7 @@
             </a:pPr>
             <a:r>
               <a:rPr lang="en-US" altLang="ko-KR" dirty="0"/>
-              <a:t>Delete &lt;file&gt; </a:t>
+              <a:t>Output the contents of &lt;file&gt; </a:t>
             </a:r>
           </a:p>
           <a:p>
@@ -5535,7 +5605,7 @@
             </a:pPr>
             <a:r>
               <a:rPr lang="en-US" altLang="ko-KR" dirty="0"/>
-              <a:t>$ rm -r &lt;directory&gt; </a:t>
+              <a:t>$ less &lt;file&gt; </a:t>
             </a:r>
           </a:p>
           <a:p>
@@ -5546,7 +5616,7 @@
             </a:pPr>
             <a:r>
               <a:rPr lang="en-US" altLang="ko-KR" dirty="0"/>
-              <a:t>Delete &lt;directory&gt; </a:t>
+              <a:t>Output the contents of &lt;file&gt; using the less command (which supports pagination etc.) </a:t>
             </a:r>
           </a:p>
           <a:p>
@@ -5557,7 +5627,7 @@
             </a:pPr>
             <a:r>
               <a:rPr lang="en-US" altLang="ko-KR" dirty="0"/>
-              <a:t>$ rm -f &lt;file&gt; </a:t>
+              <a:t>$ head &lt;file&gt; </a:t>
             </a:r>
           </a:p>
           <a:p>
@@ -5568,7 +5638,7 @@
             </a:pPr>
             <a:r>
               <a:rPr lang="en-US" altLang="ko-KR" dirty="0"/>
-              <a:t>Force-delete &lt;file&gt; (add -r to force- delete a directory) </a:t>
+              <a:t>Output the first 10 lines of &lt;file&gt; </a:t>
             </a:r>
           </a:p>
           <a:p>
@@ -5579,7 +5649,15 @@
             </a:pPr>
             <a:r>
               <a:rPr lang="en-US" altLang="ko-KR" dirty="0"/>
-              <a:t>$ mv &lt;file-old&gt; &lt;file-new&gt; </a:t>
+              <a:t>$ &lt;</a:t>
+            </a:r>
+            <a:r>
+              <a:rPr lang="en-US" altLang="ko-KR" dirty="0" err="1"/>
+              <a:t>cmd</a:t>
+            </a:r>
+            <a:r>
+              <a:rPr lang="en-US" altLang="ko-KR" dirty="0"/>
+              <a:t>&gt; &gt; &lt;file&gt; </a:t>
             </a:r>
           </a:p>
           <a:p>
@@ -5590,7 +5668,15 @@
             </a:pPr>
             <a:r>
               <a:rPr lang="en-US" altLang="ko-KR" dirty="0"/>
-              <a:t>Rename &lt;file-old&gt; to &lt;file-new&gt; </a:t>
+              <a:t>Direct the output of &lt;</a:t>
+            </a:r>
+            <a:r>
+              <a:rPr lang="en-US" altLang="ko-KR" dirty="0" err="1"/>
+              <a:t>cmd</a:t>
+            </a:r>
+            <a:r>
+              <a:rPr lang="en-US" altLang="ko-KR" dirty="0"/>
+              <a:t>&gt; into &lt;file&gt; </a:t>
             </a:r>
           </a:p>
           <a:p>
@@ -5601,7 +5687,15 @@
             </a:pPr>
             <a:r>
               <a:rPr lang="en-US" altLang="ko-KR" dirty="0"/>
-              <a:t>$ mv &lt;file&gt; &lt;directory&gt; </a:t>
+              <a:t>$ &lt;</a:t>
+            </a:r>
+            <a:r>
+              <a:rPr lang="en-US" altLang="ko-KR" dirty="0" err="1"/>
+              <a:t>cmd</a:t>
+            </a:r>
+            <a:r>
+              <a:rPr lang="en-US" altLang="ko-KR" dirty="0"/>
+              <a:t>&gt; &gt;&gt; &lt;file&gt; </a:t>
             </a:r>
           </a:p>
           <a:p>
@@ -5612,7 +5706,59 @@
             </a:pPr>
             <a:r>
               <a:rPr lang="en-US" altLang="ko-KR" dirty="0"/>
-              <a:t>Move &lt;file&gt; to &lt;directory&gt; (possibly overwriting an existing file)</a:t>
+              <a:t>Append the output of &lt;</a:t>
+            </a:r>
+            <a:r>
+              <a:rPr lang="en-US" altLang="ko-KR" dirty="0" err="1"/>
+              <a:t>cmd</a:t>
+            </a:r>
+            <a:r>
+              <a:rPr lang="en-US" altLang="ko-KR" dirty="0"/>
+              <a:t>&gt; to &lt;file&gt; </a:t>
+            </a:r>
+          </a:p>
+          <a:p>
+            <a:pPr>
+              <a:lnSpc>
+                <a:spcPct val="130000"/>
+              </a:lnSpc>
+            </a:pPr>
+            <a:r>
+              <a:rPr lang="en-US" altLang="ko-KR" dirty="0"/>
+              <a:t>$ &lt;cmd1&gt; | &lt;cmd2&gt; </a:t>
+            </a:r>
+          </a:p>
+          <a:p>
+            <a:pPr lvl="1">
+              <a:lnSpc>
+                <a:spcPct val="130000"/>
+              </a:lnSpc>
+            </a:pPr>
+            <a:r>
+              <a:rPr lang="en-US" altLang="ko-KR" dirty="0"/>
+              <a:t>Direct the output of &lt;cmd1&gt; to &lt;cmd2&gt; </a:t>
+            </a:r>
+          </a:p>
+          <a:p>
+            <a:pPr>
+              <a:lnSpc>
+                <a:spcPct val="130000"/>
+              </a:lnSpc>
+            </a:pPr>
+            <a:r>
+              <a:rPr lang="en-US" altLang="ko-KR" dirty="0"/>
+              <a:t>$ clear </a:t>
+            </a:r>
+          </a:p>
+          <a:p>
+            <a:pPr lvl="1">
+              <a:lnSpc>
+                <a:spcPct val="130000"/>
+              </a:lnSpc>
+            </a:pPr>
+            <a:r>
+              <a:rPr lang="en-US" altLang="ko-KR" dirty="0"/>
+              <a:t>Clear the command line window</a:t>
             </a:r>
             <a:endParaRPr lang="en-US" altLang="ko-KR" dirty="0">
               <a:latin typeface="+mn-ea"/>
@@ -5623,7 +5769,7 @@
     </p:spTree>
     <p:extLst>
       <p:ext uri="{BB962C8B-B14F-4D97-AF65-F5344CB8AC3E}">
-        <p14:creationId xmlns:p14="http://schemas.microsoft.com/office/powerpoint/2010/main" val="2549321800"/>
+        <p14:creationId xmlns:p14="http://schemas.microsoft.com/office/powerpoint/2010/main" val="3734573985"/>
       </p:ext>
     </p:extLst>
   </p:cSld>
@@ -5856,7 +6002,7 @@
             </a:pPr>
             <a:r>
               <a:rPr lang="en-US" altLang="ko-KR" dirty="0"/>
-              <a:t>$ cp &lt;file&gt; &lt;directory&gt; </a:t>
+              <a:t>$ rm &lt;file&gt; </a:t>
             </a:r>
           </a:p>
           <a:p>
@@ -5867,7 +6013,7 @@
             </a:pPr>
             <a:r>
               <a:rPr lang="en-US" altLang="ko-KR" dirty="0"/>
-              <a:t>Copy &lt;file&gt; to &lt;directory&gt; (possibly overwriting an existing file) </a:t>
+              <a:t>Delete &lt;file&gt; </a:t>
             </a:r>
           </a:p>
           <a:p>
@@ -5878,7 +6024,7 @@
             </a:pPr>
             <a:r>
               <a:rPr lang="en-US" altLang="ko-KR" dirty="0"/>
-              <a:t>$ cp -r &lt;directory1&gt; &lt;directory2&gt; </a:t>
+              <a:t>$ rm -r &lt;directory&gt; </a:t>
             </a:r>
           </a:p>
           <a:p>
@@ -5889,7 +6035,7 @@
             </a:pPr>
             <a:r>
               <a:rPr lang="en-US" altLang="ko-KR" dirty="0"/>
-              <a:t>Copy &lt;directory1&gt; and its contents to &lt;directory2&gt; (possibly overwriting files in an existing directory) </a:t>
+              <a:t>Delete &lt;directory&gt; </a:t>
             </a:r>
           </a:p>
           <a:p>
@@ -5900,7 +6046,7 @@
             </a:pPr>
             <a:r>
               <a:rPr lang="en-US" altLang="ko-KR" dirty="0"/>
-              <a:t>$ touch &lt;file&gt; </a:t>
+              <a:t>$ rm -f &lt;file&gt; </a:t>
             </a:r>
           </a:p>
           <a:p>
@@ -5911,7 +6057,51 @@
             </a:pPr>
             <a:r>
               <a:rPr lang="en-US" altLang="ko-KR" dirty="0"/>
-              <a:t>Update file access &amp; modification time (and create &lt;file&gt; if it doesn’t exist)</a:t>
+              <a:t>Force-delete &lt;file&gt; (add -r to force- delete a directory) </a:t>
+            </a:r>
+          </a:p>
+          <a:p>
+            <a:pPr>
+              <a:lnSpc>
+                <a:spcPct val="130000"/>
+              </a:lnSpc>
+            </a:pPr>
+            <a:r>
+              <a:rPr lang="en-US" altLang="ko-KR" dirty="0"/>
+              <a:t>$ mv &lt;file-old&gt; &lt;file-new&gt; </a:t>
+            </a:r>
+          </a:p>
+          <a:p>
+            <a:pPr lvl="1">
+              <a:lnSpc>
+                <a:spcPct val="130000"/>
+              </a:lnSpc>
+            </a:pPr>
+            <a:r>
+              <a:rPr lang="en-US" altLang="ko-KR" dirty="0"/>
+              <a:t>Rename &lt;file-old&gt; to &lt;file-new&gt; </a:t>
+            </a:r>
+          </a:p>
+          <a:p>
+            <a:pPr>
+              <a:lnSpc>
+                <a:spcPct val="130000"/>
+              </a:lnSpc>
+            </a:pPr>
+            <a:r>
+              <a:rPr lang="en-US" altLang="ko-KR" dirty="0"/>
+              <a:t>$ mv &lt;file&gt; &lt;directory&gt; </a:t>
+            </a:r>
+          </a:p>
+          <a:p>
+            <a:pPr lvl="1">
+              <a:lnSpc>
+                <a:spcPct val="130000"/>
+              </a:lnSpc>
+            </a:pPr>
+            <a:r>
+              <a:rPr lang="en-US" altLang="ko-KR" dirty="0"/>
+              <a:t>Move &lt;file&gt; to &lt;directory&gt; (possibly overwriting an existing file)</a:t>
             </a:r>
             <a:endParaRPr lang="en-US" altLang="ko-KR" dirty="0">
               <a:latin typeface="+mn-ea"/>
@@ -5922,7 +6112,7 @@
     </p:spTree>
     <p:extLst>
       <p:ext uri="{BB962C8B-B14F-4D97-AF65-F5344CB8AC3E}">
-        <p14:creationId xmlns:p14="http://schemas.microsoft.com/office/powerpoint/2010/main" val="1873598758"/>
+        <p14:creationId xmlns:p14="http://schemas.microsoft.com/office/powerpoint/2010/main" val="2549321800"/>
       </p:ext>
     </p:extLst>
   </p:cSld>
@@ -5972,7 +6162,7 @@
           <a:p>
             <a:r>
               <a:rPr lang="en-US" altLang="ko-KR" dirty="0"/>
-              <a:t>PERMISSIONS  </a:t>
+              <a:t>Files </a:t>
             </a:r>
             <a:r>
               <a:rPr lang="ko-KR" altLang="en-US" dirty="0"/>
@@ -5997,7 +6187,7 @@
         </p:nvSpPr>
         <p:spPr>
           <a:xfrm>
-            <a:off x="341787" y="1120544"/>
+            <a:off x="341787" y="913714"/>
             <a:ext cx="8642350" cy="5115155"/>
           </a:xfrm>
           <a:prstGeom prst="rect">
@@ -6148,66 +6338,69 @@
             </a:lvl9pPr>
           </a:lstStyle>
           <a:p>
-            <a:r>
-              <a:rPr lang="en-US" altLang="ko-KR" dirty="0"/>
-              <a:t>$ </a:t>
-            </a:r>
-            <a:r>
-              <a:rPr lang="en-US" altLang="ko-KR" dirty="0" err="1"/>
-              <a:t>chmod</a:t>
-            </a:r>
-            <a:r>
-              <a:rPr lang="en-US" altLang="ko-KR" dirty="0"/>
-              <a:t> 755 &lt;file&gt; </a:t>
-            </a:r>
-          </a:p>
-          <a:p>
-            <a:pPr lvl="1"/>
-            <a:r>
-              <a:rPr lang="en-US" altLang="ko-KR" dirty="0"/>
-              <a:t>Change permissions of &lt;file&gt; to 755 </a:t>
-            </a:r>
-          </a:p>
-          <a:p>
-            <a:r>
-              <a:rPr lang="en-US" altLang="ko-KR" dirty="0"/>
-              <a:t>$ </a:t>
-            </a:r>
-            <a:r>
-              <a:rPr lang="en-US" altLang="ko-KR" dirty="0" err="1"/>
-              <a:t>chmod</a:t>
-            </a:r>
-            <a:r>
-              <a:rPr lang="en-US" altLang="ko-KR" dirty="0"/>
-              <a:t> -R 600 &lt;directory&gt; </a:t>
-            </a:r>
-          </a:p>
-          <a:p>
-            <a:pPr lvl="1"/>
-            <a:r>
-              <a:rPr lang="en-US" altLang="ko-KR" dirty="0"/>
-              <a:t>Change permissions of &lt;directory&gt; (and its contents) to 600 </a:t>
-            </a:r>
-          </a:p>
-          <a:p>
-            <a:r>
-              <a:rPr lang="en-US" altLang="ko-KR" dirty="0"/>
-              <a:t>$ </a:t>
-            </a:r>
-            <a:r>
-              <a:rPr lang="en-US" altLang="ko-KR" dirty="0" err="1"/>
-              <a:t>chown</a:t>
-            </a:r>
-            <a:r>
-              <a:rPr lang="en-US" altLang="ko-KR" dirty="0"/>
-              <a:t> &lt;user&gt;:&lt;group&gt; &lt;file&gt; </a:t>
-            </a:r>
-          </a:p>
-          <a:p>
-            <a:pPr lvl="1"/>
-            <a:r>
-              <a:rPr lang="en-US" altLang="ko-KR" dirty="0"/>
-              <a:t>Change ownership of &lt;file&gt; to &lt;user&gt;  and &lt;group&gt; (add -R to include a directory’s contents)</a:t>
+            <a:pPr>
+              <a:lnSpc>
+                <a:spcPct val="130000"/>
+              </a:lnSpc>
+            </a:pPr>
+            <a:r>
+              <a:rPr lang="en-US" altLang="ko-KR" dirty="0"/>
+              <a:t>$ cp &lt;file&gt; &lt;directory&gt; </a:t>
+            </a:r>
+          </a:p>
+          <a:p>
+            <a:pPr lvl="1">
+              <a:lnSpc>
+                <a:spcPct val="130000"/>
+              </a:lnSpc>
+            </a:pPr>
+            <a:r>
+              <a:rPr lang="en-US" altLang="ko-KR" dirty="0"/>
+              <a:t>Copy &lt;file&gt; to &lt;directory&gt; (possibly overwriting an existing file) </a:t>
+            </a:r>
+          </a:p>
+          <a:p>
+            <a:pPr>
+              <a:lnSpc>
+                <a:spcPct val="130000"/>
+              </a:lnSpc>
+            </a:pPr>
+            <a:r>
+              <a:rPr lang="en-US" altLang="ko-KR" dirty="0"/>
+              <a:t>$ cp -r &lt;directory1&gt; &lt;directory2&gt; </a:t>
+            </a:r>
+          </a:p>
+          <a:p>
+            <a:pPr lvl="1">
+              <a:lnSpc>
+                <a:spcPct val="130000"/>
+              </a:lnSpc>
+            </a:pPr>
+            <a:r>
+              <a:rPr lang="en-US" altLang="ko-KR" dirty="0"/>
+              <a:t>Copy &lt;directory1&gt; and its contents to &lt;directory2&gt; (possibly overwriting files in an existing directory) </a:t>
+            </a:r>
+          </a:p>
+          <a:p>
+            <a:pPr>
+              <a:lnSpc>
+                <a:spcPct val="130000"/>
+              </a:lnSpc>
+            </a:pPr>
+            <a:r>
+              <a:rPr lang="en-US" altLang="ko-KR" dirty="0"/>
+              <a:t>$ touch &lt;file&gt; </a:t>
+            </a:r>
+          </a:p>
+          <a:p>
+            <a:pPr lvl="1">
+              <a:lnSpc>
+                <a:spcPct val="130000"/>
+              </a:lnSpc>
+            </a:pPr>
+            <a:r>
+              <a:rPr lang="en-US" altLang="ko-KR" dirty="0"/>
+              <a:t>Update file access &amp; modification time (and create &lt;file&gt; if it doesn’t exist)</a:t>
             </a:r>
             <a:endParaRPr lang="en-US" altLang="ko-KR" dirty="0">
               <a:latin typeface="+mn-ea"/>
@@ -6218,7 +6411,7 @@
     </p:spTree>
     <p:extLst>
       <p:ext uri="{BB962C8B-B14F-4D97-AF65-F5344CB8AC3E}">
-        <p14:creationId xmlns:p14="http://schemas.microsoft.com/office/powerpoint/2010/main" val="1660894449"/>
+        <p14:creationId xmlns:p14="http://schemas.microsoft.com/office/powerpoint/2010/main" val="1873598758"/>
       </p:ext>
     </p:extLst>
   </p:cSld>
@@ -6268,7 +6461,7 @@
           <a:p>
             <a:r>
               <a:rPr lang="en-US" altLang="ko-KR" dirty="0"/>
-              <a:t>SEARCH  </a:t>
+              <a:t>PERMISSIONS  </a:t>
             </a:r>
             <a:r>
               <a:rPr lang="ko-KR" altLang="en-US" dirty="0"/>
@@ -6446,88 +6639,64 @@
           <a:p>
             <a:r>
               <a:rPr lang="en-US" altLang="ko-KR" dirty="0"/>
-              <a:t>$ find &lt;</a:t>
+              <a:t>$ </a:t>
             </a:r>
             <a:r>
               <a:rPr lang="en-US" altLang="ko-KR" dirty="0" err="1"/>
-              <a:t>dir</a:t>
-            </a:r>
-            <a:r>
-              <a:rPr lang="en-US" altLang="ko-KR" dirty="0"/>
-              <a:t>&gt; -name "&lt;file&gt;" </a:t>
+              <a:t>chmod</a:t>
+            </a:r>
+            <a:r>
+              <a:rPr lang="en-US" altLang="ko-KR" dirty="0"/>
+              <a:t> 755 &lt;file&gt; </a:t>
             </a:r>
           </a:p>
           <a:p>
             <a:pPr lvl="1"/>
             <a:r>
               <a:rPr lang="en-US" altLang="ko-KR" dirty="0"/>
-              <a:t>Find all files named &lt;file&gt; inside &lt;</a:t>
+              <a:t>Change permissions of &lt;file&gt; to 755 </a:t>
+            </a:r>
+          </a:p>
+          <a:p>
+            <a:r>
+              <a:rPr lang="en-US" altLang="ko-KR" dirty="0"/>
+              <a:t>$ </a:t>
             </a:r>
             <a:r>
               <a:rPr lang="en-US" altLang="ko-KR" dirty="0" err="1"/>
-              <a:t>dir</a:t>
-            </a:r>
-            <a:r>
-              <a:rPr lang="en-US" altLang="ko-KR" dirty="0"/>
-              <a:t>&gt; (use wildcards [*] to search for parts of filenames, e.g. "file.*") </a:t>
-            </a:r>
-          </a:p>
-          <a:p>
-            <a:r>
-              <a:rPr lang="en-US" altLang="ko-KR" dirty="0"/>
-              <a:t>$ grep "&lt;text&gt;" &lt;file&gt; </a:t>
+              <a:t>chmod</a:t>
+            </a:r>
+            <a:r>
+              <a:rPr lang="en-US" altLang="ko-KR" dirty="0"/>
+              <a:t> -R 600 &lt;directory&gt; </a:t>
             </a:r>
           </a:p>
           <a:p>
             <a:pPr lvl="1"/>
             <a:r>
               <a:rPr lang="en-US" altLang="ko-KR" dirty="0"/>
-              <a:t>Output all occurrences of &lt;text&gt; inside &lt;file&gt; (add -</a:t>
+              <a:t>Change permissions of &lt;directory&gt; (and its contents) to 600 </a:t>
+            </a:r>
+          </a:p>
+          <a:p>
+            <a:r>
+              <a:rPr lang="en-US" altLang="ko-KR" dirty="0"/>
+              <a:t>$ </a:t>
             </a:r>
             <a:r>
               <a:rPr lang="en-US" altLang="ko-KR" dirty="0" err="1"/>
-              <a:t>i</a:t>
-            </a:r>
-            <a:r>
-              <a:rPr lang="en-US" altLang="ko-KR" dirty="0"/>
-              <a:t> for case-insensitivity) </a:t>
-            </a:r>
-          </a:p>
-          <a:p>
-            <a:r>
-              <a:rPr lang="en-US" altLang="ko-KR" dirty="0"/>
-              <a:t>$ grep -</a:t>
-            </a:r>
-            <a:r>
-              <a:rPr lang="en-US" altLang="ko-KR" dirty="0" err="1"/>
-              <a:t>rl</a:t>
-            </a:r>
-            <a:r>
-              <a:rPr lang="en-US" altLang="ko-KR" dirty="0"/>
-              <a:t> "&lt;text&gt;" &lt;</a:t>
-            </a:r>
-            <a:r>
-              <a:rPr lang="en-US" altLang="ko-KR" dirty="0" err="1"/>
-              <a:t>dir</a:t>
-            </a:r>
-            <a:r>
-              <a:rPr lang="en-US" altLang="ko-KR" dirty="0"/>
-              <a:t>&gt; </a:t>
+              <a:t>chown</a:t>
+            </a:r>
+            <a:r>
+              <a:rPr lang="en-US" altLang="ko-KR" dirty="0"/>
+              <a:t> &lt;user&gt;:&lt;group&gt; &lt;file&gt; </a:t>
             </a:r>
           </a:p>
           <a:p>
             <a:pPr lvl="1"/>
             <a:r>
               <a:rPr lang="en-US" altLang="ko-KR" dirty="0"/>
-              <a:t>Search for all files containing &lt;text&gt; inside &lt;</a:t>
-            </a:r>
-            <a:r>
-              <a:rPr lang="en-US" altLang="ko-KR" dirty="0" err="1"/>
-              <a:t>dir</a:t>
-            </a:r>
-            <a:r>
-              <a:rPr lang="en-US" altLang="ko-KR" dirty="0"/>
-              <a:t>&gt;</a:t>
+              <a:t>Change ownership of &lt;file&gt; to &lt;user&gt;  and &lt;group&gt; (add -R to include a directory’s contents)</a:t>
             </a:r>
             <a:endParaRPr lang="en-US" altLang="ko-KR" dirty="0">
               <a:latin typeface="+mn-ea"/>
@@ -6538,7 +6707,7 @@
     </p:spTree>
     <p:extLst>
       <p:ext uri="{BB962C8B-B14F-4D97-AF65-F5344CB8AC3E}">
-        <p14:creationId xmlns:p14="http://schemas.microsoft.com/office/powerpoint/2010/main" val="992686341"/>
+        <p14:creationId xmlns:p14="http://schemas.microsoft.com/office/powerpoint/2010/main" val="1660894449"/>
       </p:ext>
     </p:extLst>
   </p:cSld>
@@ -6588,7 +6757,7 @@
           <a:p>
             <a:r>
               <a:rPr lang="en-US" altLang="ko-KR" dirty="0"/>
-              <a:t>NETWORK  </a:t>
+              <a:t>SEARCH  </a:t>
             </a:r>
             <a:r>
               <a:rPr lang="ko-KR" altLang="en-US" dirty="0"/>
@@ -6766,112 +6935,88 @@
           <a:p>
             <a:r>
               <a:rPr lang="en-US" altLang="ko-KR" dirty="0"/>
-              <a:t>$ ping &lt;host&gt; </a:t>
+              <a:t>$ find &lt;</a:t>
+            </a:r>
+            <a:r>
+              <a:rPr lang="en-US" altLang="ko-KR" dirty="0" err="1"/>
+              <a:t>dir</a:t>
+            </a:r>
+            <a:r>
+              <a:rPr lang="en-US" altLang="ko-KR" dirty="0"/>
+              <a:t>&gt; -name "&lt;file&gt;" </a:t>
             </a:r>
           </a:p>
           <a:p>
             <a:pPr lvl="1"/>
             <a:r>
               <a:rPr lang="en-US" altLang="ko-KR" dirty="0"/>
-              <a:t>Ping &lt;host&gt; and display status </a:t>
-            </a:r>
-          </a:p>
-          <a:p>
-            <a:r>
-              <a:rPr lang="en-US" altLang="ko-KR" dirty="0"/>
-              <a:t>$ </a:t>
+              <a:t>Find all files named &lt;file&gt; inside &lt;</a:t>
             </a:r>
             <a:r>
               <a:rPr lang="en-US" altLang="ko-KR" dirty="0" err="1"/>
-              <a:t>whois</a:t>
-            </a:r>
-            <a:r>
-              <a:rPr lang="en-US" altLang="ko-KR" dirty="0"/>
-              <a:t> &lt;domain&gt; </a:t>
+              <a:t>dir</a:t>
+            </a:r>
+            <a:r>
+              <a:rPr lang="en-US" altLang="ko-KR" dirty="0"/>
+              <a:t>&gt; (use wildcards [*] to search for parts of filenames, e.g. "file.*") </a:t>
+            </a:r>
+          </a:p>
+          <a:p>
+            <a:r>
+              <a:rPr lang="en-US" altLang="ko-KR" dirty="0"/>
+              <a:t>$ grep "&lt;text&gt;" &lt;file&gt; </a:t>
             </a:r>
           </a:p>
           <a:p>
             <a:pPr lvl="1"/>
             <a:r>
               <a:rPr lang="en-US" altLang="ko-KR" dirty="0"/>
-              <a:t>Output </a:t>
+              <a:t>Output all occurrences of &lt;text&gt; inside &lt;file&gt; (add -</a:t>
             </a:r>
             <a:r>
               <a:rPr lang="en-US" altLang="ko-KR" dirty="0" err="1"/>
-              <a:t>whois</a:t>
-            </a:r>
-            <a:r>
-              <a:rPr lang="en-US" altLang="ko-KR" dirty="0"/>
-              <a:t> information for &lt;domain&gt; </a:t>
-            </a:r>
-          </a:p>
-          <a:p>
-            <a:r>
-              <a:rPr lang="en-US" altLang="ko-KR" dirty="0"/>
-              <a:t>$ curl -O &lt;</a:t>
+              <a:t>i</a:t>
+            </a:r>
+            <a:r>
+              <a:rPr lang="en-US" altLang="ko-KR" dirty="0"/>
+              <a:t> for case-insensitivity) </a:t>
+            </a:r>
+          </a:p>
+          <a:p>
+            <a:r>
+              <a:rPr lang="en-US" altLang="ko-KR" dirty="0"/>
+              <a:t>$ grep -</a:t>
             </a:r>
             <a:r>
               <a:rPr lang="en-US" altLang="ko-KR" dirty="0" err="1"/>
-              <a:t>url</a:t>
-            </a:r>
-            <a:r>
-              <a:rPr lang="en-US" altLang="ko-KR" dirty="0"/>
-              <a:t>/to/file&gt; </a:t>
+              <a:t>rl</a:t>
+            </a:r>
+            <a:r>
+              <a:rPr lang="en-US" altLang="ko-KR" dirty="0"/>
+              <a:t> "&lt;text&gt;" &lt;</a:t>
+            </a:r>
+            <a:r>
+              <a:rPr lang="en-US" altLang="ko-KR" dirty="0" err="1"/>
+              <a:t>dir</a:t>
+            </a:r>
+            <a:r>
+              <a:rPr lang="en-US" altLang="ko-KR" dirty="0"/>
+              <a:t>&gt; </a:t>
             </a:r>
           </a:p>
           <a:p>
             <a:pPr lvl="1"/>
             <a:r>
               <a:rPr lang="en-US" altLang="ko-KR" dirty="0"/>
-              <a:t>Download &lt;file&gt; (via HTTP[S] or FTP) </a:t>
-            </a:r>
-          </a:p>
-          <a:p>
-            <a:r>
-              <a:rPr lang="en-US" altLang="ko-KR" dirty="0"/>
-              <a:t>$ </a:t>
+              <a:t>Search for all files containing &lt;text&gt; inside &lt;</a:t>
             </a:r>
             <a:r>
               <a:rPr lang="en-US" altLang="ko-KR" dirty="0" err="1"/>
-              <a:t>ssh</a:t>
-            </a:r>
-            <a:r>
-              <a:rPr lang="en-US" altLang="ko-KR" dirty="0"/>
-              <a:t> &lt;username&gt;@&lt;host&gt; </a:t>
-            </a:r>
-          </a:p>
-          <a:p>
-            <a:pPr lvl="1"/>
-            <a:r>
-              <a:rPr lang="en-US" altLang="ko-KR" dirty="0"/>
-              <a:t>Establish an SSH connection to &lt;host&gt; with user &lt;username&gt; </a:t>
-            </a:r>
-          </a:p>
-          <a:p>
-            <a:r>
-              <a:rPr lang="en-US" altLang="ko-KR" dirty="0"/>
-              <a:t>$ </a:t>
-            </a:r>
-            <a:r>
-              <a:rPr lang="en-US" altLang="ko-KR" dirty="0" err="1"/>
-              <a:t>scp</a:t>
-            </a:r>
-            <a:r>
-              <a:rPr lang="en-US" altLang="ko-KR" dirty="0"/>
-              <a:t> &lt;file&gt; </a:t>
-            </a:r>
-          </a:p>
-          <a:p>
-            <a:pPr lvl="1"/>
-            <a:r>
-              <a:rPr lang="en-US" altLang="ko-KR" dirty="0"/>
-              <a:t>  &lt;user&gt;@&lt;host&gt;:/remote/path </a:t>
-            </a:r>
-          </a:p>
-          <a:p>
-            <a:r>
-              <a:rPr lang="en-US" altLang="ko-KR" dirty="0"/>
-              <a:t>Copy &lt;file&gt; to a remote &lt;host&gt;</a:t>
+              <a:t>dir</a:t>
+            </a:r>
+            <a:r>
+              <a:rPr lang="en-US" altLang="ko-KR" dirty="0"/>
+              <a:t>&gt;</a:t>
             </a:r>
             <a:endParaRPr lang="en-US" altLang="ko-KR" dirty="0">
               <a:latin typeface="+mn-ea"/>
@@ -6882,7 +7027,7 @@
     </p:spTree>
     <p:extLst>
       <p:ext uri="{BB962C8B-B14F-4D97-AF65-F5344CB8AC3E}">
-        <p14:creationId xmlns:p14="http://schemas.microsoft.com/office/powerpoint/2010/main" val="655605650"/>
+        <p14:creationId xmlns:p14="http://schemas.microsoft.com/office/powerpoint/2010/main" val="992686341"/>
       </p:ext>
     </p:extLst>
   </p:cSld>
@@ -7194,7 +7339,7 @@
           <a:p>
             <a:r>
               <a:rPr lang="en-US" altLang="ko-KR" dirty="0"/>
-              <a:t>PROCESSES  </a:t>
+              <a:t>NETWORK  </a:t>
             </a:r>
             <a:r>
               <a:rPr lang="ko-KR" altLang="en-US" dirty="0"/>
@@ -7372,67 +7517,113 @@
           <a:p>
             <a:r>
               <a:rPr lang="en-US" altLang="ko-KR" dirty="0"/>
+              <a:t>$ ping &lt;host&gt; </a:t>
+            </a:r>
+          </a:p>
+          <a:p>
+            <a:pPr lvl="1"/>
+            <a:r>
+              <a:rPr lang="en-US" altLang="ko-KR" dirty="0"/>
+              <a:t>Ping &lt;host&gt; and display status </a:t>
+            </a:r>
+          </a:p>
+          <a:p>
+            <a:r>
+              <a:rPr lang="en-US" altLang="ko-KR" dirty="0"/>
               <a:t>$ </a:t>
             </a:r>
             <a:r>
               <a:rPr lang="en-US" altLang="ko-KR" dirty="0" err="1"/>
-              <a:t>ps</a:t>
-            </a:r>
-            <a:r>
-              <a:rPr lang="en-US" altLang="ko-KR" dirty="0"/>
-              <a:t> ax </a:t>
+              <a:t>whois</a:t>
+            </a:r>
+            <a:r>
+              <a:rPr lang="en-US" altLang="ko-KR" dirty="0"/>
+              <a:t> &lt;domain&gt; </a:t>
             </a:r>
           </a:p>
           <a:p>
             <a:pPr lvl="1"/>
             <a:r>
               <a:rPr lang="en-US" altLang="ko-KR" dirty="0"/>
-              <a:t>Output currently running processes </a:t>
-            </a:r>
-          </a:p>
-          <a:p>
-            <a:r>
-              <a:rPr lang="en-US" altLang="ko-KR" dirty="0"/>
-              <a:t>$ top </a:t>
+              <a:t>Output </a:t>
+            </a:r>
+            <a:r>
+              <a:rPr lang="en-US" altLang="ko-KR" dirty="0" err="1"/>
+              <a:t>whois</a:t>
+            </a:r>
+            <a:r>
+              <a:rPr lang="en-US" altLang="ko-KR" dirty="0"/>
+              <a:t> information for &lt;domain&gt; </a:t>
+            </a:r>
+          </a:p>
+          <a:p>
+            <a:r>
+              <a:rPr lang="en-US" altLang="ko-KR" dirty="0"/>
+              <a:t>$ curl -O &lt;</a:t>
+            </a:r>
+            <a:r>
+              <a:rPr lang="en-US" altLang="ko-KR" dirty="0" err="1"/>
+              <a:t>url</a:t>
+            </a:r>
+            <a:r>
+              <a:rPr lang="en-US" altLang="ko-KR" dirty="0"/>
+              <a:t>/to/file&gt; </a:t>
             </a:r>
           </a:p>
           <a:p>
             <a:pPr lvl="1"/>
             <a:r>
               <a:rPr lang="en-US" altLang="ko-KR" dirty="0"/>
-              <a:t>Display live information about currently running processes </a:t>
-            </a:r>
-          </a:p>
-          <a:p>
-            <a:r>
-              <a:rPr lang="en-US" altLang="ko-KR" dirty="0"/>
-              <a:t>$ kill &lt;</a:t>
+              <a:t>Download &lt;file&gt; (via HTTP[S] or FTP) </a:t>
+            </a:r>
+          </a:p>
+          <a:p>
+            <a:r>
+              <a:rPr lang="en-US" altLang="ko-KR" dirty="0"/>
+              <a:t>$ </a:t>
             </a:r>
             <a:r>
               <a:rPr lang="en-US" altLang="ko-KR" dirty="0" err="1"/>
-              <a:t>pid</a:t>
-            </a:r>
-            <a:r>
-              <a:rPr lang="en-US" altLang="ko-KR" dirty="0"/>
-              <a:t>&gt; </a:t>
+              <a:t>ssh</a:t>
+            </a:r>
+            <a:r>
+              <a:rPr lang="en-US" altLang="ko-KR" dirty="0"/>
+              <a:t> &lt;username&gt;@&lt;host&gt; </a:t>
             </a:r>
           </a:p>
           <a:p>
             <a:pPr lvl="1"/>
             <a:r>
               <a:rPr lang="en-US" altLang="ko-KR" dirty="0"/>
-              <a:t>Quit process with ID &lt;</a:t>
+              <a:t>Establish an SSH connection to &lt;host&gt; with user &lt;username&gt; </a:t>
+            </a:r>
+          </a:p>
+          <a:p>
+            <a:r>
+              <a:rPr lang="en-US" altLang="ko-KR" dirty="0"/>
+              <a:t>$ </a:t>
             </a:r>
             <a:r>
               <a:rPr lang="en-US" altLang="ko-KR" dirty="0" err="1"/>
-              <a:t>pid</a:t>
-            </a:r>
-            <a:r>
-              <a:rPr lang="en-US" altLang="ko-KR" dirty="0"/>
-              <a:t>&gt;</a:t>
-            </a:r>
-          </a:p>
-          <a:p>
+              <a:t>scp</a:t>
+            </a:r>
+            <a:r>
+              <a:rPr lang="en-US" altLang="ko-KR" dirty="0"/>
+              <a:t> &lt;file&gt; </a:t>
+            </a:r>
+          </a:p>
+          <a:p>
+            <a:pPr lvl="1"/>
+            <a:r>
+              <a:rPr lang="en-US" altLang="ko-KR" dirty="0"/>
+              <a:t>  &lt;user&gt;@&lt;host&gt;:/remote/path </a:t>
+            </a:r>
+          </a:p>
+          <a:p>
+            <a:r>
+              <a:rPr lang="en-US" altLang="ko-KR" dirty="0"/>
+              <a:t>Copy &lt;file&gt; to a remote &lt;host&gt;</a:t>
+            </a:r>
             <a:endParaRPr lang="en-US" altLang="ko-KR" dirty="0">
               <a:latin typeface="+mn-ea"/>
             </a:endParaRPr>
@@ -7442,7 +7633,7 @@
     </p:spTree>
     <p:extLst>
       <p:ext uri="{BB962C8B-B14F-4D97-AF65-F5344CB8AC3E}">
-        <p14:creationId xmlns:p14="http://schemas.microsoft.com/office/powerpoint/2010/main" val="2173378349"/>
+        <p14:creationId xmlns:p14="http://schemas.microsoft.com/office/powerpoint/2010/main" val="655605650"/>
       </p:ext>
     </p:extLst>
   </p:cSld>
@@ -7492,18 +7683,21 @@
           <a:p>
             <a:r>
               <a:rPr lang="en-US" altLang="ko-KR" dirty="0"/>
-              <a:t>COMBINING COMMANDS</a:t>
-            </a:r>
-            <a:endParaRPr lang="ko-KR" altLang="en-US" dirty="0"/>
+              <a:t>PROCESSES  </a:t>
+            </a:r>
+            <a:r>
+              <a:rPr lang="ko-KR" altLang="en-US" dirty="0"/>
+              <a:t>관련</a:t>
+            </a:r>
           </a:p>
         </p:txBody>
       </p:sp>
       <p:sp>
         <p:nvSpPr>
-          <p:cNvPr id="6" name="내용 개체 틀 2">
+          <p:cNvPr id="7" name="내용 개체 틀 2">
             <a:extLst>
               <a:ext uri="{FF2B5EF4-FFF2-40B4-BE49-F238E27FC236}">
-                <a16:creationId xmlns:a16="http://schemas.microsoft.com/office/drawing/2014/main" id="{E597044D-9E91-4036-BC67-BF184BDB0BB9}"/>
+                <a16:creationId xmlns:a16="http://schemas.microsoft.com/office/drawing/2014/main" id="{A44AC902-3746-40D6-9827-94B46EEDDC67}"/>
               </a:ext>
             </a:extLst>
           </p:cNvPr>
@@ -7667,100 +7861,77 @@
           <a:p>
             <a:r>
               <a:rPr lang="en-US" altLang="ko-KR" dirty="0"/>
-              <a:t>COMBINING COMMANDS</a:t>
+              <a:t>$ </a:t>
+            </a:r>
+            <a:r>
+              <a:rPr lang="en-US" altLang="ko-KR" dirty="0" err="1"/>
+              <a:t>ps</a:t>
+            </a:r>
+            <a:r>
+              <a:rPr lang="en-US" altLang="ko-KR" dirty="0"/>
+              <a:t> ax </a:t>
             </a:r>
           </a:p>
           <a:p>
             <a:pPr lvl="1"/>
             <a:r>
               <a:rPr lang="en-US" altLang="ko-KR" dirty="0"/>
-              <a:t>for d in {1..6}; do touch "file${d}.md"; git add "file${d}.md"; git commit -m "adding file ${d}"; done</a:t>
+              <a:t>Output currently running processes </a:t>
+            </a:r>
+          </a:p>
+          <a:p>
+            <a:r>
+              <a:rPr lang="en-US" altLang="ko-KR" dirty="0"/>
+              <a:t>$ top </a:t>
             </a:r>
           </a:p>
           <a:p>
             <a:pPr lvl="1"/>
             <a:r>
               <a:rPr lang="en-US" altLang="ko-KR" dirty="0"/>
-              <a:t>Use</a:t>
-            </a:r>
-            <a:r>
-              <a:rPr lang="ko-KR" altLang="en-US" dirty="0"/>
-              <a:t> </a:t>
-            </a:r>
-            <a:r>
-              <a:rPr lang="en-US" altLang="ko-KR" dirty="0">
-                <a:solidFill>
-                  <a:srgbClr val="FF0000"/>
-                </a:solidFill>
-              </a:rPr>
-              <a:t>“;”</a:t>
-            </a:r>
-            <a:r>
-              <a:rPr lang="ko-KR" altLang="en-US" dirty="0"/>
-              <a:t> </a:t>
-            </a:r>
-            <a:r>
-              <a:rPr lang="en-US" altLang="ko-KR" dirty="0"/>
-              <a:t>on the same line</a:t>
-            </a:r>
-          </a:p>
-          <a:p>
-            <a:r>
-              <a:rPr lang="en-US" altLang="ko-KR" dirty="0"/>
-              <a:t>&amp;&amp; and || </a:t>
+              <a:t>Display live information about currently running processes </a:t>
+            </a:r>
+          </a:p>
+          <a:p>
+            <a:r>
+              <a:rPr lang="en-US" altLang="ko-KR" dirty="0"/>
+              <a:t>$ kill &lt;</a:t>
+            </a:r>
+            <a:r>
+              <a:rPr lang="en-US" altLang="ko-KR" dirty="0" err="1"/>
+              <a:t>pid</a:t>
+            </a:r>
+            <a:r>
+              <a:rPr lang="en-US" altLang="ko-KR" dirty="0"/>
+              <a:t>&gt; </a:t>
             </a:r>
           </a:p>
           <a:p>
             <a:pPr lvl="1"/>
             <a:r>
               <a:rPr lang="en-US" altLang="ko-KR" dirty="0"/>
-              <a:t>&amp;&amp;  operator will only be run if the previous command </a:t>
-            </a:r>
-            <a:r>
-              <a:rPr lang="en-US" altLang="ko-KR" dirty="0">
-                <a:solidFill>
-                  <a:srgbClr val="FF0000"/>
-                </a:solidFill>
-              </a:rPr>
-              <a:t>completes successfully</a:t>
-            </a:r>
-          </a:p>
-          <a:p>
-            <a:pPr lvl="1"/>
-            <a:r>
-              <a:rPr lang="en-US" altLang="ko-KR" dirty="0"/>
-              <a:t>|| operator only continues if the previous </a:t>
-            </a:r>
-            <a:r>
-              <a:rPr lang="en-US" altLang="ko-KR" dirty="0">
-                <a:solidFill>
-                  <a:srgbClr val="FF0000"/>
-                </a:solidFill>
-              </a:rPr>
-              <a:t>command fails</a:t>
-            </a:r>
-          </a:p>
-          <a:p>
-            <a:pPr lvl="1"/>
-            <a:r>
-              <a:rPr lang="en-US" altLang="ko-KR" dirty="0"/>
-              <a:t> $ cd ~/videos || </a:t>
+              <a:t>Quit process with ID &lt;</a:t>
             </a:r>
             <a:r>
               <a:rPr lang="en-US" altLang="ko-KR" dirty="0" err="1"/>
-              <a:t>mkdir</a:t>
-            </a:r>
-            <a:r>
-              <a:rPr lang="en-US" altLang="ko-KR" dirty="0"/>
-              <a:t> ~/videos # will create the folder “videos” only if the cd command fails</a:t>
-            </a:r>
+              <a:t>pid</a:t>
+            </a:r>
+            <a:r>
+              <a:rPr lang="en-US" altLang="ko-KR" dirty="0"/>
+              <a:t>&gt;</a:t>
+            </a:r>
+          </a:p>
+          <a:p>
+            <a:endParaRPr lang="en-US" altLang="ko-KR" dirty="0">
+              <a:latin typeface="+mn-ea"/>
+            </a:endParaRPr>
           </a:p>
         </p:txBody>
       </p:sp>
     </p:spTree>
     <p:extLst>
       <p:ext uri="{BB962C8B-B14F-4D97-AF65-F5344CB8AC3E}">
-        <p14:creationId xmlns:p14="http://schemas.microsoft.com/office/powerpoint/2010/main" val="836270208"/>
+        <p14:creationId xmlns:p14="http://schemas.microsoft.com/office/powerpoint/2010/main" val="2173378349"/>
       </p:ext>
     </p:extLst>
   </p:cSld>
@@ -7810,7 +7981,7 @@
           <a:p>
             <a:r>
               <a:rPr lang="en-US" altLang="ko-KR" dirty="0"/>
-              <a:t>THE “CTRL” KEY</a:t>
+              <a:t>COMBINING COMMANDS</a:t>
             </a:r>
             <a:endParaRPr lang="ko-KR" altLang="en-US" dirty="0"/>
           </a:p>
@@ -7985,6 +8156,324 @@
           <a:p>
             <a:r>
               <a:rPr lang="en-US" altLang="ko-KR" dirty="0"/>
+              <a:t>COMBINING COMMANDS</a:t>
+            </a:r>
+          </a:p>
+          <a:p>
+            <a:pPr lvl="1"/>
+            <a:r>
+              <a:rPr lang="en-US" altLang="ko-KR" dirty="0"/>
+              <a:t>for d in {1..6}; do touch "file${d}.md"; git add "file${d}.md"; git commit -m "adding file ${d}"; done</a:t>
+            </a:r>
+          </a:p>
+          <a:p>
+            <a:pPr lvl="1"/>
+            <a:r>
+              <a:rPr lang="en-US" altLang="ko-KR" dirty="0"/>
+              <a:t>Use</a:t>
+            </a:r>
+            <a:r>
+              <a:rPr lang="ko-KR" altLang="en-US" dirty="0"/>
+              <a:t> </a:t>
+            </a:r>
+            <a:r>
+              <a:rPr lang="en-US" altLang="ko-KR" dirty="0">
+                <a:solidFill>
+                  <a:srgbClr val="FF0000"/>
+                </a:solidFill>
+              </a:rPr>
+              <a:t>“;”</a:t>
+            </a:r>
+            <a:r>
+              <a:rPr lang="ko-KR" altLang="en-US" dirty="0"/>
+              <a:t> </a:t>
+            </a:r>
+            <a:r>
+              <a:rPr lang="en-US" altLang="ko-KR" dirty="0"/>
+              <a:t>on the same line</a:t>
+            </a:r>
+          </a:p>
+          <a:p>
+            <a:r>
+              <a:rPr lang="en-US" altLang="ko-KR" dirty="0"/>
+              <a:t>&amp;&amp; and || </a:t>
+            </a:r>
+          </a:p>
+          <a:p>
+            <a:pPr lvl="1"/>
+            <a:r>
+              <a:rPr lang="en-US" altLang="ko-KR" dirty="0"/>
+              <a:t>&amp;&amp;  operator will only be run if the previous command </a:t>
+            </a:r>
+            <a:r>
+              <a:rPr lang="en-US" altLang="ko-KR" dirty="0">
+                <a:solidFill>
+                  <a:srgbClr val="FF0000"/>
+                </a:solidFill>
+              </a:rPr>
+              <a:t>completes successfully</a:t>
+            </a:r>
+          </a:p>
+          <a:p>
+            <a:pPr lvl="1"/>
+            <a:r>
+              <a:rPr lang="en-US" altLang="ko-KR" dirty="0"/>
+              <a:t>|| operator only continues if the previous </a:t>
+            </a:r>
+            <a:r>
+              <a:rPr lang="en-US" altLang="ko-KR" dirty="0">
+                <a:solidFill>
+                  <a:srgbClr val="FF0000"/>
+                </a:solidFill>
+              </a:rPr>
+              <a:t>command fails</a:t>
+            </a:r>
+          </a:p>
+          <a:p>
+            <a:pPr lvl="1"/>
+            <a:r>
+              <a:rPr lang="en-US" altLang="ko-KR" dirty="0"/>
+              <a:t> $ cd ~/videos || </a:t>
+            </a:r>
+            <a:r>
+              <a:rPr lang="en-US" altLang="ko-KR" dirty="0" err="1"/>
+              <a:t>mkdir</a:t>
+            </a:r>
+            <a:r>
+              <a:rPr lang="en-US" altLang="ko-KR" dirty="0"/>
+              <a:t> ~/videos # will create the folder “videos” only if the cd command fails</a:t>
+            </a:r>
+          </a:p>
+        </p:txBody>
+      </p:sp>
+    </p:spTree>
+    <p:extLst>
+      <p:ext uri="{BB962C8B-B14F-4D97-AF65-F5344CB8AC3E}">
+        <p14:creationId xmlns:p14="http://schemas.microsoft.com/office/powerpoint/2010/main" val="836270208"/>
+      </p:ext>
+    </p:extLst>
+  </p:cSld>
+  <p:clrMapOvr>
+    <a:masterClrMapping/>
+  </p:clrMapOvr>
+</p:sld>
+</file>
+
+<file path=ppt/slides/slide23.xml><?xml version="1.0" encoding="utf-8"?>
+<p:sld xmlns:a="http://schemas.openxmlformats.org/drawingml/2006/main" xmlns:r="http://schemas.openxmlformats.org/officeDocument/2006/relationships" xmlns:p="http://schemas.openxmlformats.org/presentationml/2006/main">
+  <p:cSld>
+    <p:spTree>
+      <p:nvGrpSpPr>
+        <p:cNvPr id="1" name=""/>
+        <p:cNvGrpSpPr/>
+        <p:nvPr/>
+      </p:nvGrpSpPr>
+      <p:grpSpPr>
+        <a:xfrm>
+          <a:off x="0" y="0"/>
+          <a:ext cx="0" cy="0"/>
+          <a:chOff x="0" y="0"/>
+          <a:chExt cx="0" cy="0"/>
+        </a:xfrm>
+      </p:grpSpPr>
+      <p:sp>
+        <p:nvSpPr>
+          <p:cNvPr id="4" name="제목 3">
+            <a:extLst>
+              <a:ext uri="{FF2B5EF4-FFF2-40B4-BE49-F238E27FC236}">
+                <a16:creationId xmlns:a16="http://schemas.microsoft.com/office/drawing/2014/main" id="{F0CEB32B-CB43-4410-BA08-A97E4BC47FCB}"/>
+              </a:ext>
+            </a:extLst>
+          </p:cNvPr>
+          <p:cNvSpPr>
+            <a:spLocks noGrp="1"/>
+          </p:cNvSpPr>
+          <p:nvPr>
+            <p:ph type="title"/>
+          </p:nvPr>
+        </p:nvSpPr>
+        <p:spPr/>
+        <p:txBody>
+          <a:bodyPr/>
+          <a:lstStyle/>
+          <a:p>
+            <a:r>
+              <a:rPr lang="en-US" altLang="ko-KR" dirty="0"/>
+              <a:t>THE “CTRL” KEY</a:t>
+            </a:r>
+            <a:endParaRPr lang="ko-KR" altLang="en-US" dirty="0"/>
+          </a:p>
+        </p:txBody>
+      </p:sp>
+      <p:sp>
+        <p:nvSpPr>
+          <p:cNvPr id="6" name="내용 개체 틀 2">
+            <a:extLst>
+              <a:ext uri="{FF2B5EF4-FFF2-40B4-BE49-F238E27FC236}">
+                <a16:creationId xmlns:a16="http://schemas.microsoft.com/office/drawing/2014/main" id="{E597044D-9E91-4036-BC67-BF184BDB0BB9}"/>
+              </a:ext>
+            </a:extLst>
+          </p:cNvPr>
+          <p:cNvSpPr txBox="1">
+            <a:spLocks/>
+          </p:cNvSpPr>
+          <p:nvPr/>
+        </p:nvSpPr>
+        <p:spPr>
+          <a:xfrm>
+            <a:off x="341787" y="1120544"/>
+            <a:ext cx="8642350" cy="5115155"/>
+          </a:xfrm>
+          <a:prstGeom prst="rect">
+            <a:avLst/>
+          </a:prstGeom>
+        </p:spPr>
+        <p:txBody>
+          <a:bodyPr vert="horz" lIns="91440" tIns="45720" rIns="91440" bIns="45720" rtlCol="0">
+            <a:noAutofit/>
+          </a:bodyPr>
+          <a:lstStyle>
+            <a:lvl1pPr marL="266700" indent="-266700" defTabSz="914400" latinLnBrk="1">
+              <a:lnSpc>
+                <a:spcPct val="150000"/>
+              </a:lnSpc>
+              <a:spcBef>
+                <a:spcPct val="0"/>
+              </a:spcBef>
+              <a:buClr>
+                <a:schemeClr val="tx1">
+                  <a:lumMod val="65000"/>
+                  <a:lumOff val="35000"/>
+                </a:schemeClr>
+              </a:buClr>
+              <a:buFont typeface="Wingdings" pitchFamily="2" charset="2"/>
+              <a:buChar char="n"/>
+              <a:defRPr sz="2000" b="1">
+                <a:latin typeface="+mn-ea"/>
+              </a:defRPr>
+            </a:lvl1pPr>
+            <a:lvl2pPr marL="447675" lvl="1" indent="-180975" defTabSz="914400" latinLnBrk="1">
+              <a:lnSpc>
+                <a:spcPct val="150000"/>
+              </a:lnSpc>
+              <a:spcBef>
+                <a:spcPts val="0"/>
+              </a:spcBef>
+              <a:spcAft>
+                <a:spcPts val="0"/>
+              </a:spcAft>
+              <a:buClr>
+                <a:schemeClr val="tx1">
+                  <a:lumMod val="50000"/>
+                  <a:lumOff val="50000"/>
+                </a:schemeClr>
+              </a:buClr>
+              <a:buFont typeface="Wingdings" pitchFamily="2" charset="2"/>
+              <a:buChar char="§"/>
+              <a:defRPr sz="1600"/>
+            </a:lvl2pPr>
+            <a:lvl3pPr marL="628650" indent="-180975" defTabSz="914400" latinLnBrk="1">
+              <a:lnSpc>
+                <a:spcPct val="150000"/>
+              </a:lnSpc>
+              <a:spcBef>
+                <a:spcPts val="500"/>
+              </a:spcBef>
+              <a:spcAft>
+                <a:spcPts val="300"/>
+              </a:spcAft>
+              <a:buClr>
+                <a:schemeClr val="tx1">
+                  <a:lumMod val="65000"/>
+                  <a:lumOff val="35000"/>
+                </a:schemeClr>
+              </a:buClr>
+              <a:buFont typeface="Arial" panose="020B0604020202020204" pitchFamily="34" charset="0"/>
+              <a:buChar char="•"/>
+              <a:defRPr sz="1400"/>
+            </a:lvl3pPr>
+            <a:lvl4pPr marL="809625" indent="-180975" defTabSz="914400" latinLnBrk="1">
+              <a:lnSpc>
+                <a:spcPct val="150000"/>
+              </a:lnSpc>
+              <a:spcBef>
+                <a:spcPts val="500"/>
+              </a:spcBef>
+              <a:spcAft>
+                <a:spcPts val="300"/>
+              </a:spcAft>
+              <a:buClr>
+                <a:schemeClr val="tx1">
+                  <a:lumMod val="65000"/>
+                  <a:lumOff val="35000"/>
+                </a:schemeClr>
+              </a:buClr>
+              <a:buSzPct val="96000"/>
+              <a:buFont typeface="Arial" panose="020B0604020202020204" pitchFamily="34" charset="0"/>
+              <a:buChar char="•"/>
+              <a:defRPr sz="1200"/>
+            </a:lvl4pPr>
+            <a:lvl5pPr marL="990600" indent="-180975" defTabSz="914400" latinLnBrk="1">
+              <a:lnSpc>
+                <a:spcPct val="150000"/>
+              </a:lnSpc>
+              <a:spcBef>
+                <a:spcPts val="500"/>
+              </a:spcBef>
+              <a:buClr>
+                <a:schemeClr val="tx1">
+                  <a:lumMod val="65000"/>
+                  <a:lumOff val="35000"/>
+                </a:schemeClr>
+              </a:buClr>
+              <a:buFont typeface="Arial" panose="020B0604020202020204" pitchFamily="34" charset="0"/>
+              <a:buChar char="•"/>
+              <a:defRPr sz="1000"/>
+            </a:lvl5pPr>
+            <a:lvl6pPr marL="2514600" indent="-228600" defTabSz="914400" latinLnBrk="1">
+              <a:lnSpc>
+                <a:spcPct val="90000"/>
+              </a:lnSpc>
+              <a:spcBef>
+                <a:spcPts val="500"/>
+              </a:spcBef>
+              <a:buFont typeface="Arial" panose="020B0604020202020204" pitchFamily="34" charset="0"/>
+              <a:buChar char="•"/>
+            </a:lvl6pPr>
+            <a:lvl7pPr marL="2971800" indent="-228600" defTabSz="914400" latinLnBrk="1">
+              <a:lnSpc>
+                <a:spcPct val="90000"/>
+              </a:lnSpc>
+              <a:spcBef>
+                <a:spcPts val="500"/>
+              </a:spcBef>
+              <a:buFont typeface="Arial" panose="020B0604020202020204" pitchFamily="34" charset="0"/>
+              <a:buChar char="•"/>
+            </a:lvl7pPr>
+            <a:lvl8pPr marL="3429000" indent="-228600" defTabSz="914400" latinLnBrk="1">
+              <a:lnSpc>
+                <a:spcPct val="90000"/>
+              </a:lnSpc>
+              <a:spcBef>
+                <a:spcPts val="500"/>
+              </a:spcBef>
+              <a:buFont typeface="Arial" panose="020B0604020202020204" pitchFamily="34" charset="0"/>
+              <a:buChar char="•"/>
+            </a:lvl8pPr>
+            <a:lvl9pPr marL="3886200" indent="-228600" defTabSz="914400" latinLnBrk="1">
+              <a:lnSpc>
+                <a:spcPct val="90000"/>
+              </a:lnSpc>
+              <a:spcBef>
+                <a:spcPts val="500"/>
+              </a:spcBef>
+              <a:buFont typeface="Arial" panose="020B0604020202020204" pitchFamily="34" charset="0"/>
+              <a:buChar char="•"/>
+            </a:lvl9pPr>
+          </a:lstStyle>
+          <a:p>
+            <a:r>
+              <a:rPr lang="en-US" altLang="ko-KR" dirty="0"/>
               <a:t>CTRL+A, CTRL+E</a:t>
             </a:r>
           </a:p>
@@ -8057,7 +8546,7 @@
 </p:sld>
 </file>
 
-<file path=ppt/slides/slide23.xml><?xml version="1.0" encoding="utf-8"?>
+<file path=ppt/slides/slide24.xml><?xml version="1.0" encoding="utf-8"?>
 <p:sld xmlns:a="http://schemas.openxmlformats.org/drawingml/2006/main" xmlns:r="http://schemas.openxmlformats.org/officeDocument/2006/relationships" xmlns:p="http://schemas.openxmlformats.org/presentationml/2006/main">
   <p:cSld>
     <p:spTree>
@@ -9653,7 +10142,7 @@
             </a:pPr>
             <a:r>
               <a:rPr lang="en-US" altLang="ko-KR" dirty="0"/>
-              <a:t>$ git branch &lt;new-branch&gt;</a:t>
+              <a:t>$ git checkout --track &lt;remote/branch&gt;</a:t>
             </a:r>
           </a:p>
           <a:p>
@@ -9664,7 +10153,7 @@
             </a:pPr>
             <a:r>
               <a:rPr lang="en-US" altLang="ko-KR" dirty="0"/>
-              <a:t>Create a new branch based on your current HEAD</a:t>
+              <a:t>Create a new tracking branch based on a remote branch</a:t>
             </a:r>
           </a:p>
           <a:p>
@@ -9675,7 +10164,7 @@
             </a:pPr>
             <a:r>
               <a:rPr lang="en-US" altLang="ko-KR" dirty="0"/>
-              <a:t>$ git checkout --track &lt;remote/branch&gt;</a:t>
+              <a:t>$ git checkout -- $(git ls-files --modified)</a:t>
             </a:r>
           </a:p>
           <a:p>
@@ -9686,7 +10175,98 @@
             </a:pPr>
             <a:r>
               <a:rPr lang="en-US" altLang="ko-KR" dirty="0"/>
-              <a:t>Create a new tracking branch based on a remote branch</a:t>
+              <a:t>Modified</a:t>
+            </a:r>
+            <a:r>
+              <a:rPr lang="ko-KR" altLang="en-US" dirty="0"/>
+              <a:t>된 파일들을 찾아내어 </a:t>
+            </a:r>
+            <a:r>
+              <a:rPr lang="en-US" altLang="ko-KR" dirty="0"/>
+              <a:t>rollback  </a:t>
+            </a:r>
+            <a:r>
+              <a:rPr lang="ko-KR" altLang="en-US" dirty="0"/>
+              <a:t>시키는</a:t>
+            </a:r>
+            <a:r>
+              <a:rPr lang="en-US" altLang="ko-KR" dirty="0"/>
+              <a:t>(</a:t>
+            </a:r>
+            <a:r>
+              <a:rPr lang="ko-KR" altLang="en-US" dirty="0"/>
+              <a:t>수정前 상태로 만드는</a:t>
+            </a:r>
+            <a:r>
+              <a:rPr lang="en-US" altLang="ko-KR" dirty="0"/>
+              <a:t>)</a:t>
+            </a:r>
+            <a:r>
+              <a:rPr lang="ko-KR" altLang="en-US" dirty="0"/>
+              <a:t> 명령어 모음</a:t>
+            </a:r>
+            <a:endParaRPr lang="en-US" altLang="ko-KR" dirty="0"/>
+          </a:p>
+          <a:p>
+            <a:pPr lvl="1">
+              <a:lnSpc>
+                <a:spcPct val="130000"/>
+              </a:lnSpc>
+            </a:pPr>
+            <a:r>
+              <a:rPr lang="en-US" altLang="ko-KR" dirty="0"/>
+              <a:t>Git</a:t>
+            </a:r>
+            <a:r>
+              <a:rPr lang="ko-KR" altLang="en-US" dirty="0"/>
+              <a:t> </a:t>
+            </a:r>
+            <a:r>
+              <a:rPr lang="en-US" altLang="ko-KR" dirty="0"/>
+              <a:t>checkout -- &lt;</a:t>
+            </a:r>
+            <a:r>
+              <a:rPr lang="ko-KR" altLang="en-US" dirty="0"/>
+              <a:t>파일명</a:t>
+            </a:r>
+            <a:r>
+              <a:rPr lang="en-US" altLang="ko-KR" dirty="0"/>
+              <a:t>&gt; : </a:t>
+            </a:r>
+            <a:r>
+              <a:rPr lang="ko-KR" altLang="en-US" dirty="0"/>
+              <a:t>수정된 파일을 수정前 파일로 전환</a:t>
+            </a:r>
+            <a:r>
+              <a:rPr lang="en-US" altLang="ko-KR" dirty="0"/>
+              <a:t>(rollback)</a:t>
+            </a:r>
+            <a:r>
+              <a:rPr lang="ko-KR" altLang="en-US" dirty="0" err="1"/>
+              <a:t>시켜줌</a:t>
+            </a:r>
+            <a:r>
+              <a:rPr lang="en-US" altLang="ko-KR" dirty="0"/>
+              <a:t>.</a:t>
+            </a:r>
+          </a:p>
+          <a:p>
+            <a:pPr lvl="1">
+              <a:lnSpc>
+                <a:spcPct val="130000"/>
+              </a:lnSpc>
+            </a:pPr>
+            <a:r>
+              <a:rPr lang="en-US" altLang="ko-KR" dirty="0"/>
+              <a:t>Git ls-files  -- modified : </a:t>
+            </a:r>
+            <a:r>
+              <a:rPr lang="ko-KR" altLang="en-US" dirty="0"/>
+              <a:t>수정된 파일을 리스트로 보여줌</a:t>
+            </a:r>
+            <a:r>
+              <a:rPr lang="en-US" altLang="ko-KR" dirty="0"/>
+              <a:t>.</a:t>
             </a:r>
           </a:p>
           <a:p>
@@ -9697,49 +10277,8 @@
             </a:pPr>
             <a:r>
               <a:rPr lang="en-US" altLang="ko-KR" dirty="0"/>
-              <a:t>$ git branch -d &lt;branch&gt;</a:t>
-            </a:r>
-          </a:p>
-          <a:p>
-            <a:pPr lvl="1">
-              <a:lnSpc>
-                <a:spcPct val="130000"/>
-              </a:lnSpc>
-            </a:pPr>
-            <a:r>
-              <a:rPr lang="en-US" altLang="ko-KR" dirty="0"/>
-              <a:t>Delete a local branch</a:t>
-            </a:r>
-          </a:p>
-          <a:p>
-            <a:pPr>
-              <a:lnSpc>
-                <a:spcPct val="130000"/>
-              </a:lnSpc>
-            </a:pPr>
-            <a:r>
-              <a:rPr lang="en-US" altLang="ko-KR" dirty="0"/>
-              <a:t>$ git tag &lt;tag-name&gt;</a:t>
-            </a:r>
-          </a:p>
-          <a:p>
-            <a:pPr lvl="1">
-              <a:lnSpc>
-                <a:spcPct val="130000"/>
-              </a:lnSpc>
-            </a:pPr>
-            <a:r>
-              <a:rPr lang="en-US" altLang="ko-KR" dirty="0"/>
-              <a:t>Mark the current commit with a tag</a:t>
-            </a:r>
-          </a:p>
-          <a:p>
-            <a:pPr>
-              <a:lnSpc>
-                <a:spcPct val="130000"/>
-              </a:lnSpc>
-            </a:pPr>
-            <a:endParaRPr lang="en-US" altLang="ko-KR" dirty="0"/>
+              <a:t> </a:t>
+            </a:r>
           </a:p>
           <a:p>
             <a:pPr>
@@ -9814,7 +10353,7 @@
           <a:p>
             <a:r>
               <a:rPr lang="en-US" altLang="ko-KR" dirty="0"/>
-              <a:t>UPDATE &amp; PUBLISH </a:t>
+              <a:t>BRANCHES &amp; TAGS </a:t>
             </a:r>
             <a:r>
               <a:rPr lang="ko-KR" altLang="en-US" dirty="0"/>
@@ -9839,7 +10378,7 @@
         </p:nvSpPr>
         <p:spPr>
           <a:xfrm>
-            <a:off x="341787" y="913715"/>
+            <a:off x="341787" y="989917"/>
             <a:ext cx="8642350" cy="5115155"/>
           </a:xfrm>
           <a:prstGeom prst="rect">
@@ -9997,7 +10536,7 @@
             </a:pPr>
             <a:r>
               <a:rPr lang="en-US" altLang="ko-KR" dirty="0"/>
-              <a:t>$ git remote –v</a:t>
+              <a:t>$ git branch &lt;new-branch&gt;</a:t>
             </a:r>
           </a:p>
           <a:p>
@@ -10008,7 +10547,7 @@
             </a:pPr>
             <a:r>
               <a:rPr lang="en-US" altLang="ko-KR" dirty="0"/>
-              <a:t>List all currently configured remotes </a:t>
+              <a:t>Create a new branch based on your current HEAD</a:t>
             </a:r>
           </a:p>
           <a:p>
@@ -10019,7 +10558,7 @@
             </a:pPr>
             <a:r>
               <a:rPr lang="en-US" altLang="ko-KR" dirty="0"/>
-              <a:t>$ git remote show &lt;remote&gt;</a:t>
+              <a:t>$ git branch -d &lt;branch&gt;</a:t>
             </a:r>
           </a:p>
           <a:p>
@@ -10030,7 +10569,7 @@
             </a:pPr>
             <a:r>
               <a:rPr lang="en-US" altLang="ko-KR" dirty="0"/>
-              <a:t>Show information about a remote</a:t>
+              <a:t>Delete a local branch</a:t>
             </a:r>
           </a:p>
           <a:p>
@@ -10041,23 +10580,7 @@
             </a:pPr>
             <a:r>
               <a:rPr lang="en-US" altLang="ko-KR" dirty="0"/>
-              <a:t>$ git remote add &lt;</a:t>
-            </a:r>
-            <a:r>
-              <a:rPr lang="en-US" altLang="ko-KR" dirty="0" err="1"/>
-              <a:t>shortname</a:t>
-            </a:r>
-            <a:r>
-              <a:rPr lang="en-US" altLang="ko-KR" dirty="0"/>
-              <a:t>&gt; &lt;</a:t>
-            </a:r>
-            <a:r>
-              <a:rPr lang="en-US" altLang="ko-KR" dirty="0" err="1"/>
-              <a:t>url</a:t>
-            </a:r>
-            <a:r>
-              <a:rPr lang="en-US" altLang="ko-KR" dirty="0"/>
-              <a:t>&gt;</a:t>
+              <a:t>$ git tag &lt;tag-name&gt;</a:t>
             </a:r>
           </a:p>
           <a:p>
@@ -10068,134 +10591,8 @@
             </a:pPr>
             <a:r>
               <a:rPr lang="en-US" altLang="ko-KR" dirty="0"/>
-              <a:t>Add new remote repository, named &lt;remote&gt; </a:t>
-            </a:r>
-          </a:p>
-          <a:p>
-            <a:pPr>
-              <a:lnSpc>
-                <a:spcPct val="130000"/>
-              </a:lnSpc>
-            </a:pPr>
-            <a:r>
-              <a:rPr lang="en-US" altLang="ko-KR" dirty="0"/>
-              <a:t>$ git fetch &lt;remote&gt;</a:t>
-            </a:r>
-          </a:p>
-          <a:p>
-            <a:pPr lvl="1">
-              <a:lnSpc>
-                <a:spcPct val="130000"/>
-              </a:lnSpc>
-            </a:pPr>
-            <a:r>
-              <a:rPr lang="en-US" altLang="ko-KR" dirty="0"/>
-              <a:t>Download all changes from &lt;remote&gt;, but don‘t integrate into HEAD </a:t>
-            </a:r>
-          </a:p>
-          <a:p>
-            <a:pPr>
-              <a:lnSpc>
-                <a:spcPct val="130000"/>
-              </a:lnSpc>
-            </a:pPr>
-            <a:r>
-              <a:rPr lang="en-US" altLang="ko-KR" dirty="0"/>
-              <a:t>$ git pull &lt;remote&gt; &lt;branch&gt;</a:t>
-            </a:r>
-          </a:p>
-          <a:p>
-            <a:pPr lvl="1">
-              <a:lnSpc>
-                <a:spcPct val="130000"/>
-              </a:lnSpc>
-            </a:pPr>
-            <a:r>
-              <a:rPr lang="en-US" altLang="ko-KR" dirty="0"/>
-              <a:t>Download changes and directly merge/integrate into HEAD</a:t>
-            </a:r>
-          </a:p>
-          <a:p>
-            <a:pPr>
-              <a:lnSpc>
-                <a:spcPct val="130000"/>
-              </a:lnSpc>
-            </a:pPr>
-            <a:r>
-              <a:rPr lang="en-US" altLang="ko-KR" dirty="0"/>
-              <a:t>$ git push &lt;remote&gt; &lt;branch&gt;</a:t>
-            </a:r>
-          </a:p>
-          <a:p>
-            <a:pPr lvl="1">
-              <a:lnSpc>
-                <a:spcPct val="130000"/>
-              </a:lnSpc>
-            </a:pPr>
-            <a:r>
-              <a:rPr lang="en-US" altLang="ko-KR" dirty="0"/>
-              <a:t>Publish local changes on a remote</a:t>
-            </a:r>
-          </a:p>
-          <a:p>
-            <a:pPr>
-              <a:lnSpc>
-                <a:spcPct val="130000"/>
-              </a:lnSpc>
-            </a:pPr>
-            <a:r>
-              <a:rPr lang="en-US" altLang="ko-KR" dirty="0"/>
-              <a:t>$ git branch -</a:t>
-            </a:r>
-            <a:r>
-              <a:rPr lang="en-US" altLang="ko-KR" dirty="0" err="1"/>
-              <a:t>dr</a:t>
-            </a:r>
-            <a:r>
-              <a:rPr lang="en-US" altLang="ko-KR" dirty="0"/>
-              <a:t> &lt;remote/branch&gt;</a:t>
-            </a:r>
-          </a:p>
-          <a:p>
-            <a:pPr lvl="1">
-              <a:lnSpc>
-                <a:spcPct val="130000"/>
-              </a:lnSpc>
-            </a:pPr>
-            <a:r>
-              <a:rPr lang="en-US" altLang="ko-KR" dirty="0"/>
-              <a:t>Delete a branch on the remote</a:t>
-            </a:r>
-          </a:p>
-          <a:p>
-            <a:pPr>
-              <a:lnSpc>
-                <a:spcPct val="130000"/>
-              </a:lnSpc>
-            </a:pPr>
-            <a:r>
-              <a:rPr lang="en-US" altLang="ko-KR" dirty="0"/>
-              <a:t>$ git push –tags</a:t>
-            </a:r>
-          </a:p>
-          <a:p>
-            <a:pPr lvl="1">
-              <a:lnSpc>
-                <a:spcPct val="130000"/>
-              </a:lnSpc>
-            </a:pPr>
-            <a:r>
-              <a:rPr lang="en-US" altLang="ko-KR" dirty="0"/>
-              <a:t>Publish your tags</a:t>
-            </a:r>
-          </a:p>
-          <a:p>
-            <a:pPr>
-              <a:lnSpc>
-                <a:spcPct val="130000"/>
-              </a:lnSpc>
-            </a:pPr>
-            <a:endParaRPr lang="en-US" altLang="ko-KR" dirty="0"/>
+              <a:t>Mark the current commit with a tag</a:t>
+            </a:r>
           </a:p>
           <a:p>
             <a:pPr>
@@ -10226,7 +10623,7 @@
     </p:spTree>
     <p:extLst>
       <p:ext uri="{BB962C8B-B14F-4D97-AF65-F5344CB8AC3E}">
-        <p14:creationId xmlns:p14="http://schemas.microsoft.com/office/powerpoint/2010/main" val="4171254412"/>
+        <p14:creationId xmlns:p14="http://schemas.microsoft.com/office/powerpoint/2010/main" val="253234329"/>
       </p:ext>
     </p:extLst>
   </p:cSld>
@@ -10278,7 +10675,7 @@
           <a:p>
             <a:r>
               <a:rPr lang="en-US" altLang="ko-KR" dirty="0"/>
-              <a:t>MERGE &amp; REBASE </a:t>
+              <a:t>UPDATE &amp; PUBLISH </a:t>
             </a:r>
             <a:r>
               <a:rPr lang="ko-KR" altLang="en-US" dirty="0"/>
@@ -10303,7 +10700,7 @@
         </p:nvSpPr>
         <p:spPr>
           <a:xfrm>
-            <a:off x="341787" y="989917"/>
+            <a:off x="341787" y="913715"/>
             <a:ext cx="8642350" cy="5115155"/>
           </a:xfrm>
           <a:prstGeom prst="rect">
@@ -10461,7 +10858,7 @@
             </a:pPr>
             <a:r>
               <a:rPr lang="en-US" altLang="ko-KR" dirty="0"/>
-              <a:t>$ git merge &lt;branch&gt;</a:t>
+              <a:t>$ git remote –v</a:t>
             </a:r>
           </a:p>
           <a:p>
@@ -10472,7 +10869,7 @@
             </a:pPr>
             <a:r>
               <a:rPr lang="en-US" altLang="ko-KR" dirty="0"/>
-              <a:t>Merge &lt;branch&gt; into your current HEAD </a:t>
+              <a:t>List all currently configured remotes </a:t>
             </a:r>
           </a:p>
           <a:p>
@@ -10483,7 +10880,7 @@
             </a:pPr>
             <a:r>
               <a:rPr lang="en-US" altLang="ko-KR" dirty="0"/>
-              <a:t>$ git rebase &lt;branch&gt;</a:t>
+              <a:t>$ git remote show &lt;remote&gt;</a:t>
             </a:r>
           </a:p>
           <a:p>
@@ -10494,7 +10891,34 @@
             </a:pPr>
             <a:r>
               <a:rPr lang="en-US" altLang="ko-KR" dirty="0"/>
-              <a:t>Rebase your current HEAD onto &lt;branch&gt;</a:t>
+              <a:t>Show information about a remote</a:t>
+            </a:r>
+          </a:p>
+          <a:p>
+            <a:pPr>
+              <a:lnSpc>
+                <a:spcPct val="130000"/>
+              </a:lnSpc>
+            </a:pPr>
+            <a:r>
+              <a:rPr lang="en-US" altLang="ko-KR" dirty="0"/>
+              <a:t>$ git remote add &lt;</a:t>
+            </a:r>
+            <a:r>
+              <a:rPr lang="en-US" altLang="ko-KR" dirty="0" err="1"/>
+              <a:t>shortname</a:t>
+            </a:r>
+            <a:r>
+              <a:rPr lang="en-US" altLang="ko-KR" dirty="0"/>
+              <a:t>&gt; &lt;</a:t>
+            </a:r>
+            <a:r>
+              <a:rPr lang="en-US" altLang="ko-KR" dirty="0" err="1"/>
+              <a:t>url</a:t>
+            </a:r>
+            <a:r>
+              <a:rPr lang="en-US" altLang="ko-KR" dirty="0"/>
+              <a:t>&gt;</a:t>
             </a:r>
           </a:p>
           <a:p>
@@ -10505,7 +10929,7 @@
             </a:pPr>
             <a:r>
               <a:rPr lang="en-US" altLang="ko-KR" dirty="0"/>
-              <a:t>Don‘t rebase published commits!</a:t>
+              <a:t>Add new remote repository, named &lt;remote&gt; </a:t>
             </a:r>
           </a:p>
           <a:p>
@@ -10516,7 +10940,7 @@
             </a:pPr>
             <a:r>
               <a:rPr lang="en-US" altLang="ko-KR" dirty="0"/>
-              <a:t>$ git rebase –abort</a:t>
+              <a:t>$ git fetch &lt;remote&gt;</a:t>
             </a:r>
           </a:p>
           <a:p>
@@ -10527,7 +10951,7 @@
             </a:pPr>
             <a:r>
               <a:rPr lang="en-US" altLang="ko-KR" dirty="0"/>
-              <a:t>Abort a rebase</a:t>
+              <a:t>Download all changes from &lt;remote&gt;, but don‘t integrate into HEAD </a:t>
             </a:r>
           </a:p>
           <a:p>
@@ -10538,7 +10962,7 @@
             </a:pPr>
             <a:r>
               <a:rPr lang="en-US" altLang="ko-KR" dirty="0"/>
-              <a:t>$ git rebase –continue</a:t>
+              <a:t>$ git pull &lt;remote&gt; &lt;branch&gt;</a:t>
             </a:r>
           </a:p>
           <a:p>
@@ -10549,7 +10973,7 @@
             </a:pPr>
             <a:r>
               <a:rPr lang="en-US" altLang="ko-KR" dirty="0"/>
-              <a:t>Continue a rebase after resolving conflicts</a:t>
+              <a:t>Download changes and directly merge/integrate into HEAD</a:t>
             </a:r>
           </a:p>
           <a:p>
@@ -10560,57 +10984,79 @@
             </a:pPr>
             <a:r>
               <a:rPr lang="en-US" altLang="ko-KR" dirty="0"/>
-              <a:t>$ git </a:t>
+              <a:t>$ git push &lt;remote&gt; &lt;branch&gt;</a:t>
+            </a:r>
+          </a:p>
+          <a:p>
+            <a:pPr lvl="1">
+              <a:lnSpc>
+                <a:spcPct val="130000"/>
+              </a:lnSpc>
+            </a:pPr>
+            <a:r>
+              <a:rPr lang="en-US" altLang="ko-KR" dirty="0"/>
+              <a:t>Publish local changes on a remote</a:t>
+            </a:r>
+          </a:p>
+          <a:p>
+            <a:pPr>
+              <a:lnSpc>
+                <a:spcPct val="130000"/>
+              </a:lnSpc>
+            </a:pPr>
+            <a:r>
+              <a:rPr lang="en-US" altLang="ko-KR" dirty="0"/>
+              <a:t>$ git branch -</a:t>
             </a:r>
             <a:r>
               <a:rPr lang="en-US" altLang="ko-KR" dirty="0" err="1"/>
-              <a:t>mergetool</a:t>
-            </a:r>
+              <a:t>dr</a:t>
+            </a:r>
+            <a:r>
+              <a:rPr lang="en-US" altLang="ko-KR" dirty="0"/>
+              <a:t> &lt;remote/branch&gt;</a:t>
+            </a:r>
+          </a:p>
+          <a:p>
+            <a:pPr lvl="1">
+              <a:lnSpc>
+                <a:spcPct val="130000"/>
+              </a:lnSpc>
+            </a:pPr>
+            <a:r>
+              <a:rPr lang="en-US" altLang="ko-KR" dirty="0"/>
+              <a:t>Delete a branch on the remote</a:t>
+            </a:r>
+          </a:p>
+          <a:p>
+            <a:pPr>
+              <a:lnSpc>
+                <a:spcPct val="130000"/>
+              </a:lnSpc>
+            </a:pPr>
+            <a:r>
+              <a:rPr lang="en-US" altLang="ko-KR" dirty="0"/>
+              <a:t>$ git push –tags</a:t>
+            </a:r>
+          </a:p>
+          <a:p>
+            <a:pPr lvl="1">
+              <a:lnSpc>
+                <a:spcPct val="130000"/>
+              </a:lnSpc>
+            </a:pPr>
+            <a:r>
+              <a:rPr lang="en-US" altLang="ko-KR" dirty="0"/>
+              <a:t>Publish your tags</a:t>
+            </a:r>
+          </a:p>
+          <a:p>
+            <a:pPr>
+              <a:lnSpc>
+                <a:spcPct val="130000"/>
+              </a:lnSpc>
+            </a:pPr>
             <a:endParaRPr lang="en-US" altLang="ko-KR" dirty="0"/>
-          </a:p>
-          <a:p>
-            <a:pPr lvl="1">
-              <a:lnSpc>
-                <a:spcPct val="130000"/>
-              </a:lnSpc>
-            </a:pPr>
-            <a:r>
-              <a:rPr lang="en-US" altLang="ko-KR" dirty="0"/>
-              <a:t>Use your configured merge tool to solve conflicts </a:t>
-            </a:r>
-          </a:p>
-          <a:p>
-            <a:pPr>
-              <a:lnSpc>
-                <a:spcPct val="130000"/>
-              </a:lnSpc>
-            </a:pPr>
-            <a:r>
-              <a:rPr lang="en-US" altLang="ko-KR" dirty="0"/>
-              <a:t>$ git add &lt;resolved-file&gt;</a:t>
-            </a:r>
-          </a:p>
-          <a:p>
-            <a:pPr lvl="1">
-              <a:lnSpc>
-                <a:spcPct val="130000"/>
-              </a:lnSpc>
-            </a:pPr>
-            <a:r>
-              <a:rPr lang="en-US" altLang="ko-KR" dirty="0"/>
-              <a:t>Use your editor to manually solve conflicts and (after resolving) mark file as resolved </a:t>
-            </a:r>
-          </a:p>
-          <a:p>
-            <a:pPr>
-              <a:lnSpc>
-                <a:spcPct val="130000"/>
-              </a:lnSpc>
-            </a:pPr>
-            <a:r>
-              <a:rPr lang="en-US" altLang="ko-KR" dirty="0"/>
-              <a:t>$ git rm &lt;resolved-file&gt;</a:t>
-            </a:r>
           </a:p>
           <a:p>
             <a:pPr>
@@ -10641,7 +11087,7 @@
     </p:spTree>
     <p:extLst>
       <p:ext uri="{BB962C8B-B14F-4D97-AF65-F5344CB8AC3E}">
-        <p14:creationId xmlns:p14="http://schemas.microsoft.com/office/powerpoint/2010/main" val="1420307670"/>
+        <p14:creationId xmlns:p14="http://schemas.microsoft.com/office/powerpoint/2010/main" val="4171254412"/>
       </p:ext>
     </p:extLst>
   </p:cSld>
@@ -10693,7 +11139,7 @@
           <a:p>
             <a:r>
               <a:rPr lang="en-US" altLang="ko-KR" dirty="0"/>
-              <a:t>UNDO </a:t>
+              <a:t>MERGE &amp; REBASE </a:t>
             </a:r>
             <a:r>
               <a:rPr lang="ko-KR" altLang="en-US" dirty="0"/>
@@ -10876,7 +11322,7 @@
             </a:pPr>
             <a:r>
               <a:rPr lang="en-US" altLang="ko-KR" dirty="0"/>
-              <a:t>$ git reset --hard HEAD</a:t>
+              <a:t>$ git merge &lt;branch&gt;</a:t>
             </a:r>
           </a:p>
           <a:p>
@@ -10887,7 +11333,7 @@
             </a:pPr>
             <a:r>
               <a:rPr lang="en-US" altLang="ko-KR" dirty="0"/>
-              <a:t>Discard all local changes in your working directory</a:t>
+              <a:t>Merge &lt;branch&gt; into your current HEAD </a:t>
             </a:r>
           </a:p>
           <a:p>
@@ -10898,7 +11344,7 @@
             </a:pPr>
             <a:r>
               <a:rPr lang="en-US" altLang="ko-KR" dirty="0"/>
-              <a:t>$ git checkout HEAD &lt;file&gt;</a:t>
+              <a:t>$ git rebase &lt;branch&gt;</a:t>
             </a:r>
           </a:p>
           <a:p>
@@ -10909,7 +11355,18 @@
             </a:pPr>
             <a:r>
               <a:rPr lang="en-US" altLang="ko-KR" dirty="0"/>
-              <a:t>Discard local changes in a specific file</a:t>
+              <a:t>Rebase your current HEAD onto &lt;branch&gt;</a:t>
+            </a:r>
+          </a:p>
+          <a:p>
+            <a:pPr lvl="1">
+              <a:lnSpc>
+                <a:spcPct val="130000"/>
+              </a:lnSpc>
+            </a:pPr>
+            <a:r>
+              <a:rPr lang="en-US" altLang="ko-KR" dirty="0"/>
+              <a:t>Don‘t rebase published commits!</a:t>
             </a:r>
           </a:p>
           <a:p>
@@ -10920,7 +11377,7 @@
             </a:pPr>
             <a:r>
               <a:rPr lang="en-US" altLang="ko-KR" dirty="0"/>
-              <a:t>$ git revert &lt;commit&gt;</a:t>
+              <a:t>$ git rebase –abort</a:t>
             </a:r>
           </a:p>
           <a:p>
@@ -10931,7 +11388,7 @@
             </a:pPr>
             <a:r>
               <a:rPr lang="en-US" altLang="ko-KR" dirty="0"/>
-              <a:t>Revert a commit (by producing a new commit with contrary changes) </a:t>
+              <a:t>Abort a rebase</a:t>
             </a:r>
           </a:p>
           <a:p>
@@ -10942,7 +11399,7 @@
             </a:pPr>
             <a:r>
               <a:rPr lang="en-US" altLang="ko-KR" dirty="0"/>
-              <a:t>$ git reset --hard &lt;commit&gt;</a:t>
+              <a:t>$ git rebase –continue</a:t>
             </a:r>
           </a:p>
           <a:p>
@@ -10953,7 +11410,7 @@
             </a:pPr>
             <a:r>
               <a:rPr lang="en-US" altLang="ko-KR" dirty="0"/>
-              <a:t>Reset your HEAD pointer to a previous commit …and discard all changes since then</a:t>
+              <a:t>Continue a rebase after resolving conflicts</a:t>
             </a:r>
           </a:p>
           <a:p>
@@ -10964,8 +11421,13 @@
             </a:pPr>
             <a:r>
               <a:rPr lang="en-US" altLang="ko-KR" dirty="0"/>
-              <a:t>$ git reset &lt;commit&gt;</a:t>
-            </a:r>
+              <a:t>$ git </a:t>
+            </a:r>
+            <a:r>
+              <a:rPr lang="en-US" altLang="ko-KR" dirty="0" err="1"/>
+              <a:t>mergetool</a:t>
+            </a:r>
+            <a:endParaRPr lang="en-US" altLang="ko-KR" dirty="0"/>
           </a:p>
           <a:p>
             <a:pPr lvl="1">
@@ -10975,15 +11437,7 @@
             </a:pPr>
             <a:r>
               <a:rPr lang="en-US" altLang="ko-KR" dirty="0"/>
-              <a:t>…and preserve all changes as </a:t>
-            </a:r>
-            <a:r>
-              <a:rPr lang="en-US" altLang="ko-KR" dirty="0" err="1"/>
-              <a:t>unstaged</a:t>
-            </a:r>
-            <a:r>
-              <a:rPr lang="en-US" altLang="ko-KR" dirty="0"/>
-              <a:t> changes</a:t>
+              <a:t>Use your configured merge tool to solve conflicts </a:t>
             </a:r>
           </a:p>
           <a:p>
@@ -10994,7 +11448,7 @@
             </a:pPr>
             <a:r>
               <a:rPr lang="en-US" altLang="ko-KR" dirty="0"/>
-              <a:t>$ git reset --keep &lt;commit&gt;</a:t>
+              <a:t>$ git add &lt;resolved-file&gt;</a:t>
             </a:r>
           </a:p>
           <a:p>
@@ -11005,7 +11459,7 @@
             </a:pPr>
             <a:r>
               <a:rPr lang="en-US" altLang="ko-KR" dirty="0"/>
-              <a:t>…and preserve uncommitted local changes </a:t>
+              <a:t>Use your editor to manually solve conflicts and (after resolving) mark file as resolved </a:t>
             </a:r>
           </a:p>
           <a:p>
@@ -11014,7 +11468,10 @@
                 <a:spcPct val="130000"/>
               </a:lnSpc>
             </a:pPr>
-            <a:endParaRPr lang="en-US" altLang="ko-KR" dirty="0"/>
+            <a:r>
+              <a:rPr lang="en-US" altLang="ko-KR" dirty="0"/>
+              <a:t>$ git rm &lt;resolved-file&gt;</a:t>
+            </a:r>
           </a:p>
           <a:p>
             <a:pPr>
@@ -11045,7 +11502,7 @@
     </p:spTree>
     <p:extLst>
       <p:ext uri="{BB962C8B-B14F-4D97-AF65-F5344CB8AC3E}">
-        <p14:creationId xmlns:p14="http://schemas.microsoft.com/office/powerpoint/2010/main" val="3414700557"/>
+        <p14:creationId xmlns:p14="http://schemas.microsoft.com/office/powerpoint/2010/main" val="1420307670"/>
       </p:ext>
     </p:extLst>
   </p:cSld>

--- a/git및github첫걸음11-명령어모음.pptx
+++ b/git및github첫걸음11-명령어모음.pptx
@@ -5,7 +5,7 @@
     <p:sldMasterId id="2147483660" r:id="rId1"/>
   </p:sldMasterIdLst>
   <p:notesMasterIdLst>
-    <p:notesMasterId r:id="rId26"/>
+    <p:notesMasterId r:id="rId29"/>
   </p:notesMasterIdLst>
   <p:sldIdLst>
     <p:sldId id="404" r:id="rId2"/>
@@ -17,21 +17,24 @@
     <p:sldId id="488" r:id="rId8"/>
     <p:sldId id="481" r:id="rId9"/>
     <p:sldId id="482" r:id="rId10"/>
-    <p:sldId id="483" r:id="rId11"/>
-    <p:sldId id="485" r:id="rId12"/>
-    <p:sldId id="486" r:id="rId13"/>
-    <p:sldId id="477" r:id="rId14"/>
-    <p:sldId id="484" r:id="rId15"/>
-    <p:sldId id="472" r:id="rId16"/>
-    <p:sldId id="467" r:id="rId17"/>
-    <p:sldId id="474" r:id="rId18"/>
-    <p:sldId id="468" r:id="rId19"/>
-    <p:sldId id="469" r:id="rId20"/>
-    <p:sldId id="470" r:id="rId21"/>
-    <p:sldId id="471" r:id="rId22"/>
-    <p:sldId id="466" r:id="rId23"/>
-    <p:sldId id="475" r:id="rId24"/>
-    <p:sldId id="476" r:id="rId25"/>
+    <p:sldId id="489" r:id="rId11"/>
+    <p:sldId id="483" r:id="rId12"/>
+    <p:sldId id="490" r:id="rId13"/>
+    <p:sldId id="491" r:id="rId14"/>
+    <p:sldId id="485" r:id="rId15"/>
+    <p:sldId id="486" r:id="rId16"/>
+    <p:sldId id="477" r:id="rId17"/>
+    <p:sldId id="484" r:id="rId18"/>
+    <p:sldId id="472" r:id="rId19"/>
+    <p:sldId id="467" r:id="rId20"/>
+    <p:sldId id="474" r:id="rId21"/>
+    <p:sldId id="468" r:id="rId22"/>
+    <p:sldId id="469" r:id="rId23"/>
+    <p:sldId id="470" r:id="rId24"/>
+    <p:sldId id="471" r:id="rId25"/>
+    <p:sldId id="466" r:id="rId26"/>
+    <p:sldId id="475" r:id="rId27"/>
+    <p:sldId id="476" r:id="rId28"/>
   </p:sldIdLst>
   <p:sldSz cx="9144000" cy="6858000" type="screen4x3"/>
   <p:notesSz cx="6858000" cy="9144000"/>
@@ -656,7 +659,7 @@
     </p:spTree>
     <p:extLst>
       <p:ext uri="{BB962C8B-B14F-4D97-AF65-F5344CB8AC3E}">
-        <p14:creationId xmlns:p14="http://schemas.microsoft.com/office/powerpoint/2010/main" val="849508684"/>
+        <p14:creationId xmlns:p14="http://schemas.microsoft.com/office/powerpoint/2010/main" val="859153561"/>
       </p:ext>
     </p:extLst>
   </p:cSld>
@@ -740,7 +743,7 @@
     </p:spTree>
     <p:extLst>
       <p:ext uri="{BB962C8B-B14F-4D97-AF65-F5344CB8AC3E}">
-        <p14:creationId xmlns:p14="http://schemas.microsoft.com/office/powerpoint/2010/main" val="2850246114"/>
+        <p14:creationId xmlns:p14="http://schemas.microsoft.com/office/powerpoint/2010/main" val="2438883703"/>
       </p:ext>
     </p:extLst>
   </p:cSld>
@@ -824,7 +827,7 @@
     </p:spTree>
     <p:extLst>
       <p:ext uri="{BB962C8B-B14F-4D97-AF65-F5344CB8AC3E}">
-        <p14:creationId xmlns:p14="http://schemas.microsoft.com/office/powerpoint/2010/main" val="237887688"/>
+        <p14:creationId xmlns:p14="http://schemas.microsoft.com/office/powerpoint/2010/main" val="3956974205"/>
       </p:ext>
     </p:extLst>
   </p:cSld>
@@ -908,7 +911,7 @@
     </p:spTree>
     <p:extLst>
       <p:ext uri="{BB962C8B-B14F-4D97-AF65-F5344CB8AC3E}">
-        <p14:creationId xmlns:p14="http://schemas.microsoft.com/office/powerpoint/2010/main" val="3682766006"/>
+        <p14:creationId xmlns:p14="http://schemas.microsoft.com/office/powerpoint/2010/main" val="849508684"/>
       </p:ext>
     </p:extLst>
   </p:cSld>
@@ -992,7 +995,7 @@
     </p:spTree>
     <p:extLst>
       <p:ext uri="{BB962C8B-B14F-4D97-AF65-F5344CB8AC3E}">
-        <p14:creationId xmlns:p14="http://schemas.microsoft.com/office/powerpoint/2010/main" val="4262342391"/>
+        <p14:creationId xmlns:p14="http://schemas.microsoft.com/office/powerpoint/2010/main" val="2850246114"/>
       </p:ext>
     </p:extLst>
   </p:cSld>
@@ -1076,7 +1079,7 @@
     </p:spTree>
     <p:extLst>
       <p:ext uri="{BB962C8B-B14F-4D97-AF65-F5344CB8AC3E}">
-        <p14:creationId xmlns:p14="http://schemas.microsoft.com/office/powerpoint/2010/main" val="2227767980"/>
+        <p14:creationId xmlns:p14="http://schemas.microsoft.com/office/powerpoint/2010/main" val="237887688"/>
       </p:ext>
     </p:extLst>
   </p:cSld>
@@ -1160,7 +1163,7 @@
     </p:spTree>
     <p:extLst>
       <p:ext uri="{BB962C8B-B14F-4D97-AF65-F5344CB8AC3E}">
-        <p14:creationId xmlns:p14="http://schemas.microsoft.com/office/powerpoint/2010/main" val="3648108459"/>
+        <p14:creationId xmlns:p14="http://schemas.microsoft.com/office/powerpoint/2010/main" val="3682766006"/>
       </p:ext>
     </p:extLst>
   </p:cSld>
@@ -1244,7 +1247,7 @@
     </p:spTree>
     <p:extLst>
       <p:ext uri="{BB962C8B-B14F-4D97-AF65-F5344CB8AC3E}">
-        <p14:creationId xmlns:p14="http://schemas.microsoft.com/office/powerpoint/2010/main" val="1506570229"/>
+        <p14:creationId xmlns:p14="http://schemas.microsoft.com/office/powerpoint/2010/main" val="4262342391"/>
       </p:ext>
     </p:extLst>
   </p:cSld>
@@ -1328,7 +1331,7 @@
     </p:spTree>
     <p:extLst>
       <p:ext uri="{BB962C8B-B14F-4D97-AF65-F5344CB8AC3E}">
-        <p14:creationId xmlns:p14="http://schemas.microsoft.com/office/powerpoint/2010/main" val="677538539"/>
+        <p14:creationId xmlns:p14="http://schemas.microsoft.com/office/powerpoint/2010/main" val="2227767980"/>
       </p:ext>
     </p:extLst>
   </p:cSld>
@@ -1412,7 +1415,7 @@
     </p:spTree>
     <p:extLst>
       <p:ext uri="{BB962C8B-B14F-4D97-AF65-F5344CB8AC3E}">
-        <p14:creationId xmlns:p14="http://schemas.microsoft.com/office/powerpoint/2010/main" val="4149077798"/>
+        <p14:creationId xmlns:p14="http://schemas.microsoft.com/office/powerpoint/2010/main" val="3648108459"/>
       </p:ext>
     </p:extLst>
   </p:cSld>
@@ -1580,7 +1583,7 @@
     </p:spTree>
     <p:extLst>
       <p:ext uri="{BB962C8B-B14F-4D97-AF65-F5344CB8AC3E}">
-        <p14:creationId xmlns:p14="http://schemas.microsoft.com/office/powerpoint/2010/main" val="3732054475"/>
+        <p14:creationId xmlns:p14="http://schemas.microsoft.com/office/powerpoint/2010/main" val="1506570229"/>
       </p:ext>
     </p:extLst>
   </p:cSld>
@@ -1664,7 +1667,7 @@
     </p:spTree>
     <p:extLst>
       <p:ext uri="{BB962C8B-B14F-4D97-AF65-F5344CB8AC3E}">
-        <p14:creationId xmlns:p14="http://schemas.microsoft.com/office/powerpoint/2010/main" val="1380875406"/>
+        <p14:creationId xmlns:p14="http://schemas.microsoft.com/office/powerpoint/2010/main" val="677538539"/>
       </p:ext>
     </p:extLst>
   </p:cSld>
@@ -1748,7 +1751,7 @@
     </p:spTree>
     <p:extLst>
       <p:ext uri="{BB962C8B-B14F-4D97-AF65-F5344CB8AC3E}">
-        <p14:creationId xmlns:p14="http://schemas.microsoft.com/office/powerpoint/2010/main" val="318880274"/>
+        <p14:creationId xmlns:p14="http://schemas.microsoft.com/office/powerpoint/2010/main" val="4149077798"/>
       </p:ext>
     </p:extLst>
   </p:cSld>
@@ -1824,6 +1827,258 @@
             <a:fld id="{625D4AC4-540A-4436-887D-BF6A8FCF1275}" type="slidenum">
               <a:rPr lang="ko-KR" altLang="en-US" smtClean="0"/>
               <a:t>24</a:t>
+            </a:fld>
+            <a:endParaRPr lang="ko-KR" altLang="en-US"/>
+          </a:p>
+        </p:txBody>
+      </p:sp>
+    </p:spTree>
+    <p:extLst>
+      <p:ext uri="{BB962C8B-B14F-4D97-AF65-F5344CB8AC3E}">
+        <p14:creationId xmlns:p14="http://schemas.microsoft.com/office/powerpoint/2010/main" val="3732054475"/>
+      </p:ext>
+    </p:extLst>
+  </p:cSld>
+  <p:clrMapOvr>
+    <a:masterClrMapping/>
+  </p:clrMapOvr>
+</p:notes>
+</file>
+
+<file path=ppt/notesSlides/notesSlide24.xml><?xml version="1.0" encoding="utf-8"?>
+<p:notes xmlns:a="http://schemas.openxmlformats.org/drawingml/2006/main" xmlns:r="http://schemas.openxmlformats.org/officeDocument/2006/relationships" xmlns:p="http://schemas.openxmlformats.org/presentationml/2006/main">
+  <p:cSld>
+    <p:spTree>
+      <p:nvGrpSpPr>
+        <p:cNvPr id="1" name=""/>
+        <p:cNvGrpSpPr/>
+        <p:nvPr/>
+      </p:nvGrpSpPr>
+      <p:grpSpPr>
+        <a:xfrm>
+          <a:off x="0" y="0"/>
+          <a:ext cx="0" cy="0"/>
+          <a:chOff x="0" y="0"/>
+          <a:chExt cx="0" cy="0"/>
+        </a:xfrm>
+      </p:grpSpPr>
+      <p:sp>
+        <p:nvSpPr>
+          <p:cNvPr id="2" name="슬라이드 이미지 개체 틀 1"/>
+          <p:cNvSpPr>
+            <a:spLocks noGrp="1" noRot="1" noChangeAspect="1"/>
+          </p:cNvSpPr>
+          <p:nvPr>
+            <p:ph type="sldImg"/>
+          </p:nvPr>
+        </p:nvSpPr>
+        <p:spPr/>
+      </p:sp>
+      <p:sp>
+        <p:nvSpPr>
+          <p:cNvPr id="3" name="슬라이드 노트 개체 틀 2"/>
+          <p:cNvSpPr>
+            <a:spLocks noGrp="1"/>
+          </p:cNvSpPr>
+          <p:nvPr>
+            <p:ph type="body" idx="1"/>
+          </p:nvPr>
+        </p:nvSpPr>
+        <p:spPr/>
+        <p:txBody>
+          <a:bodyPr/>
+          <a:lstStyle/>
+          <a:p>
+            <a:endParaRPr lang="ko-KR" altLang="en-US" dirty="0"/>
+          </a:p>
+        </p:txBody>
+      </p:sp>
+      <p:sp>
+        <p:nvSpPr>
+          <p:cNvPr id="4" name="슬라이드 번호 개체 틀 3"/>
+          <p:cNvSpPr>
+            <a:spLocks noGrp="1"/>
+          </p:cNvSpPr>
+          <p:nvPr>
+            <p:ph type="sldNum" sz="quarter" idx="10"/>
+          </p:nvPr>
+        </p:nvSpPr>
+        <p:spPr/>
+        <p:txBody>
+          <a:bodyPr/>
+          <a:lstStyle/>
+          <a:p>
+            <a:fld id="{625D4AC4-540A-4436-887D-BF6A8FCF1275}" type="slidenum">
+              <a:rPr lang="ko-KR" altLang="en-US" smtClean="0"/>
+              <a:t>25</a:t>
+            </a:fld>
+            <a:endParaRPr lang="ko-KR" altLang="en-US"/>
+          </a:p>
+        </p:txBody>
+      </p:sp>
+    </p:spTree>
+    <p:extLst>
+      <p:ext uri="{BB962C8B-B14F-4D97-AF65-F5344CB8AC3E}">
+        <p14:creationId xmlns:p14="http://schemas.microsoft.com/office/powerpoint/2010/main" val="1380875406"/>
+      </p:ext>
+    </p:extLst>
+  </p:cSld>
+  <p:clrMapOvr>
+    <a:masterClrMapping/>
+  </p:clrMapOvr>
+</p:notes>
+</file>
+
+<file path=ppt/notesSlides/notesSlide25.xml><?xml version="1.0" encoding="utf-8"?>
+<p:notes xmlns:a="http://schemas.openxmlformats.org/drawingml/2006/main" xmlns:r="http://schemas.openxmlformats.org/officeDocument/2006/relationships" xmlns:p="http://schemas.openxmlformats.org/presentationml/2006/main">
+  <p:cSld>
+    <p:spTree>
+      <p:nvGrpSpPr>
+        <p:cNvPr id="1" name=""/>
+        <p:cNvGrpSpPr/>
+        <p:nvPr/>
+      </p:nvGrpSpPr>
+      <p:grpSpPr>
+        <a:xfrm>
+          <a:off x="0" y="0"/>
+          <a:ext cx="0" cy="0"/>
+          <a:chOff x="0" y="0"/>
+          <a:chExt cx="0" cy="0"/>
+        </a:xfrm>
+      </p:grpSpPr>
+      <p:sp>
+        <p:nvSpPr>
+          <p:cNvPr id="2" name="슬라이드 이미지 개체 틀 1"/>
+          <p:cNvSpPr>
+            <a:spLocks noGrp="1" noRot="1" noChangeAspect="1"/>
+          </p:cNvSpPr>
+          <p:nvPr>
+            <p:ph type="sldImg"/>
+          </p:nvPr>
+        </p:nvSpPr>
+        <p:spPr/>
+      </p:sp>
+      <p:sp>
+        <p:nvSpPr>
+          <p:cNvPr id="3" name="슬라이드 노트 개체 틀 2"/>
+          <p:cNvSpPr>
+            <a:spLocks noGrp="1"/>
+          </p:cNvSpPr>
+          <p:nvPr>
+            <p:ph type="body" idx="1"/>
+          </p:nvPr>
+        </p:nvSpPr>
+        <p:spPr/>
+        <p:txBody>
+          <a:bodyPr/>
+          <a:lstStyle/>
+          <a:p>
+            <a:endParaRPr lang="ko-KR" altLang="en-US" dirty="0"/>
+          </a:p>
+        </p:txBody>
+      </p:sp>
+      <p:sp>
+        <p:nvSpPr>
+          <p:cNvPr id="4" name="슬라이드 번호 개체 틀 3"/>
+          <p:cNvSpPr>
+            <a:spLocks noGrp="1"/>
+          </p:cNvSpPr>
+          <p:nvPr>
+            <p:ph type="sldNum" sz="quarter" idx="10"/>
+          </p:nvPr>
+        </p:nvSpPr>
+        <p:spPr/>
+        <p:txBody>
+          <a:bodyPr/>
+          <a:lstStyle/>
+          <a:p>
+            <a:fld id="{625D4AC4-540A-4436-887D-BF6A8FCF1275}" type="slidenum">
+              <a:rPr lang="ko-KR" altLang="en-US" smtClean="0"/>
+              <a:t>26</a:t>
+            </a:fld>
+            <a:endParaRPr lang="ko-KR" altLang="en-US"/>
+          </a:p>
+        </p:txBody>
+      </p:sp>
+    </p:spTree>
+    <p:extLst>
+      <p:ext uri="{BB962C8B-B14F-4D97-AF65-F5344CB8AC3E}">
+        <p14:creationId xmlns:p14="http://schemas.microsoft.com/office/powerpoint/2010/main" val="318880274"/>
+      </p:ext>
+    </p:extLst>
+  </p:cSld>
+  <p:clrMapOvr>
+    <a:masterClrMapping/>
+  </p:clrMapOvr>
+</p:notes>
+</file>
+
+<file path=ppt/notesSlides/notesSlide26.xml><?xml version="1.0" encoding="utf-8"?>
+<p:notes xmlns:a="http://schemas.openxmlformats.org/drawingml/2006/main" xmlns:r="http://schemas.openxmlformats.org/officeDocument/2006/relationships" xmlns:p="http://schemas.openxmlformats.org/presentationml/2006/main">
+  <p:cSld>
+    <p:spTree>
+      <p:nvGrpSpPr>
+        <p:cNvPr id="1" name=""/>
+        <p:cNvGrpSpPr/>
+        <p:nvPr/>
+      </p:nvGrpSpPr>
+      <p:grpSpPr>
+        <a:xfrm>
+          <a:off x="0" y="0"/>
+          <a:ext cx="0" cy="0"/>
+          <a:chOff x="0" y="0"/>
+          <a:chExt cx="0" cy="0"/>
+        </a:xfrm>
+      </p:grpSpPr>
+      <p:sp>
+        <p:nvSpPr>
+          <p:cNvPr id="2" name="슬라이드 이미지 개체 틀 1"/>
+          <p:cNvSpPr>
+            <a:spLocks noGrp="1" noRot="1" noChangeAspect="1"/>
+          </p:cNvSpPr>
+          <p:nvPr>
+            <p:ph type="sldImg"/>
+          </p:nvPr>
+        </p:nvSpPr>
+        <p:spPr/>
+      </p:sp>
+      <p:sp>
+        <p:nvSpPr>
+          <p:cNvPr id="3" name="슬라이드 노트 개체 틀 2"/>
+          <p:cNvSpPr>
+            <a:spLocks noGrp="1"/>
+          </p:cNvSpPr>
+          <p:nvPr>
+            <p:ph type="body" idx="1"/>
+          </p:nvPr>
+        </p:nvSpPr>
+        <p:spPr/>
+        <p:txBody>
+          <a:bodyPr/>
+          <a:lstStyle/>
+          <a:p>
+            <a:endParaRPr lang="ko-KR" altLang="en-US" dirty="0"/>
+          </a:p>
+        </p:txBody>
+      </p:sp>
+      <p:sp>
+        <p:nvSpPr>
+          <p:cNvPr id="4" name="슬라이드 번호 개체 틀 3"/>
+          <p:cNvSpPr>
+            <a:spLocks noGrp="1"/>
+          </p:cNvSpPr>
+          <p:nvPr>
+            <p:ph type="sldNum" sz="quarter" idx="10"/>
+          </p:nvPr>
+        </p:nvSpPr>
+        <p:spPr/>
+        <p:txBody>
+          <a:bodyPr/>
+          <a:lstStyle/>
+          <a:p>
+            <a:fld id="{625D4AC4-540A-4436-887D-BF6A8FCF1275}" type="slidenum">
+              <a:rPr lang="ko-KR" altLang="en-US" smtClean="0"/>
+              <a:t>27</a:t>
             </a:fld>
             <a:endParaRPr lang="ko-KR" altLang="en-US"/>
           </a:p>
@@ -2420,7 +2675,7 @@
     </p:spTree>
     <p:extLst>
       <p:ext uri="{BB962C8B-B14F-4D97-AF65-F5344CB8AC3E}">
-        <p14:creationId xmlns:p14="http://schemas.microsoft.com/office/powerpoint/2010/main" val="859153561"/>
+        <p14:creationId xmlns:p14="http://schemas.microsoft.com/office/powerpoint/2010/main" val="2709999350"/>
       </p:ext>
     </p:extLst>
   </p:cSld>
@@ -3940,7 +4195,7 @@
             </a:pPr>
             <a:r>
               <a:rPr lang="en-US" altLang="ko-KR" dirty="0"/>
-              <a:t>$ git reset --hard HEAD</a:t>
+              <a:t>$ git checkout HEAD &lt;file&gt;</a:t>
             </a:r>
           </a:p>
           <a:p>
@@ -3951,7 +4206,7 @@
             </a:pPr>
             <a:r>
               <a:rPr lang="en-US" altLang="ko-KR" dirty="0"/>
-              <a:t>Discard all local changes in your working directory</a:t>
+              <a:t>Discard local changes in a specific file</a:t>
             </a:r>
           </a:p>
           <a:p>
@@ -3962,7 +4217,7 @@
             </a:pPr>
             <a:r>
               <a:rPr lang="en-US" altLang="ko-KR" dirty="0"/>
-              <a:t>$ git checkout HEAD &lt;file&gt;</a:t>
+              <a:t>$ git revert &lt;commit&gt;</a:t>
             </a:r>
           </a:p>
           <a:p>
@@ -3973,103 +4228,7 @@
             </a:pPr>
             <a:r>
               <a:rPr lang="en-US" altLang="ko-KR" dirty="0"/>
-              <a:t>Discard local changes in a specific file</a:t>
-            </a:r>
-          </a:p>
-          <a:p>
-            <a:pPr>
-              <a:lnSpc>
-                <a:spcPct val="130000"/>
-              </a:lnSpc>
-            </a:pPr>
-            <a:r>
-              <a:rPr lang="en-US" altLang="ko-KR" dirty="0"/>
-              <a:t>$ git revert &lt;commit&gt;</a:t>
-            </a:r>
-          </a:p>
-          <a:p>
-            <a:pPr lvl="1">
-              <a:lnSpc>
-                <a:spcPct val="130000"/>
-              </a:lnSpc>
-            </a:pPr>
-            <a:r>
-              <a:rPr lang="en-US" altLang="ko-KR" dirty="0"/>
               <a:t>Revert a commit (by producing a new commit with contrary changes) </a:t>
-            </a:r>
-          </a:p>
-          <a:p>
-            <a:pPr>
-              <a:lnSpc>
-                <a:spcPct val="130000"/>
-              </a:lnSpc>
-            </a:pPr>
-            <a:r>
-              <a:rPr lang="en-US" altLang="ko-KR" dirty="0"/>
-              <a:t>$ git reset --hard &lt;commit&gt;</a:t>
-            </a:r>
-          </a:p>
-          <a:p>
-            <a:pPr lvl="1">
-              <a:lnSpc>
-                <a:spcPct val="130000"/>
-              </a:lnSpc>
-            </a:pPr>
-            <a:r>
-              <a:rPr lang="en-US" altLang="ko-KR" dirty="0"/>
-              <a:t>Reset your HEAD pointer to a previous commit …and discard all changes since then</a:t>
-            </a:r>
-          </a:p>
-          <a:p>
-            <a:pPr>
-              <a:lnSpc>
-                <a:spcPct val="130000"/>
-              </a:lnSpc>
-            </a:pPr>
-            <a:r>
-              <a:rPr lang="en-US" altLang="ko-KR" dirty="0"/>
-              <a:t>$ git reset &lt;commit&gt;</a:t>
-            </a:r>
-          </a:p>
-          <a:p>
-            <a:pPr lvl="1">
-              <a:lnSpc>
-                <a:spcPct val="130000"/>
-              </a:lnSpc>
-            </a:pPr>
-            <a:r>
-              <a:rPr lang="en-US" altLang="ko-KR" dirty="0"/>
-              <a:t>…and preserve all changes as </a:t>
-            </a:r>
-            <a:r>
-              <a:rPr lang="en-US" altLang="ko-KR" dirty="0" err="1"/>
-              <a:t>unstaged</a:t>
-            </a:r>
-            <a:r>
-              <a:rPr lang="en-US" altLang="ko-KR" dirty="0"/>
-              <a:t> changes</a:t>
-            </a:r>
-          </a:p>
-          <a:p>
-            <a:pPr>
-              <a:lnSpc>
-                <a:spcPct val="130000"/>
-              </a:lnSpc>
-            </a:pPr>
-            <a:r>
-              <a:rPr lang="en-US" altLang="ko-KR" dirty="0"/>
-              <a:t>$ git reset --keep &lt;commit&gt;</a:t>
-            </a:r>
-          </a:p>
-          <a:p>
-            <a:pPr lvl="1">
-              <a:lnSpc>
-                <a:spcPct val="130000"/>
-              </a:lnSpc>
-            </a:pPr>
-            <a:r>
-              <a:rPr lang="en-US" altLang="ko-KR" dirty="0"/>
-              <a:t>…and preserve uncommitted local changes </a:t>
             </a:r>
           </a:p>
           <a:p>
@@ -4109,7 +4268,7 @@
     </p:spTree>
     <p:extLst>
       <p:ext uri="{BB962C8B-B14F-4D97-AF65-F5344CB8AC3E}">
-        <p14:creationId xmlns:p14="http://schemas.microsoft.com/office/powerpoint/2010/main" val="3414700557"/>
+        <p14:creationId xmlns:p14="http://schemas.microsoft.com/office/powerpoint/2010/main" val="3484242629"/>
       </p:ext>
     </p:extLst>
   </p:cSld>
@@ -4161,9 +4320,12 @@
           <a:p>
             <a:r>
               <a:rPr lang="en-US" altLang="ko-KR" dirty="0"/>
-              <a:t>Version control Best practice (1/2)</a:t>
-            </a:r>
-            <a:endParaRPr lang="ko-KR" altLang="en-US" dirty="0"/>
+              <a:t>UNDO </a:t>
+            </a:r>
+            <a:r>
+              <a:rPr lang="ko-KR" altLang="en-US" dirty="0"/>
+              <a:t>관련</a:t>
+            </a:r>
           </a:p>
         </p:txBody>
       </p:sp>
@@ -4341,7 +4503,7 @@
             </a:pPr>
             <a:r>
               <a:rPr lang="en-US" altLang="ko-KR" dirty="0"/>
-              <a:t>COMMIT RELATED CHANGES </a:t>
+              <a:t>$ git reset --keep &lt;commit&gt;</a:t>
             </a:r>
           </a:p>
           <a:p>
@@ -4352,7 +4514,7 @@
             </a:pPr>
             <a:r>
               <a:rPr lang="en-US" altLang="ko-KR" dirty="0"/>
-              <a:t>fixing two different bugs should produce two separate commits. Small commits make it easier for other developers to understand the changes and roll them back if something went wrong. </a:t>
+              <a:t>…and preserve uncommitted local changes </a:t>
             </a:r>
           </a:p>
           <a:p>
@@ -4361,90 +4523,10 @@
                 <a:spcPct val="130000"/>
               </a:lnSpc>
             </a:pPr>
-            <a:r>
-              <a:rPr lang="en-US" altLang="ko-KR" dirty="0"/>
-              <a:t>COMMIT OFTEN </a:t>
-            </a:r>
-          </a:p>
-          <a:p>
-            <a:pPr lvl="1">
-              <a:lnSpc>
-                <a:spcPct val="130000"/>
-              </a:lnSpc>
-            </a:pPr>
-            <a:r>
-              <a:rPr lang="en-US" altLang="ko-KR" dirty="0"/>
-              <a:t>Committing often keeps your commits small and, again, helps you commit only related changes. Moreover, it allows you to share your code more frequently with others. </a:t>
-            </a:r>
-          </a:p>
-          <a:p>
-            <a:pPr lvl="1">
-              <a:lnSpc>
-                <a:spcPct val="130000"/>
-              </a:lnSpc>
-            </a:pPr>
-            <a:r>
-              <a:rPr lang="en-US" altLang="ko-KR" dirty="0"/>
-              <a:t>That way it‘s easier for everyone to integrate changes regularly and avoid having merge conflicts. </a:t>
-            </a:r>
+            <a:endParaRPr lang="en-US" altLang="ko-KR" dirty="0"/>
           </a:p>
           <a:p>
             <a:pPr>
-              <a:lnSpc>
-                <a:spcPct val="130000"/>
-              </a:lnSpc>
-            </a:pPr>
-            <a:r>
-              <a:rPr lang="en-US" altLang="ko-KR" dirty="0"/>
-              <a:t>DO NOT COMMIT HALF-DONE WORK </a:t>
-            </a:r>
-          </a:p>
-          <a:p>
-            <a:pPr lvl="1">
-              <a:lnSpc>
-                <a:spcPct val="130000"/>
-              </a:lnSpc>
-            </a:pPr>
-            <a:r>
-              <a:rPr lang="en-US" altLang="ko-KR" dirty="0"/>
-              <a:t>split the feature‘s implementation into logical chunks and remember to commit early and often. </a:t>
-            </a:r>
-          </a:p>
-          <a:p>
-            <a:pPr lvl="1">
-              <a:lnSpc>
-                <a:spcPct val="130000"/>
-              </a:lnSpc>
-            </a:pPr>
-            <a:r>
-              <a:rPr lang="en-US" altLang="ko-KR" dirty="0"/>
-              <a:t>But don‘t commit just to have something in the repository before leaving the office at the end of the day </a:t>
-            </a:r>
-          </a:p>
-          <a:p>
-            <a:pPr>
-              <a:lnSpc>
-                <a:spcPct val="130000"/>
-              </a:lnSpc>
-            </a:pPr>
-            <a:r>
-              <a:rPr lang="en-US" altLang="ko-KR" dirty="0"/>
-              <a:t>TEST CODE BEFORE YOU COMMIT </a:t>
-            </a:r>
-          </a:p>
-          <a:p>
-            <a:pPr lvl="1">
-              <a:lnSpc>
-                <a:spcPct val="130000"/>
-              </a:lnSpc>
-            </a:pPr>
-            <a:r>
-              <a:rPr lang="en-US" altLang="ko-KR" dirty="0"/>
-              <a:t>Test it thoroughly to make sure it really is completed and has no side effects</a:t>
-            </a:r>
-          </a:p>
-          <a:p>
-            <a:pPr lvl="1">
               <a:lnSpc>
                 <a:spcPct val="130000"/>
               </a:lnSpc>
@@ -4472,7 +4554,7 @@
     </p:spTree>
     <p:extLst>
       <p:ext uri="{BB962C8B-B14F-4D97-AF65-F5344CB8AC3E}">
-        <p14:creationId xmlns:p14="http://schemas.microsoft.com/office/powerpoint/2010/main" val="311353168"/>
+        <p14:creationId xmlns:p14="http://schemas.microsoft.com/office/powerpoint/2010/main" val="3414700557"/>
       </p:ext>
     </p:extLst>
   </p:cSld>
@@ -4524,9 +4606,12 @@
           <a:p>
             <a:r>
               <a:rPr lang="en-US" altLang="ko-KR" dirty="0"/>
-              <a:t>Version control Best practice (2/2)</a:t>
-            </a:r>
-            <a:endParaRPr lang="ko-KR" altLang="en-US" dirty="0"/>
+              <a:t>UNDO </a:t>
+            </a:r>
+            <a:r>
+              <a:rPr lang="ko-KR" altLang="en-US" dirty="0"/>
+              <a:t>관련</a:t>
+            </a:r>
           </a:p>
         </p:txBody>
       </p:sp>
@@ -4704,7 +4789,7 @@
             </a:pPr>
             <a:r>
               <a:rPr lang="en-US" altLang="ko-KR" dirty="0"/>
-              <a:t>WRITE GOOD COMMIT MESSAGES </a:t>
+              <a:t>$ git reset --soft A (when A - B - C - D ← HEAD )</a:t>
             </a:r>
           </a:p>
           <a:p>
@@ -4715,7 +4800,61 @@
             </a:pPr>
             <a:r>
               <a:rPr lang="en-US" altLang="ko-KR" dirty="0"/>
-              <a:t>Begin your message with a short summary of our changes (up to 50 characters as a guideline). Separate it from the following body by including a blank line. The body of your message should provide detailed answers to the following questions: </a:t>
+              <a:t>1. I regret that B, C, and D are not one commit. </a:t>
+            </a:r>
+          </a:p>
+          <a:p>
+            <a:pPr lvl="1">
+              <a:lnSpc>
+                <a:spcPct val="130000"/>
+              </a:lnSpc>
+            </a:pPr>
+            <a:r>
+              <a:rPr lang="en-US" altLang="ko-KR" dirty="0"/>
+              <a:t>I can now immediately commit and presto, all the changes since A are one commit.</a:t>
+            </a:r>
+          </a:p>
+          <a:p>
+            <a:pPr lvl="1">
+              <a:lnSpc>
+                <a:spcPct val="130000"/>
+              </a:lnSpc>
+            </a:pPr>
+            <a:r>
+              <a:rPr lang="en-US" altLang="ko-KR" dirty="0"/>
+              <a:t>This is a good command to use when you have made a large number of small commits and you would like to regroup them into a single commit. (</a:t>
+            </a:r>
+            <a:r>
+              <a:rPr lang="ko-KR" altLang="en-US" dirty="0">
+                <a:solidFill>
+                  <a:srgbClr val="0000FF"/>
+                </a:solidFill>
+              </a:rPr>
+              <a:t>여러 개의 </a:t>
+            </a:r>
+            <a:r>
+              <a:rPr lang="en-US" altLang="ko-KR" dirty="0">
+                <a:solidFill>
+                  <a:srgbClr val="0000FF"/>
+                </a:solidFill>
+              </a:rPr>
+              <a:t>commit</a:t>
+            </a:r>
+            <a:r>
+              <a:rPr lang="ko-KR" altLang="en-US" dirty="0">
+                <a:solidFill>
+                  <a:srgbClr val="0000FF"/>
+                </a:solidFill>
+              </a:rPr>
+              <a:t>을 하나로 묶어서 하고자 할 때</a:t>
+            </a:r>
+            <a:r>
+              <a:rPr lang="en-US" altLang="ko-KR" dirty="0">
+                <a:solidFill>
+                  <a:srgbClr val="0000FF"/>
+                </a:solidFill>
+              </a:rPr>
+              <a:t>)</a:t>
             </a:r>
           </a:p>
           <a:p>
@@ -4726,7 +4865,7 @@
             </a:pPr>
             <a:r>
               <a:rPr lang="en-US" altLang="ko-KR" dirty="0"/>
-              <a:t>USE BRANCHES </a:t>
+              <a:t>$ git reset { --mixed } A (when A - B - C - D ← HEAD )</a:t>
             </a:r>
           </a:p>
           <a:p>
@@ -4737,7 +4876,85 @@
             </a:pPr>
             <a:r>
               <a:rPr lang="en-US" altLang="ko-KR" dirty="0"/>
-              <a:t>Branches are the perfect tool to help you avoid mixing up different lines of development. You should use branches extensively in your development workflows: for new features, bug fixes, ideas…</a:t>
+              <a:t>2. I regret that B, C, and D are not ten commits.</a:t>
+            </a:r>
+          </a:p>
+          <a:p>
+            <a:pPr lvl="1">
+              <a:lnSpc>
+                <a:spcPct val="130000"/>
+              </a:lnSpc>
+            </a:pPr>
+            <a:r>
+              <a:rPr lang="en-US" altLang="ko-KR" dirty="0"/>
+              <a:t>The commits are gone and the index is back at A, but the work area still looks as it did after D. So now I can add-and-commit in a whole different grouping.</a:t>
+            </a:r>
+          </a:p>
+          <a:p>
+            <a:pPr lvl="1">
+              <a:lnSpc>
+                <a:spcPct val="130000"/>
+              </a:lnSpc>
+            </a:pPr>
+            <a:r>
+              <a:rPr lang="en-US" altLang="ko-KR" dirty="0"/>
+              <a:t>If you want to keep all of your changes in the working directory, but change whether and how you commit those changes. </a:t>
+            </a:r>
+            <a:r>
+              <a:rPr lang="en-US" altLang="ko-KR" dirty="0">
+                <a:solidFill>
+                  <a:srgbClr val="0000FF"/>
+                </a:solidFill>
+              </a:rPr>
+              <a:t>(Commit </a:t>
+            </a:r>
+            <a:r>
+              <a:rPr lang="ko-KR" altLang="en-US" dirty="0">
+                <a:solidFill>
+                  <a:srgbClr val="0000FF"/>
+                </a:solidFill>
+              </a:rPr>
+              <a:t>을</a:t>
+            </a:r>
+            <a:r>
+              <a:rPr lang="en-US" altLang="ko-KR" dirty="0">
+                <a:solidFill>
+                  <a:srgbClr val="0000FF"/>
+                </a:solidFill>
+              </a:rPr>
+              <a:t> </a:t>
+            </a:r>
+            <a:r>
+              <a:rPr lang="ko-KR" altLang="en-US" dirty="0">
+                <a:solidFill>
+                  <a:srgbClr val="0000FF"/>
+                </a:solidFill>
+              </a:rPr>
+              <a:t>분리하여 세분화하여 </a:t>
+            </a:r>
+            <a:r>
+              <a:rPr lang="en-US" altLang="ko-KR" dirty="0">
+                <a:solidFill>
+                  <a:srgbClr val="0000FF"/>
+                </a:solidFill>
+              </a:rPr>
+              <a:t>commit </a:t>
+            </a:r>
+            <a:r>
+              <a:rPr lang="ko-KR" altLang="en-US" dirty="0">
+                <a:solidFill>
+                  <a:srgbClr val="0000FF"/>
+                </a:solidFill>
+              </a:rPr>
+              <a:t>할 수 있음</a:t>
+            </a:r>
+            <a:r>
+              <a:rPr lang="en-US" altLang="ko-KR" dirty="0">
+                <a:solidFill>
+                  <a:srgbClr val="0000FF"/>
+                </a:solidFill>
+              </a:rPr>
+              <a:t>)</a:t>
             </a:r>
           </a:p>
           <a:p>
@@ -4746,14 +4963,32 @@
                 <a:spcPct val="130000"/>
               </a:lnSpc>
             </a:pPr>
-            <a:endParaRPr lang="en-US" altLang="ko-KR" dirty="0"/>
-          </a:p>
-          <a:p>
-            <a:pPr marL="539750" lvl="1" indent="-184150">
-              <a:lnSpc>
-                <a:spcPct val="130000"/>
-              </a:lnSpc>
-            </a:pPr>
+            <a:r>
+              <a:rPr lang="en-US" altLang="ko-KR" dirty="0"/>
+              <a:t>$ git reset --hard A (when A - B - C - D ← HEAD )</a:t>
+            </a:r>
+          </a:p>
+          <a:p>
+            <a:pPr lvl="1">
+              <a:lnSpc>
+                <a:spcPct val="130000"/>
+              </a:lnSpc>
+            </a:pPr>
+            <a:r>
+              <a:rPr lang="en-US" altLang="ko-KR" dirty="0"/>
+              <a:t>Discard all local changes in your working directory</a:t>
+            </a:r>
+          </a:p>
+          <a:p>
+            <a:pPr lvl="1">
+              <a:lnSpc>
+                <a:spcPct val="130000"/>
+              </a:lnSpc>
+            </a:pPr>
+            <a:r>
+              <a:rPr lang="en-US" altLang="ko-KR" dirty="0"/>
+              <a:t>3. I regret that B, C, and D happened on this branch; I wish I had branched after A and they had happened on that other branch.</a:t>
+            </a:r>
             <a:endParaRPr lang="en-US" altLang="ko-KR" b="0" dirty="0"/>
           </a:p>
         </p:txBody>
@@ -4761,7 +4996,7 @@
     </p:spTree>
     <p:extLst>
       <p:ext uri="{BB962C8B-B14F-4D97-AF65-F5344CB8AC3E}">
-        <p14:creationId xmlns:p14="http://schemas.microsoft.com/office/powerpoint/2010/main" val="627934812"/>
+        <p14:creationId xmlns:p14="http://schemas.microsoft.com/office/powerpoint/2010/main" val="2271529375"/>
       </p:ext>
     </p:extLst>
   </p:cSld>
@@ -4790,6 +5025,40 @@
       </p:grpSpPr>
       <p:sp>
         <p:nvSpPr>
+          <p:cNvPr id="4" name="제목 3">
+            <a:extLst>
+              <a:ext uri="{FF2B5EF4-FFF2-40B4-BE49-F238E27FC236}">
+                <a16:creationId xmlns:a16="http://schemas.microsoft.com/office/drawing/2014/main" id="{F0CEB32B-CB43-4410-BA08-A97E4BC47FCB}"/>
+              </a:ext>
+            </a:extLst>
+          </p:cNvPr>
+          <p:cNvSpPr>
+            <a:spLocks noGrp="1"/>
+          </p:cNvSpPr>
+          <p:nvPr>
+            <p:ph type="title"/>
+          </p:nvPr>
+        </p:nvSpPr>
+        <p:spPr/>
+        <p:txBody>
+          <a:bodyPr>
+            <a:normAutofit/>
+          </a:bodyPr>
+          <a:lstStyle/>
+          <a:p>
+            <a:r>
+              <a:rPr lang="en-US" altLang="ko-KR" dirty="0"/>
+              <a:t>UNDO </a:t>
+            </a:r>
+            <a:r>
+              <a:rPr lang="ko-KR" altLang="en-US" dirty="0"/>
+              <a:t>관련</a:t>
+            </a:r>
+          </a:p>
+        </p:txBody>
+      </p:sp>
+      <p:sp>
+        <p:nvSpPr>
           <p:cNvPr id="7" name="내용 개체 틀 2">
             <a:extLst>
               <a:ext uri="{FF2B5EF4-FFF2-40B4-BE49-F238E27FC236}">
@@ -4804,7 +5073,7 @@
         </p:nvSpPr>
         <p:spPr>
           <a:xfrm>
-            <a:off x="341787" y="924601"/>
+            <a:off x="341787" y="989917"/>
             <a:ext cx="8642350" cy="5115155"/>
           </a:xfrm>
           <a:prstGeom prst="rect">
@@ -4962,7 +5231,205 @@
             </a:pPr>
             <a:r>
               <a:rPr lang="en-US" altLang="ko-KR" dirty="0"/>
-              <a:t>UNIX command</a:t>
+              <a:t>$ git reset --soft A (when A - B - C - D ← HEAD )</a:t>
+            </a:r>
+          </a:p>
+          <a:p>
+            <a:pPr lvl="1">
+              <a:lnSpc>
+                <a:spcPct val="130000"/>
+              </a:lnSpc>
+            </a:pPr>
+            <a:r>
+              <a:rPr lang="en-US" altLang="ko-KR" dirty="0"/>
+              <a:t>1. I regret that B, C, and D are not one commit. </a:t>
+            </a:r>
+          </a:p>
+          <a:p>
+            <a:pPr lvl="1">
+              <a:lnSpc>
+                <a:spcPct val="130000"/>
+              </a:lnSpc>
+            </a:pPr>
+            <a:r>
+              <a:rPr lang="en-US" altLang="ko-KR" dirty="0"/>
+              <a:t>I can now immediately commit and presto, all the changes since A are one commit.</a:t>
+            </a:r>
+          </a:p>
+          <a:p>
+            <a:pPr lvl="1">
+              <a:lnSpc>
+                <a:spcPct val="130000"/>
+              </a:lnSpc>
+            </a:pPr>
+            <a:r>
+              <a:rPr lang="en-US" altLang="ko-KR" dirty="0"/>
+              <a:t>This is a good command to use when you have made a large number of small commits and you would like to regroup them into a single commit. (</a:t>
+            </a:r>
+            <a:r>
+              <a:rPr lang="ko-KR" altLang="en-US" dirty="0">
+                <a:solidFill>
+                  <a:srgbClr val="0000FF"/>
+                </a:solidFill>
+              </a:rPr>
+              <a:t>여러 개의 </a:t>
+            </a:r>
+            <a:r>
+              <a:rPr lang="en-US" altLang="ko-KR" dirty="0">
+                <a:solidFill>
+                  <a:srgbClr val="0000FF"/>
+                </a:solidFill>
+              </a:rPr>
+              <a:t>commit</a:t>
+            </a:r>
+            <a:r>
+              <a:rPr lang="ko-KR" altLang="en-US" dirty="0">
+                <a:solidFill>
+                  <a:srgbClr val="0000FF"/>
+                </a:solidFill>
+              </a:rPr>
+              <a:t>을 하나로 묶어서 하고자 할 때</a:t>
+            </a:r>
+            <a:r>
+              <a:rPr lang="en-US" altLang="ko-KR" dirty="0">
+                <a:solidFill>
+                  <a:srgbClr val="0000FF"/>
+                </a:solidFill>
+              </a:rPr>
+              <a:t>)</a:t>
+            </a:r>
+          </a:p>
+          <a:p>
+            <a:pPr>
+              <a:lnSpc>
+                <a:spcPct val="130000"/>
+              </a:lnSpc>
+            </a:pPr>
+            <a:r>
+              <a:rPr lang="en-US" altLang="ko-KR" dirty="0"/>
+              <a:t>$ git reset { --mixed } A (when A - B - C - D ← HEAD )</a:t>
+            </a:r>
+          </a:p>
+          <a:p>
+            <a:pPr lvl="1">
+              <a:lnSpc>
+                <a:spcPct val="130000"/>
+              </a:lnSpc>
+            </a:pPr>
+            <a:r>
+              <a:rPr lang="en-US" altLang="ko-KR" dirty="0"/>
+              <a:t>2. I regret that B, C, and D are not ten commits.</a:t>
+            </a:r>
+          </a:p>
+          <a:p>
+            <a:pPr lvl="1">
+              <a:lnSpc>
+                <a:spcPct val="130000"/>
+              </a:lnSpc>
+            </a:pPr>
+            <a:r>
+              <a:rPr lang="en-US" altLang="ko-KR" dirty="0"/>
+              <a:t>The commits are gone and the index is back at A, but the work area still looks as it did after D. So now I can add-and-commit in a whole different grouping.</a:t>
+            </a:r>
+          </a:p>
+          <a:p>
+            <a:pPr lvl="1">
+              <a:lnSpc>
+                <a:spcPct val="130000"/>
+              </a:lnSpc>
+            </a:pPr>
+            <a:r>
+              <a:rPr lang="en-US" altLang="ko-KR" dirty="0"/>
+              <a:t>If you want to keep all of your changes in the working directory, but change whether and how you commit those changes. </a:t>
+            </a:r>
+            <a:r>
+              <a:rPr lang="en-US" altLang="ko-KR" dirty="0">
+                <a:solidFill>
+                  <a:srgbClr val="0000FF"/>
+                </a:solidFill>
+              </a:rPr>
+              <a:t>(Commit </a:t>
+            </a:r>
+            <a:r>
+              <a:rPr lang="ko-KR" altLang="en-US" dirty="0">
+                <a:solidFill>
+                  <a:srgbClr val="0000FF"/>
+                </a:solidFill>
+              </a:rPr>
+              <a:t>을</a:t>
+            </a:r>
+            <a:r>
+              <a:rPr lang="en-US" altLang="ko-KR" dirty="0">
+                <a:solidFill>
+                  <a:srgbClr val="0000FF"/>
+                </a:solidFill>
+              </a:rPr>
+              <a:t> </a:t>
+            </a:r>
+            <a:r>
+              <a:rPr lang="ko-KR" altLang="en-US" dirty="0">
+                <a:solidFill>
+                  <a:srgbClr val="0000FF"/>
+                </a:solidFill>
+              </a:rPr>
+              <a:t>분리하여 세분화하여 </a:t>
+            </a:r>
+            <a:r>
+              <a:rPr lang="en-US" altLang="ko-KR" dirty="0">
+                <a:solidFill>
+                  <a:srgbClr val="0000FF"/>
+                </a:solidFill>
+              </a:rPr>
+              <a:t>commit </a:t>
+            </a:r>
+            <a:r>
+              <a:rPr lang="ko-KR" altLang="en-US" dirty="0">
+                <a:solidFill>
+                  <a:srgbClr val="0000FF"/>
+                </a:solidFill>
+              </a:rPr>
+              <a:t>할 수 있음</a:t>
+            </a:r>
+            <a:r>
+              <a:rPr lang="en-US" altLang="ko-KR" dirty="0">
+                <a:solidFill>
+                  <a:srgbClr val="0000FF"/>
+                </a:solidFill>
+              </a:rPr>
+              <a:t>)</a:t>
+            </a:r>
+          </a:p>
+          <a:p>
+            <a:pPr>
+              <a:lnSpc>
+                <a:spcPct val="130000"/>
+              </a:lnSpc>
+            </a:pPr>
+            <a:r>
+              <a:rPr lang="en-US" altLang="ko-KR" dirty="0"/>
+              <a:t>$ git reset --hard A (when A - B - C - D ← HEAD )</a:t>
+            </a:r>
+          </a:p>
+          <a:p>
+            <a:pPr lvl="1">
+              <a:lnSpc>
+                <a:spcPct val="130000"/>
+              </a:lnSpc>
+            </a:pPr>
+            <a:r>
+              <a:rPr lang="en-US" altLang="ko-KR" dirty="0"/>
+              <a:t>Discard all local changes in your working directory</a:t>
+            </a:r>
+          </a:p>
+          <a:p>
+            <a:pPr lvl="1">
+              <a:lnSpc>
+                <a:spcPct val="130000"/>
+              </a:lnSpc>
+            </a:pPr>
+            <a:r>
+              <a:rPr lang="en-US" altLang="ko-KR" dirty="0"/>
+              <a:t>3. I regret that B, C, and D happened on this branch; I wish I had branched after A and they had happened on that other branch.</a:t>
             </a:r>
             <a:endParaRPr lang="en-US" altLang="ko-KR" b="0" dirty="0"/>
           </a:p>
@@ -4971,7 +5438,7 @@
     </p:spTree>
     <p:extLst>
       <p:ext uri="{BB962C8B-B14F-4D97-AF65-F5344CB8AC3E}">
-        <p14:creationId xmlns:p14="http://schemas.microsoft.com/office/powerpoint/2010/main" val="620309193"/>
+        <p14:creationId xmlns:p14="http://schemas.microsoft.com/office/powerpoint/2010/main" val="1764440443"/>
       </p:ext>
     </p:extLst>
   </p:cSld>
@@ -5016,17 +5483,16 @@
         </p:nvSpPr>
         <p:spPr/>
         <p:txBody>
-          <a:bodyPr/>
+          <a:bodyPr>
+            <a:normAutofit/>
+          </a:bodyPr>
           <a:lstStyle/>
           <a:p>
             <a:r>
               <a:rPr lang="en-US" altLang="ko-KR" dirty="0"/>
-              <a:t>DIRECTORIES </a:t>
-            </a:r>
-            <a:r>
-              <a:rPr lang="ko-KR" altLang="en-US" dirty="0"/>
-              <a:t>관련</a:t>
-            </a:r>
+              <a:t>Version control Best practice (1/2)</a:t>
+            </a:r>
+            <a:endParaRPr lang="ko-KR" altLang="en-US" dirty="0"/>
           </a:p>
         </p:txBody>
       </p:sp>
@@ -5046,7 +5512,7 @@
         </p:nvSpPr>
         <p:spPr>
           <a:xfrm>
-            <a:off x="341787" y="924601"/>
+            <a:off x="341787" y="989917"/>
             <a:ext cx="8642350" cy="5115155"/>
           </a:xfrm>
           <a:prstGeom prst="rect">
@@ -5204,16 +5670,123 @@
             </a:pPr>
             <a:r>
               <a:rPr lang="en-US" altLang="ko-KR" dirty="0"/>
-              <a:t>$ </a:t>
-            </a:r>
-            <a:r>
-              <a:rPr lang="en-US" altLang="ko-KR" dirty="0" err="1"/>
-              <a:t>pwd</a:t>
-            </a:r>
-            <a:r>
-              <a:rPr lang="en-US" altLang="ko-KR" dirty="0"/>
-              <a:t> </a:t>
-            </a:r>
+              <a:t>COMMIT RELATED CHANGES </a:t>
+            </a:r>
+          </a:p>
+          <a:p>
+            <a:pPr lvl="1">
+              <a:lnSpc>
+                <a:spcPct val="130000"/>
+              </a:lnSpc>
+            </a:pPr>
+            <a:r>
+              <a:rPr lang="en-US" altLang="ko-KR" dirty="0"/>
+              <a:t>fixing two different bugs should produce two separate commits. Small commits make it easier for other developers to understand the changes and roll them back if something went wrong. </a:t>
+            </a:r>
+          </a:p>
+          <a:p>
+            <a:pPr>
+              <a:lnSpc>
+                <a:spcPct val="130000"/>
+              </a:lnSpc>
+            </a:pPr>
+            <a:r>
+              <a:rPr lang="en-US" altLang="ko-KR" dirty="0"/>
+              <a:t>COMMIT OFTEN </a:t>
+            </a:r>
+          </a:p>
+          <a:p>
+            <a:pPr lvl="1">
+              <a:lnSpc>
+                <a:spcPct val="130000"/>
+              </a:lnSpc>
+            </a:pPr>
+            <a:r>
+              <a:rPr lang="en-US" altLang="ko-KR" dirty="0"/>
+              <a:t>Committing often keeps your commits small and, again, helps you commit only related changes. Moreover, it allows you to share your code more frequently with others. </a:t>
+            </a:r>
+          </a:p>
+          <a:p>
+            <a:pPr lvl="1">
+              <a:lnSpc>
+                <a:spcPct val="130000"/>
+              </a:lnSpc>
+            </a:pPr>
+            <a:r>
+              <a:rPr lang="en-US" altLang="ko-KR" dirty="0"/>
+              <a:t>That way it‘s easier for everyone to integrate changes regularly and avoid having merge conflicts. </a:t>
+            </a:r>
+          </a:p>
+          <a:p>
+            <a:pPr>
+              <a:lnSpc>
+                <a:spcPct val="130000"/>
+              </a:lnSpc>
+            </a:pPr>
+            <a:r>
+              <a:rPr lang="en-US" altLang="ko-KR" dirty="0"/>
+              <a:t>DO NOT COMMIT HALF-DONE WORK </a:t>
+            </a:r>
+          </a:p>
+          <a:p>
+            <a:pPr lvl="1">
+              <a:lnSpc>
+                <a:spcPct val="130000"/>
+              </a:lnSpc>
+            </a:pPr>
+            <a:r>
+              <a:rPr lang="en-US" altLang="ko-KR" dirty="0"/>
+              <a:t>split the feature‘s implementation into logical chunks and remember to commit early and often. </a:t>
+            </a:r>
+          </a:p>
+          <a:p>
+            <a:pPr lvl="1">
+              <a:lnSpc>
+                <a:spcPct val="130000"/>
+              </a:lnSpc>
+            </a:pPr>
+            <a:r>
+              <a:rPr lang="en-US" altLang="ko-KR" dirty="0"/>
+              <a:t>But don‘t commit just to have something in the repository before leaving the office at the end of the day </a:t>
+            </a:r>
+          </a:p>
+          <a:p>
+            <a:pPr>
+              <a:lnSpc>
+                <a:spcPct val="130000"/>
+              </a:lnSpc>
+            </a:pPr>
+            <a:r>
+              <a:rPr lang="en-US" altLang="ko-KR" dirty="0"/>
+              <a:t>TEST CODE BEFORE YOU COMMIT </a:t>
+            </a:r>
+          </a:p>
+          <a:p>
+            <a:pPr lvl="1">
+              <a:lnSpc>
+                <a:spcPct val="130000"/>
+              </a:lnSpc>
+            </a:pPr>
+            <a:r>
+              <a:rPr lang="en-US" altLang="ko-KR" dirty="0"/>
+              <a:t>Test it thoroughly to make sure it really is completed and has no side effects</a:t>
+            </a:r>
+          </a:p>
+          <a:p>
+            <a:pPr lvl="1">
+              <a:lnSpc>
+                <a:spcPct val="130000"/>
+              </a:lnSpc>
+            </a:pPr>
+            <a:endParaRPr lang="en-US" altLang="ko-KR" dirty="0"/>
+          </a:p>
+          <a:p>
+            <a:pPr>
+              <a:lnSpc>
+                <a:spcPct val="130000"/>
+              </a:lnSpc>
+            </a:pPr>
+            <a:endParaRPr lang="en-US" altLang="ko-KR" dirty="0"/>
           </a:p>
           <a:p>
             <a:pPr marL="539750" lvl="1" indent="-184150">
@@ -5221,136 +5794,14 @@
                 <a:spcPct val="130000"/>
               </a:lnSpc>
             </a:pPr>
-            <a:r>
-              <a:rPr lang="en-US" altLang="ko-KR" b="0" dirty="0"/>
-              <a:t>Display path of current working directory </a:t>
-            </a:r>
-            <a:endParaRPr lang="en-US" altLang="ko-KR" dirty="0"/>
-          </a:p>
-          <a:p>
-            <a:pPr>
-              <a:lnSpc>
-                <a:spcPct val="130000"/>
-              </a:lnSpc>
-            </a:pPr>
-            <a:r>
-              <a:rPr lang="en-US" altLang="ko-KR" dirty="0"/>
-              <a:t>$ cd &lt;directory&gt; </a:t>
-            </a:r>
-          </a:p>
-          <a:p>
-            <a:pPr marL="539750" lvl="1" indent="-184150">
-              <a:lnSpc>
-                <a:spcPct val="130000"/>
-              </a:lnSpc>
-            </a:pPr>
-            <a:r>
-              <a:rPr lang="en-US" altLang="ko-KR" b="0" dirty="0"/>
-              <a:t>Change directory to &lt;directory&gt; </a:t>
-            </a:r>
-          </a:p>
-          <a:p>
-            <a:pPr>
-              <a:lnSpc>
-                <a:spcPct val="130000"/>
-              </a:lnSpc>
-            </a:pPr>
-            <a:r>
-              <a:rPr lang="en-US" altLang="ko-KR" dirty="0"/>
-              <a:t>$ cd .. </a:t>
-            </a:r>
-          </a:p>
-          <a:p>
-            <a:pPr marL="539750" lvl="1" indent="-184150">
-              <a:lnSpc>
-                <a:spcPct val="130000"/>
-              </a:lnSpc>
-            </a:pPr>
-            <a:r>
-              <a:rPr lang="en-US" altLang="ko-KR" b="0" dirty="0"/>
-              <a:t>Navigate to parent directory </a:t>
-            </a:r>
-          </a:p>
-          <a:p>
-            <a:pPr>
-              <a:lnSpc>
-                <a:spcPct val="130000"/>
-              </a:lnSpc>
-            </a:pPr>
-            <a:r>
-              <a:rPr lang="en-US" altLang="ko-KR" dirty="0"/>
-              <a:t>$ ls </a:t>
-            </a:r>
-          </a:p>
-          <a:p>
-            <a:pPr marL="539750" lvl="1" indent="-184150">
-              <a:lnSpc>
-                <a:spcPct val="130000"/>
-              </a:lnSpc>
-            </a:pPr>
-            <a:r>
-              <a:rPr lang="en-US" altLang="ko-KR" b="0" dirty="0"/>
-              <a:t>List directory contents </a:t>
-            </a:r>
-          </a:p>
-          <a:p>
-            <a:pPr>
-              <a:lnSpc>
-                <a:spcPct val="130000"/>
-              </a:lnSpc>
-            </a:pPr>
-            <a:r>
-              <a:rPr lang="en-US" altLang="ko-KR" dirty="0"/>
-              <a:t>$ ls -la </a:t>
-            </a:r>
-          </a:p>
-          <a:p>
-            <a:pPr marL="539750" lvl="1" indent="-184150">
-              <a:lnSpc>
-                <a:spcPct val="130000"/>
-              </a:lnSpc>
-            </a:pPr>
-            <a:r>
-              <a:rPr lang="en-US" altLang="ko-KR" b="0" dirty="0"/>
-              <a:t>List detailed directory contents, including hidden files </a:t>
-            </a:r>
-          </a:p>
-          <a:p>
-            <a:pPr>
-              <a:lnSpc>
-                <a:spcPct val="130000"/>
-              </a:lnSpc>
-            </a:pPr>
-            <a:r>
-              <a:rPr lang="en-US" altLang="ko-KR" dirty="0"/>
-              <a:t>$ </a:t>
-            </a:r>
-            <a:r>
-              <a:rPr lang="en-US" altLang="ko-KR" dirty="0" err="1"/>
-              <a:t>mkdir</a:t>
-            </a:r>
-            <a:r>
-              <a:rPr lang="en-US" altLang="ko-KR" dirty="0"/>
-              <a:t> &lt;directory&gt; </a:t>
-            </a:r>
-          </a:p>
-          <a:p>
-            <a:pPr marL="539750" lvl="1" indent="-184150">
-              <a:lnSpc>
-                <a:spcPct val="130000"/>
-              </a:lnSpc>
-            </a:pPr>
-            <a:r>
-              <a:rPr lang="en-US" altLang="ko-KR" b="0" dirty="0"/>
-              <a:t>Create new directory named &lt;directory&gt;</a:t>
-            </a:r>
+            <a:endParaRPr lang="en-US" altLang="ko-KR" b="0" dirty="0"/>
           </a:p>
         </p:txBody>
       </p:sp>
     </p:spTree>
     <p:extLst>
       <p:ext uri="{BB962C8B-B14F-4D97-AF65-F5344CB8AC3E}">
-        <p14:creationId xmlns:p14="http://schemas.microsoft.com/office/powerpoint/2010/main" val="1692796067"/>
+        <p14:creationId xmlns:p14="http://schemas.microsoft.com/office/powerpoint/2010/main" val="311353168"/>
       </p:ext>
     </p:extLst>
   </p:cSld>
@@ -5395,17 +5846,16 @@
         </p:nvSpPr>
         <p:spPr/>
         <p:txBody>
-          <a:bodyPr/>
+          <a:bodyPr>
+            <a:normAutofit/>
+          </a:bodyPr>
           <a:lstStyle/>
           <a:p>
             <a:r>
               <a:rPr lang="en-US" altLang="ko-KR" dirty="0"/>
-              <a:t>OUTPUT </a:t>
-            </a:r>
-            <a:r>
-              <a:rPr lang="ko-KR" altLang="en-US" dirty="0"/>
-              <a:t>관련</a:t>
-            </a:r>
+              <a:t>Version control Best practice (2/2)</a:t>
+            </a:r>
+            <a:endParaRPr lang="ko-KR" altLang="en-US" dirty="0"/>
           </a:p>
         </p:txBody>
       </p:sp>
@@ -5425,7 +5875,7 @@
         </p:nvSpPr>
         <p:spPr>
           <a:xfrm>
-            <a:off x="341787" y="935485"/>
+            <a:off x="341787" y="989917"/>
             <a:ext cx="8642350" cy="5115155"/>
           </a:xfrm>
           <a:prstGeom prst="rect">
@@ -5583,7 +6033,7 @@
             </a:pPr>
             <a:r>
               <a:rPr lang="en-US" altLang="ko-KR" dirty="0"/>
-              <a:t>$ cat &lt;file&gt; </a:t>
+              <a:t>WRITE GOOD COMMIT MESSAGES </a:t>
             </a:r>
           </a:p>
           <a:p>
@@ -5594,7 +6044,7 @@
             </a:pPr>
             <a:r>
               <a:rPr lang="en-US" altLang="ko-KR" dirty="0"/>
-              <a:t>Output the contents of &lt;file&gt; </a:t>
+              <a:t>Begin your message with a short summary of our changes (up to 50 characters as a guideline). Separate it from the following body by including a blank line. The body of your message should provide detailed answers to the following questions: </a:t>
             </a:r>
           </a:p>
           <a:p>
@@ -5605,7 +6055,7 @@
             </a:pPr>
             <a:r>
               <a:rPr lang="en-US" altLang="ko-KR" dirty="0"/>
-              <a:t>$ less &lt;file&gt; </a:t>
+              <a:t>USE BRANCHES </a:t>
             </a:r>
           </a:p>
           <a:p>
@@ -5616,7 +6066,7 @@
             </a:pPr>
             <a:r>
               <a:rPr lang="en-US" altLang="ko-KR" dirty="0"/>
-              <a:t>Output the contents of &lt;file&gt; using the less command (which supports pagination etc.) </a:t>
+              <a:t>Branches are the perfect tool to help you avoid mixing up different lines of development. You should use branches extensively in your development workflows: for new features, bug fixes, ideas…</a:t>
             </a:r>
           </a:p>
           <a:p>
@@ -5625,151 +6075,22 @@
                 <a:spcPct val="130000"/>
               </a:lnSpc>
             </a:pPr>
-            <a:r>
-              <a:rPr lang="en-US" altLang="ko-KR" dirty="0"/>
-              <a:t>$ head &lt;file&gt; </a:t>
-            </a:r>
-          </a:p>
-          <a:p>
-            <a:pPr lvl="1">
-              <a:lnSpc>
-                <a:spcPct val="130000"/>
-              </a:lnSpc>
-            </a:pPr>
-            <a:r>
-              <a:rPr lang="en-US" altLang="ko-KR" dirty="0"/>
-              <a:t>Output the first 10 lines of &lt;file&gt; </a:t>
-            </a:r>
-          </a:p>
-          <a:p>
-            <a:pPr>
-              <a:lnSpc>
-                <a:spcPct val="130000"/>
-              </a:lnSpc>
-            </a:pPr>
-            <a:r>
-              <a:rPr lang="en-US" altLang="ko-KR" dirty="0"/>
-              <a:t>$ &lt;</a:t>
-            </a:r>
-            <a:r>
-              <a:rPr lang="en-US" altLang="ko-KR" dirty="0" err="1"/>
-              <a:t>cmd</a:t>
-            </a:r>
-            <a:r>
-              <a:rPr lang="en-US" altLang="ko-KR" dirty="0"/>
-              <a:t>&gt; &gt; &lt;file&gt; </a:t>
-            </a:r>
-          </a:p>
-          <a:p>
-            <a:pPr lvl="1">
-              <a:lnSpc>
-                <a:spcPct val="130000"/>
-              </a:lnSpc>
-            </a:pPr>
-            <a:r>
-              <a:rPr lang="en-US" altLang="ko-KR" dirty="0"/>
-              <a:t>Direct the output of &lt;</a:t>
-            </a:r>
-            <a:r>
-              <a:rPr lang="en-US" altLang="ko-KR" dirty="0" err="1"/>
-              <a:t>cmd</a:t>
-            </a:r>
-            <a:r>
-              <a:rPr lang="en-US" altLang="ko-KR" dirty="0"/>
-              <a:t>&gt; into &lt;file&gt; </a:t>
-            </a:r>
-          </a:p>
-          <a:p>
-            <a:pPr>
-              <a:lnSpc>
-                <a:spcPct val="130000"/>
-              </a:lnSpc>
-            </a:pPr>
-            <a:r>
-              <a:rPr lang="en-US" altLang="ko-KR" dirty="0"/>
-              <a:t>$ &lt;</a:t>
-            </a:r>
-            <a:r>
-              <a:rPr lang="en-US" altLang="ko-KR" dirty="0" err="1"/>
-              <a:t>cmd</a:t>
-            </a:r>
-            <a:r>
-              <a:rPr lang="en-US" altLang="ko-KR" dirty="0"/>
-              <a:t>&gt; &gt;&gt; &lt;file&gt; </a:t>
-            </a:r>
-          </a:p>
-          <a:p>
-            <a:pPr lvl="1">
-              <a:lnSpc>
-                <a:spcPct val="130000"/>
-              </a:lnSpc>
-            </a:pPr>
-            <a:r>
-              <a:rPr lang="en-US" altLang="ko-KR" dirty="0"/>
-              <a:t>Append the output of &lt;</a:t>
-            </a:r>
-            <a:r>
-              <a:rPr lang="en-US" altLang="ko-KR" dirty="0" err="1"/>
-              <a:t>cmd</a:t>
-            </a:r>
-            <a:r>
-              <a:rPr lang="en-US" altLang="ko-KR" dirty="0"/>
-              <a:t>&gt; to &lt;file&gt; </a:t>
-            </a:r>
-          </a:p>
-          <a:p>
-            <a:pPr>
-              <a:lnSpc>
-                <a:spcPct val="130000"/>
-              </a:lnSpc>
-            </a:pPr>
-            <a:r>
-              <a:rPr lang="en-US" altLang="ko-KR" dirty="0"/>
-              <a:t>$ &lt;cmd1&gt; | &lt;cmd2&gt; </a:t>
-            </a:r>
-          </a:p>
-          <a:p>
-            <a:pPr lvl="1">
-              <a:lnSpc>
-                <a:spcPct val="130000"/>
-              </a:lnSpc>
-            </a:pPr>
-            <a:r>
-              <a:rPr lang="en-US" altLang="ko-KR" dirty="0"/>
-              <a:t>Direct the output of &lt;cmd1&gt; to &lt;cmd2&gt; </a:t>
-            </a:r>
-          </a:p>
-          <a:p>
-            <a:pPr>
-              <a:lnSpc>
-                <a:spcPct val="130000"/>
-              </a:lnSpc>
-            </a:pPr>
-            <a:r>
-              <a:rPr lang="en-US" altLang="ko-KR" dirty="0"/>
-              <a:t>$ clear </a:t>
-            </a:r>
-          </a:p>
-          <a:p>
-            <a:pPr lvl="1">
-              <a:lnSpc>
-                <a:spcPct val="130000"/>
-              </a:lnSpc>
-            </a:pPr>
-            <a:r>
-              <a:rPr lang="en-US" altLang="ko-KR" dirty="0"/>
-              <a:t>Clear the command line window</a:t>
-            </a:r>
-            <a:endParaRPr lang="en-US" altLang="ko-KR" dirty="0">
-              <a:latin typeface="+mn-ea"/>
-            </a:endParaRPr>
+            <a:endParaRPr lang="en-US" altLang="ko-KR" dirty="0"/>
+          </a:p>
+          <a:p>
+            <a:pPr marL="539750" lvl="1" indent="-184150">
+              <a:lnSpc>
+                <a:spcPct val="130000"/>
+              </a:lnSpc>
+            </a:pPr>
+            <a:endParaRPr lang="en-US" altLang="ko-KR" b="0" dirty="0"/>
           </a:p>
         </p:txBody>
       </p:sp>
     </p:spTree>
     <p:extLst>
       <p:ext uri="{BB962C8B-B14F-4D97-AF65-F5344CB8AC3E}">
-        <p14:creationId xmlns:p14="http://schemas.microsoft.com/office/powerpoint/2010/main" val="3734573985"/>
+        <p14:creationId xmlns:p14="http://schemas.microsoft.com/office/powerpoint/2010/main" val="627934812"/>
       </p:ext>
     </p:extLst>
   </p:cSld>
@@ -5798,38 +6119,6 @@
       </p:grpSpPr>
       <p:sp>
         <p:nvSpPr>
-          <p:cNvPr id="4" name="제목 3">
-            <a:extLst>
-              <a:ext uri="{FF2B5EF4-FFF2-40B4-BE49-F238E27FC236}">
-                <a16:creationId xmlns:a16="http://schemas.microsoft.com/office/drawing/2014/main" id="{F0CEB32B-CB43-4410-BA08-A97E4BC47FCB}"/>
-              </a:ext>
-            </a:extLst>
-          </p:cNvPr>
-          <p:cNvSpPr>
-            <a:spLocks noGrp="1"/>
-          </p:cNvSpPr>
-          <p:nvPr>
-            <p:ph type="title"/>
-          </p:nvPr>
-        </p:nvSpPr>
-        <p:spPr/>
-        <p:txBody>
-          <a:bodyPr/>
-          <a:lstStyle/>
-          <a:p>
-            <a:r>
-              <a:rPr lang="en-US" altLang="ko-KR" dirty="0"/>
-              <a:t>Files </a:t>
-            </a:r>
-            <a:r>
-              <a:rPr lang="ko-KR" altLang="en-US" dirty="0"/>
-              <a:t>관련</a:t>
-            </a:r>
-          </a:p>
-        </p:txBody>
-      </p:sp>
-      <p:sp>
-        <p:nvSpPr>
           <p:cNvPr id="7" name="내용 개체 틀 2">
             <a:extLst>
               <a:ext uri="{FF2B5EF4-FFF2-40B4-BE49-F238E27FC236}">
@@ -5844,7 +6133,7 @@
         </p:nvSpPr>
         <p:spPr>
           <a:xfrm>
-            <a:off x="341787" y="913714"/>
+            <a:off x="341787" y="924601"/>
             <a:ext cx="8642350" cy="5115155"/>
           </a:xfrm>
           <a:prstGeom prst="rect">
@@ -6002,117 +6291,16 @@
             </a:pPr>
             <a:r>
               <a:rPr lang="en-US" altLang="ko-KR" dirty="0"/>
-              <a:t>$ rm &lt;file&gt; </a:t>
-            </a:r>
-          </a:p>
-          <a:p>
-            <a:pPr lvl="1">
-              <a:lnSpc>
-                <a:spcPct val="130000"/>
-              </a:lnSpc>
-            </a:pPr>
-            <a:r>
-              <a:rPr lang="en-US" altLang="ko-KR" dirty="0"/>
-              <a:t>Delete &lt;file&gt; </a:t>
-            </a:r>
-          </a:p>
-          <a:p>
-            <a:pPr>
-              <a:lnSpc>
-                <a:spcPct val="130000"/>
-              </a:lnSpc>
-            </a:pPr>
-            <a:r>
-              <a:rPr lang="en-US" altLang="ko-KR" dirty="0"/>
-              <a:t>$ rm -r &lt;directory&gt; </a:t>
-            </a:r>
-          </a:p>
-          <a:p>
-            <a:pPr lvl="1">
-              <a:lnSpc>
-                <a:spcPct val="130000"/>
-              </a:lnSpc>
-            </a:pPr>
-            <a:r>
-              <a:rPr lang="en-US" altLang="ko-KR" dirty="0"/>
-              <a:t>Delete &lt;directory&gt; </a:t>
-            </a:r>
-          </a:p>
-          <a:p>
-            <a:pPr>
-              <a:lnSpc>
-                <a:spcPct val="130000"/>
-              </a:lnSpc>
-            </a:pPr>
-            <a:r>
-              <a:rPr lang="en-US" altLang="ko-KR" dirty="0"/>
-              <a:t>$ rm -f &lt;file&gt; </a:t>
-            </a:r>
-          </a:p>
-          <a:p>
-            <a:pPr lvl="1">
-              <a:lnSpc>
-                <a:spcPct val="130000"/>
-              </a:lnSpc>
-            </a:pPr>
-            <a:r>
-              <a:rPr lang="en-US" altLang="ko-KR" dirty="0"/>
-              <a:t>Force-delete &lt;file&gt; (add -r to force- delete a directory) </a:t>
-            </a:r>
-          </a:p>
-          <a:p>
-            <a:pPr>
-              <a:lnSpc>
-                <a:spcPct val="130000"/>
-              </a:lnSpc>
-            </a:pPr>
-            <a:r>
-              <a:rPr lang="en-US" altLang="ko-KR" dirty="0"/>
-              <a:t>$ mv &lt;file-old&gt; &lt;file-new&gt; </a:t>
-            </a:r>
-          </a:p>
-          <a:p>
-            <a:pPr lvl="1">
-              <a:lnSpc>
-                <a:spcPct val="130000"/>
-              </a:lnSpc>
-            </a:pPr>
-            <a:r>
-              <a:rPr lang="en-US" altLang="ko-KR" dirty="0"/>
-              <a:t>Rename &lt;file-old&gt; to &lt;file-new&gt; </a:t>
-            </a:r>
-          </a:p>
-          <a:p>
-            <a:pPr>
-              <a:lnSpc>
-                <a:spcPct val="130000"/>
-              </a:lnSpc>
-            </a:pPr>
-            <a:r>
-              <a:rPr lang="en-US" altLang="ko-KR" dirty="0"/>
-              <a:t>$ mv &lt;file&gt; &lt;directory&gt; </a:t>
-            </a:r>
-          </a:p>
-          <a:p>
-            <a:pPr lvl="1">
-              <a:lnSpc>
-                <a:spcPct val="130000"/>
-              </a:lnSpc>
-            </a:pPr>
-            <a:r>
-              <a:rPr lang="en-US" altLang="ko-KR" dirty="0"/>
-              <a:t>Move &lt;file&gt; to &lt;directory&gt; (possibly overwriting an existing file)</a:t>
-            </a:r>
-            <a:endParaRPr lang="en-US" altLang="ko-KR" dirty="0">
-              <a:latin typeface="+mn-ea"/>
-            </a:endParaRPr>
+              <a:t>UNIX command</a:t>
+            </a:r>
+            <a:endParaRPr lang="en-US" altLang="ko-KR" b="0" dirty="0"/>
           </a:p>
         </p:txBody>
       </p:sp>
     </p:spTree>
     <p:extLst>
       <p:ext uri="{BB962C8B-B14F-4D97-AF65-F5344CB8AC3E}">
-        <p14:creationId xmlns:p14="http://schemas.microsoft.com/office/powerpoint/2010/main" val="2549321800"/>
+        <p14:creationId xmlns:p14="http://schemas.microsoft.com/office/powerpoint/2010/main" val="620309193"/>
       </p:ext>
     </p:extLst>
   </p:cSld>
@@ -6162,7 +6350,7 @@
           <a:p>
             <a:r>
               <a:rPr lang="en-US" altLang="ko-KR" dirty="0"/>
-              <a:t>Files </a:t>
+              <a:t>DIRECTORIES </a:t>
             </a:r>
             <a:r>
               <a:rPr lang="ko-KR" altLang="en-US" dirty="0"/>
@@ -6187,7 +6375,7 @@
         </p:nvSpPr>
         <p:spPr>
           <a:xfrm>
-            <a:off x="341787" y="913714"/>
+            <a:off x="341787" y="924601"/>
             <a:ext cx="8642350" cy="5115155"/>
           </a:xfrm>
           <a:prstGeom prst="rect">
@@ -6345,19 +6533,28 @@
             </a:pPr>
             <a:r>
               <a:rPr lang="en-US" altLang="ko-KR" dirty="0"/>
-              <a:t>$ cp &lt;file&gt; &lt;directory&gt; </a:t>
-            </a:r>
-          </a:p>
-          <a:p>
-            <a:pPr lvl="1">
-              <a:lnSpc>
-                <a:spcPct val="130000"/>
-              </a:lnSpc>
-            </a:pPr>
-            <a:r>
-              <a:rPr lang="en-US" altLang="ko-KR" dirty="0"/>
-              <a:t>Copy &lt;file&gt; to &lt;directory&gt; (possibly overwriting an existing file) </a:t>
-            </a:r>
+              <a:t>$ </a:t>
+            </a:r>
+            <a:r>
+              <a:rPr lang="en-US" altLang="ko-KR" dirty="0" err="1"/>
+              <a:t>pwd</a:t>
+            </a:r>
+            <a:r>
+              <a:rPr lang="en-US" altLang="ko-KR" dirty="0"/>
+              <a:t> </a:t>
+            </a:r>
+          </a:p>
+          <a:p>
+            <a:pPr marL="539750" lvl="1" indent="-184150">
+              <a:lnSpc>
+                <a:spcPct val="130000"/>
+              </a:lnSpc>
+            </a:pPr>
+            <a:r>
+              <a:rPr lang="en-US" altLang="ko-KR" b="0" dirty="0"/>
+              <a:t>Display path of current working directory </a:t>
+            </a:r>
+            <a:endParaRPr lang="en-US" altLang="ko-KR" dirty="0"/>
           </a:p>
           <a:p>
             <a:pPr>
@@ -6367,18 +6564,18 @@
             </a:pPr>
             <a:r>
               <a:rPr lang="en-US" altLang="ko-KR" dirty="0"/>
-              <a:t>$ cp -r &lt;directory1&gt; &lt;directory2&gt; </a:t>
-            </a:r>
-          </a:p>
-          <a:p>
-            <a:pPr lvl="1">
-              <a:lnSpc>
-                <a:spcPct val="130000"/>
-              </a:lnSpc>
-            </a:pPr>
-            <a:r>
-              <a:rPr lang="en-US" altLang="ko-KR" dirty="0"/>
-              <a:t>Copy &lt;directory1&gt; and its contents to &lt;directory2&gt; (possibly overwriting files in an existing directory) </a:t>
+              <a:t>$ cd &lt;directory&gt; </a:t>
+            </a:r>
+          </a:p>
+          <a:p>
+            <a:pPr marL="539750" lvl="1" indent="-184150">
+              <a:lnSpc>
+                <a:spcPct val="130000"/>
+              </a:lnSpc>
+            </a:pPr>
+            <a:r>
+              <a:rPr lang="en-US" altLang="ko-KR" b="0" dirty="0"/>
+              <a:t>Change directory to &lt;directory&gt; </a:t>
             </a:r>
           </a:p>
           <a:p>
@@ -6389,29 +6586,100 @@
             </a:pPr>
             <a:r>
               <a:rPr lang="en-US" altLang="ko-KR" dirty="0"/>
-              <a:t>$ touch &lt;file&gt; </a:t>
-            </a:r>
-          </a:p>
-          <a:p>
-            <a:pPr lvl="1">
-              <a:lnSpc>
-                <a:spcPct val="130000"/>
-              </a:lnSpc>
-            </a:pPr>
-            <a:r>
-              <a:rPr lang="en-US" altLang="ko-KR" dirty="0"/>
-              <a:t>Update file access &amp; modification time (and create &lt;file&gt; if it doesn’t exist)</a:t>
-            </a:r>
-            <a:endParaRPr lang="en-US" altLang="ko-KR" dirty="0">
-              <a:latin typeface="+mn-ea"/>
-            </a:endParaRPr>
+              <a:t>$ cd .. </a:t>
+            </a:r>
+          </a:p>
+          <a:p>
+            <a:pPr marL="539750" lvl="1" indent="-184150">
+              <a:lnSpc>
+                <a:spcPct val="130000"/>
+              </a:lnSpc>
+            </a:pPr>
+            <a:r>
+              <a:rPr lang="en-US" altLang="ko-KR" b="0" dirty="0"/>
+              <a:t>Navigate to parent directory </a:t>
+            </a:r>
+          </a:p>
+          <a:p>
+            <a:pPr>
+              <a:lnSpc>
+                <a:spcPct val="130000"/>
+              </a:lnSpc>
+            </a:pPr>
+            <a:r>
+              <a:rPr lang="en-US" altLang="ko-KR" dirty="0"/>
+              <a:t>$ ls </a:t>
+            </a:r>
+          </a:p>
+          <a:p>
+            <a:pPr marL="539750" lvl="1" indent="-184150">
+              <a:lnSpc>
+                <a:spcPct val="130000"/>
+              </a:lnSpc>
+            </a:pPr>
+            <a:r>
+              <a:rPr lang="en-US" altLang="ko-KR" b="0" dirty="0"/>
+              <a:t>List directory contents </a:t>
+            </a:r>
+          </a:p>
+          <a:p>
+            <a:pPr>
+              <a:lnSpc>
+                <a:spcPct val="130000"/>
+              </a:lnSpc>
+            </a:pPr>
+            <a:r>
+              <a:rPr lang="en-US" altLang="ko-KR" dirty="0"/>
+              <a:t>$ ls -la </a:t>
+            </a:r>
+          </a:p>
+          <a:p>
+            <a:pPr marL="539750" lvl="1" indent="-184150">
+              <a:lnSpc>
+                <a:spcPct val="130000"/>
+              </a:lnSpc>
+            </a:pPr>
+            <a:r>
+              <a:rPr lang="en-US" altLang="ko-KR" b="0" dirty="0"/>
+              <a:t>List detailed directory contents, including hidden files </a:t>
+            </a:r>
+          </a:p>
+          <a:p>
+            <a:pPr>
+              <a:lnSpc>
+                <a:spcPct val="130000"/>
+              </a:lnSpc>
+            </a:pPr>
+            <a:r>
+              <a:rPr lang="en-US" altLang="ko-KR" dirty="0"/>
+              <a:t>$ </a:t>
+            </a:r>
+            <a:r>
+              <a:rPr lang="en-US" altLang="ko-KR" dirty="0" err="1"/>
+              <a:t>mkdir</a:t>
+            </a:r>
+            <a:r>
+              <a:rPr lang="en-US" altLang="ko-KR" dirty="0"/>
+              <a:t> &lt;directory&gt; </a:t>
+            </a:r>
+          </a:p>
+          <a:p>
+            <a:pPr marL="539750" lvl="1" indent="-184150">
+              <a:lnSpc>
+                <a:spcPct val="130000"/>
+              </a:lnSpc>
+            </a:pPr>
+            <a:r>
+              <a:rPr lang="en-US" altLang="ko-KR" b="0" dirty="0"/>
+              <a:t>Create new directory named &lt;directory&gt;</a:t>
+            </a:r>
           </a:p>
         </p:txBody>
       </p:sp>
     </p:spTree>
     <p:extLst>
       <p:ext uri="{BB962C8B-B14F-4D97-AF65-F5344CB8AC3E}">
-        <p14:creationId xmlns:p14="http://schemas.microsoft.com/office/powerpoint/2010/main" val="1873598758"/>
+        <p14:creationId xmlns:p14="http://schemas.microsoft.com/office/powerpoint/2010/main" val="1692796067"/>
       </p:ext>
     </p:extLst>
   </p:cSld>
@@ -6461,7 +6729,7 @@
           <a:p>
             <a:r>
               <a:rPr lang="en-US" altLang="ko-KR" dirty="0"/>
-              <a:t>PERMISSIONS  </a:t>
+              <a:t>OUTPUT </a:t>
             </a:r>
             <a:r>
               <a:rPr lang="ko-KR" altLang="en-US" dirty="0"/>
@@ -6486,7 +6754,7 @@
         </p:nvSpPr>
         <p:spPr>
           <a:xfrm>
-            <a:off x="341787" y="1120544"/>
+            <a:off x="341787" y="935485"/>
             <a:ext cx="8642350" cy="5115155"/>
           </a:xfrm>
           <a:prstGeom prst="rect">
@@ -6637,66 +6905,189 @@
             </a:lvl9pPr>
           </a:lstStyle>
           <a:p>
-            <a:r>
-              <a:rPr lang="en-US" altLang="ko-KR" dirty="0"/>
-              <a:t>$ </a:t>
+            <a:pPr>
+              <a:lnSpc>
+                <a:spcPct val="130000"/>
+              </a:lnSpc>
+            </a:pPr>
+            <a:r>
+              <a:rPr lang="en-US" altLang="ko-KR" dirty="0"/>
+              <a:t>$ cat &lt;file&gt; </a:t>
+            </a:r>
+          </a:p>
+          <a:p>
+            <a:pPr lvl="1">
+              <a:lnSpc>
+                <a:spcPct val="130000"/>
+              </a:lnSpc>
+            </a:pPr>
+            <a:r>
+              <a:rPr lang="en-US" altLang="ko-KR" dirty="0"/>
+              <a:t>Output the contents of &lt;file&gt; </a:t>
+            </a:r>
+          </a:p>
+          <a:p>
+            <a:pPr>
+              <a:lnSpc>
+                <a:spcPct val="130000"/>
+              </a:lnSpc>
+            </a:pPr>
+            <a:r>
+              <a:rPr lang="en-US" altLang="ko-KR" dirty="0"/>
+              <a:t>$ less &lt;file&gt; </a:t>
+            </a:r>
+          </a:p>
+          <a:p>
+            <a:pPr lvl="1">
+              <a:lnSpc>
+                <a:spcPct val="130000"/>
+              </a:lnSpc>
+            </a:pPr>
+            <a:r>
+              <a:rPr lang="en-US" altLang="ko-KR" dirty="0"/>
+              <a:t>Output the contents of &lt;file&gt; using the less command (which supports pagination etc.) </a:t>
+            </a:r>
+          </a:p>
+          <a:p>
+            <a:pPr>
+              <a:lnSpc>
+                <a:spcPct val="130000"/>
+              </a:lnSpc>
+            </a:pPr>
+            <a:r>
+              <a:rPr lang="en-US" altLang="ko-KR" dirty="0"/>
+              <a:t>$ head &lt;file&gt; </a:t>
+            </a:r>
+          </a:p>
+          <a:p>
+            <a:pPr lvl="1">
+              <a:lnSpc>
+                <a:spcPct val="130000"/>
+              </a:lnSpc>
+            </a:pPr>
+            <a:r>
+              <a:rPr lang="en-US" altLang="ko-KR" dirty="0"/>
+              <a:t>Output the first 10 lines of &lt;file&gt; </a:t>
+            </a:r>
+          </a:p>
+          <a:p>
+            <a:pPr>
+              <a:lnSpc>
+                <a:spcPct val="130000"/>
+              </a:lnSpc>
+            </a:pPr>
+            <a:r>
+              <a:rPr lang="en-US" altLang="ko-KR" dirty="0"/>
+              <a:t>$ &lt;</a:t>
             </a:r>
             <a:r>
               <a:rPr lang="en-US" altLang="ko-KR" dirty="0" err="1"/>
-              <a:t>chmod</a:t>
-            </a:r>
-            <a:r>
-              <a:rPr lang="en-US" altLang="ko-KR" dirty="0"/>
-              <a:t> 755 &lt;file&gt; </a:t>
-            </a:r>
-          </a:p>
-          <a:p>
-            <a:pPr lvl="1"/>
-            <a:r>
-              <a:rPr lang="en-US" altLang="ko-KR" dirty="0"/>
-              <a:t>Change permissions of &lt;file&gt; to 755 </a:t>
-            </a:r>
-          </a:p>
-          <a:p>
-            <a:r>
-              <a:rPr lang="en-US" altLang="ko-KR" dirty="0"/>
-              <a:t>$ </a:t>
+              <a:t>cmd</a:t>
+            </a:r>
+            <a:r>
+              <a:rPr lang="en-US" altLang="ko-KR" dirty="0"/>
+              <a:t>&gt; &gt; &lt;file&gt; </a:t>
+            </a:r>
+          </a:p>
+          <a:p>
+            <a:pPr lvl="1">
+              <a:lnSpc>
+                <a:spcPct val="130000"/>
+              </a:lnSpc>
+            </a:pPr>
+            <a:r>
+              <a:rPr lang="en-US" altLang="ko-KR" dirty="0"/>
+              <a:t>Direct the output of &lt;</a:t>
             </a:r>
             <a:r>
               <a:rPr lang="en-US" altLang="ko-KR" dirty="0" err="1"/>
-              <a:t>chmod</a:t>
-            </a:r>
-            <a:r>
-              <a:rPr lang="en-US" altLang="ko-KR" dirty="0"/>
-              <a:t> -R 600 &lt;directory&gt; </a:t>
-            </a:r>
-          </a:p>
-          <a:p>
-            <a:pPr lvl="1"/>
-            <a:r>
-              <a:rPr lang="en-US" altLang="ko-KR" dirty="0"/>
-              <a:t>Change permissions of &lt;directory&gt; (and its contents) to 600 </a:t>
-            </a:r>
-          </a:p>
-          <a:p>
-            <a:r>
-              <a:rPr lang="en-US" altLang="ko-KR" dirty="0"/>
-              <a:t>$ </a:t>
+              <a:t>cmd</a:t>
+            </a:r>
+            <a:r>
+              <a:rPr lang="en-US" altLang="ko-KR" dirty="0"/>
+              <a:t>&gt; into &lt;file&gt; </a:t>
+            </a:r>
+          </a:p>
+          <a:p>
+            <a:pPr>
+              <a:lnSpc>
+                <a:spcPct val="130000"/>
+              </a:lnSpc>
+            </a:pPr>
+            <a:r>
+              <a:rPr lang="en-US" altLang="ko-KR" dirty="0"/>
+              <a:t>$ &lt;</a:t>
             </a:r>
             <a:r>
               <a:rPr lang="en-US" altLang="ko-KR" dirty="0" err="1"/>
-              <a:t>chown</a:t>
-            </a:r>
-            <a:r>
-              <a:rPr lang="en-US" altLang="ko-KR" dirty="0"/>
-              <a:t> &lt;user&gt;:&lt;group&gt; &lt;file&gt; </a:t>
-            </a:r>
-          </a:p>
-          <a:p>
-            <a:pPr lvl="1"/>
-            <a:r>
-              <a:rPr lang="en-US" altLang="ko-KR" dirty="0"/>
-              <a:t>Change ownership of &lt;file&gt; to &lt;user&gt;  and &lt;group&gt; (add -R to include a directory’s contents)</a:t>
+              <a:t>cmd</a:t>
+            </a:r>
+            <a:r>
+              <a:rPr lang="en-US" altLang="ko-KR" dirty="0"/>
+              <a:t>&gt; &gt;&gt; &lt;file&gt; </a:t>
+            </a:r>
+          </a:p>
+          <a:p>
+            <a:pPr lvl="1">
+              <a:lnSpc>
+                <a:spcPct val="130000"/>
+              </a:lnSpc>
+            </a:pPr>
+            <a:r>
+              <a:rPr lang="en-US" altLang="ko-KR" dirty="0"/>
+              <a:t>Append the output of &lt;</a:t>
+            </a:r>
+            <a:r>
+              <a:rPr lang="en-US" altLang="ko-KR" dirty="0" err="1"/>
+              <a:t>cmd</a:t>
+            </a:r>
+            <a:r>
+              <a:rPr lang="en-US" altLang="ko-KR" dirty="0"/>
+              <a:t>&gt; to &lt;file&gt; </a:t>
+            </a:r>
+          </a:p>
+          <a:p>
+            <a:pPr>
+              <a:lnSpc>
+                <a:spcPct val="130000"/>
+              </a:lnSpc>
+            </a:pPr>
+            <a:r>
+              <a:rPr lang="en-US" altLang="ko-KR" dirty="0"/>
+              <a:t>$ &lt;cmd1&gt; | &lt;cmd2&gt; </a:t>
+            </a:r>
+          </a:p>
+          <a:p>
+            <a:pPr lvl="1">
+              <a:lnSpc>
+                <a:spcPct val="130000"/>
+              </a:lnSpc>
+            </a:pPr>
+            <a:r>
+              <a:rPr lang="en-US" altLang="ko-KR" dirty="0"/>
+              <a:t>Direct the output of &lt;cmd1&gt; to &lt;cmd2&gt; </a:t>
+            </a:r>
+          </a:p>
+          <a:p>
+            <a:pPr>
+              <a:lnSpc>
+                <a:spcPct val="130000"/>
+              </a:lnSpc>
+            </a:pPr>
+            <a:r>
+              <a:rPr lang="en-US" altLang="ko-KR" dirty="0"/>
+              <a:t>$ clear </a:t>
+            </a:r>
+          </a:p>
+          <a:p>
+            <a:pPr lvl="1">
+              <a:lnSpc>
+                <a:spcPct val="130000"/>
+              </a:lnSpc>
+            </a:pPr>
+            <a:r>
+              <a:rPr lang="en-US" altLang="ko-KR" dirty="0"/>
+              <a:t>Clear the command line window</a:t>
             </a:r>
             <a:endParaRPr lang="en-US" altLang="ko-KR" dirty="0">
               <a:latin typeface="+mn-ea"/>
@@ -6707,7 +7098,7 @@
     </p:spTree>
     <p:extLst>
       <p:ext uri="{BB962C8B-B14F-4D97-AF65-F5344CB8AC3E}">
-        <p14:creationId xmlns:p14="http://schemas.microsoft.com/office/powerpoint/2010/main" val="1660894449"/>
+        <p14:creationId xmlns:p14="http://schemas.microsoft.com/office/powerpoint/2010/main" val="3734573985"/>
       </p:ext>
     </p:extLst>
   </p:cSld>
@@ -6757,7 +7148,7 @@
           <a:p>
             <a:r>
               <a:rPr lang="en-US" altLang="ko-KR" dirty="0"/>
-              <a:t>SEARCH  </a:t>
+              <a:t>Files </a:t>
             </a:r>
             <a:r>
               <a:rPr lang="ko-KR" altLang="en-US" dirty="0"/>
@@ -6782,7 +7173,7 @@
         </p:nvSpPr>
         <p:spPr>
           <a:xfrm>
-            <a:off x="341787" y="1120544"/>
+            <a:off x="341787" y="913714"/>
             <a:ext cx="8642350" cy="5115155"/>
           </a:xfrm>
           <a:prstGeom prst="rect">
@@ -6933,90 +7324,113 @@
             </a:lvl9pPr>
           </a:lstStyle>
           <a:p>
-            <a:r>
-              <a:rPr lang="en-US" altLang="ko-KR" dirty="0"/>
-              <a:t>$ find &lt;</a:t>
-            </a:r>
-            <a:r>
-              <a:rPr lang="en-US" altLang="ko-KR" dirty="0" err="1"/>
-              <a:t>dir</a:t>
-            </a:r>
-            <a:r>
-              <a:rPr lang="en-US" altLang="ko-KR" dirty="0"/>
-              <a:t>&gt; -name "&lt;file&gt;" </a:t>
-            </a:r>
-          </a:p>
-          <a:p>
-            <a:pPr lvl="1"/>
-            <a:r>
-              <a:rPr lang="en-US" altLang="ko-KR" dirty="0"/>
-              <a:t>Find all files named &lt;file&gt; inside &lt;</a:t>
-            </a:r>
-            <a:r>
-              <a:rPr lang="en-US" altLang="ko-KR" dirty="0" err="1"/>
-              <a:t>dir</a:t>
-            </a:r>
-            <a:r>
-              <a:rPr lang="en-US" altLang="ko-KR" dirty="0"/>
-              <a:t>&gt; (use wildcards [*] to search for parts of filenames, e.g. "file.*") </a:t>
-            </a:r>
-          </a:p>
-          <a:p>
-            <a:r>
-              <a:rPr lang="en-US" altLang="ko-KR" dirty="0"/>
-              <a:t>$ grep "&lt;text&gt;" &lt;file&gt; </a:t>
-            </a:r>
-          </a:p>
-          <a:p>
-            <a:pPr lvl="1"/>
-            <a:r>
-              <a:rPr lang="en-US" altLang="ko-KR" dirty="0"/>
-              <a:t>Output all occurrences of &lt;text&gt; inside &lt;file&gt; (add -</a:t>
-            </a:r>
-            <a:r>
-              <a:rPr lang="en-US" altLang="ko-KR" dirty="0" err="1"/>
-              <a:t>i</a:t>
-            </a:r>
-            <a:r>
-              <a:rPr lang="en-US" altLang="ko-KR" dirty="0"/>
-              <a:t> for case-insensitivity) </a:t>
-            </a:r>
-          </a:p>
-          <a:p>
-            <a:r>
-              <a:rPr lang="en-US" altLang="ko-KR" dirty="0"/>
-              <a:t>$ grep -</a:t>
-            </a:r>
-            <a:r>
-              <a:rPr lang="en-US" altLang="ko-KR" dirty="0" err="1"/>
-              <a:t>rl</a:t>
-            </a:r>
-            <a:r>
-              <a:rPr lang="en-US" altLang="ko-KR" dirty="0"/>
-              <a:t> "&lt;text&gt;" &lt;</a:t>
-            </a:r>
-            <a:r>
-              <a:rPr lang="en-US" altLang="ko-KR" dirty="0" err="1"/>
-              <a:t>dir</a:t>
-            </a:r>
-            <a:r>
-              <a:rPr lang="en-US" altLang="ko-KR" dirty="0"/>
-              <a:t>&gt; </a:t>
-            </a:r>
-          </a:p>
-          <a:p>
-            <a:pPr lvl="1"/>
-            <a:r>
-              <a:rPr lang="en-US" altLang="ko-KR" dirty="0"/>
-              <a:t>Search for all files containing &lt;text&gt; inside &lt;</a:t>
-            </a:r>
-            <a:r>
-              <a:rPr lang="en-US" altLang="ko-KR" dirty="0" err="1"/>
-              <a:t>dir</a:t>
-            </a:r>
-            <a:r>
-              <a:rPr lang="en-US" altLang="ko-KR" dirty="0"/>
-              <a:t>&gt;</a:t>
+            <a:pPr>
+              <a:lnSpc>
+                <a:spcPct val="130000"/>
+              </a:lnSpc>
+            </a:pPr>
+            <a:r>
+              <a:rPr lang="en-US" altLang="ko-KR" dirty="0"/>
+              <a:t>$ rm &lt;file&gt; </a:t>
+            </a:r>
+          </a:p>
+          <a:p>
+            <a:pPr lvl="1">
+              <a:lnSpc>
+                <a:spcPct val="130000"/>
+              </a:lnSpc>
+            </a:pPr>
+            <a:r>
+              <a:rPr lang="en-US" altLang="ko-KR" dirty="0"/>
+              <a:t>Delete &lt;file&gt; </a:t>
+            </a:r>
+          </a:p>
+          <a:p>
+            <a:pPr>
+              <a:lnSpc>
+                <a:spcPct val="130000"/>
+              </a:lnSpc>
+            </a:pPr>
+            <a:r>
+              <a:rPr lang="en-US" altLang="ko-KR" dirty="0"/>
+              <a:t>$ rm -r &lt;directory&gt; </a:t>
+            </a:r>
+          </a:p>
+          <a:p>
+            <a:pPr lvl="1">
+              <a:lnSpc>
+                <a:spcPct val="130000"/>
+              </a:lnSpc>
+            </a:pPr>
+            <a:r>
+              <a:rPr lang="en-US" altLang="ko-KR" dirty="0"/>
+              <a:t>Delete &lt;directory&gt; </a:t>
+            </a:r>
+          </a:p>
+          <a:p>
+            <a:pPr>
+              <a:lnSpc>
+                <a:spcPct val="130000"/>
+              </a:lnSpc>
+            </a:pPr>
+            <a:r>
+              <a:rPr lang="en-US" altLang="ko-KR" dirty="0"/>
+              <a:t>$ rm -f &lt;file&gt; </a:t>
+            </a:r>
+          </a:p>
+          <a:p>
+            <a:pPr lvl="1">
+              <a:lnSpc>
+                <a:spcPct val="130000"/>
+              </a:lnSpc>
+            </a:pPr>
+            <a:r>
+              <a:rPr lang="en-US" altLang="ko-KR" dirty="0"/>
+              <a:t>Force-delete &lt;file&gt; (add -r to force- delete a directory) </a:t>
+            </a:r>
+          </a:p>
+          <a:p>
+            <a:pPr>
+              <a:lnSpc>
+                <a:spcPct val="130000"/>
+              </a:lnSpc>
+            </a:pPr>
+            <a:r>
+              <a:rPr lang="en-US" altLang="ko-KR" dirty="0"/>
+              <a:t>$ mv &lt;file-old&gt; &lt;file-new&gt; </a:t>
+            </a:r>
+          </a:p>
+          <a:p>
+            <a:pPr lvl="1">
+              <a:lnSpc>
+                <a:spcPct val="130000"/>
+              </a:lnSpc>
+            </a:pPr>
+            <a:r>
+              <a:rPr lang="en-US" altLang="ko-KR" dirty="0"/>
+              <a:t>Rename &lt;file-old&gt; to &lt;file-new&gt; </a:t>
+            </a:r>
+          </a:p>
+          <a:p>
+            <a:pPr>
+              <a:lnSpc>
+                <a:spcPct val="130000"/>
+              </a:lnSpc>
+            </a:pPr>
+            <a:r>
+              <a:rPr lang="en-US" altLang="ko-KR" dirty="0"/>
+              <a:t>$ mv &lt;file&gt; &lt;directory&gt; </a:t>
+            </a:r>
+          </a:p>
+          <a:p>
+            <a:pPr lvl="1">
+              <a:lnSpc>
+                <a:spcPct val="130000"/>
+              </a:lnSpc>
+            </a:pPr>
+            <a:r>
+              <a:rPr lang="en-US" altLang="ko-KR" dirty="0"/>
+              <a:t>Move &lt;file&gt; to &lt;directory&gt; (possibly overwriting an existing file)</a:t>
             </a:r>
             <a:endParaRPr lang="en-US" altLang="ko-KR" dirty="0">
               <a:latin typeface="+mn-ea"/>
@@ -7027,7 +7441,7 @@
     </p:spTree>
     <p:extLst>
       <p:ext uri="{BB962C8B-B14F-4D97-AF65-F5344CB8AC3E}">
-        <p14:creationId xmlns:p14="http://schemas.microsoft.com/office/powerpoint/2010/main" val="992686341"/>
+        <p14:creationId xmlns:p14="http://schemas.microsoft.com/office/powerpoint/2010/main" val="2549321800"/>
       </p:ext>
     </p:extLst>
   </p:cSld>
@@ -7339,7 +7753,7 @@
           <a:p>
             <a:r>
               <a:rPr lang="en-US" altLang="ko-KR" dirty="0"/>
-              <a:t>NETWORK  </a:t>
+              <a:t>Files </a:t>
             </a:r>
             <a:r>
               <a:rPr lang="ko-KR" altLang="en-US" dirty="0"/>
@@ -7364,7 +7778,7 @@
         </p:nvSpPr>
         <p:spPr>
           <a:xfrm>
-            <a:off x="341787" y="1120544"/>
+            <a:off x="341787" y="913714"/>
             <a:ext cx="8642350" cy="5115155"/>
           </a:xfrm>
           <a:prstGeom prst="rect">
@@ -7515,114 +7929,69 @@
             </a:lvl9pPr>
           </a:lstStyle>
           <a:p>
-            <a:r>
-              <a:rPr lang="en-US" altLang="ko-KR" dirty="0"/>
-              <a:t>$ ping &lt;host&gt; </a:t>
-            </a:r>
-          </a:p>
-          <a:p>
-            <a:pPr lvl="1"/>
-            <a:r>
-              <a:rPr lang="en-US" altLang="ko-KR" dirty="0"/>
-              <a:t>Ping &lt;host&gt; and display status </a:t>
-            </a:r>
-          </a:p>
-          <a:p>
-            <a:r>
-              <a:rPr lang="en-US" altLang="ko-KR" dirty="0"/>
-              <a:t>$ </a:t>
-            </a:r>
-            <a:r>
-              <a:rPr lang="en-US" altLang="ko-KR" dirty="0" err="1"/>
-              <a:t>whois</a:t>
-            </a:r>
-            <a:r>
-              <a:rPr lang="en-US" altLang="ko-KR" dirty="0"/>
-              <a:t> &lt;domain&gt; </a:t>
-            </a:r>
-          </a:p>
-          <a:p>
-            <a:pPr lvl="1"/>
-            <a:r>
-              <a:rPr lang="en-US" altLang="ko-KR" dirty="0"/>
-              <a:t>Output </a:t>
-            </a:r>
-            <a:r>
-              <a:rPr lang="en-US" altLang="ko-KR" dirty="0" err="1"/>
-              <a:t>whois</a:t>
-            </a:r>
-            <a:r>
-              <a:rPr lang="en-US" altLang="ko-KR" dirty="0"/>
-              <a:t> information for &lt;domain&gt; </a:t>
-            </a:r>
-          </a:p>
-          <a:p>
-            <a:r>
-              <a:rPr lang="en-US" altLang="ko-KR" dirty="0"/>
-              <a:t>$ curl -O &lt;</a:t>
-            </a:r>
-            <a:r>
-              <a:rPr lang="en-US" altLang="ko-KR" dirty="0" err="1"/>
-              <a:t>url</a:t>
-            </a:r>
-            <a:r>
-              <a:rPr lang="en-US" altLang="ko-KR" dirty="0"/>
-              <a:t>/to/file&gt; </a:t>
-            </a:r>
-          </a:p>
-          <a:p>
-            <a:pPr lvl="1"/>
-            <a:r>
-              <a:rPr lang="en-US" altLang="ko-KR" dirty="0"/>
-              <a:t>Download &lt;file&gt; (via HTTP[S] or FTP) </a:t>
-            </a:r>
-          </a:p>
-          <a:p>
-            <a:r>
-              <a:rPr lang="en-US" altLang="ko-KR" dirty="0"/>
-              <a:t>$ </a:t>
-            </a:r>
-            <a:r>
-              <a:rPr lang="en-US" altLang="ko-KR" dirty="0" err="1"/>
-              <a:t>ssh</a:t>
-            </a:r>
-            <a:r>
-              <a:rPr lang="en-US" altLang="ko-KR" dirty="0"/>
-              <a:t> &lt;username&gt;@&lt;host&gt; </a:t>
-            </a:r>
-          </a:p>
-          <a:p>
-            <a:pPr lvl="1"/>
-            <a:r>
-              <a:rPr lang="en-US" altLang="ko-KR" dirty="0"/>
-              <a:t>Establish an SSH connection to &lt;host&gt; with user &lt;username&gt; </a:t>
-            </a:r>
-          </a:p>
-          <a:p>
-            <a:r>
-              <a:rPr lang="en-US" altLang="ko-KR" dirty="0"/>
-              <a:t>$ </a:t>
-            </a:r>
-            <a:r>
-              <a:rPr lang="en-US" altLang="ko-KR" dirty="0" err="1"/>
-              <a:t>scp</a:t>
-            </a:r>
-            <a:r>
-              <a:rPr lang="en-US" altLang="ko-KR" dirty="0"/>
-              <a:t> &lt;file&gt; </a:t>
-            </a:r>
-          </a:p>
-          <a:p>
-            <a:pPr lvl="1"/>
-            <a:r>
-              <a:rPr lang="en-US" altLang="ko-KR" dirty="0"/>
-              <a:t>  &lt;user&gt;@&lt;host&gt;:/remote/path </a:t>
-            </a:r>
-          </a:p>
-          <a:p>
-            <a:r>
-              <a:rPr lang="en-US" altLang="ko-KR" dirty="0"/>
-              <a:t>Copy &lt;file&gt; to a remote &lt;host&gt;</a:t>
+            <a:pPr>
+              <a:lnSpc>
+                <a:spcPct val="130000"/>
+              </a:lnSpc>
+            </a:pPr>
+            <a:r>
+              <a:rPr lang="en-US" altLang="ko-KR" dirty="0"/>
+              <a:t>$ cp &lt;file&gt; &lt;directory&gt; </a:t>
+            </a:r>
+          </a:p>
+          <a:p>
+            <a:pPr lvl="1">
+              <a:lnSpc>
+                <a:spcPct val="130000"/>
+              </a:lnSpc>
+            </a:pPr>
+            <a:r>
+              <a:rPr lang="en-US" altLang="ko-KR" dirty="0"/>
+              <a:t>Copy &lt;file&gt; to &lt;directory&gt; (possibly overwriting an existing file) </a:t>
+            </a:r>
+          </a:p>
+          <a:p>
+            <a:pPr>
+              <a:lnSpc>
+                <a:spcPct val="130000"/>
+              </a:lnSpc>
+            </a:pPr>
+            <a:r>
+              <a:rPr lang="en-US" altLang="ko-KR" dirty="0"/>
+              <a:t>$ cp -r &lt;directory1&gt; &lt;directory2&gt; </a:t>
+            </a:r>
+          </a:p>
+          <a:p>
+            <a:pPr lvl="1">
+              <a:lnSpc>
+                <a:spcPct val="130000"/>
+              </a:lnSpc>
+            </a:pPr>
+            <a:r>
+              <a:rPr lang="en-US" altLang="ko-KR" dirty="0"/>
+              <a:t>Copy &lt;directory1&gt; and its contents to &lt;directory2&gt; (possibly overwriting files in an existing directory) </a:t>
+            </a:r>
+          </a:p>
+          <a:p>
+            <a:pPr>
+              <a:lnSpc>
+                <a:spcPct val="130000"/>
+              </a:lnSpc>
+            </a:pPr>
+            <a:r>
+              <a:rPr lang="en-US" altLang="ko-KR" dirty="0"/>
+              <a:t>$ touch &lt;file&gt; </a:t>
+            </a:r>
+          </a:p>
+          <a:p>
+            <a:pPr lvl="1">
+              <a:lnSpc>
+                <a:spcPct val="130000"/>
+              </a:lnSpc>
+            </a:pPr>
+            <a:r>
+              <a:rPr lang="en-US" altLang="ko-KR" dirty="0"/>
+              <a:t>Update file access &amp; modification time (and create &lt;file&gt; if it doesn’t exist)</a:t>
             </a:r>
             <a:endParaRPr lang="en-US" altLang="ko-KR" dirty="0">
               <a:latin typeface="+mn-ea"/>
@@ -7633,7 +8002,7 @@
     </p:spTree>
     <p:extLst>
       <p:ext uri="{BB962C8B-B14F-4D97-AF65-F5344CB8AC3E}">
-        <p14:creationId xmlns:p14="http://schemas.microsoft.com/office/powerpoint/2010/main" val="655605650"/>
+        <p14:creationId xmlns:p14="http://schemas.microsoft.com/office/powerpoint/2010/main" val="1873598758"/>
       </p:ext>
     </p:extLst>
   </p:cSld>
@@ -7683,7 +8052,7 @@
           <a:p>
             <a:r>
               <a:rPr lang="en-US" altLang="ko-KR" dirty="0"/>
-              <a:t>PROCESSES  </a:t>
+              <a:t>PERMISSIONS  </a:t>
             </a:r>
             <a:r>
               <a:rPr lang="ko-KR" altLang="en-US" dirty="0"/>
@@ -7865,63 +8234,61 @@
             </a:r>
             <a:r>
               <a:rPr lang="en-US" altLang="ko-KR" dirty="0" err="1"/>
-              <a:t>ps</a:t>
-            </a:r>
-            <a:r>
-              <a:rPr lang="en-US" altLang="ko-KR" dirty="0"/>
-              <a:t> ax </a:t>
+              <a:t>chmod</a:t>
+            </a:r>
+            <a:r>
+              <a:rPr lang="en-US" altLang="ko-KR" dirty="0"/>
+              <a:t> 755 &lt;file&gt; </a:t>
             </a:r>
           </a:p>
           <a:p>
             <a:pPr lvl="1"/>
             <a:r>
               <a:rPr lang="en-US" altLang="ko-KR" dirty="0"/>
-              <a:t>Output currently running processes </a:t>
-            </a:r>
-          </a:p>
-          <a:p>
-            <a:r>
-              <a:rPr lang="en-US" altLang="ko-KR" dirty="0"/>
-              <a:t>$ top </a:t>
+              <a:t>Change permissions of &lt;file&gt; to 755 </a:t>
+            </a:r>
+          </a:p>
+          <a:p>
+            <a:r>
+              <a:rPr lang="en-US" altLang="ko-KR" dirty="0"/>
+              <a:t>$ </a:t>
+            </a:r>
+            <a:r>
+              <a:rPr lang="en-US" altLang="ko-KR" dirty="0" err="1"/>
+              <a:t>chmod</a:t>
+            </a:r>
+            <a:r>
+              <a:rPr lang="en-US" altLang="ko-KR" dirty="0"/>
+              <a:t> -R 600 &lt;directory&gt; </a:t>
             </a:r>
           </a:p>
           <a:p>
             <a:pPr lvl="1"/>
             <a:r>
               <a:rPr lang="en-US" altLang="ko-KR" dirty="0"/>
-              <a:t>Display live information about currently running processes </a:t>
-            </a:r>
-          </a:p>
-          <a:p>
-            <a:r>
-              <a:rPr lang="en-US" altLang="ko-KR" dirty="0"/>
-              <a:t>$ kill &lt;</a:t>
+              <a:t>Change permissions of &lt;directory&gt; (and its contents) to 600 </a:t>
+            </a:r>
+          </a:p>
+          <a:p>
+            <a:r>
+              <a:rPr lang="en-US" altLang="ko-KR" dirty="0"/>
+              <a:t>$ </a:t>
             </a:r>
             <a:r>
               <a:rPr lang="en-US" altLang="ko-KR" dirty="0" err="1"/>
-              <a:t>pid</a:t>
-            </a:r>
-            <a:r>
-              <a:rPr lang="en-US" altLang="ko-KR" dirty="0"/>
-              <a:t>&gt; </a:t>
+              <a:t>chown</a:t>
+            </a:r>
+            <a:r>
+              <a:rPr lang="en-US" altLang="ko-KR" dirty="0"/>
+              <a:t> &lt;user&gt;:&lt;group&gt; &lt;file&gt; </a:t>
             </a:r>
           </a:p>
           <a:p>
             <a:pPr lvl="1"/>
             <a:r>
               <a:rPr lang="en-US" altLang="ko-KR" dirty="0"/>
-              <a:t>Quit process with ID &lt;</a:t>
-            </a:r>
-            <a:r>
-              <a:rPr lang="en-US" altLang="ko-KR" dirty="0" err="1"/>
-              <a:t>pid</a:t>
-            </a:r>
-            <a:r>
-              <a:rPr lang="en-US" altLang="ko-KR" dirty="0"/>
-              <a:t>&gt;</a:t>
-            </a:r>
-          </a:p>
-          <a:p>
+              <a:t>Change ownership of &lt;file&gt; to &lt;user&gt;  and &lt;group&gt; (add -R to include a directory’s contents)</a:t>
+            </a:r>
             <a:endParaRPr lang="en-US" altLang="ko-KR" dirty="0">
               <a:latin typeface="+mn-ea"/>
             </a:endParaRPr>
@@ -7931,7 +8298,7 @@
     </p:spTree>
     <p:extLst>
       <p:ext uri="{BB962C8B-B14F-4D97-AF65-F5344CB8AC3E}">
-        <p14:creationId xmlns:p14="http://schemas.microsoft.com/office/powerpoint/2010/main" val="2173378349"/>
+        <p14:creationId xmlns:p14="http://schemas.microsoft.com/office/powerpoint/2010/main" val="1660894449"/>
       </p:ext>
     </p:extLst>
   </p:cSld>
@@ -7981,18 +8348,21 @@
           <a:p>
             <a:r>
               <a:rPr lang="en-US" altLang="ko-KR" dirty="0"/>
-              <a:t>COMBINING COMMANDS</a:t>
-            </a:r>
-            <a:endParaRPr lang="ko-KR" altLang="en-US" dirty="0"/>
+              <a:t>SEARCH  </a:t>
+            </a:r>
+            <a:r>
+              <a:rPr lang="ko-KR" altLang="en-US" dirty="0"/>
+              <a:t>관련</a:t>
+            </a:r>
           </a:p>
         </p:txBody>
       </p:sp>
       <p:sp>
         <p:nvSpPr>
-          <p:cNvPr id="6" name="내용 개체 틀 2">
+          <p:cNvPr id="7" name="내용 개체 틀 2">
             <a:extLst>
               <a:ext uri="{FF2B5EF4-FFF2-40B4-BE49-F238E27FC236}">
-                <a16:creationId xmlns:a16="http://schemas.microsoft.com/office/drawing/2014/main" id="{E597044D-9E91-4036-BC67-BF184BDB0BB9}"/>
+                <a16:creationId xmlns:a16="http://schemas.microsoft.com/office/drawing/2014/main" id="{A44AC902-3746-40D6-9827-94B46EEDDC67}"/>
               </a:ext>
             </a:extLst>
           </p:cNvPr>
@@ -8156,100 +8526,99 @@
           <a:p>
             <a:r>
               <a:rPr lang="en-US" altLang="ko-KR" dirty="0"/>
-              <a:t>COMBINING COMMANDS</a:t>
+              <a:t>$ find &lt;</a:t>
+            </a:r>
+            <a:r>
+              <a:rPr lang="en-US" altLang="ko-KR" dirty="0" err="1"/>
+              <a:t>dir</a:t>
+            </a:r>
+            <a:r>
+              <a:rPr lang="en-US" altLang="ko-KR" dirty="0"/>
+              <a:t>&gt; -name "&lt;file&gt;" </a:t>
             </a:r>
           </a:p>
           <a:p>
             <a:pPr lvl="1"/>
             <a:r>
               <a:rPr lang="en-US" altLang="ko-KR" dirty="0"/>
-              <a:t>for d in {1..6}; do touch "file${d}.md"; git add "file${d}.md"; git commit -m "adding file ${d}"; done</a:t>
+              <a:t>Find all files named &lt;file&gt; inside &lt;</a:t>
+            </a:r>
+            <a:r>
+              <a:rPr lang="en-US" altLang="ko-KR" dirty="0" err="1"/>
+              <a:t>dir</a:t>
+            </a:r>
+            <a:r>
+              <a:rPr lang="en-US" altLang="ko-KR" dirty="0"/>
+              <a:t>&gt; (use wildcards [*] to search for parts of filenames, e.g. "file.*") </a:t>
+            </a:r>
+          </a:p>
+          <a:p>
+            <a:r>
+              <a:rPr lang="en-US" altLang="ko-KR" dirty="0"/>
+              <a:t>$ grep "&lt;text&gt;" &lt;file&gt; </a:t>
             </a:r>
           </a:p>
           <a:p>
             <a:pPr lvl="1"/>
             <a:r>
               <a:rPr lang="en-US" altLang="ko-KR" dirty="0"/>
-              <a:t>Use</a:t>
-            </a:r>
-            <a:r>
-              <a:rPr lang="ko-KR" altLang="en-US" dirty="0"/>
-              <a:t> </a:t>
-            </a:r>
-            <a:r>
-              <a:rPr lang="en-US" altLang="ko-KR" dirty="0">
-                <a:solidFill>
-                  <a:srgbClr val="FF0000"/>
-                </a:solidFill>
-              </a:rPr>
-              <a:t>“;”</a:t>
-            </a:r>
-            <a:r>
-              <a:rPr lang="ko-KR" altLang="en-US" dirty="0"/>
-              <a:t> </a:t>
-            </a:r>
-            <a:r>
-              <a:rPr lang="en-US" altLang="ko-KR" dirty="0"/>
-              <a:t>on the same line</a:t>
-            </a:r>
-          </a:p>
-          <a:p>
-            <a:r>
-              <a:rPr lang="en-US" altLang="ko-KR" dirty="0"/>
-              <a:t>&amp;&amp; and || </a:t>
+              <a:t>Output all occurrences of &lt;text&gt; inside &lt;file&gt; (add -</a:t>
+            </a:r>
+            <a:r>
+              <a:rPr lang="en-US" altLang="ko-KR" dirty="0" err="1"/>
+              <a:t>i</a:t>
+            </a:r>
+            <a:r>
+              <a:rPr lang="en-US" altLang="ko-KR" dirty="0"/>
+              <a:t> for case-insensitivity) </a:t>
+            </a:r>
+          </a:p>
+          <a:p>
+            <a:r>
+              <a:rPr lang="en-US" altLang="ko-KR" dirty="0"/>
+              <a:t>$ grep -</a:t>
+            </a:r>
+            <a:r>
+              <a:rPr lang="en-US" altLang="ko-KR" dirty="0" err="1"/>
+              <a:t>rl</a:t>
+            </a:r>
+            <a:r>
+              <a:rPr lang="en-US" altLang="ko-KR" dirty="0"/>
+              <a:t> "&lt;text&gt;" &lt;</a:t>
+            </a:r>
+            <a:r>
+              <a:rPr lang="en-US" altLang="ko-KR" dirty="0" err="1"/>
+              <a:t>dir</a:t>
+            </a:r>
+            <a:r>
+              <a:rPr lang="en-US" altLang="ko-KR" dirty="0"/>
+              <a:t>&gt; </a:t>
             </a:r>
           </a:p>
           <a:p>
             <a:pPr lvl="1"/>
             <a:r>
               <a:rPr lang="en-US" altLang="ko-KR" dirty="0"/>
-              <a:t>&amp;&amp;  operator will only be run if the previous command </a:t>
-            </a:r>
-            <a:r>
-              <a:rPr lang="en-US" altLang="ko-KR" dirty="0">
-                <a:solidFill>
-                  <a:srgbClr val="FF0000"/>
-                </a:solidFill>
-              </a:rPr>
-              <a:t>completes successfully</a:t>
-            </a:r>
-          </a:p>
-          <a:p>
-            <a:pPr lvl="1"/>
-            <a:r>
-              <a:rPr lang="en-US" altLang="ko-KR" dirty="0"/>
-              <a:t>|| operator only continues if the previous </a:t>
-            </a:r>
-            <a:r>
-              <a:rPr lang="en-US" altLang="ko-KR" dirty="0">
-                <a:solidFill>
-                  <a:srgbClr val="FF0000"/>
-                </a:solidFill>
-              </a:rPr>
-              <a:t>command fails</a:t>
-            </a:r>
-          </a:p>
-          <a:p>
-            <a:pPr lvl="1"/>
-            <a:r>
-              <a:rPr lang="en-US" altLang="ko-KR" dirty="0"/>
-              <a:t> $ cd ~/videos || </a:t>
+              <a:t>Search for all files containing &lt;text&gt; inside &lt;</a:t>
             </a:r>
             <a:r>
               <a:rPr lang="en-US" altLang="ko-KR" dirty="0" err="1"/>
-              <a:t>mkdir</a:t>
-            </a:r>
-            <a:r>
-              <a:rPr lang="en-US" altLang="ko-KR" dirty="0"/>
-              <a:t> ~/videos # will create the folder “videos” only if the cd command fails</a:t>
-            </a:r>
+              <a:t>dir</a:t>
+            </a:r>
+            <a:r>
+              <a:rPr lang="en-US" altLang="ko-KR" dirty="0"/>
+              <a:t>&gt;</a:t>
+            </a:r>
+            <a:endParaRPr lang="en-US" altLang="ko-KR" dirty="0">
+              <a:latin typeface="+mn-ea"/>
+            </a:endParaRPr>
           </a:p>
         </p:txBody>
       </p:sp>
     </p:spTree>
     <p:extLst>
       <p:ext uri="{BB962C8B-B14F-4D97-AF65-F5344CB8AC3E}">
-        <p14:creationId xmlns:p14="http://schemas.microsoft.com/office/powerpoint/2010/main" val="836270208"/>
+        <p14:creationId xmlns:p14="http://schemas.microsoft.com/office/powerpoint/2010/main" val="992686341"/>
       </p:ext>
     </p:extLst>
   </p:cSld>
@@ -8299,18 +8668,21 @@
           <a:p>
             <a:r>
               <a:rPr lang="en-US" altLang="ko-KR" dirty="0"/>
-              <a:t>THE “CTRL” KEY</a:t>
-            </a:r>
-            <a:endParaRPr lang="ko-KR" altLang="en-US" dirty="0"/>
+              <a:t>NETWORK  </a:t>
+            </a:r>
+            <a:r>
+              <a:rPr lang="ko-KR" altLang="en-US" dirty="0"/>
+              <a:t>관련</a:t>
+            </a:r>
           </a:p>
         </p:txBody>
       </p:sp>
       <p:sp>
         <p:nvSpPr>
-          <p:cNvPr id="6" name="내용 개체 틀 2">
+          <p:cNvPr id="7" name="내용 개체 틀 2">
             <a:extLst>
               <a:ext uri="{FF2B5EF4-FFF2-40B4-BE49-F238E27FC236}">
-                <a16:creationId xmlns:a16="http://schemas.microsoft.com/office/drawing/2014/main" id="{E597044D-9E91-4036-BC67-BF184BDB0BB9}"/>
+                <a16:creationId xmlns:a16="http://schemas.microsoft.com/office/drawing/2014/main" id="{A44AC902-3746-40D6-9827-94B46EEDDC67}"/>
               </a:ext>
             </a:extLst>
           </p:cNvPr>
@@ -8474,6 +8846,963 @@
           <a:p>
             <a:r>
               <a:rPr lang="en-US" altLang="ko-KR" dirty="0"/>
+              <a:t>$ ping &lt;host&gt; </a:t>
+            </a:r>
+          </a:p>
+          <a:p>
+            <a:pPr lvl="1"/>
+            <a:r>
+              <a:rPr lang="en-US" altLang="ko-KR" dirty="0"/>
+              <a:t>Ping &lt;host&gt; and display status </a:t>
+            </a:r>
+          </a:p>
+          <a:p>
+            <a:r>
+              <a:rPr lang="en-US" altLang="ko-KR" dirty="0"/>
+              <a:t>$ </a:t>
+            </a:r>
+            <a:r>
+              <a:rPr lang="en-US" altLang="ko-KR" dirty="0" err="1"/>
+              <a:t>whois</a:t>
+            </a:r>
+            <a:r>
+              <a:rPr lang="en-US" altLang="ko-KR" dirty="0"/>
+              <a:t> &lt;domain&gt; </a:t>
+            </a:r>
+          </a:p>
+          <a:p>
+            <a:pPr lvl="1"/>
+            <a:r>
+              <a:rPr lang="en-US" altLang="ko-KR" dirty="0"/>
+              <a:t>Output </a:t>
+            </a:r>
+            <a:r>
+              <a:rPr lang="en-US" altLang="ko-KR" dirty="0" err="1"/>
+              <a:t>whois</a:t>
+            </a:r>
+            <a:r>
+              <a:rPr lang="en-US" altLang="ko-KR" dirty="0"/>
+              <a:t> information for &lt;domain&gt; </a:t>
+            </a:r>
+          </a:p>
+          <a:p>
+            <a:r>
+              <a:rPr lang="en-US" altLang="ko-KR" dirty="0"/>
+              <a:t>$ curl -O &lt;</a:t>
+            </a:r>
+            <a:r>
+              <a:rPr lang="en-US" altLang="ko-KR" dirty="0" err="1"/>
+              <a:t>url</a:t>
+            </a:r>
+            <a:r>
+              <a:rPr lang="en-US" altLang="ko-KR" dirty="0"/>
+              <a:t>/to/file&gt; </a:t>
+            </a:r>
+          </a:p>
+          <a:p>
+            <a:pPr lvl="1"/>
+            <a:r>
+              <a:rPr lang="en-US" altLang="ko-KR" dirty="0"/>
+              <a:t>Download &lt;file&gt; (via HTTP[S] or FTP) </a:t>
+            </a:r>
+          </a:p>
+          <a:p>
+            <a:r>
+              <a:rPr lang="en-US" altLang="ko-KR" dirty="0"/>
+              <a:t>$ </a:t>
+            </a:r>
+            <a:r>
+              <a:rPr lang="en-US" altLang="ko-KR" dirty="0" err="1"/>
+              <a:t>ssh</a:t>
+            </a:r>
+            <a:r>
+              <a:rPr lang="en-US" altLang="ko-KR" dirty="0"/>
+              <a:t> &lt;username&gt;@&lt;host&gt; </a:t>
+            </a:r>
+          </a:p>
+          <a:p>
+            <a:pPr lvl="1"/>
+            <a:r>
+              <a:rPr lang="en-US" altLang="ko-KR" dirty="0"/>
+              <a:t>Establish an SSH connection to &lt;host&gt; with user &lt;username&gt; </a:t>
+            </a:r>
+          </a:p>
+          <a:p>
+            <a:r>
+              <a:rPr lang="en-US" altLang="ko-KR" dirty="0"/>
+              <a:t>$ </a:t>
+            </a:r>
+            <a:r>
+              <a:rPr lang="en-US" altLang="ko-KR" dirty="0" err="1"/>
+              <a:t>scp</a:t>
+            </a:r>
+            <a:r>
+              <a:rPr lang="en-US" altLang="ko-KR" dirty="0"/>
+              <a:t> &lt;file&gt; </a:t>
+            </a:r>
+          </a:p>
+          <a:p>
+            <a:pPr lvl="1"/>
+            <a:r>
+              <a:rPr lang="en-US" altLang="ko-KR" dirty="0"/>
+              <a:t>  &lt;user&gt;@&lt;host&gt;:/remote/path </a:t>
+            </a:r>
+          </a:p>
+          <a:p>
+            <a:r>
+              <a:rPr lang="en-US" altLang="ko-KR" dirty="0"/>
+              <a:t>Copy &lt;file&gt; to a remote &lt;host&gt;</a:t>
+            </a:r>
+            <a:endParaRPr lang="en-US" altLang="ko-KR" dirty="0">
+              <a:latin typeface="+mn-ea"/>
+            </a:endParaRPr>
+          </a:p>
+        </p:txBody>
+      </p:sp>
+    </p:spTree>
+    <p:extLst>
+      <p:ext uri="{BB962C8B-B14F-4D97-AF65-F5344CB8AC3E}">
+        <p14:creationId xmlns:p14="http://schemas.microsoft.com/office/powerpoint/2010/main" val="655605650"/>
+      </p:ext>
+    </p:extLst>
+  </p:cSld>
+  <p:clrMapOvr>
+    <a:masterClrMapping/>
+  </p:clrMapOvr>
+</p:sld>
+</file>
+
+<file path=ppt/slides/slide24.xml><?xml version="1.0" encoding="utf-8"?>
+<p:sld xmlns:a="http://schemas.openxmlformats.org/drawingml/2006/main" xmlns:r="http://schemas.openxmlformats.org/officeDocument/2006/relationships" xmlns:p="http://schemas.openxmlformats.org/presentationml/2006/main">
+  <p:cSld>
+    <p:spTree>
+      <p:nvGrpSpPr>
+        <p:cNvPr id="1" name=""/>
+        <p:cNvGrpSpPr/>
+        <p:nvPr/>
+      </p:nvGrpSpPr>
+      <p:grpSpPr>
+        <a:xfrm>
+          <a:off x="0" y="0"/>
+          <a:ext cx="0" cy="0"/>
+          <a:chOff x="0" y="0"/>
+          <a:chExt cx="0" cy="0"/>
+        </a:xfrm>
+      </p:grpSpPr>
+      <p:sp>
+        <p:nvSpPr>
+          <p:cNvPr id="4" name="제목 3">
+            <a:extLst>
+              <a:ext uri="{FF2B5EF4-FFF2-40B4-BE49-F238E27FC236}">
+                <a16:creationId xmlns:a16="http://schemas.microsoft.com/office/drawing/2014/main" id="{F0CEB32B-CB43-4410-BA08-A97E4BC47FCB}"/>
+              </a:ext>
+            </a:extLst>
+          </p:cNvPr>
+          <p:cNvSpPr>
+            <a:spLocks noGrp="1"/>
+          </p:cNvSpPr>
+          <p:nvPr>
+            <p:ph type="title"/>
+          </p:nvPr>
+        </p:nvSpPr>
+        <p:spPr/>
+        <p:txBody>
+          <a:bodyPr/>
+          <a:lstStyle/>
+          <a:p>
+            <a:r>
+              <a:rPr lang="en-US" altLang="ko-KR" dirty="0"/>
+              <a:t>PROCESSES  </a:t>
+            </a:r>
+            <a:r>
+              <a:rPr lang="ko-KR" altLang="en-US" dirty="0"/>
+              <a:t>관련</a:t>
+            </a:r>
+          </a:p>
+        </p:txBody>
+      </p:sp>
+      <p:sp>
+        <p:nvSpPr>
+          <p:cNvPr id="7" name="내용 개체 틀 2">
+            <a:extLst>
+              <a:ext uri="{FF2B5EF4-FFF2-40B4-BE49-F238E27FC236}">
+                <a16:creationId xmlns:a16="http://schemas.microsoft.com/office/drawing/2014/main" id="{A44AC902-3746-40D6-9827-94B46EEDDC67}"/>
+              </a:ext>
+            </a:extLst>
+          </p:cNvPr>
+          <p:cNvSpPr txBox="1">
+            <a:spLocks/>
+          </p:cNvSpPr>
+          <p:nvPr/>
+        </p:nvSpPr>
+        <p:spPr>
+          <a:xfrm>
+            <a:off x="341787" y="1120544"/>
+            <a:ext cx="8642350" cy="5115155"/>
+          </a:xfrm>
+          <a:prstGeom prst="rect">
+            <a:avLst/>
+          </a:prstGeom>
+        </p:spPr>
+        <p:txBody>
+          <a:bodyPr vert="horz" lIns="91440" tIns="45720" rIns="91440" bIns="45720" rtlCol="0">
+            <a:noAutofit/>
+          </a:bodyPr>
+          <a:lstStyle>
+            <a:lvl1pPr marL="266700" indent="-266700" defTabSz="914400" latinLnBrk="1">
+              <a:lnSpc>
+                <a:spcPct val="150000"/>
+              </a:lnSpc>
+              <a:spcBef>
+                <a:spcPct val="0"/>
+              </a:spcBef>
+              <a:buClr>
+                <a:schemeClr val="tx1">
+                  <a:lumMod val="65000"/>
+                  <a:lumOff val="35000"/>
+                </a:schemeClr>
+              </a:buClr>
+              <a:buFont typeface="Wingdings" pitchFamily="2" charset="2"/>
+              <a:buChar char="n"/>
+              <a:defRPr sz="2000" b="1">
+                <a:latin typeface="+mn-ea"/>
+              </a:defRPr>
+            </a:lvl1pPr>
+            <a:lvl2pPr marL="447675" lvl="1" indent="-180975" defTabSz="914400" latinLnBrk="1">
+              <a:lnSpc>
+                <a:spcPct val="150000"/>
+              </a:lnSpc>
+              <a:spcBef>
+                <a:spcPts val="0"/>
+              </a:spcBef>
+              <a:spcAft>
+                <a:spcPts val="0"/>
+              </a:spcAft>
+              <a:buClr>
+                <a:schemeClr val="tx1">
+                  <a:lumMod val="50000"/>
+                  <a:lumOff val="50000"/>
+                </a:schemeClr>
+              </a:buClr>
+              <a:buFont typeface="Wingdings" pitchFamily="2" charset="2"/>
+              <a:buChar char="§"/>
+              <a:defRPr sz="1600"/>
+            </a:lvl2pPr>
+            <a:lvl3pPr marL="628650" indent="-180975" defTabSz="914400" latinLnBrk="1">
+              <a:lnSpc>
+                <a:spcPct val="150000"/>
+              </a:lnSpc>
+              <a:spcBef>
+                <a:spcPts val="500"/>
+              </a:spcBef>
+              <a:spcAft>
+                <a:spcPts val="300"/>
+              </a:spcAft>
+              <a:buClr>
+                <a:schemeClr val="tx1">
+                  <a:lumMod val="65000"/>
+                  <a:lumOff val="35000"/>
+                </a:schemeClr>
+              </a:buClr>
+              <a:buFont typeface="Arial" panose="020B0604020202020204" pitchFamily="34" charset="0"/>
+              <a:buChar char="•"/>
+              <a:defRPr sz="1400"/>
+            </a:lvl3pPr>
+            <a:lvl4pPr marL="809625" indent="-180975" defTabSz="914400" latinLnBrk="1">
+              <a:lnSpc>
+                <a:spcPct val="150000"/>
+              </a:lnSpc>
+              <a:spcBef>
+                <a:spcPts val="500"/>
+              </a:spcBef>
+              <a:spcAft>
+                <a:spcPts val="300"/>
+              </a:spcAft>
+              <a:buClr>
+                <a:schemeClr val="tx1">
+                  <a:lumMod val="65000"/>
+                  <a:lumOff val="35000"/>
+                </a:schemeClr>
+              </a:buClr>
+              <a:buSzPct val="96000"/>
+              <a:buFont typeface="Arial" panose="020B0604020202020204" pitchFamily="34" charset="0"/>
+              <a:buChar char="•"/>
+              <a:defRPr sz="1200"/>
+            </a:lvl4pPr>
+            <a:lvl5pPr marL="990600" indent="-180975" defTabSz="914400" latinLnBrk="1">
+              <a:lnSpc>
+                <a:spcPct val="150000"/>
+              </a:lnSpc>
+              <a:spcBef>
+                <a:spcPts val="500"/>
+              </a:spcBef>
+              <a:buClr>
+                <a:schemeClr val="tx1">
+                  <a:lumMod val="65000"/>
+                  <a:lumOff val="35000"/>
+                </a:schemeClr>
+              </a:buClr>
+              <a:buFont typeface="Arial" panose="020B0604020202020204" pitchFamily="34" charset="0"/>
+              <a:buChar char="•"/>
+              <a:defRPr sz="1000"/>
+            </a:lvl5pPr>
+            <a:lvl6pPr marL="2514600" indent="-228600" defTabSz="914400" latinLnBrk="1">
+              <a:lnSpc>
+                <a:spcPct val="90000"/>
+              </a:lnSpc>
+              <a:spcBef>
+                <a:spcPts val="500"/>
+              </a:spcBef>
+              <a:buFont typeface="Arial" panose="020B0604020202020204" pitchFamily="34" charset="0"/>
+              <a:buChar char="•"/>
+            </a:lvl6pPr>
+            <a:lvl7pPr marL="2971800" indent="-228600" defTabSz="914400" latinLnBrk="1">
+              <a:lnSpc>
+                <a:spcPct val="90000"/>
+              </a:lnSpc>
+              <a:spcBef>
+                <a:spcPts val="500"/>
+              </a:spcBef>
+              <a:buFont typeface="Arial" panose="020B0604020202020204" pitchFamily="34" charset="0"/>
+              <a:buChar char="•"/>
+            </a:lvl7pPr>
+            <a:lvl8pPr marL="3429000" indent="-228600" defTabSz="914400" latinLnBrk="1">
+              <a:lnSpc>
+                <a:spcPct val="90000"/>
+              </a:lnSpc>
+              <a:spcBef>
+                <a:spcPts val="500"/>
+              </a:spcBef>
+              <a:buFont typeface="Arial" panose="020B0604020202020204" pitchFamily="34" charset="0"/>
+              <a:buChar char="•"/>
+            </a:lvl8pPr>
+            <a:lvl9pPr marL="3886200" indent="-228600" defTabSz="914400" latinLnBrk="1">
+              <a:lnSpc>
+                <a:spcPct val="90000"/>
+              </a:lnSpc>
+              <a:spcBef>
+                <a:spcPts val="500"/>
+              </a:spcBef>
+              <a:buFont typeface="Arial" panose="020B0604020202020204" pitchFamily="34" charset="0"/>
+              <a:buChar char="•"/>
+            </a:lvl9pPr>
+          </a:lstStyle>
+          <a:p>
+            <a:r>
+              <a:rPr lang="en-US" altLang="ko-KR" dirty="0"/>
+              <a:t>$ </a:t>
+            </a:r>
+            <a:r>
+              <a:rPr lang="en-US" altLang="ko-KR" dirty="0" err="1"/>
+              <a:t>ps</a:t>
+            </a:r>
+            <a:r>
+              <a:rPr lang="en-US" altLang="ko-KR" dirty="0"/>
+              <a:t> ax </a:t>
+            </a:r>
+          </a:p>
+          <a:p>
+            <a:pPr lvl="1"/>
+            <a:r>
+              <a:rPr lang="en-US" altLang="ko-KR" dirty="0"/>
+              <a:t>Output currently running processes </a:t>
+            </a:r>
+          </a:p>
+          <a:p>
+            <a:r>
+              <a:rPr lang="en-US" altLang="ko-KR" dirty="0"/>
+              <a:t>$ top </a:t>
+            </a:r>
+          </a:p>
+          <a:p>
+            <a:pPr lvl="1"/>
+            <a:r>
+              <a:rPr lang="en-US" altLang="ko-KR" dirty="0"/>
+              <a:t>Display live information about currently running processes </a:t>
+            </a:r>
+          </a:p>
+          <a:p>
+            <a:r>
+              <a:rPr lang="en-US" altLang="ko-KR" dirty="0"/>
+              <a:t>$ kill &lt;</a:t>
+            </a:r>
+            <a:r>
+              <a:rPr lang="en-US" altLang="ko-KR" dirty="0" err="1"/>
+              <a:t>pid</a:t>
+            </a:r>
+            <a:r>
+              <a:rPr lang="en-US" altLang="ko-KR" dirty="0"/>
+              <a:t>&gt; </a:t>
+            </a:r>
+          </a:p>
+          <a:p>
+            <a:pPr lvl="1"/>
+            <a:r>
+              <a:rPr lang="en-US" altLang="ko-KR" dirty="0"/>
+              <a:t>Quit process with ID &lt;</a:t>
+            </a:r>
+            <a:r>
+              <a:rPr lang="en-US" altLang="ko-KR" dirty="0" err="1"/>
+              <a:t>pid</a:t>
+            </a:r>
+            <a:r>
+              <a:rPr lang="en-US" altLang="ko-KR" dirty="0"/>
+              <a:t>&gt;</a:t>
+            </a:r>
+          </a:p>
+          <a:p>
+            <a:endParaRPr lang="en-US" altLang="ko-KR" dirty="0">
+              <a:latin typeface="+mn-ea"/>
+            </a:endParaRPr>
+          </a:p>
+        </p:txBody>
+      </p:sp>
+    </p:spTree>
+    <p:extLst>
+      <p:ext uri="{BB962C8B-B14F-4D97-AF65-F5344CB8AC3E}">
+        <p14:creationId xmlns:p14="http://schemas.microsoft.com/office/powerpoint/2010/main" val="2173378349"/>
+      </p:ext>
+    </p:extLst>
+  </p:cSld>
+  <p:clrMapOvr>
+    <a:masterClrMapping/>
+  </p:clrMapOvr>
+</p:sld>
+</file>
+
+<file path=ppt/slides/slide25.xml><?xml version="1.0" encoding="utf-8"?>
+<p:sld xmlns:a="http://schemas.openxmlformats.org/drawingml/2006/main" xmlns:r="http://schemas.openxmlformats.org/officeDocument/2006/relationships" xmlns:p="http://schemas.openxmlformats.org/presentationml/2006/main">
+  <p:cSld>
+    <p:spTree>
+      <p:nvGrpSpPr>
+        <p:cNvPr id="1" name=""/>
+        <p:cNvGrpSpPr/>
+        <p:nvPr/>
+      </p:nvGrpSpPr>
+      <p:grpSpPr>
+        <a:xfrm>
+          <a:off x="0" y="0"/>
+          <a:ext cx="0" cy="0"/>
+          <a:chOff x="0" y="0"/>
+          <a:chExt cx="0" cy="0"/>
+        </a:xfrm>
+      </p:grpSpPr>
+      <p:sp>
+        <p:nvSpPr>
+          <p:cNvPr id="4" name="제목 3">
+            <a:extLst>
+              <a:ext uri="{FF2B5EF4-FFF2-40B4-BE49-F238E27FC236}">
+                <a16:creationId xmlns:a16="http://schemas.microsoft.com/office/drawing/2014/main" id="{F0CEB32B-CB43-4410-BA08-A97E4BC47FCB}"/>
+              </a:ext>
+            </a:extLst>
+          </p:cNvPr>
+          <p:cNvSpPr>
+            <a:spLocks noGrp="1"/>
+          </p:cNvSpPr>
+          <p:nvPr>
+            <p:ph type="title"/>
+          </p:nvPr>
+        </p:nvSpPr>
+        <p:spPr/>
+        <p:txBody>
+          <a:bodyPr/>
+          <a:lstStyle/>
+          <a:p>
+            <a:r>
+              <a:rPr lang="en-US" altLang="ko-KR" dirty="0"/>
+              <a:t>COMBINING COMMANDS</a:t>
+            </a:r>
+            <a:endParaRPr lang="ko-KR" altLang="en-US" dirty="0"/>
+          </a:p>
+        </p:txBody>
+      </p:sp>
+      <p:sp>
+        <p:nvSpPr>
+          <p:cNvPr id="6" name="내용 개체 틀 2">
+            <a:extLst>
+              <a:ext uri="{FF2B5EF4-FFF2-40B4-BE49-F238E27FC236}">
+                <a16:creationId xmlns:a16="http://schemas.microsoft.com/office/drawing/2014/main" id="{E597044D-9E91-4036-BC67-BF184BDB0BB9}"/>
+              </a:ext>
+            </a:extLst>
+          </p:cNvPr>
+          <p:cNvSpPr txBox="1">
+            <a:spLocks/>
+          </p:cNvSpPr>
+          <p:nvPr/>
+        </p:nvSpPr>
+        <p:spPr>
+          <a:xfrm>
+            <a:off x="341787" y="1120544"/>
+            <a:ext cx="8642350" cy="5115155"/>
+          </a:xfrm>
+          <a:prstGeom prst="rect">
+            <a:avLst/>
+          </a:prstGeom>
+        </p:spPr>
+        <p:txBody>
+          <a:bodyPr vert="horz" lIns="91440" tIns="45720" rIns="91440" bIns="45720" rtlCol="0">
+            <a:noAutofit/>
+          </a:bodyPr>
+          <a:lstStyle>
+            <a:lvl1pPr marL="266700" indent="-266700" defTabSz="914400" latinLnBrk="1">
+              <a:lnSpc>
+                <a:spcPct val="150000"/>
+              </a:lnSpc>
+              <a:spcBef>
+                <a:spcPct val="0"/>
+              </a:spcBef>
+              <a:buClr>
+                <a:schemeClr val="tx1">
+                  <a:lumMod val="65000"/>
+                  <a:lumOff val="35000"/>
+                </a:schemeClr>
+              </a:buClr>
+              <a:buFont typeface="Wingdings" pitchFamily="2" charset="2"/>
+              <a:buChar char="n"/>
+              <a:defRPr sz="2000" b="1">
+                <a:latin typeface="+mn-ea"/>
+              </a:defRPr>
+            </a:lvl1pPr>
+            <a:lvl2pPr marL="447675" lvl="1" indent="-180975" defTabSz="914400" latinLnBrk="1">
+              <a:lnSpc>
+                <a:spcPct val="150000"/>
+              </a:lnSpc>
+              <a:spcBef>
+                <a:spcPts val="0"/>
+              </a:spcBef>
+              <a:spcAft>
+                <a:spcPts val="0"/>
+              </a:spcAft>
+              <a:buClr>
+                <a:schemeClr val="tx1">
+                  <a:lumMod val="50000"/>
+                  <a:lumOff val="50000"/>
+                </a:schemeClr>
+              </a:buClr>
+              <a:buFont typeface="Wingdings" pitchFamily="2" charset="2"/>
+              <a:buChar char="§"/>
+              <a:defRPr sz="1600"/>
+            </a:lvl2pPr>
+            <a:lvl3pPr marL="628650" indent="-180975" defTabSz="914400" latinLnBrk="1">
+              <a:lnSpc>
+                <a:spcPct val="150000"/>
+              </a:lnSpc>
+              <a:spcBef>
+                <a:spcPts val="500"/>
+              </a:spcBef>
+              <a:spcAft>
+                <a:spcPts val="300"/>
+              </a:spcAft>
+              <a:buClr>
+                <a:schemeClr val="tx1">
+                  <a:lumMod val="65000"/>
+                  <a:lumOff val="35000"/>
+                </a:schemeClr>
+              </a:buClr>
+              <a:buFont typeface="Arial" panose="020B0604020202020204" pitchFamily="34" charset="0"/>
+              <a:buChar char="•"/>
+              <a:defRPr sz="1400"/>
+            </a:lvl3pPr>
+            <a:lvl4pPr marL="809625" indent="-180975" defTabSz="914400" latinLnBrk="1">
+              <a:lnSpc>
+                <a:spcPct val="150000"/>
+              </a:lnSpc>
+              <a:spcBef>
+                <a:spcPts val="500"/>
+              </a:spcBef>
+              <a:spcAft>
+                <a:spcPts val="300"/>
+              </a:spcAft>
+              <a:buClr>
+                <a:schemeClr val="tx1">
+                  <a:lumMod val="65000"/>
+                  <a:lumOff val="35000"/>
+                </a:schemeClr>
+              </a:buClr>
+              <a:buSzPct val="96000"/>
+              <a:buFont typeface="Arial" panose="020B0604020202020204" pitchFamily="34" charset="0"/>
+              <a:buChar char="•"/>
+              <a:defRPr sz="1200"/>
+            </a:lvl4pPr>
+            <a:lvl5pPr marL="990600" indent="-180975" defTabSz="914400" latinLnBrk="1">
+              <a:lnSpc>
+                <a:spcPct val="150000"/>
+              </a:lnSpc>
+              <a:spcBef>
+                <a:spcPts val="500"/>
+              </a:spcBef>
+              <a:buClr>
+                <a:schemeClr val="tx1">
+                  <a:lumMod val="65000"/>
+                  <a:lumOff val="35000"/>
+                </a:schemeClr>
+              </a:buClr>
+              <a:buFont typeface="Arial" panose="020B0604020202020204" pitchFamily="34" charset="0"/>
+              <a:buChar char="•"/>
+              <a:defRPr sz="1000"/>
+            </a:lvl5pPr>
+            <a:lvl6pPr marL="2514600" indent="-228600" defTabSz="914400" latinLnBrk="1">
+              <a:lnSpc>
+                <a:spcPct val="90000"/>
+              </a:lnSpc>
+              <a:spcBef>
+                <a:spcPts val="500"/>
+              </a:spcBef>
+              <a:buFont typeface="Arial" panose="020B0604020202020204" pitchFamily="34" charset="0"/>
+              <a:buChar char="•"/>
+            </a:lvl6pPr>
+            <a:lvl7pPr marL="2971800" indent="-228600" defTabSz="914400" latinLnBrk="1">
+              <a:lnSpc>
+                <a:spcPct val="90000"/>
+              </a:lnSpc>
+              <a:spcBef>
+                <a:spcPts val="500"/>
+              </a:spcBef>
+              <a:buFont typeface="Arial" panose="020B0604020202020204" pitchFamily="34" charset="0"/>
+              <a:buChar char="•"/>
+            </a:lvl7pPr>
+            <a:lvl8pPr marL="3429000" indent="-228600" defTabSz="914400" latinLnBrk="1">
+              <a:lnSpc>
+                <a:spcPct val="90000"/>
+              </a:lnSpc>
+              <a:spcBef>
+                <a:spcPts val="500"/>
+              </a:spcBef>
+              <a:buFont typeface="Arial" panose="020B0604020202020204" pitchFamily="34" charset="0"/>
+              <a:buChar char="•"/>
+            </a:lvl8pPr>
+            <a:lvl9pPr marL="3886200" indent="-228600" defTabSz="914400" latinLnBrk="1">
+              <a:lnSpc>
+                <a:spcPct val="90000"/>
+              </a:lnSpc>
+              <a:spcBef>
+                <a:spcPts val="500"/>
+              </a:spcBef>
+              <a:buFont typeface="Arial" panose="020B0604020202020204" pitchFamily="34" charset="0"/>
+              <a:buChar char="•"/>
+            </a:lvl9pPr>
+          </a:lstStyle>
+          <a:p>
+            <a:r>
+              <a:rPr lang="en-US" altLang="ko-KR" dirty="0"/>
+              <a:t>COMBINING COMMANDS</a:t>
+            </a:r>
+          </a:p>
+          <a:p>
+            <a:pPr lvl="1"/>
+            <a:r>
+              <a:rPr lang="en-US" altLang="ko-KR" dirty="0"/>
+              <a:t>for d in {1..6}; do touch "file${d}.md"; git add "file${d}.md"; git commit -m "adding file ${d}"; done</a:t>
+            </a:r>
+          </a:p>
+          <a:p>
+            <a:pPr lvl="1"/>
+            <a:r>
+              <a:rPr lang="en-US" altLang="ko-KR" dirty="0"/>
+              <a:t>Use</a:t>
+            </a:r>
+            <a:r>
+              <a:rPr lang="ko-KR" altLang="en-US" dirty="0"/>
+              <a:t> </a:t>
+            </a:r>
+            <a:r>
+              <a:rPr lang="en-US" altLang="ko-KR" dirty="0">
+                <a:solidFill>
+                  <a:srgbClr val="FF0000"/>
+                </a:solidFill>
+              </a:rPr>
+              <a:t>“;”</a:t>
+            </a:r>
+            <a:r>
+              <a:rPr lang="ko-KR" altLang="en-US" dirty="0"/>
+              <a:t> </a:t>
+            </a:r>
+            <a:r>
+              <a:rPr lang="en-US" altLang="ko-KR" dirty="0"/>
+              <a:t>on the same line</a:t>
+            </a:r>
+          </a:p>
+          <a:p>
+            <a:r>
+              <a:rPr lang="en-US" altLang="ko-KR" dirty="0"/>
+              <a:t>&amp;&amp; and || </a:t>
+            </a:r>
+          </a:p>
+          <a:p>
+            <a:pPr lvl="1"/>
+            <a:r>
+              <a:rPr lang="en-US" altLang="ko-KR" dirty="0"/>
+              <a:t>&amp;&amp;  operator will only be run if the previous command </a:t>
+            </a:r>
+            <a:r>
+              <a:rPr lang="en-US" altLang="ko-KR" dirty="0">
+                <a:solidFill>
+                  <a:srgbClr val="FF0000"/>
+                </a:solidFill>
+              </a:rPr>
+              <a:t>completes successfully</a:t>
+            </a:r>
+          </a:p>
+          <a:p>
+            <a:pPr lvl="1"/>
+            <a:r>
+              <a:rPr lang="en-US" altLang="ko-KR" dirty="0"/>
+              <a:t>|| operator only continues if the previous </a:t>
+            </a:r>
+            <a:r>
+              <a:rPr lang="en-US" altLang="ko-KR" dirty="0">
+                <a:solidFill>
+                  <a:srgbClr val="FF0000"/>
+                </a:solidFill>
+              </a:rPr>
+              <a:t>command fails</a:t>
+            </a:r>
+          </a:p>
+          <a:p>
+            <a:pPr lvl="1"/>
+            <a:r>
+              <a:rPr lang="en-US" altLang="ko-KR" dirty="0"/>
+              <a:t> $ cd ~/videos || </a:t>
+            </a:r>
+            <a:r>
+              <a:rPr lang="en-US" altLang="ko-KR" dirty="0" err="1"/>
+              <a:t>mkdir</a:t>
+            </a:r>
+            <a:r>
+              <a:rPr lang="en-US" altLang="ko-KR" dirty="0"/>
+              <a:t> ~/videos # will create the folder “videos” only if the cd command fails</a:t>
+            </a:r>
+          </a:p>
+        </p:txBody>
+      </p:sp>
+    </p:spTree>
+    <p:extLst>
+      <p:ext uri="{BB962C8B-B14F-4D97-AF65-F5344CB8AC3E}">
+        <p14:creationId xmlns:p14="http://schemas.microsoft.com/office/powerpoint/2010/main" val="836270208"/>
+      </p:ext>
+    </p:extLst>
+  </p:cSld>
+  <p:clrMapOvr>
+    <a:masterClrMapping/>
+  </p:clrMapOvr>
+</p:sld>
+</file>
+
+<file path=ppt/slides/slide26.xml><?xml version="1.0" encoding="utf-8"?>
+<p:sld xmlns:a="http://schemas.openxmlformats.org/drawingml/2006/main" xmlns:r="http://schemas.openxmlformats.org/officeDocument/2006/relationships" xmlns:p="http://schemas.openxmlformats.org/presentationml/2006/main">
+  <p:cSld>
+    <p:spTree>
+      <p:nvGrpSpPr>
+        <p:cNvPr id="1" name=""/>
+        <p:cNvGrpSpPr/>
+        <p:nvPr/>
+      </p:nvGrpSpPr>
+      <p:grpSpPr>
+        <a:xfrm>
+          <a:off x="0" y="0"/>
+          <a:ext cx="0" cy="0"/>
+          <a:chOff x="0" y="0"/>
+          <a:chExt cx="0" cy="0"/>
+        </a:xfrm>
+      </p:grpSpPr>
+      <p:sp>
+        <p:nvSpPr>
+          <p:cNvPr id="4" name="제목 3">
+            <a:extLst>
+              <a:ext uri="{FF2B5EF4-FFF2-40B4-BE49-F238E27FC236}">
+                <a16:creationId xmlns:a16="http://schemas.microsoft.com/office/drawing/2014/main" id="{F0CEB32B-CB43-4410-BA08-A97E4BC47FCB}"/>
+              </a:ext>
+            </a:extLst>
+          </p:cNvPr>
+          <p:cNvSpPr>
+            <a:spLocks noGrp="1"/>
+          </p:cNvSpPr>
+          <p:nvPr>
+            <p:ph type="title"/>
+          </p:nvPr>
+        </p:nvSpPr>
+        <p:spPr/>
+        <p:txBody>
+          <a:bodyPr/>
+          <a:lstStyle/>
+          <a:p>
+            <a:r>
+              <a:rPr lang="en-US" altLang="ko-KR" dirty="0"/>
+              <a:t>THE “CTRL” KEY</a:t>
+            </a:r>
+            <a:endParaRPr lang="ko-KR" altLang="en-US" dirty="0"/>
+          </a:p>
+        </p:txBody>
+      </p:sp>
+      <p:sp>
+        <p:nvSpPr>
+          <p:cNvPr id="6" name="내용 개체 틀 2">
+            <a:extLst>
+              <a:ext uri="{FF2B5EF4-FFF2-40B4-BE49-F238E27FC236}">
+                <a16:creationId xmlns:a16="http://schemas.microsoft.com/office/drawing/2014/main" id="{E597044D-9E91-4036-BC67-BF184BDB0BB9}"/>
+              </a:ext>
+            </a:extLst>
+          </p:cNvPr>
+          <p:cNvSpPr txBox="1">
+            <a:spLocks/>
+          </p:cNvSpPr>
+          <p:nvPr/>
+        </p:nvSpPr>
+        <p:spPr>
+          <a:xfrm>
+            <a:off x="341787" y="1120544"/>
+            <a:ext cx="8642350" cy="5115155"/>
+          </a:xfrm>
+          <a:prstGeom prst="rect">
+            <a:avLst/>
+          </a:prstGeom>
+        </p:spPr>
+        <p:txBody>
+          <a:bodyPr vert="horz" lIns="91440" tIns="45720" rIns="91440" bIns="45720" rtlCol="0">
+            <a:noAutofit/>
+          </a:bodyPr>
+          <a:lstStyle>
+            <a:lvl1pPr marL="266700" indent="-266700" defTabSz="914400" latinLnBrk="1">
+              <a:lnSpc>
+                <a:spcPct val="150000"/>
+              </a:lnSpc>
+              <a:spcBef>
+                <a:spcPct val="0"/>
+              </a:spcBef>
+              <a:buClr>
+                <a:schemeClr val="tx1">
+                  <a:lumMod val="65000"/>
+                  <a:lumOff val="35000"/>
+                </a:schemeClr>
+              </a:buClr>
+              <a:buFont typeface="Wingdings" pitchFamily="2" charset="2"/>
+              <a:buChar char="n"/>
+              <a:defRPr sz="2000" b="1">
+                <a:latin typeface="+mn-ea"/>
+              </a:defRPr>
+            </a:lvl1pPr>
+            <a:lvl2pPr marL="447675" lvl="1" indent="-180975" defTabSz="914400" latinLnBrk="1">
+              <a:lnSpc>
+                <a:spcPct val="150000"/>
+              </a:lnSpc>
+              <a:spcBef>
+                <a:spcPts val="0"/>
+              </a:spcBef>
+              <a:spcAft>
+                <a:spcPts val="0"/>
+              </a:spcAft>
+              <a:buClr>
+                <a:schemeClr val="tx1">
+                  <a:lumMod val="50000"/>
+                  <a:lumOff val="50000"/>
+                </a:schemeClr>
+              </a:buClr>
+              <a:buFont typeface="Wingdings" pitchFamily="2" charset="2"/>
+              <a:buChar char="§"/>
+              <a:defRPr sz="1600"/>
+            </a:lvl2pPr>
+            <a:lvl3pPr marL="628650" indent="-180975" defTabSz="914400" latinLnBrk="1">
+              <a:lnSpc>
+                <a:spcPct val="150000"/>
+              </a:lnSpc>
+              <a:spcBef>
+                <a:spcPts val="500"/>
+              </a:spcBef>
+              <a:spcAft>
+                <a:spcPts val="300"/>
+              </a:spcAft>
+              <a:buClr>
+                <a:schemeClr val="tx1">
+                  <a:lumMod val="65000"/>
+                  <a:lumOff val="35000"/>
+                </a:schemeClr>
+              </a:buClr>
+              <a:buFont typeface="Arial" panose="020B0604020202020204" pitchFamily="34" charset="0"/>
+              <a:buChar char="•"/>
+              <a:defRPr sz="1400"/>
+            </a:lvl3pPr>
+            <a:lvl4pPr marL="809625" indent="-180975" defTabSz="914400" latinLnBrk="1">
+              <a:lnSpc>
+                <a:spcPct val="150000"/>
+              </a:lnSpc>
+              <a:spcBef>
+                <a:spcPts val="500"/>
+              </a:spcBef>
+              <a:spcAft>
+                <a:spcPts val="300"/>
+              </a:spcAft>
+              <a:buClr>
+                <a:schemeClr val="tx1">
+                  <a:lumMod val="65000"/>
+                  <a:lumOff val="35000"/>
+                </a:schemeClr>
+              </a:buClr>
+              <a:buSzPct val="96000"/>
+              <a:buFont typeface="Arial" panose="020B0604020202020204" pitchFamily="34" charset="0"/>
+              <a:buChar char="•"/>
+              <a:defRPr sz="1200"/>
+            </a:lvl4pPr>
+            <a:lvl5pPr marL="990600" indent="-180975" defTabSz="914400" latinLnBrk="1">
+              <a:lnSpc>
+                <a:spcPct val="150000"/>
+              </a:lnSpc>
+              <a:spcBef>
+                <a:spcPts val="500"/>
+              </a:spcBef>
+              <a:buClr>
+                <a:schemeClr val="tx1">
+                  <a:lumMod val="65000"/>
+                  <a:lumOff val="35000"/>
+                </a:schemeClr>
+              </a:buClr>
+              <a:buFont typeface="Arial" panose="020B0604020202020204" pitchFamily="34" charset="0"/>
+              <a:buChar char="•"/>
+              <a:defRPr sz="1000"/>
+            </a:lvl5pPr>
+            <a:lvl6pPr marL="2514600" indent="-228600" defTabSz="914400" latinLnBrk="1">
+              <a:lnSpc>
+                <a:spcPct val="90000"/>
+              </a:lnSpc>
+              <a:spcBef>
+                <a:spcPts val="500"/>
+              </a:spcBef>
+              <a:buFont typeface="Arial" panose="020B0604020202020204" pitchFamily="34" charset="0"/>
+              <a:buChar char="•"/>
+            </a:lvl6pPr>
+            <a:lvl7pPr marL="2971800" indent="-228600" defTabSz="914400" latinLnBrk="1">
+              <a:lnSpc>
+                <a:spcPct val="90000"/>
+              </a:lnSpc>
+              <a:spcBef>
+                <a:spcPts val="500"/>
+              </a:spcBef>
+              <a:buFont typeface="Arial" panose="020B0604020202020204" pitchFamily="34" charset="0"/>
+              <a:buChar char="•"/>
+            </a:lvl7pPr>
+            <a:lvl8pPr marL="3429000" indent="-228600" defTabSz="914400" latinLnBrk="1">
+              <a:lnSpc>
+                <a:spcPct val="90000"/>
+              </a:lnSpc>
+              <a:spcBef>
+                <a:spcPts val="500"/>
+              </a:spcBef>
+              <a:buFont typeface="Arial" panose="020B0604020202020204" pitchFamily="34" charset="0"/>
+              <a:buChar char="•"/>
+            </a:lvl8pPr>
+            <a:lvl9pPr marL="3886200" indent="-228600" defTabSz="914400" latinLnBrk="1">
+              <a:lnSpc>
+                <a:spcPct val="90000"/>
+              </a:lnSpc>
+              <a:spcBef>
+                <a:spcPts val="500"/>
+              </a:spcBef>
+              <a:buFont typeface="Arial" panose="020B0604020202020204" pitchFamily="34" charset="0"/>
+              <a:buChar char="•"/>
+            </a:lvl9pPr>
+          </a:lstStyle>
+          <a:p>
+            <a:r>
+              <a:rPr lang="en-US" altLang="ko-KR" dirty="0"/>
               <a:t>CTRL+A, CTRL+E</a:t>
             </a:r>
           </a:p>
@@ -8546,7 +9875,7 @@
 </p:sld>
 </file>
 
-<file path=ppt/slides/slide24.xml><?xml version="1.0" encoding="utf-8"?>
+<file path=ppt/slides/slide27.xml><?xml version="1.0" encoding="utf-8"?>
 <p:sld xmlns:a="http://schemas.openxmlformats.org/drawingml/2006/main" xmlns:r="http://schemas.openxmlformats.org/officeDocument/2006/relationships" xmlns:p="http://schemas.openxmlformats.org/presentationml/2006/main">
   <p:cSld>
     <p:spTree>

--- a/git및github첫걸음11-명령어모음.pptx
+++ b/git및github첫걸음11-명령어모음.pptx
@@ -5,7 +5,7 @@
     <p:sldMasterId id="2147483660" r:id="rId1"/>
   </p:sldMasterIdLst>
   <p:notesMasterIdLst>
-    <p:notesMasterId r:id="rId29"/>
+    <p:notesMasterId r:id="rId33"/>
   </p:notesMasterIdLst>
   <p:sldIdLst>
     <p:sldId id="404" r:id="rId2"/>
@@ -20,21 +20,25 @@
     <p:sldId id="489" r:id="rId11"/>
     <p:sldId id="483" r:id="rId12"/>
     <p:sldId id="490" r:id="rId13"/>
-    <p:sldId id="491" r:id="rId14"/>
-    <p:sldId id="485" r:id="rId15"/>
-    <p:sldId id="486" r:id="rId16"/>
-    <p:sldId id="477" r:id="rId17"/>
-    <p:sldId id="484" r:id="rId18"/>
-    <p:sldId id="472" r:id="rId19"/>
-    <p:sldId id="467" r:id="rId20"/>
-    <p:sldId id="474" r:id="rId21"/>
-    <p:sldId id="468" r:id="rId22"/>
-    <p:sldId id="469" r:id="rId23"/>
-    <p:sldId id="470" r:id="rId24"/>
-    <p:sldId id="471" r:id="rId25"/>
-    <p:sldId id="466" r:id="rId26"/>
-    <p:sldId id="475" r:id="rId27"/>
-    <p:sldId id="476" r:id="rId28"/>
+    <p:sldId id="493" r:id="rId14"/>
+    <p:sldId id="492" r:id="rId15"/>
+    <p:sldId id="495" r:id="rId16"/>
+    <p:sldId id="496" r:id="rId17"/>
+    <p:sldId id="494" r:id="rId18"/>
+    <p:sldId id="485" r:id="rId19"/>
+    <p:sldId id="486" r:id="rId20"/>
+    <p:sldId id="477" r:id="rId21"/>
+    <p:sldId id="484" r:id="rId22"/>
+    <p:sldId id="472" r:id="rId23"/>
+    <p:sldId id="467" r:id="rId24"/>
+    <p:sldId id="474" r:id="rId25"/>
+    <p:sldId id="468" r:id="rId26"/>
+    <p:sldId id="469" r:id="rId27"/>
+    <p:sldId id="470" r:id="rId28"/>
+    <p:sldId id="471" r:id="rId29"/>
+    <p:sldId id="466" r:id="rId30"/>
+    <p:sldId id="475" r:id="rId31"/>
+    <p:sldId id="476" r:id="rId32"/>
   </p:sldIdLst>
   <p:sldSz cx="9144000" cy="6858000" type="screen4x3"/>
   <p:notesSz cx="6858000" cy="9144000"/>
@@ -234,7 +238,7 @@
           <a:p>
             <a:fld id="{A17B9194-BDE3-40E3-983E-94CE6FA773AF}" type="datetimeFigureOut">
               <a:rPr lang="ko-KR" altLang="en-US" smtClean="0"/>
-              <a:t>2021-04-22</a:t>
+              <a:t>2021-04-23</a:t>
             </a:fld>
             <a:endParaRPr lang="ko-KR" altLang="en-US"/>
           </a:p>
@@ -827,7 +831,7 @@
     </p:spTree>
     <p:extLst>
       <p:ext uri="{BB962C8B-B14F-4D97-AF65-F5344CB8AC3E}">
-        <p14:creationId xmlns:p14="http://schemas.microsoft.com/office/powerpoint/2010/main" val="3956974205"/>
+        <p14:creationId xmlns:p14="http://schemas.microsoft.com/office/powerpoint/2010/main" val="1054746005"/>
       </p:ext>
     </p:extLst>
   </p:cSld>
@@ -911,7 +915,7 @@
     </p:spTree>
     <p:extLst>
       <p:ext uri="{BB962C8B-B14F-4D97-AF65-F5344CB8AC3E}">
-        <p14:creationId xmlns:p14="http://schemas.microsoft.com/office/powerpoint/2010/main" val="849508684"/>
+        <p14:creationId xmlns:p14="http://schemas.microsoft.com/office/powerpoint/2010/main" val="776041180"/>
       </p:ext>
     </p:extLst>
   </p:cSld>
@@ -995,7 +999,7 @@
     </p:spTree>
     <p:extLst>
       <p:ext uri="{BB962C8B-B14F-4D97-AF65-F5344CB8AC3E}">
-        <p14:creationId xmlns:p14="http://schemas.microsoft.com/office/powerpoint/2010/main" val="2850246114"/>
+        <p14:creationId xmlns:p14="http://schemas.microsoft.com/office/powerpoint/2010/main" val="867011174"/>
       </p:ext>
     </p:extLst>
   </p:cSld>
@@ -1079,7 +1083,7 @@
     </p:spTree>
     <p:extLst>
       <p:ext uri="{BB962C8B-B14F-4D97-AF65-F5344CB8AC3E}">
-        <p14:creationId xmlns:p14="http://schemas.microsoft.com/office/powerpoint/2010/main" val="237887688"/>
+        <p14:creationId xmlns:p14="http://schemas.microsoft.com/office/powerpoint/2010/main" val="3931371393"/>
       </p:ext>
     </p:extLst>
   </p:cSld>
@@ -1163,7 +1167,7 @@
     </p:spTree>
     <p:extLst>
       <p:ext uri="{BB962C8B-B14F-4D97-AF65-F5344CB8AC3E}">
-        <p14:creationId xmlns:p14="http://schemas.microsoft.com/office/powerpoint/2010/main" val="3682766006"/>
+        <p14:creationId xmlns:p14="http://schemas.microsoft.com/office/powerpoint/2010/main" val="3673160808"/>
       </p:ext>
     </p:extLst>
   </p:cSld>
@@ -1247,7 +1251,7 @@
     </p:spTree>
     <p:extLst>
       <p:ext uri="{BB962C8B-B14F-4D97-AF65-F5344CB8AC3E}">
-        <p14:creationId xmlns:p14="http://schemas.microsoft.com/office/powerpoint/2010/main" val="4262342391"/>
+        <p14:creationId xmlns:p14="http://schemas.microsoft.com/office/powerpoint/2010/main" val="849508684"/>
       </p:ext>
     </p:extLst>
   </p:cSld>
@@ -1331,7 +1335,7 @@
     </p:spTree>
     <p:extLst>
       <p:ext uri="{BB962C8B-B14F-4D97-AF65-F5344CB8AC3E}">
-        <p14:creationId xmlns:p14="http://schemas.microsoft.com/office/powerpoint/2010/main" val="2227767980"/>
+        <p14:creationId xmlns:p14="http://schemas.microsoft.com/office/powerpoint/2010/main" val="2850246114"/>
       </p:ext>
     </p:extLst>
   </p:cSld>
@@ -1415,7 +1419,7 @@
     </p:spTree>
     <p:extLst>
       <p:ext uri="{BB962C8B-B14F-4D97-AF65-F5344CB8AC3E}">
-        <p14:creationId xmlns:p14="http://schemas.microsoft.com/office/powerpoint/2010/main" val="3648108459"/>
+        <p14:creationId xmlns:p14="http://schemas.microsoft.com/office/powerpoint/2010/main" val="237887688"/>
       </p:ext>
     </p:extLst>
   </p:cSld>
@@ -1583,7 +1587,7 @@
     </p:spTree>
     <p:extLst>
       <p:ext uri="{BB962C8B-B14F-4D97-AF65-F5344CB8AC3E}">
-        <p14:creationId xmlns:p14="http://schemas.microsoft.com/office/powerpoint/2010/main" val="1506570229"/>
+        <p14:creationId xmlns:p14="http://schemas.microsoft.com/office/powerpoint/2010/main" val="3682766006"/>
       </p:ext>
     </p:extLst>
   </p:cSld>
@@ -1667,7 +1671,7 @@
     </p:spTree>
     <p:extLst>
       <p:ext uri="{BB962C8B-B14F-4D97-AF65-F5344CB8AC3E}">
-        <p14:creationId xmlns:p14="http://schemas.microsoft.com/office/powerpoint/2010/main" val="677538539"/>
+        <p14:creationId xmlns:p14="http://schemas.microsoft.com/office/powerpoint/2010/main" val="4262342391"/>
       </p:ext>
     </p:extLst>
   </p:cSld>
@@ -1751,7 +1755,7 @@
     </p:spTree>
     <p:extLst>
       <p:ext uri="{BB962C8B-B14F-4D97-AF65-F5344CB8AC3E}">
-        <p14:creationId xmlns:p14="http://schemas.microsoft.com/office/powerpoint/2010/main" val="4149077798"/>
+        <p14:creationId xmlns:p14="http://schemas.microsoft.com/office/powerpoint/2010/main" val="2227767980"/>
       </p:ext>
     </p:extLst>
   </p:cSld>
@@ -1835,7 +1839,7 @@
     </p:spTree>
     <p:extLst>
       <p:ext uri="{BB962C8B-B14F-4D97-AF65-F5344CB8AC3E}">
-        <p14:creationId xmlns:p14="http://schemas.microsoft.com/office/powerpoint/2010/main" val="3732054475"/>
+        <p14:creationId xmlns:p14="http://schemas.microsoft.com/office/powerpoint/2010/main" val="3648108459"/>
       </p:ext>
     </p:extLst>
   </p:cSld>
@@ -1919,7 +1923,7 @@
     </p:spTree>
     <p:extLst>
       <p:ext uri="{BB962C8B-B14F-4D97-AF65-F5344CB8AC3E}">
-        <p14:creationId xmlns:p14="http://schemas.microsoft.com/office/powerpoint/2010/main" val="1380875406"/>
+        <p14:creationId xmlns:p14="http://schemas.microsoft.com/office/powerpoint/2010/main" val="1506570229"/>
       </p:ext>
     </p:extLst>
   </p:cSld>
@@ -2003,7 +2007,7 @@
     </p:spTree>
     <p:extLst>
       <p:ext uri="{BB962C8B-B14F-4D97-AF65-F5344CB8AC3E}">
-        <p14:creationId xmlns:p14="http://schemas.microsoft.com/office/powerpoint/2010/main" val="318880274"/>
+        <p14:creationId xmlns:p14="http://schemas.microsoft.com/office/powerpoint/2010/main" val="677538539"/>
       </p:ext>
     </p:extLst>
   </p:cSld>
@@ -2087,7 +2091,259 @@
     </p:spTree>
     <p:extLst>
       <p:ext uri="{BB962C8B-B14F-4D97-AF65-F5344CB8AC3E}">
-        <p14:creationId xmlns:p14="http://schemas.microsoft.com/office/powerpoint/2010/main" val="3179898424"/>
+        <p14:creationId xmlns:p14="http://schemas.microsoft.com/office/powerpoint/2010/main" val="4149077798"/>
+      </p:ext>
+    </p:extLst>
+  </p:cSld>
+  <p:clrMapOvr>
+    <a:masterClrMapping/>
+  </p:clrMapOvr>
+</p:notes>
+</file>
+
+<file path=ppt/notesSlides/notesSlide27.xml><?xml version="1.0" encoding="utf-8"?>
+<p:notes xmlns:a="http://schemas.openxmlformats.org/drawingml/2006/main" xmlns:r="http://schemas.openxmlformats.org/officeDocument/2006/relationships" xmlns:p="http://schemas.openxmlformats.org/presentationml/2006/main">
+  <p:cSld>
+    <p:spTree>
+      <p:nvGrpSpPr>
+        <p:cNvPr id="1" name=""/>
+        <p:cNvGrpSpPr/>
+        <p:nvPr/>
+      </p:nvGrpSpPr>
+      <p:grpSpPr>
+        <a:xfrm>
+          <a:off x="0" y="0"/>
+          <a:ext cx="0" cy="0"/>
+          <a:chOff x="0" y="0"/>
+          <a:chExt cx="0" cy="0"/>
+        </a:xfrm>
+      </p:grpSpPr>
+      <p:sp>
+        <p:nvSpPr>
+          <p:cNvPr id="2" name="슬라이드 이미지 개체 틀 1"/>
+          <p:cNvSpPr>
+            <a:spLocks noGrp="1" noRot="1" noChangeAspect="1"/>
+          </p:cNvSpPr>
+          <p:nvPr>
+            <p:ph type="sldImg"/>
+          </p:nvPr>
+        </p:nvSpPr>
+        <p:spPr/>
+      </p:sp>
+      <p:sp>
+        <p:nvSpPr>
+          <p:cNvPr id="3" name="슬라이드 노트 개체 틀 2"/>
+          <p:cNvSpPr>
+            <a:spLocks noGrp="1"/>
+          </p:cNvSpPr>
+          <p:nvPr>
+            <p:ph type="body" idx="1"/>
+          </p:nvPr>
+        </p:nvSpPr>
+        <p:spPr/>
+        <p:txBody>
+          <a:bodyPr/>
+          <a:lstStyle/>
+          <a:p>
+            <a:endParaRPr lang="ko-KR" altLang="en-US" dirty="0"/>
+          </a:p>
+        </p:txBody>
+      </p:sp>
+      <p:sp>
+        <p:nvSpPr>
+          <p:cNvPr id="4" name="슬라이드 번호 개체 틀 3"/>
+          <p:cNvSpPr>
+            <a:spLocks noGrp="1"/>
+          </p:cNvSpPr>
+          <p:nvPr>
+            <p:ph type="sldNum" sz="quarter" idx="10"/>
+          </p:nvPr>
+        </p:nvSpPr>
+        <p:spPr/>
+        <p:txBody>
+          <a:bodyPr/>
+          <a:lstStyle/>
+          <a:p>
+            <a:fld id="{625D4AC4-540A-4436-887D-BF6A8FCF1275}" type="slidenum">
+              <a:rPr lang="ko-KR" altLang="en-US" smtClean="0"/>
+              <a:t>28</a:t>
+            </a:fld>
+            <a:endParaRPr lang="ko-KR" altLang="en-US"/>
+          </a:p>
+        </p:txBody>
+      </p:sp>
+    </p:spTree>
+    <p:extLst>
+      <p:ext uri="{BB962C8B-B14F-4D97-AF65-F5344CB8AC3E}">
+        <p14:creationId xmlns:p14="http://schemas.microsoft.com/office/powerpoint/2010/main" val="3732054475"/>
+      </p:ext>
+    </p:extLst>
+  </p:cSld>
+  <p:clrMapOvr>
+    <a:masterClrMapping/>
+  </p:clrMapOvr>
+</p:notes>
+</file>
+
+<file path=ppt/notesSlides/notesSlide28.xml><?xml version="1.0" encoding="utf-8"?>
+<p:notes xmlns:a="http://schemas.openxmlformats.org/drawingml/2006/main" xmlns:r="http://schemas.openxmlformats.org/officeDocument/2006/relationships" xmlns:p="http://schemas.openxmlformats.org/presentationml/2006/main">
+  <p:cSld>
+    <p:spTree>
+      <p:nvGrpSpPr>
+        <p:cNvPr id="1" name=""/>
+        <p:cNvGrpSpPr/>
+        <p:nvPr/>
+      </p:nvGrpSpPr>
+      <p:grpSpPr>
+        <a:xfrm>
+          <a:off x="0" y="0"/>
+          <a:ext cx="0" cy="0"/>
+          <a:chOff x="0" y="0"/>
+          <a:chExt cx="0" cy="0"/>
+        </a:xfrm>
+      </p:grpSpPr>
+      <p:sp>
+        <p:nvSpPr>
+          <p:cNvPr id="2" name="슬라이드 이미지 개체 틀 1"/>
+          <p:cNvSpPr>
+            <a:spLocks noGrp="1" noRot="1" noChangeAspect="1"/>
+          </p:cNvSpPr>
+          <p:nvPr>
+            <p:ph type="sldImg"/>
+          </p:nvPr>
+        </p:nvSpPr>
+        <p:spPr/>
+      </p:sp>
+      <p:sp>
+        <p:nvSpPr>
+          <p:cNvPr id="3" name="슬라이드 노트 개체 틀 2"/>
+          <p:cNvSpPr>
+            <a:spLocks noGrp="1"/>
+          </p:cNvSpPr>
+          <p:nvPr>
+            <p:ph type="body" idx="1"/>
+          </p:nvPr>
+        </p:nvSpPr>
+        <p:spPr/>
+        <p:txBody>
+          <a:bodyPr/>
+          <a:lstStyle/>
+          <a:p>
+            <a:endParaRPr lang="ko-KR" altLang="en-US" dirty="0"/>
+          </a:p>
+        </p:txBody>
+      </p:sp>
+      <p:sp>
+        <p:nvSpPr>
+          <p:cNvPr id="4" name="슬라이드 번호 개체 틀 3"/>
+          <p:cNvSpPr>
+            <a:spLocks noGrp="1"/>
+          </p:cNvSpPr>
+          <p:nvPr>
+            <p:ph type="sldNum" sz="quarter" idx="10"/>
+          </p:nvPr>
+        </p:nvSpPr>
+        <p:spPr/>
+        <p:txBody>
+          <a:bodyPr/>
+          <a:lstStyle/>
+          <a:p>
+            <a:fld id="{625D4AC4-540A-4436-887D-BF6A8FCF1275}" type="slidenum">
+              <a:rPr lang="ko-KR" altLang="en-US" smtClean="0"/>
+              <a:t>29</a:t>
+            </a:fld>
+            <a:endParaRPr lang="ko-KR" altLang="en-US"/>
+          </a:p>
+        </p:txBody>
+      </p:sp>
+    </p:spTree>
+    <p:extLst>
+      <p:ext uri="{BB962C8B-B14F-4D97-AF65-F5344CB8AC3E}">
+        <p14:creationId xmlns:p14="http://schemas.microsoft.com/office/powerpoint/2010/main" val="1380875406"/>
+      </p:ext>
+    </p:extLst>
+  </p:cSld>
+  <p:clrMapOvr>
+    <a:masterClrMapping/>
+  </p:clrMapOvr>
+</p:notes>
+</file>
+
+<file path=ppt/notesSlides/notesSlide29.xml><?xml version="1.0" encoding="utf-8"?>
+<p:notes xmlns:a="http://schemas.openxmlformats.org/drawingml/2006/main" xmlns:r="http://schemas.openxmlformats.org/officeDocument/2006/relationships" xmlns:p="http://schemas.openxmlformats.org/presentationml/2006/main">
+  <p:cSld>
+    <p:spTree>
+      <p:nvGrpSpPr>
+        <p:cNvPr id="1" name=""/>
+        <p:cNvGrpSpPr/>
+        <p:nvPr/>
+      </p:nvGrpSpPr>
+      <p:grpSpPr>
+        <a:xfrm>
+          <a:off x="0" y="0"/>
+          <a:ext cx="0" cy="0"/>
+          <a:chOff x="0" y="0"/>
+          <a:chExt cx="0" cy="0"/>
+        </a:xfrm>
+      </p:grpSpPr>
+      <p:sp>
+        <p:nvSpPr>
+          <p:cNvPr id="2" name="슬라이드 이미지 개체 틀 1"/>
+          <p:cNvSpPr>
+            <a:spLocks noGrp="1" noRot="1" noChangeAspect="1"/>
+          </p:cNvSpPr>
+          <p:nvPr>
+            <p:ph type="sldImg"/>
+          </p:nvPr>
+        </p:nvSpPr>
+        <p:spPr/>
+      </p:sp>
+      <p:sp>
+        <p:nvSpPr>
+          <p:cNvPr id="3" name="슬라이드 노트 개체 틀 2"/>
+          <p:cNvSpPr>
+            <a:spLocks noGrp="1"/>
+          </p:cNvSpPr>
+          <p:nvPr>
+            <p:ph type="body" idx="1"/>
+          </p:nvPr>
+        </p:nvSpPr>
+        <p:spPr/>
+        <p:txBody>
+          <a:bodyPr/>
+          <a:lstStyle/>
+          <a:p>
+            <a:endParaRPr lang="ko-KR" altLang="en-US" dirty="0"/>
+          </a:p>
+        </p:txBody>
+      </p:sp>
+      <p:sp>
+        <p:nvSpPr>
+          <p:cNvPr id="4" name="슬라이드 번호 개체 틀 3"/>
+          <p:cNvSpPr>
+            <a:spLocks noGrp="1"/>
+          </p:cNvSpPr>
+          <p:nvPr>
+            <p:ph type="sldNum" sz="quarter" idx="10"/>
+          </p:nvPr>
+        </p:nvSpPr>
+        <p:spPr/>
+        <p:txBody>
+          <a:bodyPr/>
+          <a:lstStyle/>
+          <a:p>
+            <a:fld id="{625D4AC4-540A-4436-887D-BF6A8FCF1275}" type="slidenum">
+              <a:rPr lang="ko-KR" altLang="en-US" smtClean="0"/>
+              <a:t>30</a:t>
+            </a:fld>
+            <a:endParaRPr lang="ko-KR" altLang="en-US"/>
+          </a:p>
+        </p:txBody>
+      </p:sp>
+    </p:spTree>
+    <p:extLst>
+      <p:ext uri="{BB962C8B-B14F-4D97-AF65-F5344CB8AC3E}">
+        <p14:creationId xmlns:p14="http://schemas.microsoft.com/office/powerpoint/2010/main" val="318880274"/>
       </p:ext>
     </p:extLst>
   </p:cSld>
@@ -2172,6 +2428,90 @@
     <p:extLst>
       <p:ext uri="{BB962C8B-B14F-4D97-AF65-F5344CB8AC3E}">
         <p14:creationId xmlns:p14="http://schemas.microsoft.com/office/powerpoint/2010/main" val="189382679"/>
+      </p:ext>
+    </p:extLst>
+  </p:cSld>
+  <p:clrMapOvr>
+    <a:masterClrMapping/>
+  </p:clrMapOvr>
+</p:notes>
+</file>
+
+<file path=ppt/notesSlides/notesSlide30.xml><?xml version="1.0" encoding="utf-8"?>
+<p:notes xmlns:a="http://schemas.openxmlformats.org/drawingml/2006/main" xmlns:r="http://schemas.openxmlformats.org/officeDocument/2006/relationships" xmlns:p="http://schemas.openxmlformats.org/presentationml/2006/main">
+  <p:cSld>
+    <p:spTree>
+      <p:nvGrpSpPr>
+        <p:cNvPr id="1" name=""/>
+        <p:cNvGrpSpPr/>
+        <p:nvPr/>
+      </p:nvGrpSpPr>
+      <p:grpSpPr>
+        <a:xfrm>
+          <a:off x="0" y="0"/>
+          <a:ext cx="0" cy="0"/>
+          <a:chOff x="0" y="0"/>
+          <a:chExt cx="0" cy="0"/>
+        </a:xfrm>
+      </p:grpSpPr>
+      <p:sp>
+        <p:nvSpPr>
+          <p:cNvPr id="2" name="슬라이드 이미지 개체 틀 1"/>
+          <p:cNvSpPr>
+            <a:spLocks noGrp="1" noRot="1" noChangeAspect="1"/>
+          </p:cNvSpPr>
+          <p:nvPr>
+            <p:ph type="sldImg"/>
+          </p:nvPr>
+        </p:nvSpPr>
+        <p:spPr/>
+      </p:sp>
+      <p:sp>
+        <p:nvSpPr>
+          <p:cNvPr id="3" name="슬라이드 노트 개체 틀 2"/>
+          <p:cNvSpPr>
+            <a:spLocks noGrp="1"/>
+          </p:cNvSpPr>
+          <p:nvPr>
+            <p:ph type="body" idx="1"/>
+          </p:nvPr>
+        </p:nvSpPr>
+        <p:spPr/>
+        <p:txBody>
+          <a:bodyPr/>
+          <a:lstStyle/>
+          <a:p>
+            <a:endParaRPr lang="ko-KR" altLang="en-US" dirty="0"/>
+          </a:p>
+        </p:txBody>
+      </p:sp>
+      <p:sp>
+        <p:nvSpPr>
+          <p:cNvPr id="4" name="슬라이드 번호 개체 틀 3"/>
+          <p:cNvSpPr>
+            <a:spLocks noGrp="1"/>
+          </p:cNvSpPr>
+          <p:nvPr>
+            <p:ph type="sldNum" sz="quarter" idx="10"/>
+          </p:nvPr>
+        </p:nvSpPr>
+        <p:spPr/>
+        <p:txBody>
+          <a:bodyPr/>
+          <a:lstStyle/>
+          <a:p>
+            <a:fld id="{625D4AC4-540A-4436-887D-BF6A8FCF1275}" type="slidenum">
+              <a:rPr lang="ko-KR" altLang="en-US" smtClean="0"/>
+              <a:t>31</a:t>
+            </a:fld>
+            <a:endParaRPr lang="ko-KR" altLang="en-US"/>
+          </a:p>
+        </p:txBody>
+      </p:sp>
+    </p:spTree>
+    <p:extLst>
+      <p:ext uri="{BB962C8B-B14F-4D97-AF65-F5344CB8AC3E}">
+        <p14:creationId xmlns:p14="http://schemas.microsoft.com/office/powerpoint/2010/main" val="3179898424"/>
       </p:ext>
     </p:extLst>
   </p:cSld>
@@ -4531,6 +4871,108 @@
                 <a:spcPct val="130000"/>
               </a:lnSpc>
             </a:pPr>
+            <a:r>
+              <a:rPr lang="en-US" altLang="ko-KR" dirty="0"/>
+              <a:t>$ git reset HEAD@{1} or</a:t>
+            </a:r>
+            <a:r>
+              <a:rPr lang="ko-KR" altLang="en-US" dirty="0"/>
+              <a:t> </a:t>
+            </a:r>
+            <a:r>
+              <a:rPr lang="en-US" altLang="ko-KR" dirty="0"/>
+              <a:t>git reset ORIG_HEAD</a:t>
+            </a:r>
+          </a:p>
+          <a:p>
+            <a:pPr lvl="1">
+              <a:lnSpc>
+                <a:spcPct val="130000"/>
+              </a:lnSpc>
+            </a:pPr>
+            <a:r>
+              <a:rPr lang="en-US" altLang="ko-KR" dirty="0"/>
+              <a:t>Reset</a:t>
+            </a:r>
+            <a:r>
+              <a:rPr lang="ko-KR" altLang="en-US" dirty="0"/>
+              <a:t> </a:t>
+            </a:r>
+            <a:r>
+              <a:rPr lang="en-US" altLang="ko-KR" dirty="0"/>
+              <a:t>undo</a:t>
+            </a:r>
+            <a:r>
+              <a:rPr lang="ko-KR" altLang="en-US" dirty="0"/>
+              <a:t>할 경우에 사용</a:t>
+            </a:r>
+            <a:endParaRPr lang="en-US" altLang="ko-KR" dirty="0"/>
+          </a:p>
+          <a:p>
+            <a:pPr lvl="1">
+              <a:lnSpc>
+                <a:spcPct val="130000"/>
+              </a:lnSpc>
+            </a:pPr>
+            <a:r>
+              <a:rPr lang="en-US" altLang="ko-KR" dirty="0"/>
+              <a:t>git </a:t>
+            </a:r>
+            <a:r>
+              <a:rPr lang="en-US" altLang="ko-KR" dirty="0" err="1"/>
+              <a:t>reflog</a:t>
+            </a:r>
+            <a:r>
+              <a:rPr lang="en-US" altLang="ko-KR" dirty="0"/>
+              <a:t> </a:t>
+            </a:r>
+            <a:r>
+              <a:rPr lang="ko-KR" altLang="en-US" dirty="0"/>
+              <a:t>후에 </a:t>
+            </a:r>
+            <a:r>
+              <a:rPr lang="en-US" altLang="ko-KR" dirty="0"/>
+              <a:t>HEAD@{1}  </a:t>
+            </a:r>
+            <a:r>
+              <a:rPr lang="ko-KR" altLang="en-US" dirty="0"/>
+              <a:t>확인</a:t>
+            </a:r>
+            <a:endParaRPr lang="en-US" altLang="ko-KR" dirty="0"/>
+          </a:p>
+          <a:p>
+            <a:pPr lvl="1">
+              <a:lnSpc>
+                <a:spcPct val="130000"/>
+              </a:lnSpc>
+            </a:pPr>
+            <a:r>
+              <a:rPr lang="en-US" altLang="ko-KR" dirty="0"/>
+              <a:t>ORIG_HEAD references the commit that HEAD previously referenced. </a:t>
+            </a:r>
+          </a:p>
+          <a:p>
+            <a:pPr>
+              <a:lnSpc>
+                <a:spcPct val="130000"/>
+              </a:lnSpc>
+            </a:pPr>
+            <a:endParaRPr lang="en-US" altLang="ko-KR" dirty="0"/>
+          </a:p>
+          <a:p>
+            <a:pPr>
+              <a:lnSpc>
+                <a:spcPct val="130000"/>
+              </a:lnSpc>
+            </a:pPr>
+            <a:endParaRPr lang="en-US" altLang="ko-KR" dirty="0"/>
+          </a:p>
+          <a:p>
+            <a:pPr>
+              <a:lnSpc>
+                <a:spcPct val="130000"/>
+              </a:lnSpc>
+            </a:pPr>
             <a:endParaRPr lang="en-US" altLang="ko-KR" dirty="0"/>
           </a:p>
           <a:p>
@@ -4858,55 +5300,18 @@
             </a:r>
           </a:p>
           <a:p>
-            <a:pPr>
-              <a:lnSpc>
-                <a:spcPct val="130000"/>
-              </a:lnSpc>
-            </a:pPr>
-            <a:r>
-              <a:rPr lang="en-US" altLang="ko-KR" dirty="0"/>
-              <a:t>$ git reset { --mixed } A (when A - B - C - D ← HEAD )</a:t>
-            </a:r>
-          </a:p>
-          <a:p>
             <a:pPr lvl="1">
               <a:lnSpc>
                 <a:spcPct val="130000"/>
               </a:lnSpc>
             </a:pPr>
-            <a:r>
-              <a:rPr lang="en-US" altLang="ko-KR" dirty="0"/>
-              <a:t>2. I regret that B, C, and D are not ten commits.</a:t>
-            </a:r>
-          </a:p>
-          <a:p>
-            <a:pPr lvl="1">
-              <a:lnSpc>
-                <a:spcPct val="130000"/>
-              </a:lnSpc>
-            </a:pPr>
-            <a:r>
-              <a:rPr lang="en-US" altLang="ko-KR" dirty="0"/>
-              <a:t>The commits are gone and the index is back at A, but the work area still looks as it did after D. So now I can add-and-commit in a whole different grouping.</a:t>
-            </a:r>
-          </a:p>
-          <a:p>
-            <a:pPr lvl="1">
-              <a:lnSpc>
-                <a:spcPct val="130000"/>
-              </a:lnSpc>
-            </a:pPr>
-            <a:r>
-              <a:rPr lang="en-US" altLang="ko-KR" dirty="0"/>
-              <a:t>If you want to keep all of your changes in the working directory, but change whether and how you commit those changes. </a:t>
-            </a:r>
             <a:r>
               <a:rPr lang="en-US" altLang="ko-KR" dirty="0">
                 <a:solidFill>
                   <a:srgbClr val="0000FF"/>
                 </a:solidFill>
               </a:rPr>
-              <a:t>(Commit </a:t>
+              <a:t>A commit</a:t>
             </a:r>
             <a:r>
               <a:rPr lang="ko-KR" altLang="en-US" dirty="0">
@@ -4914,7 +5319,7 @@
                   <a:srgbClr val="0000FF"/>
                 </a:solidFill>
               </a:rPr>
-              <a:t>을</a:t>
+              <a:t>이후에 모든 </a:t>
             </a:r>
             <a:r>
               <a:rPr lang="en-US" altLang="ko-KR" dirty="0">
@@ -4922,7 +5327,7 @@
                   <a:srgbClr val="0000FF"/>
                 </a:solidFill>
               </a:rPr>
-              <a:t> </a:t>
+              <a:t>commit</a:t>
             </a:r>
             <a:r>
               <a:rPr lang="ko-KR" altLang="en-US" dirty="0">
@@ -4930,7 +5335,55 @@
                   <a:srgbClr val="0000FF"/>
                 </a:solidFill>
               </a:rPr>
-              <a:t>분리하여 세분화하여 </a:t>
+              <a:t>된 파일들이 </a:t>
+            </a:r>
+            <a:r>
+              <a:rPr lang="en-US" altLang="ko-KR" dirty="0">
+                <a:solidFill>
+                  <a:srgbClr val="0000FF"/>
+                </a:solidFill>
+              </a:rPr>
+              <a:t>stage</a:t>
+            </a:r>
+            <a:r>
+              <a:rPr lang="ko-KR" altLang="en-US" dirty="0">
+                <a:solidFill>
+                  <a:srgbClr val="0000FF"/>
+                </a:solidFill>
+              </a:rPr>
+              <a:t>상태로 복귀됨</a:t>
+            </a:r>
+            <a:r>
+              <a:rPr lang="en-US" altLang="ko-KR" dirty="0">
+                <a:solidFill>
+                  <a:srgbClr val="0000FF"/>
+                </a:solidFill>
+              </a:rPr>
+              <a:t>. Git status</a:t>
+            </a:r>
+            <a:r>
+              <a:rPr lang="ko-KR" altLang="en-US" dirty="0">
+                <a:solidFill>
+                  <a:srgbClr val="0000FF"/>
+                </a:solidFill>
+              </a:rPr>
+              <a:t>확인후</a:t>
+            </a:r>
+            <a:r>
+              <a:rPr lang="en-US" altLang="ko-KR" dirty="0">
+                <a:solidFill>
+                  <a:srgbClr val="0000FF"/>
+                </a:solidFill>
+              </a:rPr>
+              <a:t>, </a:t>
+            </a:r>
+            <a:r>
+              <a:rPr lang="ko-KR" altLang="en-US" dirty="0">
+                <a:solidFill>
+                  <a:srgbClr val="0000FF"/>
+                </a:solidFill>
+              </a:rPr>
+              <a:t>원하는 파일들만 모아서 </a:t>
             </a:r>
             <a:r>
               <a:rPr lang="en-US" altLang="ko-KR" dirty="0">
@@ -4946,7 +5399,7 @@
                   <a:srgbClr val="0000FF"/>
                 </a:solidFill>
               </a:rPr>
-              <a:t>할 수 있음</a:t>
+              <a:t>를 수행할 수 있음</a:t>
             </a:r>
             <a:r>
               <a:rPr lang="en-US" altLang="ko-KR" dirty="0">
@@ -4954,41 +5407,65 @@
                   <a:srgbClr val="0000FF"/>
                 </a:solidFill>
               </a:rPr>
-              <a:t>)</a:t>
-            </a:r>
-          </a:p>
-          <a:p>
-            <a:pPr>
-              <a:lnSpc>
-                <a:spcPct val="130000"/>
-              </a:lnSpc>
-            </a:pPr>
-            <a:r>
-              <a:rPr lang="en-US" altLang="ko-KR" dirty="0"/>
-              <a:t>$ git reset --hard A (when A - B - C - D ← HEAD )</a:t>
+              <a:t>. </a:t>
             </a:r>
           </a:p>
           <a:p>
             <a:pPr lvl="1">
               <a:lnSpc>
-                <a:spcPct val="130000"/>
-              </a:lnSpc>
-            </a:pPr>
-            <a:r>
-              <a:rPr lang="en-US" altLang="ko-KR" dirty="0"/>
-              <a:t>Discard all local changes in your working directory</a:t>
-            </a:r>
-          </a:p>
-          <a:p>
-            <a:pPr lvl="1">
-              <a:lnSpc>
-                <a:spcPct val="130000"/>
-              </a:lnSpc>
-            </a:pPr>
-            <a:r>
-              <a:rPr lang="en-US" altLang="ko-KR" dirty="0"/>
-              <a:t>3. I regret that B, C, and D happened on this branch; I wish I had branched after A and they had happened on that other branch.</a:t>
-            </a:r>
+                <a:spcPct val="100000"/>
+              </a:lnSpc>
+            </a:pPr>
+            <a:r>
+              <a:rPr lang="ko-KR" altLang="en-US" sz="1400" dirty="0">
+                <a:solidFill>
+                  <a:prstClr val="black"/>
+                </a:solidFill>
+                <a:latin typeface="Lucida Console" panose="020B0609040504020204" pitchFamily="49" charset="0"/>
+              </a:rPr>
+              <a:t>예</a:t>
+            </a:r>
+            <a:r>
+              <a:rPr lang="en-US" altLang="ko-KR" sz="1400" dirty="0">
+                <a:solidFill>
+                  <a:prstClr val="black"/>
+                </a:solidFill>
+                <a:latin typeface="Lucida Console" panose="020B0609040504020204" pitchFamily="49" charset="0"/>
+              </a:rPr>
+              <a:t>) </a:t>
+            </a:r>
+            <a:r>
+              <a:rPr lang="en-US" altLang="ko-KR" sz="1400" dirty="0">
+                <a:solidFill>
+                  <a:srgbClr val="C00000"/>
+                </a:solidFill>
+                <a:latin typeface="Lucida Console" panose="020B0609040504020204" pitchFamily="49" charset="0"/>
+              </a:rPr>
+              <a:t>$ git log --</a:t>
+            </a:r>
+            <a:r>
+              <a:rPr lang="en-US" altLang="ko-KR" sz="1400" dirty="0" err="1">
+                <a:solidFill>
+                  <a:srgbClr val="C00000"/>
+                </a:solidFill>
+                <a:latin typeface="Lucida Console" panose="020B0609040504020204" pitchFamily="49" charset="0"/>
+              </a:rPr>
+              <a:t>oneline</a:t>
+            </a:r>
+            <a:endParaRPr lang="en-US" altLang="ko-KR" sz="1400" dirty="0">
+              <a:solidFill>
+                <a:srgbClr val="C00000"/>
+              </a:solidFill>
+              <a:latin typeface="Lucida Console" panose="020B0609040504020204" pitchFamily="49" charset="0"/>
+            </a:endParaRPr>
+          </a:p>
+          <a:p>
+            <a:pPr marL="0" indent="0">
+              <a:lnSpc>
+                <a:spcPct val="100000"/>
+              </a:lnSpc>
+              <a:buNone/>
+            </a:pPr>
             <a:endParaRPr lang="en-US" altLang="ko-KR" b="0" dirty="0"/>
           </a:p>
         </p:txBody>
@@ -5074,7 +5551,7 @@
         <p:spPr>
           <a:xfrm>
             <a:off x="341787" y="989917"/>
-            <a:ext cx="8642350" cy="5115155"/>
+            <a:ext cx="8642350" cy="5378226"/>
           </a:xfrm>
           <a:prstGeom prst="rect">
             <a:avLst/>
@@ -5233,212 +5710,418 @@
               <a:rPr lang="en-US" altLang="ko-KR" dirty="0"/>
               <a:t>$ git reset --soft A (when A - B - C - D ← HEAD )</a:t>
             </a:r>
-          </a:p>
-          <a:p>
-            <a:pPr lvl="1">
-              <a:lnSpc>
-                <a:spcPct val="130000"/>
-              </a:lnSpc>
-            </a:pPr>
-            <a:r>
-              <a:rPr lang="en-US" altLang="ko-KR" dirty="0"/>
-              <a:t>1. I regret that B, C, and D are not one commit. </a:t>
-            </a:r>
-          </a:p>
-          <a:p>
-            <a:pPr lvl="1">
-              <a:lnSpc>
-                <a:spcPct val="130000"/>
-              </a:lnSpc>
-            </a:pPr>
-            <a:r>
-              <a:rPr lang="en-US" altLang="ko-KR" dirty="0"/>
-              <a:t>I can now immediately commit and presto, all the changes since A are one commit.</a:t>
-            </a:r>
-          </a:p>
-          <a:p>
-            <a:pPr lvl="1">
-              <a:lnSpc>
-                <a:spcPct val="130000"/>
-              </a:lnSpc>
-            </a:pPr>
-            <a:r>
-              <a:rPr lang="en-US" altLang="ko-KR" dirty="0"/>
-              <a:t>This is a good command to use when you have made a large number of small commits and you would like to regroup them into a single commit. (</a:t>
-            </a:r>
-            <a:r>
-              <a:rPr lang="ko-KR" altLang="en-US" dirty="0">
+            <a:r>
+              <a:rPr lang="en-US" altLang="ko-KR" sz="1400" dirty="0">
                 <a:solidFill>
-                  <a:srgbClr val="0000FF"/>
+                  <a:prstClr val="black"/>
                 </a:solidFill>
+                <a:latin typeface="Lucida Console" panose="020B0609040504020204" pitchFamily="49" charset="0"/>
               </a:rPr>
-              <a:t>여러 개의 </a:t>
-            </a:r>
-            <a:r>
-              <a:rPr lang="en-US" altLang="ko-KR" dirty="0">
+              <a:t> </a:t>
+            </a:r>
+          </a:p>
+          <a:p>
+            <a:pPr marL="266700" lvl="1" indent="179388">
+              <a:lnSpc>
+                <a:spcPct val="130000"/>
+              </a:lnSpc>
+              <a:buNone/>
+            </a:pPr>
+            <a:r>
+              <a:rPr lang="en-US" altLang="ko-KR" sz="1400" dirty="0">
+                <a:latin typeface="Lucida Console" panose="020B0609040504020204" pitchFamily="49" charset="0"/>
+              </a:rPr>
+              <a:t>$ git log --</a:t>
+            </a:r>
+            <a:r>
+              <a:rPr lang="en-US" altLang="ko-KR" sz="1400" dirty="0" err="1">
+                <a:latin typeface="Lucida Console" panose="020B0609040504020204" pitchFamily="49" charset="0"/>
+              </a:rPr>
+              <a:t>oneline</a:t>
+            </a:r>
+            <a:endParaRPr lang="en-US" altLang="ko-KR" sz="1400" dirty="0">
+              <a:latin typeface="Lucida Console" panose="020B0609040504020204" pitchFamily="49" charset="0"/>
+            </a:endParaRPr>
+          </a:p>
+          <a:p>
+            <a:pPr lvl="1" indent="-1588">
+              <a:lnSpc>
+                <a:spcPct val="100000"/>
+              </a:lnSpc>
+              <a:buNone/>
+            </a:pPr>
+            <a:r>
+              <a:rPr lang="en-US" altLang="ko-KR" sz="1400" dirty="0">
+                <a:latin typeface="Lucida Console" panose="020B0609040504020204" pitchFamily="49" charset="0"/>
+              </a:rPr>
+              <a:t>   * f29c9d2 (HEAD -&gt; main) 5</a:t>
+            </a:r>
+          </a:p>
+          <a:p>
+            <a:pPr lvl="1" indent="-1588">
+              <a:lnSpc>
+                <a:spcPct val="100000"/>
+              </a:lnSpc>
+              <a:buNone/>
+            </a:pPr>
+            <a:r>
+              <a:rPr lang="en-US" altLang="ko-KR" sz="1400" dirty="0">
+                <a:latin typeface="Lucida Console" panose="020B0609040504020204" pitchFamily="49" charset="0"/>
+              </a:rPr>
+              <a:t>   * 52364b8 4</a:t>
+            </a:r>
+          </a:p>
+          <a:p>
+            <a:pPr lvl="1" indent="-1588">
+              <a:lnSpc>
+                <a:spcPct val="100000"/>
+              </a:lnSpc>
+              <a:buNone/>
+            </a:pPr>
+            <a:r>
+              <a:rPr lang="en-US" altLang="ko-KR" sz="1400" dirty="0">
+                <a:latin typeface="Lucida Console" panose="020B0609040504020204" pitchFamily="49" charset="0"/>
+              </a:rPr>
+              <a:t>   * 42e6b88 3</a:t>
+            </a:r>
+          </a:p>
+          <a:p>
+            <a:pPr lvl="1" indent="-1588">
+              <a:lnSpc>
+                <a:spcPct val="100000"/>
+              </a:lnSpc>
+              <a:buNone/>
+            </a:pPr>
+            <a:r>
+              <a:rPr lang="en-US" altLang="ko-KR" sz="1400" dirty="0">
+                <a:latin typeface="Lucida Console" panose="020B0609040504020204" pitchFamily="49" charset="0"/>
+              </a:rPr>
+              <a:t>   * f828d90 2</a:t>
+            </a:r>
+          </a:p>
+          <a:p>
+            <a:pPr lvl="1" indent="-1588">
+              <a:lnSpc>
+                <a:spcPct val="100000"/>
+              </a:lnSpc>
+              <a:buNone/>
+            </a:pPr>
+            <a:r>
+              <a:rPr lang="en-US" altLang="ko-KR" sz="1400" dirty="0">
+                <a:latin typeface="Lucida Console" panose="020B0609040504020204" pitchFamily="49" charset="0"/>
+              </a:rPr>
+              <a:t>   * e08e163 1</a:t>
+            </a:r>
+            <a:endParaRPr lang="en-US" altLang="ko-KR" dirty="0"/>
+          </a:p>
+          <a:p>
+            <a:pPr lvl="1" indent="-1588">
+              <a:lnSpc>
+                <a:spcPct val="100000"/>
+              </a:lnSpc>
+              <a:buNone/>
+            </a:pPr>
+            <a:r>
+              <a:rPr lang="en-US" altLang="ko-KR" sz="1400" dirty="0">
+                <a:latin typeface="Lucida Console" panose="020B0609040504020204" pitchFamily="49" charset="0"/>
+              </a:rPr>
+              <a:t>$ git reset --soft </a:t>
+            </a:r>
+            <a:r>
+              <a:rPr lang="en-US" altLang="ko-KR" dirty="0"/>
+              <a:t>f828d90 # commit ‘2’ </a:t>
+            </a:r>
+            <a:r>
+              <a:rPr lang="ko-KR" altLang="en-US" dirty="0"/>
+              <a:t>이후 선정</a:t>
+            </a:r>
+            <a:endParaRPr lang="en-US" altLang="ko-KR" dirty="0"/>
+          </a:p>
+          <a:p>
+            <a:pPr marL="447675" indent="-1588">
+              <a:lnSpc>
+                <a:spcPct val="100000"/>
+              </a:lnSpc>
+              <a:buNone/>
+            </a:pPr>
+            <a:r>
+              <a:rPr lang="en-US" altLang="ko-KR" sz="1400" b="0" dirty="0">
+                <a:latin typeface="Lucida Console" panose="020B0609040504020204" pitchFamily="49" charset="0"/>
+              </a:rPr>
+              <a:t>$ git status</a:t>
+            </a:r>
+          </a:p>
+          <a:p>
+            <a:pPr marL="447675" indent="-1588">
+              <a:lnSpc>
+                <a:spcPct val="100000"/>
+              </a:lnSpc>
+              <a:buNone/>
+            </a:pPr>
+            <a:r>
+              <a:rPr lang="en-US" altLang="ko-KR" sz="1400" b="0" dirty="0">
+                <a:latin typeface="Lucida Console" panose="020B0609040504020204" pitchFamily="49" charset="0"/>
+              </a:rPr>
+              <a:t>On branch main</a:t>
+            </a:r>
+          </a:p>
+          <a:p>
+            <a:pPr marL="447675" indent="-1588">
+              <a:lnSpc>
+                <a:spcPct val="100000"/>
+              </a:lnSpc>
+              <a:buNone/>
+            </a:pPr>
+            <a:r>
+              <a:rPr lang="en-US" altLang="ko-KR" sz="1400" b="0" dirty="0">
+                <a:latin typeface="Lucida Console" panose="020B0609040504020204" pitchFamily="49" charset="0"/>
+              </a:rPr>
+              <a:t>Changes to be committed:</a:t>
+            </a:r>
+          </a:p>
+          <a:p>
+            <a:pPr marL="447675" indent="-1588">
+              <a:lnSpc>
+                <a:spcPct val="100000"/>
+              </a:lnSpc>
+              <a:buNone/>
+            </a:pPr>
+            <a:r>
+              <a:rPr lang="en-US" altLang="ko-KR" sz="1400" b="0" dirty="0">
+                <a:latin typeface="Lucida Console" panose="020B0609040504020204" pitchFamily="49" charset="0"/>
+              </a:rPr>
+              <a:t>  (use "git restore --staged &lt;file&gt;..." to </a:t>
+            </a:r>
+            <a:r>
+              <a:rPr lang="en-US" altLang="ko-KR" sz="1400" b="0" dirty="0" err="1">
+                <a:latin typeface="Lucida Console" panose="020B0609040504020204" pitchFamily="49" charset="0"/>
+              </a:rPr>
+              <a:t>unstage</a:t>
+            </a:r>
+            <a:r>
+              <a:rPr lang="en-US" altLang="ko-KR" sz="1400" b="0" dirty="0">
+                <a:latin typeface="Lucida Console" panose="020B0609040504020204" pitchFamily="49" charset="0"/>
+              </a:rPr>
+              <a:t>)</a:t>
+            </a:r>
+          </a:p>
+          <a:p>
+            <a:pPr marL="447675" indent="-1588">
+              <a:lnSpc>
+                <a:spcPct val="100000"/>
+              </a:lnSpc>
+              <a:buNone/>
+            </a:pPr>
+            <a:r>
+              <a:rPr lang="en-US" altLang="ko-KR" sz="1400" b="0" dirty="0">
                 <a:solidFill>
-                  <a:srgbClr val="0000FF"/>
+                  <a:srgbClr val="1C9F15"/>
                 </a:solidFill>
+                <a:latin typeface="Lucida Console" panose="020B0609040504020204" pitchFamily="49" charset="0"/>
+              </a:rPr>
+              <a:t>        new file:   a3</a:t>
+            </a:r>
+          </a:p>
+          <a:p>
+            <a:pPr marL="447675" indent="-1588">
+              <a:lnSpc>
+                <a:spcPct val="100000"/>
+              </a:lnSpc>
+              <a:buNone/>
+            </a:pPr>
+            <a:r>
+              <a:rPr lang="en-US" altLang="ko-KR" sz="1400" b="0" dirty="0">
+                <a:solidFill>
+                  <a:srgbClr val="1C9F15"/>
+                </a:solidFill>
+                <a:latin typeface="Lucida Console" panose="020B0609040504020204" pitchFamily="49" charset="0"/>
+              </a:rPr>
+              <a:t>        new file:   a4</a:t>
+            </a:r>
+          </a:p>
+          <a:p>
+            <a:pPr marL="447675" indent="-1588">
+              <a:lnSpc>
+                <a:spcPct val="100000"/>
+              </a:lnSpc>
+              <a:buNone/>
+            </a:pPr>
+            <a:r>
+              <a:rPr lang="en-US" altLang="ko-KR" sz="1400" b="0" dirty="0">
+                <a:solidFill>
+                  <a:srgbClr val="1C9F15"/>
+                </a:solidFill>
+                <a:latin typeface="Lucida Console" panose="020B0609040504020204" pitchFamily="49" charset="0"/>
+              </a:rPr>
+              <a:t>        new file:   a5</a:t>
+            </a:r>
+          </a:p>
+          <a:p>
+            <a:pPr marL="447675" indent="-1588">
+              <a:lnSpc>
+                <a:spcPct val="100000"/>
+              </a:lnSpc>
+              <a:buNone/>
+            </a:pPr>
+            <a:r>
+              <a:rPr lang="en-US" altLang="ko-KR" sz="1400" b="0" dirty="0">
+                <a:latin typeface="Lucida Console" panose="020B0609040504020204" pitchFamily="49" charset="0"/>
+              </a:rPr>
+              <a:t>$ git commit a3 a4 -m ‘6’ # a3, a4</a:t>
+            </a:r>
+            <a:r>
+              <a:rPr lang="ko-KR" altLang="en-US" sz="1400" b="0" dirty="0">
+                <a:latin typeface="Lucida Console" panose="020B0609040504020204" pitchFamily="49" charset="0"/>
+              </a:rPr>
+              <a:t>만 모아서 </a:t>
+            </a:r>
+            <a:r>
+              <a:rPr lang="en-US" altLang="ko-KR" sz="1400" b="0" dirty="0">
+                <a:latin typeface="Lucida Console" panose="020B0609040504020204" pitchFamily="49" charset="0"/>
               </a:rPr>
               <a:t>commit</a:t>
             </a:r>
-            <a:r>
-              <a:rPr lang="ko-KR" altLang="en-US" dirty="0">
+          </a:p>
+          <a:p>
+            <a:pPr marL="444500" indent="0">
+              <a:lnSpc>
+                <a:spcPct val="100000"/>
+              </a:lnSpc>
+              <a:buNone/>
+            </a:pPr>
+            <a:r>
+              <a:rPr lang="en-US" altLang="ko-KR" sz="1400" b="0" dirty="0">
+                <a:latin typeface="Lucida Console" panose="020B0609040504020204" pitchFamily="49" charset="0"/>
+              </a:rPr>
+              <a:t>$ git log --</a:t>
+            </a:r>
+            <a:r>
+              <a:rPr lang="en-US" altLang="ko-KR" sz="1400" b="0" dirty="0" err="1">
+                <a:latin typeface="Lucida Console" panose="020B0609040504020204" pitchFamily="49" charset="0"/>
+              </a:rPr>
+              <a:t>oneline</a:t>
+            </a:r>
+            <a:endParaRPr lang="en-US" altLang="ko-KR" sz="1400" b="0" dirty="0">
+              <a:latin typeface="Lucida Console" panose="020B0609040504020204" pitchFamily="49" charset="0"/>
+            </a:endParaRPr>
+          </a:p>
+          <a:p>
+            <a:pPr marL="444500" indent="0">
+              <a:lnSpc>
+                <a:spcPct val="100000"/>
+              </a:lnSpc>
+              <a:buNone/>
+            </a:pPr>
+            <a:r>
+              <a:rPr lang="en-US" altLang="ko-KR" sz="1400" b="0" dirty="0">
+                <a:latin typeface="Lucida Console" panose="020B0609040504020204" pitchFamily="49" charset="0"/>
+              </a:rPr>
+              <a:t>* abe8885 (HEAD -&gt; main) 6</a:t>
+            </a:r>
+          </a:p>
+          <a:p>
+            <a:pPr marL="444500" indent="0">
+              <a:lnSpc>
+                <a:spcPct val="100000"/>
+              </a:lnSpc>
+              <a:buNone/>
+            </a:pPr>
+            <a:r>
+              <a:rPr lang="en-US" altLang="ko-KR" sz="1400" b="0" dirty="0">
+                <a:latin typeface="Lucida Console" panose="020B0609040504020204" pitchFamily="49" charset="0"/>
+              </a:rPr>
+              <a:t>* f828d90 2</a:t>
+            </a:r>
+          </a:p>
+          <a:p>
+            <a:pPr marL="444500" indent="0">
+              <a:lnSpc>
+                <a:spcPct val="100000"/>
+              </a:lnSpc>
+              <a:buNone/>
+            </a:pPr>
+            <a:r>
+              <a:rPr lang="en-US" altLang="ko-KR" sz="1400" b="0" dirty="0">
+                <a:latin typeface="Lucida Console" panose="020B0609040504020204" pitchFamily="49" charset="0"/>
+              </a:rPr>
+              <a:t>* e08e163 1</a:t>
+            </a:r>
+          </a:p>
+          <a:p>
+            <a:pPr marL="444500" lvl="1" indent="0">
+              <a:lnSpc>
+                <a:spcPct val="100000"/>
+              </a:lnSpc>
+              <a:buNone/>
+            </a:pPr>
+            <a:r>
+              <a:rPr lang="en-US" altLang="ko-KR" sz="1400" b="0" dirty="0">
+                <a:latin typeface="Lucida Console" panose="020B0609040504020204" pitchFamily="49" charset="0"/>
+              </a:rPr>
+              <a:t>$ git status</a:t>
+            </a:r>
+            <a:endParaRPr lang="en-US" altLang="ko-KR" sz="1400" dirty="0">
+              <a:latin typeface="Lucida Console" panose="020B0609040504020204" pitchFamily="49" charset="0"/>
+            </a:endParaRPr>
+          </a:p>
+          <a:p>
+            <a:pPr marL="444500" lvl="1" indent="0">
+              <a:lnSpc>
+                <a:spcPct val="100000"/>
+              </a:lnSpc>
+              <a:buNone/>
+            </a:pPr>
+            <a:r>
+              <a:rPr lang="en-US" altLang="ko-KR" sz="1400" dirty="0">
+                <a:latin typeface="Lucida Console" panose="020B0609040504020204" pitchFamily="49" charset="0"/>
+              </a:rPr>
+              <a:t>        </a:t>
+            </a:r>
+            <a:r>
+              <a:rPr lang="en-US" altLang="ko-KR" sz="1400" dirty="0">
                 <a:solidFill>
-                  <a:srgbClr val="0000FF"/>
+                  <a:srgbClr val="1C9F15"/>
                 </a:solidFill>
+                <a:latin typeface="Lucida Console" panose="020B0609040504020204" pitchFamily="49" charset="0"/>
               </a:rPr>
-              <a:t>을 하나로 묶어서 하고자 할 때</a:t>
-            </a:r>
-            <a:r>
-              <a:rPr lang="en-US" altLang="ko-KR" dirty="0">
-                <a:solidFill>
-                  <a:srgbClr val="0000FF"/>
-                </a:solidFill>
+              <a:t>new file:   a5 </a:t>
+            </a:r>
+            <a:r>
+              <a:rPr lang="en-US" altLang="ko-KR" sz="1400" dirty="0">
+                <a:latin typeface="Lucida Console" panose="020B0609040504020204" pitchFamily="49" charset="0"/>
               </a:rPr>
-              <a:t>)</a:t>
-            </a:r>
-          </a:p>
-          <a:p>
-            <a:pPr>
-              <a:lnSpc>
-                <a:spcPct val="130000"/>
-              </a:lnSpc>
-            </a:pPr>
-            <a:r>
-              <a:rPr lang="en-US" altLang="ko-KR" dirty="0"/>
-              <a:t>$ git reset { --mixed } A (when A - B - C - D ← HEAD )</a:t>
-            </a:r>
-          </a:p>
-          <a:p>
-            <a:pPr lvl="1">
-              <a:lnSpc>
-                <a:spcPct val="130000"/>
-              </a:lnSpc>
-            </a:pPr>
-            <a:r>
-              <a:rPr lang="en-US" altLang="ko-KR" dirty="0"/>
-              <a:t>2. I regret that B, C, and D are not ten commits.</a:t>
-            </a:r>
-          </a:p>
-          <a:p>
-            <a:pPr lvl="1">
-              <a:lnSpc>
-                <a:spcPct val="130000"/>
-              </a:lnSpc>
-            </a:pPr>
-            <a:r>
-              <a:rPr lang="en-US" altLang="ko-KR" dirty="0"/>
-              <a:t>The commits are gone and the index is back at A, but the work area still looks as it did after D. So now I can add-and-commit in a whole different grouping.</a:t>
-            </a:r>
-          </a:p>
-          <a:p>
-            <a:pPr lvl="1">
-              <a:lnSpc>
-                <a:spcPct val="130000"/>
-              </a:lnSpc>
-            </a:pPr>
-            <a:r>
-              <a:rPr lang="en-US" altLang="ko-KR" dirty="0"/>
-              <a:t>If you want to keep all of your changes in the working directory, but change whether and how you commit those changes. </a:t>
-            </a:r>
-            <a:r>
-              <a:rPr lang="en-US" altLang="ko-KR" dirty="0">
-                <a:solidFill>
-                  <a:srgbClr val="0000FF"/>
-                </a:solidFill>
+              <a:t># stage</a:t>
+            </a:r>
+            <a:r>
+              <a:rPr lang="ko-KR" altLang="en-US" sz="1400" dirty="0">
+                <a:latin typeface="Lucida Console" panose="020B0609040504020204" pitchFamily="49" charset="0"/>
               </a:rPr>
-              <a:t>(Commit </a:t>
-            </a:r>
-            <a:r>
-              <a:rPr lang="ko-KR" altLang="en-US" dirty="0">
-                <a:solidFill>
-                  <a:srgbClr val="0000FF"/>
-                </a:solidFill>
+              <a:t> 된 상태로 남아 있음</a:t>
+            </a:r>
+            <a:r>
+              <a:rPr lang="en-US" altLang="ko-KR" sz="1400" dirty="0">
+                <a:latin typeface="Lucida Console" panose="020B0609040504020204" pitchFamily="49" charset="0"/>
               </a:rPr>
-              <a:t>을</a:t>
-            </a:r>
-            <a:r>
-              <a:rPr lang="en-US" altLang="ko-KR" dirty="0">
-                <a:solidFill>
-                  <a:srgbClr val="0000FF"/>
-                </a:solidFill>
-              </a:rPr>
-              <a:t> </a:t>
-            </a:r>
-            <a:r>
-              <a:rPr lang="ko-KR" altLang="en-US" dirty="0">
-                <a:solidFill>
-                  <a:srgbClr val="0000FF"/>
-                </a:solidFill>
-              </a:rPr>
-              <a:t>분리하여 세분화하여 </a:t>
-            </a:r>
-            <a:r>
-              <a:rPr lang="en-US" altLang="ko-KR" dirty="0">
-                <a:solidFill>
-                  <a:srgbClr val="0000FF"/>
-                </a:solidFill>
-              </a:rPr>
-              <a:t>commit </a:t>
-            </a:r>
-            <a:r>
-              <a:rPr lang="ko-KR" altLang="en-US" dirty="0">
-                <a:solidFill>
-                  <a:srgbClr val="0000FF"/>
-                </a:solidFill>
-              </a:rPr>
-              <a:t>할 수 있음</a:t>
-            </a:r>
-            <a:r>
-              <a:rPr lang="en-US" altLang="ko-KR" dirty="0">
-                <a:solidFill>
-                  <a:srgbClr val="0000FF"/>
-                </a:solidFill>
-              </a:rPr>
-              <a:t>)</a:t>
-            </a:r>
-          </a:p>
-          <a:p>
-            <a:pPr>
-              <a:lnSpc>
-                <a:spcPct val="130000"/>
-              </a:lnSpc>
-            </a:pPr>
-            <a:r>
-              <a:rPr lang="en-US" altLang="ko-KR" dirty="0"/>
-              <a:t>$ git reset --hard A (when A - B - C - D ← HEAD )</a:t>
-            </a:r>
-          </a:p>
-          <a:p>
-            <a:pPr lvl="1">
-              <a:lnSpc>
-                <a:spcPct val="130000"/>
-              </a:lnSpc>
-            </a:pPr>
-            <a:r>
-              <a:rPr lang="en-US" altLang="ko-KR" dirty="0"/>
-              <a:t>Discard all local changes in your working directory</a:t>
-            </a:r>
-          </a:p>
-          <a:p>
-            <a:pPr lvl="1">
-              <a:lnSpc>
-                <a:spcPct val="130000"/>
-              </a:lnSpc>
-            </a:pPr>
-            <a:r>
-              <a:rPr lang="en-US" altLang="ko-KR" dirty="0"/>
-              <a:t>3. I regret that B, C, and D happened on this branch; I wish I had branched after A and they had happened on that other branch.</a:t>
-            </a:r>
-            <a:endParaRPr lang="en-US" altLang="ko-KR" b="0" dirty="0"/>
+              <a:t>.</a:t>
+            </a:r>
+          </a:p>
+          <a:p>
+            <a:pPr marL="444500" lvl="1" indent="0">
+              <a:lnSpc>
+                <a:spcPct val="100000"/>
+              </a:lnSpc>
+              <a:buNone/>
+            </a:pPr>
+            <a:endParaRPr lang="en-US" altLang="ko-KR" sz="1400" dirty="0">
+              <a:latin typeface="Lucida Console" panose="020B0609040504020204" pitchFamily="49" charset="0"/>
+            </a:endParaRPr>
           </a:p>
         </p:txBody>
       </p:sp>
     </p:spTree>
     <p:extLst>
       <p:ext uri="{BB962C8B-B14F-4D97-AF65-F5344CB8AC3E}">
-        <p14:creationId xmlns:p14="http://schemas.microsoft.com/office/powerpoint/2010/main" val="1764440443"/>
+        <p14:creationId xmlns:p14="http://schemas.microsoft.com/office/powerpoint/2010/main" val="1621935603"/>
       </p:ext>
     </p:extLst>
   </p:cSld>
@@ -5490,9 +6173,12 @@
           <a:p>
             <a:r>
               <a:rPr lang="en-US" altLang="ko-KR" dirty="0"/>
-              <a:t>Version control Best practice (1/2)</a:t>
-            </a:r>
-            <a:endParaRPr lang="ko-KR" altLang="en-US" dirty="0"/>
+              <a:t>UNDO </a:t>
+            </a:r>
+            <a:r>
+              <a:rPr lang="ko-KR" altLang="en-US" dirty="0"/>
+              <a:t>관련</a:t>
+            </a:r>
           </a:p>
         </p:txBody>
       </p:sp>
@@ -5670,7 +6356,7 @@
             </a:pPr>
             <a:r>
               <a:rPr lang="en-US" altLang="ko-KR" dirty="0"/>
-              <a:t>COMMIT RELATED CHANGES </a:t>
+              <a:t>$ git reset { --mixed } A (when A - B - C - D ← HEAD )</a:t>
             </a:r>
           </a:p>
           <a:p>
@@ -5681,18 +6367,7 @@
             </a:pPr>
             <a:r>
               <a:rPr lang="en-US" altLang="ko-KR" dirty="0"/>
-              <a:t>fixing two different bugs should produce two separate commits. Small commits make it easier for other developers to understand the changes and roll them back if something went wrong. </a:t>
-            </a:r>
-          </a:p>
-          <a:p>
-            <a:pPr>
-              <a:lnSpc>
-                <a:spcPct val="130000"/>
-              </a:lnSpc>
-            </a:pPr>
-            <a:r>
-              <a:rPr lang="en-US" altLang="ko-KR" dirty="0"/>
-              <a:t>COMMIT OFTEN </a:t>
+              <a:t>2. I regret that B, C, and D are not ten commits.</a:t>
             </a:r>
           </a:p>
           <a:p>
@@ -5703,7 +6378,7 @@
             </a:pPr>
             <a:r>
               <a:rPr lang="en-US" altLang="ko-KR" dirty="0"/>
-              <a:t>Committing often keeps your commits small and, again, helps you commit only related changes. Moreover, it allows you to share your code more frequently with others. </a:t>
+              <a:t>The commits are gone and the index is back at A, but the work area still looks as it did after D. So now I can add-and-commit in a whole different grouping.</a:t>
             </a:r>
           </a:p>
           <a:p>
@@ -5714,19 +6389,75 @@
             </a:pPr>
             <a:r>
               <a:rPr lang="en-US" altLang="ko-KR" dirty="0"/>
-              <a:t>That way it‘s easier for everyone to integrate changes regularly and avoid having merge conflicts. </a:t>
-            </a:r>
-          </a:p>
-          <a:p>
-            <a:pPr>
-              <a:lnSpc>
-                <a:spcPct val="130000"/>
-              </a:lnSpc>
-            </a:pPr>
-            <a:r>
-              <a:rPr lang="en-US" altLang="ko-KR" dirty="0"/>
-              <a:t>DO NOT COMMIT HALF-DONE WORK </a:t>
-            </a:r>
+              <a:t>If you want to keep all of your changes in the working directory, but change whether and how you commit those changes. </a:t>
+            </a:r>
+            <a:r>
+              <a:rPr lang="en-US" altLang="ko-KR" dirty="0">
+                <a:solidFill>
+                  <a:srgbClr val="0000FF"/>
+                </a:solidFill>
+              </a:rPr>
+              <a:t>(Commit </a:t>
+            </a:r>
+            <a:r>
+              <a:rPr lang="ko-KR" altLang="en-US" dirty="0">
+                <a:solidFill>
+                  <a:srgbClr val="0000FF"/>
+                </a:solidFill>
+              </a:rPr>
+              <a:t>을</a:t>
+            </a:r>
+            <a:r>
+              <a:rPr lang="en-US" altLang="ko-KR" dirty="0">
+                <a:solidFill>
+                  <a:srgbClr val="0000FF"/>
+                </a:solidFill>
+              </a:rPr>
+              <a:t> </a:t>
+            </a:r>
+            <a:r>
+              <a:rPr lang="ko-KR" altLang="en-US" dirty="0">
+                <a:solidFill>
+                  <a:srgbClr val="0000FF"/>
+                </a:solidFill>
+              </a:rPr>
+              <a:t>분리하여 세분화하여 </a:t>
+            </a:r>
+            <a:r>
+              <a:rPr lang="en-US" altLang="ko-KR" dirty="0">
+                <a:solidFill>
+                  <a:srgbClr val="0000FF"/>
+                </a:solidFill>
+              </a:rPr>
+              <a:t>commit </a:t>
+            </a:r>
+            <a:r>
+              <a:rPr lang="ko-KR" altLang="en-US" dirty="0">
+                <a:solidFill>
+                  <a:srgbClr val="0000FF"/>
+                </a:solidFill>
+              </a:rPr>
+              <a:t>할 수 있음</a:t>
+            </a:r>
+            <a:r>
+              <a:rPr lang="en-US" altLang="ko-KR" dirty="0">
+                <a:solidFill>
+                  <a:srgbClr val="0000FF"/>
+                </a:solidFill>
+              </a:rPr>
+              <a:t>)</a:t>
+            </a:r>
+          </a:p>
+          <a:p>
+            <a:pPr marL="266700" lvl="1" indent="0">
+              <a:lnSpc>
+                <a:spcPct val="100000"/>
+              </a:lnSpc>
+              <a:buNone/>
+            </a:pPr>
+            <a:endParaRPr lang="en-US" altLang="ko-KR" sz="1400" dirty="0">
+              <a:latin typeface="Lucida Console" panose="020B0609040504020204" pitchFamily="49" charset="0"/>
+            </a:endParaRPr>
           </a:p>
           <a:p>
             <a:pPr lvl="1">
@@ -5734,74 +6465,18 @@
                 <a:spcPct val="130000"/>
               </a:lnSpc>
             </a:pPr>
-            <a:r>
-              <a:rPr lang="en-US" altLang="ko-KR" dirty="0"/>
-              <a:t>split the feature‘s implementation into logical chunks and remember to commit early and often. </a:t>
-            </a:r>
-          </a:p>
-          <a:p>
-            <a:pPr lvl="1">
-              <a:lnSpc>
-                <a:spcPct val="130000"/>
-              </a:lnSpc>
-            </a:pPr>
-            <a:r>
-              <a:rPr lang="en-US" altLang="ko-KR" dirty="0"/>
-              <a:t>But don‘t commit just to have something in the repository before leaving the office at the end of the day </a:t>
-            </a:r>
-          </a:p>
-          <a:p>
-            <a:pPr>
-              <a:lnSpc>
-                <a:spcPct val="130000"/>
-              </a:lnSpc>
-            </a:pPr>
-            <a:r>
-              <a:rPr lang="en-US" altLang="ko-KR" dirty="0"/>
-              <a:t>TEST CODE BEFORE YOU COMMIT </a:t>
-            </a:r>
-          </a:p>
-          <a:p>
-            <a:pPr lvl="1">
-              <a:lnSpc>
-                <a:spcPct val="130000"/>
-              </a:lnSpc>
-            </a:pPr>
-            <a:r>
-              <a:rPr lang="en-US" altLang="ko-KR" dirty="0"/>
-              <a:t>Test it thoroughly to make sure it really is completed and has no side effects</a:t>
-            </a:r>
-          </a:p>
-          <a:p>
-            <a:pPr lvl="1">
-              <a:lnSpc>
-                <a:spcPct val="130000"/>
-              </a:lnSpc>
-            </a:pPr>
-            <a:endParaRPr lang="en-US" altLang="ko-KR" dirty="0"/>
-          </a:p>
-          <a:p>
-            <a:pPr>
-              <a:lnSpc>
-                <a:spcPct val="130000"/>
-              </a:lnSpc>
-            </a:pPr>
-            <a:endParaRPr lang="en-US" altLang="ko-KR" dirty="0"/>
-          </a:p>
-          <a:p>
-            <a:pPr marL="539750" lvl="1" indent="-184150">
-              <a:lnSpc>
-                <a:spcPct val="130000"/>
-              </a:lnSpc>
-            </a:pPr>
-            <a:endParaRPr lang="en-US" altLang="ko-KR" b="0" dirty="0"/>
+            <a:endParaRPr lang="en-US" altLang="ko-KR" dirty="0">
+              <a:solidFill>
+                <a:srgbClr val="0000FF"/>
+              </a:solidFill>
+            </a:endParaRPr>
           </a:p>
         </p:txBody>
       </p:sp>
     </p:spTree>
     <p:extLst>
       <p:ext uri="{BB962C8B-B14F-4D97-AF65-F5344CB8AC3E}">
-        <p14:creationId xmlns:p14="http://schemas.microsoft.com/office/powerpoint/2010/main" val="311353168"/>
+        <p14:creationId xmlns:p14="http://schemas.microsoft.com/office/powerpoint/2010/main" val="3787093818"/>
       </p:ext>
     </p:extLst>
   </p:cSld>
@@ -5853,9 +6528,12 @@
           <a:p>
             <a:r>
               <a:rPr lang="en-US" altLang="ko-KR" dirty="0"/>
-              <a:t>Version control Best practice (2/2)</a:t>
-            </a:r>
-            <a:endParaRPr lang="ko-KR" altLang="en-US" dirty="0"/>
+              <a:t>UNDO </a:t>
+            </a:r>
+            <a:r>
+              <a:rPr lang="ko-KR" altLang="en-US" dirty="0"/>
+              <a:t>관련</a:t>
+            </a:r>
           </a:p>
         </p:txBody>
       </p:sp>
@@ -6033,30 +6711,406 @@
             </a:pPr>
             <a:r>
               <a:rPr lang="en-US" altLang="ko-KR" dirty="0"/>
-              <a:t>WRITE GOOD COMMIT MESSAGES </a:t>
+              <a:t>$ git reset { --mixed } A (when A - B - C - D ← HEAD )</a:t>
             </a:r>
           </a:p>
           <a:p>
             <a:pPr lvl="1">
               <a:lnSpc>
-                <a:spcPct val="130000"/>
-              </a:lnSpc>
-            </a:pPr>
-            <a:r>
-              <a:rPr lang="en-US" altLang="ko-KR" dirty="0"/>
-              <a:t>Begin your message with a short summary of our changes (up to 50 characters as a guideline). Separate it from the following body by including a blank line. The body of your message should provide detailed answers to the following questions: </a:t>
-            </a:r>
-          </a:p>
-          <a:p>
-            <a:pPr>
-              <a:lnSpc>
-                <a:spcPct val="130000"/>
-              </a:lnSpc>
-            </a:pPr>
-            <a:r>
-              <a:rPr lang="en-US" altLang="ko-KR" dirty="0"/>
-              <a:t>USE BRANCHES </a:t>
-            </a:r>
+                <a:spcPct val="100000"/>
+              </a:lnSpc>
+            </a:pPr>
+            <a:r>
+              <a:rPr lang="ko-KR" altLang="en-US" sz="1600" dirty="0">
+                <a:solidFill>
+                  <a:prstClr val="black"/>
+                </a:solidFill>
+                <a:latin typeface="Lucida Console" panose="020B0609040504020204" pitchFamily="49" charset="0"/>
+              </a:rPr>
+              <a:t>예</a:t>
+            </a:r>
+            <a:r>
+              <a:rPr lang="en-US" altLang="ko-KR" sz="1600" dirty="0">
+                <a:solidFill>
+                  <a:prstClr val="black"/>
+                </a:solidFill>
+                <a:latin typeface="Lucida Console" panose="020B0609040504020204" pitchFamily="49" charset="0"/>
+              </a:rPr>
+              <a:t>)</a:t>
+            </a:r>
+            <a:endParaRPr lang="en-US" altLang="ko-KR" sz="1400" dirty="0">
+              <a:solidFill>
+                <a:srgbClr val="C00000"/>
+              </a:solidFill>
+              <a:latin typeface="Lucida Console" panose="020B0609040504020204" pitchFamily="49" charset="0"/>
+            </a:endParaRPr>
+          </a:p>
+          <a:p>
+            <a:pPr marL="631825" indent="0">
+              <a:lnSpc>
+                <a:spcPct val="100000"/>
+              </a:lnSpc>
+              <a:buNone/>
+            </a:pPr>
+            <a:r>
+              <a:rPr lang="en-US" altLang="ko-KR" sz="1400" b="0" dirty="0">
+                <a:latin typeface="Lucida Console" panose="020B0609040504020204" pitchFamily="49" charset="0"/>
+              </a:rPr>
+              <a:t>$ git log --</a:t>
+            </a:r>
+            <a:r>
+              <a:rPr lang="en-US" altLang="ko-KR" sz="1400" b="0" dirty="0" err="1">
+                <a:latin typeface="Lucida Console" panose="020B0609040504020204" pitchFamily="49" charset="0"/>
+              </a:rPr>
+              <a:t>oneline</a:t>
+            </a:r>
+            <a:endParaRPr lang="en-US" altLang="ko-KR" sz="1400" b="0" dirty="0">
+              <a:latin typeface="Lucida Console" panose="020B0609040504020204" pitchFamily="49" charset="0"/>
+            </a:endParaRPr>
+          </a:p>
+          <a:p>
+            <a:pPr marL="631825" indent="0">
+              <a:lnSpc>
+                <a:spcPct val="100000"/>
+              </a:lnSpc>
+              <a:buNone/>
+            </a:pPr>
+            <a:r>
+              <a:rPr lang="en-US" altLang="ko-KR" sz="1400" b="0" dirty="0">
+                <a:latin typeface="Lucida Console" panose="020B0609040504020204" pitchFamily="49" charset="0"/>
+              </a:rPr>
+              <a:t>* 844213e (HEAD -&gt; main) 5</a:t>
+            </a:r>
+          </a:p>
+          <a:p>
+            <a:pPr marL="631825" indent="0">
+              <a:lnSpc>
+                <a:spcPct val="100000"/>
+              </a:lnSpc>
+              <a:buNone/>
+            </a:pPr>
+            <a:r>
+              <a:rPr lang="en-US" altLang="ko-KR" sz="1400" b="0" dirty="0">
+                <a:latin typeface="Lucida Console" panose="020B0609040504020204" pitchFamily="49" charset="0"/>
+              </a:rPr>
+              <a:t>* 7bb1d65 3</a:t>
+            </a:r>
+          </a:p>
+          <a:p>
+            <a:pPr marL="631825" indent="0">
+              <a:lnSpc>
+                <a:spcPct val="100000"/>
+              </a:lnSpc>
+              <a:buNone/>
+            </a:pPr>
+            <a:r>
+              <a:rPr lang="en-US" altLang="ko-KR" sz="1400" b="0" dirty="0">
+                <a:latin typeface="Lucida Console" panose="020B0609040504020204" pitchFamily="49" charset="0"/>
+              </a:rPr>
+              <a:t>* 532d577 2-modified</a:t>
+            </a:r>
+          </a:p>
+          <a:p>
+            <a:pPr marL="631825" indent="0">
+              <a:lnSpc>
+                <a:spcPct val="100000"/>
+              </a:lnSpc>
+              <a:buNone/>
+            </a:pPr>
+            <a:r>
+              <a:rPr lang="en-US" altLang="ko-KR" sz="1400" b="0" dirty="0">
+                <a:latin typeface="Lucida Console" panose="020B0609040504020204" pitchFamily="49" charset="0"/>
+              </a:rPr>
+              <a:t>* bdeb4c1 2</a:t>
+            </a:r>
+          </a:p>
+          <a:p>
+            <a:pPr marL="631825" indent="0">
+              <a:lnSpc>
+                <a:spcPct val="100000"/>
+              </a:lnSpc>
+              <a:buNone/>
+            </a:pPr>
+            <a:r>
+              <a:rPr lang="en-US" altLang="ko-KR" sz="1400" b="0" dirty="0">
+                <a:latin typeface="Lucida Console" panose="020B0609040504020204" pitchFamily="49" charset="0"/>
+              </a:rPr>
+              <a:t>* e08e163 1</a:t>
+            </a:r>
+          </a:p>
+          <a:p>
+            <a:pPr marL="631825" indent="0">
+              <a:lnSpc>
+                <a:spcPct val="100000"/>
+              </a:lnSpc>
+              <a:buNone/>
+            </a:pPr>
+            <a:r>
+              <a:rPr lang="en-US" altLang="ko-KR" sz="1400" b="0" dirty="0">
+                <a:latin typeface="Lucida Console" panose="020B0609040504020204" pitchFamily="49" charset="0"/>
+              </a:rPr>
+              <a:t>$ git reset --mixed  bdeb4c1 # commit ‘2’ </a:t>
+            </a:r>
+            <a:r>
+              <a:rPr lang="ko-KR" altLang="en-US" sz="1400" b="0" dirty="0">
+                <a:latin typeface="Lucida Console" panose="020B0609040504020204" pitchFamily="49" charset="0"/>
+              </a:rPr>
+              <a:t>이후 선정</a:t>
+            </a:r>
+            <a:endParaRPr lang="en-US" altLang="ko-KR" sz="1400" b="0" dirty="0">
+              <a:latin typeface="Lucida Console" panose="020B0609040504020204" pitchFamily="49" charset="0"/>
+            </a:endParaRPr>
+          </a:p>
+          <a:p>
+            <a:pPr marL="631825" indent="0">
+              <a:lnSpc>
+                <a:spcPct val="100000"/>
+              </a:lnSpc>
+              <a:buNone/>
+            </a:pPr>
+            <a:r>
+              <a:rPr lang="en-US" altLang="ko-KR" sz="1400" b="0" dirty="0">
+                <a:latin typeface="Lucida Console" panose="020B0609040504020204" pitchFamily="49" charset="0"/>
+              </a:rPr>
+              <a:t>   </a:t>
+            </a:r>
+            <a:r>
+              <a:rPr lang="en-US" altLang="ko-KR" sz="1400" b="0" dirty="0" err="1">
+                <a:latin typeface="Lucida Console" panose="020B0609040504020204" pitchFamily="49" charset="0"/>
+              </a:rPr>
+              <a:t>Unstaged</a:t>
+            </a:r>
+            <a:r>
+              <a:rPr lang="en-US" altLang="ko-KR" sz="1400" b="0" dirty="0">
+                <a:latin typeface="Lucida Console" panose="020B0609040504020204" pitchFamily="49" charset="0"/>
+              </a:rPr>
+              <a:t> changes after reset:</a:t>
+            </a:r>
+          </a:p>
+          <a:p>
+            <a:pPr marL="631825" indent="0">
+              <a:lnSpc>
+                <a:spcPct val="100000"/>
+              </a:lnSpc>
+              <a:buNone/>
+            </a:pPr>
+            <a:r>
+              <a:rPr lang="en-US" altLang="ko-KR" sz="1400" b="0" dirty="0">
+                <a:latin typeface="Lucida Console" panose="020B0609040504020204" pitchFamily="49" charset="0"/>
+              </a:rPr>
+              <a:t>   M       a2</a:t>
+            </a:r>
+          </a:p>
+          <a:p>
+            <a:pPr marL="631825" indent="0">
+              <a:lnSpc>
+                <a:spcPct val="100000"/>
+              </a:lnSpc>
+              <a:buNone/>
+            </a:pPr>
+            <a:r>
+              <a:rPr lang="en-US" altLang="ko-KR" sz="1400" b="0" dirty="0">
+                <a:latin typeface="Lucida Console" panose="020B0609040504020204" pitchFamily="49" charset="0"/>
+              </a:rPr>
+              <a:t>$ git status</a:t>
+            </a:r>
+          </a:p>
+          <a:p>
+            <a:pPr marL="631825" indent="0">
+              <a:lnSpc>
+                <a:spcPct val="100000"/>
+              </a:lnSpc>
+              <a:buNone/>
+            </a:pPr>
+            <a:r>
+              <a:rPr lang="en-US" altLang="ko-KR" sz="1400" b="0" dirty="0">
+                <a:latin typeface="Lucida Console" panose="020B0609040504020204" pitchFamily="49" charset="0"/>
+              </a:rPr>
+              <a:t>On branch main</a:t>
+            </a:r>
+          </a:p>
+          <a:p>
+            <a:pPr marL="631825" indent="0">
+              <a:lnSpc>
+                <a:spcPct val="100000"/>
+              </a:lnSpc>
+              <a:buNone/>
+            </a:pPr>
+            <a:r>
+              <a:rPr lang="en-US" altLang="ko-KR" sz="1400" b="0" dirty="0">
+                <a:latin typeface="Lucida Console" panose="020B0609040504020204" pitchFamily="49" charset="0"/>
+              </a:rPr>
+              <a:t>Changes not staged for commit:</a:t>
+            </a:r>
+          </a:p>
+          <a:p>
+            <a:pPr marL="631825" indent="0">
+              <a:lnSpc>
+                <a:spcPct val="100000"/>
+              </a:lnSpc>
+              <a:buNone/>
+            </a:pPr>
+            <a:r>
+              <a:rPr lang="en-US" altLang="ko-KR" sz="1400" b="0" dirty="0">
+                <a:latin typeface="Lucida Console" panose="020B0609040504020204" pitchFamily="49" charset="0"/>
+              </a:rPr>
+              <a:t>  (use "git add &lt;file&gt;..." to update what will be committed)</a:t>
+            </a:r>
+          </a:p>
+          <a:p>
+            <a:pPr marL="631825" indent="0">
+              <a:lnSpc>
+                <a:spcPct val="100000"/>
+              </a:lnSpc>
+              <a:buNone/>
+            </a:pPr>
+            <a:r>
+              <a:rPr lang="en-US" altLang="ko-KR" sz="1400" b="0" dirty="0">
+                <a:latin typeface="Lucida Console" panose="020B0609040504020204" pitchFamily="49" charset="0"/>
+              </a:rPr>
+              <a:t>  (use "git restore &lt;file&gt;..." to discard changes in working directory)</a:t>
+            </a:r>
+          </a:p>
+          <a:p>
+            <a:pPr marL="631825" indent="0">
+              <a:lnSpc>
+                <a:spcPct val="100000"/>
+              </a:lnSpc>
+              <a:buNone/>
+            </a:pPr>
+            <a:r>
+              <a:rPr lang="en-US" altLang="ko-KR" sz="1400" b="0" dirty="0">
+                <a:latin typeface="Lucida Console" panose="020B0609040504020204" pitchFamily="49" charset="0"/>
+              </a:rPr>
+              <a:t>        </a:t>
+            </a:r>
+            <a:r>
+              <a:rPr lang="en-US" altLang="ko-KR" sz="1400" b="0" dirty="0">
+                <a:solidFill>
+                  <a:srgbClr val="FF0000"/>
+                </a:solidFill>
+                <a:latin typeface="Lucida Console" panose="020B0609040504020204" pitchFamily="49" charset="0"/>
+              </a:rPr>
+              <a:t>modified:   a2</a:t>
+            </a:r>
+          </a:p>
+          <a:p>
+            <a:pPr marL="631825" indent="0">
+              <a:lnSpc>
+                <a:spcPct val="100000"/>
+              </a:lnSpc>
+              <a:buNone/>
+            </a:pPr>
+            <a:endParaRPr lang="ko-KR" altLang="en-US" sz="1400" b="0" dirty="0">
+              <a:latin typeface="Lucida Console" panose="020B0609040504020204" pitchFamily="49" charset="0"/>
+            </a:endParaRPr>
+          </a:p>
+          <a:p>
+            <a:pPr marL="631825" indent="0">
+              <a:lnSpc>
+                <a:spcPct val="100000"/>
+              </a:lnSpc>
+              <a:buNone/>
+            </a:pPr>
+            <a:r>
+              <a:rPr lang="en-US" altLang="ko-KR" sz="1400" b="0" dirty="0">
+                <a:latin typeface="Lucida Console" panose="020B0609040504020204" pitchFamily="49" charset="0"/>
+              </a:rPr>
+              <a:t>Untracked files:</a:t>
+            </a:r>
+          </a:p>
+          <a:p>
+            <a:pPr marL="631825" indent="0">
+              <a:lnSpc>
+                <a:spcPct val="100000"/>
+              </a:lnSpc>
+              <a:buNone/>
+            </a:pPr>
+            <a:r>
+              <a:rPr lang="en-US" altLang="ko-KR" sz="1400" b="0" dirty="0">
+                <a:latin typeface="Lucida Console" panose="020B0609040504020204" pitchFamily="49" charset="0"/>
+              </a:rPr>
+              <a:t>  (use "git add &lt;file&gt;..." to include in what will be committed)</a:t>
+            </a:r>
+          </a:p>
+          <a:p>
+            <a:pPr marL="631825" indent="0">
+              <a:lnSpc>
+                <a:spcPct val="100000"/>
+              </a:lnSpc>
+              <a:buNone/>
+            </a:pPr>
+            <a:r>
+              <a:rPr lang="en-US" altLang="ko-KR" sz="1400" b="0" dirty="0">
+                <a:latin typeface="Lucida Console" panose="020B0609040504020204" pitchFamily="49" charset="0"/>
+              </a:rPr>
+              <a:t>        </a:t>
+            </a:r>
+            <a:r>
+              <a:rPr lang="en-US" altLang="ko-KR" sz="1400" b="0" dirty="0">
+                <a:solidFill>
+                  <a:srgbClr val="FF0000"/>
+                </a:solidFill>
+                <a:latin typeface="Lucida Console" panose="020B0609040504020204" pitchFamily="49" charset="0"/>
+              </a:rPr>
+              <a:t>a3</a:t>
+            </a:r>
+          </a:p>
+          <a:p>
+            <a:pPr marL="631825" indent="0">
+              <a:lnSpc>
+                <a:spcPct val="100000"/>
+              </a:lnSpc>
+              <a:buNone/>
+            </a:pPr>
+            <a:r>
+              <a:rPr lang="en-US" altLang="ko-KR" sz="1400" b="0" dirty="0">
+                <a:solidFill>
+                  <a:srgbClr val="FF0000"/>
+                </a:solidFill>
+                <a:latin typeface="Lucida Console" panose="020B0609040504020204" pitchFamily="49" charset="0"/>
+              </a:rPr>
+              <a:t>        a4</a:t>
+            </a:r>
+          </a:p>
+          <a:p>
+            <a:pPr marL="631825" indent="0">
+              <a:lnSpc>
+                <a:spcPct val="100000"/>
+              </a:lnSpc>
+              <a:buNone/>
+            </a:pPr>
+            <a:r>
+              <a:rPr lang="en-US" altLang="ko-KR" sz="1400" b="0" dirty="0">
+                <a:solidFill>
+                  <a:srgbClr val="FF0000"/>
+                </a:solidFill>
+                <a:latin typeface="Lucida Console" panose="020B0609040504020204" pitchFamily="49" charset="0"/>
+              </a:rPr>
+              <a:t>        a5</a:t>
+            </a:r>
+          </a:p>
+          <a:p>
+            <a:pPr marL="0" indent="446088">
+              <a:lnSpc>
+                <a:spcPct val="100000"/>
+              </a:lnSpc>
+              <a:buNone/>
+            </a:pPr>
+            <a:endParaRPr lang="en-US" altLang="ko-KR" sz="1400" b="0" dirty="0">
+              <a:latin typeface="Lucida Console" panose="020B0609040504020204" pitchFamily="49" charset="0"/>
+            </a:endParaRPr>
+          </a:p>
+          <a:p>
+            <a:pPr marL="266700" lvl="1" indent="0">
+              <a:lnSpc>
+                <a:spcPct val="100000"/>
+              </a:lnSpc>
+              <a:buNone/>
+            </a:pPr>
+            <a:endParaRPr lang="en-US" altLang="ko-KR" sz="1400" dirty="0">
+              <a:latin typeface="Lucida Console" panose="020B0609040504020204" pitchFamily="49" charset="0"/>
+            </a:endParaRPr>
           </a:p>
           <a:p>
             <a:pPr lvl="1">
@@ -6064,33 +7118,18 @@
                 <a:spcPct val="130000"/>
               </a:lnSpc>
             </a:pPr>
-            <a:r>
-              <a:rPr lang="en-US" altLang="ko-KR" dirty="0"/>
-              <a:t>Branches are the perfect tool to help you avoid mixing up different lines of development. You should use branches extensively in your development workflows: for new features, bug fixes, ideas…</a:t>
-            </a:r>
-          </a:p>
-          <a:p>
-            <a:pPr>
-              <a:lnSpc>
-                <a:spcPct val="130000"/>
-              </a:lnSpc>
-            </a:pPr>
-            <a:endParaRPr lang="en-US" altLang="ko-KR" dirty="0"/>
-          </a:p>
-          <a:p>
-            <a:pPr marL="539750" lvl="1" indent="-184150">
-              <a:lnSpc>
-                <a:spcPct val="130000"/>
-              </a:lnSpc>
-            </a:pPr>
-            <a:endParaRPr lang="en-US" altLang="ko-KR" b="0" dirty="0"/>
+            <a:endParaRPr lang="en-US" altLang="ko-KR" dirty="0">
+              <a:solidFill>
+                <a:srgbClr val="0000FF"/>
+              </a:solidFill>
+            </a:endParaRPr>
           </a:p>
         </p:txBody>
       </p:sp>
     </p:spTree>
     <p:extLst>
       <p:ext uri="{BB962C8B-B14F-4D97-AF65-F5344CB8AC3E}">
-        <p14:creationId xmlns:p14="http://schemas.microsoft.com/office/powerpoint/2010/main" val="627934812"/>
+        <p14:creationId xmlns:p14="http://schemas.microsoft.com/office/powerpoint/2010/main" val="1095009865"/>
       </p:ext>
     </p:extLst>
   </p:cSld>
@@ -6119,6 +7158,40 @@
       </p:grpSpPr>
       <p:sp>
         <p:nvSpPr>
+          <p:cNvPr id="4" name="제목 3">
+            <a:extLst>
+              <a:ext uri="{FF2B5EF4-FFF2-40B4-BE49-F238E27FC236}">
+                <a16:creationId xmlns:a16="http://schemas.microsoft.com/office/drawing/2014/main" id="{F0CEB32B-CB43-4410-BA08-A97E4BC47FCB}"/>
+              </a:ext>
+            </a:extLst>
+          </p:cNvPr>
+          <p:cNvSpPr>
+            <a:spLocks noGrp="1"/>
+          </p:cNvSpPr>
+          <p:nvPr>
+            <p:ph type="title"/>
+          </p:nvPr>
+        </p:nvSpPr>
+        <p:spPr/>
+        <p:txBody>
+          <a:bodyPr>
+            <a:normAutofit/>
+          </a:bodyPr>
+          <a:lstStyle/>
+          <a:p>
+            <a:r>
+              <a:rPr lang="en-US" altLang="ko-KR" dirty="0"/>
+              <a:t>UNDO </a:t>
+            </a:r>
+            <a:r>
+              <a:rPr lang="ko-KR" altLang="en-US" dirty="0"/>
+              <a:t>관련</a:t>
+            </a:r>
+          </a:p>
+        </p:txBody>
+      </p:sp>
+      <p:sp>
+        <p:nvSpPr>
           <p:cNvPr id="7" name="내용 개체 틀 2">
             <a:extLst>
               <a:ext uri="{FF2B5EF4-FFF2-40B4-BE49-F238E27FC236}">
@@ -6133,7 +7206,7 @@
         </p:nvSpPr>
         <p:spPr>
           <a:xfrm>
-            <a:off x="341787" y="924601"/>
+            <a:off x="341787" y="989917"/>
             <a:ext cx="8642350" cy="5115155"/>
           </a:xfrm>
           <a:prstGeom prst="rect">
@@ -6291,16 +7364,414 @@
             </a:pPr>
             <a:r>
               <a:rPr lang="en-US" altLang="ko-KR" dirty="0"/>
-              <a:t>UNIX command</a:t>
-            </a:r>
-            <a:endParaRPr lang="en-US" altLang="ko-KR" b="0" dirty="0"/>
+              <a:t>$ git reset { --mixed } A (when A - B - C - D ← HEAD )</a:t>
+            </a:r>
+          </a:p>
+          <a:p>
+            <a:pPr lvl="1">
+              <a:lnSpc>
+                <a:spcPct val="100000"/>
+              </a:lnSpc>
+            </a:pPr>
+            <a:r>
+              <a:rPr lang="ko-KR" altLang="en-US" sz="1600" dirty="0">
+                <a:solidFill>
+                  <a:prstClr val="black"/>
+                </a:solidFill>
+                <a:latin typeface="Lucida Console" panose="020B0609040504020204" pitchFamily="49" charset="0"/>
+              </a:rPr>
+              <a:t>예</a:t>
+            </a:r>
+            <a:r>
+              <a:rPr lang="en-US" altLang="ko-KR" sz="1600" dirty="0">
+                <a:solidFill>
+                  <a:prstClr val="black"/>
+                </a:solidFill>
+                <a:latin typeface="Lucida Console" panose="020B0609040504020204" pitchFamily="49" charset="0"/>
+              </a:rPr>
+              <a:t>) </a:t>
+            </a:r>
+          </a:p>
+          <a:p>
+            <a:pPr marL="266700" lvl="1" indent="365125">
+              <a:lnSpc>
+                <a:spcPct val="100000"/>
+              </a:lnSpc>
+              <a:buNone/>
+            </a:pPr>
+            <a:r>
+              <a:rPr lang="en-US" altLang="ko-KR" sz="1400" dirty="0">
+                <a:latin typeface="Lucida Console" panose="020B0609040504020204" pitchFamily="49" charset="0"/>
+              </a:rPr>
+              <a:t>$ git add</a:t>
+            </a:r>
+            <a:r>
+              <a:rPr lang="ko-KR" altLang="en-US" sz="1400" dirty="0">
+                <a:latin typeface="Lucida Console" panose="020B0609040504020204" pitchFamily="49" charset="0"/>
+              </a:rPr>
+              <a:t> </a:t>
+            </a:r>
+            <a:r>
+              <a:rPr lang="en-US" altLang="ko-KR" sz="1400" dirty="0">
+                <a:latin typeface="Lucida Console" panose="020B0609040504020204" pitchFamily="49" charset="0"/>
+              </a:rPr>
+              <a:t>a3</a:t>
+            </a:r>
+          </a:p>
+          <a:p>
+            <a:pPr indent="365125">
+              <a:lnSpc>
+                <a:spcPct val="100000"/>
+              </a:lnSpc>
+              <a:buNone/>
+            </a:pPr>
+            <a:r>
+              <a:rPr lang="en-US" altLang="ko-KR" sz="1400" b="0" dirty="0">
+                <a:latin typeface="Lucida Console" panose="020B0609040504020204" pitchFamily="49" charset="0"/>
+              </a:rPr>
+              <a:t>$ git status On branch main</a:t>
+            </a:r>
+          </a:p>
+          <a:p>
+            <a:pPr indent="365125">
+              <a:lnSpc>
+                <a:spcPct val="100000"/>
+              </a:lnSpc>
+              <a:buNone/>
+            </a:pPr>
+            <a:r>
+              <a:rPr lang="en-US" altLang="ko-KR" sz="1400" b="0" dirty="0">
+                <a:latin typeface="Lucida Console" panose="020B0609040504020204" pitchFamily="49" charset="0"/>
+              </a:rPr>
+              <a:t>Changes to be committed:</a:t>
+            </a:r>
+          </a:p>
+          <a:p>
+            <a:pPr indent="365125">
+              <a:lnSpc>
+                <a:spcPct val="100000"/>
+              </a:lnSpc>
+              <a:buNone/>
+            </a:pPr>
+            <a:r>
+              <a:rPr lang="en-US" altLang="ko-KR" sz="1400" b="0" dirty="0">
+                <a:latin typeface="Lucida Console" panose="020B0609040504020204" pitchFamily="49" charset="0"/>
+              </a:rPr>
+              <a:t>  (use "git restore --staged &lt;file&gt;..." to </a:t>
+            </a:r>
+            <a:r>
+              <a:rPr lang="en-US" altLang="ko-KR" sz="1400" b="0" dirty="0" err="1">
+                <a:latin typeface="Lucida Console" panose="020B0609040504020204" pitchFamily="49" charset="0"/>
+              </a:rPr>
+              <a:t>unstage</a:t>
+            </a:r>
+            <a:r>
+              <a:rPr lang="en-US" altLang="ko-KR" sz="1400" b="0" dirty="0">
+                <a:latin typeface="Lucida Console" panose="020B0609040504020204" pitchFamily="49" charset="0"/>
+              </a:rPr>
+              <a:t>)</a:t>
+            </a:r>
+          </a:p>
+          <a:p>
+            <a:pPr indent="365125">
+              <a:lnSpc>
+                <a:spcPct val="100000"/>
+              </a:lnSpc>
+              <a:buNone/>
+            </a:pPr>
+            <a:r>
+              <a:rPr lang="en-US" altLang="ko-KR" sz="1400" b="0" dirty="0">
+                <a:latin typeface="Lucida Console" panose="020B0609040504020204" pitchFamily="49" charset="0"/>
+              </a:rPr>
+              <a:t>        </a:t>
+            </a:r>
+            <a:r>
+              <a:rPr lang="en-US" altLang="ko-KR" sz="1400" b="0" dirty="0">
+                <a:solidFill>
+                  <a:srgbClr val="1C9F15"/>
+                </a:solidFill>
+                <a:latin typeface="Lucida Console" panose="020B0609040504020204" pitchFamily="49" charset="0"/>
+              </a:rPr>
+              <a:t>new file:   a3</a:t>
+            </a:r>
+          </a:p>
+          <a:p>
+            <a:pPr indent="365125">
+              <a:lnSpc>
+                <a:spcPct val="100000"/>
+              </a:lnSpc>
+              <a:buNone/>
+            </a:pPr>
+            <a:endParaRPr lang="ko-KR" altLang="en-US" sz="1400" b="0" dirty="0">
+              <a:latin typeface="Lucida Console" panose="020B0609040504020204" pitchFamily="49" charset="0"/>
+            </a:endParaRPr>
+          </a:p>
+          <a:p>
+            <a:pPr indent="365125">
+              <a:lnSpc>
+                <a:spcPct val="100000"/>
+              </a:lnSpc>
+              <a:buNone/>
+            </a:pPr>
+            <a:r>
+              <a:rPr lang="en-US" altLang="ko-KR" sz="1400" b="0" dirty="0">
+                <a:latin typeface="Lucida Console" panose="020B0609040504020204" pitchFamily="49" charset="0"/>
+              </a:rPr>
+              <a:t>Changes not staged for commit:</a:t>
+            </a:r>
+          </a:p>
+          <a:p>
+            <a:pPr indent="365125">
+              <a:lnSpc>
+                <a:spcPct val="100000"/>
+              </a:lnSpc>
+              <a:buNone/>
+            </a:pPr>
+            <a:r>
+              <a:rPr lang="en-US" altLang="ko-KR" sz="1400" b="0" dirty="0">
+                <a:latin typeface="Lucida Console" panose="020B0609040504020204" pitchFamily="49" charset="0"/>
+              </a:rPr>
+              <a:t>  (use "git add &lt;file&gt;..." to update what will be committed)</a:t>
+            </a:r>
+          </a:p>
+          <a:p>
+            <a:pPr indent="365125">
+              <a:lnSpc>
+                <a:spcPct val="100000"/>
+              </a:lnSpc>
+              <a:buNone/>
+            </a:pPr>
+            <a:r>
+              <a:rPr lang="en-US" altLang="ko-KR" sz="1400" b="0" dirty="0">
+                <a:latin typeface="Lucida Console" panose="020B0609040504020204" pitchFamily="49" charset="0"/>
+              </a:rPr>
+              <a:t>  (use "git restore &lt;file&gt;..." to discard changes in working directory)</a:t>
+            </a:r>
+          </a:p>
+          <a:p>
+            <a:pPr indent="365125">
+              <a:lnSpc>
+                <a:spcPct val="100000"/>
+              </a:lnSpc>
+              <a:buNone/>
+            </a:pPr>
+            <a:r>
+              <a:rPr lang="en-US" altLang="ko-KR" sz="1400" b="0" dirty="0">
+                <a:latin typeface="Lucida Console" panose="020B0609040504020204" pitchFamily="49" charset="0"/>
+              </a:rPr>
+              <a:t>        </a:t>
+            </a:r>
+            <a:r>
+              <a:rPr lang="en-US" altLang="ko-KR" sz="1400" b="0" dirty="0">
+                <a:solidFill>
+                  <a:srgbClr val="FF0000"/>
+                </a:solidFill>
+                <a:latin typeface="Lucida Console" panose="020B0609040504020204" pitchFamily="49" charset="0"/>
+              </a:rPr>
+              <a:t>modified:   a2</a:t>
+            </a:r>
+          </a:p>
+          <a:p>
+            <a:pPr indent="365125">
+              <a:lnSpc>
+                <a:spcPct val="100000"/>
+              </a:lnSpc>
+              <a:buNone/>
+            </a:pPr>
+            <a:endParaRPr lang="ko-KR" altLang="en-US" sz="1400" b="0" dirty="0">
+              <a:latin typeface="Lucida Console" panose="020B0609040504020204" pitchFamily="49" charset="0"/>
+            </a:endParaRPr>
+          </a:p>
+          <a:p>
+            <a:pPr indent="365125">
+              <a:lnSpc>
+                <a:spcPct val="100000"/>
+              </a:lnSpc>
+              <a:buNone/>
+            </a:pPr>
+            <a:r>
+              <a:rPr lang="en-US" altLang="ko-KR" sz="1400" b="0" dirty="0">
+                <a:latin typeface="Lucida Console" panose="020B0609040504020204" pitchFamily="49" charset="0"/>
+              </a:rPr>
+              <a:t>Untracked files:</a:t>
+            </a:r>
+          </a:p>
+          <a:p>
+            <a:pPr indent="365125">
+              <a:lnSpc>
+                <a:spcPct val="100000"/>
+              </a:lnSpc>
+              <a:buNone/>
+            </a:pPr>
+            <a:r>
+              <a:rPr lang="en-US" altLang="ko-KR" sz="1400" b="0" dirty="0">
+                <a:latin typeface="Lucida Console" panose="020B0609040504020204" pitchFamily="49" charset="0"/>
+              </a:rPr>
+              <a:t>  (use "git add &lt;file&gt;..." to include in what will be committed)</a:t>
+            </a:r>
+          </a:p>
+          <a:p>
+            <a:pPr indent="365125">
+              <a:lnSpc>
+                <a:spcPct val="100000"/>
+              </a:lnSpc>
+              <a:buNone/>
+            </a:pPr>
+            <a:r>
+              <a:rPr lang="en-US" altLang="ko-KR" sz="1400" b="0" dirty="0">
+                <a:latin typeface="Lucida Console" panose="020B0609040504020204" pitchFamily="49" charset="0"/>
+              </a:rPr>
+              <a:t>        </a:t>
+            </a:r>
+            <a:r>
+              <a:rPr lang="en-US" altLang="ko-KR" sz="1400" b="0" dirty="0">
+                <a:solidFill>
+                  <a:srgbClr val="FF0000"/>
+                </a:solidFill>
+                <a:latin typeface="Lucida Console" panose="020B0609040504020204" pitchFamily="49" charset="0"/>
+              </a:rPr>
+              <a:t>a4</a:t>
+            </a:r>
+          </a:p>
+          <a:p>
+            <a:pPr indent="365125">
+              <a:lnSpc>
+                <a:spcPct val="100000"/>
+              </a:lnSpc>
+              <a:buNone/>
+            </a:pPr>
+            <a:r>
+              <a:rPr lang="en-US" altLang="ko-KR" sz="1400" b="0" dirty="0">
+                <a:solidFill>
+                  <a:srgbClr val="FF0000"/>
+                </a:solidFill>
+                <a:latin typeface="Lucida Console" panose="020B0609040504020204" pitchFamily="49" charset="0"/>
+              </a:rPr>
+              <a:t>        a5</a:t>
+            </a:r>
+          </a:p>
+          <a:p>
+            <a:pPr indent="365125">
+              <a:lnSpc>
+                <a:spcPct val="100000"/>
+              </a:lnSpc>
+              <a:buNone/>
+            </a:pPr>
+            <a:r>
+              <a:rPr lang="en-US" altLang="ko-KR" sz="1400" b="0" dirty="0">
+                <a:latin typeface="Lucida Console" panose="020B0609040504020204" pitchFamily="49" charset="0"/>
+              </a:rPr>
+              <a:t>$ git commit –m ‘a2 a3’</a:t>
+            </a:r>
+          </a:p>
+          <a:p>
+            <a:pPr indent="365125">
+              <a:lnSpc>
+                <a:spcPct val="100000"/>
+              </a:lnSpc>
+              <a:buNone/>
+            </a:pPr>
+            <a:r>
+              <a:rPr lang="en-US" altLang="ko-KR" sz="1400" b="0" dirty="0">
+                <a:latin typeface="Lucida Console" panose="020B0609040504020204" pitchFamily="49" charset="0"/>
+              </a:rPr>
+              <a:t>$ git log --</a:t>
+            </a:r>
+            <a:r>
+              <a:rPr lang="en-US" altLang="ko-KR" sz="1400" b="0" dirty="0" err="1">
+                <a:latin typeface="Lucida Console" panose="020B0609040504020204" pitchFamily="49" charset="0"/>
+              </a:rPr>
+              <a:t>oneline</a:t>
+            </a:r>
+            <a:endParaRPr lang="en-US" altLang="ko-KR" sz="1400" b="0" dirty="0">
+              <a:latin typeface="Lucida Console" panose="020B0609040504020204" pitchFamily="49" charset="0"/>
+            </a:endParaRPr>
+          </a:p>
+          <a:p>
+            <a:pPr indent="365125">
+              <a:lnSpc>
+                <a:spcPct val="100000"/>
+              </a:lnSpc>
+              <a:buNone/>
+            </a:pPr>
+            <a:r>
+              <a:rPr lang="en-US" altLang="ko-KR" sz="1400" b="0" dirty="0">
+                <a:latin typeface="Lucida Console" panose="020B0609040504020204" pitchFamily="49" charset="0"/>
+              </a:rPr>
+              <a:t>* b6338a3 (HEAD -&gt; main) a2 a3</a:t>
+            </a:r>
+          </a:p>
+          <a:p>
+            <a:pPr indent="365125">
+              <a:lnSpc>
+                <a:spcPct val="100000"/>
+              </a:lnSpc>
+              <a:buNone/>
+            </a:pPr>
+            <a:r>
+              <a:rPr lang="en-US" altLang="ko-KR" sz="1400" b="0" dirty="0">
+                <a:latin typeface="Lucida Console" panose="020B0609040504020204" pitchFamily="49" charset="0"/>
+              </a:rPr>
+              <a:t>* bdeb4c1 2</a:t>
+            </a:r>
+          </a:p>
+          <a:p>
+            <a:pPr indent="365125">
+              <a:lnSpc>
+                <a:spcPct val="100000"/>
+              </a:lnSpc>
+              <a:buNone/>
+            </a:pPr>
+            <a:r>
+              <a:rPr lang="en-US" altLang="ko-KR" sz="1400" b="0" dirty="0">
+                <a:latin typeface="Lucida Console" panose="020B0609040504020204" pitchFamily="49" charset="0"/>
+              </a:rPr>
+              <a:t>* e08e163 1</a:t>
+            </a:r>
+          </a:p>
+          <a:p>
+            <a:pPr marL="0" indent="631825">
+              <a:lnSpc>
+                <a:spcPct val="100000"/>
+              </a:lnSpc>
+              <a:buNone/>
+            </a:pPr>
+            <a:endParaRPr lang="en-US" altLang="ko-KR" sz="1400" b="0" dirty="0">
+              <a:solidFill>
+                <a:srgbClr val="FF0000"/>
+              </a:solidFill>
+              <a:latin typeface="Lucida Console" panose="020B0609040504020204" pitchFamily="49" charset="0"/>
+            </a:endParaRPr>
+          </a:p>
+          <a:p>
+            <a:pPr marL="266700" lvl="1" indent="0">
+              <a:lnSpc>
+                <a:spcPct val="100000"/>
+              </a:lnSpc>
+              <a:buNone/>
+            </a:pPr>
+            <a:endParaRPr lang="en-US" altLang="ko-KR" sz="1400" dirty="0">
+              <a:latin typeface="Lucida Console" panose="020B0609040504020204" pitchFamily="49" charset="0"/>
+            </a:endParaRPr>
+          </a:p>
+          <a:p>
+            <a:pPr lvl="1">
+              <a:lnSpc>
+                <a:spcPct val="130000"/>
+              </a:lnSpc>
+            </a:pPr>
+            <a:endParaRPr lang="en-US" altLang="ko-KR" dirty="0">
+              <a:solidFill>
+                <a:srgbClr val="0000FF"/>
+              </a:solidFill>
+            </a:endParaRPr>
           </a:p>
         </p:txBody>
       </p:sp>
     </p:spTree>
     <p:extLst>
       <p:ext uri="{BB962C8B-B14F-4D97-AF65-F5344CB8AC3E}">
-        <p14:creationId xmlns:p14="http://schemas.microsoft.com/office/powerpoint/2010/main" val="620309193"/>
+        <p14:creationId xmlns:p14="http://schemas.microsoft.com/office/powerpoint/2010/main" val="1233722734"/>
       </p:ext>
     </p:extLst>
   </p:cSld>
@@ -6345,12 +7816,14 @@
         </p:nvSpPr>
         <p:spPr/>
         <p:txBody>
-          <a:bodyPr/>
+          <a:bodyPr>
+            <a:normAutofit/>
+          </a:bodyPr>
           <a:lstStyle/>
           <a:p>
             <a:r>
               <a:rPr lang="en-US" altLang="ko-KR" dirty="0"/>
-              <a:t>DIRECTORIES </a:t>
+              <a:t>UNDO </a:t>
             </a:r>
             <a:r>
               <a:rPr lang="ko-KR" altLang="en-US" dirty="0"/>
@@ -6375,7 +7848,7 @@
         </p:nvSpPr>
         <p:spPr>
           <a:xfrm>
-            <a:off x="341787" y="924601"/>
+            <a:off x="341787" y="989917"/>
             <a:ext cx="8642350" cy="5115155"/>
           </a:xfrm>
           <a:prstGeom prst="rect">
@@ -6533,153 +8006,38 @@
             </a:pPr>
             <a:r>
               <a:rPr lang="en-US" altLang="ko-KR" dirty="0"/>
-              <a:t>$ </a:t>
-            </a:r>
-            <a:r>
-              <a:rPr lang="en-US" altLang="ko-KR" dirty="0" err="1"/>
-              <a:t>pwd</a:t>
-            </a:r>
-            <a:r>
-              <a:rPr lang="en-US" altLang="ko-KR" dirty="0"/>
-              <a:t> </a:t>
-            </a:r>
-          </a:p>
-          <a:p>
-            <a:pPr marL="539750" lvl="1" indent="-184150">
-              <a:lnSpc>
-                <a:spcPct val="130000"/>
-              </a:lnSpc>
-            </a:pPr>
-            <a:r>
-              <a:rPr lang="en-US" altLang="ko-KR" b="0" dirty="0"/>
-              <a:t>Display path of current working directory </a:t>
-            </a:r>
-            <a:endParaRPr lang="en-US" altLang="ko-KR" dirty="0"/>
-          </a:p>
-          <a:p>
-            <a:pPr>
-              <a:lnSpc>
-                <a:spcPct val="130000"/>
-              </a:lnSpc>
-            </a:pPr>
-            <a:r>
-              <a:rPr lang="en-US" altLang="ko-KR" dirty="0"/>
-              <a:t>$ cd &lt;directory&gt; </a:t>
-            </a:r>
-          </a:p>
-          <a:p>
-            <a:pPr marL="539750" lvl="1" indent="-184150">
-              <a:lnSpc>
-                <a:spcPct val="130000"/>
-              </a:lnSpc>
-            </a:pPr>
-            <a:r>
-              <a:rPr lang="en-US" altLang="ko-KR" b="0" dirty="0"/>
-              <a:t>Change directory to &lt;directory&gt; </a:t>
-            </a:r>
-          </a:p>
-          <a:p>
-            <a:pPr>
-              <a:lnSpc>
-                <a:spcPct val="130000"/>
-              </a:lnSpc>
-            </a:pPr>
-            <a:r>
-              <a:rPr lang="en-US" altLang="ko-KR" dirty="0"/>
-              <a:t>$ cd .. </a:t>
-            </a:r>
-          </a:p>
-          <a:p>
-            <a:pPr marL="539750" lvl="1" indent="-184150">
-              <a:lnSpc>
-                <a:spcPct val="130000"/>
-              </a:lnSpc>
-            </a:pPr>
-            <a:r>
-              <a:rPr lang="en-US" altLang="ko-KR" b="0" dirty="0"/>
-              <a:t>Navigate to parent directory </a:t>
-            </a:r>
-          </a:p>
-          <a:p>
-            <a:pPr>
-              <a:lnSpc>
-                <a:spcPct val="130000"/>
-              </a:lnSpc>
-            </a:pPr>
-            <a:r>
-              <a:rPr lang="en-US" altLang="ko-KR" dirty="0"/>
-              <a:t>$ ls </a:t>
-            </a:r>
-          </a:p>
-          <a:p>
-            <a:pPr marL="539750" lvl="1" indent="-184150">
-              <a:lnSpc>
-                <a:spcPct val="130000"/>
-              </a:lnSpc>
-            </a:pPr>
-            <a:r>
-              <a:rPr lang="en-US" altLang="ko-KR" b="0" dirty="0"/>
-              <a:t>List directory contents </a:t>
-            </a:r>
-          </a:p>
-          <a:p>
-            <a:pPr>
-              <a:lnSpc>
-                <a:spcPct val="130000"/>
-              </a:lnSpc>
-            </a:pPr>
-            <a:r>
-              <a:rPr lang="en-US" altLang="ko-KR" dirty="0"/>
-              <a:t>$ ls -la </a:t>
-            </a:r>
-          </a:p>
-          <a:p>
-            <a:pPr marL="539750" lvl="1" indent="-184150">
-              <a:lnSpc>
-                <a:spcPct val="130000"/>
-              </a:lnSpc>
-            </a:pPr>
-            <a:r>
-              <a:rPr lang="en-US" altLang="ko-KR" b="0" dirty="0"/>
-              <a:t>List detailed directory contents, including hidden files </a:t>
-            </a:r>
-          </a:p>
-          <a:p>
-            <a:pPr>
-              <a:lnSpc>
-                <a:spcPct val="130000"/>
-              </a:lnSpc>
-            </a:pPr>
-            <a:r>
-              <a:rPr lang="en-US" altLang="ko-KR" dirty="0"/>
-              <a:t>$ </a:t>
-            </a:r>
-            <a:r>
-              <a:rPr lang="en-US" altLang="ko-KR" dirty="0" err="1"/>
-              <a:t>mkdir</a:t>
-            </a:r>
-            <a:r>
-              <a:rPr lang="en-US" altLang="ko-KR" dirty="0"/>
-              <a:t> &lt;directory&gt; </a:t>
-            </a:r>
-          </a:p>
-          <a:p>
-            <a:pPr marL="539750" lvl="1" indent="-184150">
-              <a:lnSpc>
-                <a:spcPct val="130000"/>
-              </a:lnSpc>
-            </a:pPr>
-            <a:r>
-              <a:rPr lang="en-US" altLang="ko-KR" b="0" dirty="0"/>
-              <a:t>Create new directory named &lt;directory&gt;</a:t>
-            </a:r>
+              <a:t>$ git reset --hard A (when A - B - C - D ← HEAD )</a:t>
+            </a:r>
+          </a:p>
+          <a:p>
+            <a:pPr lvl="1">
+              <a:lnSpc>
+                <a:spcPct val="130000"/>
+              </a:lnSpc>
+            </a:pPr>
+            <a:r>
+              <a:rPr lang="en-US" altLang="ko-KR" dirty="0"/>
+              <a:t>Discard all local changes in your working directory</a:t>
+            </a:r>
+          </a:p>
+          <a:p>
+            <a:pPr lvl="1">
+              <a:lnSpc>
+                <a:spcPct val="130000"/>
+              </a:lnSpc>
+            </a:pPr>
+            <a:r>
+              <a:rPr lang="en-US" altLang="ko-KR" dirty="0"/>
+              <a:t>3. I regret that B, C, and D happened on this branch; I wish I had branched after A and they had happened on that other branch.</a:t>
+            </a:r>
+            <a:endParaRPr lang="en-US" altLang="ko-KR" b="0" dirty="0"/>
           </a:p>
         </p:txBody>
       </p:sp>
     </p:spTree>
     <p:extLst>
       <p:ext uri="{BB962C8B-B14F-4D97-AF65-F5344CB8AC3E}">
-        <p14:creationId xmlns:p14="http://schemas.microsoft.com/office/powerpoint/2010/main" val="1692796067"/>
+        <p14:creationId xmlns:p14="http://schemas.microsoft.com/office/powerpoint/2010/main" val="2036221962"/>
       </p:ext>
     </p:extLst>
   </p:cSld>
@@ -6724,17 +8082,16 @@
         </p:nvSpPr>
         <p:spPr/>
         <p:txBody>
-          <a:bodyPr/>
+          <a:bodyPr>
+            <a:normAutofit/>
+          </a:bodyPr>
           <a:lstStyle/>
           <a:p>
             <a:r>
               <a:rPr lang="en-US" altLang="ko-KR" dirty="0"/>
-              <a:t>OUTPUT </a:t>
-            </a:r>
-            <a:r>
-              <a:rPr lang="ko-KR" altLang="en-US" dirty="0"/>
-              <a:t>관련</a:t>
-            </a:r>
+              <a:t>Version control Best practice (1/2)</a:t>
+            </a:r>
+            <a:endParaRPr lang="ko-KR" altLang="en-US" dirty="0"/>
           </a:p>
         </p:txBody>
       </p:sp>
@@ -6754,7 +8111,7 @@
         </p:nvSpPr>
         <p:spPr>
           <a:xfrm>
-            <a:off x="341787" y="935485"/>
+            <a:off x="341787" y="989917"/>
             <a:ext cx="8642350" cy="5115155"/>
           </a:xfrm>
           <a:prstGeom prst="rect">
@@ -6912,7 +8269,7 @@
             </a:pPr>
             <a:r>
               <a:rPr lang="en-US" altLang="ko-KR" dirty="0"/>
-              <a:t>$ cat &lt;file&gt; </a:t>
+              <a:t>COMMIT RELATED CHANGES </a:t>
             </a:r>
           </a:p>
           <a:p>
@@ -6923,7 +8280,7 @@
             </a:pPr>
             <a:r>
               <a:rPr lang="en-US" altLang="ko-KR" dirty="0"/>
-              <a:t>Output the contents of &lt;file&gt; </a:t>
+              <a:t>fixing two different bugs should produce two separate commits. Small commits make it easier for other developers to understand the changes and roll them back if something went wrong. </a:t>
             </a:r>
           </a:p>
           <a:p>
@@ -6934,7 +8291,7 @@
             </a:pPr>
             <a:r>
               <a:rPr lang="en-US" altLang="ko-KR" dirty="0"/>
-              <a:t>$ less &lt;file&gt; </a:t>
+              <a:t>COMMIT OFTEN </a:t>
             </a:r>
           </a:p>
           <a:p>
@@ -6945,7 +8302,18 @@
             </a:pPr>
             <a:r>
               <a:rPr lang="en-US" altLang="ko-KR" dirty="0"/>
-              <a:t>Output the contents of &lt;file&gt; using the less command (which supports pagination etc.) </a:t>
+              <a:t>Committing often keeps your commits small and, again, helps you commit only related changes. Moreover, it allows you to share your code more frequently with others. </a:t>
+            </a:r>
+          </a:p>
+          <a:p>
+            <a:pPr lvl="1">
+              <a:lnSpc>
+                <a:spcPct val="130000"/>
+              </a:lnSpc>
+            </a:pPr>
+            <a:r>
+              <a:rPr lang="en-US" altLang="ko-KR" dirty="0"/>
+              <a:t>That way it‘s easier for everyone to integrate changes regularly and avoid having merge conflicts. </a:t>
             </a:r>
           </a:p>
           <a:p>
@@ -6956,7 +8324,7 @@
             </a:pPr>
             <a:r>
               <a:rPr lang="en-US" altLang="ko-KR" dirty="0"/>
-              <a:t>$ head &lt;file&gt; </a:t>
+              <a:t>DO NOT COMMIT HALF-DONE WORK </a:t>
             </a:r>
           </a:p>
           <a:p>
@@ -6967,7 +8335,18 @@
             </a:pPr>
             <a:r>
               <a:rPr lang="en-US" altLang="ko-KR" dirty="0"/>
-              <a:t>Output the first 10 lines of &lt;file&gt; </a:t>
+              <a:t>split the feature‘s implementation into logical chunks and remember to commit early and often. </a:t>
+            </a:r>
+          </a:p>
+          <a:p>
+            <a:pPr lvl="1">
+              <a:lnSpc>
+                <a:spcPct val="130000"/>
+              </a:lnSpc>
+            </a:pPr>
+            <a:r>
+              <a:rPr lang="en-US" altLang="ko-KR" dirty="0"/>
+              <a:t>But don‘t commit just to have something in the repository before leaving the office at the end of the day </a:t>
             </a:r>
           </a:p>
           <a:p>
@@ -6978,15 +8357,7 @@
             </a:pPr>
             <a:r>
               <a:rPr lang="en-US" altLang="ko-KR" dirty="0"/>
-              <a:t>$ &lt;</a:t>
-            </a:r>
-            <a:r>
-              <a:rPr lang="en-US" altLang="ko-KR" dirty="0" err="1"/>
-              <a:t>cmd</a:t>
-            </a:r>
-            <a:r>
-              <a:rPr lang="en-US" altLang="ko-KR" dirty="0"/>
-              <a:t>&gt; &gt; &lt;file&gt; </a:t>
+              <a:t>TEST CODE BEFORE YOU COMMIT </a:t>
             </a:r>
           </a:p>
           <a:p>
@@ -6997,16 +8368,16 @@
             </a:pPr>
             <a:r>
               <a:rPr lang="en-US" altLang="ko-KR" dirty="0"/>
-              <a:t>Direct the output of &lt;</a:t>
-            </a:r>
-            <a:r>
-              <a:rPr lang="en-US" altLang="ko-KR" dirty="0" err="1"/>
-              <a:t>cmd</a:t>
-            </a:r>
-            <a:r>
-              <a:rPr lang="en-US" altLang="ko-KR" dirty="0"/>
-              <a:t>&gt; into &lt;file&gt; </a:t>
-            </a:r>
+              <a:t>Test it thoroughly to make sure it really is completed and has no side effects</a:t>
+            </a:r>
+          </a:p>
+          <a:p>
+            <a:pPr lvl="1">
+              <a:lnSpc>
+                <a:spcPct val="130000"/>
+              </a:lnSpc>
+            </a:pPr>
+            <a:endParaRPr lang="en-US" altLang="ko-KR" dirty="0"/>
           </a:p>
           <a:p>
             <a:pPr>
@@ -7014,91 +8385,22 @@
                 <a:spcPct val="130000"/>
               </a:lnSpc>
             </a:pPr>
-            <a:r>
-              <a:rPr lang="en-US" altLang="ko-KR" dirty="0"/>
-              <a:t>$ &lt;</a:t>
-            </a:r>
-            <a:r>
-              <a:rPr lang="en-US" altLang="ko-KR" dirty="0" err="1"/>
-              <a:t>cmd</a:t>
-            </a:r>
-            <a:r>
-              <a:rPr lang="en-US" altLang="ko-KR" dirty="0"/>
-              <a:t>&gt; &gt;&gt; &lt;file&gt; </a:t>
-            </a:r>
-          </a:p>
-          <a:p>
-            <a:pPr lvl="1">
-              <a:lnSpc>
-                <a:spcPct val="130000"/>
-              </a:lnSpc>
-            </a:pPr>
-            <a:r>
-              <a:rPr lang="en-US" altLang="ko-KR" dirty="0"/>
-              <a:t>Append the output of &lt;</a:t>
-            </a:r>
-            <a:r>
-              <a:rPr lang="en-US" altLang="ko-KR" dirty="0" err="1"/>
-              <a:t>cmd</a:t>
-            </a:r>
-            <a:r>
-              <a:rPr lang="en-US" altLang="ko-KR" dirty="0"/>
-              <a:t>&gt; to &lt;file&gt; </a:t>
-            </a:r>
-          </a:p>
-          <a:p>
-            <a:pPr>
-              <a:lnSpc>
-                <a:spcPct val="130000"/>
-              </a:lnSpc>
-            </a:pPr>
-            <a:r>
-              <a:rPr lang="en-US" altLang="ko-KR" dirty="0"/>
-              <a:t>$ &lt;cmd1&gt; | &lt;cmd2&gt; </a:t>
-            </a:r>
-          </a:p>
-          <a:p>
-            <a:pPr lvl="1">
-              <a:lnSpc>
-                <a:spcPct val="130000"/>
-              </a:lnSpc>
-            </a:pPr>
-            <a:r>
-              <a:rPr lang="en-US" altLang="ko-KR" dirty="0"/>
-              <a:t>Direct the output of &lt;cmd1&gt; to &lt;cmd2&gt; </a:t>
-            </a:r>
-          </a:p>
-          <a:p>
-            <a:pPr>
-              <a:lnSpc>
-                <a:spcPct val="130000"/>
-              </a:lnSpc>
-            </a:pPr>
-            <a:r>
-              <a:rPr lang="en-US" altLang="ko-KR" dirty="0"/>
-              <a:t>$ clear </a:t>
-            </a:r>
-          </a:p>
-          <a:p>
-            <a:pPr lvl="1">
-              <a:lnSpc>
-                <a:spcPct val="130000"/>
-              </a:lnSpc>
-            </a:pPr>
-            <a:r>
-              <a:rPr lang="en-US" altLang="ko-KR" dirty="0"/>
-              <a:t>Clear the command line window</a:t>
-            </a:r>
-            <a:endParaRPr lang="en-US" altLang="ko-KR" dirty="0">
-              <a:latin typeface="+mn-ea"/>
-            </a:endParaRPr>
+            <a:endParaRPr lang="en-US" altLang="ko-KR" dirty="0"/>
+          </a:p>
+          <a:p>
+            <a:pPr marL="539750" lvl="1" indent="-184150">
+              <a:lnSpc>
+                <a:spcPct val="130000"/>
+              </a:lnSpc>
+            </a:pPr>
+            <a:endParaRPr lang="en-US" altLang="ko-KR" b="0" dirty="0"/>
           </a:p>
         </p:txBody>
       </p:sp>
     </p:spTree>
     <p:extLst>
       <p:ext uri="{BB962C8B-B14F-4D97-AF65-F5344CB8AC3E}">
-        <p14:creationId xmlns:p14="http://schemas.microsoft.com/office/powerpoint/2010/main" val="3734573985"/>
+        <p14:creationId xmlns:p14="http://schemas.microsoft.com/office/powerpoint/2010/main" val="311353168"/>
       </p:ext>
     </p:extLst>
   </p:cSld>
@@ -7143,17 +8445,16 @@
         </p:nvSpPr>
         <p:spPr/>
         <p:txBody>
-          <a:bodyPr/>
+          <a:bodyPr>
+            <a:normAutofit/>
+          </a:bodyPr>
           <a:lstStyle/>
           <a:p>
             <a:r>
               <a:rPr lang="en-US" altLang="ko-KR" dirty="0"/>
-              <a:t>Files </a:t>
-            </a:r>
-            <a:r>
-              <a:rPr lang="ko-KR" altLang="en-US" dirty="0"/>
-              <a:t>관련</a:t>
-            </a:r>
+              <a:t>Version control Best practice (2/2)</a:t>
+            </a:r>
+            <a:endParaRPr lang="ko-KR" altLang="en-US" dirty="0"/>
           </a:p>
         </p:txBody>
       </p:sp>
@@ -7173,7 +8474,7 @@
         </p:nvSpPr>
         <p:spPr>
           <a:xfrm>
-            <a:off x="341787" y="913714"/>
+            <a:off x="341787" y="989917"/>
             <a:ext cx="8642350" cy="5115155"/>
           </a:xfrm>
           <a:prstGeom prst="rect">
@@ -7331,7 +8632,7 @@
             </a:pPr>
             <a:r>
               <a:rPr lang="en-US" altLang="ko-KR" dirty="0"/>
-              <a:t>$ rm &lt;file&gt; </a:t>
+              <a:t>WRITE GOOD COMMIT MESSAGES </a:t>
             </a:r>
           </a:p>
           <a:p>
@@ -7342,7 +8643,7 @@
             </a:pPr>
             <a:r>
               <a:rPr lang="en-US" altLang="ko-KR" dirty="0"/>
-              <a:t>Delete &lt;file&gt; </a:t>
+              <a:t>Begin your message with a short summary of our changes (up to 50 characters as a guideline). Separate it from the following body by including a blank line. The body of your message should provide detailed answers to the following questions: </a:t>
             </a:r>
           </a:p>
           <a:p>
@@ -7353,7 +8654,7 @@
             </a:pPr>
             <a:r>
               <a:rPr lang="en-US" altLang="ko-KR" dirty="0"/>
-              <a:t>$ rm -r &lt;directory&gt; </a:t>
+              <a:t>USE BRANCHES </a:t>
             </a:r>
           </a:p>
           <a:p>
@@ -7364,7 +8665,7 @@
             </a:pPr>
             <a:r>
               <a:rPr lang="en-US" altLang="ko-KR" dirty="0"/>
-              <a:t>Delete &lt;directory&gt; </a:t>
+              <a:t>Branches are the perfect tool to help you avoid mixing up different lines of development. You should use branches extensively in your development workflows: for new features, bug fixes, ideas…</a:t>
             </a:r>
           </a:p>
           <a:p>
@@ -7373,75 +8674,22 @@
                 <a:spcPct val="130000"/>
               </a:lnSpc>
             </a:pPr>
-            <a:r>
-              <a:rPr lang="en-US" altLang="ko-KR" dirty="0"/>
-              <a:t>$ rm -f &lt;file&gt; </a:t>
-            </a:r>
-          </a:p>
-          <a:p>
-            <a:pPr lvl="1">
-              <a:lnSpc>
-                <a:spcPct val="130000"/>
-              </a:lnSpc>
-            </a:pPr>
-            <a:r>
-              <a:rPr lang="en-US" altLang="ko-KR" dirty="0"/>
-              <a:t>Force-delete &lt;file&gt; (add -r to force- delete a directory) </a:t>
-            </a:r>
-          </a:p>
-          <a:p>
-            <a:pPr>
-              <a:lnSpc>
-                <a:spcPct val="130000"/>
-              </a:lnSpc>
-            </a:pPr>
-            <a:r>
-              <a:rPr lang="en-US" altLang="ko-KR" dirty="0"/>
-              <a:t>$ mv &lt;file-old&gt; &lt;file-new&gt; </a:t>
-            </a:r>
-          </a:p>
-          <a:p>
-            <a:pPr lvl="1">
-              <a:lnSpc>
-                <a:spcPct val="130000"/>
-              </a:lnSpc>
-            </a:pPr>
-            <a:r>
-              <a:rPr lang="en-US" altLang="ko-KR" dirty="0"/>
-              <a:t>Rename &lt;file-old&gt; to &lt;file-new&gt; </a:t>
-            </a:r>
-          </a:p>
-          <a:p>
-            <a:pPr>
-              <a:lnSpc>
-                <a:spcPct val="130000"/>
-              </a:lnSpc>
-            </a:pPr>
-            <a:r>
-              <a:rPr lang="en-US" altLang="ko-KR" dirty="0"/>
-              <a:t>$ mv &lt;file&gt; &lt;directory&gt; </a:t>
-            </a:r>
-          </a:p>
-          <a:p>
-            <a:pPr lvl="1">
-              <a:lnSpc>
-                <a:spcPct val="130000"/>
-              </a:lnSpc>
-            </a:pPr>
-            <a:r>
-              <a:rPr lang="en-US" altLang="ko-KR" dirty="0"/>
-              <a:t>Move &lt;file&gt; to &lt;directory&gt; (possibly overwriting an existing file)</a:t>
-            </a:r>
-            <a:endParaRPr lang="en-US" altLang="ko-KR" dirty="0">
-              <a:latin typeface="+mn-ea"/>
-            </a:endParaRPr>
+            <a:endParaRPr lang="en-US" altLang="ko-KR" dirty="0"/>
+          </a:p>
+          <a:p>
+            <a:pPr marL="539750" lvl="1" indent="-184150">
+              <a:lnSpc>
+                <a:spcPct val="130000"/>
+              </a:lnSpc>
+            </a:pPr>
+            <a:endParaRPr lang="en-US" altLang="ko-KR" b="0" dirty="0"/>
           </a:p>
         </p:txBody>
       </p:sp>
     </p:spTree>
     <p:extLst>
       <p:ext uri="{BB962C8B-B14F-4D97-AF65-F5344CB8AC3E}">
-        <p14:creationId xmlns:p14="http://schemas.microsoft.com/office/powerpoint/2010/main" val="2549321800"/>
+        <p14:creationId xmlns:p14="http://schemas.microsoft.com/office/powerpoint/2010/main" val="627934812"/>
       </p:ext>
     </p:extLst>
   </p:cSld>
@@ -7732,38 +8980,6 @@
       </p:grpSpPr>
       <p:sp>
         <p:nvSpPr>
-          <p:cNvPr id="4" name="제목 3">
-            <a:extLst>
-              <a:ext uri="{FF2B5EF4-FFF2-40B4-BE49-F238E27FC236}">
-                <a16:creationId xmlns:a16="http://schemas.microsoft.com/office/drawing/2014/main" id="{F0CEB32B-CB43-4410-BA08-A97E4BC47FCB}"/>
-              </a:ext>
-            </a:extLst>
-          </p:cNvPr>
-          <p:cNvSpPr>
-            <a:spLocks noGrp="1"/>
-          </p:cNvSpPr>
-          <p:nvPr>
-            <p:ph type="title"/>
-          </p:nvPr>
-        </p:nvSpPr>
-        <p:spPr/>
-        <p:txBody>
-          <a:bodyPr/>
-          <a:lstStyle/>
-          <a:p>
-            <a:r>
-              <a:rPr lang="en-US" altLang="ko-KR" dirty="0"/>
-              <a:t>Files </a:t>
-            </a:r>
-            <a:r>
-              <a:rPr lang="ko-KR" altLang="en-US" dirty="0"/>
-              <a:t>관련</a:t>
-            </a:r>
-          </a:p>
-        </p:txBody>
-      </p:sp>
-      <p:sp>
-        <p:nvSpPr>
           <p:cNvPr id="7" name="내용 개체 틀 2">
             <a:extLst>
               <a:ext uri="{FF2B5EF4-FFF2-40B4-BE49-F238E27FC236}">
@@ -7778,7 +8994,7 @@
         </p:nvSpPr>
         <p:spPr>
           <a:xfrm>
-            <a:off x="341787" y="913714"/>
+            <a:off x="341787" y="924601"/>
             <a:ext cx="8642350" cy="5115155"/>
           </a:xfrm>
           <a:prstGeom prst="rect">
@@ -7936,73 +9152,16 @@
             </a:pPr>
             <a:r>
               <a:rPr lang="en-US" altLang="ko-KR" dirty="0"/>
-              <a:t>$ cp &lt;file&gt; &lt;directory&gt; </a:t>
-            </a:r>
-          </a:p>
-          <a:p>
-            <a:pPr lvl="1">
-              <a:lnSpc>
-                <a:spcPct val="130000"/>
-              </a:lnSpc>
-            </a:pPr>
-            <a:r>
-              <a:rPr lang="en-US" altLang="ko-KR" dirty="0"/>
-              <a:t>Copy &lt;file&gt; to &lt;directory&gt; (possibly overwriting an existing file) </a:t>
-            </a:r>
-          </a:p>
-          <a:p>
-            <a:pPr>
-              <a:lnSpc>
-                <a:spcPct val="130000"/>
-              </a:lnSpc>
-            </a:pPr>
-            <a:r>
-              <a:rPr lang="en-US" altLang="ko-KR" dirty="0"/>
-              <a:t>$ cp -r &lt;directory1&gt; &lt;directory2&gt; </a:t>
-            </a:r>
-          </a:p>
-          <a:p>
-            <a:pPr lvl="1">
-              <a:lnSpc>
-                <a:spcPct val="130000"/>
-              </a:lnSpc>
-            </a:pPr>
-            <a:r>
-              <a:rPr lang="en-US" altLang="ko-KR" dirty="0"/>
-              <a:t>Copy &lt;directory1&gt; and its contents to &lt;directory2&gt; (possibly overwriting files in an existing directory) </a:t>
-            </a:r>
-          </a:p>
-          <a:p>
-            <a:pPr>
-              <a:lnSpc>
-                <a:spcPct val="130000"/>
-              </a:lnSpc>
-            </a:pPr>
-            <a:r>
-              <a:rPr lang="en-US" altLang="ko-KR" dirty="0"/>
-              <a:t>$ touch &lt;file&gt; </a:t>
-            </a:r>
-          </a:p>
-          <a:p>
-            <a:pPr lvl="1">
-              <a:lnSpc>
-                <a:spcPct val="130000"/>
-              </a:lnSpc>
-            </a:pPr>
-            <a:r>
-              <a:rPr lang="en-US" altLang="ko-KR" dirty="0"/>
-              <a:t>Update file access &amp; modification time (and create &lt;file&gt; if it doesn’t exist)</a:t>
-            </a:r>
-            <a:endParaRPr lang="en-US" altLang="ko-KR" dirty="0">
-              <a:latin typeface="+mn-ea"/>
-            </a:endParaRPr>
+              <a:t>UNIX command</a:t>
+            </a:r>
+            <a:endParaRPr lang="en-US" altLang="ko-KR" b="0" dirty="0"/>
           </a:p>
         </p:txBody>
       </p:sp>
     </p:spTree>
     <p:extLst>
       <p:ext uri="{BB962C8B-B14F-4D97-AF65-F5344CB8AC3E}">
-        <p14:creationId xmlns:p14="http://schemas.microsoft.com/office/powerpoint/2010/main" val="1873598758"/>
+        <p14:creationId xmlns:p14="http://schemas.microsoft.com/office/powerpoint/2010/main" val="620309193"/>
       </p:ext>
     </p:extLst>
   </p:cSld>
@@ -8052,7 +9211,7 @@
           <a:p>
             <a:r>
               <a:rPr lang="en-US" altLang="ko-KR" dirty="0"/>
-              <a:t>PERMISSIONS  </a:t>
+              <a:t>DIRECTORIES </a:t>
             </a:r>
             <a:r>
               <a:rPr lang="ko-KR" altLang="en-US" dirty="0"/>
@@ -8077,7 +9236,7 @@
         </p:nvSpPr>
         <p:spPr>
           <a:xfrm>
-            <a:off x="341787" y="1120544"/>
+            <a:off x="341787" y="924601"/>
             <a:ext cx="8642350" cy="5115155"/>
           </a:xfrm>
           <a:prstGeom prst="rect">
@@ -8228,77 +9387,160 @@
             </a:lvl9pPr>
           </a:lstStyle>
           <a:p>
+            <a:pPr>
+              <a:lnSpc>
+                <a:spcPct val="130000"/>
+              </a:lnSpc>
+            </a:pPr>
             <a:r>
               <a:rPr lang="en-US" altLang="ko-KR" dirty="0"/>
               <a:t>$ </a:t>
             </a:r>
             <a:r>
               <a:rPr lang="en-US" altLang="ko-KR" dirty="0" err="1"/>
-              <a:t>chmod</a:t>
-            </a:r>
-            <a:r>
-              <a:rPr lang="en-US" altLang="ko-KR" dirty="0"/>
-              <a:t> 755 &lt;file&gt; </a:t>
-            </a:r>
-          </a:p>
-          <a:p>
-            <a:pPr lvl="1"/>
-            <a:r>
-              <a:rPr lang="en-US" altLang="ko-KR" dirty="0"/>
-              <a:t>Change permissions of &lt;file&gt; to 755 </a:t>
-            </a:r>
-          </a:p>
-          <a:p>
+              <a:t>pwd</a:t>
+            </a:r>
+            <a:r>
+              <a:rPr lang="en-US" altLang="ko-KR" dirty="0"/>
+              <a:t> </a:t>
+            </a:r>
+          </a:p>
+          <a:p>
+            <a:pPr marL="539750" lvl="1" indent="-184150">
+              <a:lnSpc>
+                <a:spcPct val="130000"/>
+              </a:lnSpc>
+            </a:pPr>
+            <a:r>
+              <a:rPr lang="en-US" altLang="ko-KR" b="0" dirty="0"/>
+              <a:t>Display path of current working directory </a:t>
+            </a:r>
+            <a:endParaRPr lang="en-US" altLang="ko-KR" dirty="0"/>
+          </a:p>
+          <a:p>
+            <a:pPr>
+              <a:lnSpc>
+                <a:spcPct val="130000"/>
+              </a:lnSpc>
+            </a:pPr>
+            <a:r>
+              <a:rPr lang="en-US" altLang="ko-KR" dirty="0"/>
+              <a:t>$ cd &lt;directory&gt; </a:t>
+            </a:r>
+          </a:p>
+          <a:p>
+            <a:pPr marL="539750" lvl="1" indent="-184150">
+              <a:lnSpc>
+                <a:spcPct val="130000"/>
+              </a:lnSpc>
+            </a:pPr>
+            <a:r>
+              <a:rPr lang="en-US" altLang="ko-KR" b="0" dirty="0"/>
+              <a:t>Change directory to &lt;directory&gt; </a:t>
+            </a:r>
+          </a:p>
+          <a:p>
+            <a:pPr>
+              <a:lnSpc>
+                <a:spcPct val="130000"/>
+              </a:lnSpc>
+            </a:pPr>
+            <a:r>
+              <a:rPr lang="en-US" altLang="ko-KR" dirty="0"/>
+              <a:t>$ cd .. </a:t>
+            </a:r>
+          </a:p>
+          <a:p>
+            <a:pPr marL="539750" lvl="1" indent="-184150">
+              <a:lnSpc>
+                <a:spcPct val="130000"/>
+              </a:lnSpc>
+            </a:pPr>
+            <a:r>
+              <a:rPr lang="en-US" altLang="ko-KR" b="0" dirty="0"/>
+              <a:t>Navigate to parent directory </a:t>
+            </a:r>
+          </a:p>
+          <a:p>
+            <a:pPr>
+              <a:lnSpc>
+                <a:spcPct val="130000"/>
+              </a:lnSpc>
+            </a:pPr>
+            <a:r>
+              <a:rPr lang="en-US" altLang="ko-KR" dirty="0"/>
+              <a:t>$ ls </a:t>
+            </a:r>
+          </a:p>
+          <a:p>
+            <a:pPr marL="539750" lvl="1" indent="-184150">
+              <a:lnSpc>
+                <a:spcPct val="130000"/>
+              </a:lnSpc>
+            </a:pPr>
+            <a:r>
+              <a:rPr lang="en-US" altLang="ko-KR" b="0" dirty="0"/>
+              <a:t>List directory contents </a:t>
+            </a:r>
+          </a:p>
+          <a:p>
+            <a:pPr>
+              <a:lnSpc>
+                <a:spcPct val="130000"/>
+              </a:lnSpc>
+            </a:pPr>
+            <a:r>
+              <a:rPr lang="en-US" altLang="ko-KR" dirty="0"/>
+              <a:t>$ ls -la </a:t>
+            </a:r>
+          </a:p>
+          <a:p>
+            <a:pPr marL="539750" lvl="1" indent="-184150">
+              <a:lnSpc>
+                <a:spcPct val="130000"/>
+              </a:lnSpc>
+            </a:pPr>
+            <a:r>
+              <a:rPr lang="en-US" altLang="ko-KR" b="0" dirty="0"/>
+              <a:t>List detailed directory contents, including hidden files </a:t>
+            </a:r>
+          </a:p>
+          <a:p>
+            <a:pPr>
+              <a:lnSpc>
+                <a:spcPct val="130000"/>
+              </a:lnSpc>
+            </a:pPr>
             <a:r>
               <a:rPr lang="en-US" altLang="ko-KR" dirty="0"/>
               <a:t>$ </a:t>
             </a:r>
             <a:r>
               <a:rPr lang="en-US" altLang="ko-KR" dirty="0" err="1"/>
-              <a:t>chmod</a:t>
-            </a:r>
-            <a:r>
-              <a:rPr lang="en-US" altLang="ko-KR" dirty="0"/>
-              <a:t> -R 600 &lt;directory&gt; </a:t>
-            </a:r>
-          </a:p>
-          <a:p>
-            <a:pPr lvl="1"/>
-            <a:r>
-              <a:rPr lang="en-US" altLang="ko-KR" dirty="0"/>
-              <a:t>Change permissions of &lt;directory&gt; (and its contents) to 600 </a:t>
-            </a:r>
-          </a:p>
-          <a:p>
-            <a:r>
-              <a:rPr lang="en-US" altLang="ko-KR" dirty="0"/>
-              <a:t>$ </a:t>
-            </a:r>
-            <a:r>
-              <a:rPr lang="en-US" altLang="ko-KR" dirty="0" err="1"/>
-              <a:t>chown</a:t>
-            </a:r>
-            <a:r>
-              <a:rPr lang="en-US" altLang="ko-KR" dirty="0"/>
-              <a:t> &lt;user&gt;:&lt;group&gt; &lt;file&gt; </a:t>
-            </a:r>
-          </a:p>
-          <a:p>
-            <a:pPr lvl="1"/>
-            <a:r>
-              <a:rPr lang="en-US" altLang="ko-KR" dirty="0"/>
-              <a:t>Change ownership of &lt;file&gt; to &lt;user&gt;  and &lt;group&gt; (add -R to include a directory’s contents)</a:t>
-            </a:r>
-            <a:endParaRPr lang="en-US" altLang="ko-KR" dirty="0">
-              <a:latin typeface="+mn-ea"/>
-            </a:endParaRPr>
+              <a:t>mkdir</a:t>
+            </a:r>
+            <a:r>
+              <a:rPr lang="en-US" altLang="ko-KR" dirty="0"/>
+              <a:t> &lt;directory&gt; </a:t>
+            </a:r>
+          </a:p>
+          <a:p>
+            <a:pPr marL="539750" lvl="1" indent="-184150">
+              <a:lnSpc>
+                <a:spcPct val="130000"/>
+              </a:lnSpc>
+            </a:pPr>
+            <a:r>
+              <a:rPr lang="en-US" altLang="ko-KR" b="0" dirty="0"/>
+              <a:t>Create new directory named &lt;directory&gt;</a:t>
+            </a:r>
           </a:p>
         </p:txBody>
       </p:sp>
     </p:spTree>
     <p:extLst>
       <p:ext uri="{BB962C8B-B14F-4D97-AF65-F5344CB8AC3E}">
-        <p14:creationId xmlns:p14="http://schemas.microsoft.com/office/powerpoint/2010/main" val="1660894449"/>
+        <p14:creationId xmlns:p14="http://schemas.microsoft.com/office/powerpoint/2010/main" val="1692796067"/>
       </p:ext>
     </p:extLst>
   </p:cSld>
@@ -8348,7 +9590,7 @@
           <a:p>
             <a:r>
               <a:rPr lang="en-US" altLang="ko-KR" dirty="0"/>
-              <a:t>SEARCH  </a:t>
+              <a:t>OUTPUT </a:t>
             </a:r>
             <a:r>
               <a:rPr lang="ko-KR" altLang="en-US" dirty="0"/>
@@ -8373,7 +9615,7 @@
         </p:nvSpPr>
         <p:spPr>
           <a:xfrm>
-            <a:off x="341787" y="1120544"/>
+            <a:off x="341787" y="935485"/>
             <a:ext cx="8642350" cy="5115155"/>
           </a:xfrm>
           <a:prstGeom prst="rect">
@@ -8524,90 +9766,189 @@
             </a:lvl9pPr>
           </a:lstStyle>
           <a:p>
-            <a:r>
-              <a:rPr lang="en-US" altLang="ko-KR" dirty="0"/>
-              <a:t>$ find &lt;</a:t>
+            <a:pPr>
+              <a:lnSpc>
+                <a:spcPct val="130000"/>
+              </a:lnSpc>
+            </a:pPr>
+            <a:r>
+              <a:rPr lang="en-US" altLang="ko-KR" dirty="0"/>
+              <a:t>$ cat &lt;file&gt; </a:t>
+            </a:r>
+          </a:p>
+          <a:p>
+            <a:pPr lvl="1">
+              <a:lnSpc>
+                <a:spcPct val="130000"/>
+              </a:lnSpc>
+            </a:pPr>
+            <a:r>
+              <a:rPr lang="en-US" altLang="ko-KR" dirty="0"/>
+              <a:t>Output the contents of &lt;file&gt; </a:t>
+            </a:r>
+          </a:p>
+          <a:p>
+            <a:pPr>
+              <a:lnSpc>
+                <a:spcPct val="130000"/>
+              </a:lnSpc>
+            </a:pPr>
+            <a:r>
+              <a:rPr lang="en-US" altLang="ko-KR" dirty="0"/>
+              <a:t>$ less &lt;file&gt; </a:t>
+            </a:r>
+          </a:p>
+          <a:p>
+            <a:pPr lvl="1">
+              <a:lnSpc>
+                <a:spcPct val="130000"/>
+              </a:lnSpc>
+            </a:pPr>
+            <a:r>
+              <a:rPr lang="en-US" altLang="ko-KR" dirty="0"/>
+              <a:t>Output the contents of &lt;file&gt; using the less command (which supports pagination etc.) </a:t>
+            </a:r>
+          </a:p>
+          <a:p>
+            <a:pPr>
+              <a:lnSpc>
+                <a:spcPct val="130000"/>
+              </a:lnSpc>
+            </a:pPr>
+            <a:r>
+              <a:rPr lang="en-US" altLang="ko-KR" dirty="0"/>
+              <a:t>$ head &lt;file&gt; </a:t>
+            </a:r>
+          </a:p>
+          <a:p>
+            <a:pPr lvl="1">
+              <a:lnSpc>
+                <a:spcPct val="130000"/>
+              </a:lnSpc>
+            </a:pPr>
+            <a:r>
+              <a:rPr lang="en-US" altLang="ko-KR" dirty="0"/>
+              <a:t>Output the first 10 lines of &lt;file&gt; </a:t>
+            </a:r>
+          </a:p>
+          <a:p>
+            <a:pPr>
+              <a:lnSpc>
+                <a:spcPct val="130000"/>
+              </a:lnSpc>
+            </a:pPr>
+            <a:r>
+              <a:rPr lang="en-US" altLang="ko-KR" dirty="0"/>
+              <a:t>$ &lt;</a:t>
             </a:r>
             <a:r>
               <a:rPr lang="en-US" altLang="ko-KR" dirty="0" err="1"/>
-              <a:t>dir</a:t>
-            </a:r>
-            <a:r>
-              <a:rPr lang="en-US" altLang="ko-KR" dirty="0"/>
-              <a:t>&gt; -name "&lt;file&gt;" </a:t>
-            </a:r>
-          </a:p>
-          <a:p>
-            <a:pPr lvl="1"/>
-            <a:r>
-              <a:rPr lang="en-US" altLang="ko-KR" dirty="0"/>
-              <a:t>Find all files named &lt;file&gt; inside &lt;</a:t>
+              <a:t>cmd</a:t>
+            </a:r>
+            <a:r>
+              <a:rPr lang="en-US" altLang="ko-KR" dirty="0"/>
+              <a:t>&gt; &gt; &lt;file&gt; </a:t>
+            </a:r>
+          </a:p>
+          <a:p>
+            <a:pPr lvl="1">
+              <a:lnSpc>
+                <a:spcPct val="130000"/>
+              </a:lnSpc>
+            </a:pPr>
+            <a:r>
+              <a:rPr lang="en-US" altLang="ko-KR" dirty="0"/>
+              <a:t>Direct the output of &lt;</a:t>
             </a:r>
             <a:r>
               <a:rPr lang="en-US" altLang="ko-KR" dirty="0" err="1"/>
-              <a:t>dir</a:t>
-            </a:r>
-            <a:r>
-              <a:rPr lang="en-US" altLang="ko-KR" dirty="0"/>
-              <a:t>&gt; (use wildcards [*] to search for parts of filenames, e.g. "file.*") </a:t>
-            </a:r>
-          </a:p>
-          <a:p>
-            <a:r>
-              <a:rPr lang="en-US" altLang="ko-KR" dirty="0"/>
-              <a:t>$ grep "&lt;text&gt;" &lt;file&gt; </a:t>
-            </a:r>
-          </a:p>
-          <a:p>
-            <a:pPr lvl="1"/>
-            <a:r>
-              <a:rPr lang="en-US" altLang="ko-KR" dirty="0"/>
-              <a:t>Output all occurrences of &lt;text&gt; inside &lt;file&gt; (add -</a:t>
+              <a:t>cmd</a:t>
+            </a:r>
+            <a:r>
+              <a:rPr lang="en-US" altLang="ko-KR" dirty="0"/>
+              <a:t>&gt; into &lt;file&gt; </a:t>
+            </a:r>
+          </a:p>
+          <a:p>
+            <a:pPr>
+              <a:lnSpc>
+                <a:spcPct val="130000"/>
+              </a:lnSpc>
+            </a:pPr>
+            <a:r>
+              <a:rPr lang="en-US" altLang="ko-KR" dirty="0"/>
+              <a:t>$ &lt;</a:t>
             </a:r>
             <a:r>
               <a:rPr lang="en-US" altLang="ko-KR" dirty="0" err="1"/>
-              <a:t>i</a:t>
-            </a:r>
-            <a:r>
-              <a:rPr lang="en-US" altLang="ko-KR" dirty="0"/>
-              <a:t> for case-insensitivity) </a:t>
-            </a:r>
-          </a:p>
-          <a:p>
-            <a:r>
-              <a:rPr lang="en-US" altLang="ko-KR" dirty="0"/>
-              <a:t>$ grep -</a:t>
+              <a:t>cmd</a:t>
+            </a:r>
+            <a:r>
+              <a:rPr lang="en-US" altLang="ko-KR" dirty="0"/>
+              <a:t>&gt; &gt;&gt; &lt;file&gt; </a:t>
+            </a:r>
+          </a:p>
+          <a:p>
+            <a:pPr lvl="1">
+              <a:lnSpc>
+                <a:spcPct val="130000"/>
+              </a:lnSpc>
+            </a:pPr>
+            <a:r>
+              <a:rPr lang="en-US" altLang="ko-KR" dirty="0"/>
+              <a:t>Append the output of &lt;</a:t>
             </a:r>
             <a:r>
               <a:rPr lang="en-US" altLang="ko-KR" dirty="0" err="1"/>
-              <a:t>rl</a:t>
-            </a:r>
-            <a:r>
-              <a:rPr lang="en-US" altLang="ko-KR" dirty="0"/>
-              <a:t> "&lt;text&gt;" &lt;</a:t>
-            </a:r>
-            <a:r>
-              <a:rPr lang="en-US" altLang="ko-KR" dirty="0" err="1"/>
-              <a:t>dir</a:t>
-            </a:r>
-            <a:r>
-              <a:rPr lang="en-US" altLang="ko-KR" dirty="0"/>
-              <a:t>&gt; </a:t>
-            </a:r>
-          </a:p>
-          <a:p>
-            <a:pPr lvl="1"/>
-            <a:r>
-              <a:rPr lang="en-US" altLang="ko-KR" dirty="0"/>
-              <a:t>Search for all files containing &lt;text&gt; inside &lt;</a:t>
-            </a:r>
-            <a:r>
-              <a:rPr lang="en-US" altLang="ko-KR" dirty="0" err="1"/>
-              <a:t>dir</a:t>
-            </a:r>
-            <a:r>
-              <a:rPr lang="en-US" altLang="ko-KR" dirty="0"/>
-              <a:t>&gt;</a:t>
+              <a:t>cmd</a:t>
+            </a:r>
+            <a:r>
+              <a:rPr lang="en-US" altLang="ko-KR" dirty="0"/>
+              <a:t>&gt; to &lt;file&gt; </a:t>
+            </a:r>
+          </a:p>
+          <a:p>
+            <a:pPr>
+              <a:lnSpc>
+                <a:spcPct val="130000"/>
+              </a:lnSpc>
+            </a:pPr>
+            <a:r>
+              <a:rPr lang="en-US" altLang="ko-KR" dirty="0"/>
+              <a:t>$ &lt;cmd1&gt; | &lt;cmd2&gt; </a:t>
+            </a:r>
+          </a:p>
+          <a:p>
+            <a:pPr lvl="1">
+              <a:lnSpc>
+                <a:spcPct val="130000"/>
+              </a:lnSpc>
+            </a:pPr>
+            <a:r>
+              <a:rPr lang="en-US" altLang="ko-KR" dirty="0"/>
+              <a:t>Direct the output of &lt;cmd1&gt; to &lt;cmd2&gt; </a:t>
+            </a:r>
+          </a:p>
+          <a:p>
+            <a:pPr>
+              <a:lnSpc>
+                <a:spcPct val="130000"/>
+              </a:lnSpc>
+            </a:pPr>
+            <a:r>
+              <a:rPr lang="en-US" altLang="ko-KR" dirty="0"/>
+              <a:t>$ clear </a:t>
+            </a:r>
+          </a:p>
+          <a:p>
+            <a:pPr lvl="1">
+              <a:lnSpc>
+                <a:spcPct val="130000"/>
+              </a:lnSpc>
+            </a:pPr>
+            <a:r>
+              <a:rPr lang="en-US" altLang="ko-KR" dirty="0"/>
+              <a:t>Clear the command line window</a:t>
             </a:r>
             <a:endParaRPr lang="en-US" altLang="ko-KR" dirty="0">
               <a:latin typeface="+mn-ea"/>
@@ -8618,7 +9959,7 @@
     </p:spTree>
     <p:extLst>
       <p:ext uri="{BB962C8B-B14F-4D97-AF65-F5344CB8AC3E}">
-        <p14:creationId xmlns:p14="http://schemas.microsoft.com/office/powerpoint/2010/main" val="992686341"/>
+        <p14:creationId xmlns:p14="http://schemas.microsoft.com/office/powerpoint/2010/main" val="3734573985"/>
       </p:ext>
     </p:extLst>
   </p:cSld>
@@ -8668,7 +10009,7 @@
           <a:p>
             <a:r>
               <a:rPr lang="en-US" altLang="ko-KR" dirty="0"/>
-              <a:t>NETWORK  </a:t>
+              <a:t>Files </a:t>
             </a:r>
             <a:r>
               <a:rPr lang="ko-KR" altLang="en-US" dirty="0"/>
@@ -8693,7 +10034,7 @@
         </p:nvSpPr>
         <p:spPr>
           <a:xfrm>
-            <a:off x="341787" y="1120544"/>
+            <a:off x="341787" y="913714"/>
             <a:ext cx="8642350" cy="5115155"/>
           </a:xfrm>
           <a:prstGeom prst="rect">
@@ -8844,114 +10185,113 @@
             </a:lvl9pPr>
           </a:lstStyle>
           <a:p>
-            <a:r>
-              <a:rPr lang="en-US" altLang="ko-KR" dirty="0"/>
-              <a:t>$ ping &lt;host&gt; </a:t>
-            </a:r>
-          </a:p>
-          <a:p>
-            <a:pPr lvl="1"/>
-            <a:r>
-              <a:rPr lang="en-US" altLang="ko-KR" dirty="0"/>
-              <a:t>Ping &lt;host&gt; and display status </a:t>
-            </a:r>
-          </a:p>
-          <a:p>
-            <a:r>
-              <a:rPr lang="en-US" altLang="ko-KR" dirty="0"/>
-              <a:t>$ </a:t>
-            </a:r>
-            <a:r>
-              <a:rPr lang="en-US" altLang="ko-KR" dirty="0" err="1"/>
-              <a:t>whois</a:t>
-            </a:r>
-            <a:r>
-              <a:rPr lang="en-US" altLang="ko-KR" dirty="0"/>
-              <a:t> &lt;domain&gt; </a:t>
-            </a:r>
-          </a:p>
-          <a:p>
-            <a:pPr lvl="1"/>
-            <a:r>
-              <a:rPr lang="en-US" altLang="ko-KR" dirty="0"/>
-              <a:t>Output </a:t>
-            </a:r>
-            <a:r>
-              <a:rPr lang="en-US" altLang="ko-KR" dirty="0" err="1"/>
-              <a:t>whois</a:t>
-            </a:r>
-            <a:r>
-              <a:rPr lang="en-US" altLang="ko-KR" dirty="0"/>
-              <a:t> information for &lt;domain&gt; </a:t>
-            </a:r>
-          </a:p>
-          <a:p>
-            <a:r>
-              <a:rPr lang="en-US" altLang="ko-KR" dirty="0"/>
-              <a:t>$ curl -O &lt;</a:t>
-            </a:r>
-            <a:r>
-              <a:rPr lang="en-US" altLang="ko-KR" dirty="0" err="1"/>
-              <a:t>url</a:t>
-            </a:r>
-            <a:r>
-              <a:rPr lang="en-US" altLang="ko-KR" dirty="0"/>
-              <a:t>/to/file&gt; </a:t>
-            </a:r>
-          </a:p>
-          <a:p>
-            <a:pPr lvl="1"/>
-            <a:r>
-              <a:rPr lang="en-US" altLang="ko-KR" dirty="0"/>
-              <a:t>Download &lt;file&gt; (via HTTP[S] or FTP) </a:t>
-            </a:r>
-          </a:p>
-          <a:p>
-            <a:r>
-              <a:rPr lang="en-US" altLang="ko-KR" dirty="0"/>
-              <a:t>$ </a:t>
-            </a:r>
-            <a:r>
-              <a:rPr lang="en-US" altLang="ko-KR" dirty="0" err="1"/>
-              <a:t>ssh</a:t>
-            </a:r>
-            <a:r>
-              <a:rPr lang="en-US" altLang="ko-KR" dirty="0"/>
-              <a:t> &lt;username&gt;@&lt;host&gt; </a:t>
-            </a:r>
-          </a:p>
-          <a:p>
-            <a:pPr lvl="1"/>
-            <a:r>
-              <a:rPr lang="en-US" altLang="ko-KR" dirty="0"/>
-              <a:t>Establish an SSH connection to &lt;host&gt; with user &lt;username&gt; </a:t>
-            </a:r>
-          </a:p>
-          <a:p>
-            <a:r>
-              <a:rPr lang="en-US" altLang="ko-KR" dirty="0"/>
-              <a:t>$ </a:t>
-            </a:r>
-            <a:r>
-              <a:rPr lang="en-US" altLang="ko-KR" dirty="0" err="1"/>
-              <a:t>scp</a:t>
-            </a:r>
-            <a:r>
-              <a:rPr lang="en-US" altLang="ko-KR" dirty="0"/>
-              <a:t> &lt;file&gt; </a:t>
-            </a:r>
-          </a:p>
-          <a:p>
-            <a:pPr lvl="1"/>
-            <a:r>
-              <a:rPr lang="en-US" altLang="ko-KR" dirty="0"/>
-              <a:t>  &lt;user&gt;@&lt;host&gt;:/remote/path </a:t>
-            </a:r>
-          </a:p>
-          <a:p>
-            <a:r>
-              <a:rPr lang="en-US" altLang="ko-KR" dirty="0"/>
-              <a:t>Copy &lt;file&gt; to a remote &lt;host&gt;</a:t>
+            <a:pPr>
+              <a:lnSpc>
+                <a:spcPct val="130000"/>
+              </a:lnSpc>
+            </a:pPr>
+            <a:r>
+              <a:rPr lang="en-US" altLang="ko-KR" dirty="0"/>
+              <a:t>$ rm &lt;file&gt; </a:t>
+            </a:r>
+          </a:p>
+          <a:p>
+            <a:pPr lvl="1">
+              <a:lnSpc>
+                <a:spcPct val="130000"/>
+              </a:lnSpc>
+            </a:pPr>
+            <a:r>
+              <a:rPr lang="en-US" altLang="ko-KR" dirty="0"/>
+              <a:t>Delete &lt;file&gt; </a:t>
+            </a:r>
+          </a:p>
+          <a:p>
+            <a:pPr>
+              <a:lnSpc>
+                <a:spcPct val="130000"/>
+              </a:lnSpc>
+            </a:pPr>
+            <a:r>
+              <a:rPr lang="en-US" altLang="ko-KR" dirty="0"/>
+              <a:t>$ rm -r &lt;directory&gt; </a:t>
+            </a:r>
+          </a:p>
+          <a:p>
+            <a:pPr lvl="1">
+              <a:lnSpc>
+                <a:spcPct val="130000"/>
+              </a:lnSpc>
+            </a:pPr>
+            <a:r>
+              <a:rPr lang="en-US" altLang="ko-KR" dirty="0"/>
+              <a:t>Delete &lt;directory&gt; </a:t>
+            </a:r>
+          </a:p>
+          <a:p>
+            <a:pPr>
+              <a:lnSpc>
+                <a:spcPct val="130000"/>
+              </a:lnSpc>
+            </a:pPr>
+            <a:r>
+              <a:rPr lang="en-US" altLang="ko-KR" dirty="0"/>
+              <a:t>$ rm -f &lt;file&gt; </a:t>
+            </a:r>
+          </a:p>
+          <a:p>
+            <a:pPr lvl="1">
+              <a:lnSpc>
+                <a:spcPct val="130000"/>
+              </a:lnSpc>
+            </a:pPr>
+            <a:r>
+              <a:rPr lang="en-US" altLang="ko-KR" dirty="0"/>
+              <a:t>Force-delete &lt;file&gt; (add -r to force- delete a directory) </a:t>
+            </a:r>
+          </a:p>
+          <a:p>
+            <a:pPr>
+              <a:lnSpc>
+                <a:spcPct val="130000"/>
+              </a:lnSpc>
+            </a:pPr>
+            <a:r>
+              <a:rPr lang="en-US" altLang="ko-KR" dirty="0"/>
+              <a:t>$ mv &lt;file-old&gt; &lt;file-new&gt; </a:t>
+            </a:r>
+          </a:p>
+          <a:p>
+            <a:pPr lvl="1">
+              <a:lnSpc>
+                <a:spcPct val="130000"/>
+              </a:lnSpc>
+            </a:pPr>
+            <a:r>
+              <a:rPr lang="en-US" altLang="ko-KR" dirty="0"/>
+              <a:t>Rename &lt;file-old&gt; to &lt;file-new&gt; </a:t>
+            </a:r>
+          </a:p>
+          <a:p>
+            <a:pPr>
+              <a:lnSpc>
+                <a:spcPct val="130000"/>
+              </a:lnSpc>
+            </a:pPr>
+            <a:r>
+              <a:rPr lang="en-US" altLang="ko-KR" dirty="0"/>
+              <a:t>$ mv &lt;file&gt; &lt;directory&gt; </a:t>
+            </a:r>
+          </a:p>
+          <a:p>
+            <a:pPr lvl="1">
+              <a:lnSpc>
+                <a:spcPct val="130000"/>
+              </a:lnSpc>
+            </a:pPr>
+            <a:r>
+              <a:rPr lang="en-US" altLang="ko-KR" dirty="0"/>
+              <a:t>Move &lt;file&gt; to &lt;directory&gt; (possibly overwriting an existing file)</a:t>
             </a:r>
             <a:endParaRPr lang="en-US" altLang="ko-KR" dirty="0">
               <a:latin typeface="+mn-ea"/>
@@ -8962,7 +10302,7 @@
     </p:spTree>
     <p:extLst>
       <p:ext uri="{BB962C8B-B14F-4D97-AF65-F5344CB8AC3E}">
-        <p14:creationId xmlns:p14="http://schemas.microsoft.com/office/powerpoint/2010/main" val="655605650"/>
+        <p14:creationId xmlns:p14="http://schemas.microsoft.com/office/powerpoint/2010/main" val="2549321800"/>
       </p:ext>
     </p:extLst>
   </p:cSld>
@@ -9012,7 +10352,7 @@
           <a:p>
             <a:r>
               <a:rPr lang="en-US" altLang="ko-KR" dirty="0"/>
-              <a:t>PROCESSES  </a:t>
+              <a:t>Files </a:t>
             </a:r>
             <a:r>
               <a:rPr lang="ko-KR" altLang="en-US" dirty="0"/>
@@ -9037,7 +10377,7 @@
         </p:nvSpPr>
         <p:spPr>
           <a:xfrm>
-            <a:off x="341787" y="1120544"/>
+            <a:off x="341787" y="913714"/>
             <a:ext cx="8642350" cy="5115155"/>
           </a:xfrm>
           <a:prstGeom prst="rect">
@@ -9188,69 +10528,70 @@
             </a:lvl9pPr>
           </a:lstStyle>
           <a:p>
-            <a:r>
-              <a:rPr lang="en-US" altLang="ko-KR" dirty="0"/>
-              <a:t>$ </a:t>
-            </a:r>
-            <a:r>
-              <a:rPr lang="en-US" altLang="ko-KR" dirty="0" err="1"/>
-              <a:t>ps</a:t>
-            </a:r>
-            <a:r>
-              <a:rPr lang="en-US" altLang="ko-KR" dirty="0"/>
-              <a:t> ax </a:t>
-            </a:r>
-          </a:p>
-          <a:p>
-            <a:pPr lvl="1"/>
-            <a:r>
-              <a:rPr lang="en-US" altLang="ko-KR" dirty="0"/>
-              <a:t>Output currently running processes </a:t>
-            </a:r>
-          </a:p>
-          <a:p>
-            <a:r>
-              <a:rPr lang="en-US" altLang="ko-KR" dirty="0"/>
-              <a:t>$ top </a:t>
-            </a:r>
-          </a:p>
-          <a:p>
-            <a:pPr lvl="1"/>
-            <a:r>
-              <a:rPr lang="en-US" altLang="ko-KR" dirty="0"/>
-              <a:t>Display live information about currently running processes </a:t>
-            </a:r>
-          </a:p>
-          <a:p>
-            <a:r>
-              <a:rPr lang="en-US" altLang="ko-KR" dirty="0"/>
-              <a:t>$ kill &lt;</a:t>
-            </a:r>
-            <a:r>
-              <a:rPr lang="en-US" altLang="ko-KR" dirty="0" err="1"/>
-              <a:t>pid</a:t>
-            </a:r>
-            <a:r>
-              <a:rPr lang="en-US" altLang="ko-KR" dirty="0"/>
-              <a:t>&gt; </a:t>
-            </a:r>
-          </a:p>
-          <a:p>
-            <a:pPr lvl="1"/>
-            <a:r>
-              <a:rPr lang="en-US" altLang="ko-KR" dirty="0"/>
-              <a:t>Quit process with ID &lt;</a:t>
-            </a:r>
-            <a:r>
-              <a:rPr lang="en-US" altLang="ko-KR" dirty="0" err="1"/>
-              <a:t>pid</a:t>
-            </a:r>
-            <a:r>
-              <a:rPr lang="en-US" altLang="ko-KR" dirty="0"/>
-              <a:t>&gt;</a:t>
-            </a:r>
-          </a:p>
-          <a:p>
+            <a:pPr>
+              <a:lnSpc>
+                <a:spcPct val="130000"/>
+              </a:lnSpc>
+            </a:pPr>
+            <a:r>
+              <a:rPr lang="en-US" altLang="ko-KR" dirty="0"/>
+              <a:t>$ cp &lt;file&gt; &lt;directory&gt; </a:t>
+            </a:r>
+          </a:p>
+          <a:p>
+            <a:pPr lvl="1">
+              <a:lnSpc>
+                <a:spcPct val="130000"/>
+              </a:lnSpc>
+            </a:pPr>
+            <a:r>
+              <a:rPr lang="en-US" altLang="ko-KR" dirty="0"/>
+              <a:t>Copy &lt;file&gt; to &lt;directory&gt; (possibly overwriting an existing file) </a:t>
+            </a:r>
+          </a:p>
+          <a:p>
+            <a:pPr>
+              <a:lnSpc>
+                <a:spcPct val="130000"/>
+              </a:lnSpc>
+            </a:pPr>
+            <a:r>
+              <a:rPr lang="en-US" altLang="ko-KR" dirty="0"/>
+              <a:t>$ cp -r &lt;directory1&gt; &lt;directory2&gt; </a:t>
+            </a:r>
+          </a:p>
+          <a:p>
+            <a:pPr lvl="1">
+              <a:lnSpc>
+                <a:spcPct val="130000"/>
+              </a:lnSpc>
+            </a:pPr>
+            <a:r>
+              <a:rPr lang="en-US" altLang="ko-KR" dirty="0"/>
+              <a:t>Copy &lt;directory1&gt; and its contents to &lt;directory2&gt; (possibly overwriting files in an existing directory) </a:t>
+            </a:r>
+          </a:p>
+          <a:p>
+            <a:pPr>
+              <a:lnSpc>
+                <a:spcPct val="130000"/>
+              </a:lnSpc>
+            </a:pPr>
+            <a:r>
+              <a:rPr lang="en-US" altLang="ko-KR" dirty="0"/>
+              <a:t>$ touch &lt;file&gt; </a:t>
+            </a:r>
+          </a:p>
+          <a:p>
+            <a:pPr lvl="1">
+              <a:lnSpc>
+                <a:spcPct val="130000"/>
+              </a:lnSpc>
+            </a:pPr>
+            <a:r>
+              <a:rPr lang="en-US" altLang="ko-KR" dirty="0"/>
+              <a:t>Update file access &amp; modification time (and create &lt;file&gt; if it doesn’t exist)</a:t>
+            </a:r>
             <a:endParaRPr lang="en-US" altLang="ko-KR" dirty="0">
               <a:latin typeface="+mn-ea"/>
             </a:endParaRPr>
@@ -9260,7 +10601,7 @@
     </p:spTree>
     <p:extLst>
       <p:ext uri="{BB962C8B-B14F-4D97-AF65-F5344CB8AC3E}">
-        <p14:creationId xmlns:p14="http://schemas.microsoft.com/office/powerpoint/2010/main" val="2173378349"/>
+        <p14:creationId xmlns:p14="http://schemas.microsoft.com/office/powerpoint/2010/main" val="1873598758"/>
       </p:ext>
     </p:extLst>
   </p:cSld>
@@ -9310,18 +10651,21 @@
           <a:p>
             <a:r>
               <a:rPr lang="en-US" altLang="ko-KR" dirty="0"/>
-              <a:t>COMBINING COMMANDS</a:t>
-            </a:r>
-            <a:endParaRPr lang="ko-KR" altLang="en-US" dirty="0"/>
+              <a:t>PERMISSIONS  </a:t>
+            </a:r>
+            <a:r>
+              <a:rPr lang="ko-KR" altLang="en-US" dirty="0"/>
+              <a:t>관련</a:t>
+            </a:r>
           </a:p>
         </p:txBody>
       </p:sp>
       <p:sp>
         <p:nvSpPr>
-          <p:cNvPr id="6" name="내용 개체 틀 2">
+          <p:cNvPr id="7" name="내용 개체 틀 2">
             <a:extLst>
               <a:ext uri="{FF2B5EF4-FFF2-40B4-BE49-F238E27FC236}">
-                <a16:creationId xmlns:a16="http://schemas.microsoft.com/office/drawing/2014/main" id="{E597044D-9E91-4036-BC67-BF184BDB0BB9}"/>
+                <a16:creationId xmlns:a16="http://schemas.microsoft.com/office/drawing/2014/main" id="{A44AC902-3746-40D6-9827-94B46EEDDC67}"/>
               </a:ext>
             </a:extLst>
           </p:cNvPr>
@@ -9485,100 +10829,75 @@
           <a:p>
             <a:r>
               <a:rPr lang="en-US" altLang="ko-KR" dirty="0"/>
-              <a:t>COMBINING COMMANDS</a:t>
+              <a:t>$ </a:t>
+            </a:r>
+            <a:r>
+              <a:rPr lang="en-US" altLang="ko-KR" dirty="0" err="1"/>
+              <a:t>chmod</a:t>
+            </a:r>
+            <a:r>
+              <a:rPr lang="en-US" altLang="ko-KR" dirty="0"/>
+              <a:t> 755 &lt;file&gt; </a:t>
             </a:r>
           </a:p>
           <a:p>
             <a:pPr lvl="1"/>
             <a:r>
               <a:rPr lang="en-US" altLang="ko-KR" dirty="0"/>
-              <a:t>for d in {1..6}; do touch "file${d}.md"; git add "file${d}.md"; git commit -m "adding file ${d}"; done</a:t>
+              <a:t>Change permissions of &lt;file&gt; to 755 </a:t>
+            </a:r>
+          </a:p>
+          <a:p>
+            <a:r>
+              <a:rPr lang="en-US" altLang="ko-KR" dirty="0"/>
+              <a:t>$ </a:t>
+            </a:r>
+            <a:r>
+              <a:rPr lang="en-US" altLang="ko-KR" dirty="0" err="1"/>
+              <a:t>chmod</a:t>
+            </a:r>
+            <a:r>
+              <a:rPr lang="en-US" altLang="ko-KR" dirty="0"/>
+              <a:t> -R 600 &lt;directory&gt; </a:t>
             </a:r>
           </a:p>
           <a:p>
             <a:pPr lvl="1"/>
             <a:r>
               <a:rPr lang="en-US" altLang="ko-KR" dirty="0"/>
-              <a:t>Use</a:t>
-            </a:r>
-            <a:r>
-              <a:rPr lang="ko-KR" altLang="en-US" dirty="0"/>
-              <a:t> </a:t>
-            </a:r>
-            <a:r>
-              <a:rPr lang="en-US" altLang="ko-KR" dirty="0">
-                <a:solidFill>
-                  <a:srgbClr val="FF0000"/>
-                </a:solidFill>
-              </a:rPr>
-              <a:t>“;”</a:t>
-            </a:r>
-            <a:r>
-              <a:rPr lang="ko-KR" altLang="en-US" dirty="0"/>
-              <a:t> </a:t>
-            </a:r>
-            <a:r>
-              <a:rPr lang="en-US" altLang="ko-KR" dirty="0"/>
-              <a:t>on the same line</a:t>
-            </a:r>
-          </a:p>
-          <a:p>
-            <a:r>
-              <a:rPr lang="en-US" altLang="ko-KR" dirty="0"/>
-              <a:t>&amp;&amp; and || </a:t>
+              <a:t>Change permissions of &lt;directory&gt; (and its contents) to 600 </a:t>
+            </a:r>
+          </a:p>
+          <a:p>
+            <a:r>
+              <a:rPr lang="en-US" altLang="ko-KR" dirty="0"/>
+              <a:t>$ </a:t>
+            </a:r>
+            <a:r>
+              <a:rPr lang="en-US" altLang="ko-KR" dirty="0" err="1"/>
+              <a:t>chown</a:t>
+            </a:r>
+            <a:r>
+              <a:rPr lang="en-US" altLang="ko-KR" dirty="0"/>
+              <a:t> &lt;user&gt;:&lt;group&gt; &lt;file&gt; </a:t>
             </a:r>
           </a:p>
           <a:p>
             <a:pPr lvl="1"/>
             <a:r>
               <a:rPr lang="en-US" altLang="ko-KR" dirty="0"/>
-              <a:t>&amp;&amp;  operator will only be run if the previous command </a:t>
-            </a:r>
-            <a:r>
-              <a:rPr lang="en-US" altLang="ko-KR" dirty="0">
-                <a:solidFill>
-                  <a:srgbClr val="FF0000"/>
-                </a:solidFill>
-              </a:rPr>
-              <a:t>completes successfully</a:t>
-            </a:r>
-          </a:p>
-          <a:p>
-            <a:pPr lvl="1"/>
-            <a:r>
-              <a:rPr lang="en-US" altLang="ko-KR" dirty="0"/>
-              <a:t>|| operator only continues if the previous </a:t>
-            </a:r>
-            <a:r>
-              <a:rPr lang="en-US" altLang="ko-KR" dirty="0">
-                <a:solidFill>
-                  <a:srgbClr val="FF0000"/>
-                </a:solidFill>
-              </a:rPr>
-              <a:t>command fails</a:t>
-            </a:r>
-          </a:p>
-          <a:p>
-            <a:pPr lvl="1"/>
-            <a:r>
-              <a:rPr lang="en-US" altLang="ko-KR" dirty="0"/>
-              <a:t> $ cd ~/videos || </a:t>
-            </a:r>
-            <a:r>
-              <a:rPr lang="en-US" altLang="ko-KR" dirty="0" err="1"/>
-              <a:t>mkdir</a:t>
-            </a:r>
-            <a:r>
-              <a:rPr lang="en-US" altLang="ko-KR" dirty="0"/>
-              <a:t> ~/videos # will create the folder “videos” only if the cd command fails</a:t>
-            </a:r>
+              <a:t>Change ownership of &lt;file&gt; to &lt;user&gt;  and &lt;group&gt; (add -R to include a directory’s contents)</a:t>
+            </a:r>
+            <a:endParaRPr lang="en-US" altLang="ko-KR" dirty="0">
+              <a:latin typeface="+mn-ea"/>
+            </a:endParaRPr>
           </a:p>
         </p:txBody>
       </p:sp>
     </p:spTree>
     <p:extLst>
       <p:ext uri="{BB962C8B-B14F-4D97-AF65-F5344CB8AC3E}">
-        <p14:creationId xmlns:p14="http://schemas.microsoft.com/office/powerpoint/2010/main" val="836270208"/>
+        <p14:creationId xmlns:p14="http://schemas.microsoft.com/office/powerpoint/2010/main" val="1660894449"/>
       </p:ext>
     </p:extLst>
   </p:cSld>
@@ -9628,18 +10947,21 @@
           <a:p>
             <a:r>
               <a:rPr lang="en-US" altLang="ko-KR" dirty="0"/>
-              <a:t>THE “CTRL” KEY</a:t>
-            </a:r>
-            <a:endParaRPr lang="ko-KR" altLang="en-US" dirty="0"/>
+              <a:t>SEARCH  </a:t>
+            </a:r>
+            <a:r>
+              <a:rPr lang="ko-KR" altLang="en-US" dirty="0"/>
+              <a:t>관련</a:t>
+            </a:r>
           </a:p>
         </p:txBody>
       </p:sp>
       <p:sp>
         <p:nvSpPr>
-          <p:cNvPr id="6" name="내용 개체 틀 2">
+          <p:cNvPr id="7" name="내용 개체 틀 2">
             <a:extLst>
               <a:ext uri="{FF2B5EF4-FFF2-40B4-BE49-F238E27FC236}">
-                <a16:creationId xmlns:a16="http://schemas.microsoft.com/office/drawing/2014/main" id="{E597044D-9E91-4036-BC67-BF184BDB0BB9}"/>
+                <a16:creationId xmlns:a16="http://schemas.microsoft.com/office/drawing/2014/main" id="{A44AC902-3746-40D6-9827-94B46EEDDC67}"/>
               </a:ext>
             </a:extLst>
           </p:cNvPr>
@@ -9803,69 +11125,99 @@
           <a:p>
             <a:r>
               <a:rPr lang="en-US" altLang="ko-KR" dirty="0"/>
-              <a:t>CTRL+A, CTRL+E</a:t>
+              <a:t>$ find &lt;</a:t>
+            </a:r>
+            <a:r>
+              <a:rPr lang="en-US" altLang="ko-KR" dirty="0" err="1"/>
+              <a:t>dir</a:t>
+            </a:r>
+            <a:r>
+              <a:rPr lang="en-US" altLang="ko-KR" dirty="0"/>
+              <a:t>&gt; -name "&lt;file&gt;" </a:t>
             </a:r>
           </a:p>
           <a:p>
             <a:pPr lvl="1"/>
             <a:r>
               <a:rPr lang="en-US" altLang="ko-KR" dirty="0"/>
-              <a:t>CTRL+A moves the caret to the beginning of the line</a:t>
+              <a:t>Find all files named &lt;file&gt; inside &lt;</a:t>
+            </a:r>
+            <a:r>
+              <a:rPr lang="en-US" altLang="ko-KR" dirty="0" err="1"/>
+              <a:t>dir</a:t>
+            </a:r>
+            <a:r>
+              <a:rPr lang="en-US" altLang="ko-KR" dirty="0"/>
+              <a:t>&gt; (use wildcards [*] to search for parts of filenames, e.g. "file.*") </a:t>
+            </a:r>
+          </a:p>
+          <a:p>
+            <a:r>
+              <a:rPr lang="en-US" altLang="ko-KR" dirty="0"/>
+              <a:t>$ grep "&lt;text&gt;" &lt;file&gt; </a:t>
             </a:r>
           </a:p>
           <a:p>
             <a:pPr lvl="1"/>
             <a:r>
               <a:rPr lang="en-US" altLang="ko-KR" dirty="0"/>
-              <a:t>CTRL+E to the end of the line.</a:t>
-            </a:r>
-          </a:p>
-          <a:p>
-            <a:r>
-              <a:rPr lang="en-US" altLang="ko-KR" dirty="0"/>
-              <a:t>CTRL+K, CTRL+U</a:t>
+              <a:t>Output all occurrences of &lt;text&gt; inside &lt;file&gt; (add -</a:t>
+            </a:r>
+            <a:r>
+              <a:rPr lang="en-US" altLang="ko-KR" dirty="0" err="1"/>
+              <a:t>i</a:t>
+            </a:r>
+            <a:r>
+              <a:rPr lang="en-US" altLang="ko-KR" dirty="0"/>
+              <a:t> for case-insensitivity) </a:t>
+            </a:r>
+          </a:p>
+          <a:p>
+            <a:r>
+              <a:rPr lang="en-US" altLang="ko-KR" dirty="0"/>
+              <a:t>$ grep -</a:t>
+            </a:r>
+            <a:r>
+              <a:rPr lang="en-US" altLang="ko-KR" dirty="0" err="1"/>
+              <a:t>rl</a:t>
+            </a:r>
+            <a:r>
+              <a:rPr lang="en-US" altLang="ko-KR" dirty="0"/>
+              <a:t> "&lt;text&gt;" &lt;</a:t>
+            </a:r>
+            <a:r>
+              <a:rPr lang="en-US" altLang="ko-KR" dirty="0" err="1"/>
+              <a:t>dir</a:t>
+            </a:r>
+            <a:r>
+              <a:rPr lang="en-US" altLang="ko-KR" dirty="0"/>
+              <a:t>&gt; </a:t>
             </a:r>
           </a:p>
           <a:p>
             <a:pPr lvl="1"/>
             <a:r>
               <a:rPr lang="en-US" altLang="ko-KR" dirty="0"/>
-              <a:t>CTRL+K deletes all characters after the caret</a:t>
-            </a:r>
-          </a:p>
-          <a:p>
-            <a:pPr lvl="1"/>
-            <a:r>
-              <a:rPr lang="en-US" altLang="ko-KR" dirty="0"/>
-              <a:t>CTRL+U all characters in front of the caret. </a:t>
-            </a:r>
-          </a:p>
-          <a:p>
-            <a:r>
-              <a:rPr lang="en-US" altLang="ko-KR" dirty="0"/>
-              <a:t>CTRL+L, CTRL+C</a:t>
-            </a:r>
-          </a:p>
-          <a:p>
-            <a:pPr lvl="1"/>
-            <a:r>
-              <a:rPr lang="en-US" altLang="ko-KR" dirty="0"/>
-              <a:t>CTRL+L clears the screen (similarly to the clear command) </a:t>
-            </a:r>
-          </a:p>
-          <a:p>
-            <a:pPr lvl="1"/>
-            <a:r>
-              <a:rPr lang="en-US" altLang="ko-KR" dirty="0"/>
-              <a:t>CTRL+C abort, cancel</a:t>
-            </a:r>
+              <a:t>Search for all files containing &lt;text&gt; inside &lt;</a:t>
+            </a:r>
+            <a:r>
+              <a:rPr lang="en-US" altLang="ko-KR" dirty="0" err="1"/>
+              <a:t>dir</a:t>
+            </a:r>
+            <a:r>
+              <a:rPr lang="en-US" altLang="ko-KR" dirty="0"/>
+              <a:t>&gt;</a:t>
+            </a:r>
+            <a:endParaRPr lang="en-US" altLang="ko-KR" dirty="0">
+              <a:latin typeface="+mn-ea"/>
+            </a:endParaRPr>
           </a:p>
         </p:txBody>
       </p:sp>
     </p:spTree>
     <p:extLst>
       <p:ext uri="{BB962C8B-B14F-4D97-AF65-F5344CB8AC3E}">
-        <p14:creationId xmlns:p14="http://schemas.microsoft.com/office/powerpoint/2010/main" val="997223253"/>
+        <p14:creationId xmlns:p14="http://schemas.microsoft.com/office/powerpoint/2010/main" val="992686341"/>
       </p:ext>
     </p:extLst>
   </p:cSld>
@@ -9915,18 +11267,21 @@
           <a:p>
             <a:r>
               <a:rPr lang="en-US" altLang="ko-KR" dirty="0"/>
-              <a:t>THE “TAB” KEY</a:t>
-            </a:r>
-            <a:endParaRPr lang="ko-KR" altLang="en-US" dirty="0"/>
+              <a:t>NETWORK  </a:t>
+            </a:r>
+            <a:r>
+              <a:rPr lang="ko-KR" altLang="en-US" dirty="0"/>
+              <a:t>관련</a:t>
+            </a:r>
           </a:p>
         </p:txBody>
       </p:sp>
       <p:sp>
         <p:nvSpPr>
-          <p:cNvPr id="6" name="내용 개체 틀 2">
+          <p:cNvPr id="7" name="내용 개체 틀 2">
             <a:extLst>
               <a:ext uri="{FF2B5EF4-FFF2-40B4-BE49-F238E27FC236}">
-                <a16:creationId xmlns:a16="http://schemas.microsoft.com/office/drawing/2014/main" id="{E597044D-9E91-4036-BC67-BF184BDB0BB9}"/>
+                <a16:creationId xmlns:a16="http://schemas.microsoft.com/office/drawing/2014/main" id="{A44AC902-3746-40D6-9827-94B46EEDDC67}"/>
               </a:ext>
             </a:extLst>
           </p:cNvPr>
@@ -10089,74 +11444,740 @@
           </a:lstStyle>
           <a:p>
             <a:r>
-              <a:rPr lang="ko-KR" altLang="en-US" dirty="0"/>
-              <a:t>파일명의 첫번째 </a:t>
-            </a:r>
-            <a:r>
-              <a:rPr lang="en-US" altLang="ko-KR" dirty="0"/>
-              <a:t>spell</a:t>
-            </a:r>
-            <a:r>
-              <a:rPr lang="ko-KR" altLang="en-US" dirty="0"/>
-              <a:t>을 타이핑하고 </a:t>
-            </a:r>
-            <a:r>
-              <a:rPr lang="en-US" altLang="ko-KR" dirty="0"/>
-              <a:t>tab</a:t>
-            </a:r>
-            <a:r>
-              <a:rPr lang="ko-KR" altLang="en-US" dirty="0"/>
-              <a:t>키</a:t>
-            </a:r>
-            <a:endParaRPr lang="en-US" altLang="ko-KR" dirty="0"/>
+              <a:rPr lang="en-US" altLang="ko-KR" dirty="0"/>
+              <a:t>$ ping &lt;host&gt; </a:t>
+            </a:r>
           </a:p>
           <a:p>
             <a:pPr lvl="1"/>
             <a:r>
-              <a:rPr lang="ko-KR" altLang="en-US" dirty="0"/>
-              <a:t>현재 디렉토리에 있는 이름이 매칭되는 파일로 자동 변환</a:t>
-            </a:r>
-            <a:endParaRPr lang="en-US" altLang="ko-KR" dirty="0"/>
+              <a:rPr lang="en-US" altLang="ko-KR" dirty="0"/>
+              <a:t>Ping &lt;host&gt; and display status </a:t>
+            </a:r>
+          </a:p>
+          <a:p>
+            <a:r>
+              <a:rPr lang="en-US" altLang="ko-KR" dirty="0"/>
+              <a:t>$ </a:t>
+            </a:r>
+            <a:r>
+              <a:rPr lang="en-US" altLang="ko-KR" dirty="0" err="1"/>
+              <a:t>whois</a:t>
+            </a:r>
+            <a:r>
+              <a:rPr lang="en-US" altLang="ko-KR" dirty="0"/>
+              <a:t> &lt;domain&gt; </a:t>
+            </a:r>
           </a:p>
           <a:p>
             <a:pPr lvl="1"/>
             <a:r>
-              <a:rPr lang="ko-KR" altLang="en-US" dirty="0"/>
-              <a:t>여러 개가 있으면 </a:t>
-            </a:r>
-            <a:r>
-              <a:rPr lang="en-US" altLang="ko-KR" dirty="0"/>
-              <a:t>tab 2 </a:t>
-            </a:r>
-            <a:r>
-              <a:rPr lang="ko-KR" altLang="en-US" dirty="0"/>
-              <a:t>번 동시에 클릭하면 선택할 수 있는 여러 개의 파일이 보이고</a:t>
-            </a:r>
-            <a:endParaRPr lang="en-US" altLang="ko-KR" dirty="0"/>
-          </a:p>
-          <a:p>
-            <a:pPr marL="266700" lvl="1" indent="0">
-              <a:buNone/>
-            </a:pPr>
-            <a:r>
-              <a:rPr lang="en-US" altLang="ko-KR" dirty="0"/>
-              <a:t>    </a:t>
-            </a:r>
-            <a:r>
-              <a:rPr lang="ko-KR" altLang="en-US" dirty="0"/>
-              <a:t>이중에서 선택하여 나머지 부분을 타이핑하면 됨</a:t>
-            </a:r>
-            <a:r>
-              <a:rPr lang="en-US" altLang="ko-KR" dirty="0"/>
-              <a:t>.</a:t>
-            </a:r>
+              <a:rPr lang="en-US" altLang="ko-KR" dirty="0"/>
+              <a:t>Output </a:t>
+            </a:r>
+            <a:r>
+              <a:rPr lang="en-US" altLang="ko-KR" dirty="0" err="1"/>
+              <a:t>whois</a:t>
+            </a:r>
+            <a:r>
+              <a:rPr lang="en-US" altLang="ko-KR" dirty="0"/>
+              <a:t> information for &lt;domain&gt; </a:t>
+            </a:r>
+          </a:p>
+          <a:p>
+            <a:r>
+              <a:rPr lang="en-US" altLang="ko-KR" dirty="0"/>
+              <a:t>$ curl -O &lt;</a:t>
+            </a:r>
+            <a:r>
+              <a:rPr lang="en-US" altLang="ko-KR" dirty="0" err="1"/>
+              <a:t>url</a:t>
+            </a:r>
+            <a:r>
+              <a:rPr lang="en-US" altLang="ko-KR" dirty="0"/>
+              <a:t>/to/file&gt; </a:t>
+            </a:r>
+          </a:p>
+          <a:p>
+            <a:pPr lvl="1"/>
+            <a:r>
+              <a:rPr lang="en-US" altLang="ko-KR" dirty="0"/>
+              <a:t>Download &lt;file&gt; (via HTTP[S] or FTP) </a:t>
+            </a:r>
+          </a:p>
+          <a:p>
+            <a:r>
+              <a:rPr lang="en-US" altLang="ko-KR" dirty="0"/>
+              <a:t>$ </a:t>
+            </a:r>
+            <a:r>
+              <a:rPr lang="en-US" altLang="ko-KR" dirty="0" err="1"/>
+              <a:t>ssh</a:t>
+            </a:r>
+            <a:r>
+              <a:rPr lang="en-US" altLang="ko-KR" dirty="0"/>
+              <a:t> &lt;username&gt;@&lt;host&gt; </a:t>
+            </a:r>
+          </a:p>
+          <a:p>
+            <a:pPr lvl="1"/>
+            <a:r>
+              <a:rPr lang="en-US" altLang="ko-KR" dirty="0"/>
+              <a:t>Establish an SSH connection to &lt;host&gt; with user &lt;username&gt; </a:t>
+            </a:r>
+          </a:p>
+          <a:p>
+            <a:r>
+              <a:rPr lang="en-US" altLang="ko-KR" dirty="0"/>
+              <a:t>$ </a:t>
+            </a:r>
+            <a:r>
+              <a:rPr lang="en-US" altLang="ko-KR" dirty="0" err="1"/>
+              <a:t>scp</a:t>
+            </a:r>
+            <a:r>
+              <a:rPr lang="en-US" altLang="ko-KR" dirty="0"/>
+              <a:t> &lt;file&gt; </a:t>
+            </a:r>
+          </a:p>
+          <a:p>
+            <a:pPr lvl="1"/>
+            <a:r>
+              <a:rPr lang="en-US" altLang="ko-KR" dirty="0"/>
+              <a:t>  &lt;user&gt;@&lt;host&gt;:/remote/path </a:t>
+            </a:r>
+          </a:p>
+          <a:p>
+            <a:r>
+              <a:rPr lang="en-US" altLang="ko-KR" dirty="0"/>
+              <a:t>Copy &lt;file&gt; to a remote &lt;host&gt;</a:t>
+            </a:r>
+            <a:endParaRPr lang="en-US" altLang="ko-KR" dirty="0">
+              <a:latin typeface="+mn-ea"/>
+            </a:endParaRPr>
           </a:p>
         </p:txBody>
       </p:sp>
     </p:spTree>
     <p:extLst>
       <p:ext uri="{BB962C8B-B14F-4D97-AF65-F5344CB8AC3E}">
-        <p14:creationId xmlns:p14="http://schemas.microsoft.com/office/powerpoint/2010/main" val="459837079"/>
+        <p14:creationId xmlns:p14="http://schemas.microsoft.com/office/powerpoint/2010/main" val="655605650"/>
+      </p:ext>
+    </p:extLst>
+  </p:cSld>
+  <p:clrMapOvr>
+    <a:masterClrMapping/>
+  </p:clrMapOvr>
+</p:sld>
+</file>
+
+<file path=ppt/slides/slide28.xml><?xml version="1.0" encoding="utf-8"?>
+<p:sld xmlns:a="http://schemas.openxmlformats.org/drawingml/2006/main" xmlns:r="http://schemas.openxmlformats.org/officeDocument/2006/relationships" xmlns:p="http://schemas.openxmlformats.org/presentationml/2006/main">
+  <p:cSld>
+    <p:spTree>
+      <p:nvGrpSpPr>
+        <p:cNvPr id="1" name=""/>
+        <p:cNvGrpSpPr/>
+        <p:nvPr/>
+      </p:nvGrpSpPr>
+      <p:grpSpPr>
+        <a:xfrm>
+          <a:off x="0" y="0"/>
+          <a:ext cx="0" cy="0"/>
+          <a:chOff x="0" y="0"/>
+          <a:chExt cx="0" cy="0"/>
+        </a:xfrm>
+      </p:grpSpPr>
+      <p:sp>
+        <p:nvSpPr>
+          <p:cNvPr id="4" name="제목 3">
+            <a:extLst>
+              <a:ext uri="{FF2B5EF4-FFF2-40B4-BE49-F238E27FC236}">
+                <a16:creationId xmlns:a16="http://schemas.microsoft.com/office/drawing/2014/main" id="{F0CEB32B-CB43-4410-BA08-A97E4BC47FCB}"/>
+              </a:ext>
+            </a:extLst>
+          </p:cNvPr>
+          <p:cNvSpPr>
+            <a:spLocks noGrp="1"/>
+          </p:cNvSpPr>
+          <p:nvPr>
+            <p:ph type="title"/>
+          </p:nvPr>
+        </p:nvSpPr>
+        <p:spPr/>
+        <p:txBody>
+          <a:bodyPr/>
+          <a:lstStyle/>
+          <a:p>
+            <a:r>
+              <a:rPr lang="en-US" altLang="ko-KR" dirty="0"/>
+              <a:t>PROCESSES  </a:t>
+            </a:r>
+            <a:r>
+              <a:rPr lang="ko-KR" altLang="en-US" dirty="0"/>
+              <a:t>관련</a:t>
+            </a:r>
+          </a:p>
+        </p:txBody>
+      </p:sp>
+      <p:sp>
+        <p:nvSpPr>
+          <p:cNvPr id="7" name="내용 개체 틀 2">
+            <a:extLst>
+              <a:ext uri="{FF2B5EF4-FFF2-40B4-BE49-F238E27FC236}">
+                <a16:creationId xmlns:a16="http://schemas.microsoft.com/office/drawing/2014/main" id="{A44AC902-3746-40D6-9827-94B46EEDDC67}"/>
+              </a:ext>
+            </a:extLst>
+          </p:cNvPr>
+          <p:cNvSpPr txBox="1">
+            <a:spLocks/>
+          </p:cNvSpPr>
+          <p:nvPr/>
+        </p:nvSpPr>
+        <p:spPr>
+          <a:xfrm>
+            <a:off x="341787" y="1120544"/>
+            <a:ext cx="8642350" cy="5115155"/>
+          </a:xfrm>
+          <a:prstGeom prst="rect">
+            <a:avLst/>
+          </a:prstGeom>
+        </p:spPr>
+        <p:txBody>
+          <a:bodyPr vert="horz" lIns="91440" tIns="45720" rIns="91440" bIns="45720" rtlCol="0">
+            <a:noAutofit/>
+          </a:bodyPr>
+          <a:lstStyle>
+            <a:lvl1pPr marL="266700" indent="-266700" defTabSz="914400" latinLnBrk="1">
+              <a:lnSpc>
+                <a:spcPct val="150000"/>
+              </a:lnSpc>
+              <a:spcBef>
+                <a:spcPct val="0"/>
+              </a:spcBef>
+              <a:buClr>
+                <a:schemeClr val="tx1">
+                  <a:lumMod val="65000"/>
+                  <a:lumOff val="35000"/>
+                </a:schemeClr>
+              </a:buClr>
+              <a:buFont typeface="Wingdings" pitchFamily="2" charset="2"/>
+              <a:buChar char="n"/>
+              <a:defRPr sz="2000" b="1">
+                <a:latin typeface="+mn-ea"/>
+              </a:defRPr>
+            </a:lvl1pPr>
+            <a:lvl2pPr marL="447675" lvl="1" indent="-180975" defTabSz="914400" latinLnBrk="1">
+              <a:lnSpc>
+                <a:spcPct val="150000"/>
+              </a:lnSpc>
+              <a:spcBef>
+                <a:spcPts val="0"/>
+              </a:spcBef>
+              <a:spcAft>
+                <a:spcPts val="0"/>
+              </a:spcAft>
+              <a:buClr>
+                <a:schemeClr val="tx1">
+                  <a:lumMod val="50000"/>
+                  <a:lumOff val="50000"/>
+                </a:schemeClr>
+              </a:buClr>
+              <a:buFont typeface="Wingdings" pitchFamily="2" charset="2"/>
+              <a:buChar char="§"/>
+              <a:defRPr sz="1600"/>
+            </a:lvl2pPr>
+            <a:lvl3pPr marL="628650" indent="-180975" defTabSz="914400" latinLnBrk="1">
+              <a:lnSpc>
+                <a:spcPct val="150000"/>
+              </a:lnSpc>
+              <a:spcBef>
+                <a:spcPts val="500"/>
+              </a:spcBef>
+              <a:spcAft>
+                <a:spcPts val="300"/>
+              </a:spcAft>
+              <a:buClr>
+                <a:schemeClr val="tx1">
+                  <a:lumMod val="65000"/>
+                  <a:lumOff val="35000"/>
+                </a:schemeClr>
+              </a:buClr>
+              <a:buFont typeface="Arial" panose="020B0604020202020204" pitchFamily="34" charset="0"/>
+              <a:buChar char="•"/>
+              <a:defRPr sz="1400"/>
+            </a:lvl3pPr>
+            <a:lvl4pPr marL="809625" indent="-180975" defTabSz="914400" latinLnBrk="1">
+              <a:lnSpc>
+                <a:spcPct val="150000"/>
+              </a:lnSpc>
+              <a:spcBef>
+                <a:spcPts val="500"/>
+              </a:spcBef>
+              <a:spcAft>
+                <a:spcPts val="300"/>
+              </a:spcAft>
+              <a:buClr>
+                <a:schemeClr val="tx1">
+                  <a:lumMod val="65000"/>
+                  <a:lumOff val="35000"/>
+                </a:schemeClr>
+              </a:buClr>
+              <a:buSzPct val="96000"/>
+              <a:buFont typeface="Arial" panose="020B0604020202020204" pitchFamily="34" charset="0"/>
+              <a:buChar char="•"/>
+              <a:defRPr sz="1200"/>
+            </a:lvl4pPr>
+            <a:lvl5pPr marL="990600" indent="-180975" defTabSz="914400" latinLnBrk="1">
+              <a:lnSpc>
+                <a:spcPct val="150000"/>
+              </a:lnSpc>
+              <a:spcBef>
+                <a:spcPts val="500"/>
+              </a:spcBef>
+              <a:buClr>
+                <a:schemeClr val="tx1">
+                  <a:lumMod val="65000"/>
+                  <a:lumOff val="35000"/>
+                </a:schemeClr>
+              </a:buClr>
+              <a:buFont typeface="Arial" panose="020B0604020202020204" pitchFamily="34" charset="0"/>
+              <a:buChar char="•"/>
+              <a:defRPr sz="1000"/>
+            </a:lvl5pPr>
+            <a:lvl6pPr marL="2514600" indent="-228600" defTabSz="914400" latinLnBrk="1">
+              <a:lnSpc>
+                <a:spcPct val="90000"/>
+              </a:lnSpc>
+              <a:spcBef>
+                <a:spcPts val="500"/>
+              </a:spcBef>
+              <a:buFont typeface="Arial" panose="020B0604020202020204" pitchFamily="34" charset="0"/>
+              <a:buChar char="•"/>
+            </a:lvl6pPr>
+            <a:lvl7pPr marL="2971800" indent="-228600" defTabSz="914400" latinLnBrk="1">
+              <a:lnSpc>
+                <a:spcPct val="90000"/>
+              </a:lnSpc>
+              <a:spcBef>
+                <a:spcPts val="500"/>
+              </a:spcBef>
+              <a:buFont typeface="Arial" panose="020B0604020202020204" pitchFamily="34" charset="0"/>
+              <a:buChar char="•"/>
+            </a:lvl7pPr>
+            <a:lvl8pPr marL="3429000" indent="-228600" defTabSz="914400" latinLnBrk="1">
+              <a:lnSpc>
+                <a:spcPct val="90000"/>
+              </a:lnSpc>
+              <a:spcBef>
+                <a:spcPts val="500"/>
+              </a:spcBef>
+              <a:buFont typeface="Arial" panose="020B0604020202020204" pitchFamily="34" charset="0"/>
+              <a:buChar char="•"/>
+            </a:lvl8pPr>
+            <a:lvl9pPr marL="3886200" indent="-228600" defTabSz="914400" latinLnBrk="1">
+              <a:lnSpc>
+                <a:spcPct val="90000"/>
+              </a:lnSpc>
+              <a:spcBef>
+                <a:spcPts val="500"/>
+              </a:spcBef>
+              <a:buFont typeface="Arial" panose="020B0604020202020204" pitchFamily="34" charset="0"/>
+              <a:buChar char="•"/>
+            </a:lvl9pPr>
+          </a:lstStyle>
+          <a:p>
+            <a:r>
+              <a:rPr lang="en-US" altLang="ko-KR" dirty="0"/>
+              <a:t>$ </a:t>
+            </a:r>
+            <a:r>
+              <a:rPr lang="en-US" altLang="ko-KR" dirty="0" err="1"/>
+              <a:t>ps</a:t>
+            </a:r>
+            <a:r>
+              <a:rPr lang="en-US" altLang="ko-KR" dirty="0"/>
+              <a:t> ax </a:t>
+            </a:r>
+          </a:p>
+          <a:p>
+            <a:pPr lvl="1"/>
+            <a:r>
+              <a:rPr lang="en-US" altLang="ko-KR" dirty="0"/>
+              <a:t>Output currently running processes </a:t>
+            </a:r>
+          </a:p>
+          <a:p>
+            <a:r>
+              <a:rPr lang="en-US" altLang="ko-KR" dirty="0"/>
+              <a:t>$ top </a:t>
+            </a:r>
+          </a:p>
+          <a:p>
+            <a:pPr lvl="1"/>
+            <a:r>
+              <a:rPr lang="en-US" altLang="ko-KR" dirty="0"/>
+              <a:t>Display live information about currently running processes </a:t>
+            </a:r>
+          </a:p>
+          <a:p>
+            <a:r>
+              <a:rPr lang="en-US" altLang="ko-KR" dirty="0"/>
+              <a:t>$ kill &lt;</a:t>
+            </a:r>
+            <a:r>
+              <a:rPr lang="en-US" altLang="ko-KR" dirty="0" err="1"/>
+              <a:t>pid</a:t>
+            </a:r>
+            <a:r>
+              <a:rPr lang="en-US" altLang="ko-KR" dirty="0"/>
+              <a:t>&gt; </a:t>
+            </a:r>
+          </a:p>
+          <a:p>
+            <a:pPr lvl="1"/>
+            <a:r>
+              <a:rPr lang="en-US" altLang="ko-KR" dirty="0"/>
+              <a:t>Quit process with ID &lt;</a:t>
+            </a:r>
+            <a:r>
+              <a:rPr lang="en-US" altLang="ko-KR" dirty="0" err="1"/>
+              <a:t>pid</a:t>
+            </a:r>
+            <a:r>
+              <a:rPr lang="en-US" altLang="ko-KR" dirty="0"/>
+              <a:t>&gt;</a:t>
+            </a:r>
+          </a:p>
+          <a:p>
+            <a:endParaRPr lang="en-US" altLang="ko-KR" dirty="0">
+              <a:latin typeface="+mn-ea"/>
+            </a:endParaRPr>
+          </a:p>
+        </p:txBody>
+      </p:sp>
+    </p:spTree>
+    <p:extLst>
+      <p:ext uri="{BB962C8B-B14F-4D97-AF65-F5344CB8AC3E}">
+        <p14:creationId xmlns:p14="http://schemas.microsoft.com/office/powerpoint/2010/main" val="2173378349"/>
+      </p:ext>
+    </p:extLst>
+  </p:cSld>
+  <p:clrMapOvr>
+    <a:masterClrMapping/>
+  </p:clrMapOvr>
+</p:sld>
+</file>
+
+<file path=ppt/slides/slide29.xml><?xml version="1.0" encoding="utf-8"?>
+<p:sld xmlns:a="http://schemas.openxmlformats.org/drawingml/2006/main" xmlns:r="http://schemas.openxmlformats.org/officeDocument/2006/relationships" xmlns:p="http://schemas.openxmlformats.org/presentationml/2006/main">
+  <p:cSld>
+    <p:spTree>
+      <p:nvGrpSpPr>
+        <p:cNvPr id="1" name=""/>
+        <p:cNvGrpSpPr/>
+        <p:nvPr/>
+      </p:nvGrpSpPr>
+      <p:grpSpPr>
+        <a:xfrm>
+          <a:off x="0" y="0"/>
+          <a:ext cx="0" cy="0"/>
+          <a:chOff x="0" y="0"/>
+          <a:chExt cx="0" cy="0"/>
+        </a:xfrm>
+      </p:grpSpPr>
+      <p:sp>
+        <p:nvSpPr>
+          <p:cNvPr id="4" name="제목 3">
+            <a:extLst>
+              <a:ext uri="{FF2B5EF4-FFF2-40B4-BE49-F238E27FC236}">
+                <a16:creationId xmlns:a16="http://schemas.microsoft.com/office/drawing/2014/main" id="{F0CEB32B-CB43-4410-BA08-A97E4BC47FCB}"/>
+              </a:ext>
+            </a:extLst>
+          </p:cNvPr>
+          <p:cNvSpPr>
+            <a:spLocks noGrp="1"/>
+          </p:cNvSpPr>
+          <p:nvPr>
+            <p:ph type="title"/>
+          </p:nvPr>
+        </p:nvSpPr>
+        <p:spPr/>
+        <p:txBody>
+          <a:bodyPr/>
+          <a:lstStyle/>
+          <a:p>
+            <a:r>
+              <a:rPr lang="en-US" altLang="ko-KR" dirty="0"/>
+              <a:t>COMBINING COMMANDS</a:t>
+            </a:r>
+            <a:endParaRPr lang="ko-KR" altLang="en-US" dirty="0"/>
+          </a:p>
+        </p:txBody>
+      </p:sp>
+      <p:sp>
+        <p:nvSpPr>
+          <p:cNvPr id="6" name="내용 개체 틀 2">
+            <a:extLst>
+              <a:ext uri="{FF2B5EF4-FFF2-40B4-BE49-F238E27FC236}">
+                <a16:creationId xmlns:a16="http://schemas.microsoft.com/office/drawing/2014/main" id="{E597044D-9E91-4036-BC67-BF184BDB0BB9}"/>
+              </a:ext>
+            </a:extLst>
+          </p:cNvPr>
+          <p:cNvSpPr txBox="1">
+            <a:spLocks/>
+          </p:cNvSpPr>
+          <p:nvPr/>
+        </p:nvSpPr>
+        <p:spPr>
+          <a:xfrm>
+            <a:off x="341787" y="1120544"/>
+            <a:ext cx="8642350" cy="5115155"/>
+          </a:xfrm>
+          <a:prstGeom prst="rect">
+            <a:avLst/>
+          </a:prstGeom>
+        </p:spPr>
+        <p:txBody>
+          <a:bodyPr vert="horz" lIns="91440" tIns="45720" rIns="91440" bIns="45720" rtlCol="0">
+            <a:noAutofit/>
+          </a:bodyPr>
+          <a:lstStyle>
+            <a:lvl1pPr marL="266700" indent="-266700" defTabSz="914400" latinLnBrk="1">
+              <a:lnSpc>
+                <a:spcPct val="150000"/>
+              </a:lnSpc>
+              <a:spcBef>
+                <a:spcPct val="0"/>
+              </a:spcBef>
+              <a:buClr>
+                <a:schemeClr val="tx1">
+                  <a:lumMod val="65000"/>
+                  <a:lumOff val="35000"/>
+                </a:schemeClr>
+              </a:buClr>
+              <a:buFont typeface="Wingdings" pitchFamily="2" charset="2"/>
+              <a:buChar char="n"/>
+              <a:defRPr sz="2000" b="1">
+                <a:latin typeface="+mn-ea"/>
+              </a:defRPr>
+            </a:lvl1pPr>
+            <a:lvl2pPr marL="447675" lvl="1" indent="-180975" defTabSz="914400" latinLnBrk="1">
+              <a:lnSpc>
+                <a:spcPct val="150000"/>
+              </a:lnSpc>
+              <a:spcBef>
+                <a:spcPts val="0"/>
+              </a:spcBef>
+              <a:spcAft>
+                <a:spcPts val="0"/>
+              </a:spcAft>
+              <a:buClr>
+                <a:schemeClr val="tx1">
+                  <a:lumMod val="50000"/>
+                  <a:lumOff val="50000"/>
+                </a:schemeClr>
+              </a:buClr>
+              <a:buFont typeface="Wingdings" pitchFamily="2" charset="2"/>
+              <a:buChar char="§"/>
+              <a:defRPr sz="1600"/>
+            </a:lvl2pPr>
+            <a:lvl3pPr marL="628650" indent="-180975" defTabSz="914400" latinLnBrk="1">
+              <a:lnSpc>
+                <a:spcPct val="150000"/>
+              </a:lnSpc>
+              <a:spcBef>
+                <a:spcPts val="500"/>
+              </a:spcBef>
+              <a:spcAft>
+                <a:spcPts val="300"/>
+              </a:spcAft>
+              <a:buClr>
+                <a:schemeClr val="tx1">
+                  <a:lumMod val="65000"/>
+                  <a:lumOff val="35000"/>
+                </a:schemeClr>
+              </a:buClr>
+              <a:buFont typeface="Arial" panose="020B0604020202020204" pitchFamily="34" charset="0"/>
+              <a:buChar char="•"/>
+              <a:defRPr sz="1400"/>
+            </a:lvl3pPr>
+            <a:lvl4pPr marL="809625" indent="-180975" defTabSz="914400" latinLnBrk="1">
+              <a:lnSpc>
+                <a:spcPct val="150000"/>
+              </a:lnSpc>
+              <a:spcBef>
+                <a:spcPts val="500"/>
+              </a:spcBef>
+              <a:spcAft>
+                <a:spcPts val="300"/>
+              </a:spcAft>
+              <a:buClr>
+                <a:schemeClr val="tx1">
+                  <a:lumMod val="65000"/>
+                  <a:lumOff val="35000"/>
+                </a:schemeClr>
+              </a:buClr>
+              <a:buSzPct val="96000"/>
+              <a:buFont typeface="Arial" panose="020B0604020202020204" pitchFamily="34" charset="0"/>
+              <a:buChar char="•"/>
+              <a:defRPr sz="1200"/>
+            </a:lvl4pPr>
+            <a:lvl5pPr marL="990600" indent="-180975" defTabSz="914400" latinLnBrk="1">
+              <a:lnSpc>
+                <a:spcPct val="150000"/>
+              </a:lnSpc>
+              <a:spcBef>
+                <a:spcPts val="500"/>
+              </a:spcBef>
+              <a:buClr>
+                <a:schemeClr val="tx1">
+                  <a:lumMod val="65000"/>
+                  <a:lumOff val="35000"/>
+                </a:schemeClr>
+              </a:buClr>
+              <a:buFont typeface="Arial" panose="020B0604020202020204" pitchFamily="34" charset="0"/>
+              <a:buChar char="•"/>
+              <a:defRPr sz="1000"/>
+            </a:lvl5pPr>
+            <a:lvl6pPr marL="2514600" indent="-228600" defTabSz="914400" latinLnBrk="1">
+              <a:lnSpc>
+                <a:spcPct val="90000"/>
+              </a:lnSpc>
+              <a:spcBef>
+                <a:spcPts val="500"/>
+              </a:spcBef>
+              <a:buFont typeface="Arial" panose="020B0604020202020204" pitchFamily="34" charset="0"/>
+              <a:buChar char="•"/>
+            </a:lvl6pPr>
+            <a:lvl7pPr marL="2971800" indent="-228600" defTabSz="914400" latinLnBrk="1">
+              <a:lnSpc>
+                <a:spcPct val="90000"/>
+              </a:lnSpc>
+              <a:spcBef>
+                <a:spcPts val="500"/>
+              </a:spcBef>
+              <a:buFont typeface="Arial" panose="020B0604020202020204" pitchFamily="34" charset="0"/>
+              <a:buChar char="•"/>
+            </a:lvl7pPr>
+            <a:lvl8pPr marL="3429000" indent="-228600" defTabSz="914400" latinLnBrk="1">
+              <a:lnSpc>
+                <a:spcPct val="90000"/>
+              </a:lnSpc>
+              <a:spcBef>
+                <a:spcPts val="500"/>
+              </a:spcBef>
+              <a:buFont typeface="Arial" panose="020B0604020202020204" pitchFamily="34" charset="0"/>
+              <a:buChar char="•"/>
+            </a:lvl8pPr>
+            <a:lvl9pPr marL="3886200" indent="-228600" defTabSz="914400" latinLnBrk="1">
+              <a:lnSpc>
+                <a:spcPct val="90000"/>
+              </a:lnSpc>
+              <a:spcBef>
+                <a:spcPts val="500"/>
+              </a:spcBef>
+              <a:buFont typeface="Arial" panose="020B0604020202020204" pitchFamily="34" charset="0"/>
+              <a:buChar char="•"/>
+            </a:lvl9pPr>
+          </a:lstStyle>
+          <a:p>
+            <a:r>
+              <a:rPr lang="en-US" altLang="ko-KR" dirty="0"/>
+              <a:t>COMBINING COMMANDS</a:t>
+            </a:r>
+          </a:p>
+          <a:p>
+            <a:pPr lvl="1"/>
+            <a:r>
+              <a:rPr lang="en-US" altLang="ko-KR" dirty="0"/>
+              <a:t>for d in {1..6}; do touch "file${d}.md"; git add "file${d}.md"; git commit -m "adding file ${d}"; done</a:t>
+            </a:r>
+          </a:p>
+          <a:p>
+            <a:pPr lvl="1"/>
+            <a:r>
+              <a:rPr lang="en-US" altLang="ko-KR" dirty="0"/>
+              <a:t>Use</a:t>
+            </a:r>
+            <a:r>
+              <a:rPr lang="ko-KR" altLang="en-US" dirty="0"/>
+              <a:t> </a:t>
+            </a:r>
+            <a:r>
+              <a:rPr lang="en-US" altLang="ko-KR" dirty="0">
+                <a:solidFill>
+                  <a:srgbClr val="FF0000"/>
+                </a:solidFill>
+              </a:rPr>
+              <a:t>“;”</a:t>
+            </a:r>
+            <a:r>
+              <a:rPr lang="ko-KR" altLang="en-US" dirty="0"/>
+              <a:t> </a:t>
+            </a:r>
+            <a:r>
+              <a:rPr lang="en-US" altLang="ko-KR" dirty="0"/>
+              <a:t>on the same line</a:t>
+            </a:r>
+          </a:p>
+          <a:p>
+            <a:r>
+              <a:rPr lang="en-US" altLang="ko-KR" dirty="0"/>
+              <a:t>&amp;&amp; and || </a:t>
+            </a:r>
+          </a:p>
+          <a:p>
+            <a:pPr lvl="1"/>
+            <a:r>
+              <a:rPr lang="en-US" altLang="ko-KR" dirty="0"/>
+              <a:t>&amp;&amp;  operator will only be run if the previous command </a:t>
+            </a:r>
+            <a:r>
+              <a:rPr lang="en-US" altLang="ko-KR" dirty="0">
+                <a:solidFill>
+                  <a:srgbClr val="FF0000"/>
+                </a:solidFill>
+              </a:rPr>
+              <a:t>completes successfully</a:t>
+            </a:r>
+          </a:p>
+          <a:p>
+            <a:pPr lvl="1"/>
+            <a:r>
+              <a:rPr lang="en-US" altLang="ko-KR" dirty="0"/>
+              <a:t>|| operator only continues if the previous </a:t>
+            </a:r>
+            <a:r>
+              <a:rPr lang="en-US" altLang="ko-KR" dirty="0">
+                <a:solidFill>
+                  <a:srgbClr val="FF0000"/>
+                </a:solidFill>
+              </a:rPr>
+              <a:t>command fails</a:t>
+            </a:r>
+          </a:p>
+          <a:p>
+            <a:pPr lvl="1"/>
+            <a:r>
+              <a:rPr lang="en-US" altLang="ko-KR" dirty="0"/>
+              <a:t> $ cd ~/videos || </a:t>
+            </a:r>
+            <a:r>
+              <a:rPr lang="en-US" altLang="ko-KR" dirty="0" err="1"/>
+              <a:t>mkdir</a:t>
+            </a:r>
+            <a:r>
+              <a:rPr lang="en-US" altLang="ko-KR" dirty="0"/>
+              <a:t> ~/videos # will create the folder “videos” only if the cd command fails</a:t>
+            </a:r>
+          </a:p>
+        </p:txBody>
+      </p:sp>
+    </p:spTree>
+    <p:extLst>
+      <p:ext uri="{BB962C8B-B14F-4D97-AF65-F5344CB8AC3E}">
+        <p14:creationId xmlns:p14="http://schemas.microsoft.com/office/powerpoint/2010/main" val="836270208"/>
       </p:ext>
     </p:extLst>
   </p:cSld>
@@ -10454,6 +12475,584 @@
     <p:extLst>
       <p:ext uri="{BB962C8B-B14F-4D97-AF65-F5344CB8AC3E}">
         <p14:creationId xmlns:p14="http://schemas.microsoft.com/office/powerpoint/2010/main" val="2757274808"/>
+      </p:ext>
+    </p:extLst>
+  </p:cSld>
+  <p:clrMapOvr>
+    <a:masterClrMapping/>
+  </p:clrMapOvr>
+</p:sld>
+</file>
+
+<file path=ppt/slides/slide30.xml><?xml version="1.0" encoding="utf-8"?>
+<p:sld xmlns:a="http://schemas.openxmlformats.org/drawingml/2006/main" xmlns:r="http://schemas.openxmlformats.org/officeDocument/2006/relationships" xmlns:p="http://schemas.openxmlformats.org/presentationml/2006/main">
+  <p:cSld>
+    <p:spTree>
+      <p:nvGrpSpPr>
+        <p:cNvPr id="1" name=""/>
+        <p:cNvGrpSpPr/>
+        <p:nvPr/>
+      </p:nvGrpSpPr>
+      <p:grpSpPr>
+        <a:xfrm>
+          <a:off x="0" y="0"/>
+          <a:ext cx="0" cy="0"/>
+          <a:chOff x="0" y="0"/>
+          <a:chExt cx="0" cy="0"/>
+        </a:xfrm>
+      </p:grpSpPr>
+      <p:sp>
+        <p:nvSpPr>
+          <p:cNvPr id="4" name="제목 3">
+            <a:extLst>
+              <a:ext uri="{FF2B5EF4-FFF2-40B4-BE49-F238E27FC236}">
+                <a16:creationId xmlns:a16="http://schemas.microsoft.com/office/drawing/2014/main" id="{F0CEB32B-CB43-4410-BA08-A97E4BC47FCB}"/>
+              </a:ext>
+            </a:extLst>
+          </p:cNvPr>
+          <p:cNvSpPr>
+            <a:spLocks noGrp="1"/>
+          </p:cNvSpPr>
+          <p:nvPr>
+            <p:ph type="title"/>
+          </p:nvPr>
+        </p:nvSpPr>
+        <p:spPr/>
+        <p:txBody>
+          <a:bodyPr/>
+          <a:lstStyle/>
+          <a:p>
+            <a:r>
+              <a:rPr lang="en-US" altLang="ko-KR" dirty="0"/>
+              <a:t>THE “CTRL” KEY</a:t>
+            </a:r>
+            <a:endParaRPr lang="ko-KR" altLang="en-US" dirty="0"/>
+          </a:p>
+        </p:txBody>
+      </p:sp>
+      <p:sp>
+        <p:nvSpPr>
+          <p:cNvPr id="6" name="내용 개체 틀 2">
+            <a:extLst>
+              <a:ext uri="{FF2B5EF4-FFF2-40B4-BE49-F238E27FC236}">
+                <a16:creationId xmlns:a16="http://schemas.microsoft.com/office/drawing/2014/main" id="{E597044D-9E91-4036-BC67-BF184BDB0BB9}"/>
+              </a:ext>
+            </a:extLst>
+          </p:cNvPr>
+          <p:cNvSpPr txBox="1">
+            <a:spLocks/>
+          </p:cNvSpPr>
+          <p:nvPr/>
+        </p:nvSpPr>
+        <p:spPr>
+          <a:xfrm>
+            <a:off x="341787" y="1120544"/>
+            <a:ext cx="8642350" cy="5115155"/>
+          </a:xfrm>
+          <a:prstGeom prst="rect">
+            <a:avLst/>
+          </a:prstGeom>
+        </p:spPr>
+        <p:txBody>
+          <a:bodyPr vert="horz" lIns="91440" tIns="45720" rIns="91440" bIns="45720" rtlCol="0">
+            <a:noAutofit/>
+          </a:bodyPr>
+          <a:lstStyle>
+            <a:lvl1pPr marL="266700" indent="-266700" defTabSz="914400" latinLnBrk="1">
+              <a:lnSpc>
+                <a:spcPct val="150000"/>
+              </a:lnSpc>
+              <a:spcBef>
+                <a:spcPct val="0"/>
+              </a:spcBef>
+              <a:buClr>
+                <a:schemeClr val="tx1">
+                  <a:lumMod val="65000"/>
+                  <a:lumOff val="35000"/>
+                </a:schemeClr>
+              </a:buClr>
+              <a:buFont typeface="Wingdings" pitchFamily="2" charset="2"/>
+              <a:buChar char="n"/>
+              <a:defRPr sz="2000" b="1">
+                <a:latin typeface="+mn-ea"/>
+              </a:defRPr>
+            </a:lvl1pPr>
+            <a:lvl2pPr marL="447675" lvl="1" indent="-180975" defTabSz="914400" latinLnBrk="1">
+              <a:lnSpc>
+                <a:spcPct val="150000"/>
+              </a:lnSpc>
+              <a:spcBef>
+                <a:spcPts val="0"/>
+              </a:spcBef>
+              <a:spcAft>
+                <a:spcPts val="0"/>
+              </a:spcAft>
+              <a:buClr>
+                <a:schemeClr val="tx1">
+                  <a:lumMod val="50000"/>
+                  <a:lumOff val="50000"/>
+                </a:schemeClr>
+              </a:buClr>
+              <a:buFont typeface="Wingdings" pitchFamily="2" charset="2"/>
+              <a:buChar char="§"/>
+              <a:defRPr sz="1600"/>
+            </a:lvl2pPr>
+            <a:lvl3pPr marL="628650" indent="-180975" defTabSz="914400" latinLnBrk="1">
+              <a:lnSpc>
+                <a:spcPct val="150000"/>
+              </a:lnSpc>
+              <a:spcBef>
+                <a:spcPts val="500"/>
+              </a:spcBef>
+              <a:spcAft>
+                <a:spcPts val="300"/>
+              </a:spcAft>
+              <a:buClr>
+                <a:schemeClr val="tx1">
+                  <a:lumMod val="65000"/>
+                  <a:lumOff val="35000"/>
+                </a:schemeClr>
+              </a:buClr>
+              <a:buFont typeface="Arial" panose="020B0604020202020204" pitchFamily="34" charset="0"/>
+              <a:buChar char="•"/>
+              <a:defRPr sz="1400"/>
+            </a:lvl3pPr>
+            <a:lvl4pPr marL="809625" indent="-180975" defTabSz="914400" latinLnBrk="1">
+              <a:lnSpc>
+                <a:spcPct val="150000"/>
+              </a:lnSpc>
+              <a:spcBef>
+                <a:spcPts val="500"/>
+              </a:spcBef>
+              <a:spcAft>
+                <a:spcPts val="300"/>
+              </a:spcAft>
+              <a:buClr>
+                <a:schemeClr val="tx1">
+                  <a:lumMod val="65000"/>
+                  <a:lumOff val="35000"/>
+                </a:schemeClr>
+              </a:buClr>
+              <a:buSzPct val="96000"/>
+              <a:buFont typeface="Arial" panose="020B0604020202020204" pitchFamily="34" charset="0"/>
+              <a:buChar char="•"/>
+              <a:defRPr sz="1200"/>
+            </a:lvl4pPr>
+            <a:lvl5pPr marL="990600" indent="-180975" defTabSz="914400" latinLnBrk="1">
+              <a:lnSpc>
+                <a:spcPct val="150000"/>
+              </a:lnSpc>
+              <a:spcBef>
+                <a:spcPts val="500"/>
+              </a:spcBef>
+              <a:buClr>
+                <a:schemeClr val="tx1">
+                  <a:lumMod val="65000"/>
+                  <a:lumOff val="35000"/>
+                </a:schemeClr>
+              </a:buClr>
+              <a:buFont typeface="Arial" panose="020B0604020202020204" pitchFamily="34" charset="0"/>
+              <a:buChar char="•"/>
+              <a:defRPr sz="1000"/>
+            </a:lvl5pPr>
+            <a:lvl6pPr marL="2514600" indent="-228600" defTabSz="914400" latinLnBrk="1">
+              <a:lnSpc>
+                <a:spcPct val="90000"/>
+              </a:lnSpc>
+              <a:spcBef>
+                <a:spcPts val="500"/>
+              </a:spcBef>
+              <a:buFont typeface="Arial" panose="020B0604020202020204" pitchFamily="34" charset="0"/>
+              <a:buChar char="•"/>
+            </a:lvl6pPr>
+            <a:lvl7pPr marL="2971800" indent="-228600" defTabSz="914400" latinLnBrk="1">
+              <a:lnSpc>
+                <a:spcPct val="90000"/>
+              </a:lnSpc>
+              <a:spcBef>
+                <a:spcPts val="500"/>
+              </a:spcBef>
+              <a:buFont typeface="Arial" panose="020B0604020202020204" pitchFamily="34" charset="0"/>
+              <a:buChar char="•"/>
+            </a:lvl7pPr>
+            <a:lvl8pPr marL="3429000" indent="-228600" defTabSz="914400" latinLnBrk="1">
+              <a:lnSpc>
+                <a:spcPct val="90000"/>
+              </a:lnSpc>
+              <a:spcBef>
+                <a:spcPts val="500"/>
+              </a:spcBef>
+              <a:buFont typeface="Arial" panose="020B0604020202020204" pitchFamily="34" charset="0"/>
+              <a:buChar char="•"/>
+            </a:lvl8pPr>
+            <a:lvl9pPr marL="3886200" indent="-228600" defTabSz="914400" latinLnBrk="1">
+              <a:lnSpc>
+                <a:spcPct val="90000"/>
+              </a:lnSpc>
+              <a:spcBef>
+                <a:spcPts val="500"/>
+              </a:spcBef>
+              <a:buFont typeface="Arial" panose="020B0604020202020204" pitchFamily="34" charset="0"/>
+              <a:buChar char="•"/>
+            </a:lvl9pPr>
+          </a:lstStyle>
+          <a:p>
+            <a:r>
+              <a:rPr lang="en-US" altLang="ko-KR" dirty="0"/>
+              <a:t>CTRL+A, CTRL+E</a:t>
+            </a:r>
+          </a:p>
+          <a:p>
+            <a:pPr lvl="1"/>
+            <a:r>
+              <a:rPr lang="en-US" altLang="ko-KR" dirty="0"/>
+              <a:t>CTRL+A moves the caret to the beginning of the line</a:t>
+            </a:r>
+          </a:p>
+          <a:p>
+            <a:pPr lvl="1"/>
+            <a:r>
+              <a:rPr lang="en-US" altLang="ko-KR" dirty="0"/>
+              <a:t>CTRL+E to the end of the line.</a:t>
+            </a:r>
+          </a:p>
+          <a:p>
+            <a:r>
+              <a:rPr lang="en-US" altLang="ko-KR" dirty="0"/>
+              <a:t>CTRL+K, CTRL+U</a:t>
+            </a:r>
+          </a:p>
+          <a:p>
+            <a:pPr lvl="1"/>
+            <a:r>
+              <a:rPr lang="en-US" altLang="ko-KR" dirty="0"/>
+              <a:t>CTRL+K deletes all characters after the caret</a:t>
+            </a:r>
+          </a:p>
+          <a:p>
+            <a:pPr lvl="1"/>
+            <a:r>
+              <a:rPr lang="en-US" altLang="ko-KR" dirty="0"/>
+              <a:t>CTRL+U all characters in front of the caret. </a:t>
+            </a:r>
+          </a:p>
+          <a:p>
+            <a:r>
+              <a:rPr lang="en-US" altLang="ko-KR" dirty="0"/>
+              <a:t>CTRL+L, CTRL+C</a:t>
+            </a:r>
+          </a:p>
+          <a:p>
+            <a:pPr lvl="1"/>
+            <a:r>
+              <a:rPr lang="en-US" altLang="ko-KR" dirty="0"/>
+              <a:t>CTRL+L clears the screen (similarly to the clear command) </a:t>
+            </a:r>
+          </a:p>
+          <a:p>
+            <a:pPr lvl="1"/>
+            <a:r>
+              <a:rPr lang="en-US" altLang="ko-KR" dirty="0"/>
+              <a:t>CTRL+C abort, cancel</a:t>
+            </a:r>
+          </a:p>
+        </p:txBody>
+      </p:sp>
+    </p:spTree>
+    <p:extLst>
+      <p:ext uri="{BB962C8B-B14F-4D97-AF65-F5344CB8AC3E}">
+        <p14:creationId xmlns:p14="http://schemas.microsoft.com/office/powerpoint/2010/main" val="997223253"/>
+      </p:ext>
+    </p:extLst>
+  </p:cSld>
+  <p:clrMapOvr>
+    <a:masterClrMapping/>
+  </p:clrMapOvr>
+</p:sld>
+</file>
+
+<file path=ppt/slides/slide31.xml><?xml version="1.0" encoding="utf-8"?>
+<p:sld xmlns:a="http://schemas.openxmlformats.org/drawingml/2006/main" xmlns:r="http://schemas.openxmlformats.org/officeDocument/2006/relationships" xmlns:p="http://schemas.openxmlformats.org/presentationml/2006/main">
+  <p:cSld>
+    <p:spTree>
+      <p:nvGrpSpPr>
+        <p:cNvPr id="1" name=""/>
+        <p:cNvGrpSpPr/>
+        <p:nvPr/>
+      </p:nvGrpSpPr>
+      <p:grpSpPr>
+        <a:xfrm>
+          <a:off x="0" y="0"/>
+          <a:ext cx="0" cy="0"/>
+          <a:chOff x="0" y="0"/>
+          <a:chExt cx="0" cy="0"/>
+        </a:xfrm>
+      </p:grpSpPr>
+      <p:sp>
+        <p:nvSpPr>
+          <p:cNvPr id="4" name="제목 3">
+            <a:extLst>
+              <a:ext uri="{FF2B5EF4-FFF2-40B4-BE49-F238E27FC236}">
+                <a16:creationId xmlns:a16="http://schemas.microsoft.com/office/drawing/2014/main" id="{F0CEB32B-CB43-4410-BA08-A97E4BC47FCB}"/>
+              </a:ext>
+            </a:extLst>
+          </p:cNvPr>
+          <p:cNvSpPr>
+            <a:spLocks noGrp="1"/>
+          </p:cNvSpPr>
+          <p:nvPr>
+            <p:ph type="title"/>
+          </p:nvPr>
+        </p:nvSpPr>
+        <p:spPr/>
+        <p:txBody>
+          <a:bodyPr/>
+          <a:lstStyle/>
+          <a:p>
+            <a:r>
+              <a:rPr lang="en-US" altLang="ko-KR" dirty="0"/>
+              <a:t>THE “TAB” KEY</a:t>
+            </a:r>
+            <a:endParaRPr lang="ko-KR" altLang="en-US" dirty="0"/>
+          </a:p>
+        </p:txBody>
+      </p:sp>
+      <p:sp>
+        <p:nvSpPr>
+          <p:cNvPr id="6" name="내용 개체 틀 2">
+            <a:extLst>
+              <a:ext uri="{FF2B5EF4-FFF2-40B4-BE49-F238E27FC236}">
+                <a16:creationId xmlns:a16="http://schemas.microsoft.com/office/drawing/2014/main" id="{E597044D-9E91-4036-BC67-BF184BDB0BB9}"/>
+              </a:ext>
+            </a:extLst>
+          </p:cNvPr>
+          <p:cNvSpPr txBox="1">
+            <a:spLocks/>
+          </p:cNvSpPr>
+          <p:nvPr/>
+        </p:nvSpPr>
+        <p:spPr>
+          <a:xfrm>
+            <a:off x="341787" y="1120544"/>
+            <a:ext cx="8642350" cy="5115155"/>
+          </a:xfrm>
+          <a:prstGeom prst="rect">
+            <a:avLst/>
+          </a:prstGeom>
+        </p:spPr>
+        <p:txBody>
+          <a:bodyPr vert="horz" lIns="91440" tIns="45720" rIns="91440" bIns="45720" rtlCol="0">
+            <a:noAutofit/>
+          </a:bodyPr>
+          <a:lstStyle>
+            <a:lvl1pPr marL="266700" indent="-266700" defTabSz="914400" latinLnBrk="1">
+              <a:lnSpc>
+                <a:spcPct val="150000"/>
+              </a:lnSpc>
+              <a:spcBef>
+                <a:spcPct val="0"/>
+              </a:spcBef>
+              <a:buClr>
+                <a:schemeClr val="tx1">
+                  <a:lumMod val="65000"/>
+                  <a:lumOff val="35000"/>
+                </a:schemeClr>
+              </a:buClr>
+              <a:buFont typeface="Wingdings" pitchFamily="2" charset="2"/>
+              <a:buChar char="n"/>
+              <a:defRPr sz="2000" b="1">
+                <a:latin typeface="+mn-ea"/>
+              </a:defRPr>
+            </a:lvl1pPr>
+            <a:lvl2pPr marL="447675" lvl="1" indent="-180975" defTabSz="914400" latinLnBrk="1">
+              <a:lnSpc>
+                <a:spcPct val="150000"/>
+              </a:lnSpc>
+              <a:spcBef>
+                <a:spcPts val="0"/>
+              </a:spcBef>
+              <a:spcAft>
+                <a:spcPts val="0"/>
+              </a:spcAft>
+              <a:buClr>
+                <a:schemeClr val="tx1">
+                  <a:lumMod val="50000"/>
+                  <a:lumOff val="50000"/>
+                </a:schemeClr>
+              </a:buClr>
+              <a:buFont typeface="Wingdings" pitchFamily="2" charset="2"/>
+              <a:buChar char="§"/>
+              <a:defRPr sz="1600"/>
+            </a:lvl2pPr>
+            <a:lvl3pPr marL="628650" indent="-180975" defTabSz="914400" latinLnBrk="1">
+              <a:lnSpc>
+                <a:spcPct val="150000"/>
+              </a:lnSpc>
+              <a:spcBef>
+                <a:spcPts val="500"/>
+              </a:spcBef>
+              <a:spcAft>
+                <a:spcPts val="300"/>
+              </a:spcAft>
+              <a:buClr>
+                <a:schemeClr val="tx1">
+                  <a:lumMod val="65000"/>
+                  <a:lumOff val="35000"/>
+                </a:schemeClr>
+              </a:buClr>
+              <a:buFont typeface="Arial" panose="020B0604020202020204" pitchFamily="34" charset="0"/>
+              <a:buChar char="•"/>
+              <a:defRPr sz="1400"/>
+            </a:lvl3pPr>
+            <a:lvl4pPr marL="809625" indent="-180975" defTabSz="914400" latinLnBrk="1">
+              <a:lnSpc>
+                <a:spcPct val="150000"/>
+              </a:lnSpc>
+              <a:spcBef>
+                <a:spcPts val="500"/>
+              </a:spcBef>
+              <a:spcAft>
+                <a:spcPts val="300"/>
+              </a:spcAft>
+              <a:buClr>
+                <a:schemeClr val="tx1">
+                  <a:lumMod val="65000"/>
+                  <a:lumOff val="35000"/>
+                </a:schemeClr>
+              </a:buClr>
+              <a:buSzPct val="96000"/>
+              <a:buFont typeface="Arial" panose="020B0604020202020204" pitchFamily="34" charset="0"/>
+              <a:buChar char="•"/>
+              <a:defRPr sz="1200"/>
+            </a:lvl4pPr>
+            <a:lvl5pPr marL="990600" indent="-180975" defTabSz="914400" latinLnBrk="1">
+              <a:lnSpc>
+                <a:spcPct val="150000"/>
+              </a:lnSpc>
+              <a:spcBef>
+                <a:spcPts val="500"/>
+              </a:spcBef>
+              <a:buClr>
+                <a:schemeClr val="tx1">
+                  <a:lumMod val="65000"/>
+                  <a:lumOff val="35000"/>
+                </a:schemeClr>
+              </a:buClr>
+              <a:buFont typeface="Arial" panose="020B0604020202020204" pitchFamily="34" charset="0"/>
+              <a:buChar char="•"/>
+              <a:defRPr sz="1000"/>
+            </a:lvl5pPr>
+            <a:lvl6pPr marL="2514600" indent="-228600" defTabSz="914400" latinLnBrk="1">
+              <a:lnSpc>
+                <a:spcPct val="90000"/>
+              </a:lnSpc>
+              <a:spcBef>
+                <a:spcPts val="500"/>
+              </a:spcBef>
+              <a:buFont typeface="Arial" panose="020B0604020202020204" pitchFamily="34" charset="0"/>
+              <a:buChar char="•"/>
+            </a:lvl6pPr>
+            <a:lvl7pPr marL="2971800" indent="-228600" defTabSz="914400" latinLnBrk="1">
+              <a:lnSpc>
+                <a:spcPct val="90000"/>
+              </a:lnSpc>
+              <a:spcBef>
+                <a:spcPts val="500"/>
+              </a:spcBef>
+              <a:buFont typeface="Arial" panose="020B0604020202020204" pitchFamily="34" charset="0"/>
+              <a:buChar char="•"/>
+            </a:lvl7pPr>
+            <a:lvl8pPr marL="3429000" indent="-228600" defTabSz="914400" latinLnBrk="1">
+              <a:lnSpc>
+                <a:spcPct val="90000"/>
+              </a:lnSpc>
+              <a:spcBef>
+                <a:spcPts val="500"/>
+              </a:spcBef>
+              <a:buFont typeface="Arial" panose="020B0604020202020204" pitchFamily="34" charset="0"/>
+              <a:buChar char="•"/>
+            </a:lvl8pPr>
+            <a:lvl9pPr marL="3886200" indent="-228600" defTabSz="914400" latinLnBrk="1">
+              <a:lnSpc>
+                <a:spcPct val="90000"/>
+              </a:lnSpc>
+              <a:spcBef>
+                <a:spcPts val="500"/>
+              </a:spcBef>
+              <a:buFont typeface="Arial" panose="020B0604020202020204" pitchFamily="34" charset="0"/>
+              <a:buChar char="•"/>
+            </a:lvl9pPr>
+          </a:lstStyle>
+          <a:p>
+            <a:r>
+              <a:rPr lang="ko-KR" altLang="en-US" dirty="0"/>
+              <a:t>파일명의 첫번째 </a:t>
+            </a:r>
+            <a:r>
+              <a:rPr lang="en-US" altLang="ko-KR" dirty="0"/>
+              <a:t>spell</a:t>
+            </a:r>
+            <a:r>
+              <a:rPr lang="ko-KR" altLang="en-US" dirty="0"/>
+              <a:t>을 타이핑하고 </a:t>
+            </a:r>
+            <a:r>
+              <a:rPr lang="en-US" altLang="ko-KR" dirty="0"/>
+              <a:t>tab</a:t>
+            </a:r>
+            <a:r>
+              <a:rPr lang="ko-KR" altLang="en-US" dirty="0"/>
+              <a:t>키</a:t>
+            </a:r>
+            <a:endParaRPr lang="en-US" altLang="ko-KR" dirty="0"/>
+          </a:p>
+          <a:p>
+            <a:pPr lvl="1"/>
+            <a:r>
+              <a:rPr lang="ko-KR" altLang="en-US" dirty="0"/>
+              <a:t>현재 디렉토리에 있는 이름이 매칭되는 파일로 자동 변환</a:t>
+            </a:r>
+            <a:endParaRPr lang="en-US" altLang="ko-KR" dirty="0"/>
+          </a:p>
+          <a:p>
+            <a:pPr lvl="1"/>
+            <a:r>
+              <a:rPr lang="ko-KR" altLang="en-US" dirty="0"/>
+              <a:t>여러 개가 있으면 </a:t>
+            </a:r>
+            <a:r>
+              <a:rPr lang="en-US" altLang="ko-KR" dirty="0"/>
+              <a:t>tab 2 </a:t>
+            </a:r>
+            <a:r>
+              <a:rPr lang="ko-KR" altLang="en-US" dirty="0"/>
+              <a:t>번 동시에 클릭하면 선택할 수 있는 여러 개의 파일이 보이고</a:t>
+            </a:r>
+            <a:endParaRPr lang="en-US" altLang="ko-KR" dirty="0"/>
+          </a:p>
+          <a:p>
+            <a:pPr marL="266700" lvl="1" indent="0">
+              <a:buNone/>
+            </a:pPr>
+            <a:r>
+              <a:rPr lang="en-US" altLang="ko-KR" dirty="0"/>
+              <a:t>    </a:t>
+            </a:r>
+            <a:r>
+              <a:rPr lang="ko-KR" altLang="en-US" dirty="0"/>
+              <a:t>이중에서 선택하여 나머지 부분을 타이핑하면 됨</a:t>
+            </a:r>
+            <a:r>
+              <a:rPr lang="en-US" altLang="ko-KR" dirty="0"/>
+              <a:t>.</a:t>
+            </a:r>
+          </a:p>
+        </p:txBody>
+      </p:sp>
+    </p:spTree>
+    <p:extLst>
+      <p:ext uri="{BB962C8B-B14F-4D97-AF65-F5344CB8AC3E}">
+        <p14:creationId xmlns:p14="http://schemas.microsoft.com/office/powerpoint/2010/main" val="459837079"/>
       </p:ext>
     </p:extLst>
   </p:cSld>

--- a/git및github첫걸음11-명령어모음.pptx
+++ b/git및github첫걸음11-명령어모음.pptx
@@ -5435,37 +5435,14 @@
               <a:t>) </a:t>
             </a:r>
             <a:r>
-              <a:rPr lang="en-US" altLang="ko-KR" sz="1400" dirty="0">
+              <a:rPr lang="ko-KR" altLang="en-US" sz="1400" dirty="0">
                 <a:solidFill>
-                  <a:srgbClr val="C00000"/>
+                  <a:prstClr val="black"/>
                 </a:solidFill>
                 <a:latin typeface="Lucida Console" panose="020B0609040504020204" pitchFamily="49" charset="0"/>
               </a:rPr>
-              <a:t>$ git log --</a:t>
-            </a:r>
-            <a:r>
-              <a:rPr lang="en-US" altLang="ko-KR" sz="1400" dirty="0" err="1">
-                <a:solidFill>
-                  <a:srgbClr val="C00000"/>
-                </a:solidFill>
-                <a:latin typeface="Lucida Console" panose="020B0609040504020204" pitchFamily="49" charset="0"/>
-              </a:rPr>
-              <a:t>oneline</a:t>
-            </a:r>
-            <a:endParaRPr lang="en-US" altLang="ko-KR" sz="1400" dirty="0">
-              <a:solidFill>
-                <a:srgbClr val="C00000"/>
-              </a:solidFill>
-              <a:latin typeface="Lucida Console" panose="020B0609040504020204" pitchFamily="49" charset="0"/>
-            </a:endParaRPr>
-          </a:p>
-          <a:p>
-            <a:pPr marL="0" indent="0">
-              <a:lnSpc>
-                <a:spcPct val="100000"/>
-              </a:lnSpc>
-              <a:buNone/>
-            </a:pPr>
+              <a:t>다음 쪽</a:t>
+            </a:r>
             <a:endParaRPr lang="en-US" altLang="ko-KR" b="0" dirty="0"/>
           </a:p>
         </p:txBody>
@@ -6016,8 +5993,83 @@
               <a:rPr lang="en-US" altLang="ko-KR" sz="1400" b="0" dirty="0">
                 <a:latin typeface="Lucida Console" panose="020B0609040504020204" pitchFamily="49" charset="0"/>
               </a:rPr>
-              <a:t>* abe8885 (HEAD -&gt; main) 6</a:t>
-            </a:r>
+              <a:t>* abe8885 (HEAD -&gt; main) 6 </a:t>
+            </a:r>
+            <a:r>
+              <a:rPr lang="en-US" altLang="ko-KR" sz="1400" b="0" dirty="0">
+                <a:solidFill>
+                  <a:srgbClr val="0000FF"/>
+                </a:solidFill>
+                <a:latin typeface="Lucida Console" panose="020B0609040504020204" pitchFamily="49" charset="0"/>
+              </a:rPr>
+              <a:t># stage</a:t>
+            </a:r>
+            <a:r>
+              <a:rPr lang="ko-KR" altLang="en-US" sz="1400" b="0" dirty="0">
+                <a:solidFill>
+                  <a:srgbClr val="0000FF"/>
+                </a:solidFill>
+                <a:latin typeface="Lucida Console" panose="020B0609040504020204" pitchFamily="49" charset="0"/>
+              </a:rPr>
+              <a:t>된 </a:t>
+            </a:r>
+            <a:r>
+              <a:rPr lang="en-US" altLang="ko-KR" sz="1400" b="0" dirty="0">
+                <a:solidFill>
+                  <a:srgbClr val="0000FF"/>
+                </a:solidFill>
+                <a:latin typeface="Lucida Console" panose="020B0609040504020204" pitchFamily="49" charset="0"/>
+              </a:rPr>
+              <a:t>a5</a:t>
+            </a:r>
+            <a:r>
+              <a:rPr lang="ko-KR" altLang="en-US" sz="1400" b="0" dirty="0">
+                <a:solidFill>
+                  <a:srgbClr val="0000FF"/>
+                </a:solidFill>
+                <a:latin typeface="Lucida Console" panose="020B0609040504020204" pitchFamily="49" charset="0"/>
+              </a:rPr>
+              <a:t>는 </a:t>
+            </a:r>
+            <a:r>
+              <a:rPr lang="en-US" altLang="ko-KR" sz="1400" b="0" dirty="0">
+                <a:solidFill>
+                  <a:srgbClr val="0000FF"/>
+                </a:solidFill>
+                <a:latin typeface="Lucida Console" panose="020B0609040504020204" pitchFamily="49" charset="0"/>
+              </a:rPr>
+              <a:t>commit</a:t>
+            </a:r>
+            <a:r>
+              <a:rPr lang="ko-KR" altLang="en-US" sz="1400" b="0" dirty="0">
+                <a:solidFill>
+                  <a:srgbClr val="0000FF"/>
+                </a:solidFill>
+                <a:latin typeface="Lucida Console" panose="020B0609040504020204" pitchFamily="49" charset="0"/>
+              </a:rPr>
+              <a:t>을 진행하면 됨</a:t>
+            </a:r>
+            <a:r>
+              <a:rPr lang="en-US" altLang="ko-KR" sz="1400" b="0" dirty="0">
+                <a:solidFill>
+                  <a:srgbClr val="0000FF"/>
+                </a:solidFill>
+                <a:latin typeface="Lucida Console" panose="020B0609040504020204" pitchFamily="49" charset="0"/>
+              </a:rPr>
+              <a:t>.</a:t>
+            </a:r>
+            <a:r>
+              <a:rPr lang="ko-KR" altLang="en-US" sz="1400" b="0" dirty="0">
+                <a:solidFill>
+                  <a:srgbClr val="0000FF"/>
+                </a:solidFill>
+                <a:latin typeface="Lucida Console" panose="020B0609040504020204" pitchFamily="49" charset="0"/>
+              </a:rPr>
+              <a:t> </a:t>
+            </a:r>
+            <a:endParaRPr lang="en-US" altLang="ko-KR" sz="1400" b="0" dirty="0">
+              <a:latin typeface="Lucida Console" panose="020B0609040504020204" pitchFamily="49" charset="0"/>
+            </a:endParaRPr>
           </a:p>
           <a:p>
             <a:pPr marL="444500" indent="0">
@@ -6449,6 +6501,101 @@
             </a:r>
           </a:p>
           <a:p>
+            <a:pPr lvl="1">
+              <a:lnSpc>
+                <a:spcPct val="130000"/>
+              </a:lnSpc>
+            </a:pPr>
+            <a:r>
+              <a:rPr lang="en-US" altLang="ko-KR" dirty="0">
+                <a:solidFill>
+                  <a:srgbClr val="0000FF"/>
+                </a:solidFill>
+              </a:rPr>
+              <a:t>--soft option</a:t>
+            </a:r>
+            <a:r>
+              <a:rPr lang="ko-KR" altLang="en-US" dirty="0">
+                <a:solidFill>
+                  <a:srgbClr val="0000FF"/>
+                </a:solidFill>
+              </a:rPr>
+              <a:t>보다 한 단계 이전으로 </a:t>
+            </a:r>
+            <a:r>
+              <a:rPr lang="en-US" altLang="ko-KR" dirty="0">
+                <a:solidFill>
+                  <a:srgbClr val="0000FF"/>
+                </a:solidFill>
+              </a:rPr>
+              <a:t>reset</a:t>
+            </a:r>
+            <a:r>
+              <a:rPr lang="ko-KR" altLang="en-US" dirty="0">
+                <a:solidFill>
+                  <a:srgbClr val="0000FF"/>
+                </a:solidFill>
+              </a:rPr>
+              <a:t>되게 되어 </a:t>
+            </a:r>
+            <a:r>
+              <a:rPr lang="en-US" altLang="ko-KR" dirty="0">
+                <a:solidFill>
+                  <a:srgbClr val="0000FF"/>
+                </a:solidFill>
+              </a:rPr>
+              <a:t>–soft option</a:t>
+            </a:r>
+            <a:r>
+              <a:rPr lang="ko-KR" altLang="en-US" dirty="0">
+                <a:solidFill>
+                  <a:srgbClr val="0000FF"/>
+                </a:solidFill>
+              </a:rPr>
+              <a:t>으로 할 수 있는 것은</a:t>
+            </a:r>
+            <a:r>
+              <a:rPr lang="en-US" altLang="ko-KR" dirty="0">
+                <a:solidFill>
+                  <a:srgbClr val="0000FF"/>
+                </a:solidFill>
+              </a:rPr>
+              <a:t> </a:t>
+            </a:r>
+            <a:r>
+              <a:rPr lang="ko-KR" altLang="en-US" dirty="0">
+                <a:solidFill>
+                  <a:srgbClr val="0000FF"/>
+                </a:solidFill>
+              </a:rPr>
+              <a:t>모두 할 수 있으나 추가 단계를 처리하기 위한 명령어</a:t>
+            </a:r>
+            <a:r>
+              <a:rPr lang="en-US" altLang="ko-KR" dirty="0">
+                <a:solidFill>
+                  <a:srgbClr val="0000FF"/>
+                </a:solidFill>
+              </a:rPr>
+              <a:t>(add)</a:t>
+            </a:r>
+            <a:r>
+              <a:rPr lang="ko-KR" altLang="en-US" dirty="0">
+                <a:solidFill>
+                  <a:srgbClr val="0000FF"/>
+                </a:solidFill>
+              </a:rPr>
+              <a:t>를 더 수행하게 됨</a:t>
+            </a:r>
+            <a:r>
+              <a:rPr lang="en-US" altLang="ko-KR" dirty="0">
+                <a:solidFill>
+                  <a:srgbClr val="0000FF"/>
+                </a:solidFill>
+              </a:rPr>
+              <a:t>. </a:t>
+            </a:r>
+          </a:p>
+          <a:p>
             <a:pPr marL="266700" lvl="1" indent="0">
               <a:lnSpc>
                 <a:spcPct val="100000"/>
@@ -7206,8 +7353,8 @@
         </p:nvSpPr>
         <p:spPr>
           <a:xfrm>
-            <a:off x="341787" y="989917"/>
-            <a:ext cx="8642350" cy="5115155"/>
+            <a:off x="341786" y="989917"/>
+            <a:ext cx="8802213" cy="5115155"/>
           </a:xfrm>
           <a:prstGeom prst="rect">
             <a:avLst/>
@@ -7700,6 +7847,45 @@
               </a:rPr>
               <a:t>* b6338a3 (HEAD -&gt; main) a2 a3</a:t>
             </a:r>
+            <a:r>
+              <a:rPr lang="en-US" altLang="ko-KR" sz="1400" b="0" dirty="0">
+                <a:solidFill>
+                  <a:srgbClr val="0000FF"/>
+                </a:solidFill>
+                <a:latin typeface="Lucida Console" panose="020B0609040504020204" pitchFamily="49" charset="0"/>
+              </a:rPr>
+              <a:t> # a2,a4,a5</a:t>
+            </a:r>
+            <a:r>
+              <a:rPr lang="ko-KR" altLang="en-US" sz="1400" b="0" dirty="0">
+                <a:solidFill>
+                  <a:srgbClr val="0000FF"/>
+                </a:solidFill>
+                <a:latin typeface="Lucida Console" panose="020B0609040504020204" pitchFamily="49" charset="0"/>
+              </a:rPr>
+              <a:t>는 </a:t>
+            </a:r>
+            <a:r>
+              <a:rPr lang="en-US" altLang="ko-KR" sz="1400" b="0" dirty="0">
+                <a:solidFill>
+                  <a:srgbClr val="0000FF"/>
+                </a:solidFill>
+                <a:latin typeface="Lucida Console" panose="020B0609040504020204" pitchFamily="49" charset="0"/>
+              </a:rPr>
+              <a:t>add, commit</a:t>
+            </a:r>
+            <a:r>
+              <a:rPr lang="ko-KR" altLang="en-US" sz="1400" b="0" dirty="0">
+                <a:solidFill>
+                  <a:srgbClr val="0000FF"/>
+                </a:solidFill>
+                <a:latin typeface="Lucida Console" panose="020B0609040504020204" pitchFamily="49" charset="0"/>
+              </a:rPr>
+              <a:t>을 진행</a:t>
+            </a:r>
+            <a:endParaRPr lang="en-US" altLang="ko-KR" sz="1400" b="0" dirty="0">
+              <a:latin typeface="Lucida Console" panose="020B0609040504020204" pitchFamily="49" charset="0"/>
+            </a:endParaRPr>
           </a:p>
           <a:p>
             <a:pPr indent="365125">
@@ -8023,13 +8209,374 @@
           <a:p>
             <a:pPr lvl="1">
               <a:lnSpc>
-                <a:spcPct val="130000"/>
+                <a:spcPct val="100000"/>
               </a:lnSpc>
             </a:pPr>
             <a:r>
               <a:rPr lang="en-US" altLang="ko-KR" dirty="0"/>
               <a:t>3. I regret that B, C, and D happened on this branch; I wish I had branched after A and they had happened on that other branch.</a:t>
             </a:r>
+            <a:r>
+              <a:rPr lang="ko-KR" altLang="en-US" sz="1600" dirty="0">
+                <a:solidFill>
+                  <a:prstClr val="black"/>
+                </a:solidFill>
+                <a:latin typeface="Lucida Console" panose="020B0609040504020204" pitchFamily="49" charset="0"/>
+              </a:rPr>
+              <a:t> </a:t>
+            </a:r>
+            <a:endParaRPr lang="en-US" altLang="ko-KR" sz="1600" dirty="0">
+              <a:solidFill>
+                <a:prstClr val="black"/>
+              </a:solidFill>
+              <a:latin typeface="Lucida Console" panose="020B0609040504020204" pitchFamily="49" charset="0"/>
+            </a:endParaRPr>
+          </a:p>
+          <a:p>
+            <a:pPr lvl="1">
+              <a:lnSpc>
+                <a:spcPct val="100000"/>
+              </a:lnSpc>
+            </a:pPr>
+            <a:r>
+              <a:rPr lang="ko-KR" altLang="en-US" sz="1600" dirty="0">
+                <a:solidFill>
+                  <a:prstClr val="black"/>
+                </a:solidFill>
+                <a:latin typeface="Lucida Console" panose="020B0609040504020204" pitchFamily="49" charset="0"/>
+              </a:rPr>
+              <a:t>예</a:t>
+            </a:r>
+            <a:r>
+              <a:rPr lang="en-US" altLang="ko-KR" sz="1600" dirty="0">
+                <a:solidFill>
+                  <a:prstClr val="black"/>
+                </a:solidFill>
+                <a:latin typeface="Lucida Console" panose="020B0609040504020204" pitchFamily="49" charset="0"/>
+              </a:rPr>
+              <a:t>) </a:t>
+            </a:r>
+          </a:p>
+          <a:p>
+            <a:pPr marL="266700" lvl="1" indent="365125">
+              <a:lnSpc>
+                <a:spcPct val="100000"/>
+              </a:lnSpc>
+              <a:buNone/>
+            </a:pPr>
+            <a:r>
+              <a:rPr lang="en-US" altLang="ko-KR" sz="1400" dirty="0">
+                <a:latin typeface="Lucida Console" panose="020B0609040504020204" pitchFamily="49" charset="0"/>
+              </a:rPr>
+              <a:t>$ git add</a:t>
+            </a:r>
+            <a:r>
+              <a:rPr lang="ko-KR" altLang="en-US" sz="1400" dirty="0">
+                <a:latin typeface="Lucida Console" panose="020B0609040504020204" pitchFamily="49" charset="0"/>
+              </a:rPr>
+              <a:t> </a:t>
+            </a:r>
+            <a:r>
+              <a:rPr lang="en-US" altLang="ko-KR" sz="1400" dirty="0">
+                <a:latin typeface="Lucida Console" panose="020B0609040504020204" pitchFamily="49" charset="0"/>
+              </a:rPr>
+              <a:t>a3</a:t>
+            </a:r>
+          </a:p>
+          <a:p>
+            <a:pPr marL="0" indent="631825">
+              <a:lnSpc>
+                <a:spcPct val="100000"/>
+              </a:lnSpc>
+              <a:buNone/>
+            </a:pPr>
+            <a:r>
+              <a:rPr lang="en-US" altLang="ko-KR" sz="1400" b="0" dirty="0">
+                <a:latin typeface="Lucida Console" panose="020B0609040504020204" pitchFamily="49" charset="0"/>
+              </a:rPr>
+              <a:t>$ git log --</a:t>
+            </a:r>
+            <a:r>
+              <a:rPr lang="en-US" altLang="ko-KR" sz="1400" b="0" dirty="0" err="1">
+                <a:latin typeface="Lucida Console" panose="020B0609040504020204" pitchFamily="49" charset="0"/>
+              </a:rPr>
+              <a:t>oneline</a:t>
+            </a:r>
+            <a:endParaRPr lang="en-US" altLang="ko-KR" sz="1400" b="0" dirty="0">
+              <a:latin typeface="Lucida Console" panose="020B0609040504020204" pitchFamily="49" charset="0"/>
+            </a:endParaRPr>
+          </a:p>
+          <a:p>
+            <a:pPr marL="0" indent="631825">
+              <a:lnSpc>
+                <a:spcPct val="100000"/>
+              </a:lnSpc>
+              <a:buNone/>
+            </a:pPr>
+            <a:r>
+              <a:rPr lang="en-US" altLang="ko-KR" sz="1400" b="0" dirty="0">
+                <a:latin typeface="Lucida Console" panose="020B0609040504020204" pitchFamily="49" charset="0"/>
+              </a:rPr>
+              <a:t>* 844213e (HEAD -&gt; main) 5</a:t>
+            </a:r>
+          </a:p>
+          <a:p>
+            <a:pPr marL="0" indent="631825">
+              <a:lnSpc>
+                <a:spcPct val="100000"/>
+              </a:lnSpc>
+              <a:buNone/>
+            </a:pPr>
+            <a:r>
+              <a:rPr lang="en-US" altLang="ko-KR" sz="1400" b="0" dirty="0">
+                <a:latin typeface="Lucida Console" panose="020B0609040504020204" pitchFamily="49" charset="0"/>
+              </a:rPr>
+              <a:t>* 7bb1d65 3</a:t>
+            </a:r>
+          </a:p>
+          <a:p>
+            <a:pPr marL="0" indent="631825">
+              <a:lnSpc>
+                <a:spcPct val="100000"/>
+              </a:lnSpc>
+              <a:buNone/>
+            </a:pPr>
+            <a:r>
+              <a:rPr lang="en-US" altLang="ko-KR" sz="1400" b="0" dirty="0">
+                <a:latin typeface="Lucida Console" panose="020B0609040504020204" pitchFamily="49" charset="0"/>
+              </a:rPr>
+              <a:t>* 532d577 2-modified</a:t>
+            </a:r>
+          </a:p>
+          <a:p>
+            <a:pPr marL="0" indent="631825">
+              <a:lnSpc>
+                <a:spcPct val="100000"/>
+              </a:lnSpc>
+              <a:buNone/>
+            </a:pPr>
+            <a:r>
+              <a:rPr lang="en-US" altLang="ko-KR" sz="1400" b="0" dirty="0">
+                <a:latin typeface="Lucida Console" panose="020B0609040504020204" pitchFamily="49" charset="0"/>
+              </a:rPr>
+              <a:t>* bdeb4c1 2</a:t>
+            </a:r>
+          </a:p>
+          <a:p>
+            <a:pPr marL="0" indent="631825">
+              <a:lnSpc>
+                <a:spcPct val="100000"/>
+              </a:lnSpc>
+              <a:buNone/>
+            </a:pPr>
+            <a:r>
+              <a:rPr lang="en-US" altLang="ko-KR" sz="1400" b="0" dirty="0">
+                <a:latin typeface="Lucida Console" panose="020B0609040504020204" pitchFamily="49" charset="0"/>
+              </a:rPr>
+              <a:t>* e08e163 1</a:t>
+            </a:r>
+            <a:endParaRPr lang="ko-KR" altLang="en-US" sz="1400" b="0" dirty="0">
+              <a:latin typeface="Lucida Console" panose="020B0609040504020204" pitchFamily="49" charset="0"/>
+            </a:endParaRPr>
+          </a:p>
+          <a:p>
+            <a:pPr marL="0" indent="631825">
+              <a:lnSpc>
+                <a:spcPct val="100000"/>
+              </a:lnSpc>
+              <a:buNone/>
+            </a:pPr>
+            <a:r>
+              <a:rPr lang="en-US" altLang="ko-KR" sz="1400" b="0" dirty="0">
+                <a:latin typeface="Lucida Console" panose="020B0609040504020204" pitchFamily="49" charset="0"/>
+              </a:rPr>
+              <a:t>$ git reset --hard bdeb4c1</a:t>
+            </a:r>
+          </a:p>
+          <a:p>
+            <a:pPr marL="0" indent="631825">
+              <a:lnSpc>
+                <a:spcPct val="100000"/>
+              </a:lnSpc>
+              <a:buNone/>
+            </a:pPr>
+            <a:r>
+              <a:rPr lang="en-US" altLang="ko-KR" sz="1400" b="0" dirty="0">
+                <a:latin typeface="Lucida Console" panose="020B0609040504020204" pitchFamily="49" charset="0"/>
+              </a:rPr>
+              <a:t>HEAD is now at bdeb4c1 2</a:t>
+            </a:r>
+          </a:p>
+          <a:p>
+            <a:pPr marL="0" indent="631825">
+              <a:lnSpc>
+                <a:spcPct val="100000"/>
+              </a:lnSpc>
+              <a:buNone/>
+            </a:pPr>
+            <a:r>
+              <a:rPr lang="en-US" altLang="ko-KR" sz="1400" b="0" dirty="0">
+                <a:latin typeface="Lucida Console" panose="020B0609040504020204" pitchFamily="49" charset="0"/>
+              </a:rPr>
+              <a:t>$ git status</a:t>
+            </a:r>
+          </a:p>
+          <a:p>
+            <a:pPr marL="0" indent="631825">
+              <a:lnSpc>
+                <a:spcPct val="100000"/>
+              </a:lnSpc>
+              <a:buNone/>
+            </a:pPr>
+            <a:r>
+              <a:rPr lang="en-US" altLang="ko-KR" sz="1400" b="0" dirty="0">
+                <a:latin typeface="Lucida Console" panose="020B0609040504020204" pitchFamily="49" charset="0"/>
+              </a:rPr>
+              <a:t>On branch main</a:t>
+            </a:r>
+          </a:p>
+          <a:p>
+            <a:pPr marL="0" indent="631825">
+              <a:lnSpc>
+                <a:spcPct val="100000"/>
+              </a:lnSpc>
+              <a:buNone/>
+            </a:pPr>
+            <a:r>
+              <a:rPr lang="en-US" altLang="ko-KR" sz="1400" b="0" dirty="0">
+                <a:latin typeface="Lucida Console" panose="020B0609040504020204" pitchFamily="49" charset="0"/>
+              </a:rPr>
+              <a:t>nothing to commit, working tree clean</a:t>
+            </a:r>
+          </a:p>
+          <a:p>
+            <a:pPr marL="0" indent="631825">
+              <a:lnSpc>
+                <a:spcPct val="100000"/>
+              </a:lnSpc>
+              <a:buNone/>
+            </a:pPr>
+            <a:r>
+              <a:rPr lang="en-US" altLang="ko-KR" sz="1400" b="0" dirty="0">
+                <a:latin typeface="Lucida Console" panose="020B0609040504020204" pitchFamily="49" charset="0"/>
+              </a:rPr>
+              <a:t>$ git log --</a:t>
+            </a:r>
+            <a:r>
+              <a:rPr lang="en-US" altLang="ko-KR" sz="1400" b="0" dirty="0" err="1">
+                <a:latin typeface="Lucida Console" panose="020B0609040504020204" pitchFamily="49" charset="0"/>
+              </a:rPr>
+              <a:t>oneline</a:t>
+            </a:r>
+            <a:r>
+              <a:rPr lang="en-US" altLang="ko-KR" sz="1400" b="0" dirty="0">
+                <a:latin typeface="Lucida Console" panose="020B0609040504020204" pitchFamily="49" charset="0"/>
+              </a:rPr>
+              <a:t> </a:t>
+            </a:r>
+          </a:p>
+          <a:p>
+            <a:pPr marL="0" indent="631825">
+              <a:lnSpc>
+                <a:spcPct val="100000"/>
+              </a:lnSpc>
+              <a:buNone/>
+            </a:pPr>
+            <a:r>
+              <a:rPr lang="en-US" altLang="ko-KR" sz="1400" b="0" dirty="0">
+                <a:latin typeface="Lucida Console" panose="020B0609040504020204" pitchFamily="49" charset="0"/>
+              </a:rPr>
+              <a:t>* bdeb4c1 (HEAD -&gt; main) 2 </a:t>
+            </a:r>
+            <a:r>
+              <a:rPr lang="en-US" altLang="ko-KR" sz="1400" b="0" dirty="0">
+                <a:solidFill>
+                  <a:srgbClr val="0000FF"/>
+                </a:solidFill>
+                <a:latin typeface="Lucida Console" panose="020B0609040504020204" pitchFamily="49" charset="0"/>
+              </a:rPr>
+              <a:t># </a:t>
+            </a:r>
+            <a:r>
+              <a:rPr lang="ko-KR" altLang="en-US" sz="1400" b="0" dirty="0">
+                <a:solidFill>
+                  <a:srgbClr val="0000FF"/>
+                </a:solidFill>
+                <a:latin typeface="Lucida Console" panose="020B0609040504020204" pitchFamily="49" charset="0"/>
+              </a:rPr>
+              <a:t>이후의 </a:t>
+            </a:r>
+            <a:r>
+              <a:rPr lang="en-US" altLang="ko-KR" sz="1400" b="0" dirty="0">
+                <a:solidFill>
+                  <a:srgbClr val="0000FF"/>
+                </a:solidFill>
+                <a:latin typeface="Lucida Console" panose="020B0609040504020204" pitchFamily="49" charset="0"/>
+              </a:rPr>
+              <a:t>commit</a:t>
+            </a:r>
+            <a:r>
+              <a:rPr lang="ko-KR" altLang="en-US" sz="1400" b="0" dirty="0">
+                <a:solidFill>
+                  <a:srgbClr val="0000FF"/>
+                </a:solidFill>
+                <a:latin typeface="Lucida Console" panose="020B0609040504020204" pitchFamily="49" charset="0"/>
+              </a:rPr>
+              <a:t>은 없어진 상태로 되어 있음</a:t>
+            </a:r>
+            <a:r>
+              <a:rPr lang="en-US" altLang="ko-KR" sz="1400" b="0" dirty="0">
+                <a:solidFill>
+                  <a:srgbClr val="0000FF"/>
+                </a:solidFill>
+                <a:latin typeface="Lucida Console" panose="020B0609040504020204" pitchFamily="49" charset="0"/>
+              </a:rPr>
+              <a:t>.</a:t>
+            </a:r>
+          </a:p>
+          <a:p>
+            <a:pPr marL="0" indent="631825">
+              <a:lnSpc>
+                <a:spcPct val="100000"/>
+              </a:lnSpc>
+              <a:buNone/>
+            </a:pPr>
+            <a:r>
+              <a:rPr lang="en-US" altLang="ko-KR" sz="1400" b="0" dirty="0">
+                <a:latin typeface="Lucida Console" panose="020B0609040504020204" pitchFamily="49" charset="0"/>
+              </a:rPr>
+              <a:t>* e08e163 1</a:t>
+            </a:r>
+          </a:p>
+          <a:p>
+            <a:pPr marL="0" indent="631825">
+              <a:lnSpc>
+                <a:spcPct val="100000"/>
+              </a:lnSpc>
+              <a:buNone/>
+            </a:pPr>
+            <a:endParaRPr lang="en-US" altLang="ko-KR" sz="1400" b="0" dirty="0">
+              <a:latin typeface="Lucida Console" panose="020B0609040504020204" pitchFamily="49" charset="0"/>
+            </a:endParaRPr>
+          </a:p>
+          <a:p>
+            <a:pPr marL="0" indent="631825">
+              <a:lnSpc>
+                <a:spcPct val="100000"/>
+              </a:lnSpc>
+              <a:buNone/>
+            </a:pPr>
+            <a:endParaRPr lang="en-US" altLang="ko-KR" sz="1400" b="0" dirty="0">
+              <a:latin typeface="Lucida Console" panose="020B0609040504020204" pitchFamily="49" charset="0"/>
+            </a:endParaRPr>
+          </a:p>
+          <a:p>
+            <a:pPr indent="365125">
+              <a:lnSpc>
+                <a:spcPct val="100000"/>
+              </a:lnSpc>
+              <a:buNone/>
+            </a:pPr>
             <a:endParaRPr lang="en-US" altLang="ko-KR" b="0" dirty="0"/>
           </a:p>
         </p:txBody>

--- a/git및github첫걸음11-명령어모음.pptx
+++ b/git및github첫걸음11-명령어모음.pptx
@@ -5,7 +5,7 @@
     <p:sldMasterId id="2147483660" r:id="rId1"/>
   </p:sldMasterIdLst>
   <p:notesMasterIdLst>
-    <p:notesMasterId r:id="rId33"/>
+    <p:notesMasterId r:id="rId38"/>
   </p:notesMasterIdLst>
   <p:sldIdLst>
     <p:sldId id="404" r:id="rId2"/>
@@ -39,6 +39,11 @@
     <p:sldId id="466" r:id="rId30"/>
     <p:sldId id="475" r:id="rId31"/>
     <p:sldId id="476" r:id="rId32"/>
+    <p:sldId id="497" r:id="rId33"/>
+    <p:sldId id="498" r:id="rId34"/>
+    <p:sldId id="500" r:id="rId35"/>
+    <p:sldId id="501" r:id="rId36"/>
+    <p:sldId id="499" r:id="rId37"/>
   </p:sldIdLst>
   <p:sldSz cx="9144000" cy="6858000" type="screen4x3"/>
   <p:notesSz cx="6858000" cy="9144000"/>
@@ -2512,6 +2517,426 @@
     <p:extLst>
       <p:ext uri="{BB962C8B-B14F-4D97-AF65-F5344CB8AC3E}">
         <p14:creationId xmlns:p14="http://schemas.microsoft.com/office/powerpoint/2010/main" val="3179898424"/>
+      </p:ext>
+    </p:extLst>
+  </p:cSld>
+  <p:clrMapOvr>
+    <a:masterClrMapping/>
+  </p:clrMapOvr>
+</p:notes>
+</file>
+
+<file path=ppt/notesSlides/notesSlide31.xml><?xml version="1.0" encoding="utf-8"?>
+<p:notes xmlns:a="http://schemas.openxmlformats.org/drawingml/2006/main" xmlns:r="http://schemas.openxmlformats.org/officeDocument/2006/relationships" xmlns:p="http://schemas.openxmlformats.org/presentationml/2006/main">
+  <p:cSld>
+    <p:spTree>
+      <p:nvGrpSpPr>
+        <p:cNvPr id="1" name=""/>
+        <p:cNvGrpSpPr/>
+        <p:nvPr/>
+      </p:nvGrpSpPr>
+      <p:grpSpPr>
+        <a:xfrm>
+          <a:off x="0" y="0"/>
+          <a:ext cx="0" cy="0"/>
+          <a:chOff x="0" y="0"/>
+          <a:chExt cx="0" cy="0"/>
+        </a:xfrm>
+      </p:grpSpPr>
+      <p:sp>
+        <p:nvSpPr>
+          <p:cNvPr id="2" name="슬라이드 이미지 개체 틀 1"/>
+          <p:cNvSpPr>
+            <a:spLocks noGrp="1" noRot="1" noChangeAspect="1"/>
+          </p:cNvSpPr>
+          <p:nvPr>
+            <p:ph type="sldImg"/>
+          </p:nvPr>
+        </p:nvSpPr>
+        <p:spPr/>
+      </p:sp>
+      <p:sp>
+        <p:nvSpPr>
+          <p:cNvPr id="3" name="슬라이드 노트 개체 틀 2"/>
+          <p:cNvSpPr>
+            <a:spLocks noGrp="1"/>
+          </p:cNvSpPr>
+          <p:nvPr>
+            <p:ph type="body" idx="1"/>
+          </p:nvPr>
+        </p:nvSpPr>
+        <p:spPr/>
+        <p:txBody>
+          <a:bodyPr/>
+          <a:lstStyle/>
+          <a:p>
+            <a:endParaRPr lang="ko-KR" altLang="en-US" dirty="0"/>
+          </a:p>
+        </p:txBody>
+      </p:sp>
+      <p:sp>
+        <p:nvSpPr>
+          <p:cNvPr id="4" name="슬라이드 번호 개체 틀 3"/>
+          <p:cNvSpPr>
+            <a:spLocks noGrp="1"/>
+          </p:cNvSpPr>
+          <p:nvPr>
+            <p:ph type="sldNum" sz="quarter" idx="10"/>
+          </p:nvPr>
+        </p:nvSpPr>
+        <p:spPr/>
+        <p:txBody>
+          <a:bodyPr/>
+          <a:lstStyle/>
+          <a:p>
+            <a:fld id="{625D4AC4-540A-4436-887D-BF6A8FCF1275}" type="slidenum">
+              <a:rPr lang="ko-KR" altLang="en-US" smtClean="0"/>
+              <a:t>32</a:t>
+            </a:fld>
+            <a:endParaRPr lang="ko-KR" altLang="en-US"/>
+          </a:p>
+        </p:txBody>
+      </p:sp>
+    </p:spTree>
+    <p:extLst>
+      <p:ext uri="{BB962C8B-B14F-4D97-AF65-F5344CB8AC3E}">
+        <p14:creationId xmlns:p14="http://schemas.microsoft.com/office/powerpoint/2010/main" val="1652076138"/>
+      </p:ext>
+    </p:extLst>
+  </p:cSld>
+  <p:clrMapOvr>
+    <a:masterClrMapping/>
+  </p:clrMapOvr>
+</p:notes>
+</file>
+
+<file path=ppt/notesSlides/notesSlide32.xml><?xml version="1.0" encoding="utf-8"?>
+<p:notes xmlns:a="http://schemas.openxmlformats.org/drawingml/2006/main" xmlns:r="http://schemas.openxmlformats.org/officeDocument/2006/relationships" xmlns:p="http://schemas.openxmlformats.org/presentationml/2006/main">
+  <p:cSld>
+    <p:spTree>
+      <p:nvGrpSpPr>
+        <p:cNvPr id="1" name=""/>
+        <p:cNvGrpSpPr/>
+        <p:nvPr/>
+      </p:nvGrpSpPr>
+      <p:grpSpPr>
+        <a:xfrm>
+          <a:off x="0" y="0"/>
+          <a:ext cx="0" cy="0"/>
+          <a:chOff x="0" y="0"/>
+          <a:chExt cx="0" cy="0"/>
+        </a:xfrm>
+      </p:grpSpPr>
+      <p:sp>
+        <p:nvSpPr>
+          <p:cNvPr id="2" name="슬라이드 이미지 개체 틀 1"/>
+          <p:cNvSpPr>
+            <a:spLocks noGrp="1" noRot="1" noChangeAspect="1"/>
+          </p:cNvSpPr>
+          <p:nvPr>
+            <p:ph type="sldImg"/>
+          </p:nvPr>
+        </p:nvSpPr>
+        <p:spPr/>
+      </p:sp>
+      <p:sp>
+        <p:nvSpPr>
+          <p:cNvPr id="3" name="슬라이드 노트 개체 틀 2"/>
+          <p:cNvSpPr>
+            <a:spLocks noGrp="1"/>
+          </p:cNvSpPr>
+          <p:nvPr>
+            <p:ph type="body" idx="1"/>
+          </p:nvPr>
+        </p:nvSpPr>
+        <p:spPr/>
+        <p:txBody>
+          <a:bodyPr/>
+          <a:lstStyle/>
+          <a:p>
+            <a:endParaRPr lang="ko-KR" altLang="en-US" dirty="0"/>
+          </a:p>
+        </p:txBody>
+      </p:sp>
+      <p:sp>
+        <p:nvSpPr>
+          <p:cNvPr id="4" name="슬라이드 번호 개체 틀 3"/>
+          <p:cNvSpPr>
+            <a:spLocks noGrp="1"/>
+          </p:cNvSpPr>
+          <p:nvPr>
+            <p:ph type="sldNum" sz="quarter" idx="10"/>
+          </p:nvPr>
+        </p:nvSpPr>
+        <p:spPr/>
+        <p:txBody>
+          <a:bodyPr/>
+          <a:lstStyle/>
+          <a:p>
+            <a:fld id="{625D4AC4-540A-4436-887D-BF6A8FCF1275}" type="slidenum">
+              <a:rPr lang="ko-KR" altLang="en-US" smtClean="0"/>
+              <a:t>33</a:t>
+            </a:fld>
+            <a:endParaRPr lang="ko-KR" altLang="en-US"/>
+          </a:p>
+        </p:txBody>
+      </p:sp>
+    </p:spTree>
+    <p:extLst>
+      <p:ext uri="{BB962C8B-B14F-4D97-AF65-F5344CB8AC3E}">
+        <p14:creationId xmlns:p14="http://schemas.microsoft.com/office/powerpoint/2010/main" val="3489677990"/>
+      </p:ext>
+    </p:extLst>
+  </p:cSld>
+  <p:clrMapOvr>
+    <a:masterClrMapping/>
+  </p:clrMapOvr>
+</p:notes>
+</file>
+
+<file path=ppt/notesSlides/notesSlide33.xml><?xml version="1.0" encoding="utf-8"?>
+<p:notes xmlns:a="http://schemas.openxmlformats.org/drawingml/2006/main" xmlns:r="http://schemas.openxmlformats.org/officeDocument/2006/relationships" xmlns:p="http://schemas.openxmlformats.org/presentationml/2006/main">
+  <p:cSld>
+    <p:spTree>
+      <p:nvGrpSpPr>
+        <p:cNvPr id="1" name=""/>
+        <p:cNvGrpSpPr/>
+        <p:nvPr/>
+      </p:nvGrpSpPr>
+      <p:grpSpPr>
+        <a:xfrm>
+          <a:off x="0" y="0"/>
+          <a:ext cx="0" cy="0"/>
+          <a:chOff x="0" y="0"/>
+          <a:chExt cx="0" cy="0"/>
+        </a:xfrm>
+      </p:grpSpPr>
+      <p:sp>
+        <p:nvSpPr>
+          <p:cNvPr id="2" name="슬라이드 이미지 개체 틀 1"/>
+          <p:cNvSpPr>
+            <a:spLocks noGrp="1" noRot="1" noChangeAspect="1"/>
+          </p:cNvSpPr>
+          <p:nvPr>
+            <p:ph type="sldImg"/>
+          </p:nvPr>
+        </p:nvSpPr>
+        <p:spPr/>
+      </p:sp>
+      <p:sp>
+        <p:nvSpPr>
+          <p:cNvPr id="3" name="슬라이드 노트 개체 틀 2"/>
+          <p:cNvSpPr>
+            <a:spLocks noGrp="1"/>
+          </p:cNvSpPr>
+          <p:nvPr>
+            <p:ph type="body" idx="1"/>
+          </p:nvPr>
+        </p:nvSpPr>
+        <p:spPr/>
+        <p:txBody>
+          <a:bodyPr/>
+          <a:lstStyle/>
+          <a:p>
+            <a:endParaRPr lang="ko-KR" altLang="en-US" dirty="0"/>
+          </a:p>
+        </p:txBody>
+      </p:sp>
+      <p:sp>
+        <p:nvSpPr>
+          <p:cNvPr id="4" name="슬라이드 번호 개체 틀 3"/>
+          <p:cNvSpPr>
+            <a:spLocks noGrp="1"/>
+          </p:cNvSpPr>
+          <p:nvPr>
+            <p:ph type="sldNum" sz="quarter" idx="10"/>
+          </p:nvPr>
+        </p:nvSpPr>
+        <p:spPr/>
+        <p:txBody>
+          <a:bodyPr/>
+          <a:lstStyle/>
+          <a:p>
+            <a:fld id="{625D4AC4-540A-4436-887D-BF6A8FCF1275}" type="slidenum">
+              <a:rPr lang="ko-KR" altLang="en-US" smtClean="0"/>
+              <a:t>34</a:t>
+            </a:fld>
+            <a:endParaRPr lang="ko-KR" altLang="en-US"/>
+          </a:p>
+        </p:txBody>
+      </p:sp>
+    </p:spTree>
+    <p:extLst>
+      <p:ext uri="{BB962C8B-B14F-4D97-AF65-F5344CB8AC3E}">
+        <p14:creationId xmlns:p14="http://schemas.microsoft.com/office/powerpoint/2010/main" val="982312442"/>
+      </p:ext>
+    </p:extLst>
+  </p:cSld>
+  <p:clrMapOvr>
+    <a:masterClrMapping/>
+  </p:clrMapOvr>
+</p:notes>
+</file>
+
+<file path=ppt/notesSlides/notesSlide34.xml><?xml version="1.0" encoding="utf-8"?>
+<p:notes xmlns:a="http://schemas.openxmlformats.org/drawingml/2006/main" xmlns:r="http://schemas.openxmlformats.org/officeDocument/2006/relationships" xmlns:p="http://schemas.openxmlformats.org/presentationml/2006/main">
+  <p:cSld>
+    <p:spTree>
+      <p:nvGrpSpPr>
+        <p:cNvPr id="1" name=""/>
+        <p:cNvGrpSpPr/>
+        <p:nvPr/>
+      </p:nvGrpSpPr>
+      <p:grpSpPr>
+        <a:xfrm>
+          <a:off x="0" y="0"/>
+          <a:ext cx="0" cy="0"/>
+          <a:chOff x="0" y="0"/>
+          <a:chExt cx="0" cy="0"/>
+        </a:xfrm>
+      </p:grpSpPr>
+      <p:sp>
+        <p:nvSpPr>
+          <p:cNvPr id="2" name="슬라이드 이미지 개체 틀 1"/>
+          <p:cNvSpPr>
+            <a:spLocks noGrp="1" noRot="1" noChangeAspect="1"/>
+          </p:cNvSpPr>
+          <p:nvPr>
+            <p:ph type="sldImg"/>
+          </p:nvPr>
+        </p:nvSpPr>
+        <p:spPr/>
+      </p:sp>
+      <p:sp>
+        <p:nvSpPr>
+          <p:cNvPr id="3" name="슬라이드 노트 개체 틀 2"/>
+          <p:cNvSpPr>
+            <a:spLocks noGrp="1"/>
+          </p:cNvSpPr>
+          <p:nvPr>
+            <p:ph type="body" idx="1"/>
+          </p:nvPr>
+        </p:nvSpPr>
+        <p:spPr/>
+        <p:txBody>
+          <a:bodyPr/>
+          <a:lstStyle/>
+          <a:p>
+            <a:endParaRPr lang="ko-KR" altLang="en-US" dirty="0"/>
+          </a:p>
+        </p:txBody>
+      </p:sp>
+      <p:sp>
+        <p:nvSpPr>
+          <p:cNvPr id="4" name="슬라이드 번호 개체 틀 3"/>
+          <p:cNvSpPr>
+            <a:spLocks noGrp="1"/>
+          </p:cNvSpPr>
+          <p:nvPr>
+            <p:ph type="sldNum" sz="quarter" idx="10"/>
+          </p:nvPr>
+        </p:nvSpPr>
+        <p:spPr/>
+        <p:txBody>
+          <a:bodyPr/>
+          <a:lstStyle/>
+          <a:p>
+            <a:fld id="{625D4AC4-540A-4436-887D-BF6A8FCF1275}" type="slidenum">
+              <a:rPr lang="ko-KR" altLang="en-US" smtClean="0"/>
+              <a:t>35</a:t>
+            </a:fld>
+            <a:endParaRPr lang="ko-KR" altLang="en-US"/>
+          </a:p>
+        </p:txBody>
+      </p:sp>
+    </p:spTree>
+    <p:extLst>
+      <p:ext uri="{BB962C8B-B14F-4D97-AF65-F5344CB8AC3E}">
+        <p14:creationId xmlns:p14="http://schemas.microsoft.com/office/powerpoint/2010/main" val="3680893435"/>
+      </p:ext>
+    </p:extLst>
+  </p:cSld>
+  <p:clrMapOvr>
+    <a:masterClrMapping/>
+  </p:clrMapOvr>
+</p:notes>
+</file>
+
+<file path=ppt/notesSlides/notesSlide35.xml><?xml version="1.0" encoding="utf-8"?>
+<p:notes xmlns:a="http://schemas.openxmlformats.org/drawingml/2006/main" xmlns:r="http://schemas.openxmlformats.org/officeDocument/2006/relationships" xmlns:p="http://schemas.openxmlformats.org/presentationml/2006/main">
+  <p:cSld>
+    <p:spTree>
+      <p:nvGrpSpPr>
+        <p:cNvPr id="1" name=""/>
+        <p:cNvGrpSpPr/>
+        <p:nvPr/>
+      </p:nvGrpSpPr>
+      <p:grpSpPr>
+        <a:xfrm>
+          <a:off x="0" y="0"/>
+          <a:ext cx="0" cy="0"/>
+          <a:chOff x="0" y="0"/>
+          <a:chExt cx="0" cy="0"/>
+        </a:xfrm>
+      </p:grpSpPr>
+      <p:sp>
+        <p:nvSpPr>
+          <p:cNvPr id="2" name="슬라이드 이미지 개체 틀 1"/>
+          <p:cNvSpPr>
+            <a:spLocks noGrp="1" noRot="1" noChangeAspect="1"/>
+          </p:cNvSpPr>
+          <p:nvPr>
+            <p:ph type="sldImg"/>
+          </p:nvPr>
+        </p:nvSpPr>
+        <p:spPr/>
+      </p:sp>
+      <p:sp>
+        <p:nvSpPr>
+          <p:cNvPr id="3" name="슬라이드 노트 개체 틀 2"/>
+          <p:cNvSpPr>
+            <a:spLocks noGrp="1"/>
+          </p:cNvSpPr>
+          <p:nvPr>
+            <p:ph type="body" idx="1"/>
+          </p:nvPr>
+        </p:nvSpPr>
+        <p:spPr/>
+        <p:txBody>
+          <a:bodyPr/>
+          <a:lstStyle/>
+          <a:p>
+            <a:endParaRPr lang="ko-KR" altLang="en-US" dirty="0"/>
+          </a:p>
+        </p:txBody>
+      </p:sp>
+      <p:sp>
+        <p:nvSpPr>
+          <p:cNvPr id="4" name="슬라이드 번호 개체 틀 3"/>
+          <p:cNvSpPr>
+            <a:spLocks noGrp="1"/>
+          </p:cNvSpPr>
+          <p:nvPr>
+            <p:ph type="sldNum" sz="quarter" idx="10"/>
+          </p:nvPr>
+        </p:nvSpPr>
+        <p:spPr/>
+        <p:txBody>
+          <a:bodyPr/>
+          <a:lstStyle/>
+          <a:p>
+            <a:fld id="{625D4AC4-540A-4436-887D-BF6A8FCF1275}" type="slidenum">
+              <a:rPr lang="ko-KR" altLang="en-US" smtClean="0"/>
+              <a:t>36</a:t>
+            </a:fld>
+            <a:endParaRPr lang="ko-KR" altLang="en-US"/>
+          </a:p>
+        </p:txBody>
+      </p:sp>
+    </p:spTree>
+    <p:extLst>
+      <p:ext uri="{BB962C8B-B14F-4D97-AF65-F5344CB8AC3E}">
+        <p14:creationId xmlns:p14="http://schemas.microsoft.com/office/powerpoint/2010/main" val="3162379994"/>
       </p:ext>
     </p:extLst>
   </p:cSld>
@@ -13600,6 +14025,2811 @@
     <p:extLst>
       <p:ext uri="{BB962C8B-B14F-4D97-AF65-F5344CB8AC3E}">
         <p14:creationId xmlns:p14="http://schemas.microsoft.com/office/powerpoint/2010/main" val="459837079"/>
+      </p:ext>
+    </p:extLst>
+  </p:cSld>
+  <p:clrMapOvr>
+    <a:masterClrMapping/>
+  </p:clrMapOvr>
+</p:sld>
+</file>
+
+<file path=ppt/slides/slide32.xml><?xml version="1.0" encoding="utf-8"?>
+<p:sld xmlns:a="http://schemas.openxmlformats.org/drawingml/2006/main" xmlns:r="http://schemas.openxmlformats.org/officeDocument/2006/relationships" xmlns:p="http://schemas.openxmlformats.org/presentationml/2006/main">
+  <p:cSld>
+    <p:spTree>
+      <p:nvGrpSpPr>
+        <p:cNvPr id="1" name=""/>
+        <p:cNvGrpSpPr/>
+        <p:nvPr/>
+      </p:nvGrpSpPr>
+      <p:grpSpPr>
+        <a:xfrm>
+          <a:off x="0" y="0"/>
+          <a:ext cx="0" cy="0"/>
+          <a:chOff x="0" y="0"/>
+          <a:chExt cx="0" cy="0"/>
+        </a:xfrm>
+      </p:grpSpPr>
+      <p:sp>
+        <p:nvSpPr>
+          <p:cNvPr id="4" name="제목 3">
+            <a:extLst>
+              <a:ext uri="{FF2B5EF4-FFF2-40B4-BE49-F238E27FC236}">
+                <a16:creationId xmlns:a16="http://schemas.microsoft.com/office/drawing/2014/main" id="{F0CEB32B-CB43-4410-BA08-A97E4BC47FCB}"/>
+              </a:ext>
+            </a:extLst>
+          </p:cNvPr>
+          <p:cNvSpPr>
+            <a:spLocks noGrp="1"/>
+          </p:cNvSpPr>
+          <p:nvPr>
+            <p:ph type="title"/>
+          </p:nvPr>
+        </p:nvSpPr>
+        <p:spPr/>
+        <p:txBody>
+          <a:bodyPr/>
+          <a:lstStyle/>
+          <a:p>
+            <a:r>
+              <a:rPr lang="en-US" altLang="ko-KR" dirty="0" smtClean="0"/>
+              <a:t>Sparse-checkout </a:t>
+            </a:r>
+            <a:r>
+              <a:rPr lang="ko-KR" altLang="en-US" dirty="0" smtClean="0"/>
+              <a:t>사용</a:t>
+            </a:r>
+            <a:endParaRPr lang="ko-KR" altLang="en-US" dirty="0"/>
+          </a:p>
+        </p:txBody>
+      </p:sp>
+      <p:sp>
+        <p:nvSpPr>
+          <p:cNvPr id="6" name="내용 개체 틀 2">
+            <a:extLst>
+              <a:ext uri="{FF2B5EF4-FFF2-40B4-BE49-F238E27FC236}">
+                <a16:creationId xmlns:a16="http://schemas.microsoft.com/office/drawing/2014/main" id="{E597044D-9E91-4036-BC67-BF184BDB0BB9}"/>
+              </a:ext>
+            </a:extLst>
+          </p:cNvPr>
+          <p:cNvSpPr txBox="1">
+            <a:spLocks/>
+          </p:cNvSpPr>
+          <p:nvPr/>
+        </p:nvSpPr>
+        <p:spPr>
+          <a:xfrm>
+            <a:off x="341787" y="1120544"/>
+            <a:ext cx="8642350" cy="5115155"/>
+          </a:xfrm>
+          <a:prstGeom prst="rect">
+            <a:avLst/>
+          </a:prstGeom>
+        </p:spPr>
+        <p:txBody>
+          <a:bodyPr vert="horz" lIns="91440" tIns="45720" rIns="91440" bIns="45720" rtlCol="0">
+            <a:noAutofit/>
+          </a:bodyPr>
+          <a:lstStyle>
+            <a:lvl1pPr marL="266700" indent="-266700" defTabSz="914400" latinLnBrk="1">
+              <a:lnSpc>
+                <a:spcPct val="150000"/>
+              </a:lnSpc>
+              <a:spcBef>
+                <a:spcPct val="0"/>
+              </a:spcBef>
+              <a:buClr>
+                <a:schemeClr val="tx1">
+                  <a:lumMod val="65000"/>
+                  <a:lumOff val="35000"/>
+                </a:schemeClr>
+              </a:buClr>
+              <a:buFont typeface="Wingdings" pitchFamily="2" charset="2"/>
+              <a:buChar char="n"/>
+              <a:defRPr sz="2000" b="1">
+                <a:latin typeface="+mn-ea"/>
+              </a:defRPr>
+            </a:lvl1pPr>
+            <a:lvl2pPr marL="447675" lvl="1" indent="-180975" defTabSz="914400" latinLnBrk="1">
+              <a:lnSpc>
+                <a:spcPct val="150000"/>
+              </a:lnSpc>
+              <a:spcBef>
+                <a:spcPts val="0"/>
+              </a:spcBef>
+              <a:spcAft>
+                <a:spcPts val="0"/>
+              </a:spcAft>
+              <a:buClr>
+                <a:schemeClr val="tx1">
+                  <a:lumMod val="50000"/>
+                  <a:lumOff val="50000"/>
+                </a:schemeClr>
+              </a:buClr>
+              <a:buFont typeface="Wingdings" pitchFamily="2" charset="2"/>
+              <a:buChar char="§"/>
+              <a:defRPr sz="1600"/>
+            </a:lvl2pPr>
+            <a:lvl3pPr marL="628650" indent="-180975" defTabSz="914400" latinLnBrk="1">
+              <a:lnSpc>
+                <a:spcPct val="150000"/>
+              </a:lnSpc>
+              <a:spcBef>
+                <a:spcPts val="500"/>
+              </a:spcBef>
+              <a:spcAft>
+                <a:spcPts val="300"/>
+              </a:spcAft>
+              <a:buClr>
+                <a:schemeClr val="tx1">
+                  <a:lumMod val="65000"/>
+                  <a:lumOff val="35000"/>
+                </a:schemeClr>
+              </a:buClr>
+              <a:buFont typeface="Arial" panose="020B0604020202020204" pitchFamily="34" charset="0"/>
+              <a:buChar char="•"/>
+              <a:defRPr sz="1400"/>
+            </a:lvl3pPr>
+            <a:lvl4pPr marL="809625" indent="-180975" defTabSz="914400" latinLnBrk="1">
+              <a:lnSpc>
+                <a:spcPct val="150000"/>
+              </a:lnSpc>
+              <a:spcBef>
+                <a:spcPts val="500"/>
+              </a:spcBef>
+              <a:spcAft>
+                <a:spcPts val="300"/>
+              </a:spcAft>
+              <a:buClr>
+                <a:schemeClr val="tx1">
+                  <a:lumMod val="65000"/>
+                  <a:lumOff val="35000"/>
+                </a:schemeClr>
+              </a:buClr>
+              <a:buSzPct val="96000"/>
+              <a:buFont typeface="Arial" panose="020B0604020202020204" pitchFamily="34" charset="0"/>
+              <a:buChar char="•"/>
+              <a:defRPr sz="1200"/>
+            </a:lvl4pPr>
+            <a:lvl5pPr marL="990600" indent="-180975" defTabSz="914400" latinLnBrk="1">
+              <a:lnSpc>
+                <a:spcPct val="150000"/>
+              </a:lnSpc>
+              <a:spcBef>
+                <a:spcPts val="500"/>
+              </a:spcBef>
+              <a:buClr>
+                <a:schemeClr val="tx1">
+                  <a:lumMod val="65000"/>
+                  <a:lumOff val="35000"/>
+                </a:schemeClr>
+              </a:buClr>
+              <a:buFont typeface="Arial" panose="020B0604020202020204" pitchFamily="34" charset="0"/>
+              <a:buChar char="•"/>
+              <a:defRPr sz="1000"/>
+            </a:lvl5pPr>
+            <a:lvl6pPr marL="2514600" indent="-228600" defTabSz="914400" latinLnBrk="1">
+              <a:lnSpc>
+                <a:spcPct val="90000"/>
+              </a:lnSpc>
+              <a:spcBef>
+                <a:spcPts val="500"/>
+              </a:spcBef>
+              <a:buFont typeface="Arial" panose="020B0604020202020204" pitchFamily="34" charset="0"/>
+              <a:buChar char="•"/>
+            </a:lvl6pPr>
+            <a:lvl7pPr marL="2971800" indent="-228600" defTabSz="914400" latinLnBrk="1">
+              <a:lnSpc>
+                <a:spcPct val="90000"/>
+              </a:lnSpc>
+              <a:spcBef>
+                <a:spcPts val="500"/>
+              </a:spcBef>
+              <a:buFont typeface="Arial" panose="020B0604020202020204" pitchFamily="34" charset="0"/>
+              <a:buChar char="•"/>
+            </a:lvl7pPr>
+            <a:lvl8pPr marL="3429000" indent="-228600" defTabSz="914400" latinLnBrk="1">
+              <a:lnSpc>
+                <a:spcPct val="90000"/>
+              </a:lnSpc>
+              <a:spcBef>
+                <a:spcPts val="500"/>
+              </a:spcBef>
+              <a:buFont typeface="Arial" panose="020B0604020202020204" pitchFamily="34" charset="0"/>
+              <a:buChar char="•"/>
+            </a:lvl8pPr>
+            <a:lvl9pPr marL="3886200" indent="-228600" defTabSz="914400" latinLnBrk="1">
+              <a:lnSpc>
+                <a:spcPct val="90000"/>
+              </a:lnSpc>
+              <a:spcBef>
+                <a:spcPts val="500"/>
+              </a:spcBef>
+              <a:buFont typeface="Arial" panose="020B0604020202020204" pitchFamily="34" charset="0"/>
+              <a:buChar char="•"/>
+            </a:lvl9pPr>
+          </a:lstStyle>
+          <a:p>
+            <a:r>
+              <a:rPr lang="ko-KR" altLang="en-US" dirty="0" smtClean="0"/>
+              <a:t>원하는 폴더나 파일만 </a:t>
+            </a:r>
+            <a:r>
+              <a:rPr lang="en-US" altLang="ko-KR" dirty="0" smtClean="0"/>
+              <a:t>clone</a:t>
+            </a:r>
+            <a:r>
+              <a:rPr lang="ko-KR" altLang="en-US" dirty="0" smtClean="0"/>
+              <a:t>하여 사용하기</a:t>
+            </a:r>
+            <a:endParaRPr lang="en-US" altLang="ko-KR" dirty="0"/>
+          </a:p>
+          <a:p>
+            <a:pPr lvl="1"/>
+            <a:r>
+              <a:rPr lang="ko-KR" altLang="en-US" dirty="0" smtClean="0"/>
+              <a:t>저장소에서 특정 폴더나 파일만 보이도록 체크아웃하는 기능의 명령어</a:t>
+            </a:r>
+            <a:endParaRPr lang="en-US" altLang="ko-KR" dirty="0" smtClean="0"/>
+          </a:p>
+          <a:p>
+            <a:pPr lvl="1"/>
+            <a:r>
+              <a:rPr lang="en-US" altLang="ko-KR" dirty="0" smtClean="0"/>
+              <a:t>History</a:t>
+            </a:r>
+            <a:r>
+              <a:rPr lang="ko-KR" altLang="en-US" dirty="0" smtClean="0"/>
+              <a:t>는 공유되기 때문에 작업 후 </a:t>
+            </a:r>
+            <a:r>
+              <a:rPr lang="en-US" altLang="ko-KR" dirty="0" smtClean="0"/>
+              <a:t>push</a:t>
+            </a:r>
+            <a:r>
+              <a:rPr lang="ko-KR" altLang="en-US" dirty="0" smtClean="0"/>
+              <a:t>를 할 경우</a:t>
+            </a:r>
+            <a:r>
+              <a:rPr lang="en-US" altLang="ko-KR" dirty="0" smtClean="0"/>
+              <a:t>, </a:t>
+            </a:r>
+            <a:r>
+              <a:rPr lang="ko-KR" altLang="en-US" dirty="0" smtClean="0"/>
+              <a:t>기존과 마찬가지로 </a:t>
+            </a:r>
+            <a:r>
+              <a:rPr lang="en-US" altLang="ko-KR" dirty="0" smtClean="0"/>
+              <a:t>conflict</a:t>
+            </a:r>
+            <a:r>
+              <a:rPr lang="ko-KR" altLang="en-US" dirty="0" smtClean="0"/>
+              <a:t>가 발생가능하기 때문에 </a:t>
+            </a:r>
+            <a:r>
+              <a:rPr lang="en-US" altLang="ko-KR" dirty="0" smtClean="0"/>
+              <a:t>pull</a:t>
+            </a:r>
+            <a:r>
+              <a:rPr lang="ko-KR" altLang="en-US" dirty="0" smtClean="0"/>
+              <a:t>로 먼저 다듬고 </a:t>
+            </a:r>
+            <a:r>
+              <a:rPr lang="en-US" altLang="ko-KR" dirty="0" smtClean="0"/>
+              <a:t>push</a:t>
+            </a:r>
+            <a:r>
+              <a:rPr lang="ko-KR" altLang="en-US" dirty="0" smtClean="0"/>
+              <a:t>를 해야 함</a:t>
+            </a:r>
+            <a:r>
+              <a:rPr lang="en-US" altLang="ko-KR" dirty="0" smtClean="0"/>
+              <a:t>.</a:t>
+            </a:r>
+          </a:p>
+          <a:p>
+            <a:pPr lvl="1"/>
+            <a:r>
+              <a:rPr lang="ko-KR" altLang="en-US" dirty="0" smtClean="0"/>
+              <a:t>다른 폴더나 파일은 보이지 </a:t>
+            </a:r>
+            <a:r>
+              <a:rPr lang="ko-KR" altLang="en-US" dirty="0" smtClean="0"/>
+              <a:t>않아서 작업하기에는 편해 보이나</a:t>
+            </a:r>
+            <a:r>
+              <a:rPr lang="en-US" altLang="ko-KR" dirty="0" smtClean="0"/>
+              <a:t>,</a:t>
+            </a:r>
+            <a:r>
+              <a:rPr lang="ko-KR" altLang="en-US" dirty="0" smtClean="0"/>
+              <a:t> </a:t>
+            </a:r>
+            <a:r>
+              <a:rPr lang="en-US" altLang="ko-KR" dirty="0" smtClean="0"/>
+              <a:t>Commit </a:t>
+            </a:r>
+            <a:r>
+              <a:rPr lang="ko-KR" altLang="en-US" dirty="0" smtClean="0"/>
+              <a:t>스냅샷은 독립적으로 움직일 수 없기 때문에 합쳐지면서 추가적인 작업이 발생할 수 있음</a:t>
+            </a:r>
+            <a:r>
+              <a:rPr lang="en-US" altLang="ko-KR" dirty="0" smtClean="0"/>
+              <a:t>.</a:t>
+            </a:r>
+          </a:p>
+          <a:p>
+            <a:pPr lvl="1"/>
+            <a:endParaRPr lang="en-US" altLang="ko-KR" dirty="0"/>
+          </a:p>
+          <a:p>
+            <a:pPr lvl="1"/>
+            <a:r>
+              <a:rPr lang="en-US" altLang="ko-KR" dirty="0">
+                <a:hlinkClick r:id="rId3"/>
+              </a:rPr>
+              <a:t>https://</a:t>
+            </a:r>
+            <a:r>
+              <a:rPr lang="en-US" altLang="ko-KR" dirty="0" smtClean="0">
+                <a:hlinkClick r:id="rId3"/>
+              </a:rPr>
+              <a:t>bitlog.tistory.com/132</a:t>
+            </a:r>
+            <a:endParaRPr lang="en-US" altLang="ko-KR" dirty="0" smtClean="0"/>
+          </a:p>
+          <a:p>
+            <a:pPr lvl="1"/>
+            <a:r>
+              <a:rPr lang="en-US" altLang="ko-KR" dirty="0"/>
+              <a:t>https://blog.outsider.ne.kr/734</a:t>
+            </a:r>
+            <a:endParaRPr lang="en-US" altLang="ko-KR" dirty="0"/>
+          </a:p>
+        </p:txBody>
+      </p:sp>
+    </p:spTree>
+    <p:extLst>
+      <p:ext uri="{BB962C8B-B14F-4D97-AF65-F5344CB8AC3E}">
+        <p14:creationId xmlns:p14="http://schemas.microsoft.com/office/powerpoint/2010/main" val="2664935452"/>
+      </p:ext>
+    </p:extLst>
+  </p:cSld>
+  <p:clrMapOvr>
+    <a:masterClrMapping/>
+  </p:clrMapOvr>
+</p:sld>
+</file>
+
+<file path=ppt/slides/slide33.xml><?xml version="1.0" encoding="utf-8"?>
+<p:sld xmlns:a="http://schemas.openxmlformats.org/drawingml/2006/main" xmlns:r="http://schemas.openxmlformats.org/officeDocument/2006/relationships" xmlns:p="http://schemas.openxmlformats.org/presentationml/2006/main">
+  <p:cSld>
+    <p:spTree>
+      <p:nvGrpSpPr>
+        <p:cNvPr id="1" name=""/>
+        <p:cNvGrpSpPr/>
+        <p:nvPr/>
+      </p:nvGrpSpPr>
+      <p:grpSpPr>
+        <a:xfrm>
+          <a:off x="0" y="0"/>
+          <a:ext cx="0" cy="0"/>
+          <a:chOff x="0" y="0"/>
+          <a:chExt cx="0" cy="0"/>
+        </a:xfrm>
+      </p:grpSpPr>
+      <p:sp>
+        <p:nvSpPr>
+          <p:cNvPr id="4" name="제목 3">
+            <a:extLst>
+              <a:ext uri="{FF2B5EF4-FFF2-40B4-BE49-F238E27FC236}">
+                <a16:creationId xmlns:a16="http://schemas.microsoft.com/office/drawing/2014/main" id="{F0CEB32B-CB43-4410-BA08-A97E4BC47FCB}"/>
+              </a:ext>
+            </a:extLst>
+          </p:cNvPr>
+          <p:cNvSpPr>
+            <a:spLocks noGrp="1"/>
+          </p:cNvSpPr>
+          <p:nvPr>
+            <p:ph type="title"/>
+          </p:nvPr>
+        </p:nvSpPr>
+        <p:spPr/>
+        <p:txBody>
+          <a:bodyPr/>
+          <a:lstStyle/>
+          <a:p>
+            <a:r>
+              <a:rPr lang="en-US" altLang="ko-KR" dirty="0" smtClean="0"/>
+              <a:t>Sparse-checkout </a:t>
+            </a:r>
+            <a:r>
+              <a:rPr lang="ko-KR" altLang="en-US" dirty="0" smtClean="0"/>
+              <a:t>사용</a:t>
+            </a:r>
+            <a:endParaRPr lang="ko-KR" altLang="en-US" dirty="0"/>
+          </a:p>
+        </p:txBody>
+      </p:sp>
+      <p:sp>
+        <p:nvSpPr>
+          <p:cNvPr id="6" name="내용 개체 틀 2">
+            <a:extLst>
+              <a:ext uri="{FF2B5EF4-FFF2-40B4-BE49-F238E27FC236}">
+                <a16:creationId xmlns:a16="http://schemas.microsoft.com/office/drawing/2014/main" id="{E597044D-9E91-4036-BC67-BF184BDB0BB9}"/>
+              </a:ext>
+            </a:extLst>
+          </p:cNvPr>
+          <p:cNvSpPr txBox="1">
+            <a:spLocks/>
+          </p:cNvSpPr>
+          <p:nvPr/>
+        </p:nvSpPr>
+        <p:spPr>
+          <a:xfrm>
+            <a:off x="341787" y="1120544"/>
+            <a:ext cx="8642350" cy="5115155"/>
+          </a:xfrm>
+          <a:prstGeom prst="rect">
+            <a:avLst/>
+          </a:prstGeom>
+        </p:spPr>
+        <p:txBody>
+          <a:bodyPr vert="horz" lIns="91440" tIns="45720" rIns="91440" bIns="45720" rtlCol="0">
+            <a:noAutofit/>
+          </a:bodyPr>
+          <a:lstStyle>
+            <a:lvl1pPr marL="266700" indent="-266700" defTabSz="914400" latinLnBrk="1">
+              <a:lnSpc>
+                <a:spcPct val="150000"/>
+              </a:lnSpc>
+              <a:spcBef>
+                <a:spcPct val="0"/>
+              </a:spcBef>
+              <a:buClr>
+                <a:schemeClr val="tx1">
+                  <a:lumMod val="65000"/>
+                  <a:lumOff val="35000"/>
+                </a:schemeClr>
+              </a:buClr>
+              <a:buFont typeface="Wingdings" pitchFamily="2" charset="2"/>
+              <a:buChar char="n"/>
+              <a:defRPr sz="2000" b="1">
+                <a:latin typeface="+mn-ea"/>
+              </a:defRPr>
+            </a:lvl1pPr>
+            <a:lvl2pPr marL="447675" lvl="1" indent="-180975" defTabSz="914400" latinLnBrk="1">
+              <a:lnSpc>
+                <a:spcPct val="150000"/>
+              </a:lnSpc>
+              <a:spcBef>
+                <a:spcPts val="0"/>
+              </a:spcBef>
+              <a:spcAft>
+                <a:spcPts val="0"/>
+              </a:spcAft>
+              <a:buClr>
+                <a:schemeClr val="tx1">
+                  <a:lumMod val="50000"/>
+                  <a:lumOff val="50000"/>
+                </a:schemeClr>
+              </a:buClr>
+              <a:buFont typeface="Wingdings" pitchFamily="2" charset="2"/>
+              <a:buChar char="§"/>
+              <a:defRPr sz="1600"/>
+            </a:lvl2pPr>
+            <a:lvl3pPr marL="628650" indent="-180975" defTabSz="914400" latinLnBrk="1">
+              <a:lnSpc>
+                <a:spcPct val="150000"/>
+              </a:lnSpc>
+              <a:spcBef>
+                <a:spcPts val="500"/>
+              </a:spcBef>
+              <a:spcAft>
+                <a:spcPts val="300"/>
+              </a:spcAft>
+              <a:buClr>
+                <a:schemeClr val="tx1">
+                  <a:lumMod val="65000"/>
+                  <a:lumOff val="35000"/>
+                </a:schemeClr>
+              </a:buClr>
+              <a:buFont typeface="Arial" panose="020B0604020202020204" pitchFamily="34" charset="0"/>
+              <a:buChar char="•"/>
+              <a:defRPr sz="1400"/>
+            </a:lvl3pPr>
+            <a:lvl4pPr marL="809625" indent="-180975" defTabSz="914400" latinLnBrk="1">
+              <a:lnSpc>
+                <a:spcPct val="150000"/>
+              </a:lnSpc>
+              <a:spcBef>
+                <a:spcPts val="500"/>
+              </a:spcBef>
+              <a:spcAft>
+                <a:spcPts val="300"/>
+              </a:spcAft>
+              <a:buClr>
+                <a:schemeClr val="tx1">
+                  <a:lumMod val="65000"/>
+                  <a:lumOff val="35000"/>
+                </a:schemeClr>
+              </a:buClr>
+              <a:buSzPct val="96000"/>
+              <a:buFont typeface="Arial" panose="020B0604020202020204" pitchFamily="34" charset="0"/>
+              <a:buChar char="•"/>
+              <a:defRPr sz="1200"/>
+            </a:lvl4pPr>
+            <a:lvl5pPr marL="990600" indent="-180975" defTabSz="914400" latinLnBrk="1">
+              <a:lnSpc>
+                <a:spcPct val="150000"/>
+              </a:lnSpc>
+              <a:spcBef>
+                <a:spcPts val="500"/>
+              </a:spcBef>
+              <a:buClr>
+                <a:schemeClr val="tx1">
+                  <a:lumMod val="65000"/>
+                  <a:lumOff val="35000"/>
+                </a:schemeClr>
+              </a:buClr>
+              <a:buFont typeface="Arial" panose="020B0604020202020204" pitchFamily="34" charset="0"/>
+              <a:buChar char="•"/>
+              <a:defRPr sz="1000"/>
+            </a:lvl5pPr>
+            <a:lvl6pPr marL="2514600" indent="-228600" defTabSz="914400" latinLnBrk="1">
+              <a:lnSpc>
+                <a:spcPct val="90000"/>
+              </a:lnSpc>
+              <a:spcBef>
+                <a:spcPts val="500"/>
+              </a:spcBef>
+              <a:buFont typeface="Arial" panose="020B0604020202020204" pitchFamily="34" charset="0"/>
+              <a:buChar char="•"/>
+            </a:lvl6pPr>
+            <a:lvl7pPr marL="2971800" indent="-228600" defTabSz="914400" latinLnBrk="1">
+              <a:lnSpc>
+                <a:spcPct val="90000"/>
+              </a:lnSpc>
+              <a:spcBef>
+                <a:spcPts val="500"/>
+              </a:spcBef>
+              <a:buFont typeface="Arial" panose="020B0604020202020204" pitchFamily="34" charset="0"/>
+              <a:buChar char="•"/>
+            </a:lvl7pPr>
+            <a:lvl8pPr marL="3429000" indent="-228600" defTabSz="914400" latinLnBrk="1">
+              <a:lnSpc>
+                <a:spcPct val="90000"/>
+              </a:lnSpc>
+              <a:spcBef>
+                <a:spcPts val="500"/>
+              </a:spcBef>
+              <a:buFont typeface="Arial" panose="020B0604020202020204" pitchFamily="34" charset="0"/>
+              <a:buChar char="•"/>
+            </a:lvl8pPr>
+            <a:lvl9pPr marL="3886200" indent="-228600" defTabSz="914400" latinLnBrk="1">
+              <a:lnSpc>
+                <a:spcPct val="90000"/>
+              </a:lnSpc>
+              <a:spcBef>
+                <a:spcPts val="500"/>
+              </a:spcBef>
+              <a:buFont typeface="Arial" panose="020B0604020202020204" pitchFamily="34" charset="0"/>
+              <a:buChar char="•"/>
+            </a:lvl9pPr>
+          </a:lstStyle>
+          <a:p>
+            <a:r>
+              <a:rPr lang="ko-KR" altLang="en-US" dirty="0" smtClean="0"/>
+              <a:t>원하는 폴더나 파일만 사용하기</a:t>
+            </a:r>
+            <a:endParaRPr lang="en-US" altLang="ko-KR" dirty="0"/>
+          </a:p>
+          <a:p>
+            <a:pPr lvl="1"/>
+            <a:r>
+              <a:rPr lang="ko-KR" altLang="en-US" dirty="0" smtClean="0"/>
+              <a:t>현재 </a:t>
+            </a:r>
+            <a:r>
+              <a:rPr lang="en-US" altLang="ko-KR" dirty="0" smtClean="0"/>
+              <a:t>working directory</a:t>
+            </a:r>
+            <a:r>
+              <a:rPr lang="ko-KR" altLang="en-US" dirty="0" smtClean="0"/>
+              <a:t>에서 원하는 파일이나 폴더만 보고자 할 때</a:t>
+            </a:r>
+            <a:endParaRPr lang="en-US" altLang="ko-KR" dirty="0" smtClean="0"/>
+          </a:p>
+          <a:p>
+            <a:pPr lvl="1"/>
+            <a:r>
+              <a:rPr lang="en-US" altLang="ko-KR" dirty="0" smtClean="0"/>
+              <a:t>Commit</a:t>
+            </a:r>
+            <a:r>
+              <a:rPr lang="ko-KR" altLang="en-US" dirty="0" smtClean="0"/>
+              <a:t>을 완료하고 </a:t>
+            </a:r>
+            <a:r>
+              <a:rPr lang="en-US" altLang="ko-KR" dirty="0" smtClean="0"/>
+              <a:t>working tree clean</a:t>
+            </a:r>
+            <a:r>
+              <a:rPr lang="ko-KR" altLang="en-US" dirty="0" smtClean="0"/>
+              <a:t>인 상태에서 진행</a:t>
+            </a:r>
+            <a:endParaRPr lang="en-US" altLang="ko-KR" dirty="0" smtClean="0"/>
+          </a:p>
+          <a:p>
+            <a:pPr lvl="1"/>
+            <a:r>
+              <a:rPr lang="en-US" altLang="ko-KR" dirty="0" err="1" smtClean="0"/>
+              <a:t>git</a:t>
+            </a:r>
+            <a:r>
+              <a:rPr lang="en-US" altLang="ko-KR" dirty="0" smtClean="0"/>
+              <a:t> </a:t>
+            </a:r>
+            <a:r>
+              <a:rPr lang="en-US" altLang="ko-KR" dirty="0" err="1" smtClean="0"/>
+              <a:t>config</a:t>
+            </a:r>
+            <a:r>
+              <a:rPr lang="en-US" altLang="ko-KR" dirty="0" smtClean="0"/>
+              <a:t> </a:t>
+            </a:r>
+            <a:r>
+              <a:rPr lang="en-US" altLang="ko-KR" dirty="0" err="1" smtClean="0"/>
+              <a:t>core.sparseCheckout</a:t>
+            </a:r>
+            <a:r>
+              <a:rPr lang="en-US" altLang="ko-KR" dirty="0" smtClean="0"/>
+              <a:t> true # </a:t>
+            </a:r>
+            <a:r>
+              <a:rPr lang="en-US" altLang="ko-KR" dirty="0" err="1" smtClean="0"/>
+              <a:t>git</a:t>
+            </a:r>
+            <a:r>
+              <a:rPr lang="en-US" altLang="ko-KR" dirty="0" smtClean="0"/>
+              <a:t> sparse-checkout </a:t>
+            </a:r>
+            <a:r>
+              <a:rPr lang="en-US" altLang="ko-KR" dirty="0" err="1" smtClean="0"/>
+              <a:t>init</a:t>
+            </a:r>
+            <a:r>
+              <a:rPr lang="ko-KR" altLang="en-US" dirty="0" smtClean="0"/>
+              <a:t>를 수행하면 </a:t>
+            </a:r>
+            <a:r>
+              <a:rPr lang="en-US" altLang="ko-KR" dirty="0" smtClean="0"/>
+              <a:t>true</a:t>
+            </a:r>
+            <a:r>
+              <a:rPr lang="ko-KR" altLang="en-US" dirty="0" smtClean="0"/>
+              <a:t>로 </a:t>
+            </a:r>
+            <a:r>
+              <a:rPr lang="en-US" altLang="ko-KR" dirty="0" smtClean="0"/>
+              <a:t>setting</a:t>
+            </a:r>
+            <a:r>
+              <a:rPr lang="ko-KR" altLang="en-US" dirty="0" smtClean="0"/>
+              <a:t>됨</a:t>
+            </a:r>
+            <a:endParaRPr lang="en-US" altLang="ko-KR" dirty="0" smtClean="0"/>
+          </a:p>
+          <a:p>
+            <a:pPr marL="266700" lvl="1" indent="0">
+              <a:buNone/>
+            </a:pPr>
+            <a:r>
+              <a:rPr lang="en-US" altLang="ko-KR" dirty="0" smtClean="0"/>
+              <a:t>$ </a:t>
+            </a:r>
+            <a:r>
+              <a:rPr lang="en-US" altLang="ko-KR" dirty="0" err="1" smtClean="0"/>
+              <a:t>git</a:t>
+            </a:r>
+            <a:r>
+              <a:rPr lang="en-US" altLang="ko-KR" dirty="0" smtClean="0"/>
+              <a:t> sparse-checkout </a:t>
+            </a:r>
+            <a:r>
+              <a:rPr lang="en-US" altLang="ko-KR" dirty="0" err="1" smtClean="0"/>
+              <a:t>init</a:t>
+            </a:r>
+            <a:r>
+              <a:rPr lang="en-US" altLang="ko-KR" dirty="0" smtClean="0"/>
+              <a:t>  </a:t>
+            </a:r>
+          </a:p>
+          <a:p>
+            <a:pPr marL="266700" lvl="1" indent="0">
+              <a:buNone/>
+            </a:pPr>
+            <a:r>
+              <a:rPr lang="en-US" altLang="ko-KR" dirty="0" smtClean="0"/>
+              <a:t># ①.</a:t>
+            </a:r>
+            <a:r>
+              <a:rPr lang="en-US" altLang="ko-KR" dirty="0" err="1"/>
+              <a:t>git</a:t>
+            </a:r>
+            <a:r>
+              <a:rPr lang="en-US" altLang="ko-KR" dirty="0"/>
+              <a:t>/info/sparse-checkout </a:t>
+            </a:r>
+            <a:r>
+              <a:rPr lang="ko-KR" altLang="en-US" dirty="0" smtClean="0"/>
+              <a:t>파일이 없으면 새로 만들고 폴더 외의 모든 파일을 보관하도록 </a:t>
+            </a:r>
+            <a:r>
+              <a:rPr lang="en-US" altLang="ko-KR" dirty="0" smtClean="0"/>
+              <a:t>setting </a:t>
+            </a:r>
+            <a:r>
+              <a:rPr lang="ko-KR" altLang="en-US" dirty="0" smtClean="0"/>
+              <a:t>됨 </a:t>
+            </a:r>
+            <a:r>
+              <a:rPr lang="en-US" altLang="ko-KR" dirty="0" smtClean="0"/>
+              <a:t>(</a:t>
+            </a:r>
+            <a:r>
+              <a:rPr lang="ko-KR" altLang="en-US" dirty="0" smtClean="0"/>
+              <a:t>주의 </a:t>
+            </a:r>
+            <a:r>
+              <a:rPr lang="en-US" altLang="ko-KR" dirty="0" smtClean="0"/>
+              <a:t>root directory(working directory)</a:t>
+            </a:r>
+            <a:r>
+              <a:rPr lang="ko-KR" altLang="en-US" dirty="0" smtClean="0"/>
+              <a:t>에 폴더가 있을 경우 표시되지 않음</a:t>
+            </a:r>
+            <a:r>
+              <a:rPr lang="en-US" altLang="ko-KR" dirty="0" smtClean="0"/>
+              <a:t>.② .</a:t>
+            </a:r>
+            <a:r>
+              <a:rPr lang="en-US" altLang="ko-KR" dirty="0" err="1" smtClean="0"/>
+              <a:t>git</a:t>
+            </a:r>
+            <a:r>
+              <a:rPr lang="en-US" altLang="ko-KR" dirty="0" smtClean="0"/>
+              <a:t>/</a:t>
+            </a:r>
+            <a:r>
+              <a:rPr lang="en-US" altLang="ko-KR" dirty="0" err="1" smtClean="0"/>
+              <a:t>config</a:t>
+            </a:r>
+            <a:r>
+              <a:rPr lang="en-US" altLang="ko-KR" dirty="0" smtClean="0"/>
+              <a:t> </a:t>
+            </a:r>
+            <a:r>
+              <a:rPr lang="ko-KR" altLang="en-US" dirty="0" smtClean="0"/>
+              <a:t>파일</a:t>
+            </a:r>
+            <a:r>
+              <a:rPr lang="en-US" altLang="ko-KR" dirty="0" smtClean="0"/>
+              <a:t>: </a:t>
+            </a:r>
+            <a:r>
+              <a:rPr lang="en-US" altLang="ko-KR" dirty="0" err="1"/>
+              <a:t>core.sparseCheckout</a:t>
+            </a:r>
+            <a:r>
+              <a:rPr lang="en-US" altLang="ko-KR" dirty="0"/>
+              <a:t> </a:t>
+            </a:r>
+            <a:r>
+              <a:rPr lang="en-US" altLang="ko-KR" dirty="0" smtClean="0"/>
+              <a:t>false</a:t>
+            </a:r>
+            <a:r>
+              <a:rPr lang="ko-KR" altLang="en-US" dirty="0" smtClean="0"/>
+              <a:t>를</a:t>
+            </a:r>
+            <a:r>
+              <a:rPr lang="en-US" altLang="ko-KR" dirty="0" smtClean="0"/>
+              <a:t> </a:t>
+            </a:r>
+            <a:r>
+              <a:rPr lang="en-US" altLang="ko-KR" dirty="0" err="1" smtClean="0"/>
+              <a:t>core.sparseCheckout</a:t>
+            </a:r>
+            <a:r>
+              <a:rPr lang="en-US" altLang="ko-KR" dirty="0" smtClean="0"/>
+              <a:t> true</a:t>
+            </a:r>
+            <a:r>
+              <a:rPr lang="ko-KR" altLang="en-US" dirty="0" smtClean="0"/>
+              <a:t>로 수정됨</a:t>
+            </a:r>
+            <a:endParaRPr lang="en-US" altLang="ko-KR" dirty="0" smtClean="0"/>
+          </a:p>
+          <a:p>
+            <a:pPr marL="266700" lvl="1" indent="0">
+              <a:buNone/>
+            </a:pPr>
+            <a:r>
+              <a:rPr lang="en-US" altLang="ko-KR" dirty="0" smtClean="0"/>
+              <a:t>$ </a:t>
+            </a:r>
+            <a:r>
+              <a:rPr lang="en-US" altLang="ko-KR" dirty="0" err="1" smtClean="0"/>
+              <a:t>git</a:t>
+            </a:r>
+            <a:r>
+              <a:rPr lang="en-US" altLang="ko-KR" dirty="0" smtClean="0"/>
+              <a:t> sparse-checkout set dir1 # </a:t>
+            </a:r>
+            <a:r>
+              <a:rPr lang="en-US" altLang="ko-KR" dirty="0"/>
+              <a:t>.</a:t>
+            </a:r>
+            <a:r>
+              <a:rPr lang="en-US" altLang="ko-KR" dirty="0" err="1"/>
+              <a:t>git</a:t>
+            </a:r>
+            <a:r>
+              <a:rPr lang="en-US" altLang="ko-KR" dirty="0"/>
+              <a:t>/info/sparse-checkout </a:t>
+            </a:r>
+            <a:r>
+              <a:rPr lang="ko-KR" altLang="en-US" dirty="0" smtClean="0"/>
+              <a:t>파일의 내용을 없애고 </a:t>
+            </a:r>
+            <a:r>
+              <a:rPr lang="en-US" altLang="ko-KR" dirty="0" smtClean="0"/>
+              <a:t>dir1</a:t>
+            </a:r>
+            <a:r>
+              <a:rPr lang="ko-KR" altLang="en-US" dirty="0" smtClean="0"/>
+              <a:t>만 기입함</a:t>
+            </a:r>
+            <a:endParaRPr lang="en-US" altLang="ko-KR" dirty="0" smtClean="0"/>
+          </a:p>
+          <a:p>
+            <a:pPr marL="266700" lvl="1" indent="0">
+              <a:buNone/>
+            </a:pPr>
+            <a:r>
+              <a:rPr lang="en-US" altLang="ko-KR" dirty="0" smtClean="0"/>
+              <a:t>$ </a:t>
+            </a:r>
+            <a:r>
+              <a:rPr lang="en-US" altLang="ko-KR" dirty="0" err="1" smtClean="0"/>
+              <a:t>git</a:t>
+            </a:r>
+            <a:r>
+              <a:rPr lang="en-US" altLang="ko-KR" dirty="0" smtClean="0"/>
+              <a:t> sparse-checkout set dir1 a1 a2 # </a:t>
+            </a:r>
+            <a:r>
+              <a:rPr lang="en-US" altLang="ko-KR" dirty="0"/>
+              <a:t>.</a:t>
+            </a:r>
+            <a:r>
+              <a:rPr lang="en-US" altLang="ko-KR" dirty="0" err="1"/>
+              <a:t>git</a:t>
+            </a:r>
+            <a:r>
+              <a:rPr lang="en-US" altLang="ko-KR" dirty="0"/>
+              <a:t>/info/sparse-checkout </a:t>
+            </a:r>
+            <a:r>
+              <a:rPr lang="ko-KR" altLang="en-US" dirty="0"/>
+              <a:t>파일의 </a:t>
+            </a:r>
+            <a:r>
+              <a:rPr lang="ko-KR" altLang="en-US" dirty="0" smtClean="0"/>
+              <a:t>내용을 </a:t>
+            </a:r>
+            <a:r>
+              <a:rPr lang="en-US" altLang="ko-KR" dirty="0" smtClean="0"/>
+              <a:t>dir1, a1, a2</a:t>
+            </a:r>
+            <a:r>
+              <a:rPr lang="ko-KR" altLang="en-US" dirty="0" smtClean="0"/>
+              <a:t>로 채움</a:t>
+            </a:r>
+            <a:endParaRPr lang="en-US" altLang="ko-KR" dirty="0" smtClean="0"/>
+          </a:p>
+          <a:p>
+            <a:pPr marL="266700" lvl="1" indent="0">
+              <a:buNone/>
+            </a:pPr>
+            <a:r>
+              <a:rPr lang="en-US" altLang="ko-KR" dirty="0" smtClean="0"/>
+              <a:t>$ echo “a3” &gt;&gt; .</a:t>
+            </a:r>
+            <a:r>
+              <a:rPr lang="en-US" altLang="ko-KR" dirty="0" err="1" smtClean="0"/>
+              <a:t>git</a:t>
+            </a:r>
+            <a:r>
+              <a:rPr lang="en-US" altLang="ko-KR" dirty="0" smtClean="0"/>
+              <a:t>/info/sparse-checkout # a3</a:t>
+            </a:r>
+            <a:r>
+              <a:rPr lang="ko-KR" altLang="en-US" dirty="0" smtClean="0"/>
+              <a:t>를 추가</a:t>
+            </a:r>
+            <a:endParaRPr lang="en-US" altLang="ko-KR" dirty="0" smtClean="0"/>
+          </a:p>
+          <a:p>
+            <a:pPr marL="266700" lvl="1" indent="0">
+              <a:buNone/>
+            </a:pPr>
+            <a:r>
+              <a:rPr lang="en-US" altLang="ko-KR" dirty="0" smtClean="0"/>
+              <a:t>$ </a:t>
+            </a:r>
+            <a:r>
+              <a:rPr lang="en-US" altLang="ko-KR" dirty="0" err="1" smtClean="0"/>
+              <a:t>git</a:t>
+            </a:r>
+            <a:r>
+              <a:rPr lang="en-US" altLang="ko-KR" dirty="0" smtClean="0"/>
+              <a:t> ls-files -v # </a:t>
+            </a:r>
+            <a:r>
+              <a:rPr lang="ko-KR" altLang="en-US" dirty="0" smtClean="0"/>
+              <a:t>숨겨 있는 파일 모두 </a:t>
+            </a:r>
+            <a:r>
+              <a:rPr lang="en-US" altLang="ko-KR" dirty="0" smtClean="0"/>
+              <a:t>list</a:t>
+            </a:r>
+            <a:r>
+              <a:rPr lang="ko-KR" altLang="en-US" dirty="0" smtClean="0"/>
+              <a:t>함</a:t>
+            </a:r>
+            <a:endParaRPr lang="en-US" altLang="ko-KR" dirty="0" smtClean="0"/>
+          </a:p>
+          <a:p>
+            <a:pPr marL="266700" lvl="1" indent="0">
+              <a:buNone/>
+            </a:pPr>
+            <a:r>
+              <a:rPr lang="en-US" altLang="ko-KR" dirty="0"/>
+              <a:t>$ </a:t>
+            </a:r>
+            <a:r>
+              <a:rPr lang="en-US" altLang="ko-KR" dirty="0" err="1"/>
+              <a:t>git</a:t>
+            </a:r>
+            <a:r>
+              <a:rPr lang="en-US" altLang="ko-KR" dirty="0"/>
+              <a:t> read-tree -m -u HEAD # sparse-checkout </a:t>
+            </a:r>
+            <a:r>
+              <a:rPr lang="ko-KR" altLang="en-US" dirty="0"/>
+              <a:t>파일 내용을 바꾸고 나서 </a:t>
+            </a:r>
+            <a:r>
+              <a:rPr lang="en-US" altLang="ko-KR" dirty="0" smtClean="0"/>
+              <a:t>reload</a:t>
+            </a:r>
+          </a:p>
+          <a:p>
+            <a:pPr marL="266700" lvl="1" indent="0">
+              <a:buNone/>
+            </a:pPr>
+            <a:r>
+              <a:rPr lang="en-US" altLang="ko-KR" dirty="0" smtClean="0"/>
+              <a:t>$ </a:t>
+            </a:r>
+            <a:r>
+              <a:rPr lang="en-US" altLang="ko-KR" dirty="0" err="1" smtClean="0"/>
+              <a:t>git</a:t>
+            </a:r>
+            <a:r>
+              <a:rPr lang="en-US" altLang="ko-KR" dirty="0" smtClean="0"/>
+              <a:t> sparse-checkout disable</a:t>
+            </a:r>
+            <a:endParaRPr lang="en-US" altLang="ko-KR" dirty="0"/>
+          </a:p>
+          <a:p>
+            <a:pPr marL="266700" lvl="1" indent="0">
+              <a:buNone/>
+            </a:pPr>
+            <a:endParaRPr lang="en-US" altLang="ko-KR" dirty="0"/>
+          </a:p>
+        </p:txBody>
+      </p:sp>
+    </p:spTree>
+    <p:extLst>
+      <p:ext uri="{BB962C8B-B14F-4D97-AF65-F5344CB8AC3E}">
+        <p14:creationId xmlns:p14="http://schemas.microsoft.com/office/powerpoint/2010/main" val="1036712723"/>
+      </p:ext>
+    </p:extLst>
+  </p:cSld>
+  <p:clrMapOvr>
+    <a:masterClrMapping/>
+  </p:clrMapOvr>
+</p:sld>
+</file>
+
+<file path=ppt/slides/slide34.xml><?xml version="1.0" encoding="utf-8"?>
+<p:sld xmlns:a="http://schemas.openxmlformats.org/drawingml/2006/main" xmlns:r="http://schemas.openxmlformats.org/officeDocument/2006/relationships" xmlns:p="http://schemas.openxmlformats.org/presentationml/2006/main">
+  <p:cSld>
+    <p:spTree>
+      <p:nvGrpSpPr>
+        <p:cNvPr id="1" name=""/>
+        <p:cNvGrpSpPr/>
+        <p:nvPr/>
+      </p:nvGrpSpPr>
+      <p:grpSpPr>
+        <a:xfrm>
+          <a:off x="0" y="0"/>
+          <a:ext cx="0" cy="0"/>
+          <a:chOff x="0" y="0"/>
+          <a:chExt cx="0" cy="0"/>
+        </a:xfrm>
+      </p:grpSpPr>
+      <p:sp>
+        <p:nvSpPr>
+          <p:cNvPr id="4" name="제목 3">
+            <a:extLst>
+              <a:ext uri="{FF2B5EF4-FFF2-40B4-BE49-F238E27FC236}">
+                <a16:creationId xmlns:a16="http://schemas.microsoft.com/office/drawing/2014/main" id="{F0CEB32B-CB43-4410-BA08-A97E4BC47FCB}"/>
+              </a:ext>
+            </a:extLst>
+          </p:cNvPr>
+          <p:cNvSpPr>
+            <a:spLocks noGrp="1"/>
+          </p:cNvSpPr>
+          <p:nvPr>
+            <p:ph type="title"/>
+          </p:nvPr>
+        </p:nvSpPr>
+        <p:spPr/>
+        <p:txBody>
+          <a:bodyPr/>
+          <a:lstStyle/>
+          <a:p>
+            <a:r>
+              <a:rPr lang="en-US" altLang="ko-KR" dirty="0" smtClean="0"/>
+              <a:t>Sparse-checkout </a:t>
+            </a:r>
+            <a:r>
+              <a:rPr lang="ko-KR" altLang="en-US" dirty="0" smtClean="0"/>
+              <a:t>사용</a:t>
+            </a:r>
+            <a:endParaRPr lang="ko-KR" altLang="en-US" dirty="0"/>
+          </a:p>
+        </p:txBody>
+      </p:sp>
+      <p:sp>
+        <p:nvSpPr>
+          <p:cNvPr id="6" name="내용 개체 틀 2">
+            <a:extLst>
+              <a:ext uri="{FF2B5EF4-FFF2-40B4-BE49-F238E27FC236}">
+                <a16:creationId xmlns:a16="http://schemas.microsoft.com/office/drawing/2014/main" id="{E597044D-9E91-4036-BC67-BF184BDB0BB9}"/>
+              </a:ext>
+            </a:extLst>
+          </p:cNvPr>
+          <p:cNvSpPr txBox="1">
+            <a:spLocks/>
+          </p:cNvSpPr>
+          <p:nvPr/>
+        </p:nvSpPr>
+        <p:spPr>
+          <a:xfrm>
+            <a:off x="341787" y="1120544"/>
+            <a:ext cx="8642350" cy="5115155"/>
+          </a:xfrm>
+          <a:prstGeom prst="rect">
+            <a:avLst/>
+          </a:prstGeom>
+        </p:spPr>
+        <p:txBody>
+          <a:bodyPr vert="horz" lIns="91440" tIns="45720" rIns="91440" bIns="45720" rtlCol="0">
+            <a:noAutofit/>
+          </a:bodyPr>
+          <a:lstStyle>
+            <a:lvl1pPr marL="266700" indent="-266700" defTabSz="914400" latinLnBrk="1">
+              <a:lnSpc>
+                <a:spcPct val="150000"/>
+              </a:lnSpc>
+              <a:spcBef>
+                <a:spcPct val="0"/>
+              </a:spcBef>
+              <a:buClr>
+                <a:schemeClr val="tx1">
+                  <a:lumMod val="65000"/>
+                  <a:lumOff val="35000"/>
+                </a:schemeClr>
+              </a:buClr>
+              <a:buFont typeface="Wingdings" pitchFamily="2" charset="2"/>
+              <a:buChar char="n"/>
+              <a:defRPr sz="2000" b="1">
+                <a:latin typeface="+mn-ea"/>
+              </a:defRPr>
+            </a:lvl1pPr>
+            <a:lvl2pPr marL="447675" lvl="1" indent="-180975" defTabSz="914400" latinLnBrk="1">
+              <a:lnSpc>
+                <a:spcPct val="150000"/>
+              </a:lnSpc>
+              <a:spcBef>
+                <a:spcPts val="0"/>
+              </a:spcBef>
+              <a:spcAft>
+                <a:spcPts val="0"/>
+              </a:spcAft>
+              <a:buClr>
+                <a:schemeClr val="tx1">
+                  <a:lumMod val="50000"/>
+                  <a:lumOff val="50000"/>
+                </a:schemeClr>
+              </a:buClr>
+              <a:buFont typeface="Wingdings" pitchFamily="2" charset="2"/>
+              <a:buChar char="§"/>
+              <a:defRPr sz="1600"/>
+            </a:lvl2pPr>
+            <a:lvl3pPr marL="628650" indent="-180975" defTabSz="914400" latinLnBrk="1">
+              <a:lnSpc>
+                <a:spcPct val="150000"/>
+              </a:lnSpc>
+              <a:spcBef>
+                <a:spcPts val="500"/>
+              </a:spcBef>
+              <a:spcAft>
+                <a:spcPts val="300"/>
+              </a:spcAft>
+              <a:buClr>
+                <a:schemeClr val="tx1">
+                  <a:lumMod val="65000"/>
+                  <a:lumOff val="35000"/>
+                </a:schemeClr>
+              </a:buClr>
+              <a:buFont typeface="Arial" panose="020B0604020202020204" pitchFamily="34" charset="0"/>
+              <a:buChar char="•"/>
+              <a:defRPr sz="1400"/>
+            </a:lvl3pPr>
+            <a:lvl4pPr marL="809625" indent="-180975" defTabSz="914400" latinLnBrk="1">
+              <a:lnSpc>
+                <a:spcPct val="150000"/>
+              </a:lnSpc>
+              <a:spcBef>
+                <a:spcPts val="500"/>
+              </a:spcBef>
+              <a:spcAft>
+                <a:spcPts val="300"/>
+              </a:spcAft>
+              <a:buClr>
+                <a:schemeClr val="tx1">
+                  <a:lumMod val="65000"/>
+                  <a:lumOff val="35000"/>
+                </a:schemeClr>
+              </a:buClr>
+              <a:buSzPct val="96000"/>
+              <a:buFont typeface="Arial" panose="020B0604020202020204" pitchFamily="34" charset="0"/>
+              <a:buChar char="•"/>
+              <a:defRPr sz="1200"/>
+            </a:lvl4pPr>
+            <a:lvl5pPr marL="990600" indent="-180975" defTabSz="914400" latinLnBrk="1">
+              <a:lnSpc>
+                <a:spcPct val="150000"/>
+              </a:lnSpc>
+              <a:spcBef>
+                <a:spcPts val="500"/>
+              </a:spcBef>
+              <a:buClr>
+                <a:schemeClr val="tx1">
+                  <a:lumMod val="65000"/>
+                  <a:lumOff val="35000"/>
+                </a:schemeClr>
+              </a:buClr>
+              <a:buFont typeface="Arial" panose="020B0604020202020204" pitchFamily="34" charset="0"/>
+              <a:buChar char="•"/>
+              <a:defRPr sz="1000"/>
+            </a:lvl5pPr>
+            <a:lvl6pPr marL="2514600" indent="-228600" defTabSz="914400" latinLnBrk="1">
+              <a:lnSpc>
+                <a:spcPct val="90000"/>
+              </a:lnSpc>
+              <a:spcBef>
+                <a:spcPts val="500"/>
+              </a:spcBef>
+              <a:buFont typeface="Arial" panose="020B0604020202020204" pitchFamily="34" charset="0"/>
+              <a:buChar char="•"/>
+            </a:lvl6pPr>
+            <a:lvl7pPr marL="2971800" indent="-228600" defTabSz="914400" latinLnBrk="1">
+              <a:lnSpc>
+                <a:spcPct val="90000"/>
+              </a:lnSpc>
+              <a:spcBef>
+                <a:spcPts val="500"/>
+              </a:spcBef>
+              <a:buFont typeface="Arial" panose="020B0604020202020204" pitchFamily="34" charset="0"/>
+              <a:buChar char="•"/>
+            </a:lvl7pPr>
+            <a:lvl8pPr marL="3429000" indent="-228600" defTabSz="914400" latinLnBrk="1">
+              <a:lnSpc>
+                <a:spcPct val="90000"/>
+              </a:lnSpc>
+              <a:spcBef>
+                <a:spcPts val="500"/>
+              </a:spcBef>
+              <a:buFont typeface="Arial" panose="020B0604020202020204" pitchFamily="34" charset="0"/>
+              <a:buChar char="•"/>
+            </a:lvl8pPr>
+            <a:lvl9pPr marL="3886200" indent="-228600" defTabSz="914400" latinLnBrk="1">
+              <a:lnSpc>
+                <a:spcPct val="90000"/>
+              </a:lnSpc>
+              <a:spcBef>
+                <a:spcPts val="500"/>
+              </a:spcBef>
+              <a:buFont typeface="Arial" panose="020B0604020202020204" pitchFamily="34" charset="0"/>
+              <a:buChar char="•"/>
+            </a:lvl9pPr>
+          </a:lstStyle>
+          <a:p>
+            <a:r>
+              <a:rPr lang="ko-KR" altLang="en-US" dirty="0" smtClean="0"/>
+              <a:t>원하는 폴더나 파일만 사용하기</a:t>
+            </a:r>
+            <a:endParaRPr lang="en-US" altLang="ko-KR" dirty="0"/>
+          </a:p>
+          <a:p>
+            <a:pPr marL="266700" lvl="1" indent="0">
+              <a:buNone/>
+            </a:pPr>
+            <a:endParaRPr lang="en-US" altLang="ko-KR" dirty="0" smtClean="0"/>
+          </a:p>
+          <a:p>
+            <a:pPr marL="266700" lvl="1" indent="0">
+              <a:buNone/>
+            </a:pPr>
+            <a:r>
+              <a:rPr lang="en-US" altLang="ko-KR" dirty="0" smtClean="0"/>
+              <a:t>$ </a:t>
+            </a:r>
+            <a:r>
+              <a:rPr lang="en-US" altLang="ko-KR" dirty="0" err="1" smtClean="0"/>
+              <a:t>git</a:t>
+            </a:r>
+            <a:r>
+              <a:rPr lang="en-US" altLang="ko-KR" dirty="0" smtClean="0"/>
+              <a:t> sparse-checkout </a:t>
+            </a:r>
+            <a:r>
+              <a:rPr lang="en-US" altLang="ko-KR" dirty="0" err="1" smtClean="0"/>
+              <a:t>init</a:t>
+            </a:r>
+            <a:endParaRPr lang="en-US" altLang="ko-KR" dirty="0" smtClean="0"/>
+          </a:p>
+          <a:p>
+            <a:pPr marL="266700" lvl="1" indent="0">
+              <a:buNone/>
+            </a:pPr>
+            <a:endParaRPr lang="en-US" altLang="ko-KR" dirty="0" smtClean="0"/>
+          </a:p>
+          <a:p>
+            <a:pPr marL="266700" lvl="1" indent="0">
+              <a:buNone/>
+            </a:pPr>
+            <a:endParaRPr lang="en-US" altLang="ko-KR" sz="1050" dirty="0" smtClean="0"/>
+          </a:p>
+          <a:p>
+            <a:pPr marL="266700" lvl="1" indent="0">
+              <a:buNone/>
+            </a:pPr>
+            <a:r>
+              <a:rPr lang="en-US" altLang="ko-KR" dirty="0" smtClean="0"/>
+              <a:t>$ </a:t>
+            </a:r>
+            <a:r>
+              <a:rPr lang="en-US" altLang="ko-KR" dirty="0" err="1" smtClean="0"/>
+              <a:t>git</a:t>
+            </a:r>
+            <a:r>
+              <a:rPr lang="en-US" altLang="ko-KR" dirty="0" smtClean="0"/>
+              <a:t> sparse-checkout set dir1 a1 a2</a:t>
+            </a:r>
+          </a:p>
+          <a:p>
+            <a:pPr marL="266700" lvl="1" indent="0">
+              <a:buNone/>
+            </a:pPr>
+            <a:endParaRPr lang="en-US" altLang="ko-KR" dirty="0"/>
+          </a:p>
+          <a:p>
+            <a:pPr marL="266700" lvl="1" indent="0">
+              <a:buNone/>
+            </a:pPr>
+            <a:endParaRPr lang="en-US" altLang="ko-KR" sz="600" dirty="0" smtClean="0"/>
+          </a:p>
+          <a:p>
+            <a:pPr marL="266700" lvl="1" indent="0">
+              <a:buNone/>
+            </a:pPr>
+            <a:r>
+              <a:rPr lang="en-US" altLang="ko-KR" dirty="0" smtClean="0"/>
+              <a:t>$ </a:t>
+            </a:r>
+            <a:r>
+              <a:rPr lang="en-US" altLang="ko-KR" dirty="0" err="1" smtClean="0"/>
+              <a:t>git</a:t>
+            </a:r>
+            <a:r>
+              <a:rPr lang="en-US" altLang="ko-KR" dirty="0" smtClean="0"/>
+              <a:t> ls-files –v</a:t>
+            </a:r>
+          </a:p>
+          <a:p>
+            <a:pPr marL="266700" lvl="1" indent="0">
+              <a:buNone/>
+            </a:pPr>
+            <a:endParaRPr lang="en-US" altLang="ko-KR" dirty="0"/>
+          </a:p>
+          <a:p>
+            <a:pPr marL="266700" lvl="1" indent="0">
+              <a:buNone/>
+            </a:pPr>
+            <a:endParaRPr lang="en-US" altLang="ko-KR" dirty="0" smtClean="0"/>
+          </a:p>
+          <a:p>
+            <a:pPr marL="266700" lvl="1" indent="0">
+              <a:buNone/>
+            </a:pPr>
+            <a:endParaRPr lang="en-US" altLang="ko-KR" dirty="0"/>
+          </a:p>
+          <a:p>
+            <a:pPr marL="266700" lvl="1" indent="0">
+              <a:buNone/>
+            </a:pPr>
+            <a:r>
+              <a:rPr lang="en-US" altLang="ko-KR" dirty="0" smtClean="0"/>
+              <a:t>$ </a:t>
+            </a:r>
+            <a:r>
+              <a:rPr lang="en-US" altLang="ko-KR" dirty="0" err="1" smtClean="0"/>
+              <a:t>git</a:t>
+            </a:r>
+            <a:r>
+              <a:rPr lang="en-US" altLang="ko-KR" dirty="0" smtClean="0"/>
+              <a:t> sparse-checkout disable</a:t>
+            </a:r>
+          </a:p>
+          <a:p>
+            <a:pPr marL="266700" lvl="1" indent="0">
+              <a:buNone/>
+            </a:pPr>
+            <a:endParaRPr lang="en-US" altLang="ko-KR" dirty="0"/>
+          </a:p>
+        </p:txBody>
+      </p:sp>
+      <p:pic>
+        <p:nvPicPr>
+          <p:cNvPr id="2" name="그림 1"/>
+          <p:cNvPicPr>
+            <a:picLocks noChangeAspect="1"/>
+          </p:cNvPicPr>
+          <p:nvPr/>
+        </p:nvPicPr>
+        <p:blipFill>
+          <a:blip r:embed="rId3"/>
+          <a:stretch>
+            <a:fillRect/>
+          </a:stretch>
+        </p:blipFill>
+        <p:spPr>
+          <a:xfrm>
+            <a:off x="654050" y="1658937"/>
+            <a:ext cx="2628900" cy="390525"/>
+          </a:xfrm>
+          <a:prstGeom prst="rect">
+            <a:avLst/>
+          </a:prstGeom>
+        </p:spPr>
+      </p:pic>
+      <p:pic>
+        <p:nvPicPr>
+          <p:cNvPr id="5" name="그림 4"/>
+          <p:cNvPicPr>
+            <a:picLocks noChangeAspect="1"/>
+          </p:cNvPicPr>
+          <p:nvPr/>
+        </p:nvPicPr>
+        <p:blipFill>
+          <a:blip r:embed="rId4"/>
+          <a:stretch>
+            <a:fillRect/>
+          </a:stretch>
+        </p:blipFill>
+        <p:spPr>
+          <a:xfrm>
+            <a:off x="4436506" y="1425573"/>
+            <a:ext cx="1209675" cy="981075"/>
+          </a:xfrm>
+          <a:prstGeom prst="rect">
+            <a:avLst/>
+          </a:prstGeom>
+        </p:spPr>
+      </p:pic>
+      <p:sp>
+        <p:nvSpPr>
+          <p:cNvPr id="7" name="TextBox 6"/>
+          <p:cNvSpPr txBox="1"/>
+          <p:nvPr/>
+        </p:nvSpPr>
+        <p:spPr>
+          <a:xfrm>
+            <a:off x="4436506" y="1073393"/>
+            <a:ext cx="2819041" cy="307777"/>
+          </a:xfrm>
+          <a:prstGeom prst="rect">
+            <a:avLst/>
+          </a:prstGeom>
+          <a:noFill/>
+        </p:spPr>
+        <p:txBody>
+          <a:bodyPr wrap="none" rtlCol="0">
+            <a:spAutoFit/>
+          </a:bodyPr>
+          <a:lstStyle/>
+          <a:p>
+            <a:r>
+              <a:rPr lang="en-US" altLang="ko-KR" sz="1400" dirty="0" smtClean="0"/>
+              <a:t>.</a:t>
+            </a:r>
+            <a:r>
+              <a:rPr lang="en-US" altLang="ko-KR" sz="1400" dirty="0" err="1" smtClean="0"/>
+              <a:t>git</a:t>
+            </a:r>
+            <a:r>
+              <a:rPr lang="en-US" altLang="ko-KR" sz="1400" dirty="0" smtClean="0"/>
+              <a:t>/info/sparse-checkout </a:t>
+            </a:r>
+            <a:r>
+              <a:rPr lang="ko-KR" altLang="en-US" sz="1400" dirty="0" smtClean="0"/>
+              <a:t>파일 내용</a:t>
+            </a:r>
+            <a:endParaRPr lang="ko-KR" altLang="en-US" sz="1400" dirty="0"/>
+          </a:p>
+        </p:txBody>
+      </p:sp>
+      <p:cxnSp>
+        <p:nvCxnSpPr>
+          <p:cNvPr id="9" name="직선 화살표 연결선 8"/>
+          <p:cNvCxnSpPr/>
+          <p:nvPr/>
+        </p:nvCxnSpPr>
+        <p:spPr>
+          <a:xfrm>
+            <a:off x="2908300" y="2220910"/>
+            <a:ext cx="1502806" cy="1"/>
+          </a:xfrm>
+          <a:prstGeom prst="straightConnector1">
+            <a:avLst/>
+          </a:prstGeom>
+          <a:ln>
+            <a:tailEnd type="triangle"/>
+          </a:ln>
+        </p:spPr>
+        <p:style>
+          <a:lnRef idx="1">
+            <a:schemeClr val="accent1"/>
+          </a:lnRef>
+          <a:fillRef idx="0">
+            <a:schemeClr val="accent1"/>
+          </a:fillRef>
+          <a:effectRef idx="0">
+            <a:schemeClr val="accent1"/>
+          </a:effectRef>
+          <a:fontRef idx="minor">
+            <a:schemeClr val="tx1"/>
+          </a:fontRef>
+        </p:style>
+      </p:cxnSp>
+      <p:pic>
+        <p:nvPicPr>
+          <p:cNvPr id="10" name="그림 9"/>
+          <p:cNvPicPr>
+            <a:picLocks noChangeAspect="1"/>
+          </p:cNvPicPr>
+          <p:nvPr/>
+        </p:nvPicPr>
+        <p:blipFill>
+          <a:blip r:embed="rId5"/>
+          <a:stretch>
+            <a:fillRect/>
+          </a:stretch>
+        </p:blipFill>
+        <p:spPr>
+          <a:xfrm>
+            <a:off x="6469537" y="2398703"/>
+            <a:ext cx="1181100" cy="1123950"/>
+          </a:xfrm>
+          <a:prstGeom prst="rect">
+            <a:avLst/>
+          </a:prstGeom>
+        </p:spPr>
+      </p:pic>
+      <p:cxnSp>
+        <p:nvCxnSpPr>
+          <p:cNvPr id="11" name="직선 화살표 연결선 10"/>
+          <p:cNvCxnSpPr/>
+          <p:nvPr/>
+        </p:nvCxnSpPr>
+        <p:spPr>
+          <a:xfrm flipV="1">
+            <a:off x="3721100" y="3170220"/>
+            <a:ext cx="2748437" cy="4768"/>
+          </a:xfrm>
+          <a:prstGeom prst="straightConnector1">
+            <a:avLst/>
+          </a:prstGeom>
+          <a:ln>
+            <a:tailEnd type="triangle"/>
+          </a:ln>
+        </p:spPr>
+        <p:style>
+          <a:lnRef idx="1">
+            <a:schemeClr val="accent1"/>
+          </a:lnRef>
+          <a:fillRef idx="0">
+            <a:schemeClr val="accent1"/>
+          </a:fillRef>
+          <a:effectRef idx="0">
+            <a:schemeClr val="accent1"/>
+          </a:effectRef>
+          <a:fontRef idx="minor">
+            <a:schemeClr val="tx1"/>
+          </a:fontRef>
+        </p:style>
+      </p:cxnSp>
+      <p:sp>
+        <p:nvSpPr>
+          <p:cNvPr id="13" name="TextBox 12"/>
+          <p:cNvSpPr txBox="1"/>
+          <p:nvPr/>
+        </p:nvSpPr>
+        <p:spPr>
+          <a:xfrm>
+            <a:off x="6304796" y="2087515"/>
+            <a:ext cx="2599430" cy="307777"/>
+          </a:xfrm>
+          <a:prstGeom prst="rect">
+            <a:avLst/>
+          </a:prstGeom>
+          <a:noFill/>
+        </p:spPr>
+        <p:txBody>
+          <a:bodyPr wrap="none" rtlCol="0">
+            <a:spAutoFit/>
+          </a:bodyPr>
+          <a:lstStyle/>
+          <a:p>
+            <a:r>
+              <a:rPr lang="en-US" altLang="ko-KR" sz="1400" dirty="0" smtClean="0"/>
+              <a:t>.</a:t>
+            </a:r>
+            <a:r>
+              <a:rPr lang="en-US" altLang="ko-KR" sz="1400" dirty="0" err="1" smtClean="0"/>
+              <a:t>git</a:t>
+            </a:r>
+            <a:r>
+              <a:rPr lang="en-US" altLang="ko-KR" sz="1400" dirty="0" smtClean="0"/>
+              <a:t>/info/sparse-checkout </a:t>
+            </a:r>
+            <a:r>
+              <a:rPr lang="ko-KR" altLang="en-US" sz="1400" dirty="0" smtClean="0"/>
+              <a:t>변경됨</a:t>
+            </a:r>
+            <a:endParaRPr lang="ko-KR" altLang="en-US" sz="1400" dirty="0"/>
+          </a:p>
+        </p:txBody>
+      </p:sp>
+      <p:pic>
+        <p:nvPicPr>
+          <p:cNvPr id="14" name="그림 13"/>
+          <p:cNvPicPr>
+            <a:picLocks noChangeAspect="1"/>
+          </p:cNvPicPr>
+          <p:nvPr/>
+        </p:nvPicPr>
+        <p:blipFill>
+          <a:blip r:embed="rId6"/>
+          <a:stretch>
+            <a:fillRect/>
+          </a:stretch>
+        </p:blipFill>
+        <p:spPr>
+          <a:xfrm>
+            <a:off x="654050" y="2424103"/>
+            <a:ext cx="5600700" cy="542925"/>
+          </a:xfrm>
+          <a:prstGeom prst="rect">
+            <a:avLst/>
+          </a:prstGeom>
+        </p:spPr>
+      </p:pic>
+      <p:sp>
+        <p:nvSpPr>
+          <p:cNvPr id="16" name="직사각형 15"/>
+          <p:cNvSpPr/>
+          <p:nvPr/>
+        </p:nvSpPr>
+        <p:spPr>
+          <a:xfrm>
+            <a:off x="4965143" y="2369892"/>
+            <a:ext cx="1263453" cy="300273"/>
+          </a:xfrm>
+          <a:prstGeom prst="rect">
+            <a:avLst/>
+          </a:prstGeom>
+          <a:noFill/>
+          <a:ln w="38100">
+            <a:solidFill>
+              <a:srgbClr val="FF0000"/>
+            </a:solidFill>
+          </a:ln>
+        </p:spPr>
+        <p:style>
+          <a:lnRef idx="2">
+            <a:schemeClr val="accent1">
+              <a:shade val="50000"/>
+            </a:schemeClr>
+          </a:lnRef>
+          <a:fillRef idx="1">
+            <a:schemeClr val="accent1"/>
+          </a:fillRef>
+          <a:effectRef idx="0">
+            <a:schemeClr val="accent1"/>
+          </a:effectRef>
+          <a:fontRef idx="minor">
+            <a:schemeClr val="lt1"/>
+          </a:fontRef>
+        </p:style>
+        <p:txBody>
+          <a:bodyPr rtlCol="0" anchor="ctr"/>
+          <a:lstStyle/>
+          <a:p>
+            <a:pPr algn="ctr"/>
+            <a:endParaRPr lang="ko-KR" altLang="en-US"/>
+          </a:p>
+        </p:txBody>
+      </p:sp>
+      <p:pic>
+        <p:nvPicPr>
+          <p:cNvPr id="17" name="그림 16"/>
+          <p:cNvPicPr>
+            <a:picLocks noChangeAspect="1"/>
+          </p:cNvPicPr>
+          <p:nvPr/>
+        </p:nvPicPr>
+        <p:blipFill>
+          <a:blip r:embed="rId7"/>
+          <a:stretch>
+            <a:fillRect/>
+          </a:stretch>
+        </p:blipFill>
+        <p:spPr>
+          <a:xfrm>
+            <a:off x="704096" y="3358614"/>
+            <a:ext cx="5638800" cy="514350"/>
+          </a:xfrm>
+          <a:prstGeom prst="rect">
+            <a:avLst/>
+          </a:prstGeom>
+        </p:spPr>
+      </p:pic>
+      <p:pic>
+        <p:nvPicPr>
+          <p:cNvPr id="18" name="그림 17"/>
+          <p:cNvPicPr>
+            <a:picLocks noChangeAspect="1"/>
+          </p:cNvPicPr>
+          <p:nvPr/>
+        </p:nvPicPr>
+        <p:blipFill>
+          <a:blip r:embed="rId8"/>
+          <a:stretch>
+            <a:fillRect/>
+          </a:stretch>
+        </p:blipFill>
+        <p:spPr>
+          <a:xfrm>
+            <a:off x="729496" y="4187044"/>
+            <a:ext cx="1933575" cy="1228725"/>
+          </a:xfrm>
+          <a:prstGeom prst="rect">
+            <a:avLst/>
+          </a:prstGeom>
+        </p:spPr>
+      </p:pic>
+      <p:pic>
+        <p:nvPicPr>
+          <p:cNvPr id="19" name="그림 18"/>
+          <p:cNvPicPr>
+            <a:picLocks noChangeAspect="1"/>
+          </p:cNvPicPr>
+          <p:nvPr/>
+        </p:nvPicPr>
+        <p:blipFill>
+          <a:blip r:embed="rId9"/>
+          <a:stretch>
+            <a:fillRect/>
+          </a:stretch>
+        </p:blipFill>
+        <p:spPr>
+          <a:xfrm>
+            <a:off x="729496" y="5661024"/>
+            <a:ext cx="4981575" cy="561975"/>
+          </a:xfrm>
+          <a:prstGeom prst="rect">
+            <a:avLst/>
+          </a:prstGeom>
+        </p:spPr>
+      </p:pic>
+      <p:sp>
+        <p:nvSpPr>
+          <p:cNvPr id="20" name="직사각형 19"/>
+          <p:cNvSpPr/>
+          <p:nvPr/>
+        </p:nvSpPr>
+        <p:spPr>
+          <a:xfrm>
+            <a:off x="4977843" y="5613400"/>
+            <a:ext cx="800657" cy="223160"/>
+          </a:xfrm>
+          <a:prstGeom prst="rect">
+            <a:avLst/>
+          </a:prstGeom>
+          <a:noFill/>
+          <a:ln w="38100">
+            <a:solidFill>
+              <a:srgbClr val="FF0000"/>
+            </a:solidFill>
+          </a:ln>
+        </p:spPr>
+        <p:style>
+          <a:lnRef idx="2">
+            <a:schemeClr val="accent1">
+              <a:shade val="50000"/>
+            </a:schemeClr>
+          </a:lnRef>
+          <a:fillRef idx="1">
+            <a:schemeClr val="accent1"/>
+          </a:fillRef>
+          <a:effectRef idx="0">
+            <a:schemeClr val="accent1"/>
+          </a:effectRef>
+          <a:fontRef idx="minor">
+            <a:schemeClr val="lt1"/>
+          </a:fontRef>
+        </p:style>
+        <p:txBody>
+          <a:bodyPr rtlCol="0" anchor="ctr"/>
+          <a:lstStyle/>
+          <a:p>
+            <a:pPr algn="ctr"/>
+            <a:endParaRPr lang="ko-KR" altLang="en-US"/>
+          </a:p>
+        </p:txBody>
+      </p:sp>
+    </p:spTree>
+    <p:extLst>
+      <p:ext uri="{BB962C8B-B14F-4D97-AF65-F5344CB8AC3E}">
+        <p14:creationId xmlns:p14="http://schemas.microsoft.com/office/powerpoint/2010/main" val="1740580748"/>
+      </p:ext>
+    </p:extLst>
+  </p:cSld>
+  <p:clrMapOvr>
+    <a:masterClrMapping/>
+  </p:clrMapOvr>
+</p:sld>
+</file>
+
+<file path=ppt/slides/slide35.xml><?xml version="1.0" encoding="utf-8"?>
+<p:sld xmlns:a="http://schemas.openxmlformats.org/drawingml/2006/main" xmlns:r="http://schemas.openxmlformats.org/officeDocument/2006/relationships" xmlns:p="http://schemas.openxmlformats.org/presentationml/2006/main">
+  <p:cSld>
+    <p:spTree>
+      <p:nvGrpSpPr>
+        <p:cNvPr id="1" name=""/>
+        <p:cNvGrpSpPr/>
+        <p:nvPr/>
+      </p:nvGrpSpPr>
+      <p:grpSpPr>
+        <a:xfrm>
+          <a:off x="0" y="0"/>
+          <a:ext cx="0" cy="0"/>
+          <a:chOff x="0" y="0"/>
+          <a:chExt cx="0" cy="0"/>
+        </a:xfrm>
+      </p:grpSpPr>
+      <p:sp>
+        <p:nvSpPr>
+          <p:cNvPr id="4" name="제목 3">
+            <a:extLst>
+              <a:ext uri="{FF2B5EF4-FFF2-40B4-BE49-F238E27FC236}">
+                <a16:creationId xmlns:a16="http://schemas.microsoft.com/office/drawing/2014/main" id="{F0CEB32B-CB43-4410-BA08-A97E4BC47FCB}"/>
+              </a:ext>
+            </a:extLst>
+          </p:cNvPr>
+          <p:cNvSpPr>
+            <a:spLocks noGrp="1"/>
+          </p:cNvSpPr>
+          <p:nvPr>
+            <p:ph type="title"/>
+          </p:nvPr>
+        </p:nvSpPr>
+        <p:spPr/>
+        <p:txBody>
+          <a:bodyPr/>
+          <a:lstStyle/>
+          <a:p>
+            <a:r>
+              <a:rPr lang="en-US" altLang="ko-KR" dirty="0" smtClean="0"/>
+              <a:t>Sparse-checkout </a:t>
+            </a:r>
+            <a:r>
+              <a:rPr lang="ko-KR" altLang="en-US" dirty="0" smtClean="0"/>
+              <a:t>사용</a:t>
+            </a:r>
+            <a:endParaRPr lang="ko-KR" altLang="en-US" dirty="0"/>
+          </a:p>
+        </p:txBody>
+      </p:sp>
+      <p:sp>
+        <p:nvSpPr>
+          <p:cNvPr id="6" name="내용 개체 틀 2">
+            <a:extLst>
+              <a:ext uri="{FF2B5EF4-FFF2-40B4-BE49-F238E27FC236}">
+                <a16:creationId xmlns:a16="http://schemas.microsoft.com/office/drawing/2014/main" id="{E597044D-9E91-4036-BC67-BF184BDB0BB9}"/>
+              </a:ext>
+            </a:extLst>
+          </p:cNvPr>
+          <p:cNvSpPr txBox="1">
+            <a:spLocks/>
+          </p:cNvSpPr>
+          <p:nvPr/>
+        </p:nvSpPr>
+        <p:spPr>
+          <a:xfrm>
+            <a:off x="341787" y="1120544"/>
+            <a:ext cx="8642350" cy="5115155"/>
+          </a:xfrm>
+          <a:prstGeom prst="rect">
+            <a:avLst/>
+          </a:prstGeom>
+        </p:spPr>
+        <p:txBody>
+          <a:bodyPr vert="horz" lIns="91440" tIns="45720" rIns="91440" bIns="45720" rtlCol="0">
+            <a:noAutofit/>
+          </a:bodyPr>
+          <a:lstStyle>
+            <a:lvl1pPr marL="266700" indent="-266700" defTabSz="914400" latinLnBrk="1">
+              <a:lnSpc>
+                <a:spcPct val="150000"/>
+              </a:lnSpc>
+              <a:spcBef>
+                <a:spcPct val="0"/>
+              </a:spcBef>
+              <a:buClr>
+                <a:schemeClr val="tx1">
+                  <a:lumMod val="65000"/>
+                  <a:lumOff val="35000"/>
+                </a:schemeClr>
+              </a:buClr>
+              <a:buFont typeface="Wingdings" pitchFamily="2" charset="2"/>
+              <a:buChar char="n"/>
+              <a:defRPr sz="2000" b="1">
+                <a:latin typeface="+mn-ea"/>
+              </a:defRPr>
+            </a:lvl1pPr>
+            <a:lvl2pPr marL="447675" lvl="1" indent="-180975" defTabSz="914400" latinLnBrk="1">
+              <a:lnSpc>
+                <a:spcPct val="150000"/>
+              </a:lnSpc>
+              <a:spcBef>
+                <a:spcPts val="0"/>
+              </a:spcBef>
+              <a:spcAft>
+                <a:spcPts val="0"/>
+              </a:spcAft>
+              <a:buClr>
+                <a:schemeClr val="tx1">
+                  <a:lumMod val="50000"/>
+                  <a:lumOff val="50000"/>
+                </a:schemeClr>
+              </a:buClr>
+              <a:buFont typeface="Wingdings" pitchFamily="2" charset="2"/>
+              <a:buChar char="§"/>
+              <a:defRPr sz="1600"/>
+            </a:lvl2pPr>
+            <a:lvl3pPr marL="628650" indent="-180975" defTabSz="914400" latinLnBrk="1">
+              <a:lnSpc>
+                <a:spcPct val="150000"/>
+              </a:lnSpc>
+              <a:spcBef>
+                <a:spcPts val="500"/>
+              </a:spcBef>
+              <a:spcAft>
+                <a:spcPts val="300"/>
+              </a:spcAft>
+              <a:buClr>
+                <a:schemeClr val="tx1">
+                  <a:lumMod val="65000"/>
+                  <a:lumOff val="35000"/>
+                </a:schemeClr>
+              </a:buClr>
+              <a:buFont typeface="Arial" panose="020B0604020202020204" pitchFamily="34" charset="0"/>
+              <a:buChar char="•"/>
+              <a:defRPr sz="1400"/>
+            </a:lvl3pPr>
+            <a:lvl4pPr marL="809625" indent="-180975" defTabSz="914400" latinLnBrk="1">
+              <a:lnSpc>
+                <a:spcPct val="150000"/>
+              </a:lnSpc>
+              <a:spcBef>
+                <a:spcPts val="500"/>
+              </a:spcBef>
+              <a:spcAft>
+                <a:spcPts val="300"/>
+              </a:spcAft>
+              <a:buClr>
+                <a:schemeClr val="tx1">
+                  <a:lumMod val="65000"/>
+                  <a:lumOff val="35000"/>
+                </a:schemeClr>
+              </a:buClr>
+              <a:buSzPct val="96000"/>
+              <a:buFont typeface="Arial" panose="020B0604020202020204" pitchFamily="34" charset="0"/>
+              <a:buChar char="•"/>
+              <a:defRPr sz="1200"/>
+            </a:lvl4pPr>
+            <a:lvl5pPr marL="990600" indent="-180975" defTabSz="914400" latinLnBrk="1">
+              <a:lnSpc>
+                <a:spcPct val="150000"/>
+              </a:lnSpc>
+              <a:spcBef>
+                <a:spcPts val="500"/>
+              </a:spcBef>
+              <a:buClr>
+                <a:schemeClr val="tx1">
+                  <a:lumMod val="65000"/>
+                  <a:lumOff val="35000"/>
+                </a:schemeClr>
+              </a:buClr>
+              <a:buFont typeface="Arial" panose="020B0604020202020204" pitchFamily="34" charset="0"/>
+              <a:buChar char="•"/>
+              <a:defRPr sz="1000"/>
+            </a:lvl5pPr>
+            <a:lvl6pPr marL="2514600" indent="-228600" defTabSz="914400" latinLnBrk="1">
+              <a:lnSpc>
+                <a:spcPct val="90000"/>
+              </a:lnSpc>
+              <a:spcBef>
+                <a:spcPts val="500"/>
+              </a:spcBef>
+              <a:buFont typeface="Arial" panose="020B0604020202020204" pitchFamily="34" charset="0"/>
+              <a:buChar char="•"/>
+            </a:lvl6pPr>
+            <a:lvl7pPr marL="2971800" indent="-228600" defTabSz="914400" latinLnBrk="1">
+              <a:lnSpc>
+                <a:spcPct val="90000"/>
+              </a:lnSpc>
+              <a:spcBef>
+                <a:spcPts val="500"/>
+              </a:spcBef>
+              <a:buFont typeface="Arial" panose="020B0604020202020204" pitchFamily="34" charset="0"/>
+              <a:buChar char="•"/>
+            </a:lvl7pPr>
+            <a:lvl8pPr marL="3429000" indent="-228600" defTabSz="914400" latinLnBrk="1">
+              <a:lnSpc>
+                <a:spcPct val="90000"/>
+              </a:lnSpc>
+              <a:spcBef>
+                <a:spcPts val="500"/>
+              </a:spcBef>
+              <a:buFont typeface="Arial" panose="020B0604020202020204" pitchFamily="34" charset="0"/>
+              <a:buChar char="•"/>
+            </a:lvl8pPr>
+            <a:lvl9pPr marL="3886200" indent="-228600" defTabSz="914400" latinLnBrk="1">
+              <a:lnSpc>
+                <a:spcPct val="90000"/>
+              </a:lnSpc>
+              <a:spcBef>
+                <a:spcPts val="500"/>
+              </a:spcBef>
+              <a:buFont typeface="Arial" panose="020B0604020202020204" pitchFamily="34" charset="0"/>
+              <a:buChar char="•"/>
+            </a:lvl9pPr>
+          </a:lstStyle>
+          <a:p>
+            <a:r>
+              <a:rPr lang="ko-KR" altLang="en-US" dirty="0" smtClean="0"/>
+              <a:t>원하는 폴더나 파일만 사용하기</a:t>
+            </a:r>
+            <a:endParaRPr lang="en-US" altLang="ko-KR" dirty="0" smtClean="0"/>
+          </a:p>
+          <a:p>
+            <a:pPr marL="266700" lvl="1" indent="0">
+              <a:buNone/>
+            </a:pPr>
+            <a:r>
+              <a:rPr lang="en-US" altLang="ko-KR" dirty="0" smtClean="0"/>
+              <a:t>$ </a:t>
+            </a:r>
+            <a:r>
+              <a:rPr lang="en-US" altLang="ko-KR" dirty="0" err="1" smtClean="0"/>
+              <a:t>git</a:t>
+            </a:r>
+            <a:r>
+              <a:rPr lang="en-US" altLang="ko-KR" dirty="0" smtClean="0"/>
+              <a:t> sparse-checkout reapply</a:t>
+            </a:r>
+          </a:p>
+          <a:p>
+            <a:pPr marL="266700" lvl="1" indent="0">
+              <a:buNone/>
+            </a:pPr>
+            <a:endParaRPr lang="en-US" altLang="ko-KR" dirty="0" smtClean="0"/>
+          </a:p>
+          <a:p>
+            <a:pPr marL="266700" lvl="1" indent="0">
+              <a:buNone/>
+            </a:pPr>
+            <a:endParaRPr lang="en-US" altLang="ko-KR" sz="1050" dirty="0" smtClean="0"/>
+          </a:p>
+          <a:p>
+            <a:pPr marL="266700" lvl="1" indent="0">
+              <a:buNone/>
+            </a:pPr>
+            <a:r>
+              <a:rPr lang="en-US" altLang="ko-KR" dirty="0" smtClean="0"/>
+              <a:t>$ </a:t>
+            </a:r>
+            <a:r>
+              <a:rPr lang="en-US" altLang="ko-KR" dirty="0" err="1" smtClean="0"/>
+              <a:t>git</a:t>
+            </a:r>
+            <a:r>
+              <a:rPr lang="en-US" altLang="ko-KR" dirty="0" smtClean="0"/>
+              <a:t> sparse-checkout </a:t>
+            </a:r>
+            <a:r>
+              <a:rPr lang="en-US" altLang="ko-KR" dirty="0" err="1" smtClean="0"/>
+              <a:t>diable</a:t>
+            </a:r>
+            <a:endParaRPr lang="en-US" altLang="ko-KR" dirty="0" smtClean="0"/>
+          </a:p>
+          <a:p>
+            <a:pPr marL="266700" lvl="1" indent="0">
+              <a:buNone/>
+            </a:pPr>
+            <a:r>
+              <a:rPr lang="en-US" altLang="ko-KR" dirty="0" smtClean="0"/>
+              <a:t>$ </a:t>
+            </a:r>
+            <a:r>
+              <a:rPr lang="en-US" altLang="ko-KR" dirty="0" err="1" smtClean="0"/>
+              <a:t>git</a:t>
+            </a:r>
+            <a:r>
+              <a:rPr lang="en-US" altLang="ko-KR" dirty="0" smtClean="0"/>
+              <a:t> ls-files –v</a:t>
+            </a:r>
+          </a:p>
+          <a:p>
+            <a:pPr marL="266700" lvl="1" indent="0">
+              <a:buNone/>
+            </a:pPr>
+            <a:endParaRPr lang="en-US" altLang="ko-KR" dirty="0"/>
+          </a:p>
+          <a:p>
+            <a:pPr marL="266700" lvl="1" indent="0">
+              <a:buNone/>
+            </a:pPr>
+            <a:endParaRPr lang="en-US" altLang="ko-KR" dirty="0" smtClean="0"/>
+          </a:p>
+          <a:p>
+            <a:pPr marL="266700" lvl="1" indent="0">
+              <a:buNone/>
+            </a:pPr>
+            <a:endParaRPr lang="en-US" altLang="ko-KR" dirty="0" smtClean="0"/>
+          </a:p>
+          <a:p>
+            <a:pPr marL="266700" lvl="1" indent="0">
+              <a:buNone/>
+            </a:pPr>
+            <a:endParaRPr lang="en-US" altLang="ko-KR" dirty="0"/>
+          </a:p>
+          <a:p>
+            <a:pPr marL="266700" lvl="1" indent="0">
+              <a:buNone/>
+            </a:pPr>
+            <a:endParaRPr lang="en-US" altLang="ko-KR" dirty="0" smtClean="0"/>
+          </a:p>
+          <a:p>
+            <a:pPr marL="266700" lvl="1" indent="0">
+              <a:buNone/>
+            </a:pPr>
+            <a:r>
+              <a:rPr lang="en-US" altLang="ko-KR" dirty="0" err="1" smtClean="0">
+                <a:solidFill>
+                  <a:srgbClr val="FF0000"/>
+                </a:solidFill>
+              </a:rPr>
+              <a:t>Git</a:t>
+            </a:r>
+            <a:r>
+              <a:rPr lang="en-US" altLang="ko-KR" dirty="0" smtClean="0">
+                <a:solidFill>
+                  <a:srgbClr val="FF0000"/>
+                </a:solidFill>
+              </a:rPr>
+              <a:t> read-tree –mu HEAD</a:t>
+            </a:r>
+            <a:r>
+              <a:rPr lang="ko-KR" altLang="en-US" dirty="0" smtClean="0">
+                <a:solidFill>
+                  <a:srgbClr val="FF0000"/>
+                </a:solidFill>
+              </a:rPr>
+              <a:t>는 언제 사용하나</a:t>
+            </a:r>
+            <a:r>
+              <a:rPr lang="en-US" altLang="ko-KR" dirty="0" smtClean="0">
+                <a:solidFill>
+                  <a:srgbClr val="FF0000"/>
+                </a:solidFill>
+              </a:rPr>
+              <a:t>????</a:t>
+            </a:r>
+            <a:endParaRPr lang="en-US" altLang="ko-KR" dirty="0" smtClean="0">
+              <a:solidFill>
+                <a:srgbClr val="FF0000"/>
+              </a:solidFill>
+            </a:endParaRPr>
+          </a:p>
+          <a:p>
+            <a:pPr marL="266700" lvl="1" indent="0">
+              <a:buNone/>
+            </a:pPr>
+            <a:endParaRPr lang="en-US" altLang="ko-KR" dirty="0"/>
+          </a:p>
+        </p:txBody>
+      </p:sp>
+      <p:pic>
+        <p:nvPicPr>
+          <p:cNvPr id="3" name="그림 2"/>
+          <p:cNvPicPr>
+            <a:picLocks noChangeAspect="1"/>
+          </p:cNvPicPr>
+          <p:nvPr/>
+        </p:nvPicPr>
+        <p:blipFill>
+          <a:blip r:embed="rId3"/>
+          <a:stretch>
+            <a:fillRect/>
+          </a:stretch>
+        </p:blipFill>
+        <p:spPr>
+          <a:xfrm>
+            <a:off x="704096" y="1983910"/>
+            <a:ext cx="5010150" cy="552450"/>
+          </a:xfrm>
+          <a:prstGeom prst="rect">
+            <a:avLst/>
+          </a:prstGeom>
+        </p:spPr>
+      </p:pic>
+      <p:sp>
+        <p:nvSpPr>
+          <p:cNvPr id="21" name="직사각형 20"/>
+          <p:cNvSpPr/>
+          <p:nvPr/>
+        </p:nvSpPr>
+        <p:spPr>
+          <a:xfrm>
+            <a:off x="4965143" y="1902827"/>
+            <a:ext cx="813358" cy="283440"/>
+          </a:xfrm>
+          <a:prstGeom prst="rect">
+            <a:avLst/>
+          </a:prstGeom>
+          <a:noFill/>
+          <a:ln w="38100">
+            <a:solidFill>
+              <a:srgbClr val="FF0000"/>
+            </a:solidFill>
+          </a:ln>
+        </p:spPr>
+        <p:style>
+          <a:lnRef idx="2">
+            <a:schemeClr val="accent1">
+              <a:shade val="50000"/>
+            </a:schemeClr>
+          </a:lnRef>
+          <a:fillRef idx="1">
+            <a:schemeClr val="accent1"/>
+          </a:fillRef>
+          <a:effectRef idx="0">
+            <a:schemeClr val="accent1"/>
+          </a:effectRef>
+          <a:fontRef idx="minor">
+            <a:schemeClr val="lt1"/>
+          </a:fontRef>
+        </p:style>
+        <p:txBody>
+          <a:bodyPr rtlCol="0" anchor="ctr"/>
+          <a:lstStyle/>
+          <a:p>
+            <a:pPr algn="ctr"/>
+            <a:endParaRPr lang="ko-KR" altLang="en-US"/>
+          </a:p>
+        </p:txBody>
+      </p:sp>
+      <p:pic>
+        <p:nvPicPr>
+          <p:cNvPr id="8" name="그림 7"/>
+          <p:cNvPicPr>
+            <a:picLocks noChangeAspect="1"/>
+          </p:cNvPicPr>
+          <p:nvPr/>
+        </p:nvPicPr>
+        <p:blipFill>
+          <a:blip r:embed="rId4"/>
+          <a:stretch>
+            <a:fillRect/>
+          </a:stretch>
+        </p:blipFill>
+        <p:spPr>
+          <a:xfrm>
+            <a:off x="758071" y="3348926"/>
+            <a:ext cx="4943475" cy="1733550"/>
+          </a:xfrm>
+          <a:prstGeom prst="rect">
+            <a:avLst/>
+          </a:prstGeom>
+        </p:spPr>
+      </p:pic>
+    </p:spTree>
+    <p:extLst>
+      <p:ext uri="{BB962C8B-B14F-4D97-AF65-F5344CB8AC3E}">
+        <p14:creationId xmlns:p14="http://schemas.microsoft.com/office/powerpoint/2010/main" val="32046349"/>
+      </p:ext>
+    </p:extLst>
+  </p:cSld>
+  <p:clrMapOvr>
+    <a:masterClrMapping/>
+  </p:clrMapOvr>
+</p:sld>
+</file>
+
+<file path=ppt/slides/slide36.xml><?xml version="1.0" encoding="utf-8"?>
+<p:sld xmlns:a="http://schemas.openxmlformats.org/drawingml/2006/main" xmlns:r="http://schemas.openxmlformats.org/officeDocument/2006/relationships" xmlns:p="http://schemas.openxmlformats.org/presentationml/2006/main">
+  <p:cSld>
+    <p:spTree>
+      <p:nvGrpSpPr>
+        <p:cNvPr id="1" name=""/>
+        <p:cNvGrpSpPr/>
+        <p:nvPr/>
+      </p:nvGrpSpPr>
+      <p:grpSpPr>
+        <a:xfrm>
+          <a:off x="0" y="0"/>
+          <a:ext cx="0" cy="0"/>
+          <a:chOff x="0" y="0"/>
+          <a:chExt cx="0" cy="0"/>
+        </a:xfrm>
+      </p:grpSpPr>
+      <p:sp>
+        <p:nvSpPr>
+          <p:cNvPr id="4" name="제목 3">
+            <a:extLst>
+              <a:ext uri="{FF2B5EF4-FFF2-40B4-BE49-F238E27FC236}">
+                <a16:creationId xmlns:a16="http://schemas.microsoft.com/office/drawing/2014/main" id="{F0CEB32B-CB43-4410-BA08-A97E4BC47FCB}"/>
+              </a:ext>
+            </a:extLst>
+          </p:cNvPr>
+          <p:cNvSpPr>
+            <a:spLocks noGrp="1"/>
+          </p:cNvSpPr>
+          <p:nvPr>
+            <p:ph type="title"/>
+          </p:nvPr>
+        </p:nvSpPr>
+        <p:spPr/>
+        <p:txBody>
+          <a:bodyPr/>
+          <a:lstStyle/>
+          <a:p>
+            <a:r>
+              <a:rPr lang="en-US" altLang="ko-KR" dirty="0" smtClean="0"/>
+              <a:t>Sparse-checkout </a:t>
+            </a:r>
+            <a:r>
+              <a:rPr lang="ko-KR" altLang="en-US" dirty="0" smtClean="0"/>
+              <a:t>사용</a:t>
+            </a:r>
+            <a:endParaRPr lang="ko-KR" altLang="en-US" dirty="0"/>
+          </a:p>
+        </p:txBody>
+      </p:sp>
+      <p:sp>
+        <p:nvSpPr>
+          <p:cNvPr id="6" name="내용 개체 틀 2">
+            <a:extLst>
+              <a:ext uri="{FF2B5EF4-FFF2-40B4-BE49-F238E27FC236}">
+                <a16:creationId xmlns:a16="http://schemas.microsoft.com/office/drawing/2014/main" id="{E597044D-9E91-4036-BC67-BF184BDB0BB9}"/>
+              </a:ext>
+            </a:extLst>
+          </p:cNvPr>
+          <p:cNvSpPr txBox="1">
+            <a:spLocks/>
+          </p:cNvSpPr>
+          <p:nvPr/>
+        </p:nvSpPr>
+        <p:spPr>
+          <a:xfrm>
+            <a:off x="341787" y="1120544"/>
+            <a:ext cx="8642350" cy="5115155"/>
+          </a:xfrm>
+          <a:prstGeom prst="rect">
+            <a:avLst/>
+          </a:prstGeom>
+        </p:spPr>
+        <p:txBody>
+          <a:bodyPr vert="horz" lIns="91440" tIns="45720" rIns="91440" bIns="45720" rtlCol="0">
+            <a:noAutofit/>
+          </a:bodyPr>
+          <a:lstStyle>
+            <a:lvl1pPr marL="266700" indent="-266700" defTabSz="914400" latinLnBrk="1">
+              <a:lnSpc>
+                <a:spcPct val="150000"/>
+              </a:lnSpc>
+              <a:spcBef>
+                <a:spcPct val="0"/>
+              </a:spcBef>
+              <a:buClr>
+                <a:schemeClr val="tx1">
+                  <a:lumMod val="65000"/>
+                  <a:lumOff val="35000"/>
+                </a:schemeClr>
+              </a:buClr>
+              <a:buFont typeface="Wingdings" pitchFamily="2" charset="2"/>
+              <a:buChar char="n"/>
+              <a:defRPr sz="2000" b="1">
+                <a:latin typeface="+mn-ea"/>
+              </a:defRPr>
+            </a:lvl1pPr>
+            <a:lvl2pPr marL="447675" lvl="1" indent="-180975" defTabSz="914400" latinLnBrk="1">
+              <a:lnSpc>
+                <a:spcPct val="150000"/>
+              </a:lnSpc>
+              <a:spcBef>
+                <a:spcPts val="0"/>
+              </a:spcBef>
+              <a:spcAft>
+                <a:spcPts val="0"/>
+              </a:spcAft>
+              <a:buClr>
+                <a:schemeClr val="tx1">
+                  <a:lumMod val="50000"/>
+                  <a:lumOff val="50000"/>
+                </a:schemeClr>
+              </a:buClr>
+              <a:buFont typeface="Wingdings" pitchFamily="2" charset="2"/>
+              <a:buChar char="§"/>
+              <a:defRPr sz="1600"/>
+            </a:lvl2pPr>
+            <a:lvl3pPr marL="628650" indent="-180975" defTabSz="914400" latinLnBrk="1">
+              <a:lnSpc>
+                <a:spcPct val="150000"/>
+              </a:lnSpc>
+              <a:spcBef>
+                <a:spcPts val="500"/>
+              </a:spcBef>
+              <a:spcAft>
+                <a:spcPts val="300"/>
+              </a:spcAft>
+              <a:buClr>
+                <a:schemeClr val="tx1">
+                  <a:lumMod val="65000"/>
+                  <a:lumOff val="35000"/>
+                </a:schemeClr>
+              </a:buClr>
+              <a:buFont typeface="Arial" panose="020B0604020202020204" pitchFamily="34" charset="0"/>
+              <a:buChar char="•"/>
+              <a:defRPr sz="1400"/>
+            </a:lvl3pPr>
+            <a:lvl4pPr marL="809625" indent="-180975" defTabSz="914400" latinLnBrk="1">
+              <a:lnSpc>
+                <a:spcPct val="150000"/>
+              </a:lnSpc>
+              <a:spcBef>
+                <a:spcPts val="500"/>
+              </a:spcBef>
+              <a:spcAft>
+                <a:spcPts val="300"/>
+              </a:spcAft>
+              <a:buClr>
+                <a:schemeClr val="tx1">
+                  <a:lumMod val="65000"/>
+                  <a:lumOff val="35000"/>
+                </a:schemeClr>
+              </a:buClr>
+              <a:buSzPct val="96000"/>
+              <a:buFont typeface="Arial" panose="020B0604020202020204" pitchFamily="34" charset="0"/>
+              <a:buChar char="•"/>
+              <a:defRPr sz="1200"/>
+            </a:lvl4pPr>
+            <a:lvl5pPr marL="990600" indent="-180975" defTabSz="914400" latinLnBrk="1">
+              <a:lnSpc>
+                <a:spcPct val="150000"/>
+              </a:lnSpc>
+              <a:spcBef>
+                <a:spcPts val="500"/>
+              </a:spcBef>
+              <a:buClr>
+                <a:schemeClr val="tx1">
+                  <a:lumMod val="65000"/>
+                  <a:lumOff val="35000"/>
+                </a:schemeClr>
+              </a:buClr>
+              <a:buFont typeface="Arial" panose="020B0604020202020204" pitchFamily="34" charset="0"/>
+              <a:buChar char="•"/>
+              <a:defRPr sz="1000"/>
+            </a:lvl5pPr>
+            <a:lvl6pPr marL="2514600" indent="-228600" defTabSz="914400" latinLnBrk="1">
+              <a:lnSpc>
+                <a:spcPct val="90000"/>
+              </a:lnSpc>
+              <a:spcBef>
+                <a:spcPts val="500"/>
+              </a:spcBef>
+              <a:buFont typeface="Arial" panose="020B0604020202020204" pitchFamily="34" charset="0"/>
+              <a:buChar char="•"/>
+            </a:lvl6pPr>
+            <a:lvl7pPr marL="2971800" indent="-228600" defTabSz="914400" latinLnBrk="1">
+              <a:lnSpc>
+                <a:spcPct val="90000"/>
+              </a:lnSpc>
+              <a:spcBef>
+                <a:spcPts val="500"/>
+              </a:spcBef>
+              <a:buFont typeface="Arial" panose="020B0604020202020204" pitchFamily="34" charset="0"/>
+              <a:buChar char="•"/>
+            </a:lvl7pPr>
+            <a:lvl8pPr marL="3429000" indent="-228600" defTabSz="914400" latinLnBrk="1">
+              <a:lnSpc>
+                <a:spcPct val="90000"/>
+              </a:lnSpc>
+              <a:spcBef>
+                <a:spcPts val="500"/>
+              </a:spcBef>
+              <a:buFont typeface="Arial" panose="020B0604020202020204" pitchFamily="34" charset="0"/>
+              <a:buChar char="•"/>
+            </a:lvl8pPr>
+            <a:lvl9pPr marL="3886200" indent="-228600" defTabSz="914400" latinLnBrk="1">
+              <a:lnSpc>
+                <a:spcPct val="90000"/>
+              </a:lnSpc>
+              <a:spcBef>
+                <a:spcPts val="500"/>
+              </a:spcBef>
+              <a:buFont typeface="Arial" panose="020B0604020202020204" pitchFamily="34" charset="0"/>
+              <a:buChar char="•"/>
+            </a:lvl9pPr>
+          </a:lstStyle>
+          <a:p>
+            <a:r>
+              <a:rPr lang="ko-KR" altLang="en-US" dirty="0" smtClean="0"/>
+              <a:t>원하는 폴더나 파일만 </a:t>
+            </a:r>
+            <a:r>
+              <a:rPr lang="en-US" altLang="ko-KR" dirty="0" smtClean="0"/>
+              <a:t>clone</a:t>
+            </a:r>
+            <a:r>
+              <a:rPr lang="ko-KR" altLang="en-US" dirty="0" smtClean="0"/>
+              <a:t>하여 사용하기</a:t>
+            </a:r>
+            <a:endParaRPr lang="en-US" altLang="ko-KR" dirty="0"/>
+          </a:p>
+          <a:p>
+            <a:pPr marL="266700" lvl="1" indent="0">
+              <a:buNone/>
+            </a:pPr>
+            <a:r>
+              <a:rPr lang="en-US" altLang="ko-KR" dirty="0" smtClean="0"/>
+              <a:t>$ </a:t>
+            </a:r>
+            <a:r>
+              <a:rPr lang="en-US" altLang="ko-KR" dirty="0" err="1" smtClean="0"/>
+              <a:t>mkdir</a:t>
+            </a:r>
+            <a:r>
+              <a:rPr lang="en-US" altLang="ko-KR" dirty="0" smtClean="0"/>
+              <a:t> &lt;repo&gt;</a:t>
+            </a:r>
+          </a:p>
+          <a:p>
+            <a:pPr marL="266700" lvl="1" indent="0">
+              <a:buNone/>
+            </a:pPr>
+            <a:r>
+              <a:rPr lang="en-US" altLang="ko-KR" dirty="0" smtClean="0"/>
+              <a:t>$ cd &lt;repo&gt;</a:t>
+            </a:r>
+          </a:p>
+          <a:p>
+            <a:pPr marL="266700" lvl="1" indent="0">
+              <a:buNone/>
+            </a:pPr>
+            <a:r>
+              <a:rPr lang="en-US" altLang="ko-KR" dirty="0"/>
+              <a:t>$</a:t>
+            </a:r>
+            <a:r>
+              <a:rPr lang="en-US" altLang="ko-KR" dirty="0" smtClean="0"/>
+              <a:t> </a:t>
+            </a:r>
+            <a:r>
+              <a:rPr lang="en-US" altLang="ko-KR" dirty="0" err="1" smtClean="0"/>
+              <a:t>git</a:t>
+            </a:r>
+            <a:r>
+              <a:rPr lang="en-US" altLang="ko-KR" dirty="0" smtClean="0"/>
+              <a:t> </a:t>
+            </a:r>
+            <a:r>
+              <a:rPr lang="en-US" altLang="ko-KR" dirty="0" err="1" smtClean="0"/>
+              <a:t>init</a:t>
+            </a:r>
+            <a:endParaRPr lang="en-US" altLang="ko-KR" dirty="0"/>
+          </a:p>
+          <a:p>
+            <a:pPr marL="266700" lvl="1" indent="0">
+              <a:buNone/>
+            </a:pPr>
+            <a:r>
+              <a:rPr lang="en-US" altLang="ko-KR" dirty="0" smtClean="0"/>
+              <a:t>Remote</a:t>
+            </a:r>
+            <a:r>
+              <a:rPr lang="ko-KR" altLang="en-US" dirty="0" smtClean="0"/>
+              <a:t>와 연계된 내용이 없는 </a:t>
+            </a:r>
+            <a:r>
+              <a:rPr lang="en-US" altLang="ko-KR" dirty="0" smtClean="0"/>
+              <a:t>repo</a:t>
+            </a:r>
+            <a:r>
+              <a:rPr lang="ko-KR" altLang="en-US" dirty="0" smtClean="0"/>
+              <a:t>를 만들고 </a:t>
+            </a:r>
+            <a:r>
+              <a:rPr lang="en-US" altLang="ko-KR" dirty="0" smtClean="0"/>
+              <a:t>fetch</a:t>
+            </a:r>
+            <a:r>
+              <a:rPr lang="ko-KR" altLang="en-US" dirty="0" smtClean="0"/>
+              <a:t>를 진행</a:t>
+            </a:r>
+            <a:r>
+              <a:rPr lang="en-US" altLang="ko-KR" dirty="0" smtClean="0"/>
+              <a:t>. </a:t>
+            </a:r>
+            <a:r>
+              <a:rPr lang="ko-KR" altLang="en-US" dirty="0" smtClean="0"/>
+              <a:t>내용을 </a:t>
+            </a:r>
+            <a:r>
+              <a:rPr lang="en-US" altLang="ko-KR" dirty="0" smtClean="0"/>
+              <a:t>checkout </a:t>
+            </a:r>
+            <a:r>
+              <a:rPr lang="ko-KR" altLang="en-US" dirty="0" smtClean="0"/>
+              <a:t>하지 않음</a:t>
+            </a:r>
+            <a:r>
+              <a:rPr lang="en-US" altLang="ko-KR" dirty="0" smtClean="0"/>
+              <a:t>.</a:t>
+            </a:r>
+          </a:p>
+          <a:p>
+            <a:pPr marL="266700" lvl="1" indent="0">
+              <a:buNone/>
+            </a:pPr>
+            <a:r>
+              <a:rPr lang="en-US" altLang="ko-KR" dirty="0" smtClean="0"/>
+              <a:t>$ </a:t>
+            </a:r>
+            <a:r>
+              <a:rPr lang="en-US" altLang="ko-KR" dirty="0" err="1" smtClean="0"/>
+              <a:t>git</a:t>
+            </a:r>
+            <a:r>
+              <a:rPr lang="en-US" altLang="ko-KR" dirty="0" smtClean="0"/>
+              <a:t> remote add  -f origin &lt;</a:t>
+            </a:r>
+            <a:r>
+              <a:rPr lang="en-US" altLang="ko-KR" dirty="0" err="1" smtClean="0"/>
+              <a:t>url</a:t>
+            </a:r>
+            <a:r>
+              <a:rPr lang="en-US" altLang="ko-KR" dirty="0" smtClean="0"/>
+              <a:t>&gt;</a:t>
+            </a:r>
+          </a:p>
+          <a:p>
+            <a:pPr marL="266700" lvl="1" indent="0">
+              <a:buNone/>
+            </a:pPr>
+            <a:r>
+              <a:rPr lang="en-US" altLang="ko-KR" dirty="0" smtClean="0"/>
+              <a:t>Bash configuration</a:t>
+            </a:r>
+          </a:p>
+          <a:p>
+            <a:pPr marL="266700" lvl="1" indent="0">
+              <a:buNone/>
+            </a:pPr>
+            <a:r>
+              <a:rPr lang="en-US" altLang="ko-KR" dirty="0" smtClean="0"/>
+              <a:t>$ </a:t>
+            </a:r>
+            <a:r>
+              <a:rPr lang="en-US" altLang="ko-KR" dirty="0" err="1" smtClean="0"/>
+              <a:t>git</a:t>
+            </a:r>
+            <a:r>
+              <a:rPr lang="en-US" altLang="ko-KR" dirty="0" smtClean="0"/>
+              <a:t> </a:t>
+            </a:r>
+            <a:r>
+              <a:rPr lang="en-US" altLang="ko-KR" dirty="0" err="1" smtClean="0"/>
+              <a:t>config</a:t>
+            </a:r>
+            <a:r>
+              <a:rPr lang="en-US" altLang="ko-KR" dirty="0" smtClean="0"/>
+              <a:t> </a:t>
+            </a:r>
+            <a:r>
+              <a:rPr lang="en-US" altLang="ko-KR" dirty="0" err="1" smtClean="0"/>
+              <a:t>core.sparseCheckout</a:t>
+            </a:r>
+            <a:r>
+              <a:rPr lang="en-US" altLang="ko-KR" dirty="0" smtClean="0"/>
+              <a:t> true</a:t>
+            </a:r>
+          </a:p>
+          <a:p>
+            <a:pPr marL="266700" lvl="1" indent="0">
+              <a:buNone/>
+            </a:pPr>
+            <a:r>
+              <a:rPr lang="ko-KR" altLang="en-US" dirty="0" smtClean="0"/>
+              <a:t>수정하기 원하는 폴더나 파일을 </a:t>
+            </a:r>
+            <a:r>
+              <a:rPr lang="en-US" altLang="ko-KR" dirty="0" smtClean="0"/>
+              <a:t>.</a:t>
+            </a:r>
+            <a:r>
+              <a:rPr lang="en-US" altLang="ko-KR" dirty="0" err="1" smtClean="0"/>
+              <a:t>git</a:t>
+            </a:r>
+            <a:r>
+              <a:rPr lang="en-US" altLang="ko-KR" dirty="0" smtClean="0"/>
+              <a:t>/info/sparse-checkout </a:t>
+            </a:r>
+            <a:r>
+              <a:rPr lang="ko-KR" altLang="en-US" dirty="0" smtClean="0"/>
+              <a:t>파일에 기입</a:t>
+            </a:r>
+            <a:endParaRPr lang="en-US" altLang="ko-KR" dirty="0" smtClean="0"/>
+          </a:p>
+          <a:p>
+            <a:pPr marL="266700" lvl="1" indent="0">
+              <a:buNone/>
+            </a:pPr>
+            <a:r>
+              <a:rPr lang="en-US" altLang="ko-KR" dirty="0" smtClean="0"/>
+              <a:t>$ echo “my/</a:t>
+            </a:r>
+            <a:r>
+              <a:rPr lang="en-US" altLang="ko-KR" dirty="0" err="1" smtClean="0"/>
+              <a:t>dir</a:t>
+            </a:r>
+            <a:r>
+              <a:rPr lang="en-US" altLang="ko-KR" dirty="0" smtClean="0"/>
+              <a:t>/” &gt;&gt; .</a:t>
+            </a:r>
+            <a:r>
+              <a:rPr lang="en-US" altLang="ko-KR" dirty="0" err="1" smtClean="0"/>
+              <a:t>git</a:t>
+            </a:r>
+            <a:r>
+              <a:rPr lang="en-US" altLang="ko-KR" dirty="0" smtClean="0"/>
+              <a:t>/info/sparse-checkout</a:t>
+            </a:r>
+          </a:p>
+          <a:p>
+            <a:pPr marL="266700" lvl="1" indent="0">
+              <a:buNone/>
+            </a:pPr>
+            <a:r>
+              <a:rPr lang="en-US" altLang="ko-KR" dirty="0" smtClean="0"/>
+              <a:t>$ echo “my/check/file1 &gt;&gt; .</a:t>
+            </a:r>
+            <a:r>
+              <a:rPr lang="en-US" altLang="ko-KR" dirty="0" err="1" smtClean="0"/>
+              <a:t>git</a:t>
+            </a:r>
+            <a:r>
+              <a:rPr lang="en-US" altLang="ko-KR" dirty="0" smtClean="0"/>
+              <a:t>/info/sparse-checkout</a:t>
+            </a:r>
+          </a:p>
+          <a:p>
+            <a:pPr marL="266700" lvl="1" indent="0">
+              <a:buNone/>
+            </a:pPr>
+            <a:r>
+              <a:rPr lang="en-US" altLang="ko-KR" dirty="0" smtClean="0"/>
+              <a:t>$ </a:t>
+            </a:r>
+            <a:r>
+              <a:rPr lang="en-US" altLang="ko-KR" dirty="0" err="1"/>
+              <a:t>git</a:t>
+            </a:r>
+            <a:r>
+              <a:rPr lang="en-US" altLang="ko-KR" dirty="0"/>
+              <a:t> read-tree -m -u </a:t>
+            </a:r>
+            <a:r>
+              <a:rPr lang="en-US" altLang="ko-KR" dirty="0" smtClean="0"/>
+              <a:t>HEAD # sparse-checkout </a:t>
+            </a:r>
+            <a:r>
+              <a:rPr lang="ko-KR" altLang="en-US" dirty="0" smtClean="0"/>
+              <a:t>파일 내용을 바꾸고 나서 </a:t>
+            </a:r>
+            <a:r>
+              <a:rPr lang="en-US" altLang="ko-KR" dirty="0" smtClean="0"/>
+              <a:t>reload</a:t>
+            </a:r>
+            <a:endParaRPr lang="en-US" altLang="ko-KR" dirty="0"/>
+          </a:p>
+          <a:p>
+            <a:pPr marL="266700" lvl="1" indent="0">
+              <a:buNone/>
+            </a:pPr>
+            <a:r>
+              <a:rPr lang="en-US" altLang="ko-KR" dirty="0" smtClean="0"/>
+              <a:t>$ </a:t>
+            </a:r>
+            <a:r>
+              <a:rPr lang="en-US" altLang="ko-KR" dirty="0" err="1" smtClean="0"/>
+              <a:t>git</a:t>
+            </a:r>
+            <a:r>
+              <a:rPr lang="en-US" altLang="ko-KR" dirty="0" smtClean="0"/>
+              <a:t> pull origin main</a:t>
+            </a:r>
+            <a:endParaRPr lang="en-US" altLang="ko-KR" dirty="0"/>
+          </a:p>
+        </p:txBody>
+      </p:sp>
+    </p:spTree>
+    <p:extLst>
+      <p:ext uri="{BB962C8B-B14F-4D97-AF65-F5344CB8AC3E}">
+        <p14:creationId xmlns:p14="http://schemas.microsoft.com/office/powerpoint/2010/main" val="3788858675"/>
       </p:ext>
     </p:extLst>
   </p:cSld>

--- a/git및github첫걸음11-명령어모음.pptx
+++ b/git및github첫걸음11-명령어모음.pptx
@@ -5,7 +5,7 @@
     <p:sldMasterId id="2147483660" r:id="rId1"/>
   </p:sldMasterIdLst>
   <p:notesMasterIdLst>
-    <p:notesMasterId r:id="rId38"/>
+    <p:notesMasterId r:id="rId41"/>
   </p:notesMasterIdLst>
   <p:sldIdLst>
     <p:sldId id="404" r:id="rId2"/>
@@ -43,7 +43,10 @@
     <p:sldId id="498" r:id="rId34"/>
     <p:sldId id="500" r:id="rId35"/>
     <p:sldId id="501" r:id="rId36"/>
-    <p:sldId id="499" r:id="rId37"/>
+    <p:sldId id="502" r:id="rId37"/>
+    <p:sldId id="504" r:id="rId38"/>
+    <p:sldId id="503" r:id="rId39"/>
+    <p:sldId id="499" r:id="rId40"/>
   </p:sldIdLst>
   <p:sldSz cx="9144000" cy="6858000" type="screen4x3"/>
   <p:notesSz cx="6858000" cy="9144000"/>
@@ -243,7 +246,7 @@
           <a:p>
             <a:fld id="{A17B9194-BDE3-40E3-983E-94CE6FA773AF}" type="datetimeFigureOut">
               <a:rPr lang="ko-KR" altLang="en-US" smtClean="0"/>
-              <a:t>2021-04-23</a:t>
+              <a:t>2021-04-24</a:t>
             </a:fld>
             <a:endParaRPr lang="ko-KR" altLang="en-US"/>
           </a:p>
@@ -2738,7 +2741,226 @@
           <a:bodyPr/>
           <a:lstStyle/>
           <a:p>
-            <a:endParaRPr lang="ko-KR" altLang="en-US" dirty="0"/>
+            <a:pPr marL="0" marR="0" lvl="1" indent="0" algn="l" defTabSz="914400" rtl="0" eaLnBrk="1" fontAlgn="auto" latinLnBrk="1" hangingPunct="1">
+              <a:lnSpc>
+                <a:spcPct val="100000"/>
+              </a:lnSpc>
+              <a:spcBef>
+                <a:spcPts val="0"/>
+              </a:spcBef>
+              <a:spcAft>
+                <a:spcPts val="0"/>
+              </a:spcAft>
+              <a:buClrTx/>
+              <a:buSzTx/>
+              <a:buFontTx/>
+              <a:buNone/>
+              <a:tabLst/>
+              <a:defRPr/>
+            </a:pPr>
+            <a:r>
+              <a:rPr lang="en-US" altLang="ko-KR" dirty="0" err="1" smtClean="0"/>
+              <a:t>git</a:t>
+            </a:r>
+            <a:r>
+              <a:rPr lang="en-US" altLang="ko-KR" dirty="0" smtClean="0"/>
+              <a:t> sparse-checkout </a:t>
+            </a:r>
+            <a:r>
+              <a:rPr lang="en-US" altLang="ko-KR" dirty="0" err="1" smtClean="0"/>
+              <a:t>init</a:t>
+            </a:r>
+            <a:r>
+              <a:rPr lang="ko-KR" altLang="en-US" baseline="0" dirty="0" smtClean="0"/>
+              <a:t> 와 </a:t>
+            </a:r>
+            <a:r>
+              <a:rPr lang="en-US" altLang="ko-KR" baseline="0" dirty="0" err="1" smtClean="0"/>
+              <a:t>git</a:t>
+            </a:r>
+            <a:r>
+              <a:rPr lang="en-US" altLang="ko-KR" baseline="0" dirty="0" smtClean="0"/>
+              <a:t> </a:t>
+            </a:r>
+            <a:r>
+              <a:rPr lang="en-US" altLang="ko-KR" baseline="0" dirty="0" err="1" smtClean="0"/>
+              <a:t>config</a:t>
+            </a:r>
+            <a:r>
+              <a:rPr lang="en-US" altLang="ko-KR" baseline="0" dirty="0" smtClean="0"/>
+              <a:t> </a:t>
+            </a:r>
+            <a:r>
+              <a:rPr lang="en-US" altLang="ko-KR" baseline="0" dirty="0" err="1" smtClean="0"/>
+              <a:t>core.sparseCheckout</a:t>
+            </a:r>
+            <a:r>
+              <a:rPr lang="en-US" altLang="ko-KR" baseline="0" dirty="0" smtClean="0"/>
+              <a:t> false </a:t>
+            </a:r>
+            <a:r>
+              <a:rPr lang="ko-KR" altLang="en-US" baseline="0" dirty="0" smtClean="0"/>
+              <a:t>혹은 </a:t>
+            </a:r>
+            <a:r>
+              <a:rPr lang="en-US" altLang="ko-KR" baseline="0" dirty="0" smtClean="0"/>
+              <a:t>true</a:t>
+            </a:r>
+            <a:r>
+              <a:rPr lang="ko-KR" altLang="en-US" baseline="0" dirty="0" smtClean="0"/>
+              <a:t>와 관련이 없음</a:t>
+            </a:r>
+            <a:r>
+              <a:rPr lang="en-US" altLang="ko-KR" baseline="0" dirty="0" smtClean="0"/>
+              <a:t>.</a:t>
+            </a:r>
+          </a:p>
+          <a:p>
+            <a:pPr marL="0" marR="0" lvl="1" indent="0" algn="l" defTabSz="914400" rtl="0" eaLnBrk="1" fontAlgn="auto" latinLnBrk="1" hangingPunct="1">
+              <a:lnSpc>
+                <a:spcPct val="100000"/>
+              </a:lnSpc>
+              <a:spcBef>
+                <a:spcPts val="0"/>
+              </a:spcBef>
+              <a:spcAft>
+                <a:spcPts val="0"/>
+              </a:spcAft>
+              <a:buClrTx/>
+              <a:buSzTx/>
+              <a:buFontTx/>
+              <a:buNone/>
+              <a:tabLst/>
+              <a:defRPr/>
+            </a:pPr>
+            <a:r>
+              <a:rPr lang="en-US" altLang="ko-KR" baseline="0" dirty="0" err="1" smtClean="0"/>
+              <a:t>Git</a:t>
+            </a:r>
+            <a:r>
+              <a:rPr lang="en-US" altLang="ko-KR" baseline="0" dirty="0" smtClean="0"/>
+              <a:t> sparse-checkout </a:t>
+            </a:r>
+            <a:r>
+              <a:rPr lang="en-US" altLang="ko-KR" baseline="0" dirty="0" err="1" smtClean="0"/>
+              <a:t>init</a:t>
+            </a:r>
+            <a:r>
+              <a:rPr lang="ko-KR" altLang="en-US" baseline="0" dirty="0" smtClean="0"/>
+              <a:t>은 자동으로 </a:t>
+            </a:r>
+            <a:r>
+              <a:rPr lang="en-US" altLang="ko-KR" baseline="0" dirty="0" err="1" smtClean="0"/>
+              <a:t>git</a:t>
+            </a:r>
+            <a:r>
+              <a:rPr lang="en-US" altLang="ko-KR" baseline="0" dirty="0" smtClean="0"/>
+              <a:t> sparse-checkout set /* !/*/ </a:t>
+            </a:r>
+            <a:r>
+              <a:rPr lang="ko-KR" altLang="en-US" baseline="0" dirty="0" smtClean="0"/>
+              <a:t>을 </a:t>
+            </a:r>
+            <a:r>
+              <a:rPr lang="ko-KR" altLang="en-US" baseline="0" dirty="0" err="1" smtClean="0"/>
+              <a:t>동작시킴</a:t>
+            </a:r>
+            <a:r>
+              <a:rPr lang="en-US" altLang="ko-KR" baseline="0" dirty="0" smtClean="0"/>
+              <a:t>(?) </a:t>
+            </a:r>
+            <a:r>
+              <a:rPr lang="ko-KR" altLang="en-US" baseline="0" dirty="0" smtClean="0"/>
+              <a:t>따라서 </a:t>
+            </a:r>
+            <a:r>
+              <a:rPr lang="en-US" altLang="ko-KR" baseline="0" dirty="0" smtClean="0"/>
+              <a:t>(</a:t>
+            </a:r>
+            <a:r>
+              <a:rPr lang="en-US" altLang="ko-KR" baseline="0" dirty="0" err="1" smtClean="0"/>
+              <a:t>main|SPARSE</a:t>
+            </a:r>
+            <a:r>
+              <a:rPr lang="en-US" altLang="ko-KR" baseline="0" dirty="0" smtClean="0"/>
+              <a:t>) </a:t>
+            </a:r>
+            <a:r>
+              <a:rPr lang="ko-KR" altLang="en-US" baseline="0" dirty="0" smtClean="0"/>
+              <a:t>표시가 됨</a:t>
+            </a:r>
+            <a:r>
+              <a:rPr lang="en-US" altLang="ko-KR" baseline="0" dirty="0" smtClean="0"/>
+              <a:t>.</a:t>
+            </a:r>
+          </a:p>
+          <a:p>
+            <a:pPr marL="0" marR="0" lvl="1" indent="0" algn="l" defTabSz="914400" rtl="0" eaLnBrk="1" fontAlgn="auto" latinLnBrk="1" hangingPunct="1">
+              <a:lnSpc>
+                <a:spcPct val="100000"/>
+              </a:lnSpc>
+              <a:spcBef>
+                <a:spcPts val="0"/>
+              </a:spcBef>
+              <a:spcAft>
+                <a:spcPts val="0"/>
+              </a:spcAft>
+              <a:buClrTx/>
+              <a:buSzTx/>
+              <a:buFontTx/>
+              <a:buNone/>
+              <a:tabLst/>
+              <a:defRPr/>
+            </a:pPr>
+            <a:r>
+              <a:rPr lang="en-US" altLang="ko-KR" dirty="0" err="1" smtClean="0"/>
+              <a:t>Git</a:t>
+            </a:r>
+            <a:r>
+              <a:rPr lang="en-US" altLang="ko-KR" dirty="0" smtClean="0"/>
+              <a:t> sparse-checkout set </a:t>
+            </a:r>
+            <a:r>
+              <a:rPr lang="ko-KR" altLang="en-US" dirty="0" smtClean="0"/>
+              <a:t>은 </a:t>
+            </a:r>
+            <a:r>
+              <a:rPr lang="en-US" altLang="ko-KR" dirty="0" smtClean="0"/>
+              <a:t>command</a:t>
+            </a:r>
+            <a:r>
+              <a:rPr lang="ko-KR" altLang="en-US" dirty="0" smtClean="0"/>
+              <a:t>창에 </a:t>
+            </a:r>
+            <a:r>
+              <a:rPr lang="en-US" altLang="ko-KR" dirty="0" smtClean="0"/>
+              <a:t>(main)</a:t>
+            </a:r>
+            <a:r>
+              <a:rPr lang="en-US" altLang="ko-KR" baseline="0" dirty="0" smtClean="0"/>
+              <a:t> </a:t>
+            </a:r>
+            <a:r>
+              <a:rPr lang="ko-KR" altLang="en-US" baseline="0" dirty="0" smtClean="0"/>
+              <a:t>을 </a:t>
+            </a:r>
+            <a:r>
+              <a:rPr lang="en-US" altLang="ko-KR" baseline="0" dirty="0" smtClean="0"/>
+              <a:t>(</a:t>
+            </a:r>
+            <a:r>
+              <a:rPr lang="en-US" altLang="ko-KR" baseline="0" dirty="0" err="1" smtClean="0"/>
+              <a:t>main|SPARSE</a:t>
+            </a:r>
+            <a:r>
+              <a:rPr lang="en-US" altLang="ko-KR" baseline="0" dirty="0" smtClean="0"/>
+              <a:t>)</a:t>
+            </a:r>
+            <a:r>
+              <a:rPr lang="ko-KR" altLang="en-US" baseline="0" dirty="0" smtClean="0"/>
+              <a:t>표현으로 전환시킴</a:t>
+            </a:r>
+            <a:endParaRPr lang="en-US" altLang="ko-KR" dirty="0" smtClean="0"/>
           </a:p>
         </p:txBody>
       </p:sp>
@@ -2822,6 +3044,26 @@
           <a:bodyPr/>
           <a:lstStyle/>
           <a:p>
+            <a:r>
+              <a:rPr lang="en-US" altLang="ko-KR" dirty="0" smtClean="0"/>
+              <a:t>Reapply</a:t>
+            </a:r>
+            <a:r>
+              <a:rPr lang="ko-KR" altLang="en-US" dirty="0" smtClean="0"/>
+              <a:t>는 </a:t>
+            </a:r>
+            <a:r>
+              <a:rPr lang="en-US" altLang="ko-KR" dirty="0" smtClean="0"/>
+              <a:t>sparse-checkout</a:t>
+            </a:r>
+            <a:r>
+              <a:rPr lang="en-US" altLang="ko-KR" baseline="0" dirty="0" smtClean="0"/>
+              <a:t> </a:t>
+            </a:r>
+            <a:r>
+              <a:rPr lang="ko-KR" altLang="en-US" baseline="0" dirty="0" smtClean="0"/>
+              <a:t>을 다시 동작 시킴</a:t>
+            </a:r>
             <a:endParaRPr lang="ko-KR" altLang="en-US" dirty="0"/>
           </a:p>
         </p:txBody>
@@ -2928,6 +3170,258 @@
             <a:fld id="{625D4AC4-540A-4436-887D-BF6A8FCF1275}" type="slidenum">
               <a:rPr lang="ko-KR" altLang="en-US" smtClean="0"/>
               <a:t>36</a:t>
+            </a:fld>
+            <a:endParaRPr lang="ko-KR" altLang="en-US"/>
+          </a:p>
+        </p:txBody>
+      </p:sp>
+    </p:spTree>
+    <p:extLst>
+      <p:ext uri="{BB962C8B-B14F-4D97-AF65-F5344CB8AC3E}">
+        <p14:creationId xmlns:p14="http://schemas.microsoft.com/office/powerpoint/2010/main" val="3330208470"/>
+      </p:ext>
+    </p:extLst>
+  </p:cSld>
+  <p:clrMapOvr>
+    <a:masterClrMapping/>
+  </p:clrMapOvr>
+</p:notes>
+</file>
+
+<file path=ppt/notesSlides/notesSlide36.xml><?xml version="1.0" encoding="utf-8"?>
+<p:notes xmlns:a="http://schemas.openxmlformats.org/drawingml/2006/main" xmlns:r="http://schemas.openxmlformats.org/officeDocument/2006/relationships" xmlns:p="http://schemas.openxmlformats.org/presentationml/2006/main">
+  <p:cSld>
+    <p:spTree>
+      <p:nvGrpSpPr>
+        <p:cNvPr id="1" name=""/>
+        <p:cNvGrpSpPr/>
+        <p:nvPr/>
+      </p:nvGrpSpPr>
+      <p:grpSpPr>
+        <a:xfrm>
+          <a:off x="0" y="0"/>
+          <a:ext cx="0" cy="0"/>
+          <a:chOff x="0" y="0"/>
+          <a:chExt cx="0" cy="0"/>
+        </a:xfrm>
+      </p:grpSpPr>
+      <p:sp>
+        <p:nvSpPr>
+          <p:cNvPr id="2" name="슬라이드 이미지 개체 틀 1"/>
+          <p:cNvSpPr>
+            <a:spLocks noGrp="1" noRot="1" noChangeAspect="1"/>
+          </p:cNvSpPr>
+          <p:nvPr>
+            <p:ph type="sldImg"/>
+          </p:nvPr>
+        </p:nvSpPr>
+        <p:spPr/>
+      </p:sp>
+      <p:sp>
+        <p:nvSpPr>
+          <p:cNvPr id="3" name="슬라이드 노트 개체 틀 2"/>
+          <p:cNvSpPr>
+            <a:spLocks noGrp="1"/>
+          </p:cNvSpPr>
+          <p:nvPr>
+            <p:ph type="body" idx="1"/>
+          </p:nvPr>
+        </p:nvSpPr>
+        <p:spPr/>
+        <p:txBody>
+          <a:bodyPr/>
+          <a:lstStyle/>
+          <a:p>
+            <a:endParaRPr lang="ko-KR" altLang="en-US" dirty="0"/>
+          </a:p>
+        </p:txBody>
+      </p:sp>
+      <p:sp>
+        <p:nvSpPr>
+          <p:cNvPr id="4" name="슬라이드 번호 개체 틀 3"/>
+          <p:cNvSpPr>
+            <a:spLocks noGrp="1"/>
+          </p:cNvSpPr>
+          <p:nvPr>
+            <p:ph type="sldNum" sz="quarter" idx="10"/>
+          </p:nvPr>
+        </p:nvSpPr>
+        <p:spPr/>
+        <p:txBody>
+          <a:bodyPr/>
+          <a:lstStyle/>
+          <a:p>
+            <a:fld id="{625D4AC4-540A-4436-887D-BF6A8FCF1275}" type="slidenum">
+              <a:rPr lang="ko-KR" altLang="en-US" smtClean="0"/>
+              <a:t>37</a:t>
+            </a:fld>
+            <a:endParaRPr lang="ko-KR" altLang="en-US"/>
+          </a:p>
+        </p:txBody>
+      </p:sp>
+    </p:spTree>
+    <p:extLst>
+      <p:ext uri="{BB962C8B-B14F-4D97-AF65-F5344CB8AC3E}">
+        <p14:creationId xmlns:p14="http://schemas.microsoft.com/office/powerpoint/2010/main" val="2645967981"/>
+      </p:ext>
+    </p:extLst>
+  </p:cSld>
+  <p:clrMapOvr>
+    <a:masterClrMapping/>
+  </p:clrMapOvr>
+</p:notes>
+</file>
+
+<file path=ppt/notesSlides/notesSlide37.xml><?xml version="1.0" encoding="utf-8"?>
+<p:notes xmlns:a="http://schemas.openxmlformats.org/drawingml/2006/main" xmlns:r="http://schemas.openxmlformats.org/officeDocument/2006/relationships" xmlns:p="http://schemas.openxmlformats.org/presentationml/2006/main">
+  <p:cSld>
+    <p:spTree>
+      <p:nvGrpSpPr>
+        <p:cNvPr id="1" name=""/>
+        <p:cNvGrpSpPr/>
+        <p:nvPr/>
+      </p:nvGrpSpPr>
+      <p:grpSpPr>
+        <a:xfrm>
+          <a:off x="0" y="0"/>
+          <a:ext cx="0" cy="0"/>
+          <a:chOff x="0" y="0"/>
+          <a:chExt cx="0" cy="0"/>
+        </a:xfrm>
+      </p:grpSpPr>
+      <p:sp>
+        <p:nvSpPr>
+          <p:cNvPr id="2" name="슬라이드 이미지 개체 틀 1"/>
+          <p:cNvSpPr>
+            <a:spLocks noGrp="1" noRot="1" noChangeAspect="1"/>
+          </p:cNvSpPr>
+          <p:nvPr>
+            <p:ph type="sldImg"/>
+          </p:nvPr>
+        </p:nvSpPr>
+        <p:spPr/>
+      </p:sp>
+      <p:sp>
+        <p:nvSpPr>
+          <p:cNvPr id="3" name="슬라이드 노트 개체 틀 2"/>
+          <p:cNvSpPr>
+            <a:spLocks noGrp="1"/>
+          </p:cNvSpPr>
+          <p:nvPr>
+            <p:ph type="body" idx="1"/>
+          </p:nvPr>
+        </p:nvSpPr>
+        <p:spPr/>
+        <p:txBody>
+          <a:bodyPr/>
+          <a:lstStyle/>
+          <a:p>
+            <a:endParaRPr lang="ko-KR" altLang="en-US" dirty="0"/>
+          </a:p>
+        </p:txBody>
+      </p:sp>
+      <p:sp>
+        <p:nvSpPr>
+          <p:cNvPr id="4" name="슬라이드 번호 개체 틀 3"/>
+          <p:cNvSpPr>
+            <a:spLocks noGrp="1"/>
+          </p:cNvSpPr>
+          <p:nvPr>
+            <p:ph type="sldNum" sz="quarter" idx="10"/>
+          </p:nvPr>
+        </p:nvSpPr>
+        <p:spPr/>
+        <p:txBody>
+          <a:bodyPr/>
+          <a:lstStyle/>
+          <a:p>
+            <a:fld id="{625D4AC4-540A-4436-887D-BF6A8FCF1275}" type="slidenum">
+              <a:rPr lang="ko-KR" altLang="en-US" smtClean="0"/>
+              <a:t>38</a:t>
+            </a:fld>
+            <a:endParaRPr lang="ko-KR" altLang="en-US"/>
+          </a:p>
+        </p:txBody>
+      </p:sp>
+    </p:spTree>
+    <p:extLst>
+      <p:ext uri="{BB962C8B-B14F-4D97-AF65-F5344CB8AC3E}">
+        <p14:creationId xmlns:p14="http://schemas.microsoft.com/office/powerpoint/2010/main" val="2086054687"/>
+      </p:ext>
+    </p:extLst>
+  </p:cSld>
+  <p:clrMapOvr>
+    <a:masterClrMapping/>
+  </p:clrMapOvr>
+</p:notes>
+</file>
+
+<file path=ppt/notesSlides/notesSlide38.xml><?xml version="1.0" encoding="utf-8"?>
+<p:notes xmlns:a="http://schemas.openxmlformats.org/drawingml/2006/main" xmlns:r="http://schemas.openxmlformats.org/officeDocument/2006/relationships" xmlns:p="http://schemas.openxmlformats.org/presentationml/2006/main">
+  <p:cSld>
+    <p:spTree>
+      <p:nvGrpSpPr>
+        <p:cNvPr id="1" name=""/>
+        <p:cNvGrpSpPr/>
+        <p:nvPr/>
+      </p:nvGrpSpPr>
+      <p:grpSpPr>
+        <a:xfrm>
+          <a:off x="0" y="0"/>
+          <a:ext cx="0" cy="0"/>
+          <a:chOff x="0" y="0"/>
+          <a:chExt cx="0" cy="0"/>
+        </a:xfrm>
+      </p:grpSpPr>
+      <p:sp>
+        <p:nvSpPr>
+          <p:cNvPr id="2" name="슬라이드 이미지 개체 틀 1"/>
+          <p:cNvSpPr>
+            <a:spLocks noGrp="1" noRot="1" noChangeAspect="1"/>
+          </p:cNvSpPr>
+          <p:nvPr>
+            <p:ph type="sldImg"/>
+          </p:nvPr>
+        </p:nvSpPr>
+        <p:spPr/>
+      </p:sp>
+      <p:sp>
+        <p:nvSpPr>
+          <p:cNvPr id="3" name="슬라이드 노트 개체 틀 2"/>
+          <p:cNvSpPr>
+            <a:spLocks noGrp="1"/>
+          </p:cNvSpPr>
+          <p:nvPr>
+            <p:ph type="body" idx="1"/>
+          </p:nvPr>
+        </p:nvSpPr>
+        <p:spPr/>
+        <p:txBody>
+          <a:bodyPr/>
+          <a:lstStyle/>
+          <a:p>
+            <a:endParaRPr lang="ko-KR" altLang="en-US" dirty="0"/>
+          </a:p>
+        </p:txBody>
+      </p:sp>
+      <p:sp>
+        <p:nvSpPr>
+          <p:cNvPr id="4" name="슬라이드 번호 개체 틀 3"/>
+          <p:cNvSpPr>
+            <a:spLocks noGrp="1"/>
+          </p:cNvSpPr>
+          <p:nvPr>
+            <p:ph type="sldNum" sz="quarter" idx="10"/>
+          </p:nvPr>
+        </p:nvSpPr>
+        <p:spPr/>
+        <p:txBody>
+          <a:bodyPr/>
+          <a:lstStyle/>
+          <a:p>
+            <a:fld id="{625D4AC4-540A-4436-887D-BF6A8FCF1275}" type="slidenum">
+              <a:rPr lang="ko-KR" altLang="en-US" smtClean="0"/>
+              <a:t>39</a:t>
             </a:fld>
             <a:endParaRPr lang="ko-KR" altLang="en-US"/>
           </a:p>
@@ -14332,11 +14826,7 @@
             <a:pPr lvl="1"/>
             <a:r>
               <a:rPr lang="ko-KR" altLang="en-US" dirty="0" smtClean="0"/>
-              <a:t>다른 폴더나 파일은 보이지 </a:t>
-            </a:r>
-            <a:r>
-              <a:rPr lang="ko-KR" altLang="en-US" dirty="0" smtClean="0"/>
-              <a:t>않아서 작업하기에는 편해 보이나</a:t>
+              <a:t>다른 폴더나 파일은 보이지 않아서 작업하기에는 편해 보이나</a:t>
             </a:r>
             <a:r>
               <a:rPr lang="en-US" altLang="ko-KR" dirty="0" smtClean="0"/>
@@ -14385,7 +14875,6 @@
               <a:rPr lang="en-US" altLang="ko-KR" dirty="0"/>
               <a:t>https://blog.outsider.ne.kr/734</a:t>
             </a:r>
-            <a:endParaRPr lang="en-US" altLang="ko-KR" dirty="0"/>
           </a:p>
         </p:txBody>
       </p:sp>
@@ -16100,8 +16589,8 @@
               <a:t> sparse-checkout </a:t>
             </a:r>
             <a:r>
-              <a:rPr lang="en-US" altLang="ko-KR" dirty="0" err="1" smtClean="0"/>
-              <a:t>diable</a:t>
+              <a:rPr lang="en-US" altLang="ko-KR" dirty="0" smtClean="0"/>
+              <a:t>disable</a:t>
             </a:r>
             <a:endParaRPr lang="en-US" altLang="ko-KR" dirty="0" smtClean="0"/>
           </a:p>
@@ -16157,38 +16646,36 @@
               <a:buNone/>
             </a:pPr>
             <a:r>
-              <a:rPr lang="en-US" altLang="ko-KR" dirty="0" err="1" smtClean="0">
-                <a:solidFill>
-                  <a:srgbClr val="FF0000"/>
-                </a:solidFill>
-              </a:rPr>
-              <a:t>Git</a:t>
-            </a:r>
-            <a:r>
-              <a:rPr lang="en-US" altLang="ko-KR" dirty="0" smtClean="0">
-                <a:solidFill>
-                  <a:srgbClr val="FF0000"/>
-                </a:solidFill>
-              </a:rPr>
-              <a:t> read-tree –mu HEAD</a:t>
-            </a:r>
-            <a:r>
-              <a:rPr lang="ko-KR" altLang="en-US" dirty="0" smtClean="0">
-                <a:solidFill>
-                  <a:srgbClr val="FF0000"/>
-                </a:solidFill>
-              </a:rPr>
-              <a:t>는 언제 사용하나</a:t>
-            </a:r>
-            <a:r>
-              <a:rPr lang="en-US" altLang="ko-KR" dirty="0" smtClean="0">
-                <a:solidFill>
-                  <a:srgbClr val="FF0000"/>
-                </a:solidFill>
-              </a:rPr>
-              <a:t>????</a:t>
-            </a:r>
-            <a:endParaRPr lang="en-US" altLang="ko-KR" dirty="0" smtClean="0">
+              <a:rPr lang="en-US" altLang="ko-KR" dirty="0" smtClean="0"/>
+              <a:t>$ </a:t>
+            </a:r>
+            <a:r>
+              <a:rPr lang="en-US" altLang="ko-KR" dirty="0" err="1" smtClean="0"/>
+              <a:t>git</a:t>
+            </a:r>
+            <a:r>
+              <a:rPr lang="en-US" altLang="ko-KR" dirty="0" smtClean="0"/>
+              <a:t> sparse-checkout list # .</a:t>
+            </a:r>
+            <a:r>
+              <a:rPr lang="en-US" altLang="ko-KR" dirty="0" err="1" smtClean="0"/>
+              <a:t>git</a:t>
+            </a:r>
+            <a:r>
+              <a:rPr lang="en-US" altLang="ko-KR" dirty="0" smtClean="0"/>
+              <a:t>/info/sparse-checkout </a:t>
+            </a:r>
+            <a:r>
+              <a:rPr lang="ko-KR" altLang="en-US" dirty="0" smtClean="0"/>
+              <a:t>내용을 보여줌</a:t>
+            </a:r>
+            <a:endParaRPr lang="en-US" altLang="ko-KR" dirty="0" smtClean="0"/>
+          </a:p>
+          <a:p>
+            <a:pPr marL="266700" lvl="1" indent="0">
+              <a:buNone/>
+            </a:pPr>
+            <a:endParaRPr lang="en-US" altLang="ko-KR" dirty="0">
               <a:solidFill>
                 <a:srgbClr val="FF0000"/>
               </a:solidFill>
@@ -16296,6 +16783,30 @@
           </a:prstGeom>
         </p:spPr>
       </p:pic>
+      <p:pic>
+        <p:nvPicPr>
+          <p:cNvPr id="2" name="그림 1"/>
+          <p:cNvPicPr>
+            <a:picLocks noChangeAspect="1"/>
+          </p:cNvPicPr>
+          <p:nvPr/>
+        </p:nvPicPr>
+        <p:blipFill>
+          <a:blip r:embed="rId5"/>
+          <a:stretch>
+            <a:fillRect/>
+          </a:stretch>
+        </p:blipFill>
+        <p:spPr>
+          <a:xfrm>
+            <a:off x="796171" y="5554782"/>
+            <a:ext cx="2686050" cy="723900"/>
+          </a:xfrm>
+          <a:prstGeom prst="rect">
+            <a:avLst/>
+          </a:prstGeom>
+        </p:spPr>
+      </p:pic>
     </p:spTree>
     <p:extLst>
       <p:ext uri="{BB962C8B-B14F-4D97-AF65-F5344CB8AC3E}">
@@ -16528,6 +17039,490 @@
           <a:p>
             <a:r>
               <a:rPr lang="ko-KR" altLang="en-US" dirty="0" smtClean="0"/>
+              <a:t>원하는 폴더나 파일만 사용하기</a:t>
+            </a:r>
+            <a:endParaRPr lang="en-US" altLang="ko-KR" dirty="0" smtClean="0"/>
+          </a:p>
+          <a:p>
+            <a:pPr marL="266700" lvl="1" indent="0">
+              <a:buNone/>
+            </a:pPr>
+            <a:r>
+              <a:rPr lang="en-US" altLang="ko-KR" dirty="0" smtClean="0"/>
+              <a:t>$ </a:t>
+            </a:r>
+            <a:r>
+              <a:rPr lang="en-US" altLang="ko-KR" dirty="0" smtClean="0"/>
+              <a:t>echo ‘a3’ &gt;&gt; .</a:t>
+            </a:r>
+            <a:r>
+              <a:rPr lang="en-US" altLang="ko-KR" dirty="0" err="1" smtClean="0"/>
+              <a:t>git</a:t>
+            </a:r>
+            <a:r>
+              <a:rPr lang="en-US" altLang="ko-KR" dirty="0" smtClean="0"/>
+              <a:t>/info/sparse-checkout  </a:t>
+            </a:r>
+            <a:r>
+              <a:rPr lang="en-US" altLang="ko-KR" dirty="0"/>
+              <a:t># </a:t>
+            </a:r>
+            <a:r>
+              <a:rPr lang="en-US" altLang="ko-KR" dirty="0" smtClean="0"/>
+              <a:t>sparse-checkout</a:t>
+            </a:r>
+            <a:r>
+              <a:rPr lang="ko-KR" altLang="en-US" dirty="0" smtClean="0"/>
+              <a:t>에 </a:t>
+            </a:r>
+            <a:r>
+              <a:rPr lang="en-US" altLang="ko-KR" dirty="0" smtClean="0"/>
+              <a:t>a3 </a:t>
+            </a:r>
+            <a:r>
+              <a:rPr lang="ko-KR" altLang="en-US" dirty="0" smtClean="0"/>
+              <a:t>추가</a:t>
+            </a:r>
+            <a:endParaRPr lang="en-US" altLang="ko-KR" dirty="0" smtClean="0"/>
+          </a:p>
+          <a:p>
+            <a:pPr marL="266700" lvl="1" indent="0">
+              <a:buNone/>
+            </a:pPr>
+            <a:r>
+              <a:rPr lang="en-US" altLang="ko-KR" dirty="0" smtClean="0"/>
+              <a:t>$ </a:t>
+            </a:r>
+            <a:r>
+              <a:rPr lang="en-US" altLang="ko-KR" dirty="0" err="1"/>
+              <a:t>git</a:t>
+            </a:r>
+            <a:r>
+              <a:rPr lang="en-US" altLang="ko-KR" dirty="0"/>
+              <a:t> sparse-checkout </a:t>
+            </a:r>
+            <a:r>
+              <a:rPr lang="en-US" altLang="ko-KR" dirty="0" smtClean="0"/>
+              <a:t>list</a:t>
+            </a:r>
+          </a:p>
+          <a:p>
+            <a:pPr marL="266700" lvl="1" indent="0">
+              <a:buNone/>
+            </a:pPr>
+            <a:endParaRPr lang="en-US" altLang="ko-KR" dirty="0" smtClean="0"/>
+          </a:p>
+          <a:p>
+            <a:pPr marL="266700" lvl="1" indent="0">
+              <a:buNone/>
+            </a:pPr>
+            <a:endParaRPr lang="en-US" altLang="ko-KR" dirty="0" smtClean="0"/>
+          </a:p>
+          <a:p>
+            <a:pPr marL="266700" lvl="1" indent="0">
+              <a:buNone/>
+            </a:pPr>
+            <a:endParaRPr lang="en-US" altLang="ko-KR" sz="1050" dirty="0" smtClean="0"/>
+          </a:p>
+          <a:p>
+            <a:pPr marL="266700" lvl="1" indent="0">
+              <a:buNone/>
+            </a:pPr>
+            <a:r>
+              <a:rPr lang="en-US" altLang="ko-KR" dirty="0" smtClean="0"/>
+              <a:t>$ </a:t>
+            </a:r>
+            <a:r>
+              <a:rPr lang="en-US" altLang="ko-KR" dirty="0" smtClean="0"/>
+              <a:t>ls –al</a:t>
+            </a:r>
+          </a:p>
+          <a:p>
+            <a:pPr marL="266700" lvl="1" indent="0">
+              <a:buNone/>
+            </a:pPr>
+            <a:endParaRPr lang="en-US" altLang="ko-KR" dirty="0"/>
+          </a:p>
+          <a:p>
+            <a:pPr marL="266700" lvl="1" indent="0">
+              <a:buNone/>
+            </a:pPr>
+            <a:endParaRPr lang="en-US" altLang="ko-KR" dirty="0"/>
+          </a:p>
+          <a:p>
+            <a:pPr marL="266700" lvl="1" indent="0">
+              <a:buNone/>
+            </a:pPr>
+            <a:endParaRPr lang="en-US" altLang="ko-KR" dirty="0" smtClean="0"/>
+          </a:p>
+          <a:p>
+            <a:pPr marL="266700" lvl="1" indent="0">
+              <a:buNone/>
+            </a:pPr>
+            <a:endParaRPr lang="en-US" altLang="ko-KR" dirty="0" smtClean="0"/>
+          </a:p>
+          <a:p>
+            <a:pPr marL="266700" lvl="1" indent="0">
+              <a:buNone/>
+            </a:pPr>
+            <a:r>
+              <a:rPr lang="en-US" altLang="ko-KR" dirty="0" smtClean="0"/>
+              <a:t>$ </a:t>
+            </a:r>
+            <a:r>
+              <a:rPr lang="en-US" altLang="ko-KR" dirty="0" err="1" smtClean="0"/>
+              <a:t>git</a:t>
+            </a:r>
+            <a:r>
+              <a:rPr lang="en-US" altLang="ko-KR" dirty="0" smtClean="0"/>
+              <a:t> </a:t>
+            </a:r>
+            <a:r>
+              <a:rPr lang="en-US" altLang="ko-KR" dirty="0" smtClean="0"/>
+              <a:t>sparse-checkout reapply # reapply</a:t>
+            </a:r>
+            <a:r>
+              <a:rPr lang="ko-KR" altLang="en-US" dirty="0" smtClean="0"/>
+              <a:t>를</a:t>
+            </a:r>
+            <a:r>
+              <a:rPr lang="en-US" altLang="ko-KR" dirty="0" smtClean="0"/>
+              <a:t> </a:t>
+            </a:r>
+            <a:r>
+              <a:rPr lang="ko-KR" altLang="en-US" dirty="0" smtClean="0"/>
+              <a:t>통해 </a:t>
+            </a:r>
+            <a:r>
+              <a:rPr lang="en-US" altLang="ko-KR" dirty="0" smtClean="0"/>
+              <a:t>a3</a:t>
+            </a:r>
+            <a:r>
+              <a:rPr lang="ko-KR" altLang="en-US" dirty="0" smtClean="0"/>
+              <a:t>가 </a:t>
+            </a:r>
+            <a:r>
+              <a:rPr lang="en-US" altLang="ko-KR" dirty="0" smtClean="0"/>
+              <a:t>reload</a:t>
+            </a:r>
+            <a:r>
+              <a:rPr lang="ko-KR" altLang="en-US" dirty="0" smtClean="0"/>
+              <a:t>됨</a:t>
+            </a:r>
+            <a:endParaRPr lang="en-US" altLang="ko-KR" dirty="0" smtClean="0"/>
+          </a:p>
+          <a:p>
+            <a:pPr marL="266700" lvl="1" indent="0">
+              <a:buNone/>
+            </a:pPr>
+            <a:endParaRPr lang="en-US" altLang="ko-KR" dirty="0"/>
+          </a:p>
+        </p:txBody>
+      </p:sp>
+      <p:pic>
+        <p:nvPicPr>
+          <p:cNvPr id="2" name="그림 1"/>
+          <p:cNvPicPr>
+            <a:picLocks noChangeAspect="1"/>
+          </p:cNvPicPr>
+          <p:nvPr/>
+        </p:nvPicPr>
+        <p:blipFill>
+          <a:blip r:embed="rId3"/>
+          <a:stretch>
+            <a:fillRect/>
+          </a:stretch>
+        </p:blipFill>
+        <p:spPr>
+          <a:xfrm>
+            <a:off x="719137" y="2344737"/>
+            <a:ext cx="4962525" cy="1076325"/>
+          </a:xfrm>
+          <a:prstGeom prst="rect">
+            <a:avLst/>
+          </a:prstGeom>
+        </p:spPr>
+      </p:pic>
+      <p:pic>
+        <p:nvPicPr>
+          <p:cNvPr id="5" name="그림 4"/>
+          <p:cNvPicPr>
+            <a:picLocks noChangeAspect="1"/>
+          </p:cNvPicPr>
+          <p:nvPr/>
+        </p:nvPicPr>
+        <p:blipFill>
+          <a:blip r:embed="rId4"/>
+          <a:stretch>
+            <a:fillRect/>
+          </a:stretch>
+        </p:blipFill>
+        <p:spPr>
+          <a:xfrm>
+            <a:off x="719137" y="3689104"/>
+            <a:ext cx="5000625" cy="1571625"/>
+          </a:xfrm>
+          <a:prstGeom prst="rect">
+            <a:avLst/>
+          </a:prstGeom>
+        </p:spPr>
+      </p:pic>
+      <p:pic>
+        <p:nvPicPr>
+          <p:cNvPr id="7" name="그림 6"/>
+          <p:cNvPicPr>
+            <a:picLocks noChangeAspect="1"/>
+          </p:cNvPicPr>
+          <p:nvPr/>
+        </p:nvPicPr>
+        <p:blipFill>
+          <a:blip r:embed="rId5"/>
+          <a:stretch>
+            <a:fillRect/>
+          </a:stretch>
+        </p:blipFill>
+        <p:spPr>
+          <a:xfrm>
+            <a:off x="719137" y="5513372"/>
+            <a:ext cx="5019675" cy="952500"/>
+          </a:xfrm>
+          <a:prstGeom prst="rect">
+            <a:avLst/>
+          </a:prstGeom>
+        </p:spPr>
+      </p:pic>
+    </p:spTree>
+    <p:extLst>
+      <p:ext uri="{BB962C8B-B14F-4D97-AF65-F5344CB8AC3E}">
+        <p14:creationId xmlns:p14="http://schemas.microsoft.com/office/powerpoint/2010/main" val="518100689"/>
+      </p:ext>
+    </p:extLst>
+  </p:cSld>
+  <p:clrMapOvr>
+    <a:masterClrMapping/>
+  </p:clrMapOvr>
+</p:sld>
+</file>
+
+<file path=ppt/slides/slide37.xml><?xml version="1.0" encoding="utf-8"?>
+<p:sld xmlns:a="http://schemas.openxmlformats.org/drawingml/2006/main" xmlns:r="http://schemas.openxmlformats.org/officeDocument/2006/relationships" xmlns:p="http://schemas.openxmlformats.org/presentationml/2006/main">
+  <p:cSld>
+    <p:spTree>
+      <p:nvGrpSpPr>
+        <p:cNvPr id="1" name=""/>
+        <p:cNvGrpSpPr/>
+        <p:nvPr/>
+      </p:nvGrpSpPr>
+      <p:grpSpPr>
+        <a:xfrm>
+          <a:off x="0" y="0"/>
+          <a:ext cx="0" cy="0"/>
+          <a:chOff x="0" y="0"/>
+          <a:chExt cx="0" cy="0"/>
+        </a:xfrm>
+      </p:grpSpPr>
+      <p:sp>
+        <p:nvSpPr>
+          <p:cNvPr id="4" name="제목 3">
+            <a:extLst>
+              <a:ext uri="{FF2B5EF4-FFF2-40B4-BE49-F238E27FC236}">
+                <a16:creationId xmlns:a16="http://schemas.microsoft.com/office/drawing/2014/main" id="{F0CEB32B-CB43-4410-BA08-A97E4BC47FCB}"/>
+              </a:ext>
+            </a:extLst>
+          </p:cNvPr>
+          <p:cNvSpPr>
+            <a:spLocks noGrp="1"/>
+          </p:cNvSpPr>
+          <p:nvPr>
+            <p:ph type="title"/>
+          </p:nvPr>
+        </p:nvSpPr>
+        <p:spPr/>
+        <p:txBody>
+          <a:bodyPr/>
+          <a:lstStyle/>
+          <a:p>
+            <a:r>
+              <a:rPr lang="en-US" altLang="ko-KR" dirty="0" smtClean="0"/>
+              <a:t>Sparse-checkout </a:t>
+            </a:r>
+            <a:r>
+              <a:rPr lang="ko-KR" altLang="en-US" dirty="0" smtClean="0"/>
+              <a:t>사용</a:t>
+            </a:r>
+            <a:endParaRPr lang="ko-KR" altLang="en-US" dirty="0"/>
+          </a:p>
+        </p:txBody>
+      </p:sp>
+      <p:sp>
+        <p:nvSpPr>
+          <p:cNvPr id="6" name="내용 개체 틀 2">
+            <a:extLst>
+              <a:ext uri="{FF2B5EF4-FFF2-40B4-BE49-F238E27FC236}">
+                <a16:creationId xmlns:a16="http://schemas.microsoft.com/office/drawing/2014/main" id="{E597044D-9E91-4036-BC67-BF184BDB0BB9}"/>
+              </a:ext>
+            </a:extLst>
+          </p:cNvPr>
+          <p:cNvSpPr txBox="1">
+            <a:spLocks/>
+          </p:cNvSpPr>
+          <p:nvPr/>
+        </p:nvSpPr>
+        <p:spPr>
+          <a:xfrm>
+            <a:off x="341787" y="1120544"/>
+            <a:ext cx="8642350" cy="5115155"/>
+          </a:xfrm>
+          <a:prstGeom prst="rect">
+            <a:avLst/>
+          </a:prstGeom>
+        </p:spPr>
+        <p:txBody>
+          <a:bodyPr vert="horz" lIns="91440" tIns="45720" rIns="91440" bIns="45720" rtlCol="0">
+            <a:noAutofit/>
+          </a:bodyPr>
+          <a:lstStyle>
+            <a:lvl1pPr marL="266700" indent="-266700" defTabSz="914400" latinLnBrk="1">
+              <a:lnSpc>
+                <a:spcPct val="150000"/>
+              </a:lnSpc>
+              <a:spcBef>
+                <a:spcPct val="0"/>
+              </a:spcBef>
+              <a:buClr>
+                <a:schemeClr val="tx1">
+                  <a:lumMod val="65000"/>
+                  <a:lumOff val="35000"/>
+                </a:schemeClr>
+              </a:buClr>
+              <a:buFont typeface="Wingdings" pitchFamily="2" charset="2"/>
+              <a:buChar char="n"/>
+              <a:defRPr sz="2000" b="1">
+                <a:latin typeface="+mn-ea"/>
+              </a:defRPr>
+            </a:lvl1pPr>
+            <a:lvl2pPr marL="447675" lvl="1" indent="-180975" defTabSz="914400" latinLnBrk="1">
+              <a:lnSpc>
+                <a:spcPct val="150000"/>
+              </a:lnSpc>
+              <a:spcBef>
+                <a:spcPts val="0"/>
+              </a:spcBef>
+              <a:spcAft>
+                <a:spcPts val="0"/>
+              </a:spcAft>
+              <a:buClr>
+                <a:schemeClr val="tx1">
+                  <a:lumMod val="50000"/>
+                  <a:lumOff val="50000"/>
+                </a:schemeClr>
+              </a:buClr>
+              <a:buFont typeface="Wingdings" pitchFamily="2" charset="2"/>
+              <a:buChar char="§"/>
+              <a:defRPr sz="1600"/>
+            </a:lvl2pPr>
+            <a:lvl3pPr marL="628650" indent="-180975" defTabSz="914400" latinLnBrk="1">
+              <a:lnSpc>
+                <a:spcPct val="150000"/>
+              </a:lnSpc>
+              <a:spcBef>
+                <a:spcPts val="500"/>
+              </a:spcBef>
+              <a:spcAft>
+                <a:spcPts val="300"/>
+              </a:spcAft>
+              <a:buClr>
+                <a:schemeClr val="tx1">
+                  <a:lumMod val="65000"/>
+                  <a:lumOff val="35000"/>
+                </a:schemeClr>
+              </a:buClr>
+              <a:buFont typeface="Arial" panose="020B0604020202020204" pitchFamily="34" charset="0"/>
+              <a:buChar char="•"/>
+              <a:defRPr sz="1400"/>
+            </a:lvl3pPr>
+            <a:lvl4pPr marL="809625" indent="-180975" defTabSz="914400" latinLnBrk="1">
+              <a:lnSpc>
+                <a:spcPct val="150000"/>
+              </a:lnSpc>
+              <a:spcBef>
+                <a:spcPts val="500"/>
+              </a:spcBef>
+              <a:spcAft>
+                <a:spcPts val="300"/>
+              </a:spcAft>
+              <a:buClr>
+                <a:schemeClr val="tx1">
+                  <a:lumMod val="65000"/>
+                  <a:lumOff val="35000"/>
+                </a:schemeClr>
+              </a:buClr>
+              <a:buSzPct val="96000"/>
+              <a:buFont typeface="Arial" panose="020B0604020202020204" pitchFamily="34" charset="0"/>
+              <a:buChar char="•"/>
+              <a:defRPr sz="1200"/>
+            </a:lvl4pPr>
+            <a:lvl5pPr marL="990600" indent="-180975" defTabSz="914400" latinLnBrk="1">
+              <a:lnSpc>
+                <a:spcPct val="150000"/>
+              </a:lnSpc>
+              <a:spcBef>
+                <a:spcPts val="500"/>
+              </a:spcBef>
+              <a:buClr>
+                <a:schemeClr val="tx1">
+                  <a:lumMod val="65000"/>
+                  <a:lumOff val="35000"/>
+                </a:schemeClr>
+              </a:buClr>
+              <a:buFont typeface="Arial" panose="020B0604020202020204" pitchFamily="34" charset="0"/>
+              <a:buChar char="•"/>
+              <a:defRPr sz="1000"/>
+            </a:lvl5pPr>
+            <a:lvl6pPr marL="2514600" indent="-228600" defTabSz="914400" latinLnBrk="1">
+              <a:lnSpc>
+                <a:spcPct val="90000"/>
+              </a:lnSpc>
+              <a:spcBef>
+                <a:spcPts val="500"/>
+              </a:spcBef>
+              <a:buFont typeface="Arial" panose="020B0604020202020204" pitchFamily="34" charset="0"/>
+              <a:buChar char="•"/>
+            </a:lvl6pPr>
+            <a:lvl7pPr marL="2971800" indent="-228600" defTabSz="914400" latinLnBrk="1">
+              <a:lnSpc>
+                <a:spcPct val="90000"/>
+              </a:lnSpc>
+              <a:spcBef>
+                <a:spcPts val="500"/>
+              </a:spcBef>
+              <a:buFont typeface="Arial" panose="020B0604020202020204" pitchFamily="34" charset="0"/>
+              <a:buChar char="•"/>
+            </a:lvl7pPr>
+            <a:lvl8pPr marL="3429000" indent="-228600" defTabSz="914400" latinLnBrk="1">
+              <a:lnSpc>
+                <a:spcPct val="90000"/>
+              </a:lnSpc>
+              <a:spcBef>
+                <a:spcPts val="500"/>
+              </a:spcBef>
+              <a:buFont typeface="Arial" panose="020B0604020202020204" pitchFamily="34" charset="0"/>
+              <a:buChar char="•"/>
+            </a:lvl8pPr>
+            <a:lvl9pPr marL="3886200" indent="-228600" defTabSz="914400" latinLnBrk="1">
+              <a:lnSpc>
+                <a:spcPct val="90000"/>
+              </a:lnSpc>
+              <a:spcBef>
+                <a:spcPts val="500"/>
+              </a:spcBef>
+              <a:buFont typeface="Arial" panose="020B0604020202020204" pitchFamily="34" charset="0"/>
+              <a:buChar char="•"/>
+            </a:lvl9pPr>
+          </a:lstStyle>
+          <a:p>
+            <a:r>
+              <a:rPr lang="ko-KR" altLang="en-US" dirty="0" smtClean="0"/>
               <a:t>원하는 폴더나 파일만 </a:t>
             </a:r>
             <a:r>
@@ -16550,6 +17545,970 @@
             </a:r>
             <a:r>
               <a:rPr lang="en-US" altLang="ko-KR" dirty="0" err="1" smtClean="0"/>
+              <a:t>git</a:t>
+            </a:r>
+            <a:r>
+              <a:rPr lang="en-US" altLang="ko-KR" dirty="0" smtClean="0"/>
+              <a:t> </a:t>
+            </a:r>
+            <a:r>
+              <a:rPr lang="en-US" altLang="ko-KR" dirty="0" err="1" smtClean="0"/>
+              <a:t>init</a:t>
+            </a:r>
+            <a:endParaRPr lang="en-US" altLang="ko-KR" dirty="0"/>
+          </a:p>
+          <a:p>
+            <a:pPr marL="266700" lvl="1" indent="0">
+              <a:buNone/>
+            </a:pPr>
+            <a:r>
+              <a:rPr lang="en-US" altLang="ko-KR" dirty="0" smtClean="0"/>
+              <a:t>Remote</a:t>
+            </a:r>
+            <a:r>
+              <a:rPr lang="ko-KR" altLang="en-US" dirty="0" smtClean="0"/>
+              <a:t>와 연계된 내용이 없는 </a:t>
+            </a:r>
+            <a:r>
+              <a:rPr lang="en-US" altLang="ko-KR" dirty="0" smtClean="0"/>
+              <a:t>repo</a:t>
+            </a:r>
+            <a:r>
+              <a:rPr lang="ko-KR" altLang="en-US" dirty="0" smtClean="0"/>
+              <a:t>를 만들고 </a:t>
+            </a:r>
+            <a:r>
+              <a:rPr lang="en-US" altLang="ko-KR" dirty="0" smtClean="0"/>
+              <a:t>fetch</a:t>
+            </a:r>
+            <a:r>
+              <a:rPr lang="ko-KR" altLang="en-US" dirty="0" smtClean="0"/>
+              <a:t>를 진행</a:t>
+            </a:r>
+            <a:r>
+              <a:rPr lang="en-US" altLang="ko-KR" dirty="0" smtClean="0"/>
+              <a:t>. </a:t>
+            </a:r>
+            <a:r>
+              <a:rPr lang="ko-KR" altLang="en-US" dirty="0" smtClean="0"/>
+              <a:t>내용을 </a:t>
+            </a:r>
+            <a:r>
+              <a:rPr lang="en-US" altLang="ko-KR" dirty="0" smtClean="0"/>
+              <a:t>checkout </a:t>
+            </a:r>
+            <a:r>
+              <a:rPr lang="ko-KR" altLang="en-US" dirty="0" smtClean="0"/>
+              <a:t>하지 않음</a:t>
+            </a:r>
+            <a:r>
+              <a:rPr lang="en-US" altLang="ko-KR" dirty="0" smtClean="0"/>
+              <a:t>.</a:t>
+            </a:r>
+          </a:p>
+          <a:p>
+            <a:pPr marL="266700" lvl="1" indent="0">
+              <a:buNone/>
+            </a:pPr>
+            <a:r>
+              <a:rPr lang="en-US" altLang="ko-KR" dirty="0" smtClean="0"/>
+              <a:t>$ </a:t>
+            </a:r>
+            <a:r>
+              <a:rPr lang="en-US" altLang="ko-KR" dirty="0" err="1" smtClean="0"/>
+              <a:t>git</a:t>
+            </a:r>
+            <a:r>
+              <a:rPr lang="en-US" altLang="ko-KR" dirty="0" smtClean="0"/>
+              <a:t> remote add  -f origin &lt;</a:t>
+            </a:r>
+            <a:r>
+              <a:rPr lang="en-US" altLang="ko-KR" dirty="0" err="1" smtClean="0"/>
+              <a:t>url</a:t>
+            </a:r>
+            <a:r>
+              <a:rPr lang="en-US" altLang="ko-KR" dirty="0" smtClean="0"/>
+              <a:t>&gt;</a:t>
+            </a:r>
+          </a:p>
+          <a:p>
+            <a:pPr marL="266700" lvl="1" indent="0">
+              <a:buNone/>
+            </a:pPr>
+            <a:r>
+              <a:rPr lang="en-US" altLang="ko-KR" dirty="0" smtClean="0"/>
+              <a:t>$ </a:t>
+            </a:r>
+            <a:r>
+              <a:rPr lang="en-US" altLang="ko-KR" dirty="0" err="1" smtClean="0"/>
+              <a:t>git</a:t>
+            </a:r>
+            <a:r>
+              <a:rPr lang="en-US" altLang="ko-KR" dirty="0" smtClean="0"/>
+              <a:t> sparse-checkout set test5.py</a:t>
+            </a:r>
+            <a:endParaRPr lang="en-US" altLang="ko-KR" dirty="0" smtClean="0"/>
+          </a:p>
+          <a:p>
+            <a:pPr marL="266700" lvl="1" indent="0">
+              <a:buNone/>
+            </a:pPr>
+            <a:r>
+              <a:rPr lang="en-US" altLang="ko-KR" dirty="0" smtClean="0"/>
+              <a:t>$ </a:t>
+            </a:r>
+            <a:r>
+              <a:rPr lang="en-US" altLang="ko-KR" dirty="0" err="1" smtClean="0"/>
+              <a:t>git</a:t>
+            </a:r>
+            <a:r>
+              <a:rPr lang="en-US" altLang="ko-KR" dirty="0" smtClean="0"/>
+              <a:t> pull origin </a:t>
+            </a:r>
+            <a:r>
+              <a:rPr lang="en-US" altLang="ko-KR" dirty="0" smtClean="0"/>
+              <a:t>main # </a:t>
+            </a:r>
+            <a:r>
+              <a:rPr lang="en-US" altLang="ko-KR" dirty="0" err="1" smtClean="0"/>
+              <a:t>origin.main</a:t>
+            </a:r>
+            <a:r>
+              <a:rPr lang="ko-KR" altLang="en-US" dirty="0" smtClean="0"/>
+              <a:t>에서 </a:t>
+            </a:r>
+            <a:r>
+              <a:rPr lang="en-US" altLang="ko-KR" dirty="0" smtClean="0"/>
+              <a:t>test5.py</a:t>
+            </a:r>
+            <a:r>
+              <a:rPr lang="ko-KR" altLang="en-US" dirty="0" smtClean="0"/>
+              <a:t>만 보임</a:t>
+            </a:r>
+            <a:endParaRPr lang="en-US" altLang="ko-KR" dirty="0" smtClean="0"/>
+          </a:p>
+          <a:p>
+            <a:pPr marL="266700" lvl="1" indent="0">
+              <a:buNone/>
+            </a:pPr>
+            <a:r>
+              <a:rPr lang="en-US" altLang="ko-KR" dirty="0" smtClean="0"/>
+              <a:t>$ </a:t>
+            </a:r>
+            <a:r>
+              <a:rPr lang="en-US" altLang="ko-KR" dirty="0" err="1" smtClean="0"/>
+              <a:t>git</a:t>
+            </a:r>
+            <a:r>
+              <a:rPr lang="en-US" altLang="ko-KR" dirty="0" smtClean="0"/>
+              <a:t> sparse-checkout disable # origin/main</a:t>
+            </a:r>
+            <a:r>
+              <a:rPr lang="ko-KR" altLang="en-US" dirty="0" smtClean="0"/>
+              <a:t>의 모든 파일이 보임</a:t>
+            </a:r>
+            <a:r>
+              <a:rPr lang="en-US" altLang="ko-KR" dirty="0" smtClean="0"/>
+              <a:t>.</a:t>
+            </a:r>
+          </a:p>
+          <a:p>
+            <a:pPr marL="266700" lvl="1" indent="0">
+              <a:buNone/>
+            </a:pPr>
+            <a:r>
+              <a:rPr lang="en-US" altLang="ko-KR" dirty="0" smtClean="0"/>
+              <a:t>$ </a:t>
+            </a:r>
+            <a:r>
+              <a:rPr lang="en-US" altLang="ko-KR" dirty="0" err="1" smtClean="0"/>
+              <a:t>git</a:t>
+            </a:r>
+            <a:r>
+              <a:rPr lang="en-US" altLang="ko-KR" dirty="0" smtClean="0"/>
+              <a:t> sparse-checkout reapply # </a:t>
+            </a:r>
+            <a:r>
+              <a:rPr lang="en-US" altLang="ko-KR" dirty="0" smtClean="0"/>
+              <a:t>test5.py</a:t>
+            </a:r>
+            <a:r>
+              <a:rPr lang="ko-KR" altLang="en-US" dirty="0" smtClean="0"/>
+              <a:t>만 보임</a:t>
+            </a:r>
+            <a:r>
+              <a:rPr lang="en-US" altLang="ko-KR" dirty="0" smtClean="0"/>
+              <a:t>.</a:t>
+            </a:r>
+          </a:p>
+          <a:p>
+            <a:pPr marL="266700" lvl="1" indent="0">
+              <a:buNone/>
+            </a:pPr>
+            <a:r>
+              <a:rPr lang="en-US" altLang="ko-KR" dirty="0" smtClean="0"/>
+              <a:t># </a:t>
+            </a:r>
+            <a:r>
+              <a:rPr lang="en-US" altLang="ko-KR" dirty="0" err="1" smtClean="0">
+                <a:solidFill>
+                  <a:srgbClr val="FF0000"/>
+                </a:solidFill>
+              </a:rPr>
+              <a:t>init</a:t>
+            </a:r>
+            <a:r>
+              <a:rPr lang="en-US" altLang="ko-KR" dirty="0" smtClean="0">
+                <a:solidFill>
+                  <a:srgbClr val="FF0000"/>
+                </a:solidFill>
+              </a:rPr>
+              <a:t>, disable</a:t>
+            </a:r>
+            <a:r>
+              <a:rPr lang="ko-KR" altLang="en-US" dirty="0" smtClean="0">
+                <a:solidFill>
+                  <a:srgbClr val="FF0000"/>
+                </a:solidFill>
+              </a:rPr>
+              <a:t>은  </a:t>
+            </a:r>
+            <a:r>
+              <a:rPr lang="en-US" altLang="ko-KR" dirty="0" err="1" smtClean="0">
+                <a:solidFill>
+                  <a:srgbClr val="FF0000"/>
+                </a:solidFill>
+              </a:rPr>
+              <a:t>core.sparseCheckout</a:t>
+            </a:r>
+            <a:r>
+              <a:rPr lang="en-US" altLang="ko-KR" dirty="0" smtClean="0">
+                <a:solidFill>
+                  <a:srgbClr val="FF0000"/>
+                </a:solidFill>
+              </a:rPr>
+              <a:t> false , tr</a:t>
+            </a:r>
+            <a:r>
+              <a:rPr lang="en-US" altLang="ko-KR" dirty="0" smtClean="0">
+                <a:solidFill>
+                  <a:srgbClr val="FF0000"/>
+                </a:solidFill>
+              </a:rPr>
+              <a:t>ue</a:t>
+            </a:r>
+            <a:r>
+              <a:rPr lang="ko-KR" altLang="en-US" dirty="0" smtClean="0">
+                <a:solidFill>
+                  <a:srgbClr val="FF0000"/>
+                </a:solidFill>
+              </a:rPr>
+              <a:t>변환과 </a:t>
+            </a:r>
+            <a:r>
+              <a:rPr lang="ko-KR" altLang="en-US" dirty="0" err="1" smtClean="0">
+                <a:solidFill>
+                  <a:srgbClr val="FF0000"/>
+                </a:solidFill>
+              </a:rPr>
+              <a:t>연관없음</a:t>
+            </a:r>
+            <a:r>
+              <a:rPr lang="en-US" altLang="ko-KR" dirty="0" smtClean="0">
+                <a:solidFill>
+                  <a:srgbClr val="FF0000"/>
+                </a:solidFill>
+              </a:rPr>
+              <a:t>.</a:t>
+            </a:r>
+            <a:endParaRPr lang="en-US" altLang="ko-KR" dirty="0">
+              <a:solidFill>
+                <a:srgbClr val="FF0000"/>
+              </a:solidFill>
+            </a:endParaRPr>
+          </a:p>
+        </p:txBody>
+      </p:sp>
+    </p:spTree>
+    <p:extLst>
+      <p:ext uri="{BB962C8B-B14F-4D97-AF65-F5344CB8AC3E}">
+        <p14:creationId xmlns:p14="http://schemas.microsoft.com/office/powerpoint/2010/main" val="1542852405"/>
+      </p:ext>
+    </p:extLst>
+  </p:cSld>
+  <p:clrMapOvr>
+    <a:masterClrMapping/>
+  </p:clrMapOvr>
+</p:sld>
+</file>
+
+<file path=ppt/slides/slide38.xml><?xml version="1.0" encoding="utf-8"?>
+<p:sld xmlns:a="http://schemas.openxmlformats.org/drawingml/2006/main" xmlns:r="http://schemas.openxmlformats.org/officeDocument/2006/relationships" xmlns:p="http://schemas.openxmlformats.org/presentationml/2006/main">
+  <p:cSld>
+    <p:spTree>
+      <p:nvGrpSpPr>
+        <p:cNvPr id="1" name=""/>
+        <p:cNvGrpSpPr/>
+        <p:nvPr/>
+      </p:nvGrpSpPr>
+      <p:grpSpPr>
+        <a:xfrm>
+          <a:off x="0" y="0"/>
+          <a:ext cx="0" cy="0"/>
+          <a:chOff x="0" y="0"/>
+          <a:chExt cx="0" cy="0"/>
+        </a:xfrm>
+      </p:grpSpPr>
+      <p:sp>
+        <p:nvSpPr>
+          <p:cNvPr id="4" name="제목 3">
+            <a:extLst>
+              <a:ext uri="{FF2B5EF4-FFF2-40B4-BE49-F238E27FC236}">
+                <a16:creationId xmlns:a16="http://schemas.microsoft.com/office/drawing/2014/main" id="{F0CEB32B-CB43-4410-BA08-A97E4BC47FCB}"/>
+              </a:ext>
+            </a:extLst>
+          </p:cNvPr>
+          <p:cNvSpPr>
+            <a:spLocks noGrp="1"/>
+          </p:cNvSpPr>
+          <p:nvPr>
+            <p:ph type="title"/>
+          </p:nvPr>
+        </p:nvSpPr>
+        <p:spPr/>
+        <p:txBody>
+          <a:bodyPr/>
+          <a:lstStyle/>
+          <a:p>
+            <a:r>
+              <a:rPr lang="en-US" altLang="ko-KR" dirty="0" smtClean="0"/>
+              <a:t>Sparse-checkout </a:t>
+            </a:r>
+            <a:r>
+              <a:rPr lang="ko-KR" altLang="en-US" dirty="0" smtClean="0"/>
+              <a:t>사용</a:t>
+            </a:r>
+            <a:endParaRPr lang="ko-KR" altLang="en-US" dirty="0"/>
+          </a:p>
+        </p:txBody>
+      </p:sp>
+      <p:sp>
+        <p:nvSpPr>
+          <p:cNvPr id="6" name="내용 개체 틀 2">
+            <a:extLst>
+              <a:ext uri="{FF2B5EF4-FFF2-40B4-BE49-F238E27FC236}">
+                <a16:creationId xmlns:a16="http://schemas.microsoft.com/office/drawing/2014/main" id="{E597044D-9E91-4036-BC67-BF184BDB0BB9}"/>
+              </a:ext>
+            </a:extLst>
+          </p:cNvPr>
+          <p:cNvSpPr txBox="1">
+            <a:spLocks/>
+          </p:cNvSpPr>
+          <p:nvPr/>
+        </p:nvSpPr>
+        <p:spPr>
+          <a:xfrm>
+            <a:off x="341787" y="1120544"/>
+            <a:ext cx="8642350" cy="5115155"/>
+          </a:xfrm>
+          <a:prstGeom prst="rect">
+            <a:avLst/>
+          </a:prstGeom>
+        </p:spPr>
+        <p:txBody>
+          <a:bodyPr vert="horz" lIns="91440" tIns="45720" rIns="91440" bIns="45720" rtlCol="0">
+            <a:noAutofit/>
+          </a:bodyPr>
+          <a:lstStyle>
+            <a:lvl1pPr marL="266700" indent="-266700" defTabSz="914400" latinLnBrk="1">
+              <a:lnSpc>
+                <a:spcPct val="150000"/>
+              </a:lnSpc>
+              <a:spcBef>
+                <a:spcPct val="0"/>
+              </a:spcBef>
+              <a:buClr>
+                <a:schemeClr val="tx1">
+                  <a:lumMod val="65000"/>
+                  <a:lumOff val="35000"/>
+                </a:schemeClr>
+              </a:buClr>
+              <a:buFont typeface="Wingdings" pitchFamily="2" charset="2"/>
+              <a:buChar char="n"/>
+              <a:defRPr sz="2000" b="1">
+                <a:latin typeface="+mn-ea"/>
+              </a:defRPr>
+            </a:lvl1pPr>
+            <a:lvl2pPr marL="447675" lvl="1" indent="-180975" defTabSz="914400" latinLnBrk="1">
+              <a:lnSpc>
+                <a:spcPct val="150000"/>
+              </a:lnSpc>
+              <a:spcBef>
+                <a:spcPts val="0"/>
+              </a:spcBef>
+              <a:spcAft>
+                <a:spcPts val="0"/>
+              </a:spcAft>
+              <a:buClr>
+                <a:schemeClr val="tx1">
+                  <a:lumMod val="50000"/>
+                  <a:lumOff val="50000"/>
+                </a:schemeClr>
+              </a:buClr>
+              <a:buFont typeface="Wingdings" pitchFamily="2" charset="2"/>
+              <a:buChar char="§"/>
+              <a:defRPr sz="1600"/>
+            </a:lvl2pPr>
+            <a:lvl3pPr marL="628650" indent="-180975" defTabSz="914400" latinLnBrk="1">
+              <a:lnSpc>
+                <a:spcPct val="150000"/>
+              </a:lnSpc>
+              <a:spcBef>
+                <a:spcPts val="500"/>
+              </a:spcBef>
+              <a:spcAft>
+                <a:spcPts val="300"/>
+              </a:spcAft>
+              <a:buClr>
+                <a:schemeClr val="tx1">
+                  <a:lumMod val="65000"/>
+                  <a:lumOff val="35000"/>
+                </a:schemeClr>
+              </a:buClr>
+              <a:buFont typeface="Arial" panose="020B0604020202020204" pitchFamily="34" charset="0"/>
+              <a:buChar char="•"/>
+              <a:defRPr sz="1400"/>
+            </a:lvl3pPr>
+            <a:lvl4pPr marL="809625" indent="-180975" defTabSz="914400" latinLnBrk="1">
+              <a:lnSpc>
+                <a:spcPct val="150000"/>
+              </a:lnSpc>
+              <a:spcBef>
+                <a:spcPts val="500"/>
+              </a:spcBef>
+              <a:spcAft>
+                <a:spcPts val="300"/>
+              </a:spcAft>
+              <a:buClr>
+                <a:schemeClr val="tx1">
+                  <a:lumMod val="65000"/>
+                  <a:lumOff val="35000"/>
+                </a:schemeClr>
+              </a:buClr>
+              <a:buSzPct val="96000"/>
+              <a:buFont typeface="Arial" panose="020B0604020202020204" pitchFamily="34" charset="0"/>
+              <a:buChar char="•"/>
+              <a:defRPr sz="1200"/>
+            </a:lvl4pPr>
+            <a:lvl5pPr marL="990600" indent="-180975" defTabSz="914400" latinLnBrk="1">
+              <a:lnSpc>
+                <a:spcPct val="150000"/>
+              </a:lnSpc>
+              <a:spcBef>
+                <a:spcPts val="500"/>
+              </a:spcBef>
+              <a:buClr>
+                <a:schemeClr val="tx1">
+                  <a:lumMod val="65000"/>
+                  <a:lumOff val="35000"/>
+                </a:schemeClr>
+              </a:buClr>
+              <a:buFont typeface="Arial" panose="020B0604020202020204" pitchFamily="34" charset="0"/>
+              <a:buChar char="•"/>
+              <a:defRPr sz="1000"/>
+            </a:lvl5pPr>
+            <a:lvl6pPr marL="2514600" indent="-228600" defTabSz="914400" latinLnBrk="1">
+              <a:lnSpc>
+                <a:spcPct val="90000"/>
+              </a:lnSpc>
+              <a:spcBef>
+                <a:spcPts val="500"/>
+              </a:spcBef>
+              <a:buFont typeface="Arial" panose="020B0604020202020204" pitchFamily="34" charset="0"/>
+              <a:buChar char="•"/>
+            </a:lvl6pPr>
+            <a:lvl7pPr marL="2971800" indent="-228600" defTabSz="914400" latinLnBrk="1">
+              <a:lnSpc>
+                <a:spcPct val="90000"/>
+              </a:lnSpc>
+              <a:spcBef>
+                <a:spcPts val="500"/>
+              </a:spcBef>
+              <a:buFont typeface="Arial" panose="020B0604020202020204" pitchFamily="34" charset="0"/>
+              <a:buChar char="•"/>
+            </a:lvl7pPr>
+            <a:lvl8pPr marL="3429000" indent="-228600" defTabSz="914400" latinLnBrk="1">
+              <a:lnSpc>
+                <a:spcPct val="90000"/>
+              </a:lnSpc>
+              <a:spcBef>
+                <a:spcPts val="500"/>
+              </a:spcBef>
+              <a:buFont typeface="Arial" panose="020B0604020202020204" pitchFamily="34" charset="0"/>
+              <a:buChar char="•"/>
+            </a:lvl8pPr>
+            <a:lvl9pPr marL="3886200" indent="-228600" defTabSz="914400" latinLnBrk="1">
+              <a:lnSpc>
+                <a:spcPct val="90000"/>
+              </a:lnSpc>
+              <a:spcBef>
+                <a:spcPts val="500"/>
+              </a:spcBef>
+              <a:buFont typeface="Arial" panose="020B0604020202020204" pitchFamily="34" charset="0"/>
+              <a:buChar char="•"/>
+            </a:lvl9pPr>
+          </a:lstStyle>
+          <a:p>
+            <a:r>
+              <a:rPr lang="ko-KR" altLang="en-US" dirty="0" smtClean="0"/>
+              <a:t>원하는 폴더나 파일만 사용하기</a:t>
+            </a:r>
+            <a:endParaRPr lang="en-US" altLang="ko-KR" dirty="0" smtClean="0"/>
+          </a:p>
+          <a:p>
+            <a:pPr marL="266700" lvl="1" indent="0">
+              <a:buNone/>
+            </a:pPr>
+            <a:endParaRPr lang="en-US" altLang="ko-KR" dirty="0" smtClean="0"/>
+          </a:p>
+          <a:p>
+            <a:pPr marL="266700" lvl="1" indent="0">
+              <a:buNone/>
+            </a:pPr>
+            <a:r>
+              <a:rPr lang="en-US" altLang="ko-KR" dirty="0" smtClean="0"/>
+              <a:t>$ </a:t>
+            </a:r>
+            <a:r>
+              <a:rPr lang="en-US" altLang="ko-KR" dirty="0" err="1" smtClean="0"/>
+              <a:t>git</a:t>
+            </a:r>
+            <a:r>
+              <a:rPr lang="en-US" altLang="ko-KR" dirty="0" smtClean="0"/>
+              <a:t> sparse-checkout list</a:t>
+            </a:r>
+          </a:p>
+          <a:p>
+            <a:pPr marL="266700" lvl="1" indent="0">
+              <a:buNone/>
+            </a:pPr>
+            <a:endParaRPr lang="en-US" altLang="ko-KR" dirty="0"/>
+          </a:p>
+          <a:p>
+            <a:pPr marL="266700" lvl="1" indent="0">
+              <a:buNone/>
+            </a:pPr>
+            <a:r>
+              <a:rPr lang="en-US" altLang="ko-KR" dirty="0" err="1" smtClean="0"/>
+              <a:t>Git</a:t>
+            </a:r>
+            <a:r>
+              <a:rPr lang="en-US" altLang="ko-KR" dirty="0" smtClean="0"/>
+              <a:t> </a:t>
+            </a:r>
+            <a:r>
+              <a:rPr lang="en-US" altLang="ko-KR" dirty="0" smtClean="0"/>
+              <a:t>read-tree –mu HEAD</a:t>
+            </a:r>
+            <a:r>
+              <a:rPr lang="ko-KR" altLang="en-US" dirty="0" smtClean="0"/>
+              <a:t>는 언제 </a:t>
+            </a:r>
+            <a:r>
+              <a:rPr lang="ko-KR" altLang="en-US" dirty="0" smtClean="0"/>
+              <a:t>사용하나</a:t>
+            </a:r>
+            <a:r>
+              <a:rPr lang="en-US" altLang="ko-KR" dirty="0"/>
+              <a:t> </a:t>
+            </a:r>
+            <a:endParaRPr lang="en-US" altLang="ko-KR" dirty="0" smtClean="0"/>
+          </a:p>
+          <a:p>
+            <a:pPr marL="266700" lvl="1" indent="0">
+              <a:buNone/>
+            </a:pPr>
+            <a:r>
+              <a:rPr lang="en-US" altLang="ko-KR" dirty="0" smtClean="0"/>
+              <a:t>-&gt; </a:t>
+            </a:r>
+            <a:r>
+              <a:rPr lang="ko-KR" altLang="en-US" dirty="0" smtClean="0"/>
+              <a:t>이제는 </a:t>
+            </a:r>
+            <a:r>
+              <a:rPr lang="en-US" altLang="ko-KR" dirty="0" smtClean="0"/>
+              <a:t>sparse-checkout set</a:t>
+            </a:r>
+            <a:r>
+              <a:rPr lang="ko-KR" altLang="en-US" dirty="0" smtClean="0"/>
+              <a:t>으로 대체</a:t>
+            </a:r>
+            <a:r>
+              <a:rPr lang="en-US" altLang="ko-KR" dirty="0" smtClean="0"/>
+              <a:t>(reload</a:t>
+            </a:r>
+            <a:r>
+              <a:rPr lang="ko-KR" altLang="en-US" dirty="0" smtClean="0"/>
+              <a:t>의 역할도 같이함</a:t>
+            </a:r>
+            <a:r>
+              <a:rPr lang="en-US" altLang="ko-KR" dirty="0" smtClean="0"/>
+              <a:t>)</a:t>
+            </a:r>
+          </a:p>
+          <a:p>
+            <a:pPr marL="266700" lvl="1" indent="0">
+              <a:buNone/>
+            </a:pPr>
+            <a:r>
+              <a:rPr lang="en-US" altLang="ko-KR" dirty="0" smtClean="0"/>
+              <a:t>Echo</a:t>
+            </a:r>
+            <a:r>
+              <a:rPr lang="ko-KR" altLang="en-US" dirty="0" smtClean="0"/>
+              <a:t>를</a:t>
+            </a:r>
+            <a:r>
+              <a:rPr lang="en-US" altLang="ko-KR" dirty="0" smtClean="0"/>
+              <a:t> </a:t>
+            </a:r>
+            <a:r>
+              <a:rPr lang="ko-KR" altLang="en-US" dirty="0" smtClean="0"/>
+              <a:t>이용하여 </a:t>
+            </a:r>
+            <a:r>
+              <a:rPr lang="en-US" altLang="ko-KR" dirty="0" smtClean="0"/>
+              <a:t>sparse-checkout</a:t>
+            </a:r>
+            <a:r>
+              <a:rPr lang="ko-KR" altLang="en-US" dirty="0" smtClean="0"/>
+              <a:t>에 내용을 추가하였을 경우 </a:t>
+            </a:r>
+            <a:r>
+              <a:rPr lang="en-US" altLang="ko-KR" dirty="0" smtClean="0"/>
+              <a:t>read-tree </a:t>
+            </a:r>
+            <a:r>
+              <a:rPr lang="ko-KR" altLang="en-US" dirty="0" smtClean="0"/>
+              <a:t>사용</a:t>
+            </a:r>
+            <a:endParaRPr lang="en-US" altLang="ko-KR" dirty="0" smtClean="0"/>
+          </a:p>
+          <a:p>
+            <a:pPr marL="266700" lvl="1" indent="0">
+              <a:buNone/>
+            </a:pPr>
+            <a:endParaRPr lang="en-US" altLang="ko-KR" dirty="0"/>
+          </a:p>
+          <a:p>
+            <a:pPr marL="266700" lvl="1" indent="0">
+              <a:buNone/>
+            </a:pPr>
+            <a:r>
+              <a:rPr lang="ko-KR" altLang="en-US" dirty="0" smtClean="0"/>
+              <a:t>혹은 </a:t>
+            </a:r>
+            <a:r>
+              <a:rPr lang="en-US" altLang="ko-KR" dirty="0" smtClean="0"/>
+              <a:t>disable</a:t>
+            </a:r>
+            <a:r>
+              <a:rPr lang="ko-KR" altLang="en-US" dirty="0" smtClean="0"/>
+              <a:t>후에 </a:t>
+            </a:r>
+            <a:r>
+              <a:rPr lang="en-US" altLang="ko-KR" dirty="0" err="1" smtClean="0"/>
+              <a:t>reappy</a:t>
+            </a:r>
+            <a:r>
+              <a:rPr lang="ko-KR" altLang="en-US" dirty="0" smtClean="0"/>
+              <a:t>를 하면 됨</a:t>
+            </a:r>
+            <a:r>
+              <a:rPr lang="en-US" altLang="ko-KR" dirty="0" smtClean="0"/>
+              <a:t>.(reapply</a:t>
+            </a:r>
+            <a:r>
+              <a:rPr lang="ko-KR" altLang="en-US" dirty="0" smtClean="0"/>
+              <a:t>하면서 </a:t>
+            </a:r>
+            <a:r>
+              <a:rPr lang="en-US" altLang="ko-KR" dirty="0" smtClean="0"/>
+              <a:t>sparse-checkout</a:t>
+            </a:r>
+            <a:r>
+              <a:rPr lang="ko-KR" altLang="en-US" dirty="0" smtClean="0"/>
+              <a:t>을 다시 읽어서 진행</a:t>
+            </a:r>
+            <a:r>
+              <a:rPr lang="en-US" altLang="ko-KR" dirty="0" smtClean="0"/>
+              <a:t>)</a:t>
+            </a:r>
+            <a:endParaRPr lang="en-US" altLang="ko-KR" dirty="0" smtClean="0"/>
+          </a:p>
+          <a:p>
+            <a:pPr marL="266700" lvl="1" indent="0">
+              <a:buNone/>
+            </a:pPr>
+            <a:endParaRPr lang="en-US" altLang="ko-KR" dirty="0"/>
+          </a:p>
+        </p:txBody>
+      </p:sp>
+    </p:spTree>
+    <p:extLst>
+      <p:ext uri="{BB962C8B-B14F-4D97-AF65-F5344CB8AC3E}">
+        <p14:creationId xmlns:p14="http://schemas.microsoft.com/office/powerpoint/2010/main" val="924107467"/>
+      </p:ext>
+    </p:extLst>
+  </p:cSld>
+  <p:clrMapOvr>
+    <a:masterClrMapping/>
+  </p:clrMapOvr>
+</p:sld>
+</file>
+
+<file path=ppt/slides/slide39.xml><?xml version="1.0" encoding="utf-8"?>
+<p:sld xmlns:a="http://schemas.openxmlformats.org/drawingml/2006/main" xmlns:r="http://schemas.openxmlformats.org/officeDocument/2006/relationships" xmlns:p="http://schemas.openxmlformats.org/presentationml/2006/main">
+  <p:cSld>
+    <p:spTree>
+      <p:nvGrpSpPr>
+        <p:cNvPr id="1" name=""/>
+        <p:cNvGrpSpPr/>
+        <p:nvPr/>
+      </p:nvGrpSpPr>
+      <p:grpSpPr>
+        <a:xfrm>
+          <a:off x="0" y="0"/>
+          <a:ext cx="0" cy="0"/>
+          <a:chOff x="0" y="0"/>
+          <a:chExt cx="0" cy="0"/>
+        </a:xfrm>
+      </p:grpSpPr>
+      <p:sp>
+        <p:nvSpPr>
+          <p:cNvPr id="4" name="제목 3">
+            <a:extLst>
+              <a:ext uri="{FF2B5EF4-FFF2-40B4-BE49-F238E27FC236}">
+                <a16:creationId xmlns:a16="http://schemas.microsoft.com/office/drawing/2014/main" id="{F0CEB32B-CB43-4410-BA08-A97E4BC47FCB}"/>
+              </a:ext>
+            </a:extLst>
+          </p:cNvPr>
+          <p:cNvSpPr>
+            <a:spLocks noGrp="1"/>
+          </p:cNvSpPr>
+          <p:nvPr>
+            <p:ph type="title"/>
+          </p:nvPr>
+        </p:nvSpPr>
+        <p:spPr/>
+        <p:txBody>
+          <a:bodyPr/>
+          <a:lstStyle/>
+          <a:p>
+            <a:r>
+              <a:rPr lang="en-US" altLang="ko-KR" dirty="0" smtClean="0"/>
+              <a:t>Sparse-checkout </a:t>
+            </a:r>
+            <a:r>
+              <a:rPr lang="ko-KR" altLang="en-US" dirty="0" smtClean="0"/>
+              <a:t>사용</a:t>
+            </a:r>
+            <a:endParaRPr lang="ko-KR" altLang="en-US" dirty="0"/>
+          </a:p>
+        </p:txBody>
+      </p:sp>
+      <p:sp>
+        <p:nvSpPr>
+          <p:cNvPr id="6" name="내용 개체 틀 2">
+            <a:extLst>
+              <a:ext uri="{FF2B5EF4-FFF2-40B4-BE49-F238E27FC236}">
+                <a16:creationId xmlns:a16="http://schemas.microsoft.com/office/drawing/2014/main" id="{E597044D-9E91-4036-BC67-BF184BDB0BB9}"/>
+              </a:ext>
+            </a:extLst>
+          </p:cNvPr>
+          <p:cNvSpPr txBox="1">
+            <a:spLocks/>
+          </p:cNvSpPr>
+          <p:nvPr/>
+        </p:nvSpPr>
+        <p:spPr>
+          <a:xfrm>
+            <a:off x="341787" y="1120544"/>
+            <a:ext cx="8642350" cy="5115155"/>
+          </a:xfrm>
+          <a:prstGeom prst="rect">
+            <a:avLst/>
+          </a:prstGeom>
+        </p:spPr>
+        <p:txBody>
+          <a:bodyPr vert="horz" lIns="91440" tIns="45720" rIns="91440" bIns="45720" rtlCol="0">
+            <a:noAutofit/>
+          </a:bodyPr>
+          <a:lstStyle>
+            <a:lvl1pPr marL="266700" indent="-266700" defTabSz="914400" latinLnBrk="1">
+              <a:lnSpc>
+                <a:spcPct val="150000"/>
+              </a:lnSpc>
+              <a:spcBef>
+                <a:spcPct val="0"/>
+              </a:spcBef>
+              <a:buClr>
+                <a:schemeClr val="tx1">
+                  <a:lumMod val="65000"/>
+                  <a:lumOff val="35000"/>
+                </a:schemeClr>
+              </a:buClr>
+              <a:buFont typeface="Wingdings" pitchFamily="2" charset="2"/>
+              <a:buChar char="n"/>
+              <a:defRPr sz="2000" b="1">
+                <a:latin typeface="+mn-ea"/>
+              </a:defRPr>
+            </a:lvl1pPr>
+            <a:lvl2pPr marL="447675" lvl="1" indent="-180975" defTabSz="914400" latinLnBrk="1">
+              <a:lnSpc>
+                <a:spcPct val="150000"/>
+              </a:lnSpc>
+              <a:spcBef>
+                <a:spcPts val="0"/>
+              </a:spcBef>
+              <a:spcAft>
+                <a:spcPts val="0"/>
+              </a:spcAft>
+              <a:buClr>
+                <a:schemeClr val="tx1">
+                  <a:lumMod val="50000"/>
+                  <a:lumOff val="50000"/>
+                </a:schemeClr>
+              </a:buClr>
+              <a:buFont typeface="Wingdings" pitchFamily="2" charset="2"/>
+              <a:buChar char="§"/>
+              <a:defRPr sz="1600"/>
+            </a:lvl2pPr>
+            <a:lvl3pPr marL="628650" indent="-180975" defTabSz="914400" latinLnBrk="1">
+              <a:lnSpc>
+                <a:spcPct val="150000"/>
+              </a:lnSpc>
+              <a:spcBef>
+                <a:spcPts val="500"/>
+              </a:spcBef>
+              <a:spcAft>
+                <a:spcPts val="300"/>
+              </a:spcAft>
+              <a:buClr>
+                <a:schemeClr val="tx1">
+                  <a:lumMod val="65000"/>
+                  <a:lumOff val="35000"/>
+                </a:schemeClr>
+              </a:buClr>
+              <a:buFont typeface="Arial" panose="020B0604020202020204" pitchFamily="34" charset="0"/>
+              <a:buChar char="•"/>
+              <a:defRPr sz="1400"/>
+            </a:lvl3pPr>
+            <a:lvl4pPr marL="809625" indent="-180975" defTabSz="914400" latinLnBrk="1">
+              <a:lnSpc>
+                <a:spcPct val="150000"/>
+              </a:lnSpc>
+              <a:spcBef>
+                <a:spcPts val="500"/>
+              </a:spcBef>
+              <a:spcAft>
+                <a:spcPts val="300"/>
+              </a:spcAft>
+              <a:buClr>
+                <a:schemeClr val="tx1">
+                  <a:lumMod val="65000"/>
+                  <a:lumOff val="35000"/>
+                </a:schemeClr>
+              </a:buClr>
+              <a:buSzPct val="96000"/>
+              <a:buFont typeface="Arial" panose="020B0604020202020204" pitchFamily="34" charset="0"/>
+              <a:buChar char="•"/>
+              <a:defRPr sz="1200"/>
+            </a:lvl4pPr>
+            <a:lvl5pPr marL="990600" indent="-180975" defTabSz="914400" latinLnBrk="1">
+              <a:lnSpc>
+                <a:spcPct val="150000"/>
+              </a:lnSpc>
+              <a:spcBef>
+                <a:spcPts val="500"/>
+              </a:spcBef>
+              <a:buClr>
+                <a:schemeClr val="tx1">
+                  <a:lumMod val="65000"/>
+                  <a:lumOff val="35000"/>
+                </a:schemeClr>
+              </a:buClr>
+              <a:buFont typeface="Arial" panose="020B0604020202020204" pitchFamily="34" charset="0"/>
+              <a:buChar char="•"/>
+              <a:defRPr sz="1000"/>
+            </a:lvl5pPr>
+            <a:lvl6pPr marL="2514600" indent="-228600" defTabSz="914400" latinLnBrk="1">
+              <a:lnSpc>
+                <a:spcPct val="90000"/>
+              </a:lnSpc>
+              <a:spcBef>
+                <a:spcPts val="500"/>
+              </a:spcBef>
+              <a:buFont typeface="Arial" panose="020B0604020202020204" pitchFamily="34" charset="0"/>
+              <a:buChar char="•"/>
+            </a:lvl6pPr>
+            <a:lvl7pPr marL="2971800" indent="-228600" defTabSz="914400" latinLnBrk="1">
+              <a:lnSpc>
+                <a:spcPct val="90000"/>
+              </a:lnSpc>
+              <a:spcBef>
+                <a:spcPts val="500"/>
+              </a:spcBef>
+              <a:buFont typeface="Arial" panose="020B0604020202020204" pitchFamily="34" charset="0"/>
+              <a:buChar char="•"/>
+            </a:lvl7pPr>
+            <a:lvl8pPr marL="3429000" indent="-228600" defTabSz="914400" latinLnBrk="1">
+              <a:lnSpc>
+                <a:spcPct val="90000"/>
+              </a:lnSpc>
+              <a:spcBef>
+                <a:spcPts val="500"/>
+              </a:spcBef>
+              <a:buFont typeface="Arial" panose="020B0604020202020204" pitchFamily="34" charset="0"/>
+              <a:buChar char="•"/>
+            </a:lvl8pPr>
+            <a:lvl9pPr marL="3886200" indent="-228600" defTabSz="914400" latinLnBrk="1">
+              <a:lnSpc>
+                <a:spcPct val="90000"/>
+              </a:lnSpc>
+              <a:spcBef>
+                <a:spcPts val="500"/>
+              </a:spcBef>
+              <a:buFont typeface="Arial" panose="020B0604020202020204" pitchFamily="34" charset="0"/>
+              <a:buChar char="•"/>
+            </a:lvl9pPr>
+          </a:lstStyle>
+          <a:p>
+            <a:r>
+              <a:rPr lang="ko-KR" altLang="en-US" dirty="0" smtClean="0"/>
+              <a:t>원하는 폴더나 파일만 </a:t>
+            </a:r>
+            <a:r>
+              <a:rPr lang="en-US" altLang="ko-KR" dirty="0" smtClean="0"/>
+              <a:t>clone</a:t>
+            </a:r>
+            <a:r>
+              <a:rPr lang="ko-KR" altLang="en-US" dirty="0" smtClean="0"/>
+              <a:t>하여 사용하기</a:t>
+            </a:r>
+            <a:endParaRPr lang="en-US" altLang="ko-KR" dirty="0"/>
+          </a:p>
+          <a:p>
+            <a:pPr marL="266700" lvl="1" indent="0">
+              <a:buNone/>
+            </a:pPr>
+            <a:r>
+              <a:rPr lang="en-US" altLang="ko-KR" dirty="0" smtClean="0"/>
+              <a:t>$ </a:t>
+            </a:r>
+            <a:r>
+              <a:rPr lang="en-US" altLang="ko-KR" dirty="0" err="1" smtClean="0"/>
               <a:t>mkdir</a:t>
             </a:r>
             <a:r>
@@ -16579,18 +18538,34 @@
               <a:t> </a:t>
             </a:r>
             <a:r>
-              <a:rPr lang="en-US" altLang="ko-KR" dirty="0" err="1" smtClean="0"/>
+              <a:rPr lang="en-US" altLang="ko-KR" dirty="0" err="1" smtClean="0">
+                <a:solidFill>
+                  <a:srgbClr val="FF0000"/>
+                </a:solidFill>
+              </a:rPr>
               <a:t>git</a:t>
             </a:r>
             <a:r>
-              <a:rPr lang="en-US" altLang="ko-KR" dirty="0" smtClean="0"/>
+              <a:rPr lang="en-US" altLang="ko-KR" dirty="0" smtClean="0">
+                <a:solidFill>
+                  <a:srgbClr val="FF0000"/>
+                </a:solidFill>
+              </a:rPr>
               <a:t> </a:t>
             </a:r>
             <a:r>
-              <a:rPr lang="en-US" altLang="ko-KR" dirty="0" err="1" smtClean="0"/>
+              <a:rPr lang="en-US" altLang="ko-KR" dirty="0" err="1" smtClean="0">
+                <a:solidFill>
+                  <a:srgbClr val="FF0000"/>
+                </a:solidFill>
+              </a:rPr>
               <a:t>init</a:t>
             </a:r>
-            <a:endParaRPr lang="en-US" altLang="ko-KR" dirty="0"/>
+            <a:endParaRPr lang="en-US" altLang="ko-KR" dirty="0">
+              <a:solidFill>
+                <a:srgbClr val="FF0000"/>
+              </a:solidFill>
+            </a:endParaRPr>
           </a:p>
           <a:p>
             <a:pPr marL="266700" lvl="1" indent="0">
@@ -16646,31 +18621,109 @@
               <a:buNone/>
             </a:pPr>
             <a:r>
-              <a:rPr lang="en-US" altLang="ko-KR" dirty="0" smtClean="0"/>
+              <a:rPr lang="en-US" altLang="ko-KR" dirty="0" smtClean="0">
+                <a:solidFill>
+                  <a:srgbClr val="FF0000"/>
+                </a:solidFill>
+              </a:rPr>
               <a:t>$ </a:t>
             </a:r>
             <a:r>
-              <a:rPr lang="en-US" altLang="ko-KR" dirty="0" err="1" smtClean="0"/>
+              <a:rPr lang="en-US" altLang="ko-KR" dirty="0" err="1" smtClean="0">
+                <a:solidFill>
+                  <a:srgbClr val="FF0000"/>
+                </a:solidFill>
+              </a:rPr>
               <a:t>git</a:t>
             </a:r>
             <a:r>
-              <a:rPr lang="en-US" altLang="ko-KR" dirty="0" smtClean="0"/>
-              <a:t> remote add  -f origin &lt;</a:t>
-            </a:r>
-            <a:r>
-              <a:rPr lang="en-US" altLang="ko-KR" dirty="0" err="1" smtClean="0"/>
-              <a:t>url</a:t>
-            </a:r>
-            <a:r>
-              <a:rPr lang="en-US" altLang="ko-KR" dirty="0" smtClean="0"/>
-              <a:t>&gt;</a:t>
-            </a:r>
+              <a:rPr lang="en-US" altLang="ko-KR" dirty="0" smtClean="0">
+                <a:solidFill>
+                  <a:srgbClr val="FF0000"/>
+                </a:solidFill>
+              </a:rPr>
+              <a:t> remote add  -f </a:t>
+            </a:r>
+            <a:r>
+              <a:rPr lang="en-US" altLang="ko-KR" smtClean="0">
+                <a:solidFill>
+                  <a:srgbClr val="FF0000"/>
+                </a:solidFill>
+              </a:rPr>
+              <a:t>origin </a:t>
+            </a:r>
+            <a:r>
+              <a:rPr lang="en-US" altLang="ko-KR">
+                <a:solidFill>
+                  <a:srgbClr val="FF0000"/>
+                </a:solidFill>
+                <a:hlinkClick r:id="rId3"/>
+              </a:rPr>
+              <a:t>https</a:t>
+            </a:r>
+            <a:r>
+              <a:rPr lang="en-US" altLang="ko-KR">
+                <a:solidFill>
+                  <a:srgbClr val="FF0000"/>
+                </a:solidFill>
+                <a:hlinkClick r:id="rId3"/>
+              </a:rPr>
+              <a:t>://</a:t>
+            </a:r>
+            <a:r>
+              <a:rPr lang="en-US" altLang="ko-KR" smtClean="0">
+                <a:solidFill>
+                  <a:srgbClr val="FF0000"/>
+                </a:solidFill>
+                <a:hlinkClick r:id="rId3"/>
+              </a:rPr>
+              <a:t>github.com/fasthill/hello_python.git</a:t>
+            </a:r>
+            <a:endParaRPr lang="en-US" altLang="ko-KR" smtClean="0">
+              <a:solidFill>
+                <a:srgbClr val="FF0000"/>
+              </a:solidFill>
+            </a:endParaRPr>
           </a:p>
           <a:p>
             <a:pPr marL="266700" lvl="1" indent="0">
               <a:buNone/>
             </a:pPr>
             <a:r>
+              <a:rPr lang="en-US" altLang="ko-KR" smtClean="0">
+                <a:solidFill>
+                  <a:srgbClr val="FF0000"/>
+                </a:solidFill>
+              </a:rPr>
+              <a:t>$ </a:t>
+            </a:r>
+            <a:r>
+              <a:rPr lang="en-US" altLang="ko-KR" dirty="0" err="1" smtClean="0">
+                <a:solidFill>
+                  <a:srgbClr val="FF0000"/>
+                </a:solidFill>
+              </a:rPr>
+              <a:t>git</a:t>
+            </a:r>
+            <a:r>
+              <a:rPr lang="en-US" altLang="ko-KR" dirty="0" smtClean="0">
+                <a:solidFill>
+                  <a:srgbClr val="FF0000"/>
+                </a:solidFill>
+              </a:rPr>
+              <a:t> sparse-checkout set test5.py</a:t>
+            </a:r>
+            <a:endParaRPr lang="en-US" altLang="ko-KR" dirty="0" smtClean="0">
+              <a:solidFill>
+                <a:srgbClr val="FF0000"/>
+              </a:solidFill>
+            </a:endParaRPr>
+          </a:p>
+          <a:p>
+            <a:pPr marL="266700" lvl="1" indent="0">
+              <a:buNone/>
+            </a:pPr>
+            <a:r>
               <a:rPr lang="en-US" altLang="ko-KR" dirty="0" smtClean="0"/>
               <a:t>Bash configuration</a:t>
             </a:r>
@@ -16680,149 +18733,34 @@
               <a:buNone/>
             </a:pPr>
             <a:r>
-              <a:rPr lang="en-US" altLang="ko-KR" dirty="0" smtClean="0"/>
+              <a:rPr lang="en-US" altLang="ko-KR" dirty="0" smtClean="0">
+                <a:solidFill>
+                  <a:srgbClr val="FF0000"/>
+                </a:solidFill>
+              </a:rPr>
               <a:t>$ </a:t>
             </a:r>
             <a:r>
-              <a:rPr lang="en-US" altLang="ko-KR" dirty="0" err="1" smtClean="0"/>
+              <a:rPr lang="en-US" altLang="ko-KR" dirty="0" err="1" smtClean="0">
+                <a:solidFill>
+                  <a:srgbClr val="FF0000"/>
+                </a:solidFill>
+              </a:rPr>
               <a:t>git</a:t>
             </a:r>
             <a:r>
-              <a:rPr lang="en-US" altLang="ko-KR" dirty="0" smtClean="0"/>
-              <a:t> </a:t>
-            </a:r>
-            <a:r>
-              <a:rPr lang="en-US" altLang="ko-KR" dirty="0" err="1" smtClean="0"/>
-              <a:t>config</a:t>
-            </a:r>
-            <a:r>
-              <a:rPr lang="en-US" altLang="ko-KR" dirty="0" smtClean="0"/>
-              <a:t> </a:t>
-            </a:r>
-            <a:r>
-              <a:rPr lang="en-US" altLang="ko-KR" dirty="0" err="1" smtClean="0"/>
-              <a:t>core.sparseCheckout</a:t>
-            </a:r>
-            <a:r>
-              <a:rPr lang="en-US" altLang="ko-KR" dirty="0" smtClean="0"/>
-              <a:t> true</a:t>
-            </a:r>
-          </a:p>
-          <a:p>
-            <a:pPr marL="266700" lvl="1" indent="0">
-              <a:buNone/>
-            </a:pPr>
-            <a:r>
-              <a:rPr lang="ko-KR" altLang="en-US" dirty="0" smtClean="0"/>
-              <a:t>수정하기 원하는 폴더나 파일을 </a:t>
-            </a:r>
-            <a:r>
-              <a:rPr lang="en-US" altLang="ko-KR" dirty="0" smtClean="0"/>
-              <a:t>.</a:t>
-            </a:r>
-            <a:r>
-              <a:rPr lang="en-US" altLang="ko-KR" dirty="0" err="1" smtClean="0"/>
-              <a:t>git</a:t>
-            </a:r>
-            <a:r>
-              <a:rPr lang="en-US" altLang="ko-KR" dirty="0" smtClean="0"/>
-              <a:t>/info/sparse-checkout </a:t>
-            </a:r>
-            <a:r>
-              <a:rPr lang="ko-KR" altLang="en-US" dirty="0" smtClean="0"/>
-              <a:t>파일에 기입</a:t>
-            </a:r>
-            <a:endParaRPr lang="en-US" altLang="ko-KR" dirty="0" smtClean="0"/>
-          </a:p>
-          <a:p>
-            <a:pPr marL="266700" lvl="1" indent="0">
-              <a:buNone/>
-            </a:pPr>
-            <a:r>
-              <a:rPr lang="en-US" altLang="ko-KR" dirty="0" smtClean="0"/>
-              <a:t>$ echo “my/</a:t>
-            </a:r>
-            <a:r>
-              <a:rPr lang="en-US" altLang="ko-KR" dirty="0" err="1" smtClean="0"/>
-              <a:t>dir</a:t>
-            </a:r>
-            <a:r>
-              <a:rPr lang="en-US" altLang="ko-KR" dirty="0" smtClean="0"/>
-              <a:t>/” &gt;&gt; .</a:t>
-            </a:r>
-            <a:r>
-              <a:rPr lang="en-US" altLang="ko-KR" dirty="0" err="1" smtClean="0"/>
-              <a:t>git</a:t>
-            </a:r>
-            <a:r>
-              <a:rPr lang="en-US" altLang="ko-KR" dirty="0" smtClean="0"/>
-              <a:t>/info/sparse-checkout</a:t>
-            </a:r>
-          </a:p>
-          <a:p>
-            <a:pPr marL="266700" lvl="1" indent="0">
-              <a:buNone/>
-            </a:pPr>
-            <a:r>
-              <a:rPr lang="en-US" altLang="ko-KR" dirty="0" smtClean="0"/>
-              <a:t>$ echo “my/check/file1 &gt;&gt; .</a:t>
-            </a:r>
-            <a:r>
-              <a:rPr lang="en-US" altLang="ko-KR" dirty="0" err="1" smtClean="0"/>
-              <a:t>git</a:t>
-            </a:r>
-            <a:r>
-              <a:rPr lang="en-US" altLang="ko-KR" dirty="0" smtClean="0"/>
-              <a:t>/info/sparse-checkout</a:t>
-            </a:r>
-          </a:p>
-          <a:p>
-            <a:pPr marL="266700" lvl="1" indent="0">
-              <a:buNone/>
-            </a:pPr>
-            <a:r>
-              <a:rPr lang="en-US" altLang="ko-KR" dirty="0" smtClean="0"/>
-              <a:t>$ </a:t>
-            </a:r>
-            <a:r>
-              <a:rPr lang="en-US" altLang="ko-KR" dirty="0" err="1"/>
-              <a:t>git</a:t>
-            </a:r>
-            <a:r>
-              <a:rPr lang="en-US" altLang="ko-KR" dirty="0"/>
-              <a:t> read-tree -m -u </a:t>
-            </a:r>
-            <a:r>
-              <a:rPr lang="en-US" altLang="ko-KR" dirty="0" smtClean="0"/>
-              <a:t>HEAD # sparse-checkout </a:t>
-            </a:r>
-            <a:r>
-              <a:rPr lang="ko-KR" altLang="en-US" dirty="0" smtClean="0"/>
-              <a:t>파일 내용을 바꾸고 나서 </a:t>
-            </a:r>
-            <a:r>
-              <a:rPr lang="en-US" altLang="ko-KR" dirty="0" smtClean="0"/>
-              <a:t>reload</a:t>
-            </a:r>
-            <a:endParaRPr lang="en-US" altLang="ko-KR" dirty="0"/>
-          </a:p>
-          <a:p>
-            <a:pPr marL="266700" lvl="1" indent="0">
-              <a:buNone/>
-            </a:pPr>
-            <a:r>
-              <a:rPr lang="en-US" altLang="ko-KR" dirty="0" smtClean="0"/>
-              <a:t>$ </a:t>
-            </a:r>
-            <a:r>
-              <a:rPr lang="en-US" altLang="ko-KR" dirty="0" err="1" smtClean="0"/>
-              <a:t>git</a:t>
-            </a:r>
-            <a:r>
-              <a:rPr lang="en-US" altLang="ko-KR" dirty="0" smtClean="0"/>
+              <a:rPr lang="en-US" altLang="ko-KR" dirty="0" smtClean="0">
+                <a:solidFill>
+                  <a:srgbClr val="FF0000"/>
+                </a:solidFill>
+              </a:rPr>
               <a:t> pull origin main</a:t>
             </a:r>
-            <a:endParaRPr lang="en-US" altLang="ko-KR" dirty="0"/>
+            <a:endParaRPr lang="en-US" altLang="ko-KR" dirty="0">
+              <a:solidFill>
+                <a:srgbClr val="FF0000"/>
+              </a:solidFill>
+            </a:endParaRPr>
           </a:p>
         </p:txBody>
       </p:sp>

--- a/git및github첫걸음11-명령어모음.pptx
+++ b/git및github첫걸음11-명령어모음.pptx
@@ -45,8 +45,8 @@
     <p:sldId id="501" r:id="rId36"/>
     <p:sldId id="502" r:id="rId37"/>
     <p:sldId id="504" r:id="rId38"/>
-    <p:sldId id="503" r:id="rId39"/>
-    <p:sldId id="499" r:id="rId40"/>
+    <p:sldId id="499" r:id="rId39"/>
+    <p:sldId id="503" r:id="rId40"/>
   </p:sldIdLst>
   <p:sldSz cx="9144000" cy="6858000" type="screen4x3"/>
   <p:notesSz cx="6858000" cy="9144000"/>
@@ -3346,7 +3346,7 @@
     </p:spTree>
     <p:extLst>
       <p:ext uri="{BB962C8B-B14F-4D97-AF65-F5344CB8AC3E}">
-        <p14:creationId xmlns:p14="http://schemas.microsoft.com/office/powerpoint/2010/main" val="2086054687"/>
+        <p14:creationId xmlns:p14="http://schemas.microsoft.com/office/powerpoint/2010/main" val="3162379994"/>
       </p:ext>
     </p:extLst>
   </p:cSld>
@@ -3430,7 +3430,7 @@
     </p:spTree>
     <p:extLst>
       <p:ext uri="{BB962C8B-B14F-4D97-AF65-F5344CB8AC3E}">
-        <p14:creationId xmlns:p14="http://schemas.microsoft.com/office/powerpoint/2010/main" val="3162379994"/>
+        <p14:creationId xmlns:p14="http://schemas.microsoft.com/office/powerpoint/2010/main" val="2086054687"/>
       </p:ext>
     </p:extLst>
   </p:cSld>
@@ -15174,41 +15174,109 @@
             </a:r>
             <a:r>
               <a:rPr lang="en-US" altLang="ko-KR" dirty="0" smtClean="0"/>
-              <a:t> true # </a:t>
-            </a:r>
-            <a:r>
-              <a:rPr lang="en-US" altLang="ko-KR" dirty="0" err="1" smtClean="0"/>
+              <a:t> true </a:t>
+            </a:r>
+            <a:r>
+              <a:rPr lang="en-US" altLang="ko-KR" dirty="0" smtClean="0">
+                <a:solidFill>
+                  <a:srgbClr val="FF0000"/>
+                </a:solidFill>
+              </a:rPr>
+              <a:t># </a:t>
+            </a:r>
+            <a:r>
+              <a:rPr lang="en-US" altLang="ko-KR" dirty="0" err="1" smtClean="0">
+                <a:solidFill>
+                  <a:srgbClr val="FF0000"/>
+                </a:solidFill>
+              </a:rPr>
               <a:t>git</a:t>
             </a:r>
             <a:r>
-              <a:rPr lang="en-US" altLang="ko-KR" dirty="0" smtClean="0"/>
+              <a:rPr lang="en-US" altLang="ko-KR" dirty="0" smtClean="0">
+                <a:solidFill>
+                  <a:srgbClr val="FF0000"/>
+                </a:solidFill>
+              </a:rPr>
               <a:t> sparse-checkout </a:t>
             </a:r>
             <a:r>
-              <a:rPr lang="en-US" altLang="ko-KR" dirty="0" err="1" smtClean="0"/>
+              <a:rPr lang="en-US" altLang="ko-KR" dirty="0" err="1" smtClean="0">
+                <a:solidFill>
+                  <a:srgbClr val="FF0000"/>
+                </a:solidFill>
+              </a:rPr>
               <a:t>init</a:t>
             </a:r>
             <a:r>
-              <a:rPr lang="ko-KR" altLang="en-US" dirty="0" smtClean="0"/>
+              <a:rPr lang="ko-KR" altLang="en-US" dirty="0" smtClean="0">
+                <a:solidFill>
+                  <a:srgbClr val="FF0000"/>
+                </a:solidFill>
+              </a:rPr>
               <a:t>를 수행하면 </a:t>
             </a:r>
             <a:r>
-              <a:rPr lang="en-US" altLang="ko-KR" dirty="0" smtClean="0"/>
+              <a:rPr lang="en-US" altLang="ko-KR" dirty="0" smtClean="0">
+                <a:solidFill>
+                  <a:srgbClr val="FF0000"/>
+                </a:solidFill>
+              </a:rPr>
               <a:t>true</a:t>
             </a:r>
             <a:r>
-              <a:rPr lang="ko-KR" altLang="en-US" dirty="0" smtClean="0"/>
+              <a:rPr lang="ko-KR" altLang="en-US" dirty="0" smtClean="0">
+                <a:solidFill>
+                  <a:srgbClr val="FF0000"/>
+                </a:solidFill>
+              </a:rPr>
               <a:t>로 </a:t>
             </a:r>
             <a:r>
-              <a:rPr lang="en-US" altLang="ko-KR" dirty="0" smtClean="0"/>
+              <a:rPr lang="en-US" altLang="ko-KR" dirty="0" smtClean="0">
+                <a:solidFill>
+                  <a:srgbClr val="FF0000"/>
+                </a:solidFill>
+              </a:rPr>
               <a:t>setting</a:t>
             </a:r>
             <a:r>
-              <a:rPr lang="ko-KR" altLang="en-US" dirty="0" smtClean="0"/>
-              <a:t>됨</a:t>
-            </a:r>
-            <a:endParaRPr lang="en-US" altLang="ko-KR" dirty="0" smtClean="0"/>
+              <a:rPr lang="ko-KR" altLang="en-US" dirty="0" smtClean="0">
+                <a:solidFill>
+                  <a:srgbClr val="FF0000"/>
+                </a:solidFill>
+              </a:rPr>
+              <a:t>됨 </a:t>
+            </a:r>
+            <a:r>
+              <a:rPr lang="en-US" altLang="ko-KR" dirty="0" smtClean="0">
+                <a:solidFill>
+                  <a:srgbClr val="FF0000"/>
+                </a:solidFill>
+              </a:rPr>
+              <a:t>(</a:t>
+            </a:r>
+            <a:r>
+              <a:rPr lang="ko-KR" altLang="en-US" dirty="0" smtClean="0">
+                <a:solidFill>
+                  <a:srgbClr val="FF0000"/>
+                </a:solidFill>
+              </a:rPr>
+              <a:t>아님</a:t>
+            </a:r>
+            <a:r>
+              <a:rPr lang="en-US" altLang="ko-KR" dirty="0" smtClean="0">
+                <a:solidFill>
+                  <a:srgbClr val="FF0000"/>
+                </a:solidFill>
+              </a:rPr>
+              <a:t>)</a:t>
+            </a:r>
+            <a:endParaRPr lang="en-US" altLang="ko-KR" dirty="0" smtClean="0">
+              <a:solidFill>
+                <a:srgbClr val="FF0000"/>
+              </a:solidFill>
+            </a:endParaRPr>
           </a:p>
           <a:p>
             <a:pPr marL="266700" lvl="1" indent="0">
@@ -16586,13 +16654,8 @@
             </a:r>
             <a:r>
               <a:rPr lang="en-US" altLang="ko-KR" dirty="0" smtClean="0"/>
-              <a:t> sparse-checkout </a:t>
-            </a:r>
-            <a:r>
-              <a:rPr lang="en-US" altLang="ko-KR" dirty="0" smtClean="0"/>
-              <a:t>disable</a:t>
-            </a:r>
-            <a:endParaRPr lang="en-US" altLang="ko-KR" dirty="0" smtClean="0"/>
+              <a:t> sparse-checkout disable</a:t>
+            </a:r>
           </a:p>
           <a:p>
             <a:pPr marL="266700" lvl="1" indent="0">
@@ -17049,11 +17112,7 @@
             </a:pPr>
             <a:r>
               <a:rPr lang="en-US" altLang="ko-KR" dirty="0" smtClean="0"/>
-              <a:t>$ </a:t>
-            </a:r>
-            <a:r>
-              <a:rPr lang="en-US" altLang="ko-KR" dirty="0" smtClean="0"/>
-              <a:t>echo ‘a3’ &gt;&gt; .</a:t>
+              <a:t>$ echo ‘a3’ &gt;&gt; .</a:t>
             </a:r>
             <a:r>
               <a:rPr lang="en-US" altLang="ko-KR" dirty="0" err="1" smtClean="0"/>
@@ -17130,11 +17189,7 @@
             </a:pPr>
             <a:r>
               <a:rPr lang="en-US" altLang="ko-KR" dirty="0" smtClean="0"/>
-              <a:t>$ </a:t>
-            </a:r>
-            <a:r>
-              <a:rPr lang="en-US" altLang="ko-KR" dirty="0" smtClean="0"/>
-              <a:t>ls –al</a:t>
+              <a:t>$ ls –al</a:t>
             </a:r>
           </a:p>
           <a:p>
@@ -17175,11 +17230,7 @@
             </a:r>
             <a:r>
               <a:rPr lang="en-US" altLang="ko-KR" dirty="0" smtClean="0"/>
-              <a:t> </a:t>
-            </a:r>
-            <a:r>
-              <a:rPr lang="en-US" altLang="ko-KR" dirty="0" smtClean="0"/>
-              <a:t>sparse-checkout reapply # reapply</a:t>
+              <a:t> sparse-checkout reapply # reapply</a:t>
             </a:r>
             <a:r>
               <a:rPr lang="ko-KR" altLang="en-US" dirty="0" smtClean="0"/>
@@ -17647,7 +17698,6 @@
               <a:rPr lang="en-US" altLang="ko-KR" dirty="0" smtClean="0"/>
               <a:t> sparse-checkout set test5.py</a:t>
             </a:r>
-            <a:endParaRPr lang="en-US" altLang="ko-KR" dirty="0" smtClean="0"/>
           </a:p>
           <a:p>
             <a:pPr marL="266700" lvl="1" indent="0">
@@ -17663,11 +17713,7 @@
             </a:r>
             <a:r>
               <a:rPr lang="en-US" altLang="ko-KR" dirty="0" smtClean="0"/>
-              <a:t> pull origin </a:t>
-            </a:r>
-            <a:r>
-              <a:rPr lang="en-US" altLang="ko-KR" dirty="0" smtClean="0"/>
-              <a:t>main # </a:t>
+              <a:t> pull origin main # </a:t>
             </a:r>
             <a:r>
               <a:rPr lang="en-US" altLang="ko-KR" dirty="0" err="1" smtClean="0"/>
@@ -17726,11 +17772,7 @@
             </a:r>
             <a:r>
               <a:rPr lang="en-US" altLang="ko-KR" dirty="0" smtClean="0"/>
-              <a:t> sparse-checkout reapply # </a:t>
-            </a:r>
-            <a:r>
-              <a:rPr lang="en-US" altLang="ko-KR" dirty="0" smtClean="0"/>
-              <a:t>test5.py</a:t>
+              <a:t> sparse-checkout reapply # test5.py</a:t>
             </a:r>
             <a:r>
               <a:rPr lang="ko-KR" altLang="en-US" dirty="0" smtClean="0"/>
@@ -17787,15 +17829,7 @@
                   <a:srgbClr val="FF0000"/>
                 </a:solidFill>
               </a:rPr>
-              <a:t> false , tr</a:t>
-            </a:r>
-            <a:r>
-              <a:rPr lang="en-US" altLang="ko-KR" dirty="0" smtClean="0">
-                <a:solidFill>
-                  <a:srgbClr val="FF0000"/>
-                </a:solidFill>
-              </a:rPr>
-              <a:t>ue</a:t>
+              <a:t> false , true</a:t>
             </a:r>
             <a:r>
               <a:rPr lang="ko-KR" altLang="en-US" dirty="0" smtClean="0">
@@ -18061,15 +18095,34 @@
           <a:p>
             <a:r>
               <a:rPr lang="ko-KR" altLang="en-US" dirty="0" smtClean="0"/>
-              <a:t>원하는 폴더나 파일만 사용하기</a:t>
-            </a:r>
-            <a:endParaRPr lang="en-US" altLang="ko-KR" dirty="0" smtClean="0"/>
+              <a:t>원하는 폴더나 파일만 </a:t>
+            </a:r>
+            <a:r>
+              <a:rPr lang="en-US" altLang="ko-KR" dirty="0" smtClean="0"/>
+              <a:t>clone</a:t>
+            </a:r>
+            <a:r>
+              <a:rPr lang="ko-KR" altLang="en-US" dirty="0" smtClean="0"/>
+              <a:t>하여 사용하기</a:t>
+            </a:r>
+            <a:endParaRPr lang="en-US" altLang="ko-KR" dirty="0"/>
           </a:p>
           <a:p>
             <a:pPr marL="266700" lvl="1" indent="0">
               <a:buNone/>
             </a:pPr>
-            <a:endParaRPr lang="en-US" altLang="ko-KR" dirty="0" smtClean="0"/>
+            <a:r>
+              <a:rPr lang="en-US" altLang="ko-KR" dirty="0" smtClean="0"/>
+              <a:t>$ </a:t>
+            </a:r>
+            <a:r>
+              <a:rPr lang="en-US" altLang="ko-KR" dirty="0" err="1" smtClean="0"/>
+              <a:t>mkdir</a:t>
+            </a:r>
+            <a:r>
+              <a:rPr lang="en-US" altLang="ko-KR" dirty="0" smtClean="0"/>
+              <a:t> &lt;repo&gt;</a:t>
+            </a:r>
           </a:p>
           <a:p>
             <a:pPr marL="266700" lvl="1" indent="0">
@@ -18077,188 +18130,424 @@
             </a:pPr>
             <a:r>
               <a:rPr lang="en-US" altLang="ko-KR" dirty="0" smtClean="0"/>
-              <a:t>$ </a:t>
-            </a:r>
-            <a:r>
-              <a:rPr lang="en-US" altLang="ko-KR" dirty="0" err="1" smtClean="0"/>
-              <a:t>git</a:t>
-            </a:r>
-            <a:r>
-              <a:rPr lang="en-US" altLang="ko-KR" dirty="0" smtClean="0"/>
-              <a:t> sparse-checkout list</a:t>
+              <a:t>$ cd &lt;repo&gt;</a:t>
             </a:r>
           </a:p>
           <a:p>
             <a:pPr marL="266700" lvl="1" indent="0">
               <a:buNone/>
             </a:pPr>
-            <a:endParaRPr lang="en-US" altLang="ko-KR" dirty="0"/>
+            <a:r>
+              <a:rPr lang="en-US" altLang="ko-KR" dirty="0"/>
+              <a:t>$</a:t>
+            </a:r>
+            <a:r>
+              <a:rPr lang="en-US" altLang="ko-KR" dirty="0" smtClean="0"/>
+              <a:t> </a:t>
+            </a:r>
+            <a:r>
+              <a:rPr lang="en-US" altLang="ko-KR" dirty="0" err="1" smtClean="0">
+                <a:solidFill>
+                  <a:srgbClr val="FF0000"/>
+                </a:solidFill>
+              </a:rPr>
+              <a:t>git</a:t>
+            </a:r>
+            <a:r>
+              <a:rPr lang="en-US" altLang="ko-KR" dirty="0" smtClean="0">
+                <a:solidFill>
+                  <a:srgbClr val="FF0000"/>
+                </a:solidFill>
+              </a:rPr>
+              <a:t> </a:t>
+            </a:r>
+            <a:r>
+              <a:rPr lang="en-US" altLang="ko-KR" dirty="0" err="1" smtClean="0">
+                <a:solidFill>
+                  <a:srgbClr val="FF0000"/>
+                </a:solidFill>
+              </a:rPr>
+              <a:t>init</a:t>
+            </a:r>
+            <a:endParaRPr lang="en-US" altLang="ko-KR" dirty="0">
+              <a:solidFill>
+                <a:srgbClr val="FF0000"/>
+              </a:solidFill>
+            </a:endParaRPr>
           </a:p>
           <a:p>
             <a:pPr marL="266700" lvl="1" indent="0">
               <a:buNone/>
             </a:pPr>
             <a:r>
-              <a:rPr lang="en-US" altLang="ko-KR" dirty="0" err="1" smtClean="0"/>
-              <a:t>Git</a:t>
-            </a:r>
-            <a:r>
               <a:rPr lang="en-US" altLang="ko-KR" dirty="0" smtClean="0"/>
-              <a:t> </a:t>
+              <a:t>Remote</a:t>
+            </a:r>
+            <a:r>
+              <a:rPr lang="ko-KR" altLang="en-US" dirty="0" smtClean="0"/>
+              <a:t>와 연계된 내용이 없는 </a:t>
             </a:r>
             <a:r>
               <a:rPr lang="en-US" altLang="ko-KR" dirty="0" smtClean="0"/>
-              <a:t>read-tree –mu HEAD</a:t>
+              <a:t>repo</a:t>
             </a:r>
             <a:r>
               <a:rPr lang="ko-KR" altLang="en-US" dirty="0" smtClean="0"/>
-              <a:t>는 언제 </a:t>
+              <a:t>를 만들고 </a:t>
+            </a:r>
+            <a:r>
+              <a:rPr lang="en-US" altLang="ko-KR" dirty="0" smtClean="0"/>
+              <a:t>fetch</a:t>
             </a:r>
             <a:r>
               <a:rPr lang="ko-KR" altLang="en-US" dirty="0" smtClean="0"/>
-              <a:t>사용하나</a:t>
-            </a:r>
-            <a:r>
-              <a:rPr lang="en-US" altLang="ko-KR" dirty="0"/>
-              <a:t> </a:t>
-            </a:r>
-            <a:endParaRPr lang="en-US" altLang="ko-KR" dirty="0" smtClean="0"/>
+              <a:t>를 진행</a:t>
+            </a:r>
+            <a:r>
+              <a:rPr lang="en-US" altLang="ko-KR" dirty="0" smtClean="0"/>
+              <a:t>. </a:t>
+            </a:r>
+            <a:r>
+              <a:rPr lang="ko-KR" altLang="en-US" dirty="0" smtClean="0"/>
+              <a:t>내용을 </a:t>
+            </a:r>
+            <a:r>
+              <a:rPr lang="en-US" altLang="ko-KR" dirty="0" smtClean="0"/>
+              <a:t>checkout </a:t>
+            </a:r>
+            <a:r>
+              <a:rPr lang="ko-KR" altLang="en-US" dirty="0" smtClean="0"/>
+              <a:t>하지 않음</a:t>
+            </a:r>
+            <a:r>
+              <a:rPr lang="en-US" altLang="ko-KR" dirty="0" smtClean="0"/>
+              <a:t>.</a:t>
+            </a:r>
           </a:p>
           <a:p>
             <a:pPr marL="266700" lvl="1" indent="0">
               <a:buNone/>
             </a:pPr>
             <a:r>
-              <a:rPr lang="en-US" altLang="ko-KR" dirty="0" smtClean="0"/>
-              <a:t>-&gt; </a:t>
-            </a:r>
-            <a:r>
-              <a:rPr lang="ko-KR" altLang="en-US" dirty="0" smtClean="0"/>
-              <a:t>이제는 </a:t>
-            </a:r>
-            <a:r>
-              <a:rPr lang="en-US" altLang="ko-KR" dirty="0" smtClean="0"/>
-              <a:t>sparse-checkout set</a:t>
-            </a:r>
-            <a:r>
-              <a:rPr lang="ko-KR" altLang="en-US" dirty="0" smtClean="0"/>
-              <a:t>으로 대체</a:t>
-            </a:r>
-            <a:r>
-              <a:rPr lang="en-US" altLang="ko-KR" dirty="0" smtClean="0"/>
-              <a:t>(reload</a:t>
-            </a:r>
-            <a:r>
-              <a:rPr lang="ko-KR" altLang="en-US" dirty="0" smtClean="0"/>
-              <a:t>의 역할도 같이함</a:t>
-            </a:r>
-            <a:r>
-              <a:rPr lang="en-US" altLang="ko-KR" dirty="0" smtClean="0"/>
-              <a:t>)</a:t>
-            </a:r>
+              <a:rPr lang="en-US" altLang="ko-KR" dirty="0" smtClean="0">
+                <a:solidFill>
+                  <a:srgbClr val="FF0000"/>
+                </a:solidFill>
+              </a:rPr>
+              <a:t>$ </a:t>
+            </a:r>
+            <a:r>
+              <a:rPr lang="en-US" altLang="ko-KR" dirty="0" err="1" smtClean="0">
+                <a:solidFill>
+                  <a:srgbClr val="FF0000"/>
+                </a:solidFill>
+              </a:rPr>
+              <a:t>git</a:t>
+            </a:r>
+            <a:r>
+              <a:rPr lang="en-US" altLang="ko-KR" dirty="0" smtClean="0">
+                <a:solidFill>
+                  <a:srgbClr val="FF0000"/>
+                </a:solidFill>
+              </a:rPr>
+              <a:t> remote add  -f origin </a:t>
+            </a:r>
+            <a:r>
+              <a:rPr lang="en-US" altLang="ko-KR" dirty="0">
+                <a:solidFill>
+                  <a:srgbClr val="FF0000"/>
+                </a:solidFill>
+                <a:hlinkClick r:id="rId3"/>
+              </a:rPr>
+              <a:t>https://</a:t>
+            </a:r>
+            <a:r>
+              <a:rPr lang="en-US" altLang="ko-KR" dirty="0" smtClean="0">
+                <a:solidFill>
+                  <a:srgbClr val="FF0000"/>
+                </a:solidFill>
+                <a:hlinkClick r:id="rId3"/>
+              </a:rPr>
+              <a:t>github.com/fasthill/hello_python.git</a:t>
+            </a:r>
+            <a:endParaRPr lang="en-US" altLang="ko-KR" dirty="0" smtClean="0">
+              <a:solidFill>
+                <a:srgbClr val="FF0000"/>
+              </a:solidFill>
+            </a:endParaRPr>
           </a:p>
           <a:p>
             <a:pPr marL="266700" lvl="1" indent="0">
               <a:buNone/>
             </a:pPr>
             <a:r>
-              <a:rPr lang="en-US" altLang="ko-KR" dirty="0" smtClean="0"/>
-              <a:t>Echo</a:t>
-            </a:r>
-            <a:r>
-              <a:rPr lang="ko-KR" altLang="en-US" dirty="0" smtClean="0"/>
-              <a:t>를</a:t>
-            </a:r>
-            <a:r>
-              <a:rPr lang="en-US" altLang="ko-KR" dirty="0" smtClean="0"/>
-              <a:t> </a:t>
-            </a:r>
-            <a:r>
-              <a:rPr lang="ko-KR" altLang="en-US" dirty="0" smtClean="0"/>
-              <a:t>이용하여 </a:t>
-            </a:r>
-            <a:r>
-              <a:rPr lang="en-US" altLang="ko-KR" dirty="0" smtClean="0"/>
-              <a:t>sparse-checkout</a:t>
-            </a:r>
-            <a:r>
-              <a:rPr lang="ko-KR" altLang="en-US" dirty="0" smtClean="0"/>
-              <a:t>에 내용을 추가하였을 경우 </a:t>
-            </a:r>
-            <a:r>
-              <a:rPr lang="en-US" altLang="ko-KR" dirty="0" smtClean="0"/>
-              <a:t>read-tree </a:t>
-            </a:r>
-            <a:r>
-              <a:rPr lang="ko-KR" altLang="en-US" dirty="0" smtClean="0"/>
-              <a:t>사용</a:t>
-            </a:r>
-            <a:endParaRPr lang="en-US" altLang="ko-KR" dirty="0" smtClean="0"/>
+              <a:rPr lang="en-US" altLang="ko-KR" dirty="0" smtClean="0">
+                <a:solidFill>
+                  <a:srgbClr val="FF0000"/>
+                </a:solidFill>
+              </a:rPr>
+              <a:t>$ </a:t>
+            </a:r>
+            <a:r>
+              <a:rPr lang="en-US" altLang="ko-KR" dirty="0" err="1" smtClean="0">
+                <a:solidFill>
+                  <a:srgbClr val="FF0000"/>
+                </a:solidFill>
+              </a:rPr>
+              <a:t>git</a:t>
+            </a:r>
+            <a:r>
+              <a:rPr lang="en-US" altLang="ko-KR" dirty="0" smtClean="0">
+                <a:solidFill>
+                  <a:srgbClr val="FF0000"/>
+                </a:solidFill>
+              </a:rPr>
+              <a:t> remote add origin &lt;</a:t>
+            </a:r>
+            <a:r>
+              <a:rPr lang="en-US" altLang="ko-KR" dirty="0" err="1" smtClean="0">
+                <a:solidFill>
+                  <a:srgbClr val="FF0000"/>
+                </a:solidFill>
+              </a:rPr>
+              <a:t>url</a:t>
+            </a:r>
+            <a:r>
+              <a:rPr lang="en-US" altLang="ko-KR" dirty="0" smtClean="0">
+                <a:solidFill>
+                  <a:srgbClr val="FF0000"/>
+                </a:solidFill>
+              </a:rPr>
+              <a:t>&gt; </a:t>
+            </a:r>
+            <a:r>
+              <a:rPr lang="ko-KR" altLang="en-US" dirty="0" smtClean="0">
+                <a:solidFill>
+                  <a:srgbClr val="FF0000"/>
+                </a:solidFill>
+              </a:rPr>
+              <a:t>차이가 없음</a:t>
+            </a:r>
+            <a:r>
+              <a:rPr lang="en-US" altLang="ko-KR" dirty="0" smtClean="0">
+                <a:solidFill>
+                  <a:srgbClr val="FF0000"/>
+                </a:solidFill>
+              </a:rPr>
+              <a:t>. –f option </a:t>
+            </a:r>
+            <a:r>
+              <a:rPr lang="ko-KR" altLang="en-US" dirty="0" smtClean="0">
+                <a:solidFill>
+                  <a:srgbClr val="FF0000"/>
+                </a:solidFill>
+              </a:rPr>
+              <a:t>차이가 뭔가</a:t>
+            </a:r>
+            <a:r>
+              <a:rPr lang="en-US" altLang="ko-KR" dirty="0" smtClean="0">
+                <a:solidFill>
+                  <a:srgbClr val="FF0000"/>
+                </a:solidFill>
+              </a:rPr>
+              <a:t>?</a:t>
+            </a:r>
+            <a:endParaRPr lang="en-US" altLang="ko-KR" dirty="0" smtClean="0">
+              <a:solidFill>
+                <a:srgbClr val="FF0000"/>
+              </a:solidFill>
+            </a:endParaRPr>
           </a:p>
           <a:p>
             <a:pPr marL="266700" lvl="1" indent="0">
               <a:buNone/>
             </a:pPr>
-            <a:endParaRPr lang="en-US" altLang="ko-KR" dirty="0"/>
+            <a:r>
+              <a:rPr lang="en-US" altLang="ko-KR" dirty="0" smtClean="0">
+                <a:solidFill>
+                  <a:srgbClr val="FF0000"/>
+                </a:solidFill>
+              </a:rPr>
+              <a:t>$ </a:t>
+            </a:r>
+            <a:r>
+              <a:rPr lang="en-US" altLang="ko-KR" dirty="0" err="1" smtClean="0">
+                <a:solidFill>
+                  <a:srgbClr val="FF0000"/>
+                </a:solidFill>
+              </a:rPr>
+              <a:t>git</a:t>
+            </a:r>
+            <a:r>
+              <a:rPr lang="en-US" altLang="ko-KR" dirty="0" smtClean="0">
+                <a:solidFill>
+                  <a:srgbClr val="FF0000"/>
+                </a:solidFill>
+              </a:rPr>
+              <a:t> </a:t>
+            </a:r>
+            <a:r>
+              <a:rPr lang="en-US" altLang="ko-KR" dirty="0" smtClean="0">
+                <a:solidFill>
+                  <a:srgbClr val="FF0000"/>
+                </a:solidFill>
+              </a:rPr>
+              <a:t>sparse-checkout set test5.py</a:t>
+            </a:r>
           </a:p>
           <a:p>
             <a:pPr marL="266700" lvl="1" indent="0">
               <a:buNone/>
             </a:pPr>
             <a:r>
-              <a:rPr lang="ko-KR" altLang="en-US" dirty="0" smtClean="0"/>
-              <a:t>혹은 </a:t>
-            </a:r>
-            <a:r>
-              <a:rPr lang="en-US" altLang="ko-KR" dirty="0" smtClean="0"/>
-              <a:t>disable</a:t>
-            </a:r>
-            <a:r>
-              <a:rPr lang="ko-KR" altLang="en-US" dirty="0" smtClean="0"/>
-              <a:t>후에 </a:t>
-            </a:r>
-            <a:r>
-              <a:rPr lang="en-US" altLang="ko-KR" dirty="0" err="1" smtClean="0"/>
-              <a:t>reappy</a:t>
-            </a:r>
-            <a:r>
-              <a:rPr lang="ko-KR" altLang="en-US" dirty="0" smtClean="0"/>
-              <a:t>를 하면 됨</a:t>
-            </a:r>
-            <a:r>
-              <a:rPr lang="en-US" altLang="ko-KR" dirty="0" smtClean="0"/>
-              <a:t>.(reapply</a:t>
-            </a:r>
-            <a:r>
-              <a:rPr lang="ko-KR" altLang="en-US" dirty="0" smtClean="0"/>
-              <a:t>하면서 </a:t>
-            </a:r>
-            <a:r>
-              <a:rPr lang="en-US" altLang="ko-KR" dirty="0" smtClean="0"/>
-              <a:t>sparse-checkout</a:t>
-            </a:r>
-            <a:r>
-              <a:rPr lang="ko-KR" altLang="en-US" dirty="0" smtClean="0"/>
-              <a:t>을 다시 읽어서 진행</a:t>
-            </a:r>
-            <a:r>
-              <a:rPr lang="en-US" altLang="ko-KR" dirty="0" smtClean="0"/>
-              <a:t>)</a:t>
-            </a:r>
-            <a:endParaRPr lang="en-US" altLang="ko-KR" dirty="0" smtClean="0"/>
+              <a:rPr lang="en-US" altLang="ko-KR" dirty="0" smtClean="0">
+                <a:solidFill>
+                  <a:srgbClr val="FF0000"/>
+                </a:solidFill>
+              </a:rPr>
+              <a:t>$ </a:t>
+            </a:r>
+            <a:r>
+              <a:rPr lang="en-US" altLang="ko-KR" dirty="0" err="1" smtClean="0">
+                <a:solidFill>
+                  <a:srgbClr val="FF0000"/>
+                </a:solidFill>
+              </a:rPr>
+              <a:t>git</a:t>
+            </a:r>
+            <a:r>
+              <a:rPr lang="en-US" altLang="ko-KR" dirty="0" smtClean="0">
+                <a:solidFill>
+                  <a:srgbClr val="FF0000"/>
+                </a:solidFill>
+              </a:rPr>
+              <a:t> pull origin </a:t>
+            </a:r>
+            <a:r>
+              <a:rPr lang="en-US" altLang="ko-KR" dirty="0" smtClean="0">
+                <a:solidFill>
+                  <a:srgbClr val="FF0000"/>
+                </a:solidFill>
+              </a:rPr>
+              <a:t>main</a:t>
+            </a:r>
           </a:p>
           <a:p>
             <a:pPr marL="266700" lvl="1" indent="0">
               <a:buNone/>
             </a:pPr>
-            <a:endParaRPr lang="en-US" altLang="ko-KR" dirty="0"/>
+            <a:r>
+              <a:rPr lang="en-US" altLang="ko-KR" dirty="0" smtClean="0">
+                <a:solidFill>
+                  <a:srgbClr val="FF0000"/>
+                </a:solidFill>
+              </a:rPr>
+              <a:t>$ </a:t>
+            </a:r>
+            <a:r>
+              <a:rPr lang="en-US" altLang="ko-KR" dirty="0" err="1" smtClean="0">
+                <a:solidFill>
+                  <a:srgbClr val="FF0000"/>
+                </a:solidFill>
+              </a:rPr>
+              <a:t>git</a:t>
+            </a:r>
+            <a:r>
+              <a:rPr lang="en-US" altLang="ko-KR" dirty="0">
+                <a:solidFill>
+                  <a:srgbClr val="FF0000"/>
+                </a:solidFill>
+              </a:rPr>
+              <a:t> sparse-checkout </a:t>
+            </a:r>
+            <a:r>
+              <a:rPr lang="en-US" altLang="ko-KR" dirty="0" smtClean="0">
+                <a:solidFill>
+                  <a:srgbClr val="FF0000"/>
+                </a:solidFill>
+              </a:rPr>
+              <a:t>disable</a:t>
+            </a:r>
+          </a:p>
+          <a:p>
+            <a:pPr marL="266700" lvl="1" indent="0">
+              <a:buNone/>
+            </a:pPr>
+            <a:r>
+              <a:rPr lang="en-US" altLang="ko-KR" dirty="0" smtClean="0">
+                <a:solidFill>
+                  <a:srgbClr val="FF0000"/>
+                </a:solidFill>
+              </a:rPr>
+              <a:t>$ </a:t>
+            </a:r>
+            <a:r>
+              <a:rPr lang="en-US" altLang="ko-KR" dirty="0" err="1" smtClean="0">
+                <a:solidFill>
+                  <a:srgbClr val="FF0000"/>
+                </a:solidFill>
+              </a:rPr>
+              <a:t>git</a:t>
+            </a:r>
+            <a:r>
+              <a:rPr lang="en-US" altLang="ko-KR" dirty="0" smtClean="0">
+                <a:solidFill>
+                  <a:srgbClr val="FF0000"/>
+                </a:solidFill>
+              </a:rPr>
+              <a:t> </a:t>
+            </a:r>
+            <a:r>
+              <a:rPr lang="en-US" altLang="ko-KR" dirty="0">
+                <a:solidFill>
+                  <a:srgbClr val="FF0000"/>
+                </a:solidFill>
+              </a:rPr>
+              <a:t>sparse-checkout </a:t>
+            </a:r>
+            <a:r>
+              <a:rPr lang="en-US" altLang="ko-KR" dirty="0" smtClean="0">
+                <a:solidFill>
+                  <a:srgbClr val="FF0000"/>
+                </a:solidFill>
+              </a:rPr>
+              <a:t>reapply</a:t>
+            </a:r>
+          </a:p>
+          <a:p>
+            <a:pPr marL="266700" lvl="1" indent="0">
+              <a:buNone/>
+            </a:pPr>
+            <a:r>
+              <a:rPr lang="en-US" altLang="ko-KR" dirty="0" smtClean="0">
+                <a:solidFill>
+                  <a:srgbClr val="FF0000"/>
+                </a:solidFill>
+              </a:rPr>
+              <a:t>$ ls</a:t>
+            </a:r>
+            <a:endParaRPr lang="en-US" altLang="ko-KR" dirty="0">
+              <a:solidFill>
+                <a:srgbClr val="FF0000"/>
+              </a:solidFill>
+            </a:endParaRPr>
+          </a:p>
+          <a:p>
+            <a:pPr marL="266700" lvl="1" indent="0">
+              <a:buNone/>
+            </a:pPr>
+            <a:endParaRPr lang="en-US" altLang="ko-KR" dirty="0">
+              <a:solidFill>
+                <a:srgbClr val="FF0000"/>
+              </a:solidFill>
+            </a:endParaRPr>
           </a:p>
         </p:txBody>
       </p:sp>
     </p:spTree>
     <p:extLst>
       <p:ext uri="{BB962C8B-B14F-4D97-AF65-F5344CB8AC3E}">
-        <p14:creationId xmlns:p14="http://schemas.microsoft.com/office/powerpoint/2010/main" val="924107467"/>
+        <p14:creationId xmlns:p14="http://schemas.microsoft.com/office/powerpoint/2010/main" val="3788858675"/>
       </p:ext>
     </p:extLst>
   </p:cSld>
@@ -18487,287 +18776,195 @@
           <a:p>
             <a:r>
               <a:rPr lang="ko-KR" altLang="en-US" dirty="0" smtClean="0"/>
-              <a:t>원하는 폴더나 파일만 </a:t>
-            </a:r>
-            <a:r>
-              <a:rPr lang="en-US" altLang="ko-KR" dirty="0" smtClean="0"/>
-              <a:t>clone</a:t>
-            </a:r>
-            <a:r>
-              <a:rPr lang="ko-KR" altLang="en-US" dirty="0" smtClean="0"/>
-              <a:t>하여 사용하기</a:t>
-            </a:r>
-            <a:endParaRPr lang="en-US" altLang="ko-KR" dirty="0"/>
+              <a:t>원하는 폴더나 파일만 사용하기</a:t>
+            </a:r>
+            <a:endParaRPr lang="en-US" altLang="ko-KR" dirty="0" smtClean="0"/>
           </a:p>
           <a:p>
             <a:pPr marL="266700" lvl="1" indent="0">
               <a:buNone/>
             </a:pPr>
+            <a:endParaRPr lang="en-US" altLang="ko-KR" dirty="0" smtClean="0"/>
+          </a:p>
+          <a:p>
+            <a:pPr marL="266700" lvl="1" indent="0">
+              <a:buNone/>
+            </a:pPr>
             <a:r>
               <a:rPr lang="en-US" altLang="ko-KR" dirty="0" smtClean="0"/>
               <a:t>$ </a:t>
             </a:r>
             <a:r>
               <a:rPr lang="en-US" altLang="ko-KR" dirty="0" err="1" smtClean="0"/>
-              <a:t>mkdir</a:t>
+              <a:t>git</a:t>
             </a:r>
             <a:r>
               <a:rPr lang="en-US" altLang="ko-KR" dirty="0" smtClean="0"/>
-              <a:t> &lt;repo&gt;</a:t>
+              <a:t> sparse-checkout list</a:t>
             </a:r>
           </a:p>
           <a:p>
             <a:pPr marL="266700" lvl="1" indent="0">
               <a:buNone/>
             </a:pPr>
-            <a:r>
-              <a:rPr lang="en-US" altLang="ko-KR" dirty="0" smtClean="0"/>
-              <a:t>$ cd &lt;repo&gt;</a:t>
-            </a:r>
+            <a:endParaRPr lang="en-US" altLang="ko-KR" dirty="0"/>
           </a:p>
           <a:p>
             <a:pPr marL="266700" lvl="1" indent="0">
               <a:buNone/>
             </a:pPr>
             <a:r>
-              <a:rPr lang="en-US" altLang="ko-KR" dirty="0"/>
-              <a:t>$</a:t>
+              <a:rPr lang="en-US" altLang="ko-KR" dirty="0" err="1" smtClean="0"/>
+              <a:t>Git</a:t>
+            </a:r>
+            <a:r>
+              <a:rPr lang="en-US" altLang="ko-KR" dirty="0" smtClean="0"/>
+              <a:t> read-tree –mu HEAD</a:t>
+            </a:r>
+            <a:r>
+              <a:rPr lang="ko-KR" altLang="en-US" dirty="0" smtClean="0"/>
+              <a:t>는 언제 사용하나</a:t>
+            </a:r>
+            <a:r>
+              <a:rPr lang="en-US" altLang="ko-KR" dirty="0"/>
+              <a:t> </a:t>
+            </a:r>
+            <a:endParaRPr lang="en-US" altLang="ko-KR" dirty="0" smtClean="0"/>
+          </a:p>
+          <a:p>
+            <a:pPr marL="266700" lvl="1" indent="0">
+              <a:buNone/>
+            </a:pPr>
+            <a:r>
+              <a:rPr lang="en-US" altLang="ko-KR" dirty="0" smtClean="0"/>
+              <a:t>-&gt; </a:t>
+            </a:r>
+            <a:r>
+              <a:rPr lang="ko-KR" altLang="en-US" dirty="0" smtClean="0"/>
+              <a:t>이제는 </a:t>
+            </a:r>
+            <a:r>
+              <a:rPr lang="en-US" altLang="ko-KR" dirty="0" smtClean="0"/>
+              <a:t>sparse-checkout set</a:t>
+            </a:r>
+            <a:r>
+              <a:rPr lang="ko-KR" altLang="en-US" dirty="0" smtClean="0"/>
+              <a:t>으로 대체</a:t>
+            </a:r>
+            <a:r>
+              <a:rPr lang="en-US" altLang="ko-KR" dirty="0" smtClean="0"/>
+              <a:t>(reload</a:t>
+            </a:r>
+            <a:r>
+              <a:rPr lang="ko-KR" altLang="en-US" dirty="0" smtClean="0"/>
+              <a:t>의 역할도 같이함</a:t>
+            </a:r>
+            <a:r>
+              <a:rPr lang="en-US" altLang="ko-KR" dirty="0" smtClean="0"/>
+              <a:t>)</a:t>
+            </a:r>
+          </a:p>
+          <a:p>
+            <a:pPr marL="266700" lvl="1" indent="0">
+              <a:buNone/>
+            </a:pPr>
+            <a:r>
+              <a:rPr lang="en-US" altLang="ko-KR" dirty="0" smtClean="0"/>
+              <a:t>Echo</a:t>
+            </a:r>
+            <a:r>
+              <a:rPr lang="ko-KR" altLang="en-US" dirty="0" smtClean="0"/>
+              <a:t>를</a:t>
             </a:r>
             <a:r>
               <a:rPr lang="en-US" altLang="ko-KR" dirty="0" smtClean="0"/>
               <a:t> </a:t>
             </a:r>
             <a:r>
-              <a:rPr lang="en-US" altLang="ko-KR" dirty="0" err="1" smtClean="0">
-                <a:solidFill>
-                  <a:srgbClr val="FF0000"/>
-                </a:solidFill>
-              </a:rPr>
-              <a:t>git</a:t>
-            </a:r>
-            <a:r>
-              <a:rPr lang="en-US" altLang="ko-KR" dirty="0" smtClean="0">
-                <a:solidFill>
-                  <a:srgbClr val="FF0000"/>
-                </a:solidFill>
-              </a:rPr>
-              <a:t> </a:t>
-            </a:r>
-            <a:r>
-              <a:rPr lang="en-US" altLang="ko-KR" dirty="0" err="1" smtClean="0">
-                <a:solidFill>
-                  <a:srgbClr val="FF0000"/>
-                </a:solidFill>
-              </a:rPr>
-              <a:t>init</a:t>
-            </a:r>
-            <a:endParaRPr lang="en-US" altLang="ko-KR" dirty="0">
-              <a:solidFill>
-                <a:srgbClr val="FF0000"/>
-              </a:solidFill>
-            </a:endParaRPr>
+              <a:rPr lang="ko-KR" altLang="en-US" dirty="0" smtClean="0"/>
+              <a:t>이용하여 </a:t>
+            </a:r>
+            <a:r>
+              <a:rPr lang="en-US" altLang="ko-KR" dirty="0" smtClean="0"/>
+              <a:t>sparse-checkout</a:t>
+            </a:r>
+            <a:r>
+              <a:rPr lang="ko-KR" altLang="en-US" dirty="0" smtClean="0"/>
+              <a:t>에 내용을 추가하였을 경우 </a:t>
+            </a:r>
+            <a:r>
+              <a:rPr lang="en-US" altLang="ko-KR" dirty="0" smtClean="0"/>
+              <a:t>read-tree </a:t>
+            </a:r>
+            <a:r>
+              <a:rPr lang="ko-KR" altLang="en-US" dirty="0" smtClean="0"/>
+              <a:t>사용</a:t>
+            </a:r>
+            <a:endParaRPr lang="en-US" altLang="ko-KR" dirty="0" smtClean="0"/>
           </a:p>
           <a:p>
             <a:pPr marL="266700" lvl="1" indent="0">
               <a:buNone/>
             </a:pPr>
-            <a:r>
-              <a:rPr lang="en-US" altLang="ko-KR" dirty="0" smtClean="0"/>
-              <a:t>Remote</a:t>
-            </a:r>
-            <a:r>
-              <a:rPr lang="ko-KR" altLang="en-US" dirty="0" smtClean="0"/>
-              <a:t>와 연계된 내용이 없는 </a:t>
-            </a:r>
-            <a:r>
-              <a:rPr lang="en-US" altLang="ko-KR" dirty="0" smtClean="0"/>
-              <a:t>repo</a:t>
-            </a:r>
-            <a:r>
-              <a:rPr lang="ko-KR" altLang="en-US" dirty="0" smtClean="0"/>
-              <a:t>를 만들고 </a:t>
-            </a:r>
-            <a:r>
-              <a:rPr lang="en-US" altLang="ko-KR" dirty="0" smtClean="0"/>
-              <a:t>fetch</a:t>
-            </a:r>
-            <a:r>
-              <a:rPr lang="ko-KR" altLang="en-US" dirty="0" smtClean="0"/>
-              <a:t>를 진행</a:t>
-            </a:r>
-            <a:r>
-              <a:rPr lang="en-US" altLang="ko-KR" dirty="0" smtClean="0"/>
-              <a:t>. </a:t>
-            </a:r>
-            <a:r>
-              <a:rPr lang="ko-KR" altLang="en-US" dirty="0" smtClean="0"/>
-              <a:t>내용을 </a:t>
-            </a:r>
-            <a:r>
-              <a:rPr lang="en-US" altLang="ko-KR" dirty="0" smtClean="0"/>
-              <a:t>checkout </a:t>
-            </a:r>
-            <a:r>
-              <a:rPr lang="ko-KR" altLang="en-US" dirty="0" smtClean="0"/>
-              <a:t>하지 않음</a:t>
-            </a:r>
-            <a:r>
-              <a:rPr lang="en-US" altLang="ko-KR" dirty="0" smtClean="0"/>
-              <a:t>.</a:t>
-            </a:r>
+            <a:endParaRPr lang="en-US" altLang="ko-KR" dirty="0"/>
           </a:p>
           <a:p>
             <a:pPr marL="266700" lvl="1" indent="0">
               <a:buNone/>
             </a:pPr>
             <a:r>
-              <a:rPr lang="en-US" altLang="ko-KR" dirty="0" smtClean="0">
-                <a:solidFill>
-                  <a:srgbClr val="FF0000"/>
-                </a:solidFill>
-              </a:rPr>
-              <a:t>$ </a:t>
-            </a:r>
-            <a:r>
-              <a:rPr lang="en-US" altLang="ko-KR" dirty="0" err="1" smtClean="0">
-                <a:solidFill>
-                  <a:srgbClr val="FF0000"/>
-                </a:solidFill>
-              </a:rPr>
-              <a:t>git</a:t>
-            </a:r>
-            <a:r>
-              <a:rPr lang="en-US" altLang="ko-KR" dirty="0" smtClean="0">
-                <a:solidFill>
-                  <a:srgbClr val="FF0000"/>
-                </a:solidFill>
-              </a:rPr>
-              <a:t> remote add  -f </a:t>
-            </a:r>
-            <a:r>
-              <a:rPr lang="en-US" altLang="ko-KR" smtClean="0">
-                <a:solidFill>
-                  <a:srgbClr val="FF0000"/>
-                </a:solidFill>
-              </a:rPr>
-              <a:t>origin </a:t>
-            </a:r>
-            <a:r>
-              <a:rPr lang="en-US" altLang="ko-KR">
-                <a:solidFill>
-                  <a:srgbClr val="FF0000"/>
-                </a:solidFill>
-                <a:hlinkClick r:id="rId3"/>
-              </a:rPr>
-              <a:t>https</a:t>
-            </a:r>
-            <a:r>
-              <a:rPr lang="en-US" altLang="ko-KR">
-                <a:solidFill>
-                  <a:srgbClr val="FF0000"/>
-                </a:solidFill>
-                <a:hlinkClick r:id="rId3"/>
-              </a:rPr>
-              <a:t>://</a:t>
-            </a:r>
-            <a:r>
-              <a:rPr lang="en-US" altLang="ko-KR" smtClean="0">
-                <a:solidFill>
-                  <a:srgbClr val="FF0000"/>
-                </a:solidFill>
-                <a:hlinkClick r:id="rId3"/>
-              </a:rPr>
-              <a:t>github.com/fasthill/hello_python.git</a:t>
-            </a:r>
-            <a:endParaRPr lang="en-US" altLang="ko-KR" smtClean="0">
-              <a:solidFill>
-                <a:srgbClr val="FF0000"/>
-              </a:solidFill>
-            </a:endParaRPr>
+              <a:rPr lang="ko-KR" altLang="en-US" dirty="0" smtClean="0"/>
+              <a:t>혹은 </a:t>
+            </a:r>
+            <a:r>
+              <a:rPr lang="en-US" altLang="ko-KR" dirty="0" smtClean="0"/>
+              <a:t>disable</a:t>
+            </a:r>
+            <a:r>
+              <a:rPr lang="ko-KR" altLang="en-US" dirty="0" smtClean="0"/>
+              <a:t>후에 </a:t>
+            </a:r>
+            <a:r>
+              <a:rPr lang="en-US" altLang="ko-KR" dirty="0" err="1" smtClean="0"/>
+              <a:t>reappy</a:t>
+            </a:r>
+            <a:r>
+              <a:rPr lang="ko-KR" altLang="en-US" dirty="0" smtClean="0"/>
+              <a:t>를 하면 됨</a:t>
+            </a:r>
+            <a:r>
+              <a:rPr lang="en-US" altLang="ko-KR" dirty="0" smtClean="0"/>
+              <a:t>.(reapply</a:t>
+            </a:r>
+            <a:r>
+              <a:rPr lang="ko-KR" altLang="en-US" dirty="0" smtClean="0"/>
+              <a:t>하면서 </a:t>
+            </a:r>
+            <a:r>
+              <a:rPr lang="en-US" altLang="ko-KR" dirty="0" smtClean="0"/>
+              <a:t>sparse-checkout</a:t>
+            </a:r>
+            <a:r>
+              <a:rPr lang="ko-KR" altLang="en-US" dirty="0" smtClean="0"/>
+              <a:t>을 다시 읽어서 진행</a:t>
+            </a:r>
+            <a:r>
+              <a:rPr lang="en-US" altLang="ko-KR" dirty="0" smtClean="0"/>
+              <a:t>)</a:t>
+            </a:r>
           </a:p>
           <a:p>
             <a:pPr marL="266700" lvl="1" indent="0">
               <a:buNone/>
             </a:pPr>
-            <a:r>
-              <a:rPr lang="en-US" altLang="ko-KR" smtClean="0">
-                <a:solidFill>
-                  <a:srgbClr val="FF0000"/>
-                </a:solidFill>
-              </a:rPr>
-              <a:t>$ </a:t>
-            </a:r>
-            <a:r>
-              <a:rPr lang="en-US" altLang="ko-KR" dirty="0" err="1" smtClean="0">
-                <a:solidFill>
-                  <a:srgbClr val="FF0000"/>
-                </a:solidFill>
-              </a:rPr>
-              <a:t>git</a:t>
-            </a:r>
-            <a:r>
-              <a:rPr lang="en-US" altLang="ko-KR" dirty="0" smtClean="0">
-                <a:solidFill>
-                  <a:srgbClr val="FF0000"/>
-                </a:solidFill>
-              </a:rPr>
-              <a:t> sparse-checkout set test5.py</a:t>
-            </a:r>
-            <a:endParaRPr lang="en-US" altLang="ko-KR" dirty="0" smtClean="0">
-              <a:solidFill>
-                <a:srgbClr val="FF0000"/>
-              </a:solidFill>
-            </a:endParaRPr>
-          </a:p>
-          <a:p>
-            <a:pPr marL="266700" lvl="1" indent="0">
-              <a:buNone/>
-            </a:pPr>
-            <a:r>
-              <a:rPr lang="en-US" altLang="ko-KR" dirty="0" smtClean="0"/>
-              <a:t>Bash configuration</a:t>
-            </a:r>
-          </a:p>
-          <a:p>
-            <a:pPr marL="266700" lvl="1" indent="0">
-              <a:buNone/>
-            </a:pPr>
-            <a:r>
-              <a:rPr lang="en-US" altLang="ko-KR" dirty="0" smtClean="0">
-                <a:solidFill>
-                  <a:srgbClr val="FF0000"/>
-                </a:solidFill>
-              </a:rPr>
-              <a:t>$ </a:t>
-            </a:r>
-            <a:r>
-              <a:rPr lang="en-US" altLang="ko-KR" dirty="0" err="1" smtClean="0">
-                <a:solidFill>
-                  <a:srgbClr val="FF0000"/>
-                </a:solidFill>
-              </a:rPr>
-              <a:t>git</a:t>
-            </a:r>
-            <a:r>
-              <a:rPr lang="en-US" altLang="ko-KR" dirty="0" smtClean="0">
-                <a:solidFill>
-                  <a:srgbClr val="FF0000"/>
-                </a:solidFill>
-              </a:rPr>
-              <a:t> pull origin main</a:t>
-            </a:r>
-            <a:endParaRPr lang="en-US" altLang="ko-KR" dirty="0">
-              <a:solidFill>
-                <a:srgbClr val="FF0000"/>
-              </a:solidFill>
-            </a:endParaRPr>
+            <a:endParaRPr lang="en-US" altLang="ko-KR" dirty="0"/>
           </a:p>
         </p:txBody>
       </p:sp>
     </p:spTree>
     <p:extLst>
       <p:ext uri="{BB962C8B-B14F-4D97-AF65-F5344CB8AC3E}">
-        <p14:creationId xmlns:p14="http://schemas.microsoft.com/office/powerpoint/2010/main" val="3788858675"/>
+        <p14:creationId xmlns:p14="http://schemas.microsoft.com/office/powerpoint/2010/main" val="924107467"/>
       </p:ext>
     </p:extLst>
   </p:cSld>

--- a/git및github첫걸음11-명령어모음.pptx
+++ b/git및github첫걸음11-명령어모음.pptx
@@ -2657,6 +2657,124 @@
           <a:bodyPr/>
           <a:lstStyle/>
           <a:p>
+            <a:r>
+              <a:rPr lang="en-US" altLang="ko-KR" dirty="0" err="1" smtClean="0"/>
+              <a:t>Git</a:t>
+            </a:r>
+            <a:r>
+              <a:rPr lang="en-US" altLang="ko-KR" dirty="0" smtClean="0"/>
+              <a:t> </a:t>
+            </a:r>
+            <a:r>
+              <a:rPr lang="en-US" altLang="ko-KR" dirty="0" err="1" smtClean="0"/>
+              <a:t>config</a:t>
+            </a:r>
+            <a:r>
+              <a:rPr lang="en-US" altLang="ko-KR" dirty="0" smtClean="0"/>
+              <a:t> </a:t>
+            </a:r>
+            <a:r>
+              <a:rPr lang="en-US" altLang="ko-KR" dirty="0" err="1" smtClean="0"/>
+              <a:t>core.sparseCheckout</a:t>
+            </a:r>
+            <a:r>
+              <a:rPr lang="en-US" altLang="ko-KR" baseline="0" dirty="0" smtClean="0"/>
+              <a:t> false, true </a:t>
+            </a:r>
+            <a:r>
+              <a:rPr lang="ko-KR" altLang="en-US" baseline="0" dirty="0" smtClean="0"/>
+              <a:t>를 이용할 때 </a:t>
+            </a:r>
+            <a:r>
+              <a:rPr lang="en-US" altLang="ko-KR" baseline="0" dirty="0" smtClean="0"/>
+              <a:t>false</a:t>
+            </a:r>
+            <a:r>
+              <a:rPr lang="ko-KR" altLang="en-US" baseline="0" dirty="0" smtClean="0"/>
+              <a:t>에서 </a:t>
+            </a:r>
+            <a:r>
+              <a:rPr lang="en-US" altLang="ko-KR" baseline="0" dirty="0" smtClean="0"/>
+              <a:t>true</a:t>
+            </a:r>
+            <a:r>
+              <a:rPr lang="ko-KR" altLang="en-US" baseline="0" dirty="0" smtClean="0"/>
+              <a:t>로 변경하였을 때 </a:t>
+            </a:r>
+            <a:r>
+              <a:rPr lang="en-US" altLang="ko-KR" baseline="0" dirty="0" err="1" smtClean="0"/>
+              <a:t>git</a:t>
+            </a:r>
+            <a:r>
+              <a:rPr lang="en-US" altLang="ko-KR" baseline="0" dirty="0" smtClean="0"/>
+              <a:t> read-tree –mu HEAD</a:t>
+            </a:r>
+            <a:r>
+              <a:rPr lang="ko-KR" altLang="en-US" baseline="0" dirty="0" smtClean="0"/>
+              <a:t>를</a:t>
+            </a:r>
+            <a:r>
+              <a:rPr lang="en-US" altLang="ko-KR" baseline="0" dirty="0" smtClean="0"/>
+              <a:t> </a:t>
+            </a:r>
+            <a:r>
+              <a:rPr lang="ko-KR" altLang="en-US" baseline="0" dirty="0" smtClean="0"/>
+              <a:t>같이 이용하여 </a:t>
+            </a:r>
+            <a:r>
+              <a:rPr lang="en-US" altLang="ko-KR" baseline="0" dirty="0" smtClean="0"/>
+              <a:t>ls –al</a:t>
+            </a:r>
+            <a:r>
+              <a:rPr lang="ko-KR" altLang="en-US" baseline="0" dirty="0" smtClean="0"/>
+              <a:t>로 </a:t>
+            </a:r>
+            <a:r>
+              <a:rPr lang="en-US" altLang="ko-KR" baseline="0" dirty="0" smtClean="0"/>
+              <a:t>working directory </a:t>
+            </a:r>
+            <a:r>
+              <a:rPr lang="ko-KR" altLang="en-US" baseline="0" dirty="0" smtClean="0"/>
+              <a:t>의 파일 확인 함</a:t>
+            </a:r>
+            <a:r>
+              <a:rPr lang="en-US" altLang="ko-KR" baseline="0" dirty="0" smtClean="0"/>
+              <a:t>.</a:t>
+            </a:r>
+          </a:p>
+          <a:p>
+            <a:r>
+              <a:rPr lang="en-US" altLang="ko-KR" dirty="0" err="1" smtClean="0"/>
+              <a:t>Config</a:t>
+            </a:r>
+            <a:r>
+              <a:rPr lang="en-US" altLang="ko-KR" dirty="0" smtClean="0"/>
+              <a:t> false, true</a:t>
+            </a:r>
+            <a:r>
+              <a:rPr lang="ko-KR" altLang="en-US" dirty="0" smtClean="0"/>
+              <a:t>를 이용할 때</a:t>
+            </a:r>
+            <a:r>
+              <a:rPr lang="en-US" altLang="ko-KR" dirty="0" smtClean="0"/>
+              <a:t>, sparse-checkout</a:t>
+            </a:r>
+            <a:r>
+              <a:rPr lang="en-US" altLang="ko-KR" baseline="0" dirty="0" smtClean="0"/>
+              <a:t> </a:t>
+            </a:r>
+            <a:r>
+              <a:rPr lang="en-US" altLang="ko-KR" baseline="0" dirty="0" err="1" smtClean="0"/>
+              <a:t>disabl</a:t>
+            </a:r>
+            <a:r>
+              <a:rPr lang="ko-KR" altLang="en-US" baseline="0" dirty="0" smtClean="0"/>
+              <a:t>은 먹지 않음</a:t>
+            </a:r>
+            <a:r>
+              <a:rPr lang="en-US" altLang="ko-KR" baseline="0" dirty="0" smtClean="0"/>
+              <a:t>.</a:t>
+            </a:r>
             <a:endParaRPr lang="ko-KR" altLang="en-US" dirty="0"/>
           </a:p>
         </p:txBody>
@@ -15272,11 +15390,6 @@
               </a:rPr>
               <a:t>)</a:t>
             </a:r>
-            <a:endParaRPr lang="en-US" altLang="ko-KR" dirty="0" smtClean="0">
-              <a:solidFill>
-                <a:srgbClr val="FF0000"/>
-              </a:solidFill>
-            </a:endParaRPr>
           </a:p>
           <a:p>
             <a:pPr marL="266700" lvl="1" indent="0">
@@ -18352,11 +18465,6 @@
               </a:rPr>
               <a:t>?</a:t>
             </a:r>
-            <a:endParaRPr lang="en-US" altLang="ko-KR" dirty="0" smtClean="0">
-              <a:solidFill>
-                <a:srgbClr val="FF0000"/>
-              </a:solidFill>
-            </a:endParaRPr>
           </a:p>
           <a:p>
             <a:pPr marL="266700" lvl="1" indent="0">
@@ -18384,52 +18492,36 @@
                   <a:srgbClr val="FF0000"/>
                 </a:solidFill>
               </a:rPr>
-              <a:t> </a:t>
-            </a:r>
+              <a:t> sparse-checkout set test5.py</a:t>
+            </a:r>
+          </a:p>
+          <a:p>
+            <a:pPr marL="266700" lvl="1" indent="0">
+              <a:buNone/>
+            </a:pPr>
             <a:r>
               <a:rPr lang="en-US" altLang="ko-KR" dirty="0" smtClean="0">
                 <a:solidFill>
                   <a:srgbClr val="FF0000"/>
                 </a:solidFill>
               </a:rPr>
-              <a:t>sparse-checkout set test5.py</a:t>
-            </a:r>
-          </a:p>
-          <a:p>
-            <a:pPr marL="266700" lvl="1" indent="0">
-              <a:buNone/>
-            </a:pPr>
+              <a:t>$ </a:t>
+            </a:r>
+            <a:r>
+              <a:rPr lang="en-US" altLang="ko-KR" dirty="0" err="1" smtClean="0">
+                <a:solidFill>
+                  <a:srgbClr val="FF0000"/>
+                </a:solidFill>
+              </a:rPr>
+              <a:t>git</a:t>
+            </a:r>
             <a:r>
               <a:rPr lang="en-US" altLang="ko-KR" dirty="0" smtClean="0">
                 <a:solidFill>
                   <a:srgbClr val="FF0000"/>
                 </a:solidFill>
               </a:rPr>
-              <a:t>$ </a:t>
-            </a:r>
-            <a:r>
-              <a:rPr lang="en-US" altLang="ko-KR" dirty="0" err="1" smtClean="0">
-                <a:solidFill>
-                  <a:srgbClr val="FF0000"/>
-                </a:solidFill>
-              </a:rPr>
-              <a:t>git</a:t>
-            </a:r>
-            <a:r>
-              <a:rPr lang="en-US" altLang="ko-KR" dirty="0" smtClean="0">
-                <a:solidFill>
-                  <a:srgbClr val="FF0000"/>
-                </a:solidFill>
-              </a:rPr>
-              <a:t> pull origin </a:t>
-            </a:r>
-            <a:r>
-              <a:rPr lang="en-US" altLang="ko-KR" dirty="0" smtClean="0">
-                <a:solidFill>
-                  <a:srgbClr val="FF0000"/>
-                </a:solidFill>
-              </a:rPr>
-              <a:t>main</a:t>
+              <a:t> pull origin main</a:t>
             </a:r>
           </a:p>
           <a:p>

--- a/git및github첫걸음11-명령어모음.pptx
+++ b/git및github첫걸음11-명령어모음.pptx
@@ -2739,8 +2739,21 @@
             </a:r>
             <a:r>
               <a:rPr lang="en-US" altLang="ko-KR" baseline="0" dirty="0" smtClean="0"/>
-              <a:t>.</a:t>
-            </a:r>
+              <a:t>.(true</a:t>
+            </a:r>
+            <a:r>
+              <a:rPr lang="ko-KR" altLang="en-US" baseline="0" dirty="0" err="1" smtClean="0"/>
+              <a:t>일때만</a:t>
+            </a:r>
+            <a:r>
+              <a:rPr lang="ko-KR" altLang="en-US" baseline="0" dirty="0" smtClean="0"/>
+              <a:t> 동작함</a:t>
+            </a:r>
+            <a:r>
+              <a:rPr lang="en-US" altLang="ko-KR" baseline="0" dirty="0" smtClean="0"/>
+              <a:t>)</a:t>
+            </a:r>
+            <a:endParaRPr lang="en-US" altLang="ko-KR" baseline="0" dirty="0" smtClean="0"/>
           </a:p>
           <a:p>
             <a:r>
@@ -2769,7 +2782,11 @@
             </a:r>
             <a:r>
               <a:rPr lang="ko-KR" altLang="en-US" baseline="0" dirty="0" smtClean="0"/>
-              <a:t>은 먹지 않음</a:t>
+              <a:t>은 </a:t>
+            </a:r>
+            <a:r>
+              <a:rPr lang="ko-KR" altLang="en-US" baseline="0" dirty="0" smtClean="0"/>
+              <a:t>먹지 않음</a:t>
             </a:r>
             <a:r>
               <a:rPr lang="en-US" altLang="ko-KR" baseline="0" dirty="0" smtClean="0"/>

--- a/git및github첫걸음11-명령어모음.pptx
+++ b/git및github첫걸음11-명령어모음.pptx
@@ -246,7 +246,7 @@
           <a:p>
             <a:fld id="{A17B9194-BDE3-40E3-983E-94CE6FA773AF}" type="datetimeFigureOut">
               <a:rPr lang="ko-KR" altLang="en-US" smtClean="0"/>
-              <a:t>2021-04-24</a:t>
+              <a:t>2021-04-25</a:t>
             </a:fld>
             <a:endParaRPr lang="ko-KR" altLang="en-US"/>
           </a:p>
@@ -2753,7 +2753,6 @@
               <a:rPr lang="en-US" altLang="ko-KR" baseline="0" dirty="0" smtClean="0"/>
               <a:t>)</a:t>
             </a:r>
-            <a:endParaRPr lang="en-US" altLang="ko-KR" baseline="0" dirty="0" smtClean="0"/>
           </a:p>
           <a:p>
             <a:r>
@@ -2782,11 +2781,7 @@
             </a:r>
             <a:r>
               <a:rPr lang="ko-KR" altLang="en-US" baseline="0" dirty="0" smtClean="0"/>
-              <a:t>은 </a:t>
-            </a:r>
-            <a:r>
-              <a:rPr lang="ko-KR" altLang="en-US" baseline="0" dirty="0" smtClean="0"/>
-              <a:t>먹지 않음</a:t>
+              <a:t>은 먹지 않음</a:t>
             </a:r>
             <a:r>
               <a:rPr lang="en-US" altLang="ko-KR" baseline="0" dirty="0" smtClean="0"/>
@@ -3197,8 +3192,43 @@
             </a:r>
             <a:r>
               <a:rPr lang="ko-KR" altLang="en-US" baseline="0" dirty="0" smtClean="0"/>
-              <a:t>을 다시 동작 시킴</a:t>
-            </a:r>
+              <a:t>을 다시 동작 </a:t>
+            </a:r>
+            <a:r>
+              <a:rPr lang="ko-KR" altLang="en-US" baseline="0" dirty="0" smtClean="0"/>
+              <a:t>시킴</a:t>
+            </a:r>
+            <a:endParaRPr lang="en-US" altLang="ko-KR" baseline="0" dirty="0" smtClean="0"/>
+          </a:p>
+          <a:p>
+            <a:pPr marL="0" marR="0" indent="0" algn="l" defTabSz="914400" rtl="0" eaLnBrk="1" fontAlgn="auto" latinLnBrk="1" hangingPunct="1">
+              <a:lnSpc>
+                <a:spcPct val="100000"/>
+              </a:lnSpc>
+              <a:spcBef>
+                <a:spcPts val="0"/>
+              </a:spcBef>
+              <a:spcAft>
+                <a:spcPts val="0"/>
+              </a:spcAft>
+              <a:buClrTx/>
+              <a:buSzTx/>
+              <a:buFontTx/>
+              <a:buNone/>
+              <a:tabLst/>
+              <a:defRPr/>
+            </a:pPr>
+            <a:r>
+              <a:rPr lang="en-US" altLang="ko-KR" dirty="0" smtClean="0"/>
+              <a:t>Re: regular</a:t>
+            </a:r>
+            <a:r>
+              <a:rPr lang="en-US" altLang="ko-KR" baseline="0" dirty="0" smtClean="0"/>
+              <a:t> expression</a:t>
+            </a:r>
+            <a:endParaRPr lang="ko-KR" altLang="en-US" dirty="0" smtClean="0"/>
+          </a:p>
+          <a:p>
             <a:endParaRPr lang="ko-KR" altLang="en-US" dirty="0"/>
           </a:p>
         </p:txBody>
@@ -3283,6 +3313,14 @@
           <a:bodyPr/>
           <a:lstStyle/>
           <a:p>
+            <a:r>
+              <a:rPr lang="en-US" altLang="ko-KR" dirty="0" smtClean="0"/>
+              <a:t>Re: regular</a:t>
+            </a:r>
+            <a:r>
+              <a:rPr lang="en-US" altLang="ko-KR" baseline="0" dirty="0" smtClean="0"/>
+              <a:t> expression</a:t>
+            </a:r>
             <a:endParaRPr lang="ko-KR" altLang="en-US" dirty="0"/>
           </a:p>
         </p:txBody>
@@ -3535,6 +3573,16 @@
           <a:bodyPr/>
           <a:lstStyle/>
           <a:p>
+            <a:r>
+              <a:rPr lang="en-US" altLang="ko-KR" dirty="0" smtClean="0"/>
+              <a:t>https://stackoverflow.com/questions/28760940/why-does-one-call-git-read-tree-after-a-sparse-checkout</a:t>
+            </a:r>
+          </a:p>
+          <a:p>
+            <a:r>
+              <a:rPr lang="en-US" altLang="ko-KR" dirty="0" smtClean="0"/>
+              <a:t>https://stackoverflow.com/questions/9572407/git-sparse-checkout-with-exclusion</a:t>
+            </a:r>
             <a:endParaRPr lang="ko-KR" altLang="en-US" dirty="0"/>
           </a:p>
         </p:txBody>
@@ -16860,7 +16908,27 @@
             </a:r>
             <a:r>
               <a:rPr lang="ko-KR" altLang="en-US" dirty="0" smtClean="0"/>
-              <a:t>내용을 보여줌</a:t>
+              <a:t>내용을 </a:t>
+            </a:r>
+            <a:r>
+              <a:rPr lang="ko-KR" altLang="en-US" dirty="0" smtClean="0"/>
+              <a:t>보여줌 </a:t>
+            </a:r>
+            <a:r>
+              <a:rPr lang="en-US" altLang="ko-KR" dirty="0" smtClean="0"/>
+              <a:t>(re</a:t>
+            </a:r>
+            <a:r>
+              <a:rPr lang="ko-KR" altLang="en-US" dirty="0" smtClean="0"/>
+              <a:t>는 보여주지 </a:t>
+            </a:r>
+            <a:r>
+              <a:rPr lang="ko-KR" altLang="en-US" dirty="0" smtClean="0"/>
+              <a:t>않음</a:t>
+            </a:r>
+            <a:r>
+              <a:rPr lang="en-US" altLang="ko-KR" dirty="0" smtClean="0"/>
+              <a:t>)</a:t>
             </a:r>
             <a:endParaRPr lang="en-US" altLang="ko-KR" dirty="0" smtClean="0"/>
           </a:p>
@@ -17292,7 +17360,23 @@
             </a:r>
             <a:r>
               <a:rPr lang="en-US" altLang="ko-KR" dirty="0" smtClean="0"/>
-              <a:t>list</a:t>
+              <a:t>list # sparse-checkout </a:t>
+            </a:r>
+            <a:r>
+              <a:rPr lang="ko-KR" altLang="en-US" dirty="0" smtClean="0"/>
+              <a:t>파일에 있는 내용을 보여줌 </a:t>
+            </a:r>
+            <a:r>
+              <a:rPr lang="en-US" altLang="ko-KR" dirty="0" smtClean="0"/>
+              <a:t>(re</a:t>
+            </a:r>
+            <a:r>
+              <a:rPr lang="ko-KR" altLang="en-US" dirty="0" smtClean="0"/>
+              <a:t>는 보여주지 않음</a:t>
+            </a:r>
+            <a:r>
+              <a:rPr lang="en-US" altLang="ko-KR" dirty="0" smtClean="0"/>
+              <a:t>)</a:t>
             </a:r>
           </a:p>
           <a:p>
@@ -17708,11 +17792,15 @@
             </a:r>
             <a:r>
               <a:rPr lang="en-US" altLang="ko-KR" dirty="0" smtClean="0"/>
-              <a:t>clone</a:t>
+              <a:t>pull</a:t>
             </a:r>
             <a:r>
               <a:rPr lang="ko-KR" altLang="en-US" dirty="0" smtClean="0"/>
-              <a:t>하여 사용하기</a:t>
+              <a:t>하여 </a:t>
+            </a:r>
+            <a:r>
+              <a:rPr lang="ko-KR" altLang="en-US" dirty="0" smtClean="0"/>
+              <a:t>사용하기</a:t>
             </a:r>
             <a:endParaRPr lang="en-US" altLang="ko-KR" dirty="0"/>
           </a:p>
@@ -17910,7 +17998,7 @@
             </a:r>
             <a:r>
               <a:rPr lang="en-US" altLang="ko-KR" dirty="0" smtClean="0"/>
-              <a:t>.</a:t>
+              <a:t>. </a:t>
             </a:r>
           </a:p>
           <a:p>
@@ -17918,78 +18006,268 @@
               <a:buNone/>
             </a:pPr>
             <a:r>
+              <a:rPr lang="ko-KR" altLang="en-US" dirty="0" smtClean="0">
+                <a:latin typeface="맑은 고딕" panose="020B0503020000020004" pitchFamily="50" charset="-127"/>
+                <a:ea typeface="맑은 고딕" panose="020B0503020000020004" pitchFamily="50" charset="-127"/>
+              </a:rPr>
+              <a:t>※ </a:t>
+            </a:r>
+            <a:r>
+              <a:rPr lang="en-US" altLang="ko-KR" dirty="0" smtClean="0">
+                <a:latin typeface="맑은 고딕" panose="020B0503020000020004" pitchFamily="50" charset="-127"/>
+                <a:ea typeface="맑은 고딕" panose="020B0503020000020004" pitchFamily="50" charset="-127"/>
+              </a:rPr>
+              <a:t>command </a:t>
+            </a:r>
+            <a:r>
+              <a:rPr lang="ko-KR" altLang="en-US" dirty="0" smtClean="0">
+                <a:latin typeface="맑은 고딕" panose="020B0503020000020004" pitchFamily="50" charset="-127"/>
+                <a:ea typeface="맑은 고딕" panose="020B0503020000020004" pitchFamily="50" charset="-127"/>
+              </a:rPr>
+              <a:t>라인 마지막에 </a:t>
+            </a:r>
+            <a:r>
+              <a:rPr lang="en-US" altLang="ko-KR" dirty="0">
+                <a:latin typeface="맑은 고딕" panose="020B0503020000020004" pitchFamily="50" charset="-127"/>
+              </a:rPr>
+              <a:t>(</a:t>
+            </a:r>
+            <a:r>
+              <a:rPr lang="en-US" altLang="ko-KR" dirty="0" err="1" smtClean="0"/>
+              <a:t>main|SPARSE</a:t>
+            </a:r>
+            <a:r>
+              <a:rPr lang="en-US" altLang="ko-KR" dirty="0" smtClean="0"/>
+              <a:t>) </a:t>
+            </a:r>
+            <a:r>
+              <a:rPr lang="ko-KR" altLang="en-US" dirty="0" smtClean="0"/>
+              <a:t>표시는 </a:t>
+            </a:r>
+            <a:r>
+              <a:rPr lang="en-US" altLang="ko-KR" dirty="0" smtClean="0"/>
+              <a:t>disable</a:t>
+            </a:r>
+            <a:r>
+              <a:rPr lang="ko-KR" altLang="en-US" dirty="0" smtClean="0"/>
+              <a:t>과 동시에 </a:t>
+            </a:r>
+            <a:r>
+              <a:rPr lang="en-US" altLang="ko-KR" dirty="0">
+                <a:latin typeface="맑은 고딕" panose="020B0503020000020004" pitchFamily="50" charset="-127"/>
+              </a:rPr>
+              <a:t>(</a:t>
+            </a:r>
+            <a:r>
+              <a:rPr lang="en-US" altLang="ko-KR" dirty="0" smtClean="0"/>
+              <a:t>main)</a:t>
+            </a:r>
+            <a:r>
+              <a:rPr lang="ko-KR" altLang="en-US" dirty="0" smtClean="0"/>
+              <a:t>으로만</a:t>
+            </a:r>
+            <a:endParaRPr lang="en-US" altLang="ko-KR" dirty="0" smtClean="0"/>
+          </a:p>
+          <a:p>
+            <a:pPr marL="266700" lvl="1" indent="0">
+              <a:buNone/>
+            </a:pPr>
+            <a:r>
+              <a:rPr lang="en-US" altLang="ko-KR" dirty="0"/>
+              <a:t> </a:t>
+            </a:r>
+            <a:r>
+              <a:rPr lang="en-US" altLang="ko-KR" dirty="0" smtClean="0"/>
+              <a:t>    </a:t>
+            </a:r>
+            <a:r>
+              <a:rPr lang="ko-KR" altLang="en-US" dirty="0" smtClean="0"/>
+              <a:t>표현되고</a:t>
+            </a:r>
+            <a:r>
+              <a:rPr lang="en-US" altLang="ko-KR" dirty="0" smtClean="0"/>
+              <a:t>, reapply</a:t>
+            </a:r>
+            <a:r>
+              <a:rPr lang="ko-KR" altLang="en-US" dirty="0" smtClean="0"/>
+              <a:t>해도 </a:t>
+            </a:r>
+            <a:r>
+              <a:rPr lang="en-US" altLang="ko-KR" dirty="0">
+                <a:latin typeface="맑은 고딕" panose="020B0503020000020004" pitchFamily="50" charset="-127"/>
+              </a:rPr>
+              <a:t>(</a:t>
+            </a:r>
+            <a:r>
+              <a:rPr lang="en-US" altLang="ko-KR" dirty="0" err="1"/>
+              <a:t>main|SPARSE</a:t>
+            </a:r>
+            <a:r>
+              <a:rPr lang="en-US" altLang="ko-KR" dirty="0"/>
+              <a:t>) </a:t>
+            </a:r>
+            <a:r>
+              <a:rPr lang="ko-KR" altLang="en-US" dirty="0" smtClean="0"/>
+              <a:t>로 표현되지 않음</a:t>
+            </a:r>
+            <a:r>
+              <a:rPr lang="en-US" altLang="ko-KR" dirty="0" smtClean="0"/>
+              <a:t>. </a:t>
+            </a:r>
+            <a:r>
+              <a:rPr lang="ko-KR" altLang="en-US" dirty="0" smtClean="0"/>
+              <a:t>따라서  </a:t>
+            </a:r>
+            <a:r>
+              <a:rPr lang="en-US" altLang="ko-KR" dirty="0">
+                <a:latin typeface="맑은 고딕" panose="020B0503020000020004" pitchFamily="50" charset="-127"/>
+              </a:rPr>
+              <a:t>(</a:t>
+            </a:r>
+            <a:r>
+              <a:rPr lang="en-US" altLang="ko-KR" dirty="0" err="1"/>
+              <a:t>main|SPARSE</a:t>
+            </a:r>
+            <a:r>
+              <a:rPr lang="en-US" altLang="ko-KR" dirty="0"/>
+              <a:t>) </a:t>
+            </a:r>
+            <a:r>
+              <a:rPr lang="ko-KR" altLang="en-US" dirty="0" smtClean="0"/>
+              <a:t>를 표시시키고자 하면 </a:t>
+            </a:r>
+            <a:r>
+              <a:rPr lang="en-US" altLang="ko-KR" dirty="0" smtClean="0"/>
+              <a:t>‘</a:t>
+            </a:r>
+            <a:r>
+              <a:rPr lang="en-US" altLang="ko-KR" dirty="0" err="1" smtClean="0"/>
+              <a:t>git</a:t>
+            </a:r>
+            <a:r>
+              <a:rPr lang="en-US" altLang="ko-KR" dirty="0" smtClean="0"/>
+              <a:t> </a:t>
+            </a:r>
+            <a:r>
+              <a:rPr lang="en-US" altLang="ko-KR" dirty="0"/>
+              <a:t>sparse-checkout set </a:t>
+            </a:r>
+            <a:r>
+              <a:rPr lang="ko-KR" altLang="en-US" dirty="0" smtClean="0"/>
+              <a:t>파일명</a:t>
+            </a:r>
+            <a:r>
+              <a:rPr lang="en-US" altLang="ko-KR" dirty="0" smtClean="0"/>
+              <a:t>”</a:t>
+            </a:r>
+            <a:r>
+              <a:rPr lang="ko-KR" altLang="en-US" dirty="0" smtClean="0"/>
+              <a:t>을</a:t>
+            </a:r>
+            <a:r>
+              <a:rPr lang="en-US" altLang="ko-KR" dirty="0"/>
+              <a:t> </a:t>
+            </a:r>
+            <a:r>
+              <a:rPr lang="ko-KR" altLang="en-US" dirty="0" smtClean="0"/>
+              <a:t>다시 하던가</a:t>
+            </a:r>
+            <a:r>
+              <a:rPr lang="en-US" altLang="ko-KR" dirty="0" smtClean="0"/>
+              <a:t>,  </a:t>
+            </a:r>
+            <a:r>
+              <a:rPr lang="ko-KR" altLang="en-US" dirty="0" smtClean="0"/>
+              <a:t>인위적으로 </a:t>
+            </a:r>
+            <a:r>
+              <a:rPr lang="en-US" altLang="ko-KR" dirty="0" err="1" smtClean="0"/>
+              <a:t>git</a:t>
+            </a:r>
+            <a:r>
+              <a:rPr lang="en-US" altLang="ko-KR" dirty="0" smtClean="0"/>
+              <a:t> </a:t>
+            </a:r>
+            <a:r>
+              <a:rPr lang="en-US" altLang="ko-KR" dirty="0" err="1" smtClean="0"/>
+              <a:t>config</a:t>
+            </a:r>
+            <a:r>
+              <a:rPr lang="en-US" altLang="ko-KR" dirty="0" smtClean="0"/>
+              <a:t> </a:t>
+            </a:r>
+            <a:r>
+              <a:rPr lang="en-US" altLang="ko-KR" dirty="0" err="1" smtClean="0"/>
+              <a:t>core.sparseCheckout</a:t>
+            </a:r>
+            <a:r>
+              <a:rPr lang="en-US" altLang="ko-KR" dirty="0" smtClean="0"/>
+              <a:t> true </a:t>
+            </a:r>
+            <a:r>
+              <a:rPr lang="ko-KR" altLang="en-US" dirty="0" smtClean="0"/>
+              <a:t>시켜줘야 함</a:t>
+            </a:r>
+            <a:r>
+              <a:rPr lang="en-US" altLang="ko-KR" dirty="0" smtClean="0"/>
+              <a:t>.</a:t>
+            </a:r>
+            <a:endParaRPr lang="en-US" altLang="ko-KR" dirty="0"/>
+          </a:p>
+          <a:p>
+            <a:pPr marL="266700" lvl="1" indent="0">
+              <a:buNone/>
+            </a:pPr>
+            <a:r>
+              <a:rPr lang="ko-KR" altLang="en-US" dirty="0">
+                <a:latin typeface="맑은 고딕" panose="020B0503020000020004" pitchFamily="50" charset="-127"/>
+              </a:rPr>
+              <a:t>※ </a:t>
+            </a:r>
+            <a:r>
+              <a:rPr lang="ko-KR" altLang="en-US" dirty="0" smtClean="0">
+                <a:latin typeface="맑은 고딕" panose="020B0503020000020004" pitchFamily="50" charset="-127"/>
+                <a:ea typeface="맑은 고딕" panose="020B0503020000020004" pitchFamily="50" charset="-127"/>
+              </a:rPr>
+              <a:t>주의 </a:t>
+            </a:r>
+            <a:r>
               <a:rPr lang="en-US" altLang="ko-KR" dirty="0" smtClean="0"/>
               <a:t># </a:t>
             </a:r>
             <a:r>
-              <a:rPr lang="en-US" altLang="ko-KR" dirty="0" err="1" smtClean="0">
-                <a:solidFill>
-                  <a:srgbClr val="FF0000"/>
-                </a:solidFill>
-              </a:rPr>
+              <a:rPr lang="en-US" altLang="ko-KR" dirty="0" err="1" smtClean="0"/>
               <a:t>init</a:t>
             </a:r>
             <a:r>
-              <a:rPr lang="en-US" altLang="ko-KR" dirty="0" smtClean="0">
-                <a:solidFill>
-                  <a:srgbClr val="FF0000"/>
-                </a:solidFill>
-              </a:rPr>
+              <a:rPr lang="en-US" altLang="ko-KR" dirty="0" smtClean="0"/>
               <a:t>, disable</a:t>
             </a:r>
             <a:r>
-              <a:rPr lang="ko-KR" altLang="en-US" dirty="0" smtClean="0">
-                <a:solidFill>
-                  <a:srgbClr val="FF0000"/>
-                </a:solidFill>
-              </a:rPr>
+              <a:rPr lang="ko-KR" altLang="en-US" dirty="0" smtClean="0"/>
               <a:t>은  </a:t>
             </a:r>
             <a:r>
-              <a:rPr lang="en-US" altLang="ko-KR" dirty="0" err="1" smtClean="0">
-                <a:solidFill>
-                  <a:srgbClr val="FF0000"/>
-                </a:solidFill>
-              </a:rPr>
+              <a:rPr lang="en-US" altLang="ko-KR" dirty="0" err="1" smtClean="0"/>
               <a:t>core.sparseCheckout</a:t>
             </a:r>
             <a:r>
-              <a:rPr lang="en-US" altLang="ko-KR" dirty="0" smtClean="0">
-                <a:solidFill>
-                  <a:srgbClr val="FF0000"/>
-                </a:solidFill>
-              </a:rPr>
+              <a:rPr lang="en-US" altLang="ko-KR" dirty="0" smtClean="0"/>
               <a:t> false , true</a:t>
             </a:r>
             <a:r>
-              <a:rPr lang="ko-KR" altLang="en-US" dirty="0" smtClean="0">
-                <a:solidFill>
-                  <a:srgbClr val="FF0000"/>
-                </a:solidFill>
-              </a:rPr>
+              <a:rPr lang="ko-KR" altLang="en-US" dirty="0" smtClean="0"/>
               <a:t>변환과 </a:t>
             </a:r>
             <a:r>
-              <a:rPr lang="ko-KR" altLang="en-US" dirty="0" err="1" smtClean="0">
-                <a:solidFill>
-                  <a:srgbClr val="FF0000"/>
-                </a:solidFill>
-              </a:rPr>
+              <a:rPr lang="ko-KR" altLang="en-US" dirty="0" err="1" smtClean="0"/>
               <a:t>연관없음</a:t>
             </a:r>
             <a:r>
-              <a:rPr lang="en-US" altLang="ko-KR" dirty="0" smtClean="0">
-                <a:solidFill>
-                  <a:srgbClr val="FF0000"/>
-                </a:solidFill>
-              </a:rPr>
+              <a:rPr lang="en-US" altLang="ko-KR" dirty="0" smtClean="0"/>
               <a:t>.</a:t>
             </a:r>
-            <a:endParaRPr lang="en-US" altLang="ko-KR" dirty="0">
-              <a:solidFill>
-                <a:srgbClr val="FF0000"/>
-              </a:solidFill>
-            </a:endParaRPr>
+            <a:endParaRPr lang="en-US" altLang="ko-KR" dirty="0"/>
           </a:p>
         </p:txBody>
       </p:sp>
@@ -18229,11 +18507,15 @@
             </a:r>
             <a:r>
               <a:rPr lang="en-US" altLang="ko-KR" dirty="0" smtClean="0"/>
-              <a:t>clone</a:t>
+              <a:t>pull</a:t>
             </a:r>
             <a:r>
               <a:rPr lang="ko-KR" altLang="en-US" dirty="0" smtClean="0"/>
-              <a:t>하여 사용하기</a:t>
+              <a:t>하여 </a:t>
+            </a:r>
+            <a:r>
+              <a:rPr lang="ko-KR" altLang="en-US" dirty="0" smtClean="0"/>
+              <a:t>사용하기</a:t>
             </a:r>
             <a:endParaRPr lang="en-US" altLang="ko-KR" dirty="0"/>
           </a:p>
@@ -18274,6 +18556,107 @@
             <a:r>
               <a:rPr lang="en-US" altLang="ko-KR" dirty="0" smtClean="0"/>
               <a:t> </a:t>
+            </a:r>
+            <a:r>
+              <a:rPr lang="en-US" altLang="ko-KR" dirty="0" err="1" smtClean="0"/>
+              <a:t>git</a:t>
+            </a:r>
+            <a:r>
+              <a:rPr lang="en-US" altLang="ko-KR" dirty="0" smtClean="0"/>
+              <a:t> </a:t>
+            </a:r>
+            <a:r>
+              <a:rPr lang="en-US" altLang="ko-KR" dirty="0" err="1" smtClean="0"/>
+              <a:t>init</a:t>
+            </a:r>
+            <a:endParaRPr lang="en-US" altLang="ko-KR" dirty="0"/>
+          </a:p>
+          <a:p>
+            <a:pPr marL="266700" lvl="1" indent="0">
+              <a:buNone/>
+            </a:pPr>
+            <a:r>
+              <a:rPr lang="en-US" altLang="ko-KR" dirty="0" smtClean="0"/>
+              <a:t>Remote</a:t>
+            </a:r>
+            <a:r>
+              <a:rPr lang="ko-KR" altLang="en-US" dirty="0" smtClean="0"/>
+              <a:t>와 연계된 내용이 없는 </a:t>
+            </a:r>
+            <a:r>
+              <a:rPr lang="en-US" altLang="ko-KR" dirty="0" smtClean="0"/>
+              <a:t>repo</a:t>
+            </a:r>
+            <a:r>
+              <a:rPr lang="ko-KR" altLang="en-US" dirty="0" smtClean="0"/>
+              <a:t>를 만들고 </a:t>
+            </a:r>
+            <a:r>
+              <a:rPr lang="en-US" altLang="ko-KR" dirty="0" smtClean="0"/>
+              <a:t>fetch</a:t>
+            </a:r>
+            <a:r>
+              <a:rPr lang="ko-KR" altLang="en-US" dirty="0" smtClean="0"/>
+              <a:t>를 진행</a:t>
+            </a:r>
+            <a:r>
+              <a:rPr lang="en-US" altLang="ko-KR" dirty="0" smtClean="0"/>
+              <a:t>. </a:t>
+            </a:r>
+            <a:r>
+              <a:rPr lang="ko-KR" altLang="en-US" dirty="0" smtClean="0"/>
+              <a:t>내용을 </a:t>
+            </a:r>
+            <a:r>
+              <a:rPr lang="en-US" altLang="ko-KR" dirty="0" smtClean="0"/>
+              <a:t>checkout </a:t>
+            </a:r>
+            <a:r>
+              <a:rPr lang="ko-KR" altLang="en-US" dirty="0" smtClean="0"/>
+              <a:t>하지 않음</a:t>
+            </a:r>
+            <a:r>
+              <a:rPr lang="en-US" altLang="ko-KR" dirty="0" smtClean="0"/>
+              <a:t>.</a:t>
+            </a:r>
+          </a:p>
+          <a:p>
+            <a:pPr marL="266700" lvl="1" indent="0">
+              <a:buNone/>
+            </a:pPr>
+            <a:r>
+              <a:rPr lang="en-US" altLang="ko-KR" dirty="0" smtClean="0"/>
+              <a:t>$ </a:t>
+            </a:r>
+            <a:r>
+              <a:rPr lang="en-US" altLang="ko-KR" dirty="0" err="1" smtClean="0"/>
+              <a:t>git</a:t>
+            </a:r>
+            <a:r>
+              <a:rPr lang="en-US" altLang="ko-KR" dirty="0" smtClean="0"/>
+              <a:t> remote add  -f origin </a:t>
+            </a:r>
+            <a:r>
+              <a:rPr lang="en-US" altLang="ko-KR" dirty="0">
+                <a:hlinkClick r:id="rId3"/>
+              </a:rPr>
+              <a:t>https://</a:t>
+            </a:r>
+            <a:r>
+              <a:rPr lang="en-US" altLang="ko-KR" dirty="0" smtClean="0">
+                <a:hlinkClick r:id="rId3"/>
+              </a:rPr>
+              <a:t>github.com/fasthill/hello_python.git</a:t>
+            </a:r>
+            <a:endParaRPr lang="en-US" altLang="ko-KR" dirty="0" smtClean="0"/>
+          </a:p>
+          <a:p>
+            <a:pPr marL="266700" lvl="1" indent="0">
+              <a:buNone/>
+            </a:pPr>
+            <a:r>
+              <a:rPr lang="en-US" altLang="ko-KR" dirty="0" smtClean="0"/>
+              <a:t>$ </a:t>
             </a:r>
             <a:r>
               <a:rPr lang="en-US" altLang="ko-KR" dirty="0" err="1" smtClean="0">
@@ -18289,149 +18672,6 @@
                   <a:srgbClr val="FF0000"/>
                 </a:solidFill>
               </a:rPr>
-              <a:t> </a:t>
-            </a:r>
-            <a:r>
-              <a:rPr lang="en-US" altLang="ko-KR" dirty="0" err="1" smtClean="0">
-                <a:solidFill>
-                  <a:srgbClr val="FF0000"/>
-                </a:solidFill>
-              </a:rPr>
-              <a:t>init</a:t>
-            </a:r>
-            <a:endParaRPr lang="en-US" altLang="ko-KR" dirty="0">
-              <a:solidFill>
-                <a:srgbClr val="FF0000"/>
-              </a:solidFill>
-            </a:endParaRPr>
-          </a:p>
-          <a:p>
-            <a:pPr marL="266700" lvl="1" indent="0">
-              <a:buNone/>
-            </a:pPr>
-            <a:r>
-              <a:rPr lang="en-US" altLang="ko-KR" dirty="0" smtClean="0"/>
-              <a:t>Remote</a:t>
-            </a:r>
-            <a:r>
-              <a:rPr lang="ko-KR" altLang="en-US" dirty="0" smtClean="0"/>
-              <a:t>와 연계된 내용이 없는 </a:t>
-            </a:r>
-            <a:r>
-              <a:rPr lang="en-US" altLang="ko-KR" dirty="0" smtClean="0"/>
-              <a:t>repo</a:t>
-            </a:r>
-            <a:r>
-              <a:rPr lang="ko-KR" altLang="en-US" dirty="0" smtClean="0"/>
-              <a:t>를 만들고 </a:t>
-            </a:r>
-            <a:r>
-              <a:rPr lang="en-US" altLang="ko-KR" dirty="0" smtClean="0"/>
-              <a:t>fetch</a:t>
-            </a:r>
-            <a:r>
-              <a:rPr lang="ko-KR" altLang="en-US" dirty="0" smtClean="0"/>
-              <a:t>를 진행</a:t>
-            </a:r>
-            <a:r>
-              <a:rPr lang="en-US" altLang="ko-KR" dirty="0" smtClean="0"/>
-              <a:t>. </a:t>
-            </a:r>
-            <a:r>
-              <a:rPr lang="ko-KR" altLang="en-US" dirty="0" smtClean="0"/>
-              <a:t>내용을 </a:t>
-            </a:r>
-            <a:r>
-              <a:rPr lang="en-US" altLang="ko-KR" dirty="0" smtClean="0"/>
-              <a:t>checkout </a:t>
-            </a:r>
-            <a:r>
-              <a:rPr lang="ko-KR" altLang="en-US" dirty="0" smtClean="0"/>
-              <a:t>하지 않음</a:t>
-            </a:r>
-            <a:r>
-              <a:rPr lang="en-US" altLang="ko-KR" dirty="0" smtClean="0"/>
-              <a:t>.</a:t>
-            </a:r>
-          </a:p>
-          <a:p>
-            <a:pPr marL="266700" lvl="1" indent="0">
-              <a:buNone/>
-            </a:pPr>
-            <a:r>
-              <a:rPr lang="en-US" altLang="ko-KR" dirty="0" smtClean="0">
-                <a:solidFill>
-                  <a:srgbClr val="FF0000"/>
-                </a:solidFill>
-              </a:rPr>
-              <a:t>$ </a:t>
-            </a:r>
-            <a:r>
-              <a:rPr lang="en-US" altLang="ko-KR" dirty="0" err="1" smtClean="0">
-                <a:solidFill>
-                  <a:srgbClr val="FF0000"/>
-                </a:solidFill>
-              </a:rPr>
-              <a:t>git</a:t>
-            </a:r>
-            <a:r>
-              <a:rPr lang="en-US" altLang="ko-KR" dirty="0" smtClean="0">
-                <a:solidFill>
-                  <a:srgbClr val="FF0000"/>
-                </a:solidFill>
-              </a:rPr>
-              <a:t> remote add  -f origin </a:t>
-            </a:r>
-            <a:r>
-              <a:rPr lang="en-US" altLang="ko-KR" dirty="0">
-                <a:solidFill>
-                  <a:srgbClr val="FF0000"/>
-                </a:solidFill>
-                <a:hlinkClick r:id="rId3"/>
-              </a:rPr>
-              <a:t>https://</a:t>
-            </a:r>
-            <a:r>
-              <a:rPr lang="en-US" altLang="ko-KR" dirty="0" smtClean="0">
-                <a:solidFill>
-                  <a:srgbClr val="FF0000"/>
-                </a:solidFill>
-                <a:hlinkClick r:id="rId3"/>
-              </a:rPr>
-              <a:t>github.com/fasthill/hello_python.git</a:t>
-            </a:r>
-            <a:endParaRPr lang="en-US" altLang="ko-KR" dirty="0" smtClean="0">
-              <a:solidFill>
-                <a:srgbClr val="FF0000"/>
-              </a:solidFill>
-            </a:endParaRPr>
-          </a:p>
-          <a:p>
-            <a:pPr marL="266700" lvl="1" indent="0">
-              <a:buNone/>
-            </a:pPr>
-            <a:r>
-              <a:rPr lang="en-US" altLang="ko-KR" dirty="0" smtClean="0">
-                <a:solidFill>
-                  <a:srgbClr val="FF0000"/>
-                </a:solidFill>
-              </a:rPr>
-              <a:t>$ </a:t>
-            </a:r>
-            <a:r>
-              <a:rPr lang="en-US" altLang="ko-KR" dirty="0" err="1" smtClean="0">
-                <a:solidFill>
-                  <a:srgbClr val="FF0000"/>
-                </a:solidFill>
-              </a:rPr>
-              <a:t>git</a:t>
-            </a:r>
-            <a:r>
-              <a:rPr lang="en-US" altLang="ko-KR" dirty="0" smtClean="0">
-                <a:solidFill>
-                  <a:srgbClr val="FF0000"/>
-                </a:solidFill>
-              </a:rPr>
               <a:t> remote add origin &lt;</a:t>
             </a:r>
             <a:r>
@@ -18488,27 +18728,15 @@
               <a:buNone/>
             </a:pPr>
             <a:r>
-              <a:rPr lang="en-US" altLang="ko-KR" dirty="0" smtClean="0">
-                <a:solidFill>
-                  <a:srgbClr val="FF0000"/>
-                </a:solidFill>
-              </a:rPr>
+              <a:rPr lang="en-US" altLang="ko-KR" dirty="0" smtClean="0"/>
               <a:t>$ </a:t>
             </a:r>
             <a:r>
-              <a:rPr lang="en-US" altLang="ko-KR" dirty="0" err="1" smtClean="0">
-                <a:solidFill>
-                  <a:srgbClr val="FF0000"/>
-                </a:solidFill>
-              </a:rPr>
+              <a:rPr lang="en-US" altLang="ko-KR" dirty="0" err="1" smtClean="0"/>
               <a:t>git</a:t>
             </a:r>
             <a:r>
-              <a:rPr lang="en-US" altLang="ko-KR" dirty="0" smtClean="0">
-                <a:solidFill>
-                  <a:srgbClr val="FF0000"/>
-                </a:solidFill>
-              </a:rPr>
+              <a:rPr lang="en-US" altLang="ko-KR" dirty="0" smtClean="0"/>
               <a:t> sparse-checkout set test5.py</a:t>
             </a:r>
           </a:p>
@@ -18517,27 +18745,15 @@
               <a:buNone/>
             </a:pPr>
             <a:r>
-              <a:rPr lang="en-US" altLang="ko-KR" dirty="0" smtClean="0">
-                <a:solidFill>
-                  <a:srgbClr val="FF0000"/>
-                </a:solidFill>
-              </a:rPr>
+              <a:rPr lang="en-US" altLang="ko-KR" dirty="0" smtClean="0"/>
               <a:t>$ </a:t>
             </a:r>
             <a:r>
-              <a:rPr lang="en-US" altLang="ko-KR" dirty="0" err="1" smtClean="0">
-                <a:solidFill>
-                  <a:srgbClr val="FF0000"/>
-                </a:solidFill>
-              </a:rPr>
+              <a:rPr lang="en-US" altLang="ko-KR" dirty="0" err="1" smtClean="0"/>
               <a:t>git</a:t>
             </a:r>
             <a:r>
-              <a:rPr lang="en-US" altLang="ko-KR" dirty="0" smtClean="0">
-                <a:solidFill>
-                  <a:srgbClr val="FF0000"/>
-                </a:solidFill>
-              </a:rPr>
+              <a:rPr lang="en-US" altLang="ko-KR" dirty="0" smtClean="0"/>
               <a:t> pull origin main</a:t>
             </a:r>
           </a:p>
@@ -18546,35 +18762,19 @@
               <a:buNone/>
             </a:pPr>
             <a:r>
-              <a:rPr lang="en-US" altLang="ko-KR" dirty="0" smtClean="0">
-                <a:solidFill>
-                  <a:srgbClr val="FF0000"/>
-                </a:solidFill>
-              </a:rPr>
+              <a:rPr lang="en-US" altLang="ko-KR" dirty="0" smtClean="0"/>
               <a:t>$ </a:t>
             </a:r>
             <a:r>
-              <a:rPr lang="en-US" altLang="ko-KR" dirty="0" err="1" smtClean="0">
-                <a:solidFill>
-                  <a:srgbClr val="FF0000"/>
-                </a:solidFill>
-              </a:rPr>
+              <a:rPr lang="en-US" altLang="ko-KR" dirty="0" err="1" smtClean="0"/>
               <a:t>git</a:t>
             </a:r>
             <a:r>
-              <a:rPr lang="en-US" altLang="ko-KR" dirty="0">
-                <a:solidFill>
-                  <a:srgbClr val="FF0000"/>
-                </a:solidFill>
-              </a:rPr>
+              <a:rPr lang="en-US" altLang="ko-KR" dirty="0"/>
               <a:t> sparse-checkout </a:t>
             </a:r>
             <a:r>
-              <a:rPr lang="en-US" altLang="ko-KR" dirty="0" smtClean="0">
-                <a:solidFill>
-                  <a:srgbClr val="FF0000"/>
-                </a:solidFill>
-              </a:rPr>
+              <a:rPr lang="en-US" altLang="ko-KR" dirty="0" smtClean="0"/>
               <a:t>disable</a:t>
             </a:r>
           </a:p>
@@ -18583,43 +18783,23 @@
               <a:buNone/>
             </a:pPr>
             <a:r>
-              <a:rPr lang="en-US" altLang="ko-KR" dirty="0" smtClean="0">
-                <a:solidFill>
-                  <a:srgbClr val="FF0000"/>
-                </a:solidFill>
-              </a:rPr>
+              <a:rPr lang="en-US" altLang="ko-KR" dirty="0" smtClean="0"/>
               <a:t>$ </a:t>
             </a:r>
             <a:r>
-              <a:rPr lang="en-US" altLang="ko-KR" dirty="0" err="1" smtClean="0">
-                <a:solidFill>
-                  <a:srgbClr val="FF0000"/>
-                </a:solidFill>
-              </a:rPr>
+              <a:rPr lang="en-US" altLang="ko-KR" dirty="0" err="1" smtClean="0"/>
               <a:t>git</a:t>
             </a:r>
             <a:r>
-              <a:rPr lang="en-US" altLang="ko-KR" dirty="0" smtClean="0">
-                <a:solidFill>
-                  <a:srgbClr val="FF0000"/>
-                </a:solidFill>
-              </a:rPr>
+              <a:rPr lang="en-US" altLang="ko-KR" dirty="0" smtClean="0"/>
               <a:t> </a:t>
             </a:r>
             <a:r>
-              <a:rPr lang="en-US" altLang="ko-KR" dirty="0">
-                <a:solidFill>
-                  <a:srgbClr val="FF0000"/>
-                </a:solidFill>
-              </a:rPr>
+              <a:rPr lang="en-US" altLang="ko-KR" dirty="0"/>
               <a:t>sparse-checkout </a:t>
             </a:r>
             <a:r>
-              <a:rPr lang="en-US" altLang="ko-KR" dirty="0" smtClean="0">
-                <a:solidFill>
-                  <a:srgbClr val="FF0000"/>
-                </a:solidFill>
-              </a:rPr>
+              <a:rPr lang="en-US" altLang="ko-KR" dirty="0" smtClean="0"/>
               <a:t>reapply</a:t>
             </a:r>
           </a:p>
@@ -18628,13 +18808,32 @@
               <a:buNone/>
             </a:pPr>
             <a:r>
-              <a:rPr lang="en-US" altLang="ko-KR" dirty="0" smtClean="0">
-                <a:solidFill>
-                  <a:srgbClr val="FF0000"/>
-                </a:solidFill>
-              </a:rPr>
-              <a:t>$ ls</a:t>
-            </a:r>
+              <a:rPr lang="en-US" altLang="ko-KR" dirty="0" smtClean="0"/>
+              <a:t>$ </a:t>
+            </a:r>
+            <a:r>
+              <a:rPr lang="en-US" altLang="ko-KR" dirty="0" smtClean="0"/>
+              <a:t>ls</a:t>
+            </a:r>
+          </a:p>
+          <a:p>
+            <a:pPr marL="266700" lvl="1" indent="0">
+              <a:buNone/>
+            </a:pPr>
+            <a:r>
+              <a:rPr lang="en-US" altLang="ko-KR" dirty="0" smtClean="0"/>
+              <a:t>Working directory</a:t>
+            </a:r>
+            <a:r>
+              <a:rPr lang="ko-KR" altLang="en-US" dirty="0" smtClean="0"/>
+              <a:t>에서 사용하는 방법과 동일함</a:t>
+            </a:r>
+            <a:endParaRPr lang="en-US" altLang="ko-KR" dirty="0" smtClean="0"/>
+          </a:p>
+          <a:p>
+            <a:pPr marL="266700" lvl="1" indent="0">
+              <a:buNone/>
+            </a:pPr>
             <a:endParaRPr lang="en-US" altLang="ko-KR" dirty="0">
               <a:solidFill>
                 <a:srgbClr val="FF0000"/>
@@ -18890,93 +19089,98 @@
             <a:endParaRPr lang="en-US" altLang="ko-KR" dirty="0" smtClean="0"/>
           </a:p>
           <a:p>
+            <a:pPr lvl="1"/>
+            <a:r>
+              <a:rPr lang="en-US" altLang="ko-KR" dirty="0" err="1" smtClean="0"/>
+              <a:t>Git</a:t>
+            </a:r>
+            <a:r>
+              <a:rPr lang="en-US" altLang="ko-KR" dirty="0" smtClean="0"/>
+              <a:t> </a:t>
+            </a:r>
+            <a:r>
+              <a:rPr lang="en-US" altLang="ko-KR" dirty="0" smtClean="0"/>
+              <a:t>read-tree –mu HEAD</a:t>
+            </a:r>
+            <a:r>
+              <a:rPr lang="ko-KR" altLang="en-US" dirty="0" smtClean="0"/>
+              <a:t>는 언제 사용하나</a:t>
+            </a:r>
+            <a:r>
+              <a:rPr lang="en-US" altLang="ko-KR" dirty="0"/>
+              <a:t> </a:t>
+            </a:r>
+            <a:endParaRPr lang="en-US" altLang="ko-KR" dirty="0" smtClean="0"/>
+          </a:p>
+          <a:p>
             <a:pPr marL="266700" lvl="1" indent="0">
               <a:buNone/>
             </a:pPr>
-            <a:endParaRPr lang="en-US" altLang="ko-KR" dirty="0" smtClean="0"/>
+            <a:r>
+              <a:rPr lang="en-US" altLang="ko-KR" dirty="0"/>
+              <a:t>→</a:t>
+            </a:r>
+            <a:r>
+              <a:rPr lang="en-US" altLang="ko-KR" dirty="0" smtClean="0"/>
+              <a:t> </a:t>
+            </a:r>
+            <a:r>
+              <a:rPr lang="ko-KR" altLang="en-US" dirty="0" smtClean="0"/>
+              <a:t>이제는 </a:t>
+            </a:r>
+            <a:r>
+              <a:rPr lang="en-US" altLang="ko-KR" dirty="0" smtClean="0"/>
+              <a:t>sparse-checkout set</a:t>
+            </a:r>
+            <a:r>
+              <a:rPr lang="ko-KR" altLang="en-US" dirty="0" smtClean="0"/>
+              <a:t>으로 대체</a:t>
+            </a:r>
+            <a:r>
+              <a:rPr lang="en-US" altLang="ko-KR" dirty="0" smtClean="0"/>
+              <a:t>(reload</a:t>
+            </a:r>
+            <a:r>
+              <a:rPr lang="ko-KR" altLang="en-US" dirty="0" smtClean="0"/>
+              <a:t>의 역할도 같이함</a:t>
+            </a:r>
+            <a:r>
+              <a:rPr lang="en-US" altLang="ko-KR" dirty="0" smtClean="0"/>
+              <a:t>)</a:t>
+            </a:r>
           </a:p>
           <a:p>
             <a:pPr marL="266700" lvl="1" indent="0">
               <a:buNone/>
             </a:pPr>
             <a:r>
+              <a:rPr lang="en-US" altLang="ko-KR" dirty="0"/>
+              <a:t> </a:t>
+            </a:r>
+            <a:r>
               <a:rPr lang="en-US" altLang="ko-KR" dirty="0" smtClean="0"/>
-              <a:t>$ </a:t>
-            </a:r>
-            <a:r>
-              <a:rPr lang="en-US" altLang="ko-KR" dirty="0" err="1" smtClean="0"/>
-              <a:t>git</a:t>
+              <a:t>    </a:t>
+            </a:r>
+            <a:r>
+              <a:rPr lang="ko-KR" altLang="en-US" dirty="0" smtClean="0"/>
+              <a:t>혹은 </a:t>
             </a:r>
             <a:r>
               <a:rPr lang="en-US" altLang="ko-KR" dirty="0" smtClean="0"/>
-              <a:t> sparse-checkout list</a:t>
-            </a:r>
-          </a:p>
-          <a:p>
-            <a:pPr marL="266700" lvl="1" indent="0">
-              <a:buNone/>
-            </a:pPr>
-            <a:endParaRPr lang="en-US" altLang="ko-KR" dirty="0"/>
-          </a:p>
-          <a:p>
-            <a:pPr marL="266700" lvl="1" indent="0">
-              <a:buNone/>
-            </a:pPr>
-            <a:r>
-              <a:rPr lang="en-US" altLang="ko-KR" dirty="0" err="1" smtClean="0"/>
-              <a:t>Git</a:t>
+              <a:t>reapply</a:t>
+            </a:r>
+            <a:r>
+              <a:rPr lang="ko-KR" altLang="en-US" dirty="0" smtClean="0"/>
+              <a:t>로 </a:t>
             </a:r>
             <a:r>
               <a:rPr lang="en-US" altLang="ko-KR" dirty="0" smtClean="0"/>
-              <a:t> read-tree –mu HEAD</a:t>
-            </a:r>
-            <a:r>
-              <a:rPr lang="ko-KR" altLang="en-US" dirty="0" smtClean="0"/>
-              <a:t>는 언제 사용하나</a:t>
-            </a:r>
-            <a:r>
-              <a:rPr lang="en-US" altLang="ko-KR" dirty="0"/>
-              <a:t> </a:t>
+              <a:t>reload.</a:t>
             </a:r>
             <a:endParaRPr lang="en-US" altLang="ko-KR" dirty="0" smtClean="0"/>
           </a:p>
           <a:p>
-            <a:pPr marL="266700" lvl="1" indent="0">
-              <a:buNone/>
-            </a:pPr>
-            <a:r>
-              <a:rPr lang="en-US" altLang="ko-KR" dirty="0" smtClean="0"/>
-              <a:t>-&gt; </a:t>
-            </a:r>
-            <a:r>
-              <a:rPr lang="ko-KR" altLang="en-US" dirty="0" smtClean="0"/>
-              <a:t>이제는 </a:t>
-            </a:r>
-            <a:r>
-              <a:rPr lang="en-US" altLang="ko-KR" dirty="0" smtClean="0"/>
-              <a:t>sparse-checkout set</a:t>
-            </a:r>
-            <a:r>
-              <a:rPr lang="ko-KR" altLang="en-US" dirty="0" smtClean="0"/>
-              <a:t>으로 대체</a:t>
-            </a:r>
-            <a:r>
-              <a:rPr lang="en-US" altLang="ko-KR" dirty="0" smtClean="0"/>
-              <a:t>(reload</a:t>
-            </a:r>
-            <a:r>
-              <a:rPr lang="ko-KR" altLang="en-US" dirty="0" smtClean="0"/>
-              <a:t>의 역할도 같이함</a:t>
-            </a:r>
-            <a:r>
-              <a:rPr lang="en-US" altLang="ko-KR" dirty="0" smtClean="0"/>
-              <a:t>)</a:t>
-            </a:r>
-          </a:p>
-          <a:p>
-            <a:pPr marL="266700" lvl="1" indent="0">
-              <a:buNone/>
-            </a:pPr>
+            <a:pPr lvl="1"/>
             <a:r>
               <a:rPr lang="en-US" altLang="ko-KR" dirty="0" smtClean="0"/>
               <a:t>Echo</a:t>
@@ -19009,12 +19213,14 @@
               <a:rPr lang="ko-KR" altLang="en-US" dirty="0" smtClean="0"/>
               <a:t>사용</a:t>
             </a:r>
-            <a:endParaRPr lang="en-US" altLang="ko-KR" dirty="0" smtClean="0"/>
-          </a:p>
-          <a:p>
-            <a:pPr marL="266700" lvl="1" indent="0">
-              <a:buNone/>
-            </a:pPr>
+            <a:r>
+              <a:rPr lang="ko-KR" altLang="en-US" dirty="0" smtClean="0"/>
+              <a:t>하거나</a:t>
+            </a:r>
+            <a:r>
+              <a:rPr lang="en-US" altLang="ko-KR" dirty="0" smtClean="0"/>
+              <a:t>,</a:t>
+            </a:r>
             <a:endParaRPr lang="en-US" altLang="ko-KR" dirty="0"/>
           </a:p>
           <a:p>

--- a/git및github첫걸음11-명령어모음.pptx
+++ b/git및github첫걸음11-명령어모음.pptx
@@ -248,7 +248,7 @@
           <a:p>
             <a:fld id="{A17B9194-BDE3-40E3-983E-94CE6FA773AF}" type="datetimeFigureOut">
               <a:rPr lang="ko-KR" altLang="en-US" smtClean="0"/>
-              <a:t>2021-04-25</a:t>
+              <a:t>2021-04-27</a:t>
             </a:fld>
             <a:endParaRPr lang="ko-KR" altLang="en-US"/>
           </a:p>
@@ -2828,133 +2828,133 @@
           <a:lstStyle/>
           <a:p>
             <a:r>
-              <a:rPr lang="en-US" altLang="ko-KR" dirty="0" err="1" smtClean="0"/>
+              <a:rPr lang="en-US" altLang="ko-KR" dirty="0" err="1"/>
               <a:t>Git</a:t>
             </a:r>
             <a:r>
-              <a:rPr lang="en-US" altLang="ko-KR" dirty="0" smtClean="0"/>
+              <a:rPr lang="en-US" altLang="ko-KR" dirty="0"/>
               <a:t> </a:t>
             </a:r>
             <a:r>
-              <a:rPr lang="en-US" altLang="ko-KR" dirty="0" err="1" smtClean="0"/>
+              <a:rPr lang="en-US" altLang="ko-KR" dirty="0" err="1"/>
               <a:t>config</a:t>
             </a:r>
             <a:r>
-              <a:rPr lang="en-US" altLang="ko-KR" dirty="0" smtClean="0"/>
+              <a:rPr lang="en-US" altLang="ko-KR" dirty="0"/>
               <a:t> </a:t>
             </a:r>
             <a:r>
-              <a:rPr lang="en-US" altLang="ko-KR" dirty="0" err="1" smtClean="0"/>
+              <a:rPr lang="en-US" altLang="ko-KR" dirty="0" err="1"/>
               <a:t>core.sparseCheckout</a:t>
             </a:r>
             <a:r>
-              <a:rPr lang="en-US" altLang="ko-KR" baseline="0" dirty="0" smtClean="0"/>
+              <a:rPr lang="en-US" altLang="ko-KR" baseline="0" dirty="0"/>
               <a:t> false, true </a:t>
             </a:r>
             <a:r>
-              <a:rPr lang="ko-KR" altLang="en-US" baseline="0" dirty="0" smtClean="0"/>
+              <a:rPr lang="ko-KR" altLang="en-US" baseline="0" dirty="0"/>
               <a:t>를 이용할 때 </a:t>
             </a:r>
             <a:r>
-              <a:rPr lang="en-US" altLang="ko-KR" baseline="0" dirty="0" smtClean="0"/>
+              <a:rPr lang="en-US" altLang="ko-KR" baseline="0" dirty="0"/>
               <a:t>false</a:t>
             </a:r>
             <a:r>
-              <a:rPr lang="ko-KR" altLang="en-US" baseline="0" dirty="0" smtClean="0"/>
+              <a:rPr lang="ko-KR" altLang="en-US" baseline="0" dirty="0"/>
               <a:t>에서 </a:t>
             </a:r>
             <a:r>
-              <a:rPr lang="en-US" altLang="ko-KR" baseline="0" dirty="0" smtClean="0"/>
+              <a:rPr lang="en-US" altLang="ko-KR" baseline="0" dirty="0"/>
               <a:t>true</a:t>
             </a:r>
             <a:r>
-              <a:rPr lang="ko-KR" altLang="en-US" baseline="0" dirty="0" smtClean="0"/>
+              <a:rPr lang="ko-KR" altLang="en-US" baseline="0" dirty="0"/>
               <a:t>로 변경하였을 때 </a:t>
             </a:r>
             <a:r>
-              <a:rPr lang="en-US" altLang="ko-KR" baseline="0" dirty="0" err="1" smtClean="0"/>
+              <a:rPr lang="en-US" altLang="ko-KR" baseline="0" dirty="0" err="1"/>
               <a:t>git</a:t>
             </a:r>
             <a:r>
-              <a:rPr lang="en-US" altLang="ko-KR" baseline="0" dirty="0" smtClean="0"/>
+              <a:rPr lang="en-US" altLang="ko-KR" baseline="0" dirty="0"/>
               <a:t> read-tree –mu HEAD</a:t>
             </a:r>
             <a:r>
-              <a:rPr lang="ko-KR" altLang="en-US" baseline="0" dirty="0" smtClean="0"/>
+              <a:rPr lang="ko-KR" altLang="en-US" baseline="0" dirty="0"/>
               <a:t>를</a:t>
             </a:r>
             <a:r>
-              <a:rPr lang="en-US" altLang="ko-KR" baseline="0" dirty="0" smtClean="0"/>
+              <a:rPr lang="en-US" altLang="ko-KR" baseline="0" dirty="0"/>
               <a:t> </a:t>
             </a:r>
             <a:r>
-              <a:rPr lang="ko-KR" altLang="en-US" baseline="0" dirty="0" smtClean="0"/>
+              <a:rPr lang="ko-KR" altLang="en-US" baseline="0" dirty="0"/>
               <a:t>같이 이용하여 </a:t>
             </a:r>
             <a:r>
-              <a:rPr lang="en-US" altLang="ko-KR" baseline="0" dirty="0" smtClean="0"/>
+              <a:rPr lang="en-US" altLang="ko-KR" baseline="0" dirty="0"/>
               <a:t>ls –al</a:t>
             </a:r>
             <a:r>
-              <a:rPr lang="ko-KR" altLang="en-US" baseline="0" dirty="0" smtClean="0"/>
+              <a:rPr lang="ko-KR" altLang="en-US" baseline="0" dirty="0"/>
               <a:t>로 </a:t>
             </a:r>
             <a:r>
-              <a:rPr lang="en-US" altLang="ko-KR" baseline="0" dirty="0" smtClean="0"/>
+              <a:rPr lang="en-US" altLang="ko-KR" baseline="0" dirty="0"/>
               <a:t>working directory </a:t>
             </a:r>
             <a:r>
-              <a:rPr lang="ko-KR" altLang="en-US" baseline="0" dirty="0" smtClean="0"/>
+              <a:rPr lang="ko-KR" altLang="en-US" baseline="0" dirty="0"/>
               <a:t>의 파일 확인 함</a:t>
             </a:r>
             <a:r>
-              <a:rPr lang="en-US" altLang="ko-KR" baseline="0" dirty="0" smtClean="0"/>
+              <a:rPr lang="en-US" altLang="ko-KR" baseline="0" dirty="0"/>
               <a:t>.(true</a:t>
             </a:r>
             <a:r>
-              <a:rPr lang="ko-KR" altLang="en-US" baseline="0" dirty="0" err="1" smtClean="0"/>
+              <a:rPr lang="ko-KR" altLang="en-US" baseline="0" dirty="0" err="1"/>
               <a:t>일때만</a:t>
             </a:r>
             <a:r>
-              <a:rPr lang="ko-KR" altLang="en-US" baseline="0" dirty="0" smtClean="0"/>
+              <a:rPr lang="ko-KR" altLang="en-US" baseline="0" dirty="0"/>
               <a:t> 동작함</a:t>
             </a:r>
             <a:r>
-              <a:rPr lang="en-US" altLang="ko-KR" baseline="0" dirty="0" smtClean="0"/>
+              <a:rPr lang="en-US" altLang="ko-KR" baseline="0" dirty="0"/>
               <a:t>)</a:t>
             </a:r>
           </a:p>
           <a:p>
             <a:r>
-              <a:rPr lang="en-US" altLang="ko-KR" dirty="0" err="1" smtClean="0"/>
+              <a:rPr lang="en-US" altLang="ko-KR" dirty="0" err="1"/>
               <a:t>Config</a:t>
             </a:r>
             <a:r>
-              <a:rPr lang="en-US" altLang="ko-KR" dirty="0" smtClean="0"/>
+              <a:rPr lang="en-US" altLang="ko-KR" dirty="0"/>
               <a:t> false, true</a:t>
             </a:r>
             <a:r>
-              <a:rPr lang="ko-KR" altLang="en-US" dirty="0" smtClean="0"/>
+              <a:rPr lang="ko-KR" altLang="en-US" dirty="0"/>
               <a:t>를 이용할 때</a:t>
             </a:r>
             <a:r>
-              <a:rPr lang="en-US" altLang="ko-KR" dirty="0" smtClean="0"/>
+              <a:rPr lang="en-US" altLang="ko-KR" dirty="0"/>
               <a:t>, sparse-checkout</a:t>
             </a:r>
             <a:r>
-              <a:rPr lang="en-US" altLang="ko-KR" baseline="0" dirty="0" smtClean="0"/>
+              <a:rPr lang="en-US" altLang="ko-KR" baseline="0" dirty="0"/>
               <a:t> </a:t>
             </a:r>
             <a:r>
-              <a:rPr lang="en-US" altLang="ko-KR" baseline="0" dirty="0" err="1" smtClean="0"/>
+              <a:rPr lang="en-US" altLang="ko-KR" baseline="0" dirty="0" err="1"/>
               <a:t>disabl</a:t>
             </a:r>
             <a:r>
-              <a:rPr lang="ko-KR" altLang="en-US" baseline="0" dirty="0" smtClean="0"/>
+              <a:rPr lang="ko-KR" altLang="en-US" baseline="0" dirty="0"/>
               <a:t>은 먹지 않음</a:t>
             </a:r>
             <a:r>
-              <a:rPr lang="en-US" altLang="ko-KR" baseline="0" dirty="0" smtClean="0"/>
+              <a:rPr lang="en-US" altLang="ko-KR" baseline="0" dirty="0"/>
               <a:t>.</a:t>
             </a:r>
             <a:endParaRPr lang="ko-KR" altLang="en-US" dirty="0"/>
@@ -3059,59 +3059,59 @@
               <a:defRPr/>
             </a:pPr>
             <a:r>
-              <a:rPr lang="en-US" altLang="ko-KR" dirty="0" err="1" smtClean="0"/>
+              <a:rPr lang="en-US" altLang="ko-KR" dirty="0" err="1"/>
               <a:t>git</a:t>
             </a:r>
             <a:r>
-              <a:rPr lang="en-US" altLang="ko-KR" dirty="0" smtClean="0"/>
+              <a:rPr lang="en-US" altLang="ko-KR" dirty="0"/>
               <a:t> sparse-checkout </a:t>
             </a:r>
             <a:r>
-              <a:rPr lang="en-US" altLang="ko-KR" dirty="0" err="1" smtClean="0"/>
+              <a:rPr lang="en-US" altLang="ko-KR" dirty="0" err="1"/>
               <a:t>init</a:t>
             </a:r>
             <a:r>
-              <a:rPr lang="ko-KR" altLang="en-US" baseline="0" dirty="0" smtClean="0"/>
+              <a:rPr lang="ko-KR" altLang="en-US" baseline="0" dirty="0"/>
               <a:t> 와 </a:t>
             </a:r>
             <a:r>
-              <a:rPr lang="en-US" altLang="ko-KR" baseline="0" dirty="0" err="1" smtClean="0"/>
+              <a:rPr lang="en-US" altLang="ko-KR" baseline="0" dirty="0" err="1"/>
               <a:t>git</a:t>
             </a:r>
             <a:r>
-              <a:rPr lang="en-US" altLang="ko-KR" baseline="0" dirty="0" smtClean="0"/>
+              <a:rPr lang="en-US" altLang="ko-KR" baseline="0" dirty="0"/>
               <a:t> </a:t>
             </a:r>
             <a:r>
-              <a:rPr lang="en-US" altLang="ko-KR" baseline="0" dirty="0" err="1" smtClean="0"/>
+              <a:rPr lang="en-US" altLang="ko-KR" baseline="0" dirty="0" err="1"/>
               <a:t>config</a:t>
             </a:r>
             <a:r>
-              <a:rPr lang="en-US" altLang="ko-KR" baseline="0" dirty="0" smtClean="0"/>
+              <a:rPr lang="en-US" altLang="ko-KR" baseline="0" dirty="0"/>
               <a:t> </a:t>
             </a:r>
             <a:r>
-              <a:rPr lang="en-US" altLang="ko-KR" baseline="0" dirty="0" err="1" smtClean="0"/>
+              <a:rPr lang="en-US" altLang="ko-KR" baseline="0" dirty="0" err="1"/>
               <a:t>core.sparseCheckout</a:t>
             </a:r>
             <a:r>
-              <a:rPr lang="en-US" altLang="ko-KR" baseline="0" dirty="0" smtClean="0"/>
+              <a:rPr lang="en-US" altLang="ko-KR" baseline="0" dirty="0"/>
               <a:t> false </a:t>
             </a:r>
             <a:r>
-              <a:rPr lang="ko-KR" altLang="en-US" baseline="0" dirty="0" smtClean="0"/>
+              <a:rPr lang="ko-KR" altLang="en-US" baseline="0" dirty="0"/>
               <a:t>혹은 </a:t>
             </a:r>
             <a:r>
-              <a:rPr lang="en-US" altLang="ko-KR" baseline="0" dirty="0" smtClean="0"/>
+              <a:rPr lang="en-US" altLang="ko-KR" baseline="0" dirty="0"/>
               <a:t>true</a:t>
             </a:r>
             <a:r>
-              <a:rPr lang="ko-KR" altLang="en-US" baseline="0" dirty="0" smtClean="0"/>
+              <a:rPr lang="ko-KR" altLang="en-US" baseline="0" dirty="0"/>
               <a:t>와 관련이 없음</a:t>
             </a:r>
             <a:r>
-              <a:rPr lang="en-US" altLang="ko-KR" baseline="0" dirty="0" smtClean="0"/>
+              <a:rPr lang="en-US" altLang="ko-KR" baseline="0" dirty="0"/>
               <a:t>.</a:t>
             </a:r>
           </a:p>
@@ -3134,63 +3134,63 @@
               <a:defRPr/>
             </a:pPr>
             <a:r>
-              <a:rPr lang="en-US" altLang="ko-KR" baseline="0" dirty="0" err="1" smtClean="0"/>
+              <a:rPr lang="en-US" altLang="ko-KR" baseline="0" dirty="0" err="1"/>
               <a:t>Git</a:t>
             </a:r>
             <a:r>
-              <a:rPr lang="en-US" altLang="ko-KR" baseline="0" dirty="0" smtClean="0"/>
+              <a:rPr lang="en-US" altLang="ko-KR" baseline="0" dirty="0"/>
               <a:t> sparse-checkout </a:t>
             </a:r>
             <a:r>
-              <a:rPr lang="en-US" altLang="ko-KR" baseline="0" dirty="0" err="1" smtClean="0"/>
+              <a:rPr lang="en-US" altLang="ko-KR" baseline="0" dirty="0" err="1"/>
               <a:t>init</a:t>
             </a:r>
             <a:r>
-              <a:rPr lang="ko-KR" altLang="en-US" baseline="0" dirty="0" smtClean="0"/>
+              <a:rPr lang="ko-KR" altLang="en-US" baseline="0" dirty="0"/>
               <a:t>은 자동으로 </a:t>
             </a:r>
             <a:r>
-              <a:rPr lang="en-US" altLang="ko-KR" baseline="0" dirty="0" err="1" smtClean="0"/>
+              <a:rPr lang="en-US" altLang="ko-KR" baseline="0" dirty="0" err="1"/>
               <a:t>git</a:t>
             </a:r>
             <a:r>
-              <a:rPr lang="en-US" altLang="ko-KR" baseline="0" dirty="0" smtClean="0"/>
+              <a:rPr lang="en-US" altLang="ko-KR" baseline="0" dirty="0"/>
               <a:t> sparse-checkout set /* !/*/ </a:t>
             </a:r>
             <a:r>
-              <a:rPr lang="ko-KR" altLang="en-US" baseline="0" dirty="0" smtClean="0"/>
+              <a:rPr lang="ko-KR" altLang="en-US" baseline="0" dirty="0"/>
               <a:t>을 </a:t>
             </a:r>
             <a:r>
-              <a:rPr lang="ko-KR" altLang="en-US" baseline="0" dirty="0" err="1" smtClean="0"/>
+              <a:rPr lang="ko-KR" altLang="en-US" baseline="0" dirty="0" err="1"/>
               <a:t>동작시킴</a:t>
             </a:r>
             <a:r>
-              <a:rPr lang="en-US" altLang="ko-KR" baseline="0" dirty="0" smtClean="0"/>
+              <a:rPr lang="en-US" altLang="ko-KR" baseline="0" dirty="0"/>
               <a:t>(?) </a:t>
             </a:r>
             <a:r>
-              <a:rPr lang="ko-KR" altLang="en-US" baseline="0" dirty="0" smtClean="0"/>
+              <a:rPr lang="ko-KR" altLang="en-US" baseline="0" dirty="0"/>
               <a:t>따라서 </a:t>
             </a:r>
             <a:r>
-              <a:rPr lang="en-US" altLang="ko-KR" baseline="0" dirty="0" smtClean="0"/>
+              <a:rPr lang="en-US" altLang="ko-KR" baseline="0" dirty="0"/>
               <a:t>(</a:t>
             </a:r>
             <a:r>
-              <a:rPr lang="en-US" altLang="ko-KR" baseline="0" dirty="0" err="1" smtClean="0"/>
+              <a:rPr lang="en-US" altLang="ko-KR" baseline="0" dirty="0" err="1"/>
               <a:t>main|SPARSE</a:t>
             </a:r>
             <a:r>
-              <a:rPr lang="en-US" altLang="ko-KR" baseline="0" dirty="0" smtClean="0"/>
+              <a:rPr lang="en-US" altLang="ko-KR" baseline="0" dirty="0"/>
               <a:t>) </a:t>
             </a:r>
             <a:r>
-              <a:rPr lang="ko-KR" altLang="en-US" baseline="0" dirty="0" smtClean="0"/>
+              <a:rPr lang="ko-KR" altLang="en-US" baseline="0" dirty="0"/>
               <a:t>표시가 됨</a:t>
             </a:r>
             <a:r>
-              <a:rPr lang="en-US" altLang="ko-KR" baseline="0" dirty="0" smtClean="0"/>
+              <a:rPr lang="en-US" altLang="ko-KR" baseline="0" dirty="0"/>
               <a:t>.</a:t>
             </a:r>
           </a:p>
@@ -3213,54 +3213,54 @@
               <a:defRPr/>
             </a:pPr>
             <a:r>
-              <a:rPr lang="en-US" altLang="ko-KR" dirty="0" err="1" smtClean="0"/>
+              <a:rPr lang="en-US" altLang="ko-KR" dirty="0" err="1"/>
               <a:t>Git</a:t>
             </a:r>
             <a:r>
-              <a:rPr lang="en-US" altLang="ko-KR" dirty="0" smtClean="0"/>
+              <a:rPr lang="en-US" altLang="ko-KR" dirty="0"/>
               <a:t> sparse-checkout set </a:t>
             </a:r>
             <a:r>
-              <a:rPr lang="ko-KR" altLang="en-US" dirty="0" smtClean="0"/>
+              <a:rPr lang="ko-KR" altLang="en-US" dirty="0"/>
               <a:t>은 </a:t>
             </a:r>
             <a:r>
-              <a:rPr lang="en-US" altLang="ko-KR" dirty="0" smtClean="0"/>
+              <a:rPr lang="en-US" altLang="ko-KR" dirty="0"/>
               <a:t>command</a:t>
             </a:r>
             <a:r>
-              <a:rPr lang="ko-KR" altLang="en-US" dirty="0" smtClean="0"/>
+              <a:rPr lang="ko-KR" altLang="en-US" dirty="0"/>
               <a:t>창에 </a:t>
             </a:r>
             <a:r>
-              <a:rPr lang="en-US" altLang="ko-KR" dirty="0" smtClean="0"/>
+              <a:rPr lang="en-US" altLang="ko-KR" dirty="0"/>
               <a:t>(main)</a:t>
             </a:r>
             <a:r>
-              <a:rPr lang="en-US" altLang="ko-KR" baseline="0" dirty="0" smtClean="0"/>
+              <a:rPr lang="en-US" altLang="ko-KR" baseline="0" dirty="0"/>
               <a:t> </a:t>
             </a:r>
             <a:r>
-              <a:rPr lang="ko-KR" altLang="en-US" baseline="0" dirty="0" smtClean="0"/>
+              <a:rPr lang="ko-KR" altLang="en-US" baseline="0" dirty="0"/>
               <a:t>을 </a:t>
             </a:r>
             <a:r>
-              <a:rPr lang="en-US" altLang="ko-KR" baseline="0" dirty="0" smtClean="0"/>
+              <a:rPr lang="en-US" altLang="ko-KR" baseline="0" dirty="0"/>
               <a:t>(</a:t>
             </a:r>
             <a:r>
-              <a:rPr lang="en-US" altLang="ko-KR" baseline="0" dirty="0" err="1" smtClean="0"/>
+              <a:rPr lang="en-US" altLang="ko-KR" baseline="0" dirty="0" err="1"/>
               <a:t>main|SPARSE</a:t>
             </a:r>
             <a:r>
-              <a:rPr lang="en-US" altLang="ko-KR" baseline="0" dirty="0" smtClean="0"/>
+              <a:rPr lang="en-US" altLang="ko-KR" baseline="0" dirty="0"/>
               <a:t>)</a:t>
             </a:r>
             <a:r>
-              <a:rPr lang="ko-KR" altLang="en-US" baseline="0" dirty="0" smtClean="0"/>
+              <a:rPr lang="ko-KR" altLang="en-US" baseline="0" dirty="0"/>
               <a:t>표현으로 전환시킴</a:t>
             </a:r>
-            <a:endParaRPr lang="en-US" altLang="ko-KR" dirty="0" smtClean="0"/>
+            <a:endParaRPr lang="en-US" altLang="ko-KR" dirty="0"/>
           </a:p>
         </p:txBody>
       </p:sp>
@@ -3345,26 +3345,26 @@
           <a:lstStyle/>
           <a:p>
             <a:r>
-              <a:rPr lang="en-US" altLang="ko-KR" dirty="0" smtClean="0"/>
+              <a:rPr lang="en-US" altLang="ko-KR" dirty="0"/>
               <a:t>Reapply</a:t>
             </a:r>
             <a:r>
-              <a:rPr lang="ko-KR" altLang="en-US" dirty="0" smtClean="0"/>
+              <a:rPr lang="ko-KR" altLang="en-US" dirty="0"/>
               <a:t>는 </a:t>
             </a:r>
             <a:r>
-              <a:rPr lang="en-US" altLang="ko-KR" dirty="0" smtClean="0"/>
+              <a:rPr lang="en-US" altLang="ko-KR" dirty="0"/>
               <a:t>sparse-checkout</a:t>
             </a:r>
             <a:r>
-              <a:rPr lang="en-US" altLang="ko-KR" baseline="0" dirty="0" smtClean="0"/>
+              <a:rPr lang="en-US" altLang="ko-KR" baseline="0" dirty="0"/>
               <a:t> </a:t>
             </a:r>
             <a:r>
-              <a:rPr lang="ko-KR" altLang="en-US" baseline="0" dirty="0" smtClean="0"/>
+              <a:rPr lang="ko-KR" altLang="en-US" baseline="0" dirty="0"/>
               <a:t>을 다시 동작 시킴</a:t>
             </a:r>
-            <a:endParaRPr lang="en-US" altLang="ko-KR" baseline="0" dirty="0" smtClean="0"/>
+            <a:endParaRPr lang="en-US" altLang="ko-KR" baseline="0" dirty="0"/>
           </a:p>
           <a:p>
             <a:pPr marL="0" marR="0" indent="0" algn="l" defTabSz="914400" rtl="0" eaLnBrk="1" fontAlgn="auto" latinLnBrk="1" hangingPunct="1">
@@ -3385,14 +3385,14 @@
               <a:defRPr/>
             </a:pPr>
             <a:r>
-              <a:rPr lang="en-US" altLang="ko-KR" dirty="0" smtClean="0"/>
+              <a:rPr lang="en-US" altLang="ko-KR" dirty="0"/>
               <a:t>Re: regular</a:t>
             </a:r>
             <a:r>
-              <a:rPr lang="en-US" altLang="ko-KR" baseline="0" dirty="0" smtClean="0"/>
+              <a:rPr lang="en-US" altLang="ko-KR" baseline="0" dirty="0"/>
               <a:t> expression</a:t>
             </a:r>
-            <a:endParaRPr lang="ko-KR" altLang="en-US" dirty="0" smtClean="0"/>
+            <a:endParaRPr lang="ko-KR" altLang="en-US" dirty="0"/>
           </a:p>
           <a:p>
             <a:endParaRPr lang="ko-KR" altLang="en-US" dirty="0"/>
@@ -3480,11 +3480,11 @@
           <a:lstStyle/>
           <a:p>
             <a:r>
-              <a:rPr lang="en-US" altLang="ko-KR" dirty="0" smtClean="0"/>
+              <a:rPr lang="en-US" altLang="ko-KR" dirty="0"/>
               <a:t>Re: regular</a:t>
             </a:r>
             <a:r>
-              <a:rPr lang="en-US" altLang="ko-KR" baseline="0" dirty="0" smtClean="0"/>
+              <a:rPr lang="en-US" altLang="ko-KR" baseline="0" dirty="0"/>
               <a:t> expression</a:t>
             </a:r>
             <a:endParaRPr lang="ko-KR" altLang="en-US" dirty="0"/>
@@ -3824,13 +3824,13 @@
           <a:lstStyle/>
           <a:p>
             <a:r>
-              <a:rPr lang="en-US" altLang="ko-KR" dirty="0" smtClean="0"/>
+              <a:rPr lang="en-US" altLang="ko-KR" dirty="0"/>
               <a:t>https://stackoverflow.com/questions/28760940/why-does-one-call-git-read-tree-after-a-sparse-checkout</a:t>
             </a:r>
           </a:p>
           <a:p>
             <a:r>
-              <a:rPr lang="en-US" altLang="ko-KR" dirty="0" smtClean="0"/>
+              <a:rPr lang="en-US" altLang="ko-KR" dirty="0"/>
               <a:t>https://stackoverflow.com/questions/9572407/git-sparse-checkout-with-exclusion</a:t>
             </a:r>
             <a:endParaRPr lang="ko-KR" altLang="en-US" dirty="0"/>
@@ -15795,14 +15795,13 @@
           <a:lstStyle/>
           <a:p>
             <a:r>
-              <a:rPr lang="en-US" altLang="ko-KR" dirty="0" smtClean="0"/>
+              <a:rPr lang="en-US" altLang="ko-KR" dirty="0"/>
               <a:t>Sparse-checkout </a:t>
             </a:r>
             <a:r>
-              <a:rPr lang="ko-KR" altLang="en-US" dirty="0" smtClean="0"/>
+              <a:rPr lang="ko-KR" altLang="en-US" dirty="0"/>
               <a:t>사용</a:t>
             </a:r>
-            <a:endParaRPr lang="ko-KR" altLang="en-US" dirty="0"/>
           </a:p>
         </p:txBody>
       </p:sp>
@@ -15974,15 +15973,15 @@
           </a:lstStyle>
           <a:p>
             <a:r>
-              <a:rPr lang="ko-KR" altLang="en-US" dirty="0" smtClean="0"/>
+              <a:rPr lang="ko-KR" altLang="en-US" dirty="0"/>
               <a:t>원하는 폴더나 파일만 </a:t>
             </a:r>
             <a:r>
-              <a:rPr lang="en-US" altLang="ko-KR" dirty="0" smtClean="0"/>
+              <a:rPr lang="en-US" altLang="ko-KR" dirty="0"/>
               <a:t>clone</a:t>
             </a:r>
             <a:r>
-              <a:rPr lang="ko-KR" altLang="en-US" dirty="0" smtClean="0"/>
+              <a:rPr lang="ko-KR" altLang="en-US" dirty="0"/>
               <a:t>하여 사용하기</a:t>
             </a:r>
             <a:endParaRPr lang="en-US" altLang="ko-KR" dirty="0"/>
@@ -15990,90 +15989,90 @@
           <a:p>
             <a:pPr lvl="1"/>
             <a:r>
-              <a:rPr lang="ko-KR" altLang="en-US" dirty="0" smtClean="0"/>
+              <a:rPr lang="ko-KR" altLang="en-US" dirty="0"/>
               <a:t>저장소에서 특정 폴더나 파일만 보이도록 체크아웃하는 기능의 명령어</a:t>
             </a:r>
-            <a:endParaRPr lang="en-US" altLang="ko-KR" dirty="0" smtClean="0"/>
+            <a:endParaRPr lang="en-US" altLang="ko-KR" dirty="0"/>
           </a:p>
           <a:p>
             <a:pPr lvl="1"/>
             <a:r>
-              <a:rPr lang="en-US" altLang="ko-KR" dirty="0" smtClean="0"/>
+              <a:rPr lang="en-US" altLang="ko-KR" dirty="0"/>
               <a:t>History</a:t>
             </a:r>
             <a:r>
-              <a:rPr lang="ko-KR" altLang="en-US" dirty="0" smtClean="0"/>
+              <a:rPr lang="ko-KR" altLang="en-US" dirty="0"/>
               <a:t>는 공유되기 때문에 작업 후 </a:t>
             </a:r>
             <a:r>
-              <a:rPr lang="en-US" altLang="ko-KR" dirty="0" smtClean="0"/>
+              <a:rPr lang="en-US" altLang="ko-KR" dirty="0"/>
               <a:t>push</a:t>
             </a:r>
             <a:r>
-              <a:rPr lang="ko-KR" altLang="en-US" dirty="0" smtClean="0"/>
+              <a:rPr lang="ko-KR" altLang="en-US" dirty="0"/>
               <a:t>를 할 경우</a:t>
             </a:r>
             <a:r>
-              <a:rPr lang="en-US" altLang="ko-KR" dirty="0" smtClean="0"/>
+              <a:rPr lang="en-US" altLang="ko-KR" dirty="0"/>
               <a:t>, </a:t>
             </a:r>
             <a:r>
-              <a:rPr lang="ko-KR" altLang="en-US" dirty="0" smtClean="0"/>
+              <a:rPr lang="ko-KR" altLang="en-US" dirty="0"/>
               <a:t>기존과 마찬가지로 </a:t>
             </a:r>
             <a:r>
-              <a:rPr lang="en-US" altLang="ko-KR" dirty="0" smtClean="0"/>
+              <a:rPr lang="en-US" altLang="ko-KR" dirty="0"/>
               <a:t>conflict</a:t>
             </a:r>
             <a:r>
-              <a:rPr lang="ko-KR" altLang="en-US" dirty="0" smtClean="0"/>
+              <a:rPr lang="ko-KR" altLang="en-US" dirty="0"/>
               <a:t>가 발생가능하기 때문에 </a:t>
             </a:r>
             <a:r>
-              <a:rPr lang="en-US" altLang="ko-KR" dirty="0" smtClean="0"/>
+              <a:rPr lang="en-US" altLang="ko-KR" dirty="0"/>
               <a:t>pull</a:t>
             </a:r>
             <a:r>
-              <a:rPr lang="ko-KR" altLang="en-US" dirty="0" smtClean="0"/>
+              <a:rPr lang="ko-KR" altLang="en-US" dirty="0"/>
               <a:t>로 먼저 다듬고 </a:t>
             </a:r>
             <a:r>
-              <a:rPr lang="en-US" altLang="ko-KR" dirty="0" smtClean="0"/>
+              <a:rPr lang="en-US" altLang="ko-KR" dirty="0"/>
               <a:t>push</a:t>
             </a:r>
             <a:r>
-              <a:rPr lang="ko-KR" altLang="en-US" dirty="0" smtClean="0"/>
+              <a:rPr lang="ko-KR" altLang="en-US" dirty="0"/>
               <a:t>를 해야 함</a:t>
             </a:r>
             <a:r>
-              <a:rPr lang="en-US" altLang="ko-KR" dirty="0" smtClean="0"/>
+              <a:rPr lang="en-US" altLang="ko-KR" dirty="0"/>
               <a:t>.</a:t>
             </a:r>
           </a:p>
           <a:p>
             <a:pPr lvl="1"/>
             <a:r>
-              <a:rPr lang="ko-KR" altLang="en-US" dirty="0" smtClean="0"/>
+              <a:rPr lang="ko-KR" altLang="en-US" dirty="0"/>
               <a:t>다른 폴더나 파일은 보이지 않아서 작업하기에는 편해 보이나</a:t>
             </a:r>
             <a:r>
-              <a:rPr lang="en-US" altLang="ko-KR" dirty="0" smtClean="0"/>
+              <a:rPr lang="en-US" altLang="ko-KR" dirty="0"/>
               <a:t>,</a:t>
             </a:r>
             <a:r>
-              <a:rPr lang="ko-KR" altLang="en-US" dirty="0" smtClean="0"/>
+              <a:rPr lang="ko-KR" altLang="en-US" dirty="0"/>
               <a:t> </a:t>
             </a:r>
             <a:r>
-              <a:rPr lang="en-US" altLang="ko-KR" dirty="0" smtClean="0"/>
+              <a:rPr lang="en-US" altLang="ko-KR" dirty="0"/>
               <a:t>Commit </a:t>
             </a:r>
             <a:r>
-              <a:rPr lang="ko-KR" altLang="en-US" dirty="0" smtClean="0"/>
+              <a:rPr lang="ko-KR" altLang="en-US" dirty="0"/>
               <a:t>스냅샷은 독립적으로 움직일 수 없기 때문에 합쳐지면서 추가적인 작업이 발생할 수 있음</a:t>
             </a:r>
             <a:r>
-              <a:rPr lang="en-US" altLang="ko-KR" dirty="0" smtClean="0"/>
+              <a:rPr lang="en-US" altLang="ko-KR" dirty="0"/>
               <a:t>.</a:t>
             </a:r>
           </a:p>
@@ -16087,15 +16086,9 @@
               <a:rPr lang="en-US" altLang="ko-KR" dirty="0">
                 <a:hlinkClick r:id="rId3"/>
               </a:rPr>
-              <a:t>https://</a:t>
-            </a:r>
-            <a:r>
-              <a:rPr lang="en-US" altLang="ko-KR" dirty="0" smtClean="0">
-                <a:hlinkClick r:id="rId3"/>
-              </a:rPr>
-              <a:t>bitlog.tistory.com/132</a:t>
-            </a:r>
-            <a:endParaRPr lang="en-US" altLang="ko-KR" dirty="0" smtClean="0"/>
+              <a:t>https://bitlog.tistory.com/132</a:t>
+            </a:r>
+            <a:endParaRPr lang="en-US" altLang="ko-KR" dirty="0"/>
           </a:p>
           <a:p>
             <a:pPr lvl="1"/>
@@ -16158,14 +16151,13 @@
           <a:lstStyle/>
           <a:p>
             <a:r>
-              <a:rPr lang="en-US" altLang="ko-KR" dirty="0" smtClean="0"/>
+              <a:rPr lang="en-US" altLang="ko-KR" dirty="0"/>
               <a:t>Sparse-checkout </a:t>
             </a:r>
             <a:r>
-              <a:rPr lang="ko-KR" altLang="en-US" dirty="0" smtClean="0"/>
+              <a:rPr lang="ko-KR" altLang="en-US" dirty="0"/>
               <a:t>사용</a:t>
             </a:r>
-            <a:endParaRPr lang="ko-KR" altLang="en-US" dirty="0"/>
           </a:p>
         </p:txBody>
       </p:sp>
@@ -16337,7 +16329,7 @@
           </a:lstStyle>
           <a:p>
             <a:r>
-              <a:rPr lang="ko-KR" altLang="en-US" dirty="0" smtClean="0"/>
+              <a:rPr lang="ko-KR" altLang="en-US" dirty="0"/>
               <a:t>원하는 폴더나 파일만 사용하기</a:t>
             </a:r>
             <a:endParaRPr lang="en-US" altLang="ko-KR" dirty="0"/>
@@ -16345,67 +16337,67 @@
           <a:p>
             <a:pPr lvl="1"/>
             <a:r>
-              <a:rPr lang="ko-KR" altLang="en-US" dirty="0" smtClean="0"/>
+              <a:rPr lang="ko-KR" altLang="en-US" dirty="0"/>
               <a:t>현재 </a:t>
             </a:r>
             <a:r>
-              <a:rPr lang="en-US" altLang="ko-KR" dirty="0" smtClean="0"/>
+              <a:rPr lang="en-US" altLang="ko-KR" dirty="0"/>
               <a:t>working directory</a:t>
             </a:r>
             <a:r>
-              <a:rPr lang="ko-KR" altLang="en-US" dirty="0" smtClean="0"/>
+              <a:rPr lang="ko-KR" altLang="en-US" dirty="0"/>
               <a:t>에서 원하는 파일이나 폴더만 보고자 할 때</a:t>
             </a:r>
-            <a:endParaRPr lang="en-US" altLang="ko-KR" dirty="0" smtClean="0"/>
+            <a:endParaRPr lang="en-US" altLang="ko-KR" dirty="0"/>
           </a:p>
           <a:p>
             <a:pPr lvl="1"/>
             <a:r>
-              <a:rPr lang="en-US" altLang="ko-KR" dirty="0" smtClean="0"/>
+              <a:rPr lang="en-US" altLang="ko-KR" dirty="0"/>
               <a:t>Commit</a:t>
             </a:r>
             <a:r>
-              <a:rPr lang="ko-KR" altLang="en-US" dirty="0" smtClean="0"/>
+              <a:rPr lang="ko-KR" altLang="en-US" dirty="0"/>
               <a:t>을 완료하고 </a:t>
             </a:r>
             <a:r>
-              <a:rPr lang="en-US" altLang="ko-KR" dirty="0" smtClean="0"/>
+              <a:rPr lang="en-US" altLang="ko-KR" dirty="0"/>
               <a:t>working tree clean</a:t>
             </a:r>
             <a:r>
-              <a:rPr lang="ko-KR" altLang="en-US" dirty="0" smtClean="0"/>
+              <a:rPr lang="ko-KR" altLang="en-US" dirty="0"/>
               <a:t>인 상태에서 진행</a:t>
             </a:r>
-            <a:endParaRPr lang="en-US" altLang="ko-KR" dirty="0" smtClean="0"/>
+            <a:endParaRPr lang="en-US" altLang="ko-KR" dirty="0"/>
           </a:p>
           <a:p>
             <a:pPr lvl="1"/>
             <a:r>
-              <a:rPr lang="en-US" altLang="ko-KR" dirty="0" err="1" smtClean="0"/>
+              <a:rPr lang="en-US" altLang="ko-KR" dirty="0" err="1"/>
               <a:t>git</a:t>
             </a:r>
             <a:r>
-              <a:rPr lang="en-US" altLang="ko-KR" dirty="0" smtClean="0"/>
+              <a:rPr lang="en-US" altLang="ko-KR" dirty="0"/>
               <a:t> </a:t>
             </a:r>
             <a:r>
-              <a:rPr lang="en-US" altLang="ko-KR" dirty="0" err="1" smtClean="0"/>
+              <a:rPr lang="en-US" altLang="ko-KR" dirty="0" err="1"/>
               <a:t>config</a:t>
             </a:r>
             <a:r>
-              <a:rPr lang="en-US" altLang="ko-KR" dirty="0" smtClean="0"/>
+              <a:rPr lang="en-US" altLang="ko-KR" dirty="0"/>
               <a:t> </a:t>
             </a:r>
             <a:r>
-              <a:rPr lang="en-US" altLang="ko-KR" dirty="0" err="1" smtClean="0"/>
+              <a:rPr lang="en-US" altLang="ko-KR" dirty="0" err="1"/>
               <a:t>core.sparseCheckout</a:t>
             </a:r>
             <a:r>
-              <a:rPr lang="en-US" altLang="ko-KR" dirty="0" smtClean="0"/>
+              <a:rPr lang="en-US" altLang="ko-KR" dirty="0"/>
               <a:t> true </a:t>
             </a:r>
             <a:r>
-              <a:rPr lang="en-US" altLang="ko-KR" dirty="0" smtClean="0">
+              <a:rPr lang="en-US" altLang="ko-KR" dirty="0">
                 <a:solidFill>
                   <a:srgbClr val="FF0000"/>
                 </a:solidFill>
@@ -16413,7 +16405,7 @@
               <a:t># </a:t>
             </a:r>
             <a:r>
-              <a:rPr lang="en-US" altLang="ko-KR" dirty="0" err="1" smtClean="0">
+              <a:rPr lang="en-US" altLang="ko-KR" dirty="0" err="1">
                 <a:solidFill>
                   <a:srgbClr val="FF0000"/>
                 </a:solidFill>
@@ -16421,7 +16413,7 @@
               <a:t>git</a:t>
             </a:r>
             <a:r>
-              <a:rPr lang="en-US" altLang="ko-KR" dirty="0" smtClean="0">
+              <a:rPr lang="en-US" altLang="ko-KR" dirty="0">
                 <a:solidFill>
                   <a:srgbClr val="FF0000"/>
                 </a:solidFill>
@@ -16429,7 +16421,7 @@
               <a:t> sparse-checkout </a:t>
             </a:r>
             <a:r>
-              <a:rPr lang="en-US" altLang="ko-KR" dirty="0" err="1" smtClean="0">
+              <a:rPr lang="en-US" altLang="ko-KR" dirty="0" err="1">
                 <a:solidFill>
                   <a:srgbClr val="FF0000"/>
                 </a:solidFill>
@@ -16437,7 +16429,7 @@
               <a:t>init</a:t>
             </a:r>
             <a:r>
-              <a:rPr lang="ko-KR" altLang="en-US" dirty="0" smtClean="0">
+              <a:rPr lang="ko-KR" altLang="en-US" dirty="0">
                 <a:solidFill>
                   <a:srgbClr val="FF0000"/>
                 </a:solidFill>
@@ -16445,7 +16437,7 @@
               <a:t>를 수행하면 </a:t>
             </a:r>
             <a:r>
-              <a:rPr lang="en-US" altLang="ko-KR" dirty="0" smtClean="0">
+              <a:rPr lang="en-US" altLang="ko-KR" dirty="0">
                 <a:solidFill>
                   <a:srgbClr val="FF0000"/>
                 </a:solidFill>
@@ -16453,7 +16445,7 @@
               <a:t>true</a:t>
             </a:r>
             <a:r>
-              <a:rPr lang="ko-KR" altLang="en-US" dirty="0" smtClean="0">
+              <a:rPr lang="ko-KR" altLang="en-US" dirty="0">
                 <a:solidFill>
                   <a:srgbClr val="FF0000"/>
                 </a:solidFill>
@@ -16461,7 +16453,7 @@
               <a:t>로 </a:t>
             </a:r>
             <a:r>
-              <a:rPr lang="en-US" altLang="ko-KR" dirty="0" smtClean="0">
+              <a:rPr lang="en-US" altLang="ko-KR" dirty="0">
                 <a:solidFill>
                   <a:srgbClr val="FF0000"/>
                 </a:solidFill>
@@ -16469,7 +16461,7 @@
               <a:t>setting</a:t>
             </a:r>
             <a:r>
-              <a:rPr lang="ko-KR" altLang="en-US" dirty="0" smtClean="0">
+              <a:rPr lang="ko-KR" altLang="en-US" dirty="0">
                 <a:solidFill>
                   <a:srgbClr val="FF0000"/>
                 </a:solidFill>
@@ -16477,7 +16469,7 @@
               <a:t>됨 </a:t>
             </a:r>
             <a:r>
-              <a:rPr lang="en-US" altLang="ko-KR" dirty="0" smtClean="0">
+              <a:rPr lang="en-US" altLang="ko-KR" dirty="0">
                 <a:solidFill>
                   <a:srgbClr val="FF0000"/>
                 </a:solidFill>
@@ -16485,7 +16477,7 @@
               <a:t>(</a:t>
             </a:r>
             <a:r>
-              <a:rPr lang="ko-KR" altLang="en-US" dirty="0" smtClean="0">
+              <a:rPr lang="ko-KR" altLang="en-US" dirty="0">
                 <a:solidFill>
                   <a:srgbClr val="FF0000"/>
                 </a:solidFill>
@@ -16493,7 +16485,7 @@
               <a:t>아님</a:t>
             </a:r>
             <a:r>
-              <a:rPr lang="en-US" altLang="ko-KR" dirty="0" smtClean="0">
+              <a:rPr lang="en-US" altLang="ko-KR" dirty="0">
                 <a:solidFill>
                   <a:srgbClr val="FF0000"/>
                 </a:solidFill>
@@ -16506,23 +16498,23 @@
               <a:buNone/>
             </a:pPr>
             <a:r>
-              <a:rPr lang="en-US" altLang="ko-KR" dirty="0" smtClean="0"/>
+              <a:rPr lang="en-US" altLang="ko-KR" dirty="0"/>
               <a:t>$ </a:t>
             </a:r>
             <a:r>
-              <a:rPr lang="en-US" altLang="ko-KR" dirty="0" err="1" smtClean="0"/>
+              <a:rPr lang="en-US" altLang="ko-KR" dirty="0" err="1"/>
               <a:t>git</a:t>
             </a:r>
             <a:r>
-              <a:rPr lang="en-US" altLang="ko-KR" dirty="0" smtClean="0"/>
+              <a:rPr lang="en-US" altLang="ko-KR" dirty="0"/>
               <a:t> sparse-checkout </a:t>
             </a:r>
             <a:r>
-              <a:rPr lang="en-US" altLang="ko-KR" dirty="0" err="1" smtClean="0"/>
+              <a:rPr lang="en-US" altLang="ko-KR" dirty="0" err="1"/>
               <a:t>init</a:t>
             </a:r>
             <a:r>
-              <a:rPr lang="en-US" altLang="ko-KR" dirty="0" smtClean="0"/>
+              <a:rPr lang="en-US" altLang="ko-KR" dirty="0"/>
               <a:t>  </a:t>
             </a:r>
           </a:p>
@@ -16531,7 +16523,7 @@
               <a:buNone/>
             </a:pPr>
             <a:r>
-              <a:rPr lang="en-US" altLang="ko-KR" dirty="0" smtClean="0"/>
+              <a:rPr lang="en-US" altLang="ko-KR" dirty="0"/>
               <a:t># ①.</a:t>
             </a:r>
             <a:r>
@@ -16543,59 +16535,59 @@
               <a:t>/info/sparse-checkout </a:t>
             </a:r>
             <a:r>
-              <a:rPr lang="ko-KR" altLang="en-US" dirty="0" smtClean="0"/>
+              <a:rPr lang="ko-KR" altLang="en-US" dirty="0"/>
               <a:t>파일이 없으면 새로 만들고 폴더 외의 모든 파일을 보관하도록 </a:t>
             </a:r>
             <a:r>
-              <a:rPr lang="en-US" altLang="ko-KR" dirty="0" smtClean="0"/>
+              <a:rPr lang="en-US" altLang="ko-KR" dirty="0"/>
               <a:t>setting </a:t>
             </a:r>
             <a:r>
-              <a:rPr lang="ko-KR" altLang="en-US" dirty="0" smtClean="0"/>
+              <a:rPr lang="ko-KR" altLang="en-US" dirty="0"/>
               <a:t>됨 </a:t>
             </a:r>
             <a:r>
-              <a:rPr lang="en-US" altLang="ko-KR" dirty="0" smtClean="0"/>
+              <a:rPr lang="en-US" altLang="ko-KR" dirty="0"/>
               <a:t>(</a:t>
             </a:r>
             <a:r>
-              <a:rPr lang="ko-KR" altLang="en-US" dirty="0" smtClean="0"/>
+              <a:rPr lang="ko-KR" altLang="en-US" dirty="0"/>
               <a:t>주의 </a:t>
             </a:r>
             <a:r>
-              <a:rPr lang="en-US" altLang="ko-KR" dirty="0" smtClean="0"/>
+              <a:rPr lang="en-US" altLang="ko-KR" dirty="0"/>
               <a:t>root directory(working directory)</a:t>
             </a:r>
             <a:r>
-              <a:rPr lang="ko-KR" altLang="en-US" dirty="0" smtClean="0"/>
+              <a:rPr lang="ko-KR" altLang="en-US" dirty="0"/>
               <a:t>에 폴더가 있을 경우 표시되지 않음</a:t>
             </a:r>
             <a:r>
-              <a:rPr lang="en-US" altLang="ko-KR" dirty="0" smtClean="0"/>
+              <a:rPr lang="en-US" altLang="ko-KR" dirty="0"/>
               <a:t>.② .</a:t>
             </a:r>
             <a:r>
-              <a:rPr lang="en-US" altLang="ko-KR" dirty="0" err="1" smtClean="0"/>
+              <a:rPr lang="en-US" altLang="ko-KR" dirty="0" err="1"/>
               <a:t>git</a:t>
             </a:r>
             <a:r>
-              <a:rPr lang="en-US" altLang="ko-KR" dirty="0" smtClean="0"/>
+              <a:rPr lang="en-US" altLang="ko-KR" dirty="0"/>
               <a:t>/</a:t>
             </a:r>
             <a:r>
-              <a:rPr lang="en-US" altLang="ko-KR" dirty="0" err="1" smtClean="0"/>
+              <a:rPr lang="en-US" altLang="ko-KR" dirty="0" err="1"/>
               <a:t>config</a:t>
             </a:r>
             <a:r>
-              <a:rPr lang="en-US" altLang="ko-KR" dirty="0" smtClean="0"/>
+              <a:rPr lang="en-US" altLang="ko-KR" dirty="0"/>
               <a:t> </a:t>
             </a:r>
             <a:r>
-              <a:rPr lang="ko-KR" altLang="en-US" dirty="0" smtClean="0"/>
+              <a:rPr lang="ko-KR" altLang="en-US" dirty="0"/>
               <a:t>파일</a:t>
             </a:r>
             <a:r>
-              <a:rPr lang="en-US" altLang="ko-KR" dirty="0" smtClean="0"/>
+              <a:rPr lang="en-US" altLang="ko-KR" dirty="0"/>
               <a:t>: </a:t>
             </a:r>
             <a:r>
@@ -16604,53 +16596,37 @@
             </a:r>
             <a:r>
               <a:rPr lang="en-US" altLang="ko-KR" dirty="0"/>
+              <a:t> false</a:t>
+            </a:r>
+            <a:r>
+              <a:rPr lang="ko-KR" altLang="en-US" dirty="0"/>
+              <a:t>를</a:t>
+            </a:r>
+            <a:r>
+              <a:rPr lang="en-US" altLang="ko-KR" dirty="0"/>
               <a:t> </a:t>
             </a:r>
             <a:r>
-              <a:rPr lang="en-US" altLang="ko-KR" dirty="0" smtClean="0"/>
-              <a:t>false</a:t>
-            </a:r>
-            <a:r>
-              <a:rPr lang="ko-KR" altLang="en-US" dirty="0" smtClean="0"/>
-              <a:t>를</a:t>
-            </a:r>
-            <a:r>
-              <a:rPr lang="en-US" altLang="ko-KR" dirty="0" smtClean="0"/>
-              <a:t> </a:t>
-            </a:r>
-            <a:r>
-              <a:rPr lang="en-US" altLang="ko-KR" dirty="0" err="1" smtClean="0"/>
+              <a:rPr lang="en-US" altLang="ko-KR" dirty="0" err="1"/>
               <a:t>core.sparseCheckout</a:t>
             </a:r>
             <a:r>
-              <a:rPr lang="en-US" altLang="ko-KR" dirty="0" smtClean="0"/>
+              <a:rPr lang="en-US" altLang="ko-KR" dirty="0"/>
               <a:t> true</a:t>
             </a:r>
             <a:r>
-              <a:rPr lang="ko-KR" altLang="en-US" dirty="0" smtClean="0"/>
+              <a:rPr lang="ko-KR" altLang="en-US" dirty="0"/>
               <a:t>로 수정됨</a:t>
             </a:r>
-            <a:endParaRPr lang="en-US" altLang="ko-KR" dirty="0" smtClean="0"/>
+            <a:endParaRPr lang="en-US" altLang="ko-KR" dirty="0"/>
           </a:p>
           <a:p>
             <a:pPr marL="266700" lvl="1" indent="0">
               <a:buNone/>
             </a:pPr>
             <a:r>
-              <a:rPr lang="en-US" altLang="ko-KR" dirty="0" smtClean="0"/>
+              <a:rPr lang="en-US" altLang="ko-KR" dirty="0"/>
               <a:t>$ </a:t>
-            </a:r>
-            <a:r>
-              <a:rPr lang="en-US" altLang="ko-KR" dirty="0" err="1" smtClean="0"/>
-              <a:t>git</a:t>
-            </a:r>
-            <a:r>
-              <a:rPr lang="en-US" altLang="ko-KR" dirty="0" smtClean="0"/>
-              <a:t> sparse-checkout set dir1 # </a:t>
-            </a:r>
-            <a:r>
-              <a:rPr lang="en-US" altLang="ko-KR" dirty="0"/>
-              <a:t>.</a:t>
             </a:r>
             <a:r>
               <a:rPr lang="en-US" altLang="ko-KR" dirty="0" err="1"/>
@@ -16658,41 +16634,37 @@
             </a:r>
             <a:r>
               <a:rPr lang="en-US" altLang="ko-KR" dirty="0"/>
+              <a:t> sparse-checkout set dir1 # .</a:t>
+            </a:r>
+            <a:r>
+              <a:rPr lang="en-US" altLang="ko-KR" dirty="0" err="1"/>
+              <a:t>git</a:t>
+            </a:r>
+            <a:r>
+              <a:rPr lang="en-US" altLang="ko-KR" dirty="0"/>
               <a:t>/info/sparse-checkout </a:t>
             </a:r>
             <a:r>
-              <a:rPr lang="ko-KR" altLang="en-US" dirty="0" smtClean="0"/>
+              <a:rPr lang="ko-KR" altLang="en-US" dirty="0"/>
               <a:t>파일의 내용을 없애고 </a:t>
             </a:r>
             <a:r>
-              <a:rPr lang="en-US" altLang="ko-KR" dirty="0" smtClean="0"/>
+              <a:rPr lang="en-US" altLang="ko-KR" dirty="0"/>
               <a:t>dir1</a:t>
             </a:r>
             <a:r>
-              <a:rPr lang="ko-KR" altLang="en-US" dirty="0" smtClean="0"/>
+              <a:rPr lang="ko-KR" altLang="en-US" dirty="0"/>
               <a:t>만 기입함</a:t>
             </a:r>
-            <a:endParaRPr lang="en-US" altLang="ko-KR" dirty="0" smtClean="0"/>
+            <a:endParaRPr lang="en-US" altLang="ko-KR" dirty="0"/>
           </a:p>
           <a:p>
             <a:pPr marL="266700" lvl="1" indent="0">
               <a:buNone/>
             </a:pPr>
             <a:r>
-              <a:rPr lang="en-US" altLang="ko-KR" dirty="0" smtClean="0"/>
+              <a:rPr lang="en-US" altLang="ko-KR" dirty="0"/>
               <a:t>$ </a:t>
-            </a:r>
-            <a:r>
-              <a:rPr lang="en-US" altLang="ko-KR" dirty="0" err="1" smtClean="0"/>
-              <a:t>git</a:t>
-            </a:r>
-            <a:r>
-              <a:rPr lang="en-US" altLang="ko-KR" dirty="0" smtClean="0"/>
-              <a:t> sparse-checkout set dir1 a1 a2 # </a:t>
-            </a:r>
-            <a:r>
-              <a:rPr lang="en-US" altLang="ko-KR" dirty="0"/>
-              <a:t>.</a:t>
             </a:r>
             <a:r>
               <a:rPr lang="en-US" altLang="ko-KR" dirty="0" err="1"/>
@@ -16700,77 +16672,81 @@
             </a:r>
             <a:r>
               <a:rPr lang="en-US" altLang="ko-KR" dirty="0"/>
+              <a:t> sparse-checkout set dir1 a1 a2 # .</a:t>
+            </a:r>
+            <a:r>
+              <a:rPr lang="en-US" altLang="ko-KR" dirty="0" err="1"/>
+              <a:t>git</a:t>
+            </a:r>
+            <a:r>
+              <a:rPr lang="en-US" altLang="ko-KR" dirty="0"/>
               <a:t>/info/sparse-checkout </a:t>
             </a:r>
             <a:r>
               <a:rPr lang="ko-KR" altLang="en-US" dirty="0"/>
-              <a:t>파일의 </a:t>
-            </a:r>
-            <a:r>
-              <a:rPr lang="ko-KR" altLang="en-US" dirty="0" smtClean="0"/>
-              <a:t>내용을 </a:t>
-            </a:r>
-            <a:r>
-              <a:rPr lang="en-US" altLang="ko-KR" dirty="0" smtClean="0"/>
+              <a:t>파일의 내용을 </a:t>
+            </a:r>
+            <a:r>
+              <a:rPr lang="en-US" altLang="ko-KR" dirty="0"/>
               <a:t>dir1, a1, a2</a:t>
             </a:r>
             <a:r>
-              <a:rPr lang="ko-KR" altLang="en-US" dirty="0" smtClean="0"/>
+              <a:rPr lang="ko-KR" altLang="en-US" dirty="0"/>
               <a:t>로 채움</a:t>
             </a:r>
-            <a:endParaRPr lang="en-US" altLang="ko-KR" dirty="0" smtClean="0"/>
+            <a:endParaRPr lang="en-US" altLang="ko-KR" dirty="0"/>
           </a:p>
           <a:p>
             <a:pPr marL="266700" lvl="1" indent="0">
               <a:buNone/>
             </a:pPr>
             <a:r>
-              <a:rPr lang="en-US" altLang="ko-KR" dirty="0" smtClean="0"/>
+              <a:rPr lang="en-US" altLang="ko-KR" dirty="0"/>
               <a:t>$ echo “a3” &gt;&gt; .</a:t>
             </a:r>
             <a:r>
-              <a:rPr lang="en-US" altLang="ko-KR" dirty="0" err="1" smtClean="0"/>
+              <a:rPr lang="en-US" altLang="ko-KR" dirty="0" err="1"/>
               <a:t>git</a:t>
             </a:r>
             <a:r>
-              <a:rPr lang="en-US" altLang="ko-KR" dirty="0" smtClean="0"/>
+              <a:rPr lang="en-US" altLang="ko-KR" dirty="0"/>
               <a:t>/info/sparse-checkout # a3</a:t>
             </a:r>
             <a:r>
-              <a:rPr lang="ko-KR" altLang="en-US" dirty="0" smtClean="0"/>
+              <a:rPr lang="ko-KR" altLang="en-US" dirty="0"/>
               <a:t>를 추가</a:t>
             </a:r>
-            <a:endParaRPr lang="en-US" altLang="ko-KR" dirty="0" smtClean="0"/>
+            <a:endParaRPr lang="en-US" altLang="ko-KR" dirty="0"/>
           </a:p>
           <a:p>
             <a:pPr marL="266700" lvl="1" indent="0">
               <a:buNone/>
             </a:pPr>
             <a:r>
-              <a:rPr lang="en-US" altLang="ko-KR" dirty="0" smtClean="0"/>
+              <a:rPr lang="en-US" altLang="ko-KR" dirty="0"/>
               <a:t>$ </a:t>
             </a:r>
             <a:r>
-              <a:rPr lang="en-US" altLang="ko-KR" dirty="0" err="1" smtClean="0"/>
+              <a:rPr lang="en-US" altLang="ko-KR" dirty="0" err="1"/>
               <a:t>git</a:t>
             </a:r>
             <a:r>
-              <a:rPr lang="en-US" altLang="ko-KR" dirty="0" smtClean="0"/>
+              <a:rPr lang="en-US" altLang="ko-KR" dirty="0"/>
               <a:t> ls-files -v # </a:t>
             </a:r>
             <a:r>
-              <a:rPr lang="ko-KR" altLang="en-US" dirty="0" smtClean="0"/>
+              <a:rPr lang="ko-KR" altLang="en-US" dirty="0"/>
               <a:t>숨겨 있는 파일 모두 </a:t>
             </a:r>
             <a:r>
-              <a:rPr lang="en-US" altLang="ko-KR" dirty="0" smtClean="0"/>
+              <a:rPr lang="en-US" altLang="ko-KR" dirty="0"/>
               <a:t>list</a:t>
             </a:r>
             <a:r>
-              <a:rPr lang="ko-KR" altLang="en-US" dirty="0" smtClean="0"/>
+              <a:rPr lang="ko-KR" altLang="en-US" dirty="0"/>
               <a:t>함</a:t>
             </a:r>
-            <a:endParaRPr lang="en-US" altLang="ko-KR" dirty="0" smtClean="0"/>
+            <a:endParaRPr lang="en-US" altLang="ko-KR" dirty="0"/>
           </a:p>
           <a:p>
             <a:pPr marL="266700" lvl="1" indent="0">
@@ -16793,7 +16769,7 @@
               <a:t>파일 내용을 바꾸고 나서 </a:t>
             </a:r>
             <a:r>
-              <a:rPr lang="en-US" altLang="ko-KR" dirty="0" smtClean="0"/>
+              <a:rPr lang="en-US" altLang="ko-KR" dirty="0"/>
               <a:t>reload</a:t>
             </a:r>
           </a:p>
@@ -16802,18 +16778,17 @@
               <a:buNone/>
             </a:pPr>
             <a:r>
-              <a:rPr lang="en-US" altLang="ko-KR" dirty="0" smtClean="0"/>
+              <a:rPr lang="en-US" altLang="ko-KR" dirty="0"/>
               <a:t>$ </a:t>
             </a:r>
             <a:r>
-              <a:rPr lang="en-US" altLang="ko-KR" dirty="0" err="1" smtClean="0"/>
+              <a:rPr lang="en-US" altLang="ko-KR" dirty="0" err="1"/>
               <a:t>git</a:t>
             </a:r>
             <a:r>
-              <a:rPr lang="en-US" altLang="ko-KR" dirty="0" smtClean="0"/>
+              <a:rPr lang="en-US" altLang="ko-KR" dirty="0"/>
               <a:t> sparse-checkout disable</a:t>
             </a:r>
-            <a:endParaRPr lang="en-US" altLang="ko-KR" dirty="0"/>
           </a:p>
           <a:p>
             <a:pPr marL="266700" lvl="1" indent="0">
@@ -16875,14 +16850,13 @@
           <a:lstStyle/>
           <a:p>
             <a:r>
-              <a:rPr lang="en-US" altLang="ko-KR" dirty="0" smtClean="0"/>
+              <a:rPr lang="en-US" altLang="ko-KR" dirty="0"/>
               <a:t>Sparse-checkout </a:t>
             </a:r>
             <a:r>
-              <a:rPr lang="ko-KR" altLang="en-US" dirty="0" smtClean="0"/>
+              <a:rPr lang="ko-KR" altLang="en-US" dirty="0"/>
               <a:t>사용</a:t>
             </a:r>
-            <a:endParaRPr lang="ko-KR" altLang="en-US" dirty="0"/>
           </a:p>
         </p:txBody>
       </p:sp>
@@ -17054,7 +17028,7 @@
           </a:lstStyle>
           <a:p>
             <a:r>
-              <a:rPr lang="ko-KR" altLang="en-US" dirty="0" smtClean="0"/>
+              <a:rPr lang="ko-KR" altLang="en-US" dirty="0"/>
               <a:t>원하는 폴더나 파일만 사용하기</a:t>
             </a:r>
             <a:endParaRPr lang="en-US" altLang="ko-KR" dirty="0"/>
@@ -17063,56 +17037,56 @@
             <a:pPr marL="266700" lvl="1" indent="0">
               <a:buNone/>
             </a:pPr>
-            <a:endParaRPr lang="en-US" altLang="ko-KR" dirty="0" smtClean="0"/>
+            <a:endParaRPr lang="en-US" altLang="ko-KR" dirty="0"/>
           </a:p>
           <a:p>
             <a:pPr marL="266700" lvl="1" indent="0">
               <a:buNone/>
             </a:pPr>
             <a:r>
-              <a:rPr lang="en-US" altLang="ko-KR" dirty="0" smtClean="0"/>
+              <a:rPr lang="en-US" altLang="ko-KR" dirty="0"/>
               <a:t>$ </a:t>
             </a:r>
             <a:r>
-              <a:rPr lang="en-US" altLang="ko-KR" dirty="0" err="1" smtClean="0"/>
+              <a:rPr lang="en-US" altLang="ko-KR" dirty="0" err="1"/>
               <a:t>git</a:t>
             </a:r>
             <a:r>
-              <a:rPr lang="en-US" altLang="ko-KR" dirty="0" smtClean="0"/>
+              <a:rPr lang="en-US" altLang="ko-KR" dirty="0"/>
               <a:t> sparse-checkout </a:t>
             </a:r>
             <a:r>
-              <a:rPr lang="en-US" altLang="ko-KR" dirty="0" err="1" smtClean="0"/>
+              <a:rPr lang="en-US" altLang="ko-KR" dirty="0" err="1"/>
               <a:t>init</a:t>
             </a:r>
-            <a:endParaRPr lang="en-US" altLang="ko-KR" dirty="0" smtClean="0"/>
+            <a:endParaRPr lang="en-US" altLang="ko-KR" dirty="0"/>
           </a:p>
           <a:p>
             <a:pPr marL="266700" lvl="1" indent="0">
               <a:buNone/>
             </a:pPr>
-            <a:endParaRPr lang="en-US" altLang="ko-KR" dirty="0" smtClean="0"/>
+            <a:endParaRPr lang="en-US" altLang="ko-KR" dirty="0"/>
           </a:p>
           <a:p>
             <a:pPr marL="266700" lvl="1" indent="0">
               <a:buNone/>
             </a:pPr>
-            <a:endParaRPr lang="en-US" altLang="ko-KR" sz="1050" dirty="0" smtClean="0"/>
+            <a:endParaRPr lang="en-US" altLang="ko-KR" sz="1050" dirty="0"/>
           </a:p>
           <a:p>
             <a:pPr marL="266700" lvl="1" indent="0">
               <a:buNone/>
             </a:pPr>
             <a:r>
-              <a:rPr lang="en-US" altLang="ko-KR" dirty="0" smtClean="0"/>
+              <a:rPr lang="en-US" altLang="ko-KR" dirty="0"/>
               <a:t>$ </a:t>
             </a:r>
             <a:r>
-              <a:rPr lang="en-US" altLang="ko-KR" dirty="0" err="1" smtClean="0"/>
+              <a:rPr lang="en-US" altLang="ko-KR" dirty="0" err="1"/>
               <a:t>git</a:t>
             </a:r>
             <a:r>
-              <a:rPr lang="en-US" altLang="ko-KR" dirty="0" smtClean="0"/>
+              <a:rPr lang="en-US" altLang="ko-KR" dirty="0"/>
               <a:t> sparse-checkout set dir1 a1 a2</a:t>
             </a:r>
           </a:p>
@@ -17126,22 +17100,22 @@
             <a:pPr marL="266700" lvl="1" indent="0">
               <a:buNone/>
             </a:pPr>
-            <a:endParaRPr lang="en-US" altLang="ko-KR" sz="600" dirty="0" smtClean="0"/>
+            <a:endParaRPr lang="en-US" altLang="ko-KR" sz="600" dirty="0"/>
           </a:p>
           <a:p>
             <a:pPr marL="266700" lvl="1" indent="0">
               <a:buNone/>
             </a:pPr>
             <a:r>
-              <a:rPr lang="en-US" altLang="ko-KR" dirty="0" smtClean="0"/>
+              <a:rPr lang="en-US" altLang="ko-KR" dirty="0"/>
               <a:t>$ </a:t>
             </a:r>
             <a:r>
-              <a:rPr lang="en-US" altLang="ko-KR" dirty="0" err="1" smtClean="0"/>
+              <a:rPr lang="en-US" altLang="ko-KR" dirty="0" err="1"/>
               <a:t>git</a:t>
             </a:r>
             <a:r>
-              <a:rPr lang="en-US" altLang="ko-KR" dirty="0" smtClean="0"/>
+              <a:rPr lang="en-US" altLang="ko-KR" dirty="0"/>
               <a:t> ls-files –v</a:t>
             </a:r>
           </a:p>
@@ -17155,7 +17129,7 @@
             <a:pPr marL="266700" lvl="1" indent="0">
               <a:buNone/>
             </a:pPr>
-            <a:endParaRPr lang="en-US" altLang="ko-KR" dirty="0" smtClean="0"/>
+            <a:endParaRPr lang="en-US" altLang="ko-KR" dirty="0"/>
           </a:p>
           <a:p>
             <a:pPr marL="266700" lvl="1" indent="0">
@@ -17168,15 +17142,15 @@
               <a:buNone/>
             </a:pPr>
             <a:r>
-              <a:rPr lang="en-US" altLang="ko-KR" dirty="0" smtClean="0"/>
+              <a:rPr lang="en-US" altLang="ko-KR" dirty="0"/>
               <a:t>$ </a:t>
             </a:r>
             <a:r>
-              <a:rPr lang="en-US" altLang="ko-KR" dirty="0" err="1" smtClean="0"/>
+              <a:rPr lang="en-US" altLang="ko-KR" dirty="0" err="1"/>
               <a:t>git</a:t>
             </a:r>
             <a:r>
-              <a:rPr lang="en-US" altLang="ko-KR" dirty="0" smtClean="0"/>
+              <a:rPr lang="en-US" altLang="ko-KR" dirty="0"/>
               <a:t> sparse-checkout disable</a:t>
             </a:r>
           </a:p>
@@ -17259,22 +17233,21 @@
           <a:lstStyle/>
           <a:p>
             <a:r>
-              <a:rPr lang="en-US" altLang="ko-KR" sz="1400" dirty="0" smtClean="0"/>
+              <a:rPr lang="en-US" altLang="ko-KR" sz="1400" dirty="0"/>
               <a:t>.</a:t>
             </a:r>
             <a:r>
-              <a:rPr lang="en-US" altLang="ko-KR" sz="1400" dirty="0" err="1" smtClean="0"/>
+              <a:rPr lang="en-US" altLang="ko-KR" sz="1400" dirty="0" err="1"/>
               <a:t>git</a:t>
             </a:r>
             <a:r>
-              <a:rPr lang="en-US" altLang="ko-KR" sz="1400" dirty="0" smtClean="0"/>
+              <a:rPr lang="en-US" altLang="ko-KR" sz="1400" dirty="0"/>
               <a:t>/info/sparse-checkout </a:t>
             </a:r>
             <a:r>
-              <a:rPr lang="ko-KR" altLang="en-US" sz="1400" dirty="0" smtClean="0"/>
+              <a:rPr lang="ko-KR" altLang="en-US" sz="1400" dirty="0"/>
               <a:t>파일 내용</a:t>
             </a:r>
-            <a:endParaRPr lang="ko-KR" altLang="en-US" sz="1400" dirty="0"/>
           </a:p>
         </p:txBody>
       </p:sp>
@@ -17391,22 +17364,21 @@
           <a:lstStyle/>
           <a:p>
             <a:r>
-              <a:rPr lang="en-US" altLang="ko-KR" sz="1400" dirty="0" smtClean="0"/>
+              <a:rPr lang="en-US" altLang="ko-KR" sz="1400" dirty="0"/>
               <a:t>.</a:t>
             </a:r>
             <a:r>
-              <a:rPr lang="en-US" altLang="ko-KR" sz="1400" dirty="0" err="1" smtClean="0"/>
+              <a:rPr lang="en-US" altLang="ko-KR" sz="1400" dirty="0" err="1"/>
               <a:t>git</a:t>
             </a:r>
             <a:r>
-              <a:rPr lang="en-US" altLang="ko-KR" sz="1400" dirty="0" smtClean="0"/>
+              <a:rPr lang="en-US" altLang="ko-KR" sz="1400" dirty="0"/>
               <a:t>/info/sparse-checkout </a:t>
             </a:r>
             <a:r>
-              <a:rPr lang="ko-KR" altLang="en-US" sz="1400" dirty="0" smtClean="0"/>
+              <a:rPr lang="ko-KR" altLang="en-US" sz="1400" dirty="0"/>
               <a:t>변경됨</a:t>
             </a:r>
-            <a:endParaRPr lang="ko-KR" altLang="en-US" sz="1400" dirty="0"/>
           </a:p>
         </p:txBody>
       </p:sp>
@@ -17650,14 +17622,13 @@
           <a:lstStyle/>
           <a:p>
             <a:r>
-              <a:rPr lang="en-US" altLang="ko-KR" dirty="0" smtClean="0"/>
+              <a:rPr lang="en-US" altLang="ko-KR" dirty="0"/>
               <a:t>Sparse-checkout </a:t>
             </a:r>
             <a:r>
-              <a:rPr lang="ko-KR" altLang="en-US" dirty="0" smtClean="0"/>
+              <a:rPr lang="ko-KR" altLang="en-US" dirty="0"/>
               <a:t>사용</a:t>
             </a:r>
-            <a:endParaRPr lang="ko-KR" altLang="en-US" dirty="0"/>
           </a:p>
         </p:txBody>
       </p:sp>
@@ -17829,25 +17800,25 @@
           </a:lstStyle>
           <a:p>
             <a:r>
-              <a:rPr lang="ko-KR" altLang="en-US" dirty="0" smtClean="0"/>
+              <a:rPr lang="ko-KR" altLang="en-US" dirty="0"/>
               <a:t>원하는 폴더나 파일만 사용하기</a:t>
             </a:r>
-            <a:endParaRPr lang="en-US" altLang="ko-KR" dirty="0" smtClean="0"/>
+            <a:endParaRPr lang="en-US" altLang="ko-KR" dirty="0"/>
           </a:p>
           <a:p>
             <a:pPr marL="266700" lvl="1" indent="0">
               <a:buNone/>
             </a:pPr>
             <a:r>
-              <a:rPr lang="en-US" altLang="ko-KR" dirty="0" smtClean="0"/>
+              <a:rPr lang="en-US" altLang="ko-KR" dirty="0"/>
               <a:t>$ </a:t>
             </a:r>
             <a:r>
-              <a:rPr lang="en-US" altLang="ko-KR" dirty="0" err="1" smtClean="0"/>
+              <a:rPr lang="en-US" altLang="ko-KR" dirty="0" err="1"/>
               <a:t>git</a:t>
             </a:r>
             <a:r>
-              <a:rPr lang="en-US" altLang="ko-KR" dirty="0" smtClean="0"/>
+              <a:rPr lang="en-US" altLang="ko-KR" dirty="0"/>
               <a:t> sparse-checkout reapply</a:t>
             </a:r>
           </a:p>
@@ -17855,28 +17826,28 @@
             <a:pPr marL="266700" lvl="1" indent="0">
               <a:buNone/>
             </a:pPr>
-            <a:endParaRPr lang="en-US" altLang="ko-KR" dirty="0" smtClean="0"/>
+            <a:endParaRPr lang="en-US" altLang="ko-KR" dirty="0"/>
           </a:p>
           <a:p>
             <a:pPr marL="266700" lvl="1" indent="0">
               <a:buNone/>
             </a:pPr>
-            <a:endParaRPr lang="en-US" altLang="ko-KR" sz="1050" dirty="0" smtClean="0"/>
+            <a:endParaRPr lang="en-US" altLang="ko-KR" sz="1050" dirty="0"/>
           </a:p>
           <a:p>
             <a:pPr marL="266700" lvl="1" indent="0">
               <a:buNone/>
             </a:pPr>
             <a:r>
-              <a:rPr lang="en-US" altLang="ko-KR" dirty="0" smtClean="0"/>
+              <a:rPr lang="en-US" altLang="ko-KR" dirty="0"/>
               <a:t>$ </a:t>
             </a:r>
             <a:r>
-              <a:rPr lang="en-US" altLang="ko-KR" dirty="0" err="1" smtClean="0"/>
+              <a:rPr lang="en-US" altLang="ko-KR" dirty="0" err="1"/>
               <a:t>git</a:t>
             </a:r>
             <a:r>
-              <a:rPr lang="en-US" altLang="ko-KR" dirty="0" smtClean="0"/>
+              <a:rPr lang="en-US" altLang="ko-KR" dirty="0"/>
               <a:t> sparse-checkout disable</a:t>
             </a:r>
           </a:p>
@@ -17885,15 +17856,15 @@
               <a:buNone/>
             </a:pPr>
             <a:r>
-              <a:rPr lang="en-US" altLang="ko-KR" dirty="0" smtClean="0"/>
+              <a:rPr lang="en-US" altLang="ko-KR" dirty="0"/>
               <a:t>$ </a:t>
             </a:r>
             <a:r>
-              <a:rPr lang="en-US" altLang="ko-KR" dirty="0" err="1" smtClean="0"/>
+              <a:rPr lang="en-US" altLang="ko-KR" dirty="0" err="1"/>
               <a:t>git</a:t>
             </a:r>
             <a:r>
-              <a:rPr lang="en-US" altLang="ko-KR" dirty="0" smtClean="0"/>
+              <a:rPr lang="en-US" altLang="ko-KR" dirty="0"/>
               <a:t> ls-files –v</a:t>
             </a:r>
           </a:p>
@@ -17907,13 +17878,13 @@
             <a:pPr marL="266700" lvl="1" indent="0">
               <a:buNone/>
             </a:pPr>
-            <a:endParaRPr lang="en-US" altLang="ko-KR" dirty="0" smtClean="0"/>
+            <a:endParaRPr lang="en-US" altLang="ko-KR" dirty="0"/>
           </a:p>
           <a:p>
             <a:pPr marL="266700" lvl="1" indent="0">
               <a:buNone/>
             </a:pPr>
-            <a:endParaRPr lang="en-US" altLang="ko-KR" dirty="0" smtClean="0"/>
+            <a:endParaRPr lang="en-US" altLang="ko-KR" dirty="0"/>
           </a:p>
           <a:p>
             <a:pPr marL="266700" lvl="1" indent="0">
@@ -17925,46 +17896,46 @@
             <a:pPr marL="266700" lvl="1" indent="0">
               <a:buNone/>
             </a:pPr>
-            <a:endParaRPr lang="en-US" altLang="ko-KR" dirty="0" smtClean="0"/>
+            <a:endParaRPr lang="en-US" altLang="ko-KR" dirty="0"/>
           </a:p>
           <a:p>
             <a:pPr marL="266700" lvl="1" indent="0">
               <a:buNone/>
             </a:pPr>
             <a:r>
-              <a:rPr lang="en-US" altLang="ko-KR" dirty="0" smtClean="0"/>
+              <a:rPr lang="en-US" altLang="ko-KR" dirty="0"/>
               <a:t>$ </a:t>
             </a:r>
             <a:r>
-              <a:rPr lang="en-US" altLang="ko-KR" dirty="0" err="1" smtClean="0"/>
+              <a:rPr lang="en-US" altLang="ko-KR" dirty="0" err="1"/>
               <a:t>git</a:t>
             </a:r>
             <a:r>
-              <a:rPr lang="en-US" altLang="ko-KR" dirty="0" smtClean="0"/>
+              <a:rPr lang="en-US" altLang="ko-KR" dirty="0"/>
               <a:t> sparse-checkout list # .</a:t>
             </a:r>
             <a:r>
-              <a:rPr lang="en-US" altLang="ko-KR" dirty="0" err="1" smtClean="0"/>
+              <a:rPr lang="en-US" altLang="ko-KR" dirty="0" err="1"/>
               <a:t>git</a:t>
             </a:r>
             <a:r>
-              <a:rPr lang="en-US" altLang="ko-KR" dirty="0" smtClean="0"/>
+              <a:rPr lang="en-US" altLang="ko-KR" dirty="0"/>
               <a:t>/info/sparse-checkout </a:t>
             </a:r>
             <a:r>
-              <a:rPr lang="ko-KR" altLang="en-US" dirty="0" smtClean="0"/>
+              <a:rPr lang="ko-KR" altLang="en-US" dirty="0"/>
               <a:t>내용을 보여줌 </a:t>
             </a:r>
             <a:r>
-              <a:rPr lang="en-US" altLang="ko-KR" dirty="0" smtClean="0"/>
+              <a:rPr lang="en-US" altLang="ko-KR" dirty="0"/>
               <a:t>(re</a:t>
             </a:r>
             <a:r>
-              <a:rPr lang="ko-KR" altLang="en-US" dirty="0" smtClean="0"/>
+              <a:rPr lang="ko-KR" altLang="en-US" dirty="0"/>
               <a:t>는 보여주지 않음</a:t>
             </a:r>
             <a:r>
-              <a:rPr lang="en-US" altLang="ko-KR" dirty="0" smtClean="0"/>
+              <a:rPr lang="en-US" altLang="ko-KR" dirty="0"/>
               <a:t>)</a:t>
             </a:r>
           </a:p>
@@ -18156,14 +18127,13 @@
           <a:lstStyle/>
           <a:p>
             <a:r>
-              <a:rPr lang="en-US" altLang="ko-KR" dirty="0" smtClean="0"/>
+              <a:rPr lang="en-US" altLang="ko-KR" dirty="0"/>
               <a:t>Sparse-checkout </a:t>
             </a:r>
             <a:r>
-              <a:rPr lang="ko-KR" altLang="en-US" dirty="0" smtClean="0"/>
+              <a:rPr lang="ko-KR" altLang="en-US" dirty="0"/>
               <a:t>사용</a:t>
             </a:r>
-            <a:endParaRPr lang="ko-KR" altLang="en-US" dirty="0"/>
           </a:p>
         </p:txBody>
       </p:sp>
@@ -18335,55 +18305,47 @@
           </a:lstStyle>
           <a:p>
             <a:r>
-              <a:rPr lang="ko-KR" altLang="en-US" dirty="0" smtClean="0"/>
+              <a:rPr lang="ko-KR" altLang="en-US" dirty="0"/>
               <a:t>원하는 폴더나 파일만 사용하기</a:t>
             </a:r>
-            <a:endParaRPr lang="en-US" altLang="ko-KR" dirty="0" smtClean="0"/>
+            <a:endParaRPr lang="en-US" altLang="ko-KR" dirty="0"/>
           </a:p>
           <a:p>
             <a:pPr marL="266700" lvl="1" indent="0">
               <a:buNone/>
             </a:pPr>
             <a:r>
-              <a:rPr lang="en-US" altLang="ko-KR" dirty="0" smtClean="0"/>
+              <a:rPr lang="en-US" altLang="ko-KR" dirty="0"/>
               <a:t>$ echo ‘a3’ &gt;&gt; .</a:t>
             </a:r>
             <a:r>
-              <a:rPr lang="en-US" altLang="ko-KR" dirty="0" err="1" smtClean="0"/>
+              <a:rPr lang="en-US" altLang="ko-KR" dirty="0" err="1"/>
               <a:t>git</a:t>
             </a:r>
             <a:r>
-              <a:rPr lang="en-US" altLang="ko-KR" dirty="0" smtClean="0"/>
-              <a:t>/info/sparse-checkout  </a:t>
-            </a:r>
-            <a:r>
-              <a:rPr lang="en-US" altLang="ko-KR" dirty="0"/>
-              <a:t># </a:t>
-            </a:r>
-            <a:r>
-              <a:rPr lang="en-US" altLang="ko-KR" dirty="0" smtClean="0"/>
-              <a:t>sparse-checkout</a:t>
-            </a:r>
-            <a:r>
-              <a:rPr lang="ko-KR" altLang="en-US" dirty="0" smtClean="0"/>
+              <a:rPr lang="en-US" altLang="ko-KR" dirty="0"/>
+              <a:t>/info/sparse-checkout  # sparse-checkout</a:t>
+            </a:r>
+            <a:r>
+              <a:rPr lang="ko-KR" altLang="en-US" dirty="0"/>
               <a:t>에 </a:t>
             </a:r>
             <a:r>
-              <a:rPr lang="en-US" altLang="ko-KR" dirty="0" smtClean="0"/>
+              <a:rPr lang="en-US" altLang="ko-KR" dirty="0"/>
               <a:t>a3 </a:t>
             </a:r>
             <a:r>
-              <a:rPr lang="ko-KR" altLang="en-US" dirty="0" smtClean="0"/>
+              <a:rPr lang="ko-KR" altLang="en-US" dirty="0"/>
               <a:t>추가</a:t>
             </a:r>
-            <a:endParaRPr lang="en-US" altLang="ko-KR" dirty="0" smtClean="0"/>
+            <a:endParaRPr lang="en-US" altLang="ko-KR" dirty="0"/>
           </a:p>
           <a:p>
             <a:pPr marL="266700" lvl="1" indent="0">
               <a:buNone/>
             </a:pPr>
             <a:r>
-              <a:rPr lang="en-US" altLang="ko-KR" dirty="0" smtClean="0"/>
+              <a:rPr lang="en-US" altLang="ko-KR" dirty="0"/>
               <a:t>$ </a:t>
             </a:r>
             <a:r>
@@ -18392,26 +18354,22 @@
             </a:r>
             <a:r>
               <a:rPr lang="en-US" altLang="ko-KR" dirty="0"/>
-              <a:t> sparse-checkout </a:t>
-            </a:r>
-            <a:r>
-              <a:rPr lang="en-US" altLang="ko-KR" dirty="0" smtClean="0"/>
-              <a:t>list # sparse-checkout </a:t>
-            </a:r>
-            <a:r>
-              <a:rPr lang="ko-KR" altLang="en-US" dirty="0" smtClean="0"/>
+              <a:t> sparse-checkout list # sparse-checkout </a:t>
+            </a:r>
+            <a:r>
+              <a:rPr lang="ko-KR" altLang="en-US" dirty="0"/>
               <a:t>파일에 있는 내용을 보여줌 </a:t>
             </a:r>
             <a:r>
-              <a:rPr lang="en-US" altLang="ko-KR" dirty="0" smtClean="0"/>
+              <a:rPr lang="en-US" altLang="ko-KR" dirty="0"/>
               <a:t>(re</a:t>
             </a:r>
             <a:r>
-              <a:rPr lang="ko-KR" altLang="en-US" dirty="0" smtClean="0"/>
+              <a:rPr lang="ko-KR" altLang="en-US" dirty="0"/>
               <a:t>는 보여주지 않음</a:t>
             </a:r>
             <a:r>
-              <a:rPr lang="en-US" altLang="ko-KR" dirty="0" smtClean="0"/>
+              <a:rPr lang="en-US" altLang="ko-KR" dirty="0"/>
               <a:t>)</a:t>
             </a:r>
           </a:p>
@@ -18419,26 +18377,26 @@
             <a:pPr marL="266700" lvl="1" indent="0">
               <a:buNone/>
             </a:pPr>
-            <a:endParaRPr lang="en-US" altLang="ko-KR" dirty="0" smtClean="0"/>
+            <a:endParaRPr lang="en-US" altLang="ko-KR" dirty="0"/>
           </a:p>
           <a:p>
             <a:pPr marL="266700" lvl="1" indent="0">
               <a:buNone/>
             </a:pPr>
-            <a:endParaRPr lang="en-US" altLang="ko-KR" dirty="0" smtClean="0"/>
+            <a:endParaRPr lang="en-US" altLang="ko-KR" dirty="0"/>
           </a:p>
           <a:p>
             <a:pPr marL="266700" lvl="1" indent="0">
               <a:buNone/>
             </a:pPr>
-            <a:endParaRPr lang="en-US" altLang="ko-KR" sz="1050" dirty="0" smtClean="0"/>
+            <a:endParaRPr lang="en-US" altLang="ko-KR" sz="1050" dirty="0"/>
           </a:p>
           <a:p>
             <a:pPr marL="266700" lvl="1" indent="0">
               <a:buNone/>
             </a:pPr>
             <a:r>
-              <a:rPr lang="en-US" altLang="ko-KR" dirty="0" smtClean="0"/>
+              <a:rPr lang="en-US" altLang="ko-KR" dirty="0"/>
               <a:t>$ ls –al</a:t>
             </a:r>
           </a:p>
@@ -18458,59 +18416,59 @@
             <a:pPr marL="266700" lvl="1" indent="0">
               <a:buNone/>
             </a:pPr>
-            <a:endParaRPr lang="en-US" altLang="ko-KR" dirty="0" smtClean="0"/>
+            <a:endParaRPr lang="en-US" altLang="ko-KR" dirty="0"/>
           </a:p>
           <a:p>
             <a:pPr marL="266700" lvl="1" indent="0">
               <a:buNone/>
             </a:pPr>
-            <a:endParaRPr lang="en-US" altLang="ko-KR" dirty="0" smtClean="0"/>
+            <a:endParaRPr lang="en-US" altLang="ko-KR" dirty="0"/>
           </a:p>
           <a:p>
             <a:pPr marL="266700" lvl="1" indent="0">
               <a:buNone/>
             </a:pPr>
             <a:r>
-              <a:rPr lang="en-US" altLang="ko-KR" dirty="0" smtClean="0"/>
+              <a:rPr lang="en-US" altLang="ko-KR" dirty="0"/>
               <a:t>$ </a:t>
             </a:r>
             <a:r>
-              <a:rPr lang="en-US" altLang="ko-KR" dirty="0" err="1" smtClean="0"/>
+              <a:rPr lang="en-US" altLang="ko-KR" dirty="0" err="1"/>
               <a:t>git</a:t>
             </a:r>
             <a:r>
-              <a:rPr lang="en-US" altLang="ko-KR" dirty="0" smtClean="0"/>
+              <a:rPr lang="en-US" altLang="ko-KR" dirty="0"/>
               <a:t> sparse-checkout reapply # reapply</a:t>
             </a:r>
             <a:r>
-              <a:rPr lang="ko-KR" altLang="en-US" dirty="0" smtClean="0"/>
+              <a:rPr lang="ko-KR" altLang="en-US" dirty="0"/>
               <a:t>를</a:t>
             </a:r>
             <a:r>
-              <a:rPr lang="en-US" altLang="ko-KR" dirty="0" smtClean="0"/>
+              <a:rPr lang="en-US" altLang="ko-KR" dirty="0"/>
               <a:t> </a:t>
             </a:r>
             <a:r>
-              <a:rPr lang="ko-KR" altLang="en-US" dirty="0" smtClean="0"/>
+              <a:rPr lang="ko-KR" altLang="en-US" dirty="0"/>
               <a:t>통해 </a:t>
             </a:r>
             <a:r>
-              <a:rPr lang="en-US" altLang="ko-KR" dirty="0" smtClean="0"/>
+              <a:rPr lang="en-US" altLang="ko-KR" dirty="0"/>
               <a:t>a3</a:t>
             </a:r>
             <a:r>
-              <a:rPr lang="ko-KR" altLang="en-US" dirty="0" smtClean="0"/>
+              <a:rPr lang="ko-KR" altLang="en-US" dirty="0"/>
               <a:t>가 </a:t>
             </a:r>
             <a:r>
-              <a:rPr lang="en-US" altLang="ko-KR" dirty="0" smtClean="0"/>
+              <a:rPr lang="en-US" altLang="ko-KR" dirty="0"/>
               <a:t>reload</a:t>
             </a:r>
             <a:r>
-              <a:rPr lang="ko-KR" altLang="en-US" dirty="0" smtClean="0"/>
+              <a:rPr lang="ko-KR" altLang="en-US" dirty="0"/>
               <a:t>됨</a:t>
             </a:r>
-            <a:endParaRPr lang="en-US" altLang="ko-KR" dirty="0" smtClean="0"/>
+            <a:endParaRPr lang="en-US" altLang="ko-KR" dirty="0"/>
           </a:p>
           <a:p>
             <a:pPr marL="266700" lvl="1" indent="0">
@@ -18644,14 +18602,13 @@
           <a:lstStyle/>
           <a:p>
             <a:r>
-              <a:rPr lang="en-US" altLang="ko-KR" dirty="0" smtClean="0"/>
+              <a:rPr lang="en-US" altLang="ko-KR" dirty="0"/>
               <a:t>Sparse-checkout </a:t>
             </a:r>
             <a:r>
-              <a:rPr lang="ko-KR" altLang="en-US" dirty="0" smtClean="0"/>
+              <a:rPr lang="ko-KR" altLang="en-US" dirty="0"/>
               <a:t>사용</a:t>
             </a:r>
-            <a:endParaRPr lang="ko-KR" altLang="en-US" dirty="0"/>
           </a:p>
         </p:txBody>
       </p:sp>
@@ -18823,15 +18780,15 @@
           </a:lstStyle>
           <a:p>
             <a:r>
-              <a:rPr lang="ko-KR" altLang="en-US" dirty="0" smtClean="0"/>
+              <a:rPr lang="ko-KR" altLang="en-US" dirty="0"/>
               <a:t>원하는 폴더나 파일만 </a:t>
             </a:r>
             <a:r>
-              <a:rPr lang="en-US" altLang="ko-KR" dirty="0" smtClean="0"/>
+              <a:rPr lang="en-US" altLang="ko-KR" dirty="0"/>
               <a:t>pull</a:t>
             </a:r>
             <a:r>
-              <a:rPr lang="ko-KR" altLang="en-US" dirty="0" smtClean="0"/>
+              <a:rPr lang="ko-KR" altLang="en-US" dirty="0"/>
               <a:t>하여 사용하기</a:t>
             </a:r>
             <a:endParaRPr lang="en-US" altLang="ko-KR" dirty="0"/>
@@ -18841,19 +18798,19 @@
               <a:buNone/>
             </a:pPr>
             <a:r>
-              <a:rPr lang="en-US" altLang="ko-KR" dirty="0" smtClean="0"/>
+              <a:rPr lang="en-US" altLang="ko-KR" dirty="0"/>
               <a:t>$ </a:t>
             </a:r>
             <a:r>
-              <a:rPr lang="en-US" altLang="ko-KR" dirty="0" err="1" smtClean="0"/>
+              <a:rPr lang="en-US" altLang="ko-KR" dirty="0" err="1"/>
               <a:t>git</a:t>
             </a:r>
             <a:r>
-              <a:rPr lang="en-US" altLang="ko-KR" dirty="0" smtClean="0"/>
+              <a:rPr lang="en-US" altLang="ko-KR" dirty="0"/>
               <a:t> </a:t>
             </a:r>
             <a:r>
-              <a:rPr lang="en-US" altLang="ko-KR" dirty="0" err="1" smtClean="0"/>
+              <a:rPr lang="en-US" altLang="ko-KR" dirty="0" err="1"/>
               <a:t>init</a:t>
             </a:r>
             <a:endParaRPr lang="en-US" altLang="ko-KR" dirty="0"/>
@@ -18863,47 +18820,47 @@
               <a:buNone/>
             </a:pPr>
             <a:r>
-              <a:rPr lang="en-US" altLang="ko-KR" dirty="0" smtClean="0"/>
+              <a:rPr lang="en-US" altLang="ko-KR" dirty="0"/>
               <a:t>Remote</a:t>
             </a:r>
             <a:r>
-              <a:rPr lang="ko-KR" altLang="en-US" dirty="0" smtClean="0"/>
+              <a:rPr lang="ko-KR" altLang="en-US" dirty="0"/>
               <a:t>와 연계된 내용이 없는 </a:t>
             </a:r>
             <a:r>
-              <a:rPr lang="en-US" altLang="ko-KR" dirty="0" smtClean="0"/>
+              <a:rPr lang="en-US" altLang="ko-KR" dirty="0"/>
               <a:t>repo</a:t>
             </a:r>
             <a:r>
-              <a:rPr lang="ko-KR" altLang="en-US" dirty="0" smtClean="0"/>
+              <a:rPr lang="ko-KR" altLang="en-US" dirty="0"/>
               <a:t>를 만들고 </a:t>
             </a:r>
             <a:r>
-              <a:rPr lang="en-US" altLang="ko-KR" dirty="0" smtClean="0"/>
+              <a:rPr lang="en-US" altLang="ko-KR" dirty="0"/>
               <a:t>fetch</a:t>
             </a:r>
             <a:r>
-              <a:rPr lang="ko-KR" altLang="en-US" dirty="0" smtClean="0"/>
+              <a:rPr lang="ko-KR" altLang="en-US" dirty="0"/>
               <a:t>를 진행</a:t>
             </a:r>
             <a:r>
-              <a:rPr lang="en-US" altLang="ko-KR" dirty="0" smtClean="0"/>
+              <a:rPr lang="en-US" altLang="ko-KR" dirty="0"/>
               <a:t>. </a:t>
             </a:r>
             <a:r>
-              <a:rPr lang="ko-KR" altLang="en-US" dirty="0" smtClean="0"/>
+              <a:rPr lang="ko-KR" altLang="en-US" dirty="0"/>
               <a:t>내용을 </a:t>
             </a:r>
             <a:r>
-              <a:rPr lang="en-US" altLang="ko-KR" dirty="0" smtClean="0"/>
+              <a:rPr lang="en-US" altLang="ko-KR" dirty="0"/>
               <a:t>checkout </a:t>
             </a:r>
             <a:r>
-              <a:rPr lang="ko-KR" altLang="en-US" dirty="0" smtClean="0"/>
+              <a:rPr lang="ko-KR" altLang="en-US" dirty="0"/>
               <a:t>하지 않음</a:t>
             </a:r>
             <a:r>
-              <a:rPr lang="en-US" altLang="ko-KR" dirty="0" smtClean="0"/>
+              <a:rPr lang="en-US" altLang="ko-KR" dirty="0"/>
               <a:t>.</a:t>
             </a:r>
           </a:p>
@@ -18912,23 +18869,23 @@
               <a:buNone/>
             </a:pPr>
             <a:r>
-              <a:rPr lang="en-US" altLang="ko-KR" dirty="0" smtClean="0"/>
+              <a:rPr lang="en-US" altLang="ko-KR" dirty="0"/>
               <a:t>$ </a:t>
             </a:r>
             <a:r>
-              <a:rPr lang="en-US" altLang="ko-KR" dirty="0" err="1" smtClean="0"/>
+              <a:rPr lang="en-US" altLang="ko-KR" dirty="0" err="1"/>
               <a:t>git</a:t>
             </a:r>
             <a:r>
-              <a:rPr lang="en-US" altLang="ko-KR" dirty="0" smtClean="0"/>
+              <a:rPr lang="en-US" altLang="ko-KR" dirty="0"/>
               <a:t> remote add  -f origin &lt;</a:t>
             </a:r>
             <a:r>
-              <a:rPr lang="en-US" altLang="ko-KR" dirty="0" err="1" smtClean="0"/>
+              <a:rPr lang="en-US" altLang="ko-KR" dirty="0" err="1"/>
               <a:t>url</a:t>
             </a:r>
             <a:r>
-              <a:rPr lang="en-US" altLang="ko-KR" dirty="0" smtClean="0"/>
+              <a:rPr lang="en-US" altLang="ko-KR" dirty="0"/>
               <a:t>&gt;</a:t>
             </a:r>
           </a:p>
@@ -18937,15 +18894,15 @@
               <a:buNone/>
             </a:pPr>
             <a:r>
-              <a:rPr lang="en-US" altLang="ko-KR" dirty="0" smtClean="0"/>
+              <a:rPr lang="en-US" altLang="ko-KR" dirty="0"/>
               <a:t>$ </a:t>
             </a:r>
             <a:r>
-              <a:rPr lang="en-US" altLang="ko-KR" dirty="0" err="1" smtClean="0"/>
+              <a:rPr lang="en-US" altLang="ko-KR" dirty="0" err="1"/>
               <a:t>git</a:t>
             </a:r>
             <a:r>
-              <a:rPr lang="en-US" altLang="ko-KR" dirty="0" smtClean="0"/>
+              <a:rPr lang="en-US" altLang="ko-KR" dirty="0"/>
               <a:t> sparse-checkout set test5.py</a:t>
             </a:r>
           </a:p>
@@ -18954,57 +18911,57 @@
               <a:buNone/>
             </a:pPr>
             <a:r>
-              <a:rPr lang="en-US" altLang="ko-KR" dirty="0" smtClean="0"/>
+              <a:rPr lang="en-US" altLang="ko-KR" dirty="0"/>
               <a:t>$ </a:t>
             </a:r>
             <a:r>
-              <a:rPr lang="en-US" altLang="ko-KR" dirty="0" err="1" smtClean="0"/>
+              <a:rPr lang="en-US" altLang="ko-KR" dirty="0" err="1"/>
               <a:t>git</a:t>
             </a:r>
             <a:r>
-              <a:rPr lang="en-US" altLang="ko-KR" dirty="0" smtClean="0"/>
+              <a:rPr lang="en-US" altLang="ko-KR" dirty="0"/>
               <a:t> pull origin main # </a:t>
             </a:r>
             <a:r>
-              <a:rPr lang="en-US" altLang="ko-KR" dirty="0" err="1" smtClean="0"/>
+              <a:rPr lang="en-US" altLang="ko-KR" dirty="0" err="1"/>
               <a:t>origin.main</a:t>
             </a:r>
             <a:r>
-              <a:rPr lang="ko-KR" altLang="en-US" dirty="0" smtClean="0"/>
+              <a:rPr lang="ko-KR" altLang="en-US" dirty="0"/>
               <a:t>에서 </a:t>
             </a:r>
             <a:r>
-              <a:rPr lang="en-US" altLang="ko-KR" dirty="0" smtClean="0"/>
+              <a:rPr lang="en-US" altLang="ko-KR" dirty="0"/>
               <a:t>test5.py</a:t>
             </a:r>
             <a:r>
-              <a:rPr lang="ko-KR" altLang="en-US" dirty="0" smtClean="0"/>
+              <a:rPr lang="ko-KR" altLang="en-US" dirty="0"/>
               <a:t>만 보임</a:t>
             </a:r>
-            <a:endParaRPr lang="en-US" altLang="ko-KR" dirty="0" smtClean="0"/>
+            <a:endParaRPr lang="en-US" altLang="ko-KR" dirty="0"/>
           </a:p>
           <a:p>
             <a:pPr marL="266700" lvl="1" indent="0">
               <a:buNone/>
             </a:pPr>
             <a:r>
-              <a:rPr lang="en-US" altLang="ko-KR" dirty="0" smtClean="0"/>
+              <a:rPr lang="en-US" altLang="ko-KR" dirty="0"/>
               <a:t>$ </a:t>
             </a:r>
             <a:r>
-              <a:rPr lang="en-US" altLang="ko-KR" dirty="0" err="1" smtClean="0"/>
+              <a:rPr lang="en-US" altLang="ko-KR" dirty="0" err="1"/>
               <a:t>git</a:t>
             </a:r>
             <a:r>
-              <a:rPr lang="en-US" altLang="ko-KR" dirty="0" smtClean="0"/>
+              <a:rPr lang="en-US" altLang="ko-KR" dirty="0"/>
               <a:t> sparse-checkout disable # origin/main</a:t>
             </a:r>
             <a:r>
-              <a:rPr lang="ko-KR" altLang="en-US" dirty="0" smtClean="0"/>
+              <a:rPr lang="ko-KR" altLang="en-US" dirty="0"/>
               <a:t>의 모든 파일이 보임</a:t>
             </a:r>
             <a:r>
-              <a:rPr lang="en-US" altLang="ko-KR" dirty="0" smtClean="0"/>
+              <a:rPr lang="en-US" altLang="ko-KR" dirty="0"/>
               <a:t>.</a:t>
             </a:r>
           </a:p>
@@ -19013,23 +18970,23 @@
               <a:buNone/>
             </a:pPr>
             <a:r>
-              <a:rPr lang="en-US" altLang="ko-KR" dirty="0" smtClean="0"/>
+              <a:rPr lang="en-US" altLang="ko-KR" dirty="0"/>
               <a:t>$ </a:t>
             </a:r>
             <a:r>
-              <a:rPr lang="en-US" altLang="ko-KR" dirty="0" err="1" smtClean="0"/>
+              <a:rPr lang="en-US" altLang="ko-KR" dirty="0" err="1"/>
               <a:t>git</a:t>
             </a:r>
             <a:r>
-              <a:rPr lang="en-US" altLang="ko-KR" dirty="0" smtClean="0"/>
+              <a:rPr lang="en-US" altLang="ko-KR" dirty="0"/>
               <a:t> sparse-checkout reapply # test5.py</a:t>
             </a:r>
             <a:r>
-              <a:rPr lang="ko-KR" altLang="en-US" dirty="0" smtClean="0"/>
+              <a:rPr lang="ko-KR" altLang="en-US" dirty="0"/>
               <a:t>만 보임</a:t>
             </a:r>
             <a:r>
-              <a:rPr lang="en-US" altLang="ko-KR" dirty="0" smtClean="0"/>
+              <a:rPr lang="en-US" altLang="ko-KR" dirty="0"/>
               <a:t>. </a:t>
             </a:r>
           </a:p>
@@ -19038,21 +18995,21 @@
               <a:buNone/>
             </a:pPr>
             <a:r>
-              <a:rPr lang="ko-KR" altLang="en-US" dirty="0" smtClean="0">
+              <a:rPr lang="ko-KR" altLang="en-US" dirty="0">
                 <a:latin typeface="맑은 고딕" panose="020B0503020000020004" pitchFamily="50" charset="-127"/>
                 <a:ea typeface="맑은 고딕" panose="020B0503020000020004" pitchFamily="50" charset="-127"/>
               </a:rPr>
               <a:t>※ </a:t>
             </a:r>
             <a:r>
-              <a:rPr lang="en-US" altLang="ko-KR" dirty="0" smtClean="0">
+              <a:rPr lang="en-US" altLang="ko-KR" dirty="0">
                 <a:latin typeface="맑은 고딕" panose="020B0503020000020004" pitchFamily="50" charset="-127"/>
                 <a:ea typeface="맑은 고딕" panose="020B0503020000020004" pitchFamily="50" charset="-127"/>
               </a:rPr>
               <a:t>command </a:t>
             </a:r>
             <a:r>
-              <a:rPr lang="ko-KR" altLang="en-US" dirty="0" smtClean="0">
+              <a:rPr lang="ko-KR" altLang="en-US" dirty="0">
                 <a:latin typeface="맑은 고딕" panose="020B0503020000020004" pitchFamily="50" charset="-127"/>
                 <a:ea typeface="맑은 고딕" panose="020B0503020000020004" pitchFamily="50" charset="-127"/>
               </a:rPr>
@@ -19065,23 +19022,23 @@
               <a:t>(</a:t>
             </a:r>
             <a:r>
-              <a:rPr lang="en-US" altLang="ko-KR" dirty="0" err="1" smtClean="0"/>
+              <a:rPr lang="en-US" altLang="ko-KR" dirty="0" err="1"/>
               <a:t>main|SPARSE</a:t>
             </a:r>
             <a:r>
-              <a:rPr lang="en-US" altLang="ko-KR" dirty="0" smtClean="0"/>
+              <a:rPr lang="en-US" altLang="ko-KR" dirty="0"/>
               <a:t>) </a:t>
             </a:r>
             <a:r>
-              <a:rPr lang="ko-KR" altLang="en-US" dirty="0" smtClean="0"/>
+              <a:rPr lang="ko-KR" altLang="en-US" dirty="0"/>
               <a:t>표시는 </a:t>
             </a:r>
             <a:r>
-              <a:rPr lang="en-US" altLang="ko-KR" dirty="0" smtClean="0"/>
+              <a:rPr lang="en-US" altLang="ko-KR" dirty="0"/>
               <a:t>disable</a:t>
             </a:r>
             <a:r>
-              <a:rPr lang="ko-KR" altLang="en-US" dirty="0" smtClean="0"/>
+              <a:rPr lang="ko-KR" altLang="en-US" dirty="0"/>
               <a:t>과 동시에 </a:t>
             </a:r>
             <a:r>
@@ -19091,14 +19048,14 @@
               <a:t>(</a:t>
             </a:r>
             <a:r>
-              <a:rPr lang="en-US" altLang="ko-KR" dirty="0" smtClean="0"/>
+              <a:rPr lang="en-US" altLang="ko-KR" dirty="0"/>
               <a:t>main)</a:t>
             </a:r>
             <a:r>
-              <a:rPr lang="ko-KR" altLang="en-US" dirty="0" smtClean="0"/>
+              <a:rPr lang="ko-KR" altLang="en-US" dirty="0"/>
               <a:t>으로만</a:t>
             </a:r>
-            <a:endParaRPr lang="en-US" altLang="ko-KR" dirty="0" smtClean="0"/>
+            <a:endParaRPr lang="en-US" altLang="ko-KR" dirty="0"/>
           </a:p>
           <a:p>
             <a:pPr marL="266700" lvl="1" indent="0">
@@ -19106,22 +19063,18 @@
             </a:pPr>
             <a:r>
               <a:rPr lang="en-US" altLang="ko-KR" dirty="0"/>
-              <a:t> </a:t>
-            </a:r>
-            <a:r>
-              <a:rPr lang="en-US" altLang="ko-KR" dirty="0" smtClean="0"/>
-              <a:t>    </a:t>
-            </a:r>
-            <a:r>
-              <a:rPr lang="ko-KR" altLang="en-US" dirty="0" smtClean="0"/>
+              <a:t>     </a:t>
+            </a:r>
+            <a:r>
+              <a:rPr lang="ko-KR" altLang="en-US" dirty="0"/>
               <a:t>표현되고</a:t>
             </a:r>
             <a:r>
-              <a:rPr lang="en-US" altLang="ko-KR" dirty="0" smtClean="0"/>
+              <a:rPr lang="en-US" altLang="ko-KR" dirty="0"/>
               <a:t>, reapply</a:t>
             </a:r>
             <a:r>
-              <a:rPr lang="ko-KR" altLang="en-US" dirty="0" smtClean="0"/>
+              <a:rPr lang="ko-KR" altLang="en-US" dirty="0"/>
               <a:t>해도 </a:t>
             </a:r>
             <a:r>
@@ -19139,15 +19092,15 @@
               <a:t>) </a:t>
             </a:r>
             <a:r>
-              <a:rPr lang="ko-KR" altLang="en-US" dirty="0" smtClean="0"/>
+              <a:rPr lang="ko-KR" altLang="en-US" dirty="0"/>
               <a:t>로 표현되지 않음</a:t>
             </a:r>
             <a:r>
-              <a:rPr lang="en-US" altLang="ko-KR" dirty="0" smtClean="0"/>
+              <a:rPr lang="en-US" altLang="ko-KR" dirty="0"/>
               <a:t>. </a:t>
             </a:r>
             <a:r>
-              <a:rPr lang="ko-KR" altLang="en-US" dirty="0" smtClean="0"/>
+              <a:rPr lang="ko-KR" altLang="en-US" dirty="0"/>
               <a:t>따라서  </a:t>
             </a:r>
             <a:r>
@@ -19165,86 +19118,81 @@
               <a:t>) </a:t>
             </a:r>
             <a:r>
-              <a:rPr lang="ko-KR" altLang="en-US" dirty="0" smtClean="0"/>
+              <a:rPr lang="ko-KR" altLang="en-US" dirty="0"/>
               <a:t>를 표시시키고자 하면 </a:t>
             </a:r>
             <a:r>
-              <a:rPr lang="en-US" altLang="ko-KR" dirty="0" smtClean="0"/>
+              <a:rPr lang="en-US" altLang="ko-KR" dirty="0"/>
               <a:t>‘</a:t>
             </a:r>
             <a:r>
-              <a:rPr lang="en-US" altLang="ko-KR" dirty="0" err="1" smtClean="0"/>
+              <a:rPr lang="en-US" altLang="ko-KR" dirty="0" err="1"/>
               <a:t>git</a:t>
             </a:r>
             <a:r>
-              <a:rPr lang="en-US" altLang="ko-KR" dirty="0" smtClean="0"/>
+              <a:rPr lang="en-US" altLang="ko-KR" dirty="0"/>
+              <a:t> sparse-checkout set </a:t>
+            </a:r>
+            <a:r>
+              <a:rPr lang="ko-KR" altLang="en-US" dirty="0"/>
+              <a:t>파일명</a:t>
+            </a:r>
+            <a:r>
+              <a:rPr lang="en-US" altLang="ko-KR" dirty="0"/>
+              <a:t>”</a:t>
+            </a:r>
+            <a:r>
+              <a:rPr lang="ko-KR" altLang="en-US" dirty="0"/>
+              <a:t>을</a:t>
+            </a:r>
+            <a:r>
+              <a:rPr lang="en-US" altLang="ko-KR" dirty="0"/>
               <a:t> </a:t>
             </a:r>
             <a:r>
-              <a:rPr lang="en-US" altLang="ko-KR" dirty="0"/>
-              <a:t>sparse-checkout set </a:t>
-            </a:r>
-            <a:r>
-              <a:rPr lang="ko-KR" altLang="en-US" dirty="0" smtClean="0"/>
-              <a:t>파일명</a:t>
-            </a:r>
-            <a:r>
-              <a:rPr lang="en-US" altLang="ko-KR" dirty="0" smtClean="0"/>
-              <a:t>”</a:t>
-            </a:r>
-            <a:r>
-              <a:rPr lang="ko-KR" altLang="en-US" dirty="0" smtClean="0"/>
-              <a:t>을</a:t>
+              <a:rPr lang="ko-KR" altLang="en-US" dirty="0"/>
+              <a:t>다시 하던가</a:t>
+            </a:r>
+            <a:r>
+              <a:rPr lang="en-US" altLang="ko-KR" dirty="0"/>
+              <a:t>,  </a:t>
+            </a:r>
+            <a:r>
+              <a:rPr lang="ko-KR" altLang="en-US" dirty="0"/>
+              <a:t>인위적으로 </a:t>
+            </a:r>
+            <a:r>
+              <a:rPr lang="en-US" altLang="ko-KR" dirty="0" err="1"/>
+              <a:t>git</a:t>
             </a:r>
             <a:r>
               <a:rPr lang="en-US" altLang="ko-KR" dirty="0"/>
               <a:t> </a:t>
             </a:r>
             <a:r>
-              <a:rPr lang="ko-KR" altLang="en-US" dirty="0" smtClean="0"/>
-              <a:t>다시 하던가</a:t>
-            </a:r>
-            <a:r>
-              <a:rPr lang="en-US" altLang="ko-KR" dirty="0" smtClean="0"/>
-              <a:t>,  </a:t>
-            </a:r>
-            <a:r>
-              <a:rPr lang="ko-KR" altLang="en-US" dirty="0" smtClean="0"/>
-              <a:t>인위적으로 </a:t>
-            </a:r>
-            <a:r>
-              <a:rPr lang="en-US" altLang="ko-KR" dirty="0" err="1" smtClean="0"/>
-              <a:t>git</a:t>
-            </a:r>
-            <a:r>
-              <a:rPr lang="en-US" altLang="ko-KR" dirty="0" smtClean="0"/>
+              <a:rPr lang="en-US" altLang="ko-KR" dirty="0" err="1"/>
+              <a:t>config</a:t>
+            </a:r>
+            <a:r>
+              <a:rPr lang="en-US" altLang="ko-KR" dirty="0"/>
               <a:t> </a:t>
             </a:r>
             <a:r>
-              <a:rPr lang="en-US" altLang="ko-KR" dirty="0" err="1" smtClean="0"/>
-              <a:t>config</a:t>
-            </a:r>
-            <a:r>
-              <a:rPr lang="en-US" altLang="ko-KR" dirty="0" smtClean="0"/>
-              <a:t> </a:t>
-            </a:r>
-            <a:r>
-              <a:rPr lang="en-US" altLang="ko-KR" dirty="0" err="1" smtClean="0"/>
+              <a:rPr lang="en-US" altLang="ko-KR" dirty="0" err="1"/>
               <a:t>core.sparseCheckout</a:t>
             </a:r>
             <a:r>
-              <a:rPr lang="en-US" altLang="ko-KR" dirty="0" smtClean="0"/>
+              <a:rPr lang="en-US" altLang="ko-KR" dirty="0"/>
               <a:t> true </a:t>
             </a:r>
             <a:r>
-              <a:rPr lang="ko-KR" altLang="en-US" dirty="0" smtClean="0"/>
+              <a:rPr lang="ko-KR" altLang="en-US" dirty="0"/>
               <a:t>시켜줘야 함</a:t>
             </a:r>
             <a:r>
-              <a:rPr lang="en-US" altLang="ko-KR" dirty="0" smtClean="0"/>
+              <a:rPr lang="en-US" altLang="ko-KR" dirty="0"/>
               <a:t>.</a:t>
             </a:r>
-            <a:endParaRPr lang="en-US" altLang="ko-KR" dirty="0"/>
           </a:p>
           <a:p>
             <a:pPr marL="266700" lvl="1" indent="0">
@@ -19257,49 +19205,48 @@
               <a:t>※ </a:t>
             </a:r>
             <a:r>
-              <a:rPr lang="ko-KR" altLang="en-US" dirty="0" smtClean="0">
+              <a:rPr lang="ko-KR" altLang="en-US" dirty="0">
                 <a:latin typeface="맑은 고딕" panose="020B0503020000020004" pitchFamily="50" charset="-127"/>
                 <a:ea typeface="맑은 고딕" panose="020B0503020000020004" pitchFamily="50" charset="-127"/>
               </a:rPr>
               <a:t>주의 </a:t>
             </a:r>
             <a:r>
-              <a:rPr lang="en-US" altLang="ko-KR" dirty="0" smtClean="0"/>
+              <a:rPr lang="en-US" altLang="ko-KR" dirty="0"/>
               <a:t># </a:t>
             </a:r>
             <a:r>
-              <a:rPr lang="en-US" altLang="ko-KR" dirty="0" err="1" smtClean="0"/>
+              <a:rPr lang="en-US" altLang="ko-KR" dirty="0" err="1"/>
               <a:t>init</a:t>
             </a:r>
             <a:r>
-              <a:rPr lang="en-US" altLang="ko-KR" dirty="0" smtClean="0"/>
+              <a:rPr lang="en-US" altLang="ko-KR" dirty="0"/>
               <a:t>, disable</a:t>
             </a:r>
             <a:r>
-              <a:rPr lang="ko-KR" altLang="en-US" dirty="0" smtClean="0"/>
+              <a:rPr lang="ko-KR" altLang="en-US" dirty="0"/>
               <a:t>은  </a:t>
             </a:r>
             <a:r>
-              <a:rPr lang="en-US" altLang="ko-KR" dirty="0" err="1" smtClean="0"/>
+              <a:rPr lang="en-US" altLang="ko-KR" dirty="0" err="1"/>
               <a:t>core.sparseCheckout</a:t>
             </a:r>
             <a:r>
-              <a:rPr lang="en-US" altLang="ko-KR" dirty="0" smtClean="0"/>
+              <a:rPr lang="en-US" altLang="ko-KR" dirty="0"/>
               <a:t> false , true</a:t>
             </a:r>
             <a:r>
-              <a:rPr lang="ko-KR" altLang="en-US" dirty="0" smtClean="0"/>
+              <a:rPr lang="ko-KR" altLang="en-US" dirty="0"/>
               <a:t>변환과 </a:t>
             </a:r>
             <a:r>
-              <a:rPr lang="ko-KR" altLang="en-US" dirty="0" err="1" smtClean="0"/>
+              <a:rPr lang="ko-KR" altLang="en-US" dirty="0" err="1"/>
               <a:t>연관없음</a:t>
             </a:r>
             <a:r>
-              <a:rPr lang="en-US" altLang="ko-KR" dirty="0" smtClean="0"/>
+              <a:rPr lang="en-US" altLang="ko-KR" dirty="0"/>
               <a:t>.</a:t>
             </a:r>
-            <a:endParaRPr lang="en-US" altLang="ko-KR" dirty="0"/>
           </a:p>
         </p:txBody>
       </p:sp>
@@ -19607,21 +19554,16 @@
             </a:pPr>
             <a:r>
               <a:rPr lang="en-US" altLang="ko-KR" dirty="0"/>
-              <a:t>$ git add -p &lt;file</a:t>
-            </a:r>
-            <a:r>
-              <a:rPr lang="en-US" altLang="ko-KR" dirty="0" smtClean="0"/>
-              <a:t>&gt;, </a:t>
-            </a:r>
-            <a:r>
-              <a:rPr lang="en-US" altLang="ko-KR" dirty="0" err="1" smtClean="0"/>
+              <a:t>$ git add -p &lt;file&gt;, </a:t>
+            </a:r>
+            <a:r>
+              <a:rPr lang="en-US" altLang="ko-KR" dirty="0" err="1"/>
               <a:t>git</a:t>
             </a:r>
             <a:r>
-              <a:rPr lang="en-US" altLang="ko-KR" dirty="0" smtClean="0"/>
+              <a:rPr lang="en-US" altLang="ko-KR" dirty="0"/>
               <a:t> add --patch</a:t>
             </a:r>
-            <a:endParaRPr lang="en-US" altLang="ko-KR" dirty="0"/>
           </a:p>
           <a:p>
             <a:pPr lvl="1">
@@ -19631,11 +19573,7 @@
             </a:pPr>
             <a:r>
               <a:rPr lang="en-US" altLang="ko-KR" dirty="0"/>
-              <a:t>Add some changes in &lt;file&gt; to the next </a:t>
-            </a:r>
-            <a:r>
-              <a:rPr lang="en-US" altLang="ko-KR" dirty="0" smtClean="0"/>
-              <a:t>commit</a:t>
+              <a:t>Add some changes in &lt;file&gt; to the next commit</a:t>
             </a:r>
           </a:p>
           <a:p>
@@ -19645,36 +19583,24 @@
               </a:lnSpc>
             </a:pPr>
             <a:r>
-              <a:rPr lang="en-US" altLang="ko-KR" dirty="0" smtClean="0"/>
+              <a:rPr lang="en-US" altLang="ko-KR" dirty="0"/>
               <a:t>Patch</a:t>
             </a:r>
             <a:r>
-              <a:rPr lang="ko-KR" altLang="en-US" dirty="0" smtClean="0"/>
+              <a:rPr lang="ko-KR" altLang="en-US" dirty="0"/>
               <a:t>단위로 검토할 수 있음  참고</a:t>
             </a:r>
             <a:r>
-              <a:rPr lang="en-US" altLang="ko-KR" dirty="0" smtClean="0"/>
+              <a:rPr lang="en-US" altLang="ko-KR" dirty="0"/>
               <a:t>: </a:t>
-            </a:r>
-            <a:r>
-              <a:rPr lang="en-US" altLang="ko-KR" dirty="0" smtClean="0">
-                <a:hlinkClick r:id="rId3"/>
-              </a:rPr>
-              <a:t>https</a:t>
             </a:r>
             <a:r>
               <a:rPr lang="en-US" altLang="ko-KR" dirty="0">
                 <a:hlinkClick r:id="rId3"/>
               </a:rPr>
-              <a:t>://</a:t>
-            </a:r>
-            <a:r>
-              <a:rPr lang="en-US" altLang="ko-KR" dirty="0" smtClean="0">
-                <a:hlinkClick r:id="rId3"/>
-              </a:rPr>
-              <a:t>blog.outsider.ne.kr/1247</a:t>
-            </a:r>
-            <a:endParaRPr lang="en-US" altLang="ko-KR" dirty="0" smtClean="0"/>
+              <a:t>https://blog.outsider.ne.kr/1247</a:t>
+            </a:r>
+            <a:endParaRPr lang="en-US" altLang="ko-KR" dirty="0"/>
           </a:p>
           <a:p>
             <a:pPr lvl="1">
@@ -19683,39 +19609,39 @@
               </a:lnSpc>
             </a:pPr>
             <a:r>
-              <a:rPr lang="en-US" altLang="ko-KR" dirty="0" smtClean="0"/>
+              <a:rPr lang="en-US" altLang="ko-KR" dirty="0"/>
               <a:t>S(split)</a:t>
             </a:r>
             <a:r>
-              <a:rPr lang="ko-KR" altLang="en-US" dirty="0" err="1" smtClean="0"/>
+              <a:rPr lang="ko-KR" altLang="en-US" dirty="0" err="1"/>
               <a:t>선택후</a:t>
             </a:r>
             <a:r>
-              <a:rPr lang="ko-KR" altLang="en-US" dirty="0" smtClean="0"/>
+              <a:rPr lang="ko-KR" altLang="en-US" dirty="0"/>
               <a:t> </a:t>
             </a:r>
             <a:r>
-              <a:rPr lang="en-US" altLang="ko-KR" dirty="0" smtClean="0"/>
+              <a:rPr lang="en-US" altLang="ko-KR" dirty="0"/>
               <a:t>, </a:t>
             </a:r>
             <a:r>
-              <a:rPr lang="ko-KR" altLang="en-US" dirty="0" smtClean="0"/>
+              <a:rPr lang="ko-KR" altLang="en-US" dirty="0"/>
               <a:t>원하는 </a:t>
             </a:r>
             <a:r>
-              <a:rPr lang="en-US" altLang="ko-KR" dirty="0" smtClean="0"/>
+              <a:rPr lang="en-US" altLang="ko-KR" dirty="0"/>
               <a:t>hunk</a:t>
             </a:r>
             <a:r>
-              <a:rPr lang="ko-KR" altLang="en-US" dirty="0" smtClean="0"/>
+              <a:rPr lang="ko-KR" altLang="en-US" dirty="0"/>
               <a:t>만 선택</a:t>
             </a:r>
             <a:r>
-              <a:rPr lang="en-US" altLang="ko-KR" dirty="0" smtClean="0"/>
+              <a:rPr lang="en-US" altLang="ko-KR" dirty="0"/>
               <a:t>(y)</a:t>
             </a:r>
             <a:r>
-              <a:rPr lang="ko-KR" altLang="en-US" dirty="0" smtClean="0"/>
+              <a:rPr lang="ko-KR" altLang="en-US" dirty="0"/>
               <a:t>하고 완료</a:t>
             </a:r>
             <a:r>
@@ -19723,18 +19649,18 @@
               <a:t> </a:t>
             </a:r>
             <a:r>
-              <a:rPr lang="ko-KR" altLang="en-US" dirty="0" smtClean="0"/>
+              <a:rPr lang="ko-KR" altLang="en-US" dirty="0"/>
               <a:t>후에 </a:t>
             </a:r>
             <a:r>
-              <a:rPr lang="en-US" altLang="ko-KR" dirty="0" smtClean="0"/>
+              <a:rPr lang="en-US" altLang="ko-KR" dirty="0"/>
               <a:t>commit </a:t>
             </a:r>
             <a:r>
-              <a:rPr lang="ko-KR" altLang="en-US" dirty="0" smtClean="0"/>
+              <a:rPr lang="ko-KR" altLang="en-US" dirty="0"/>
               <a:t>진행</a:t>
             </a:r>
-            <a:endParaRPr lang="en-US" altLang="ko-KR" dirty="0" smtClean="0"/>
+            <a:endParaRPr lang="en-US" altLang="ko-KR" dirty="0"/>
           </a:p>
           <a:p>
             <a:pPr lvl="1">
@@ -19743,23 +19669,23 @@
               </a:lnSpc>
             </a:pPr>
             <a:r>
-              <a:rPr lang="ko-KR" altLang="en-US" dirty="0" smtClean="0"/>
+              <a:rPr lang="ko-KR" altLang="en-US" dirty="0"/>
               <a:t>다시 </a:t>
             </a:r>
             <a:r>
-              <a:rPr lang="en-US" altLang="ko-KR" dirty="0" smtClean="0"/>
+              <a:rPr lang="en-US" altLang="ko-KR" dirty="0"/>
               <a:t>add -p</a:t>
             </a:r>
             <a:r>
-              <a:rPr lang="ko-KR" altLang="en-US" dirty="0" smtClean="0"/>
+              <a:rPr lang="ko-KR" altLang="en-US" dirty="0"/>
               <a:t>를 통하여 똑 같은 과정을 진행하여 수정사항을 분리하여 </a:t>
             </a:r>
             <a:r>
-              <a:rPr lang="en-US" altLang="ko-KR" dirty="0" smtClean="0"/>
+              <a:rPr lang="en-US" altLang="ko-KR" dirty="0"/>
               <a:t>commit </a:t>
             </a:r>
             <a:r>
-              <a:rPr lang="ko-KR" altLang="en-US" dirty="0" smtClean="0"/>
+              <a:rPr lang="ko-KR" altLang="en-US" dirty="0"/>
               <a:t>완료</a:t>
             </a:r>
             <a:endParaRPr lang="en-US" altLang="ko-KR" dirty="0"/>
@@ -19826,14 +19752,13 @@
           <a:lstStyle/>
           <a:p>
             <a:r>
-              <a:rPr lang="en-US" altLang="ko-KR" dirty="0" smtClean="0"/>
+              <a:rPr lang="en-US" altLang="ko-KR" dirty="0"/>
               <a:t>Sparse-checkout </a:t>
             </a:r>
             <a:r>
-              <a:rPr lang="ko-KR" altLang="en-US" dirty="0" smtClean="0"/>
+              <a:rPr lang="ko-KR" altLang="en-US" dirty="0"/>
               <a:t>사용</a:t>
             </a:r>
-            <a:endParaRPr lang="ko-KR" altLang="en-US" dirty="0"/>
           </a:p>
         </p:txBody>
       </p:sp>
@@ -20005,15 +19930,15 @@
           </a:lstStyle>
           <a:p>
             <a:r>
-              <a:rPr lang="ko-KR" altLang="en-US" dirty="0" smtClean="0"/>
+              <a:rPr lang="ko-KR" altLang="en-US" dirty="0"/>
               <a:t>원하는 폴더나 파일만 </a:t>
             </a:r>
             <a:r>
-              <a:rPr lang="en-US" altLang="ko-KR" dirty="0" smtClean="0"/>
+              <a:rPr lang="en-US" altLang="ko-KR" dirty="0"/>
               <a:t>pull</a:t>
             </a:r>
             <a:r>
-              <a:rPr lang="ko-KR" altLang="en-US" dirty="0" smtClean="0"/>
+              <a:rPr lang="ko-KR" altLang="en-US" dirty="0"/>
               <a:t>하여 사용하기</a:t>
             </a:r>
             <a:endParaRPr lang="en-US" altLang="ko-KR" dirty="0"/>
@@ -20023,15 +19948,15 @@
               <a:buNone/>
             </a:pPr>
             <a:r>
-              <a:rPr lang="en-US" altLang="ko-KR" dirty="0" smtClean="0"/>
+              <a:rPr lang="en-US" altLang="ko-KR" dirty="0"/>
               <a:t>$ </a:t>
             </a:r>
             <a:r>
-              <a:rPr lang="en-US" altLang="ko-KR" dirty="0" err="1" smtClean="0"/>
+              <a:rPr lang="en-US" altLang="ko-KR" dirty="0" err="1"/>
               <a:t>mkdir</a:t>
             </a:r>
             <a:r>
-              <a:rPr lang="en-US" altLang="ko-KR" dirty="0" smtClean="0"/>
+              <a:rPr lang="en-US" altLang="ko-KR" dirty="0"/>
               <a:t> &lt;repo&gt;</a:t>
             </a:r>
           </a:p>
@@ -20040,7 +19965,7 @@
               <a:buNone/>
             </a:pPr>
             <a:r>
-              <a:rPr lang="en-US" altLang="ko-KR" dirty="0" smtClean="0"/>
+              <a:rPr lang="en-US" altLang="ko-KR" dirty="0"/>
               <a:t>$ cd &lt;repo&gt;</a:t>
             </a:r>
           </a:p>
@@ -20050,22 +19975,18 @@
             </a:pPr>
             <a:r>
               <a:rPr lang="en-US" altLang="ko-KR" dirty="0"/>
-              <a:t>$</a:t>
-            </a:r>
-            <a:r>
-              <a:rPr lang="en-US" altLang="ko-KR" dirty="0" smtClean="0"/>
+              <a:t>$ </a:t>
+            </a:r>
+            <a:r>
+              <a:rPr lang="en-US" altLang="ko-KR" dirty="0" err="1"/>
+              <a:t>git</a:t>
+            </a:r>
+            <a:r>
+              <a:rPr lang="en-US" altLang="ko-KR" dirty="0"/>
               <a:t> </a:t>
             </a:r>
             <a:r>
-              <a:rPr lang="en-US" altLang="ko-KR" dirty="0" err="1" smtClean="0"/>
-              <a:t>git</a:t>
-            </a:r>
-            <a:r>
-              <a:rPr lang="en-US" altLang="ko-KR" dirty="0" smtClean="0"/>
-              <a:t> </a:t>
-            </a:r>
-            <a:r>
-              <a:rPr lang="en-US" altLang="ko-KR" dirty="0" err="1" smtClean="0"/>
+              <a:rPr lang="en-US" altLang="ko-KR" dirty="0" err="1"/>
               <a:t>init</a:t>
             </a:r>
             <a:endParaRPr lang="en-US" altLang="ko-KR" dirty="0"/>
@@ -20075,47 +19996,47 @@
               <a:buNone/>
             </a:pPr>
             <a:r>
-              <a:rPr lang="en-US" altLang="ko-KR" dirty="0" smtClean="0"/>
+              <a:rPr lang="en-US" altLang="ko-KR" dirty="0"/>
               <a:t>Remote</a:t>
             </a:r>
             <a:r>
-              <a:rPr lang="ko-KR" altLang="en-US" dirty="0" smtClean="0"/>
+              <a:rPr lang="ko-KR" altLang="en-US" dirty="0"/>
               <a:t>와 연계된 내용이 없는 </a:t>
             </a:r>
             <a:r>
-              <a:rPr lang="en-US" altLang="ko-KR" dirty="0" smtClean="0"/>
+              <a:rPr lang="en-US" altLang="ko-KR" dirty="0"/>
               <a:t>repo</a:t>
             </a:r>
             <a:r>
-              <a:rPr lang="ko-KR" altLang="en-US" dirty="0" smtClean="0"/>
+              <a:rPr lang="ko-KR" altLang="en-US" dirty="0"/>
               <a:t>를 만들고 </a:t>
             </a:r>
             <a:r>
-              <a:rPr lang="en-US" altLang="ko-KR" dirty="0" smtClean="0"/>
+              <a:rPr lang="en-US" altLang="ko-KR" dirty="0"/>
               <a:t>fetch</a:t>
             </a:r>
             <a:r>
-              <a:rPr lang="ko-KR" altLang="en-US" dirty="0" smtClean="0"/>
+              <a:rPr lang="ko-KR" altLang="en-US" dirty="0"/>
               <a:t>를 진행</a:t>
             </a:r>
             <a:r>
-              <a:rPr lang="en-US" altLang="ko-KR" dirty="0" smtClean="0"/>
+              <a:rPr lang="en-US" altLang="ko-KR" dirty="0"/>
               <a:t>. </a:t>
             </a:r>
             <a:r>
-              <a:rPr lang="ko-KR" altLang="en-US" dirty="0" smtClean="0"/>
+              <a:rPr lang="ko-KR" altLang="en-US" dirty="0"/>
               <a:t>내용을 </a:t>
             </a:r>
             <a:r>
-              <a:rPr lang="en-US" altLang="ko-KR" dirty="0" smtClean="0"/>
+              <a:rPr lang="en-US" altLang="ko-KR" dirty="0"/>
               <a:t>checkout </a:t>
             </a:r>
             <a:r>
-              <a:rPr lang="ko-KR" altLang="en-US" dirty="0" smtClean="0"/>
+              <a:rPr lang="ko-KR" altLang="en-US" dirty="0"/>
               <a:t>하지 않음</a:t>
             </a:r>
             <a:r>
-              <a:rPr lang="en-US" altLang="ko-KR" dirty="0" smtClean="0"/>
+              <a:rPr lang="en-US" altLang="ko-KR" dirty="0"/>
               <a:t>.</a:t>
             </a:r>
           </a:p>
@@ -20124,41 +20045,35 @@
               <a:buNone/>
             </a:pPr>
             <a:r>
-              <a:rPr lang="en-US" altLang="ko-KR" dirty="0" smtClean="0"/>
+              <a:rPr lang="en-US" altLang="ko-KR" dirty="0"/>
               <a:t>$ </a:t>
             </a:r>
             <a:r>
-              <a:rPr lang="en-US" altLang="ko-KR" dirty="0" err="1" smtClean="0"/>
+              <a:rPr lang="en-US" altLang="ko-KR" dirty="0" err="1"/>
               <a:t>git</a:t>
             </a:r>
             <a:r>
-              <a:rPr lang="en-US" altLang="ko-KR" dirty="0" smtClean="0"/>
+              <a:rPr lang="en-US" altLang="ko-KR" dirty="0"/>
               <a:t> remote add  -f origin </a:t>
             </a:r>
             <a:r>
               <a:rPr lang="en-US" altLang="ko-KR" dirty="0">
                 <a:hlinkClick r:id="rId3"/>
               </a:rPr>
-              <a:t>https://</a:t>
-            </a:r>
-            <a:r>
-              <a:rPr lang="en-US" altLang="ko-KR" dirty="0" smtClean="0">
-                <a:hlinkClick r:id="rId3"/>
-              </a:rPr>
-              <a:t>github.com/fasthill/hello_python.git</a:t>
-            </a:r>
-            <a:endParaRPr lang="en-US" altLang="ko-KR" dirty="0" smtClean="0"/>
+              <a:t>https://github.com/fasthill/hello_python.git</a:t>
+            </a:r>
+            <a:endParaRPr lang="en-US" altLang="ko-KR" dirty="0"/>
           </a:p>
           <a:p>
             <a:pPr marL="266700" lvl="1" indent="0">
               <a:buNone/>
             </a:pPr>
             <a:r>
-              <a:rPr lang="en-US" altLang="ko-KR" dirty="0" smtClean="0"/>
+              <a:rPr lang="en-US" altLang="ko-KR" dirty="0"/>
               <a:t>$ </a:t>
             </a:r>
             <a:r>
-              <a:rPr lang="en-US" altLang="ko-KR" dirty="0" err="1" smtClean="0">
+              <a:rPr lang="en-US" altLang="ko-KR" dirty="0" err="1">
                 <a:solidFill>
                   <a:srgbClr val="FF0000"/>
                 </a:solidFill>
@@ -20166,7 +20081,7 @@
               <a:t>git</a:t>
             </a:r>
             <a:r>
-              <a:rPr lang="en-US" altLang="ko-KR" dirty="0" smtClean="0">
+              <a:rPr lang="en-US" altLang="ko-KR" dirty="0">
                 <a:solidFill>
                   <a:srgbClr val="FF0000"/>
                 </a:solidFill>
@@ -20174,7 +20089,7 @@
               <a:t> remote add origin &lt;</a:t>
             </a:r>
             <a:r>
-              <a:rPr lang="en-US" altLang="ko-KR" dirty="0" err="1" smtClean="0">
+              <a:rPr lang="en-US" altLang="ko-KR" dirty="0" err="1">
                 <a:solidFill>
                   <a:srgbClr val="FF0000"/>
                 </a:solidFill>
@@ -20182,7 +20097,7 @@
               <a:t>url</a:t>
             </a:r>
             <a:r>
-              <a:rPr lang="en-US" altLang="ko-KR" dirty="0" smtClean="0">
+              <a:rPr lang="en-US" altLang="ko-KR" dirty="0">
                 <a:solidFill>
                   <a:srgbClr val="FF0000"/>
                 </a:solidFill>
@@ -20190,7 +20105,7 @@
               <a:t>&gt; </a:t>
             </a:r>
             <a:r>
-              <a:rPr lang="ko-KR" altLang="en-US" dirty="0" smtClean="0">
+              <a:rPr lang="ko-KR" altLang="en-US" dirty="0">
                 <a:solidFill>
                   <a:srgbClr val="FF0000"/>
                 </a:solidFill>
@@ -20198,7 +20113,7 @@
               <a:t>차이가 없음</a:t>
             </a:r>
             <a:r>
-              <a:rPr lang="en-US" altLang="ko-KR" dirty="0" smtClean="0">
+              <a:rPr lang="en-US" altLang="ko-KR" dirty="0">
                 <a:solidFill>
                   <a:srgbClr val="FF0000"/>
                 </a:solidFill>
@@ -20206,7 +20121,7 @@
               <a:t>. –f option </a:t>
             </a:r>
             <a:r>
-              <a:rPr lang="ko-KR" altLang="en-US" dirty="0" smtClean="0">
+              <a:rPr lang="ko-KR" altLang="en-US" dirty="0">
                 <a:solidFill>
                   <a:srgbClr val="FF0000"/>
                 </a:solidFill>
@@ -20214,7 +20129,7 @@
               <a:t>차이가 뭔가</a:t>
             </a:r>
             <a:r>
-              <a:rPr lang="en-US" altLang="ko-KR" dirty="0" smtClean="0">
+              <a:rPr lang="en-US" altLang="ko-KR" dirty="0">
                 <a:solidFill>
                   <a:srgbClr val="FF0000"/>
                 </a:solidFill>
@@ -20227,15 +20142,15 @@
               <a:buNone/>
             </a:pPr>
             <a:r>
-              <a:rPr lang="en-US" altLang="ko-KR" dirty="0" smtClean="0"/>
+              <a:rPr lang="en-US" altLang="ko-KR" dirty="0"/>
               <a:t>$ </a:t>
             </a:r>
             <a:r>
-              <a:rPr lang="en-US" altLang="ko-KR" dirty="0" err="1" smtClean="0"/>
+              <a:rPr lang="en-US" altLang="ko-KR" dirty="0" err="1"/>
               <a:t>git</a:t>
             </a:r>
             <a:r>
-              <a:rPr lang="en-US" altLang="ko-KR" dirty="0" smtClean="0"/>
+              <a:rPr lang="en-US" altLang="ko-KR" dirty="0"/>
               <a:t> sparse-checkout set test5.py</a:t>
             </a:r>
           </a:p>
@@ -20244,15 +20159,15 @@
               <a:buNone/>
             </a:pPr>
             <a:r>
-              <a:rPr lang="en-US" altLang="ko-KR" dirty="0" smtClean="0"/>
+              <a:rPr lang="en-US" altLang="ko-KR" dirty="0"/>
               <a:t>$ </a:t>
             </a:r>
             <a:r>
-              <a:rPr lang="en-US" altLang="ko-KR" dirty="0" err="1" smtClean="0"/>
+              <a:rPr lang="en-US" altLang="ko-KR" dirty="0" err="1"/>
               <a:t>git</a:t>
             </a:r>
             <a:r>
-              <a:rPr lang="en-US" altLang="ko-KR" dirty="0" smtClean="0"/>
+              <a:rPr lang="en-US" altLang="ko-KR" dirty="0"/>
               <a:t> pull origin main</a:t>
             </a:r>
           </a:p>
@@ -20261,20 +20176,16 @@
               <a:buNone/>
             </a:pPr>
             <a:r>
-              <a:rPr lang="en-US" altLang="ko-KR" dirty="0" smtClean="0"/>
+              <a:rPr lang="en-US" altLang="ko-KR" dirty="0"/>
               <a:t>$ </a:t>
             </a:r>
             <a:r>
-              <a:rPr lang="en-US" altLang="ko-KR" dirty="0" err="1" smtClean="0"/>
+              <a:rPr lang="en-US" altLang="ko-KR" dirty="0" err="1"/>
               <a:t>git</a:t>
             </a:r>
             <a:r>
               <a:rPr lang="en-US" altLang="ko-KR" dirty="0"/>
-              <a:t> sparse-checkout </a:t>
-            </a:r>
-            <a:r>
-              <a:rPr lang="en-US" altLang="ko-KR" dirty="0" smtClean="0"/>
-              <a:t>disable</a:t>
+              <a:t> sparse-checkout disable</a:t>
             </a:r>
           </a:p>
           <a:p>
@@ -20282,24 +20193,16 @@
               <a:buNone/>
             </a:pPr>
             <a:r>
-              <a:rPr lang="en-US" altLang="ko-KR" dirty="0" smtClean="0"/>
+              <a:rPr lang="en-US" altLang="ko-KR" dirty="0"/>
               <a:t>$ </a:t>
             </a:r>
             <a:r>
-              <a:rPr lang="en-US" altLang="ko-KR" dirty="0" err="1" smtClean="0"/>
+              <a:rPr lang="en-US" altLang="ko-KR" dirty="0" err="1"/>
               <a:t>git</a:t>
             </a:r>
             <a:r>
-              <a:rPr lang="en-US" altLang="ko-KR" dirty="0" smtClean="0"/>
-              <a:t> </a:t>
-            </a:r>
-            <a:r>
-              <a:rPr lang="en-US" altLang="ko-KR" dirty="0"/>
-              <a:t>sparse-checkout </a:t>
-            </a:r>
-            <a:r>
-              <a:rPr lang="en-US" altLang="ko-KR" dirty="0" smtClean="0"/>
-              <a:t>reapply</a:t>
+              <a:rPr lang="en-US" altLang="ko-KR" dirty="0"/>
+              <a:t> sparse-checkout reapply</a:t>
             </a:r>
           </a:p>
           <a:p>
@@ -20307,7 +20210,7 @@
               <a:buNone/>
             </a:pPr>
             <a:r>
-              <a:rPr lang="en-US" altLang="ko-KR" dirty="0" smtClean="0"/>
+              <a:rPr lang="en-US" altLang="ko-KR" dirty="0"/>
               <a:t>$ ls</a:t>
             </a:r>
           </a:p>
@@ -20316,14 +20219,14 @@
               <a:buNone/>
             </a:pPr>
             <a:r>
-              <a:rPr lang="en-US" altLang="ko-KR" dirty="0" smtClean="0"/>
+              <a:rPr lang="en-US" altLang="ko-KR" dirty="0"/>
               <a:t>Working directory</a:t>
             </a:r>
             <a:r>
-              <a:rPr lang="ko-KR" altLang="en-US" dirty="0" smtClean="0"/>
+              <a:rPr lang="ko-KR" altLang="en-US" dirty="0"/>
               <a:t>에서 사용하는 방법과 동일함</a:t>
             </a:r>
-            <a:endParaRPr lang="en-US" altLang="ko-KR" dirty="0" smtClean="0"/>
+            <a:endParaRPr lang="en-US" altLang="ko-KR" dirty="0"/>
           </a:p>
           <a:p>
             <a:pPr marL="266700" lvl="1" indent="0">
@@ -20399,14 +20302,13 @@
           <a:lstStyle/>
           <a:p>
             <a:r>
-              <a:rPr lang="en-US" altLang="ko-KR" dirty="0" smtClean="0"/>
+              <a:rPr lang="en-US" altLang="ko-KR" dirty="0"/>
               <a:t>Sparse-checkout </a:t>
             </a:r>
             <a:r>
-              <a:rPr lang="ko-KR" altLang="en-US" dirty="0" smtClean="0"/>
+              <a:rPr lang="ko-KR" altLang="en-US" dirty="0"/>
               <a:t>사용</a:t>
             </a:r>
-            <a:endParaRPr lang="ko-KR" altLang="en-US" dirty="0"/>
           </a:p>
         </p:txBody>
       </p:sp>
@@ -20578,30 +20480,29 @@
           </a:lstStyle>
           <a:p>
             <a:r>
-              <a:rPr lang="ko-KR" altLang="en-US" dirty="0" smtClean="0"/>
+              <a:rPr lang="ko-KR" altLang="en-US" dirty="0"/>
               <a:t>원하는 폴더나 파일만 사용하기</a:t>
             </a:r>
-            <a:endParaRPr lang="en-US" altLang="ko-KR" dirty="0" smtClean="0"/>
+            <a:endParaRPr lang="en-US" altLang="ko-KR" dirty="0"/>
           </a:p>
           <a:p>
             <a:pPr lvl="1"/>
             <a:r>
-              <a:rPr lang="en-US" altLang="ko-KR" dirty="0" err="1" smtClean="0"/>
+              <a:rPr lang="en-US" altLang="ko-KR" dirty="0" err="1"/>
               <a:t>Git</a:t>
             </a:r>
             <a:r>
-              <a:rPr lang="en-US" altLang="ko-KR" dirty="0" smtClean="0"/>
+              <a:rPr lang="en-US" altLang="ko-KR" dirty="0"/>
               <a:t> read-tree –mu HEAD</a:t>
             </a:r>
             <a:r>
-              <a:rPr lang="ko-KR" altLang="en-US" dirty="0" smtClean="0"/>
+              <a:rPr lang="ko-KR" altLang="en-US" dirty="0"/>
               <a:t>는 언제 사용하나</a:t>
             </a:r>
             <a:r>
               <a:rPr lang="en-US" altLang="ko-KR" dirty="0"/>
               <a:t> </a:t>
             </a:r>
-            <a:endParaRPr lang="en-US" altLang="ko-KR" dirty="0" smtClean="0"/>
           </a:p>
           <a:p>
             <a:pPr marL="266700" lvl="1" indent="0">
@@ -20609,34 +20510,30 @@
             </a:pPr>
             <a:r>
               <a:rPr lang="en-US" altLang="ko-KR" dirty="0"/>
-              <a:t>→</a:t>
-            </a:r>
-            <a:r>
-              <a:rPr lang="en-US" altLang="ko-KR" dirty="0" smtClean="0"/>
-              <a:t> </a:t>
-            </a:r>
-            <a:r>
-              <a:rPr lang="ko-KR" altLang="en-US" dirty="0" smtClean="0"/>
+              <a:t>→ </a:t>
+            </a:r>
+            <a:r>
+              <a:rPr lang="ko-KR" altLang="en-US" dirty="0"/>
               <a:t>이제는 </a:t>
             </a:r>
             <a:r>
-              <a:rPr lang="en-US" altLang="ko-KR" dirty="0" smtClean="0"/>
+              <a:rPr lang="en-US" altLang="ko-KR" dirty="0"/>
               <a:t>sparse-checkout set</a:t>
             </a:r>
             <a:r>
-              <a:rPr lang="ko-KR" altLang="en-US" dirty="0" smtClean="0"/>
+              <a:rPr lang="ko-KR" altLang="en-US" dirty="0"/>
               <a:t>으로 대체</a:t>
             </a:r>
             <a:r>
-              <a:rPr lang="en-US" altLang="ko-KR" dirty="0" smtClean="0"/>
+              <a:rPr lang="en-US" altLang="ko-KR" dirty="0"/>
               <a:t>(reload</a:t>
             </a:r>
             <a:r>
-              <a:rPr lang="ko-KR" altLang="en-US" dirty="0" smtClean="0"/>
+              <a:rPr lang="ko-KR" altLang="en-US" dirty="0"/>
               <a:t>의 역할도 같이함</a:t>
             </a:r>
             <a:r>
-              <a:rPr lang="en-US" altLang="ko-KR" dirty="0" smtClean="0"/>
+              <a:rPr lang="en-US" altLang="ko-KR" dirty="0"/>
               <a:t>)</a:t>
             </a:r>
           </a:p>
@@ -20646,111 +20543,106 @@
             </a:pPr>
             <a:r>
               <a:rPr lang="en-US" altLang="ko-KR" dirty="0"/>
+              <a:t>     </a:t>
+            </a:r>
+            <a:r>
+              <a:rPr lang="ko-KR" altLang="en-US" dirty="0"/>
+              <a:t>혹은 </a:t>
+            </a:r>
+            <a:r>
+              <a:rPr lang="en-US" altLang="ko-KR" dirty="0"/>
+              <a:t>reapply</a:t>
+            </a:r>
+            <a:r>
+              <a:rPr lang="ko-KR" altLang="en-US" dirty="0"/>
+              <a:t>로 </a:t>
+            </a:r>
+            <a:r>
+              <a:rPr lang="en-US" altLang="ko-KR" dirty="0"/>
+              <a:t>reload.</a:t>
+            </a:r>
+          </a:p>
+          <a:p>
+            <a:pPr lvl="1"/>
+            <a:r>
+              <a:rPr lang="en-US" altLang="ko-KR" dirty="0"/>
+              <a:t>Echo</a:t>
+            </a:r>
+            <a:r>
+              <a:rPr lang="ko-KR" altLang="en-US" dirty="0"/>
+              <a:t>를</a:t>
+            </a:r>
+            <a:r>
+              <a:rPr lang="en-US" altLang="ko-KR" dirty="0"/>
               <a:t> </a:t>
             </a:r>
             <a:r>
-              <a:rPr lang="en-US" altLang="ko-KR" dirty="0" smtClean="0"/>
-              <a:t>    </a:t>
-            </a:r>
-            <a:r>
-              <a:rPr lang="ko-KR" altLang="en-US" dirty="0" smtClean="0"/>
-              <a:t>혹은 </a:t>
-            </a:r>
-            <a:r>
-              <a:rPr lang="en-US" altLang="ko-KR" dirty="0" smtClean="0"/>
-              <a:t>reapply</a:t>
-            </a:r>
-            <a:r>
-              <a:rPr lang="ko-KR" altLang="en-US" dirty="0" smtClean="0"/>
-              <a:t>로 </a:t>
-            </a:r>
-            <a:r>
-              <a:rPr lang="en-US" altLang="ko-KR" dirty="0" smtClean="0"/>
-              <a:t>reload.</a:t>
-            </a:r>
-          </a:p>
-          <a:p>
-            <a:pPr lvl="1"/>
-            <a:r>
-              <a:rPr lang="en-US" altLang="ko-KR" dirty="0" smtClean="0"/>
-              <a:t>Echo</a:t>
-            </a:r>
-            <a:r>
-              <a:rPr lang="ko-KR" altLang="en-US" dirty="0" smtClean="0"/>
-              <a:t>를</a:t>
-            </a:r>
-            <a:r>
-              <a:rPr lang="en-US" altLang="ko-KR" dirty="0" smtClean="0"/>
-              <a:t> </a:t>
-            </a:r>
-            <a:r>
-              <a:rPr lang="ko-KR" altLang="en-US" dirty="0" smtClean="0"/>
+              <a:rPr lang="ko-KR" altLang="en-US" dirty="0"/>
               <a:t>이용하여 </a:t>
             </a:r>
             <a:r>
-              <a:rPr lang="en-US" altLang="ko-KR" dirty="0" smtClean="0"/>
+              <a:rPr lang="en-US" altLang="ko-KR" dirty="0"/>
               <a:t>sparse-checkout</a:t>
             </a:r>
             <a:r>
-              <a:rPr lang="ko-KR" altLang="en-US" dirty="0" smtClean="0"/>
+              <a:rPr lang="ko-KR" altLang="en-US" dirty="0"/>
               <a:t>에 내용을 추가하였을 경우 </a:t>
             </a:r>
             <a:r>
-              <a:rPr lang="en-US" altLang="ko-KR" dirty="0" smtClean="0"/>
+              <a:rPr lang="en-US" altLang="ko-KR" dirty="0"/>
               <a:t>read-tree </a:t>
             </a:r>
             <a:r>
-              <a:rPr lang="ko-KR" altLang="en-US" dirty="0" smtClean="0"/>
+              <a:rPr lang="ko-KR" altLang="en-US" dirty="0"/>
               <a:t>사용하거나</a:t>
             </a:r>
             <a:r>
-              <a:rPr lang="en-US" altLang="ko-KR" dirty="0" smtClean="0"/>
+              <a:rPr lang="en-US" altLang="ko-KR" dirty="0"/>
               <a:t>,</a:t>
             </a:r>
-            <a:endParaRPr lang="en-US" altLang="ko-KR" dirty="0"/>
           </a:p>
           <a:p>
             <a:pPr marL="266700" lvl="1" indent="0">
               <a:buNone/>
             </a:pPr>
             <a:r>
-              <a:rPr lang="ko-KR" altLang="en-US" dirty="0" smtClean="0"/>
+              <a:rPr lang="ko-KR" altLang="en-US" dirty="0"/>
               <a:t>혹은 </a:t>
             </a:r>
             <a:r>
-              <a:rPr lang="en-US" altLang="ko-KR" dirty="0" smtClean="0"/>
+              <a:rPr lang="en-US" altLang="ko-KR" dirty="0"/>
               <a:t>disable</a:t>
             </a:r>
             <a:r>
-              <a:rPr lang="ko-KR" altLang="en-US" dirty="0" smtClean="0"/>
+              <a:rPr lang="ko-KR" altLang="en-US" dirty="0"/>
               <a:t>후에 </a:t>
             </a:r>
             <a:r>
-              <a:rPr lang="en-US" altLang="ko-KR" dirty="0" err="1" smtClean="0"/>
+              <a:rPr lang="en-US" altLang="ko-KR" dirty="0" err="1"/>
               <a:t>reappy</a:t>
             </a:r>
             <a:r>
-              <a:rPr lang="ko-KR" altLang="en-US" dirty="0" smtClean="0"/>
+              <a:rPr lang="ko-KR" altLang="en-US" dirty="0"/>
               <a:t>를 하면 됨</a:t>
             </a:r>
             <a:r>
-              <a:rPr lang="en-US" altLang="ko-KR" dirty="0" smtClean="0"/>
+              <a:rPr lang="en-US" altLang="ko-KR" dirty="0"/>
               <a:t>.(reapply</a:t>
             </a:r>
             <a:r>
-              <a:rPr lang="ko-KR" altLang="en-US" dirty="0" smtClean="0"/>
+              <a:rPr lang="ko-KR" altLang="en-US" dirty="0"/>
               <a:t>하면서 </a:t>
             </a:r>
             <a:r>
-              <a:rPr lang="en-US" altLang="ko-KR" dirty="0" smtClean="0"/>
+              <a:rPr lang="en-US" altLang="ko-KR" dirty="0"/>
               <a:t>sparse-checkout</a:t>
             </a:r>
             <a:r>
-              <a:rPr lang="ko-KR" altLang="en-US" dirty="0" smtClean="0"/>
+              <a:rPr lang="ko-KR" altLang="en-US" dirty="0"/>
               <a:t>을 다시 읽어서 진행</a:t>
             </a:r>
             <a:r>
-              <a:rPr lang="en-US" altLang="ko-KR" dirty="0" smtClean="0"/>
+              <a:rPr lang="en-US" altLang="ko-KR" dirty="0"/>
               <a:t>)</a:t>
             </a:r>
           </a:p>
@@ -20999,12 +20891,8 @@
               </a:lnSpc>
             </a:pPr>
             <a:r>
-              <a:rPr lang="en-US" altLang="ko-KR" dirty="0" smtClean="0"/>
-              <a:t>$ </a:t>
-            </a:r>
-            <a:r>
-              <a:rPr lang="en-US" altLang="ko-KR" dirty="0"/>
-              <a:t>git commit –a</a:t>
+              <a:rPr lang="en-US" altLang="ko-KR" dirty="0"/>
+              <a:t>$ git commit –a</a:t>
             </a:r>
           </a:p>
           <a:p>
@@ -21074,15 +20962,7 @@
                   <a:srgbClr val="FF0000"/>
                 </a:solidFill>
               </a:rPr>
-              <a:t>Don‘t amend published commits</a:t>
-            </a:r>
-            <a:r>
-              <a:rPr lang="en-US" altLang="ko-KR" dirty="0" smtClean="0">
-                <a:solidFill>
-                  <a:srgbClr val="FF0000"/>
-                </a:solidFill>
-              </a:rPr>
-              <a:t>!</a:t>
+              <a:t>Don‘t amend published commits!</a:t>
             </a:r>
           </a:p>
           <a:p>
@@ -21101,11 +20981,22 @@
             </a:r>
             <a:r>
               <a:rPr lang="en-US" altLang="ko-KR" dirty="0"/>
-              <a:t> commit </a:t>
-            </a:r>
-            <a:r>
-              <a:rPr lang="en-US" altLang="ko-KR" dirty="0" smtClean="0"/>
-              <a:t>-v</a:t>
+              <a:t> commit -v</a:t>
+            </a:r>
+          </a:p>
+          <a:p>
+            <a:pPr lvl="1">
+              <a:lnSpc>
+                <a:spcPct val="130000"/>
+              </a:lnSpc>
+            </a:pPr>
+            <a:r>
+              <a:rPr lang="en-US" altLang="ko-KR" dirty="0"/>
+              <a:t>Commit</a:t>
+            </a:r>
+            <a:r>
+              <a:rPr lang="ko-KR" altLang="en-US" dirty="0"/>
+              <a:t>변경사항을 다시 한번 확인시켜 줌</a:t>
             </a:r>
             <a:endParaRPr lang="en-US" altLang="ko-KR" dirty="0"/>
           </a:p>
@@ -21116,31 +21007,15 @@
               </a:lnSpc>
             </a:pPr>
             <a:r>
-              <a:rPr lang="en-US" altLang="ko-KR" dirty="0" smtClean="0"/>
-              <a:t>Commit</a:t>
-            </a:r>
-            <a:r>
-              <a:rPr lang="ko-KR" altLang="en-US" dirty="0" smtClean="0"/>
-              <a:t>변경사항을 다시 한번 확인시켜 줌</a:t>
-            </a:r>
-            <a:endParaRPr lang="en-US" altLang="ko-KR" dirty="0" smtClean="0"/>
-          </a:p>
-          <a:p>
-            <a:pPr lvl="1">
-              <a:lnSpc>
-                <a:spcPct val="130000"/>
-              </a:lnSpc>
-            </a:pPr>
-            <a:r>
-              <a:rPr lang="en-US" altLang="ko-KR" dirty="0" smtClean="0"/>
+              <a:rPr lang="en-US" altLang="ko-KR" dirty="0"/>
               <a:t>Editor</a:t>
             </a:r>
             <a:r>
-              <a:rPr lang="ko-KR" altLang="en-US" dirty="0" smtClean="0"/>
+              <a:rPr lang="ko-KR" altLang="en-US" dirty="0"/>
               <a:t>가 </a:t>
             </a:r>
             <a:r>
-              <a:rPr lang="en-US" altLang="ko-KR" dirty="0" smtClean="0"/>
+              <a:rPr lang="en-US" altLang="ko-KR" dirty="0"/>
               <a:t>pop</a:t>
             </a:r>
             <a:r>
@@ -21148,20 +21023,91 @@
               <a:t> </a:t>
             </a:r>
             <a:r>
-              <a:rPr lang="en-US" altLang="ko-KR" dirty="0" smtClean="0"/>
+              <a:rPr lang="en-US" altLang="ko-KR" dirty="0"/>
               <a:t>up</a:t>
             </a:r>
             <a:r>
-              <a:rPr lang="ko-KR" altLang="en-US" dirty="0" smtClean="0"/>
+              <a:rPr lang="ko-KR" altLang="en-US" dirty="0"/>
               <a:t>되면서 변경사항을 확인하고 </a:t>
             </a:r>
             <a:r>
-              <a:rPr lang="en-US" altLang="ko-KR" dirty="0" smtClean="0"/>
+              <a:rPr lang="en-US" altLang="ko-KR" dirty="0"/>
               <a:t>commit message </a:t>
             </a:r>
             <a:r>
-              <a:rPr lang="ko-KR" altLang="en-US" dirty="0" smtClean="0"/>
+              <a:rPr lang="ko-KR" altLang="en-US" dirty="0"/>
               <a:t>기록</a:t>
+            </a:r>
+            <a:endParaRPr lang="en-US" altLang="ko-KR" dirty="0"/>
+          </a:p>
+          <a:p>
+            <a:pPr>
+              <a:lnSpc>
+                <a:spcPct val="130000"/>
+              </a:lnSpc>
+            </a:pPr>
+            <a:r>
+              <a:rPr lang="en-US" altLang="ko-KR" dirty="0"/>
+              <a:t>$ git commit -m ‘message title’ -m ‘description’</a:t>
+            </a:r>
+          </a:p>
+          <a:p>
+            <a:pPr lvl="1">
+              <a:lnSpc>
+                <a:spcPct val="130000"/>
+              </a:lnSpc>
+            </a:pPr>
+            <a:r>
+              <a:rPr lang="ko-KR" altLang="en-US" dirty="0"/>
+              <a:t>첫번째 </a:t>
+            </a:r>
+            <a:r>
+              <a:rPr lang="en-US" altLang="ko-KR" dirty="0"/>
+              <a:t>-m</a:t>
+            </a:r>
+            <a:r>
+              <a:rPr lang="ko-KR" altLang="en-US" dirty="0"/>
+              <a:t>은 </a:t>
+            </a:r>
+            <a:r>
+              <a:rPr lang="en-US" altLang="ko-KR" dirty="0"/>
+              <a:t>title </a:t>
+            </a:r>
+            <a:r>
+              <a:rPr lang="ko-KR" altLang="en-US" dirty="0"/>
+              <a:t>두번째 </a:t>
+            </a:r>
+            <a:r>
+              <a:rPr lang="en-US" altLang="ko-KR" dirty="0"/>
+              <a:t>-m</a:t>
+            </a:r>
+            <a:r>
+              <a:rPr lang="ko-KR" altLang="en-US" dirty="0"/>
+              <a:t>은 설명 기입</a:t>
+            </a:r>
+            <a:endParaRPr lang="en-US" altLang="ko-KR" dirty="0"/>
+          </a:p>
+          <a:p>
+            <a:pPr lvl="1">
+              <a:lnSpc>
+                <a:spcPct val="130000"/>
+              </a:lnSpc>
+            </a:pPr>
+            <a:r>
+              <a:rPr lang="en-US" altLang="ko-KR" dirty="0"/>
+              <a:t>-m </a:t>
+            </a:r>
+            <a:r>
+              <a:rPr lang="ko-KR" altLang="en-US" dirty="0"/>
+              <a:t>한번만 하고 다음과 같이 한 칸은 비우고 설명을 기입할 수 있음</a:t>
+            </a:r>
+            <a:r>
+              <a:rPr lang="en-US" altLang="ko-KR" dirty="0"/>
+              <a:t>.</a:t>
+            </a:r>
+            <a:r>
+              <a:rPr lang="ko-KR" altLang="en-US" dirty="0"/>
+              <a:t> 위의 방법 결과와 동일</a:t>
             </a:r>
             <a:endParaRPr lang="en-US" altLang="ko-KR" dirty="0"/>
           </a:p>
@@ -21175,6 +21121,36 @@
           </a:p>
         </p:txBody>
       </p:sp>
+      <p:pic>
+        <p:nvPicPr>
+          <p:cNvPr id="6" name="그림 5">
+            <a:extLst>
+              <a:ext uri="{FF2B5EF4-FFF2-40B4-BE49-F238E27FC236}">
+                <a16:creationId xmlns:a16="http://schemas.microsoft.com/office/drawing/2014/main" id="{1781E8F1-4AD4-4710-8DC7-C1D33287F64D}"/>
+              </a:ext>
+            </a:extLst>
+          </p:cNvPr>
+          <p:cNvPicPr>
+            <a:picLocks noChangeAspect="1"/>
+          </p:cNvPicPr>
+          <p:nvPr/>
+        </p:nvPicPr>
+        <p:blipFill>
+          <a:blip r:embed="rId3"/>
+          <a:stretch>
+            <a:fillRect/>
+          </a:stretch>
+        </p:blipFill>
+        <p:spPr>
+          <a:xfrm>
+            <a:off x="758825" y="5535612"/>
+            <a:ext cx="5162550" cy="942975"/>
+          </a:xfrm>
+          <a:prstGeom prst="rect">
+            <a:avLst/>
+          </a:prstGeom>
+        </p:spPr>
+      </p:pic>
     </p:spTree>
     <p:extLst>
       <p:ext uri="{BB962C8B-B14F-4D97-AF65-F5344CB8AC3E}">
@@ -21481,45 +21457,40 @@
             </a:r>
             <a:r>
               <a:rPr lang="en-US" altLang="ko-KR" dirty="0"/>
-              <a:t> </a:t>
-            </a:r>
-            <a:r>
-              <a:rPr lang="en-US" altLang="ko-KR" dirty="0" smtClean="0"/>
-              <a:t>log --no-merges</a:t>
+              <a:t> log --no-merges</a:t>
+            </a:r>
+          </a:p>
+          <a:p>
+            <a:pPr lvl="1">
+              <a:lnSpc>
+                <a:spcPct val="130000"/>
+              </a:lnSpc>
+            </a:pPr>
+            <a:r>
+              <a:rPr lang="en-US" altLang="ko-KR" dirty="0"/>
+              <a:t>Merge</a:t>
+            </a:r>
+            <a:r>
+              <a:rPr lang="ko-KR" altLang="en-US" dirty="0"/>
+              <a:t>명령으로 발생되는 </a:t>
+            </a:r>
+            <a:r>
+              <a:rPr lang="en-US" altLang="ko-KR" dirty="0"/>
+              <a:t>commit</a:t>
+            </a:r>
+            <a:r>
+              <a:rPr lang="ko-KR" altLang="en-US" dirty="0"/>
+              <a:t>을 제외한 </a:t>
+            </a:r>
+            <a:r>
+              <a:rPr lang="en-US" altLang="ko-KR" dirty="0"/>
+              <a:t>commit </a:t>
+            </a:r>
+            <a:r>
+              <a:rPr lang="ko-KR" altLang="en-US" dirty="0"/>
+              <a:t>리스트</a:t>
             </a:r>
             <a:endParaRPr lang="en-US" altLang="ko-KR" dirty="0"/>
-          </a:p>
-          <a:p>
-            <a:pPr lvl="1">
-              <a:lnSpc>
-                <a:spcPct val="130000"/>
-              </a:lnSpc>
-            </a:pPr>
-            <a:r>
-              <a:rPr lang="en-US" altLang="ko-KR" dirty="0" smtClean="0"/>
-              <a:t>Merge</a:t>
-            </a:r>
-            <a:r>
-              <a:rPr lang="ko-KR" altLang="en-US" dirty="0" smtClean="0"/>
-              <a:t>명령으로 발생되는 </a:t>
-            </a:r>
-            <a:r>
-              <a:rPr lang="en-US" altLang="ko-KR" dirty="0" smtClean="0"/>
-              <a:t>commit</a:t>
-            </a:r>
-            <a:r>
-              <a:rPr lang="ko-KR" altLang="en-US" dirty="0" smtClean="0"/>
-              <a:t>을 제외한 </a:t>
-            </a:r>
-            <a:r>
-              <a:rPr lang="en-US" altLang="ko-KR" dirty="0" smtClean="0"/>
-              <a:t>commit </a:t>
-            </a:r>
-            <a:r>
-              <a:rPr lang="ko-KR" altLang="en-US" dirty="0" smtClean="0"/>
-              <a:t>리스트</a:t>
-            </a:r>
-            <a:endParaRPr lang="en-US" altLang="ko-KR" dirty="0" smtClean="0"/>
           </a:p>
           <a:p>
             <a:pPr lvl="1">
@@ -21565,7 +21536,7 @@
                 <a:spcPct val="130000"/>
               </a:lnSpc>
             </a:pPr>
-            <a:endParaRPr lang="en-US" altLang="ko-KR" dirty="0" smtClean="0"/>
+            <a:endParaRPr lang="en-US" altLang="ko-KR" dirty="0"/>
           </a:p>
         </p:txBody>
       </p:sp>
@@ -21627,10 +21598,9 @@
               <a:t>COMMIT </a:t>
             </a:r>
             <a:r>
-              <a:rPr lang="ko-KR" altLang="en-US" dirty="0" smtClean="0"/>
+              <a:rPr lang="ko-KR" altLang="en-US" dirty="0"/>
               <a:t>수정 내용 확인하기</a:t>
             </a:r>
-            <a:endParaRPr lang="ko-KR" altLang="en-US" dirty="0"/>
           </a:p>
         </p:txBody>
       </p:sp>
@@ -21807,7 +21777,7 @@
               </a:lnSpc>
             </a:pPr>
             <a:r>
-              <a:rPr lang="en-US" altLang="ko-KR" dirty="0" smtClean="0"/>
+              <a:rPr lang="en-US" altLang="ko-KR" dirty="0"/>
               <a:t> $ </a:t>
             </a:r>
             <a:r>
@@ -21816,79 +21786,7 @@
             </a:r>
             <a:r>
               <a:rPr lang="en-US" altLang="ko-KR" dirty="0"/>
-              <a:t> </a:t>
-            </a:r>
-            <a:r>
-              <a:rPr lang="en-US" altLang="ko-KR" dirty="0" smtClean="0"/>
-              <a:t>show commit-ID, </a:t>
-            </a:r>
-            <a:r>
-              <a:rPr lang="en-US" altLang="ko-KR" dirty="0" err="1" smtClean="0"/>
-              <a:t>git</a:t>
-            </a:r>
-            <a:r>
-              <a:rPr lang="en-US" altLang="ko-KR" dirty="0" smtClean="0"/>
-              <a:t> show HEAD</a:t>
-            </a:r>
-            <a:endParaRPr lang="en-US" altLang="ko-KR" dirty="0"/>
-          </a:p>
-          <a:p>
-            <a:pPr lvl="1">
-              <a:lnSpc>
-                <a:spcPct val="130000"/>
-              </a:lnSpc>
-            </a:pPr>
-            <a:r>
-              <a:rPr lang="en-US" altLang="ko-KR" dirty="0" smtClean="0"/>
-              <a:t>Commit</a:t>
-            </a:r>
-            <a:r>
-              <a:rPr lang="ko-KR" altLang="en-US" dirty="0" smtClean="0"/>
-              <a:t>에 포함된 변경내용을 확인</a:t>
-            </a:r>
-            <a:r>
-              <a:rPr lang="en-US" altLang="ko-KR" dirty="0" smtClean="0"/>
-              <a:t>, </a:t>
-            </a:r>
-            <a:r>
-              <a:rPr lang="ko-KR" altLang="en-US" dirty="0" smtClean="0"/>
-              <a:t>현재 </a:t>
-            </a:r>
-            <a:r>
-              <a:rPr lang="en-US" altLang="ko-KR" dirty="0" smtClean="0"/>
-              <a:t>HEAD</a:t>
-            </a:r>
-            <a:r>
-              <a:rPr lang="ko-KR" altLang="en-US" dirty="0" smtClean="0"/>
-              <a:t>의 변경된 내용 확인</a:t>
-            </a:r>
-            <a:endParaRPr lang="en-US" altLang="ko-KR" dirty="0"/>
-          </a:p>
-          <a:p>
-            <a:pPr>
-              <a:lnSpc>
-                <a:spcPct val="130000"/>
-              </a:lnSpc>
-            </a:pPr>
-            <a:endParaRPr lang="en-US" altLang="ko-KR" dirty="0" smtClean="0"/>
-          </a:p>
-          <a:p>
-            <a:pPr>
-              <a:lnSpc>
-                <a:spcPct val="130000"/>
-              </a:lnSpc>
-            </a:pPr>
-            <a:r>
-              <a:rPr lang="en-US" altLang="ko-KR" dirty="0"/>
-              <a:t> $ </a:t>
-            </a:r>
-            <a:r>
-              <a:rPr lang="en-US" altLang="ko-KR" dirty="0" err="1" smtClean="0"/>
-              <a:t>git</a:t>
-            </a:r>
-            <a:r>
-              <a:rPr lang="en-US" altLang="ko-KR" dirty="0" smtClean="0"/>
-              <a:t> diff commit-ID^! = </a:t>
+              <a:t> show commit-ID, </a:t>
             </a:r>
             <a:r>
               <a:rPr lang="en-US" altLang="ko-KR" dirty="0" err="1"/>
@@ -21896,7 +21794,7 @@
             </a:r>
             <a:r>
               <a:rPr lang="en-US" altLang="ko-KR" dirty="0"/>
-              <a:t> show commit-ID</a:t>
+              <a:t> show HEAD</a:t>
             </a:r>
           </a:p>
           <a:p>
@@ -21911,13 +21809,25 @@
             </a:r>
             <a:r>
               <a:rPr lang="ko-KR" altLang="en-US" dirty="0"/>
-              <a:t>에 포함된 변경내용을 </a:t>
-            </a:r>
-            <a:r>
-              <a:rPr lang="ko-KR" altLang="en-US" dirty="0" smtClean="0"/>
-              <a:t>확인</a:t>
-            </a:r>
-            <a:endParaRPr lang="en-US" altLang="ko-KR" dirty="0" smtClean="0"/>
+              <a:t>에 포함된 변경내용을 확인</a:t>
+            </a:r>
+            <a:r>
+              <a:rPr lang="en-US" altLang="ko-KR" dirty="0"/>
+              <a:t>, </a:t>
+            </a:r>
+            <a:r>
+              <a:rPr lang="ko-KR" altLang="en-US" dirty="0"/>
+              <a:t>현재 </a:t>
+            </a:r>
+            <a:r>
+              <a:rPr lang="en-US" altLang="ko-KR" dirty="0"/>
+              <a:t>HEAD</a:t>
+            </a:r>
+            <a:r>
+              <a:rPr lang="ko-KR" altLang="en-US" dirty="0"/>
+              <a:t>의 변경된 내용 확인</a:t>
+            </a:r>
+            <a:endParaRPr lang="en-US" altLang="ko-KR" dirty="0"/>
           </a:p>
           <a:p>
             <a:pPr>
@@ -21943,15 +21853,7 @@
             </a:r>
             <a:r>
               <a:rPr lang="en-US" altLang="ko-KR" dirty="0"/>
-              <a:t> diff </a:t>
-            </a:r>
-            <a:r>
-              <a:rPr lang="en-US" altLang="ko-KR" dirty="0" smtClean="0"/>
-              <a:t>commit-ID~ commit-ID </a:t>
-            </a:r>
-            <a:r>
-              <a:rPr lang="en-US" altLang="ko-KR" dirty="0"/>
-              <a:t>= </a:t>
+              <a:t> diff commit-ID^! = </a:t>
             </a:r>
             <a:r>
               <a:rPr lang="en-US" altLang="ko-KR" dirty="0" err="1"/>
@@ -21974,11 +21876,58 @@
             </a:r>
             <a:r>
               <a:rPr lang="ko-KR" altLang="en-US" dirty="0"/>
-              <a:t>에 포함된 변경내용을 </a:t>
-            </a:r>
-            <a:r>
-              <a:rPr lang="ko-KR" altLang="en-US" dirty="0" smtClean="0"/>
-              <a:t>확인</a:t>
+              <a:t>에 포함된 변경내용을 확인</a:t>
+            </a:r>
+            <a:endParaRPr lang="en-US" altLang="ko-KR" dirty="0"/>
+          </a:p>
+          <a:p>
+            <a:pPr>
+              <a:lnSpc>
+                <a:spcPct val="130000"/>
+              </a:lnSpc>
+            </a:pPr>
+            <a:endParaRPr lang="en-US" altLang="ko-KR" dirty="0"/>
+          </a:p>
+          <a:p>
+            <a:pPr>
+              <a:lnSpc>
+                <a:spcPct val="130000"/>
+              </a:lnSpc>
+            </a:pPr>
+            <a:r>
+              <a:rPr lang="en-US" altLang="ko-KR" dirty="0"/>
+              <a:t> $ </a:t>
+            </a:r>
+            <a:r>
+              <a:rPr lang="en-US" altLang="ko-KR" dirty="0" err="1"/>
+              <a:t>git</a:t>
+            </a:r>
+            <a:r>
+              <a:rPr lang="en-US" altLang="ko-KR" dirty="0"/>
+              <a:t> diff commit-ID~ commit-ID = </a:t>
+            </a:r>
+            <a:r>
+              <a:rPr lang="en-US" altLang="ko-KR" dirty="0" err="1"/>
+              <a:t>git</a:t>
+            </a:r>
+            <a:r>
+              <a:rPr lang="en-US" altLang="ko-KR" dirty="0"/>
+              <a:t> show commit-ID</a:t>
+            </a:r>
+          </a:p>
+          <a:p>
+            <a:pPr lvl="1">
+              <a:lnSpc>
+                <a:spcPct val="130000"/>
+              </a:lnSpc>
+            </a:pPr>
+            <a:r>
+              <a:rPr lang="en-US" altLang="ko-KR" dirty="0"/>
+              <a:t>Commit</a:t>
+            </a:r>
+            <a:r>
+              <a:rPr lang="ko-KR" altLang="en-US" dirty="0"/>
+              <a:t>에 포함된 변경내용을 확인</a:t>
             </a:r>
             <a:endParaRPr lang="en-US" altLang="ko-KR" dirty="0"/>
           </a:p>
@@ -22263,11 +22212,7 @@
             </a:pPr>
             <a:r>
               <a:rPr lang="en-US" altLang="ko-KR" dirty="0"/>
-              <a:t>Switch HEAD </a:t>
-            </a:r>
-            <a:r>
-              <a:rPr lang="en-US" altLang="ko-KR" dirty="0" smtClean="0"/>
-              <a:t>branch</a:t>
+              <a:t>Switch HEAD branch</a:t>
             </a:r>
           </a:p>
           <a:p>
@@ -22304,22 +22249,21 @@
               </a:lnSpc>
             </a:pPr>
             <a:r>
-              <a:rPr lang="ko-KR" altLang="en-US" dirty="0" smtClean="0"/>
+              <a:rPr lang="ko-KR" altLang="en-US" dirty="0"/>
               <a:t>이전 </a:t>
             </a:r>
             <a:r>
-              <a:rPr lang="en-US" altLang="ko-KR" dirty="0" smtClean="0"/>
+              <a:rPr lang="en-US" altLang="ko-KR" dirty="0"/>
               <a:t>branch</a:t>
             </a:r>
             <a:r>
-              <a:rPr lang="ko-KR" altLang="en-US" dirty="0" smtClean="0"/>
+              <a:rPr lang="ko-KR" altLang="en-US" dirty="0"/>
               <a:t>로 </a:t>
             </a:r>
             <a:r>
-              <a:rPr lang="en-US" altLang="ko-KR" dirty="0" smtClean="0"/>
+              <a:rPr lang="en-US" altLang="ko-KR" dirty="0"/>
               <a:t>switch</a:t>
             </a:r>
-            <a:endParaRPr lang="en-US" altLang="ko-KR" dirty="0"/>
           </a:p>
           <a:p>
             <a:pPr lvl="1">

--- a/git및github첫걸음11-명령어모음.pptx
+++ b/git및github첫걸음11-명령어모음.pptx
@@ -8691,7 +8691,7 @@
                   <a:srgbClr val="0000FF"/>
                 </a:solidFill>
               </a:rPr>
-              <a:t>–soft option</a:t>
+              <a:t>--soft option</a:t>
             </a:r>
             <a:r>
               <a:rPr lang="ko-KR" altLang="en-US" dirty="0">
@@ -8759,11 +8759,190 @@
                 <a:spcPct val="130000"/>
               </a:lnSpc>
             </a:pPr>
-            <a:endParaRPr lang="en-US" altLang="ko-KR" dirty="0">
-              <a:solidFill>
-                <a:srgbClr val="0000FF"/>
-              </a:solidFill>
-            </a:endParaRPr>
+            <a:r>
+              <a:rPr lang="en-US" altLang="ko-KR" dirty="0">
+                <a:solidFill>
+                  <a:srgbClr val="0000FF"/>
+                </a:solidFill>
+              </a:rPr>
+              <a:t>add</a:t>
+            </a:r>
+            <a:r>
+              <a:rPr lang="ko-KR" altLang="en-US" dirty="0">
+                <a:solidFill>
+                  <a:srgbClr val="0000FF"/>
+                </a:solidFill>
+              </a:rPr>
+              <a:t>를 통하여 </a:t>
+            </a:r>
+            <a:r>
+              <a:rPr lang="en-US" altLang="ko-KR" dirty="0" err="1">
+                <a:solidFill>
+                  <a:srgbClr val="0000FF"/>
+                </a:solidFill>
+              </a:rPr>
+              <a:t>strage</a:t>
+            </a:r>
+            <a:r>
+              <a:rPr lang="ko-KR" altLang="en-US" dirty="0">
+                <a:solidFill>
+                  <a:srgbClr val="0000FF"/>
+                </a:solidFill>
+              </a:rPr>
+              <a:t>된 파일을 </a:t>
+            </a:r>
+            <a:r>
+              <a:rPr lang="en-US" altLang="ko-KR" dirty="0" err="1">
+                <a:solidFill>
+                  <a:srgbClr val="0000FF"/>
+                </a:solidFill>
+              </a:rPr>
+              <a:t>unstage</a:t>
+            </a:r>
+            <a:r>
+              <a:rPr lang="ko-KR" altLang="en-US" dirty="0">
+                <a:solidFill>
+                  <a:srgbClr val="0000FF"/>
+                </a:solidFill>
+              </a:rPr>
+              <a:t>시키는 기능도 함</a:t>
+            </a:r>
+            <a:r>
+              <a:rPr lang="en-US" altLang="ko-KR" dirty="0">
+                <a:solidFill>
+                  <a:srgbClr val="0000FF"/>
+                </a:solidFill>
+              </a:rPr>
+              <a:t>.</a:t>
+            </a:r>
+          </a:p>
+          <a:p>
+            <a:pPr marL="452438" lvl="1" indent="-185738">
+              <a:lnSpc>
+                <a:spcPct val="130000"/>
+              </a:lnSpc>
+              <a:buNone/>
+            </a:pPr>
+            <a:r>
+              <a:rPr lang="en-US" altLang="ko-KR" dirty="0"/>
+              <a:t>   - merge</a:t>
+            </a:r>
+            <a:r>
+              <a:rPr lang="ko-KR" altLang="en-US" dirty="0"/>
+              <a:t>를 진행중일 때는 </a:t>
+            </a:r>
+            <a:r>
+              <a:rPr lang="en-US" altLang="ko-KR" dirty="0"/>
+              <a:t>stage</a:t>
+            </a:r>
+            <a:r>
+              <a:rPr lang="ko-KR" altLang="en-US" dirty="0"/>
+              <a:t>된 파일중에서 원하는 파일만  선택을 하여 </a:t>
+            </a:r>
+            <a:r>
+              <a:rPr lang="en-US" altLang="ko-KR" dirty="0"/>
+              <a:t>commit</a:t>
+            </a:r>
+            <a:r>
+              <a:rPr lang="ko-KR" altLang="en-US" dirty="0"/>
+              <a:t>을 하지 못하고 </a:t>
+            </a:r>
+            <a:r>
+              <a:rPr lang="en-US" altLang="ko-KR" dirty="0"/>
+              <a:t>stage</a:t>
+            </a:r>
+            <a:r>
+              <a:rPr lang="ko-KR" altLang="en-US" dirty="0"/>
+              <a:t>된 모든 파일을 한 번에 </a:t>
+            </a:r>
+            <a:r>
+              <a:rPr lang="en-US" altLang="ko-KR" dirty="0"/>
+              <a:t>commit</a:t>
+            </a:r>
+            <a:r>
+              <a:rPr lang="ko-KR" altLang="en-US" dirty="0"/>
+              <a:t>을 해야 하기때문에 이미 </a:t>
+            </a:r>
+            <a:r>
+              <a:rPr lang="en-US" altLang="ko-KR" dirty="0"/>
+              <a:t>stage</a:t>
+            </a:r>
+            <a:r>
+              <a:rPr lang="ko-KR" altLang="en-US" dirty="0"/>
+              <a:t>된 파일을 </a:t>
+            </a:r>
+            <a:r>
+              <a:rPr lang="en-US" altLang="ko-KR" dirty="0"/>
+              <a:t> </a:t>
+            </a:r>
+            <a:r>
+              <a:rPr lang="ko-KR" altLang="en-US" dirty="0"/>
+              <a:t>따로 </a:t>
+            </a:r>
+            <a:r>
+              <a:rPr lang="en-US" altLang="ko-KR" dirty="0"/>
+              <a:t>commit</a:t>
+            </a:r>
+            <a:r>
+              <a:rPr lang="ko-KR" altLang="en-US" dirty="0"/>
+              <a:t>을 하기 위하여는 </a:t>
+            </a:r>
+            <a:r>
+              <a:rPr lang="en-US" altLang="ko-KR" dirty="0" err="1"/>
+              <a:t>unstage</a:t>
+            </a:r>
+            <a:r>
+              <a:rPr lang="ko-KR" altLang="en-US" dirty="0"/>
+              <a:t>를 시키고 </a:t>
+            </a:r>
+            <a:r>
+              <a:rPr lang="en-US" altLang="ko-KR" dirty="0"/>
+              <a:t>merge</a:t>
+            </a:r>
+            <a:r>
+              <a:rPr lang="ko-KR" altLang="en-US" dirty="0"/>
+              <a:t>된 파일만 따로 </a:t>
+            </a:r>
+            <a:r>
+              <a:rPr lang="en-US" altLang="ko-KR" dirty="0"/>
+              <a:t>add</a:t>
+            </a:r>
+            <a:r>
+              <a:rPr lang="ko-KR" altLang="en-US" dirty="0"/>
+              <a:t>후 </a:t>
+            </a:r>
+            <a:r>
+              <a:rPr lang="en-US" altLang="ko-KR" dirty="0"/>
+              <a:t>commit</a:t>
+            </a:r>
+            <a:r>
+              <a:rPr lang="ko-KR" altLang="en-US" dirty="0"/>
+              <a:t>을 진행하게 됨</a:t>
+            </a:r>
+            <a:r>
+              <a:rPr lang="en-US" altLang="ko-KR" dirty="0"/>
+              <a:t>.</a:t>
+            </a:r>
+          </a:p>
+          <a:p>
+            <a:pPr marL="266700" lvl="1" indent="0">
+              <a:lnSpc>
+                <a:spcPct val="130000"/>
+              </a:lnSpc>
+              <a:buNone/>
+            </a:pPr>
+            <a:r>
+              <a:rPr lang="en-US" altLang="ko-KR" dirty="0"/>
+              <a:t>   $ git reset HEAD &lt;file</a:t>
+            </a:r>
+            <a:r>
+              <a:rPr lang="ko-KR" altLang="en-US" dirty="0"/>
+              <a:t>명</a:t>
+            </a:r>
+            <a:r>
+              <a:rPr lang="en-US" altLang="ko-KR" dirty="0"/>
+              <a:t>&gt; </a:t>
+            </a:r>
           </a:p>
         </p:txBody>
       </p:sp>

--- a/git및github첫걸음11-명령어모음.pptx
+++ b/git및github첫걸음11-명령어모음.pptx
@@ -248,7 +248,7 @@
           <a:p>
             <a:fld id="{A17B9194-BDE3-40E3-983E-94CE6FA773AF}" type="datetimeFigureOut">
               <a:rPr lang="ko-KR" altLang="en-US" smtClean="0"/>
-              <a:t>2021-04-27</a:t>
+              <a:t>2021-04-28</a:t>
             </a:fld>
             <a:endParaRPr lang="ko-KR" altLang="en-US"/>
           </a:p>
@@ -5803,8 +5803,13 @@
             </a:pPr>
             <a:r>
               <a:rPr lang="en-US" altLang="ko-KR" dirty="0"/>
-              <a:t>$ git remote –v</a:t>
-            </a:r>
+              <a:t>$ git remote </a:t>
+            </a:r>
+            <a:r>
+              <a:rPr lang="en-US" altLang="ko-KR" dirty="0" smtClean="0"/>
+              <a:t>-v</a:t>
+            </a:r>
+            <a:endParaRPr lang="en-US" altLang="ko-KR" dirty="0"/>
           </a:p>
           <a:p>
             <a:pPr lvl="1">
@@ -5981,8 +5986,13 @@
             </a:pPr>
             <a:r>
               <a:rPr lang="en-US" altLang="ko-KR" dirty="0"/>
-              <a:t>$ git push –tags</a:t>
-            </a:r>
+              <a:t>$ git push </a:t>
+            </a:r>
+            <a:r>
+              <a:rPr lang="en-US" altLang="ko-KR" dirty="0" smtClean="0"/>
+              <a:t>--tags</a:t>
+            </a:r>
+            <a:endParaRPr lang="en-US" altLang="ko-KR" dirty="0"/>
           </a:p>
           <a:p>
             <a:pPr lvl="1">
@@ -6322,8 +6332,13 @@
             </a:pPr>
             <a:r>
               <a:rPr lang="en-US" altLang="ko-KR" dirty="0"/>
-              <a:t>$ git rebase –abort</a:t>
-            </a:r>
+              <a:t>$ git rebase </a:t>
+            </a:r>
+            <a:r>
+              <a:rPr lang="en-US" altLang="ko-KR" dirty="0" smtClean="0"/>
+              <a:t>--abort</a:t>
+            </a:r>
+            <a:endParaRPr lang="en-US" altLang="ko-KR" dirty="0"/>
           </a:p>
           <a:p>
             <a:pPr lvl="1">
@@ -6344,8 +6359,13 @@
             </a:pPr>
             <a:r>
               <a:rPr lang="en-US" altLang="ko-KR" dirty="0"/>
-              <a:t>$ git rebase –continue</a:t>
-            </a:r>
+              <a:t>$ git rebase </a:t>
+            </a:r>
+            <a:r>
+              <a:rPr lang="en-US" altLang="ko-KR" dirty="0" smtClean="0"/>
+              <a:t>--continue</a:t>
+            </a:r>
+            <a:endParaRPr lang="en-US" altLang="ko-KR" dirty="0"/>
           </a:p>
           <a:p>
             <a:pPr lvl="1">
@@ -21071,8 +21091,13 @@
             </a:pPr>
             <a:r>
               <a:rPr lang="en-US" altLang="ko-KR" dirty="0"/>
-              <a:t>$ git commit –a</a:t>
-            </a:r>
+              <a:t>$ git commit </a:t>
+            </a:r>
+            <a:r>
+              <a:rPr lang="en-US" altLang="ko-KR" dirty="0" smtClean="0"/>
+              <a:t>-a</a:t>
+            </a:r>
+            <a:endParaRPr lang="en-US" altLang="ko-KR" dirty="0"/>
           </a:p>
           <a:p>
             <a:pPr lvl="1">
@@ -21115,8 +21140,25 @@
             </a:pPr>
             <a:r>
               <a:rPr lang="en-US" altLang="ko-KR" dirty="0"/>
-              <a:t>$ git commit --amend</a:t>
-            </a:r>
+              <a:t>$ git commit </a:t>
+            </a:r>
+            <a:r>
+              <a:rPr lang="en-US" altLang="ko-KR" dirty="0" smtClean="0"/>
+              <a:t>--</a:t>
+            </a:r>
+            <a:r>
+              <a:rPr lang="en-US" altLang="ko-KR" dirty="0" smtClean="0"/>
+              <a:t>amend </a:t>
+            </a:r>
+            <a:r>
+              <a:rPr lang="en-US" altLang="ko-KR" dirty="0" smtClean="0"/>
+              <a:t>-</a:t>
+            </a:r>
+            <a:r>
+              <a:rPr lang="en-US" altLang="ko-KR" dirty="0" smtClean="0"/>
+              <a:t>m “message”</a:t>
+            </a:r>
+            <a:endParaRPr lang="en-US" altLang="ko-KR" dirty="0"/>
           </a:p>
           <a:p>
             <a:pPr lvl="1">
@@ -22358,8 +22400,17 @@
             </a:pPr>
             <a:r>
               <a:rPr lang="en-US" altLang="ko-KR" dirty="0"/>
-              <a:t>$ git branch –av</a:t>
-            </a:r>
+              <a:t>$ git branch </a:t>
+            </a:r>
+            <a:r>
+              <a:rPr lang="en-US" altLang="ko-KR" dirty="0" smtClean="0"/>
+              <a:t>-</a:t>
+            </a:r>
+            <a:r>
+              <a:rPr lang="en-US" altLang="ko-KR" dirty="0" err="1" smtClean="0"/>
+              <a:t>av</a:t>
+            </a:r>
+            <a:endParaRPr lang="en-US" altLang="ko-KR" dirty="0"/>
           </a:p>
           <a:p>
             <a:pPr lvl="1">
@@ -22909,8 +22960,168 @@
             </a:pPr>
             <a:r>
               <a:rPr lang="en-US" altLang="ko-KR" dirty="0"/>
-              <a:t>Mark the current commit with a tag</a:t>
-            </a:r>
+              <a:t>Mark the current commit with a </a:t>
+            </a:r>
+            <a:r>
+              <a:rPr lang="en-US" altLang="ko-KR" dirty="0" smtClean="0"/>
+              <a:t>tag</a:t>
+            </a:r>
+          </a:p>
+          <a:p>
+            <a:pPr>
+              <a:lnSpc>
+                <a:spcPct val="130000"/>
+              </a:lnSpc>
+            </a:pPr>
+            <a:r>
+              <a:rPr lang="en-US" altLang="ko-KR" dirty="0"/>
+              <a:t>$ </a:t>
+            </a:r>
+            <a:r>
+              <a:rPr lang="en-US" altLang="ko-KR" dirty="0" err="1"/>
+              <a:t>git</a:t>
+            </a:r>
+            <a:r>
+              <a:rPr lang="en-US" altLang="ko-KR" dirty="0"/>
+              <a:t> </a:t>
+            </a:r>
+            <a:r>
+              <a:rPr lang="en-US" altLang="ko-KR" dirty="0" err="1" smtClean="0"/>
+              <a:t>rm</a:t>
+            </a:r>
+            <a:r>
+              <a:rPr lang="en-US" altLang="ko-KR" dirty="0" smtClean="0"/>
+              <a:t> -r --cached .</a:t>
+            </a:r>
+            <a:endParaRPr lang="en-US" altLang="ko-KR" dirty="0"/>
+          </a:p>
+          <a:p>
+            <a:pPr lvl="1">
+              <a:lnSpc>
+                <a:spcPct val="130000"/>
+              </a:lnSpc>
+            </a:pPr>
+            <a:r>
+              <a:rPr lang="en-US" altLang="ko-KR" dirty="0" smtClean="0"/>
+              <a:t>Stage</a:t>
+            </a:r>
+            <a:r>
+              <a:rPr lang="ko-KR" altLang="en-US" dirty="0" smtClean="0"/>
+              <a:t>되어 있는 파일을 </a:t>
+            </a:r>
+            <a:r>
+              <a:rPr lang="en-US" altLang="ko-KR" dirty="0" err="1" smtClean="0"/>
+              <a:t>unstage</a:t>
+            </a:r>
+            <a:r>
+              <a:rPr lang="ko-KR" altLang="en-US" dirty="0" smtClean="0"/>
+              <a:t>시킬 때</a:t>
+            </a:r>
+            <a:endParaRPr lang="en-US" altLang="ko-KR" dirty="0" smtClean="0"/>
+          </a:p>
+          <a:p>
+            <a:pPr>
+              <a:lnSpc>
+                <a:spcPct val="130000"/>
+              </a:lnSpc>
+            </a:pPr>
+            <a:r>
+              <a:rPr lang="en-US" altLang="ko-KR" dirty="0"/>
+              <a:t>$ </a:t>
+            </a:r>
+            <a:r>
+              <a:rPr lang="en-US" altLang="ko-KR" dirty="0" err="1"/>
+              <a:t>git</a:t>
+            </a:r>
+            <a:r>
+              <a:rPr lang="en-US" altLang="ko-KR" dirty="0"/>
+              <a:t> </a:t>
+            </a:r>
+            <a:r>
+              <a:rPr lang="en-US" altLang="ko-KR" dirty="0" smtClean="0"/>
+              <a:t>restore &lt;</a:t>
+            </a:r>
+            <a:r>
+              <a:rPr lang="ko-KR" altLang="en-US" dirty="0" smtClean="0"/>
+              <a:t>파일명</a:t>
+            </a:r>
+            <a:r>
+              <a:rPr lang="en-US" altLang="ko-KR" dirty="0" smtClean="0"/>
+              <a:t>&gt;</a:t>
+            </a:r>
+            <a:endParaRPr lang="en-US" altLang="ko-KR" dirty="0"/>
+          </a:p>
+          <a:p>
+            <a:pPr lvl="1">
+              <a:lnSpc>
+                <a:spcPct val="130000"/>
+              </a:lnSpc>
+            </a:pPr>
+            <a:r>
+              <a:rPr lang="en-US" altLang="ko-KR" dirty="0" smtClean="0"/>
+              <a:t>Not Stage</a:t>
+            </a:r>
+            <a:r>
+              <a:rPr lang="ko-KR" altLang="en-US" dirty="0"/>
+              <a:t>되어 있는 </a:t>
+            </a:r>
+            <a:r>
+              <a:rPr lang="ko-KR" altLang="en-US" dirty="0" smtClean="0"/>
+              <a:t>파일을 내용 변경 전으로 돌릴 때</a:t>
+            </a:r>
+            <a:endParaRPr lang="en-US" altLang="ko-KR" dirty="0" smtClean="0"/>
+          </a:p>
+          <a:p>
+            <a:pPr lvl="1">
+              <a:lnSpc>
+                <a:spcPct val="130000"/>
+              </a:lnSpc>
+            </a:pPr>
+            <a:r>
+              <a:rPr lang="en-US" altLang="ko-KR" dirty="0" err="1" smtClean="0"/>
+              <a:t>Git</a:t>
+            </a:r>
+            <a:r>
+              <a:rPr lang="en-US" altLang="ko-KR" dirty="0" smtClean="0"/>
+              <a:t> status </a:t>
+            </a:r>
+            <a:r>
+              <a:rPr lang="ko-KR" altLang="en-US" dirty="0" smtClean="0"/>
+              <a:t>에서 적색으로 있다가 </a:t>
+            </a:r>
+            <a:r>
+              <a:rPr lang="ko-KR" altLang="en-US" dirty="0" err="1" smtClean="0"/>
+              <a:t>명령후에는</a:t>
+            </a:r>
+            <a:r>
+              <a:rPr lang="ko-KR" altLang="en-US" dirty="0" smtClean="0"/>
+              <a:t> </a:t>
+            </a:r>
+            <a:r>
+              <a:rPr lang="en-US" altLang="ko-KR" dirty="0" smtClean="0"/>
+              <a:t>working tree clean</a:t>
+            </a:r>
+            <a:r>
+              <a:rPr lang="ko-KR" altLang="en-US" dirty="0" smtClean="0"/>
+              <a:t>으로 표시됨</a:t>
+            </a:r>
+            <a:endParaRPr lang="en-US" altLang="ko-KR" dirty="0"/>
+          </a:p>
+          <a:p>
+            <a:pPr lvl="1">
+              <a:lnSpc>
+                <a:spcPct val="130000"/>
+              </a:lnSpc>
+            </a:pPr>
+            <a:endParaRPr lang="en-US" altLang="ko-KR" dirty="0"/>
+          </a:p>
+          <a:p>
+            <a:pPr lvl="1">
+              <a:lnSpc>
+                <a:spcPct val="130000"/>
+              </a:lnSpc>
+            </a:pPr>
+            <a:endParaRPr lang="en-US" altLang="ko-KR" dirty="0"/>
           </a:p>
           <a:p>
             <a:pPr>

--- a/git및github첫걸음11-명령어모음.pptx
+++ b/git및github첫걸음11-명령어모음.pptx
@@ -248,7 +248,7 @@
           <a:p>
             <a:fld id="{A17B9194-BDE3-40E3-983E-94CE6FA773AF}" type="datetimeFigureOut">
               <a:rPr lang="ko-KR" altLang="en-US" smtClean="0"/>
-              <a:t>2021-04-28</a:t>
+              <a:t>2021-04-29</a:t>
             </a:fld>
             <a:endParaRPr lang="ko-KR" altLang="en-US"/>
           </a:p>
@@ -5803,13 +5803,8 @@
             </a:pPr>
             <a:r>
               <a:rPr lang="en-US" altLang="ko-KR" dirty="0"/>
-              <a:t>$ git remote </a:t>
-            </a:r>
-            <a:r>
-              <a:rPr lang="en-US" altLang="ko-KR" dirty="0" smtClean="0"/>
-              <a:t>-v</a:t>
-            </a:r>
-            <a:endParaRPr lang="en-US" altLang="ko-KR" dirty="0"/>
+              <a:t>$ git remote -v</a:t>
+            </a:r>
           </a:p>
           <a:p>
             <a:pPr lvl="1">
@@ -5986,13 +5981,8 @@
             </a:pPr>
             <a:r>
               <a:rPr lang="en-US" altLang="ko-KR" dirty="0"/>
-              <a:t>$ git push </a:t>
-            </a:r>
-            <a:r>
-              <a:rPr lang="en-US" altLang="ko-KR" dirty="0" smtClean="0"/>
-              <a:t>--tags</a:t>
-            </a:r>
-            <a:endParaRPr lang="en-US" altLang="ko-KR" dirty="0"/>
+              <a:t>$ git push --tags</a:t>
+            </a:r>
           </a:p>
           <a:p>
             <a:pPr lvl="1">
@@ -6332,13 +6322,8 @@
             </a:pPr>
             <a:r>
               <a:rPr lang="en-US" altLang="ko-KR" dirty="0"/>
-              <a:t>$ git rebase </a:t>
-            </a:r>
-            <a:r>
-              <a:rPr lang="en-US" altLang="ko-KR" dirty="0" smtClean="0"/>
-              <a:t>--abort</a:t>
-            </a:r>
-            <a:endParaRPr lang="en-US" altLang="ko-KR" dirty="0"/>
+              <a:t>$ git rebase --abort</a:t>
+            </a:r>
           </a:p>
           <a:p>
             <a:pPr lvl="1">
@@ -6359,13 +6344,8 @@
             </a:pPr>
             <a:r>
               <a:rPr lang="en-US" altLang="ko-KR" dirty="0"/>
-              <a:t>$ git rebase </a:t>
-            </a:r>
-            <a:r>
-              <a:rPr lang="en-US" altLang="ko-KR" dirty="0" smtClean="0"/>
-              <a:t>--continue</a:t>
-            </a:r>
-            <a:endParaRPr lang="en-US" altLang="ko-KR" dirty="0"/>
+              <a:t>$ git rebase --continue</a:t>
+            </a:r>
           </a:p>
           <a:p>
             <a:pPr lvl="1">
@@ -19890,6 +19870,73 @@
             <a:endParaRPr lang="en-US" altLang="ko-KR" dirty="0"/>
           </a:p>
           <a:p>
+            <a:pPr>
+              <a:lnSpc>
+                <a:spcPct val="130000"/>
+              </a:lnSpc>
+            </a:pPr>
+            <a:r>
+              <a:rPr lang="en-US" altLang="ko-KR" dirty="0"/>
+              <a:t>$ git branch –u &lt;origin/develop&gt;</a:t>
+            </a:r>
+          </a:p>
+          <a:p>
+            <a:pPr lvl="1">
+              <a:lnSpc>
+                <a:spcPct val="130000"/>
+              </a:lnSpc>
+            </a:pPr>
+            <a:r>
+              <a:rPr lang="ko-KR" altLang="en-US" dirty="0"/>
+              <a:t>현재 </a:t>
+            </a:r>
+            <a:r>
+              <a:rPr lang="ko-KR" altLang="en-US" dirty="0" err="1"/>
+              <a:t>브랜치를</a:t>
+            </a:r>
+            <a:r>
+              <a:rPr lang="ko-KR" altLang="en-US" dirty="0"/>
+              <a:t> </a:t>
+            </a:r>
+            <a:r>
+              <a:rPr lang="en-US" altLang="ko-KR" dirty="0"/>
+              <a:t>origin</a:t>
+            </a:r>
+            <a:r>
+              <a:rPr lang="ko-KR" altLang="en-US" dirty="0"/>
+              <a:t>의 </a:t>
+            </a:r>
+            <a:r>
+              <a:rPr lang="en-US" altLang="ko-KR" dirty="0"/>
+              <a:t>develop </a:t>
+            </a:r>
+            <a:r>
+              <a:rPr lang="ko-KR" altLang="en-US" dirty="0" err="1"/>
+              <a:t>브랜치에</a:t>
+            </a:r>
+            <a:r>
+              <a:rPr lang="ko-KR" altLang="en-US" dirty="0"/>
+              <a:t> </a:t>
+            </a:r>
+            <a:r>
+              <a:rPr lang="en-US" altLang="ko-KR" dirty="0"/>
+              <a:t>track </a:t>
+            </a:r>
+            <a:r>
+              <a:rPr lang="ko-KR" altLang="en-US" dirty="0"/>
+              <a:t>시키고자 할 때 </a:t>
+            </a:r>
+            <a:endParaRPr lang="en-US" altLang="ko-KR" dirty="0"/>
+          </a:p>
+          <a:p>
+            <a:pPr lvl="1">
+              <a:lnSpc>
+                <a:spcPct val="130000"/>
+              </a:lnSpc>
+            </a:pPr>
+            <a:endParaRPr lang="en-US" altLang="ko-KR" dirty="0"/>
+          </a:p>
+          <a:p>
             <a:pPr marL="539750" lvl="1" indent="-184150">
               <a:lnSpc>
                 <a:spcPct val="130000"/>
@@ -21091,13 +21138,8 @@
             </a:pPr>
             <a:r>
               <a:rPr lang="en-US" altLang="ko-KR" dirty="0"/>
-              <a:t>$ git commit </a:t>
-            </a:r>
-            <a:r>
-              <a:rPr lang="en-US" altLang="ko-KR" dirty="0" smtClean="0"/>
-              <a:t>-a</a:t>
-            </a:r>
-            <a:endParaRPr lang="en-US" altLang="ko-KR" dirty="0"/>
+              <a:t>$ git commit -a</a:t>
+            </a:r>
           </a:p>
           <a:p>
             <a:pPr lvl="1">
@@ -21140,25 +21182,8 @@
             </a:pPr>
             <a:r>
               <a:rPr lang="en-US" altLang="ko-KR" dirty="0"/>
-              <a:t>$ git commit </a:t>
-            </a:r>
-            <a:r>
-              <a:rPr lang="en-US" altLang="ko-KR" dirty="0" smtClean="0"/>
-              <a:t>--</a:t>
-            </a:r>
-            <a:r>
-              <a:rPr lang="en-US" altLang="ko-KR" dirty="0" smtClean="0"/>
-              <a:t>amend </a:t>
-            </a:r>
-            <a:r>
-              <a:rPr lang="en-US" altLang="ko-KR" dirty="0" smtClean="0"/>
-              <a:t>-</a:t>
-            </a:r>
-            <a:r>
-              <a:rPr lang="en-US" altLang="ko-KR" dirty="0" smtClean="0"/>
-              <a:t>m “message”</a:t>
-            </a:r>
-            <a:endParaRPr lang="en-US" altLang="ko-KR" dirty="0"/>
+              <a:t>$ git commit --amend -m “message”</a:t>
+            </a:r>
           </a:p>
           <a:p>
             <a:pPr lvl="1">
@@ -22400,14 +22425,10 @@
             </a:pPr>
             <a:r>
               <a:rPr lang="en-US" altLang="ko-KR" dirty="0"/>
-              <a:t>$ git branch </a:t>
-            </a:r>
-            <a:r>
-              <a:rPr lang="en-US" altLang="ko-KR" dirty="0" smtClean="0"/>
-              <a:t>-</a:t>
-            </a:r>
-            <a:r>
-              <a:rPr lang="en-US" altLang="ko-KR" dirty="0" err="1" smtClean="0"/>
+              <a:t>$ git branch -</a:t>
+            </a:r>
+            <a:r>
+              <a:rPr lang="en-US" altLang="ko-KR" dirty="0" err="1"/>
               <a:t>av</a:t>
             </a:r>
             <a:endParaRPr lang="en-US" altLang="ko-KR" dirty="0"/>
@@ -22960,11 +22981,7 @@
             </a:pPr>
             <a:r>
               <a:rPr lang="en-US" altLang="ko-KR" dirty="0"/>
-              <a:t>Mark the current commit with a </a:t>
-            </a:r>
-            <a:r>
-              <a:rPr lang="en-US" altLang="ko-KR" dirty="0" smtClean="0"/>
-              <a:t>tag</a:t>
+              <a:t>Mark the current commit with a tag</a:t>
             </a:r>
           </a:p>
           <a:p>
@@ -22986,38 +23003,37 @@
               <a:t> </a:t>
             </a:r>
             <a:r>
-              <a:rPr lang="en-US" altLang="ko-KR" dirty="0" err="1" smtClean="0"/>
+              <a:rPr lang="en-US" altLang="ko-KR" dirty="0" err="1"/>
               <a:t>rm</a:t>
             </a:r>
             <a:r>
-              <a:rPr lang="en-US" altLang="ko-KR" dirty="0" smtClean="0"/>
+              <a:rPr lang="en-US" altLang="ko-KR" dirty="0"/>
               <a:t> -r --cached .</a:t>
             </a:r>
+          </a:p>
+          <a:p>
+            <a:pPr lvl="1">
+              <a:lnSpc>
+                <a:spcPct val="130000"/>
+              </a:lnSpc>
+            </a:pPr>
+            <a:r>
+              <a:rPr lang="en-US" altLang="ko-KR" dirty="0"/>
+              <a:t>Stage</a:t>
+            </a:r>
+            <a:r>
+              <a:rPr lang="ko-KR" altLang="en-US" dirty="0"/>
+              <a:t>되어 있는 파일을 </a:t>
+            </a:r>
+            <a:r>
+              <a:rPr lang="en-US" altLang="ko-KR" dirty="0" err="1"/>
+              <a:t>unstage</a:t>
+            </a:r>
+            <a:r>
+              <a:rPr lang="ko-KR" altLang="en-US" dirty="0"/>
+              <a:t>시킬 때</a:t>
+            </a:r>
             <a:endParaRPr lang="en-US" altLang="ko-KR" dirty="0"/>
-          </a:p>
-          <a:p>
-            <a:pPr lvl="1">
-              <a:lnSpc>
-                <a:spcPct val="130000"/>
-              </a:lnSpc>
-            </a:pPr>
-            <a:r>
-              <a:rPr lang="en-US" altLang="ko-KR" dirty="0" smtClean="0"/>
-              <a:t>Stage</a:t>
-            </a:r>
-            <a:r>
-              <a:rPr lang="ko-KR" altLang="en-US" dirty="0" smtClean="0"/>
-              <a:t>되어 있는 파일을 </a:t>
-            </a:r>
-            <a:r>
-              <a:rPr lang="en-US" altLang="ko-KR" dirty="0" err="1" smtClean="0"/>
-              <a:t>unstage</a:t>
-            </a:r>
-            <a:r>
-              <a:rPr lang="ko-KR" altLang="en-US" dirty="0" smtClean="0"/>
-              <a:t>시킬 때</a:t>
-            </a:r>
-            <a:endParaRPr lang="en-US" altLang="ko-KR" dirty="0" smtClean="0"/>
           </a:p>
           <a:p>
             <a:pPr>
@@ -23035,74 +23051,65 @@
             </a:r>
             <a:r>
               <a:rPr lang="en-US" altLang="ko-KR" dirty="0"/>
+              <a:t> restore &lt;</a:t>
+            </a:r>
+            <a:r>
+              <a:rPr lang="ko-KR" altLang="en-US" dirty="0"/>
+              <a:t>파일명</a:t>
+            </a:r>
+            <a:r>
+              <a:rPr lang="en-US" altLang="ko-KR" dirty="0"/>
+              <a:t>&gt;</a:t>
+            </a:r>
+          </a:p>
+          <a:p>
+            <a:pPr lvl="1">
+              <a:lnSpc>
+                <a:spcPct val="130000"/>
+              </a:lnSpc>
+            </a:pPr>
+            <a:r>
+              <a:rPr lang="en-US" altLang="ko-KR" dirty="0"/>
+              <a:t>Not Stage</a:t>
+            </a:r>
+            <a:r>
+              <a:rPr lang="ko-KR" altLang="en-US" dirty="0"/>
+              <a:t>되어 있는 파일을 내용 변경 전으로 돌릴 때</a:t>
+            </a:r>
+            <a:endParaRPr lang="en-US" altLang="ko-KR" dirty="0"/>
+          </a:p>
+          <a:p>
+            <a:pPr lvl="1">
+              <a:lnSpc>
+                <a:spcPct val="130000"/>
+              </a:lnSpc>
+            </a:pPr>
+            <a:r>
+              <a:rPr lang="en-US" altLang="ko-KR" dirty="0" err="1"/>
+              <a:t>Git</a:t>
+            </a:r>
+            <a:r>
+              <a:rPr lang="en-US" altLang="ko-KR" dirty="0"/>
+              <a:t> status </a:t>
+            </a:r>
+            <a:r>
+              <a:rPr lang="ko-KR" altLang="en-US" dirty="0"/>
+              <a:t>에서 적색으로 있다가 </a:t>
+            </a:r>
+            <a:r>
+              <a:rPr lang="ko-KR" altLang="en-US" dirty="0" err="1"/>
+              <a:t>명령후에는</a:t>
+            </a:r>
+            <a:r>
+              <a:rPr lang="ko-KR" altLang="en-US" dirty="0"/>
               <a:t> </a:t>
             </a:r>
             <a:r>
-              <a:rPr lang="en-US" altLang="ko-KR" dirty="0" smtClean="0"/>
-              <a:t>restore &lt;</a:t>
-            </a:r>
-            <a:r>
-              <a:rPr lang="ko-KR" altLang="en-US" dirty="0" smtClean="0"/>
-              <a:t>파일명</a:t>
-            </a:r>
-            <a:r>
-              <a:rPr lang="en-US" altLang="ko-KR" dirty="0" smtClean="0"/>
-              <a:t>&gt;</a:t>
-            </a:r>
-            <a:endParaRPr lang="en-US" altLang="ko-KR" dirty="0"/>
-          </a:p>
-          <a:p>
-            <a:pPr lvl="1">
-              <a:lnSpc>
-                <a:spcPct val="130000"/>
-              </a:lnSpc>
-            </a:pPr>
-            <a:r>
-              <a:rPr lang="en-US" altLang="ko-KR" dirty="0" smtClean="0"/>
-              <a:t>Not Stage</a:t>
+              <a:rPr lang="en-US" altLang="ko-KR" dirty="0"/>
+              <a:t>working tree clean</a:t>
             </a:r>
             <a:r>
               <a:rPr lang="ko-KR" altLang="en-US" dirty="0"/>
-              <a:t>되어 있는 </a:t>
-            </a:r>
-            <a:r>
-              <a:rPr lang="ko-KR" altLang="en-US" dirty="0" smtClean="0"/>
-              <a:t>파일을 내용 변경 전으로 돌릴 때</a:t>
-            </a:r>
-            <a:endParaRPr lang="en-US" altLang="ko-KR" dirty="0" smtClean="0"/>
-          </a:p>
-          <a:p>
-            <a:pPr lvl="1">
-              <a:lnSpc>
-                <a:spcPct val="130000"/>
-              </a:lnSpc>
-            </a:pPr>
-            <a:r>
-              <a:rPr lang="en-US" altLang="ko-KR" dirty="0" err="1" smtClean="0"/>
-              <a:t>Git</a:t>
-            </a:r>
-            <a:r>
-              <a:rPr lang="en-US" altLang="ko-KR" dirty="0" smtClean="0"/>
-              <a:t> status </a:t>
-            </a:r>
-            <a:r>
-              <a:rPr lang="ko-KR" altLang="en-US" dirty="0" smtClean="0"/>
-              <a:t>에서 적색으로 있다가 </a:t>
-            </a:r>
-            <a:r>
-              <a:rPr lang="ko-KR" altLang="en-US" dirty="0" err="1" smtClean="0"/>
-              <a:t>명령후에는</a:t>
-            </a:r>
-            <a:r>
-              <a:rPr lang="ko-KR" altLang="en-US" dirty="0" smtClean="0"/>
-              <a:t> </a:t>
-            </a:r>
-            <a:r>
-              <a:rPr lang="en-US" altLang="ko-KR" dirty="0" smtClean="0"/>
-              <a:t>working tree clean</a:t>
-            </a:r>
-            <a:r>
-              <a:rPr lang="ko-KR" altLang="en-US" dirty="0" smtClean="0"/>
               <a:t>으로 표시됨</a:t>
             </a:r>
             <a:endParaRPr lang="en-US" altLang="ko-KR" dirty="0"/>

--- a/git및github첫걸음11-명령어모음.pptx
+++ b/git및github첫걸음11-명령어모음.pptx
@@ -22517,34 +22517,74 @@
             </a:r>
           </a:p>
           <a:p>
+            <a:pPr>
+              <a:lnSpc>
+                <a:spcPct val="130000"/>
+              </a:lnSpc>
+            </a:pPr>
+            <a:r>
+              <a:rPr lang="en-US" altLang="ko-KR" dirty="0"/>
+              <a:t>$ git checkout --track &lt;remote/branch&gt;</a:t>
+            </a:r>
+          </a:p>
+          <a:p>
             <a:pPr lvl="1">
               <a:lnSpc>
                 <a:spcPct val="130000"/>
               </a:lnSpc>
             </a:pPr>
+            <a:r>
+              <a:rPr lang="en-US" altLang="ko-KR" dirty="0"/>
+              <a:t>Create a new tracking branch based on a remote branch</a:t>
+            </a:r>
+          </a:p>
+          <a:p>
+            <a:pPr lvl="1">
+              <a:lnSpc>
+                <a:spcPct val="130000"/>
+              </a:lnSpc>
+            </a:pPr>
+            <a:r>
+              <a:rPr lang="en-US" altLang="ko-KR" dirty="0"/>
+              <a:t>Remote</a:t>
+            </a:r>
+            <a:r>
+              <a:rPr lang="ko-KR" altLang="en-US" dirty="0"/>
+              <a:t> </a:t>
+            </a:r>
+            <a:r>
+              <a:rPr lang="ko-KR" altLang="en-US" dirty="0" err="1"/>
+              <a:t>브랜치를</a:t>
+            </a:r>
+            <a:r>
+              <a:rPr lang="ko-KR" altLang="en-US" dirty="0"/>
+              <a:t> </a:t>
+            </a:r>
+            <a:r>
+              <a:rPr lang="en-US" altLang="ko-KR" dirty="0"/>
+              <a:t>pull</a:t>
+            </a:r>
+            <a:r>
+              <a:rPr lang="ko-KR" altLang="en-US" dirty="0"/>
+              <a:t>하면서 </a:t>
+            </a:r>
+            <a:r>
+              <a:rPr lang="en-US" altLang="ko-KR" dirty="0"/>
+              <a:t>track</a:t>
+            </a:r>
+            <a:r>
+              <a:rPr lang="ko-KR" altLang="en-US" dirty="0"/>
+              <a:t>을</a:t>
+            </a:r>
+            <a:r>
+              <a:rPr lang="en-US" altLang="ko-KR" dirty="0"/>
+              <a:t> </a:t>
+            </a:r>
+            <a:r>
+              <a:rPr lang="ko-KR" altLang="en-US" dirty="0"/>
+              <a:t>동시에 수행</a:t>
+            </a:r>
             <a:endParaRPr lang="en-US" altLang="ko-KR" dirty="0"/>
-          </a:p>
-          <a:p>
-            <a:pPr>
-              <a:lnSpc>
-                <a:spcPct val="130000"/>
-              </a:lnSpc>
-            </a:pPr>
-            <a:r>
-              <a:rPr lang="en-US" altLang="ko-KR" dirty="0"/>
-              <a:t>$ git checkout --track &lt;remote/branch&gt;</a:t>
-            </a:r>
-          </a:p>
-          <a:p>
-            <a:pPr lvl="1">
-              <a:lnSpc>
-                <a:spcPct val="130000"/>
-              </a:lnSpc>
-            </a:pPr>
-            <a:r>
-              <a:rPr lang="en-US" altLang="ko-KR" dirty="0"/>
-              <a:t>Create a new tracking branch based on a remote branch</a:t>
-            </a:r>
           </a:p>
           <a:p>
             <a:pPr>
